--- a/part-2/React-Perfo.pptx
+++ b/part-2/React-Perfo.pptx
@@ -5,7 +5,7 @@
     <p:sldMasterId id="2147483648" r:id="rId1"/>
   </p:sldMasterIdLst>
   <p:notesMasterIdLst>
-    <p:notesMasterId r:id="rId9"/>
+    <p:notesMasterId r:id="rId19"/>
   </p:notesMasterIdLst>
   <p:sldIdLst>
     <p:sldId id="256" r:id="rId2"/>
@@ -13,8 +13,18 @@
     <p:sldId id="259" r:id="rId4"/>
     <p:sldId id="257" r:id="rId5"/>
     <p:sldId id="260" r:id="rId6"/>
-    <p:sldId id="261" r:id="rId7"/>
-    <p:sldId id="262" r:id="rId8"/>
+    <p:sldId id="263" r:id="rId7"/>
+    <p:sldId id="261" r:id="rId8"/>
+    <p:sldId id="269" r:id="rId9"/>
+    <p:sldId id="270" r:id="rId10"/>
+    <p:sldId id="271" r:id="rId11"/>
+    <p:sldId id="262" r:id="rId12"/>
+    <p:sldId id="267" r:id="rId13"/>
+    <p:sldId id="264" r:id="rId14"/>
+    <p:sldId id="265" r:id="rId15"/>
+    <p:sldId id="266" r:id="rId16"/>
+    <p:sldId id="268" r:id="rId17"/>
+    <p:sldId id="272" r:id="rId18"/>
   </p:sldIdLst>
   <p:sldSz cx="12192000" cy="6858000"/>
   <p:notesSz cx="6858000" cy="9144000"/>
@@ -113,6 +123,11 @@
       </a:defRPr>
     </a:lvl9pPr>
   </p:defaultTextStyle>
+  <p:extLst>
+    <p:ext uri="{EFAFB233-063F-42B5-8137-9DF3F51BA10A}">
+      <p15:sldGuideLst xmlns:p15="http://schemas.microsoft.com/office/powerpoint/2012/main"/>
+    </p:ext>
+  </p:extLst>
 </p:presentation>
 </file>
 
@@ -198,7 +213,7 @@
           <a:p>
             <a:fld id="{DAFD8366-78F6-4B3C-B44B-186B48A03637}" type="datetimeFigureOut">
               <a:rPr lang="en-CA" smtClean="0"/>
-              <a:t>2019-02-07</a:t>
+              <a:t>08/02/2019</a:t>
             </a:fld>
             <a:endParaRPr lang="en-CA"/>
           </a:p>
@@ -604,6 +619,93 @@
           <a:lstStyle/>
           <a:p>
             <a:r>
+              <a:rPr lang="fr-CA" dirty="0"/>
+              <a:t>https://medium.com/@elinahovakimyan/react-16-lifecycles-explained-ea3b2f7ffd2a</a:t>
+            </a:r>
+          </a:p>
+        </p:txBody>
+      </p:sp>
+      <p:sp>
+        <p:nvSpPr>
+          <p:cNvPr id="4" name="Slide Number Placeholder 3"/>
+          <p:cNvSpPr>
+            <a:spLocks noGrp="1"/>
+          </p:cNvSpPr>
+          <p:nvPr>
+            <p:ph type="sldNum" sz="quarter" idx="5"/>
+          </p:nvPr>
+        </p:nvSpPr>
+        <p:spPr/>
+        <p:txBody>
+          <a:bodyPr/>
+          <a:lstStyle/>
+          <a:p>
+            <a:fld id="{4611314A-80A0-4876-B1A5-EEE650CBF79F}" type="slidenum">
+              <a:rPr lang="en-CA" smtClean="0"/>
+              <a:t>9</a:t>
+            </a:fld>
+            <a:endParaRPr lang="en-CA"/>
+          </a:p>
+        </p:txBody>
+      </p:sp>
+    </p:spTree>
+    <p:extLst>
+      <p:ext uri="{BB962C8B-B14F-4D97-AF65-F5344CB8AC3E}">
+        <p14:creationId xmlns:p14="http://schemas.microsoft.com/office/powerpoint/2010/main" val="4247930852"/>
+      </p:ext>
+    </p:extLst>
+  </p:cSld>
+  <p:clrMapOvr>
+    <a:masterClrMapping/>
+  </p:clrMapOvr>
+</p:notes>
+</file>
+
+<file path=ppt/notesSlides/notesSlide3.xml><?xml version="1.0" encoding="utf-8"?>
+<p:notes xmlns:a="http://schemas.openxmlformats.org/drawingml/2006/main" xmlns:r="http://schemas.openxmlformats.org/officeDocument/2006/relationships" xmlns:p="http://schemas.openxmlformats.org/presentationml/2006/main">
+  <p:cSld>
+    <p:spTree>
+      <p:nvGrpSpPr>
+        <p:cNvPr id="1" name=""/>
+        <p:cNvGrpSpPr/>
+        <p:nvPr/>
+      </p:nvGrpSpPr>
+      <p:grpSpPr>
+        <a:xfrm>
+          <a:off x="0" y="0"/>
+          <a:ext cx="0" cy="0"/>
+          <a:chOff x="0" y="0"/>
+          <a:chExt cx="0" cy="0"/>
+        </a:xfrm>
+      </p:grpSpPr>
+      <p:sp>
+        <p:nvSpPr>
+          <p:cNvPr id="2" name="Slide Image Placeholder 1"/>
+          <p:cNvSpPr>
+            <a:spLocks noGrp="1" noRot="1" noChangeAspect="1"/>
+          </p:cNvSpPr>
+          <p:nvPr>
+            <p:ph type="sldImg"/>
+          </p:nvPr>
+        </p:nvSpPr>
+        <p:spPr/>
+      </p:sp>
+      <p:sp>
+        <p:nvSpPr>
+          <p:cNvPr id="3" name="Notes Placeholder 2"/>
+          <p:cNvSpPr>
+            <a:spLocks noGrp="1"/>
+          </p:cNvSpPr>
+          <p:nvPr>
+            <p:ph type="body" idx="1"/>
+          </p:nvPr>
+        </p:nvSpPr>
+        <p:spPr/>
+        <p:txBody>
+          <a:bodyPr/>
+          <a:lstStyle/>
+          <a:p>
+            <a:r>
               <a:rPr lang="en-CA" dirty="0"/>
               <a:t>https://medium.com/@fay_jai/react-elements-vs-react-components-vs-component-backing-instances-14d42729f62</a:t>
             </a:r>
@@ -648,7 +750,7 @@
           <a:p>
             <a:fld id="{4611314A-80A0-4876-B1A5-EEE650CBF79F}" type="slidenum">
               <a:rPr lang="en-CA" smtClean="0"/>
-              <a:t>7</a:t>
+              <a:t>11</a:t>
             </a:fld>
             <a:endParaRPr lang="en-CA"/>
           </a:p>
@@ -816,7 +918,7 @@
           <a:p>
             <a:fld id="{F752A3F4-2F0B-4EDF-BB25-F54BA930C80F}" type="datetimeFigureOut">
               <a:rPr lang="en-CA" smtClean="0"/>
-              <a:t>2019-02-07</a:t>
+              <a:t>08/02/2019</a:t>
             </a:fld>
             <a:endParaRPr lang="en-CA"/>
           </a:p>
@@ -1016,7 +1118,7 @@
           <a:p>
             <a:fld id="{F752A3F4-2F0B-4EDF-BB25-F54BA930C80F}" type="datetimeFigureOut">
               <a:rPr lang="en-CA" smtClean="0"/>
-              <a:t>2019-02-07</a:t>
+              <a:t>08/02/2019</a:t>
             </a:fld>
             <a:endParaRPr lang="en-CA"/>
           </a:p>
@@ -1226,7 +1328,7 @@
           <a:p>
             <a:fld id="{F752A3F4-2F0B-4EDF-BB25-F54BA930C80F}" type="datetimeFigureOut">
               <a:rPr lang="en-CA" smtClean="0"/>
-              <a:t>2019-02-07</a:t>
+              <a:t>08/02/2019</a:t>
             </a:fld>
             <a:endParaRPr lang="en-CA"/>
           </a:p>
@@ -1426,7 +1528,7 @@
           <a:p>
             <a:fld id="{F752A3F4-2F0B-4EDF-BB25-F54BA930C80F}" type="datetimeFigureOut">
               <a:rPr lang="en-CA" smtClean="0"/>
-              <a:t>2019-02-07</a:t>
+              <a:t>08/02/2019</a:t>
             </a:fld>
             <a:endParaRPr lang="en-CA"/>
           </a:p>
@@ -1702,7 +1804,7 @@
           <a:p>
             <a:fld id="{F752A3F4-2F0B-4EDF-BB25-F54BA930C80F}" type="datetimeFigureOut">
               <a:rPr lang="en-CA" smtClean="0"/>
-              <a:t>2019-02-07</a:t>
+              <a:t>08/02/2019</a:t>
             </a:fld>
             <a:endParaRPr lang="en-CA"/>
           </a:p>
@@ -1970,7 +2072,7 @@
           <a:p>
             <a:fld id="{F752A3F4-2F0B-4EDF-BB25-F54BA930C80F}" type="datetimeFigureOut">
               <a:rPr lang="en-CA" smtClean="0"/>
-              <a:t>2019-02-07</a:t>
+              <a:t>08/02/2019</a:t>
             </a:fld>
             <a:endParaRPr lang="en-CA"/>
           </a:p>
@@ -2385,7 +2487,7 @@
           <a:p>
             <a:fld id="{F752A3F4-2F0B-4EDF-BB25-F54BA930C80F}" type="datetimeFigureOut">
               <a:rPr lang="en-CA" smtClean="0"/>
-              <a:t>2019-02-07</a:t>
+              <a:t>08/02/2019</a:t>
             </a:fld>
             <a:endParaRPr lang="en-CA"/>
           </a:p>
@@ -2527,7 +2629,7 @@
           <a:p>
             <a:fld id="{F752A3F4-2F0B-4EDF-BB25-F54BA930C80F}" type="datetimeFigureOut">
               <a:rPr lang="en-CA" smtClean="0"/>
-              <a:t>2019-02-07</a:t>
+              <a:t>08/02/2019</a:t>
             </a:fld>
             <a:endParaRPr lang="en-CA"/>
           </a:p>
@@ -2640,7 +2742,7 @@
           <a:p>
             <a:fld id="{F752A3F4-2F0B-4EDF-BB25-F54BA930C80F}" type="datetimeFigureOut">
               <a:rPr lang="en-CA" smtClean="0"/>
-              <a:t>2019-02-07</a:t>
+              <a:t>08/02/2019</a:t>
             </a:fld>
             <a:endParaRPr lang="en-CA"/>
           </a:p>
@@ -2953,7 +3055,7 @@
           <a:p>
             <a:fld id="{F752A3F4-2F0B-4EDF-BB25-F54BA930C80F}" type="datetimeFigureOut">
               <a:rPr lang="en-CA" smtClean="0"/>
-              <a:t>2019-02-07</a:t>
+              <a:t>08/02/2019</a:t>
             </a:fld>
             <a:endParaRPr lang="en-CA"/>
           </a:p>
@@ -3242,7 +3344,7 @@
           <a:p>
             <a:fld id="{F752A3F4-2F0B-4EDF-BB25-F54BA930C80F}" type="datetimeFigureOut">
               <a:rPr lang="en-CA" smtClean="0"/>
-              <a:t>2019-02-07</a:t>
+              <a:t>08/02/2019</a:t>
             </a:fld>
             <a:endParaRPr lang="en-CA"/>
           </a:p>
@@ -3485,7 +3587,7 @@
           <a:p>
             <a:fld id="{F752A3F4-2F0B-4EDF-BB25-F54BA930C80F}" type="datetimeFigureOut">
               <a:rPr lang="en-CA" smtClean="0"/>
-              <a:t>2019-02-07</a:t>
+              <a:t>08/02/2019</a:t>
             </a:fld>
             <a:endParaRPr lang="en-CA"/>
           </a:p>
@@ -3965,6 +4067,1793 @@
 </p:sld>
 </file>
 
+<file path=ppt/slides/slide10.xml><?xml version="1.0" encoding="utf-8"?>
+<p:sld xmlns:a="http://schemas.openxmlformats.org/drawingml/2006/main" xmlns:r="http://schemas.openxmlformats.org/officeDocument/2006/relationships" xmlns:p="http://schemas.openxmlformats.org/presentationml/2006/main">
+  <p:cSld>
+    <p:spTree>
+      <p:nvGrpSpPr>
+        <p:cNvPr id="1" name=""/>
+        <p:cNvGrpSpPr/>
+        <p:nvPr/>
+      </p:nvGrpSpPr>
+      <p:grpSpPr>
+        <a:xfrm>
+          <a:off x="0" y="0"/>
+          <a:ext cx="0" cy="0"/>
+          <a:chOff x="0" y="0"/>
+          <a:chExt cx="0" cy="0"/>
+        </a:xfrm>
+      </p:grpSpPr>
+      <p:sp>
+        <p:nvSpPr>
+          <p:cNvPr id="2" name="Title 1">
+            <a:extLst>
+              <a:ext uri="{FF2B5EF4-FFF2-40B4-BE49-F238E27FC236}">
+                <a16:creationId xmlns:a16="http://schemas.microsoft.com/office/drawing/2014/main" id="{AA65C3F0-8428-48AE-8FBA-78CC105C44CA}"/>
+              </a:ext>
+            </a:extLst>
+          </p:cNvPr>
+          <p:cNvSpPr>
+            <a:spLocks noGrp="1"/>
+          </p:cNvSpPr>
+          <p:nvPr>
+            <p:ph type="title"/>
+          </p:nvPr>
+        </p:nvSpPr>
+        <p:spPr>
+          <a:xfrm>
+            <a:off x="838200" y="365125"/>
+            <a:ext cx="10975848" cy="1325563"/>
+          </a:xfrm>
+        </p:spPr>
+        <p:txBody>
+          <a:bodyPr/>
+          <a:lstStyle/>
+          <a:p>
+            <a:r>
+              <a:rPr lang="fr-CA" dirty="0"/>
+              <a:t>How and </a:t>
+            </a:r>
+            <a:r>
+              <a:rPr lang="fr-CA" dirty="0" err="1"/>
+              <a:t>When</a:t>
+            </a:r>
+            <a:r>
+              <a:rPr lang="fr-CA" dirty="0"/>
+              <a:t> use </a:t>
+            </a:r>
+            <a:r>
+              <a:rPr lang="fr-CA" dirty="0" err="1"/>
+              <a:t>lifecycle</a:t>
+            </a:r>
+            <a:r>
+              <a:rPr lang="fr-CA" dirty="0"/>
+              <a:t> </a:t>
+            </a:r>
+            <a:r>
+              <a:rPr lang="fr-CA" dirty="0" err="1"/>
+              <a:t>method</a:t>
+            </a:r>
+            <a:r>
+              <a:rPr lang="fr-CA" dirty="0"/>
+              <a:t> (</a:t>
+            </a:r>
+            <a:r>
+              <a:rPr lang="fr-CA" dirty="0" err="1"/>
+              <a:t>React</a:t>
+            </a:r>
+            <a:r>
+              <a:rPr lang="fr-CA" dirty="0"/>
+              <a:t> 16)</a:t>
+            </a:r>
+          </a:p>
+        </p:txBody>
+      </p:sp>
+      <p:graphicFrame>
+        <p:nvGraphicFramePr>
+          <p:cNvPr id="4" name="Content Placeholder 3">
+            <a:extLst>
+              <a:ext uri="{FF2B5EF4-FFF2-40B4-BE49-F238E27FC236}">
+                <a16:creationId xmlns:a16="http://schemas.microsoft.com/office/drawing/2014/main" id="{205428AB-9D70-4678-A192-863BBE998C77}"/>
+              </a:ext>
+            </a:extLst>
+          </p:cNvPr>
+          <p:cNvGraphicFramePr>
+            <a:graphicFrameLocks noGrp="1"/>
+          </p:cNvGraphicFramePr>
+          <p:nvPr>
+            <p:ph idx="1"/>
+            <p:extLst>
+              <p:ext uri="{D42A27DB-BD31-4B8C-83A1-F6EECF244321}">
+                <p14:modId xmlns:p14="http://schemas.microsoft.com/office/powerpoint/2010/main" val="394508774"/>
+              </p:ext>
+            </p:extLst>
+          </p:nvPr>
+        </p:nvGraphicFramePr>
+        <p:xfrm>
+          <a:off x="117230" y="1453528"/>
+          <a:ext cx="11957539" cy="2779760"/>
+        </p:xfrm>
+        <a:graphic>
+          <a:graphicData uri="http://schemas.openxmlformats.org/drawingml/2006/table">
+            <a:tbl>
+              <a:tblPr firstRow="1" bandRow="1">
+                <a:tableStyleId>{5C22544A-7EE6-4342-B048-85BDC9FD1C3A}</a:tableStyleId>
+              </a:tblPr>
+              <a:tblGrid>
+                <a:gridCol w="4245793">
+                  <a:extLst>
+                    <a:ext uri="{9D8B030D-6E8A-4147-A177-3AD203B41FA5}">
+                      <a16:colId xmlns:a16="http://schemas.microsoft.com/office/drawing/2014/main" val="181093278"/>
+                    </a:ext>
+                  </a:extLst>
+                </a:gridCol>
+                <a:gridCol w="7711746">
+                  <a:extLst>
+                    <a:ext uri="{9D8B030D-6E8A-4147-A177-3AD203B41FA5}">
+                      <a16:colId xmlns:a16="http://schemas.microsoft.com/office/drawing/2014/main" val="209439746"/>
+                    </a:ext>
+                  </a:extLst>
+                </a:gridCol>
+              </a:tblGrid>
+              <a:tr h="694940">
+                <a:tc>
+                  <a:txBody>
+                    <a:bodyPr/>
+                    <a:lstStyle/>
+                    <a:p>
+                      <a:r>
+                        <a:rPr lang="fr-CA" dirty="0"/>
+                        <a:t>Méthode du </a:t>
+                      </a:r>
+                      <a:r>
+                        <a:rPr lang="fr-CA" dirty="0" err="1"/>
+                        <a:t>lifecyle</a:t>
+                      </a:r>
+                      <a:endParaRPr lang="fr-CA" dirty="0"/>
+                    </a:p>
+                  </a:txBody>
+                  <a:tcPr/>
+                </a:tc>
+                <a:tc>
+                  <a:txBody>
+                    <a:bodyPr/>
+                    <a:lstStyle/>
+                    <a:p>
+                      <a:r>
+                        <a:rPr lang="fr-CA" dirty="0"/>
+                        <a:t>Détails</a:t>
+                      </a:r>
+                    </a:p>
+                  </a:txBody>
+                  <a:tcPr/>
+                </a:tc>
+                <a:extLst>
+                  <a:ext uri="{0D108BD9-81ED-4DB2-BD59-A6C34878D82A}">
+                    <a16:rowId xmlns:a16="http://schemas.microsoft.com/office/drawing/2014/main" val="3691666161"/>
+                  </a:ext>
+                </a:extLst>
+              </a:tr>
+              <a:tr h="694940">
+                <a:tc>
+                  <a:txBody>
+                    <a:bodyPr/>
+                    <a:lstStyle/>
+                    <a:p>
+                      <a:r>
+                        <a:rPr lang="fr-CA" dirty="0" err="1"/>
+                        <a:t>getDerivedStateFromProps</a:t>
+                      </a:r>
+                      <a:r>
+                        <a:rPr lang="fr-CA" dirty="0"/>
+                        <a:t>(</a:t>
+                      </a:r>
+                      <a:r>
+                        <a:rPr lang="fr-CA" dirty="0" err="1"/>
+                        <a:t>props</a:t>
+                      </a:r>
+                      <a:r>
+                        <a:rPr lang="fr-CA" dirty="0"/>
+                        <a:t>, state)</a:t>
+                      </a:r>
+                    </a:p>
+                  </a:txBody>
+                  <a:tcPr/>
+                </a:tc>
+                <a:tc>
+                  <a:txBody>
+                    <a:bodyPr/>
+                    <a:lstStyle/>
+                    <a:p>
+                      <a:pPr marL="285750" indent="-285750">
+                        <a:buFont typeface="Arial" panose="020B0604020202020204" pitchFamily="34" charset="0"/>
+                        <a:buChar char="•"/>
+                      </a:pPr>
+                      <a:r>
+                        <a:rPr lang="fr-CA" dirty="0"/>
+                        <a:t>Appelé avant chaque </a:t>
+                      </a:r>
+                      <a:r>
+                        <a:rPr lang="fr-CA" dirty="0" err="1"/>
+                        <a:t>render</a:t>
+                      </a:r>
+                      <a:endParaRPr lang="fr-CA" dirty="0"/>
+                    </a:p>
+                    <a:p>
+                      <a:pPr marL="285750" indent="-285750">
+                        <a:buFont typeface="Arial" panose="020B0604020202020204" pitchFamily="34" charset="0"/>
+                        <a:buChar char="•"/>
+                      </a:pPr>
+                      <a:r>
+                        <a:rPr lang="fr-CA" dirty="0"/>
+                        <a:t>Permet de retourner des modifications au state</a:t>
+                      </a:r>
+                    </a:p>
+                  </a:txBody>
+                  <a:tcPr/>
+                </a:tc>
+                <a:extLst>
+                  <a:ext uri="{0D108BD9-81ED-4DB2-BD59-A6C34878D82A}">
+                    <a16:rowId xmlns:a16="http://schemas.microsoft.com/office/drawing/2014/main" val="1175331947"/>
+                  </a:ext>
+                </a:extLst>
+              </a:tr>
+              <a:tr h="694940">
+                <a:tc>
+                  <a:txBody>
+                    <a:bodyPr/>
+                    <a:lstStyle/>
+                    <a:p>
+                      <a:r>
+                        <a:rPr lang="fr-CA" dirty="0" err="1"/>
+                        <a:t>getSnapshotBeforeUpdate</a:t>
+                      </a:r>
+                      <a:r>
+                        <a:rPr lang="fr-CA" dirty="0"/>
+                        <a:t>(</a:t>
+                      </a:r>
+                      <a:r>
+                        <a:rPr lang="fr-CA" dirty="0" err="1"/>
+                        <a:t>prevProps</a:t>
+                      </a:r>
+                      <a:r>
+                        <a:rPr lang="fr-CA" dirty="0"/>
+                        <a:t>, </a:t>
+                      </a:r>
+                      <a:r>
+                        <a:rPr lang="fr-CA" dirty="0" err="1"/>
+                        <a:t>prevState</a:t>
+                      </a:r>
+                      <a:r>
+                        <a:rPr lang="fr-CA" dirty="0"/>
+                        <a:t>)</a:t>
+                      </a:r>
+                    </a:p>
+                  </a:txBody>
+                  <a:tcPr/>
+                </a:tc>
+                <a:tc>
+                  <a:txBody>
+                    <a:bodyPr/>
+                    <a:lstStyle/>
+                    <a:p>
+                      <a:pPr marL="285750" indent="-285750">
+                        <a:buFont typeface="Arial" panose="020B0604020202020204" pitchFamily="34" charset="0"/>
+                        <a:buChar char="•"/>
+                      </a:pPr>
+                      <a:r>
+                        <a:rPr lang="fr-CA" dirty="0"/>
+                        <a:t>Permet de </a:t>
+                      </a:r>
+                      <a:r>
+                        <a:rPr lang="fr-CA" dirty="0" err="1"/>
+                        <a:t>compute</a:t>
+                      </a:r>
+                      <a:r>
+                        <a:rPr lang="fr-CA" dirty="0"/>
+                        <a:t> du data qui va être accessible dans le </a:t>
+                      </a:r>
+                      <a:r>
+                        <a:rPr lang="fr-CA" dirty="0" err="1"/>
+                        <a:t>componentDidUpdate</a:t>
+                      </a:r>
+                      <a:endParaRPr lang="fr-CA" dirty="0"/>
+                    </a:p>
+                  </a:txBody>
+                  <a:tcPr/>
+                </a:tc>
+                <a:extLst>
+                  <a:ext uri="{0D108BD9-81ED-4DB2-BD59-A6C34878D82A}">
+                    <a16:rowId xmlns:a16="http://schemas.microsoft.com/office/drawing/2014/main" val="1110155706"/>
+                  </a:ext>
+                </a:extLst>
+              </a:tr>
+              <a:tr h="694940">
+                <a:tc>
+                  <a:txBody>
+                    <a:bodyPr/>
+                    <a:lstStyle/>
+                    <a:p>
+                      <a:r>
+                        <a:rPr lang="fr-CA" dirty="0" err="1"/>
+                        <a:t>componentDidCatch</a:t>
+                      </a:r>
+                      <a:r>
+                        <a:rPr lang="fr-CA" dirty="0"/>
+                        <a:t>(</a:t>
+                      </a:r>
+                      <a:r>
+                        <a:rPr lang="fr-CA" dirty="0" err="1"/>
+                        <a:t>errorString</a:t>
+                      </a:r>
+                      <a:r>
+                        <a:rPr lang="fr-CA" dirty="0"/>
+                        <a:t>, </a:t>
+                      </a:r>
+                      <a:r>
+                        <a:rPr lang="fr-CA" dirty="0" err="1"/>
+                        <a:t>errorInfo</a:t>
+                      </a:r>
+                      <a:r>
+                        <a:rPr lang="fr-CA" dirty="0"/>
+                        <a:t>)</a:t>
+                      </a:r>
+                    </a:p>
+                  </a:txBody>
+                  <a:tcPr/>
+                </a:tc>
+                <a:tc>
+                  <a:txBody>
+                    <a:bodyPr/>
+                    <a:lstStyle/>
+                    <a:p>
+                      <a:pPr marL="285750" indent="-285750">
+                        <a:buFont typeface="Arial" panose="020B0604020202020204" pitchFamily="34" charset="0"/>
+                        <a:buChar char="•"/>
+                      </a:pPr>
+                      <a:r>
+                        <a:rPr lang="fr-CA" dirty="0"/>
+                        <a:t>Attrape toutes les erreurs non attrapé par les </a:t>
+                      </a:r>
+                      <a:r>
+                        <a:rPr lang="fr-CA" dirty="0" err="1"/>
+                        <a:t>childs</a:t>
+                      </a:r>
+                      <a:r>
+                        <a:rPr lang="fr-CA" dirty="0"/>
+                        <a:t> components</a:t>
+                      </a:r>
+                    </a:p>
+                  </a:txBody>
+                  <a:tcPr/>
+                </a:tc>
+                <a:extLst>
+                  <a:ext uri="{0D108BD9-81ED-4DB2-BD59-A6C34878D82A}">
+                    <a16:rowId xmlns:a16="http://schemas.microsoft.com/office/drawing/2014/main" val="702503530"/>
+                  </a:ext>
+                </a:extLst>
+              </a:tr>
+            </a:tbl>
+          </a:graphicData>
+        </a:graphic>
+      </p:graphicFrame>
+    </p:spTree>
+    <p:extLst>
+      <p:ext uri="{BB962C8B-B14F-4D97-AF65-F5344CB8AC3E}">
+        <p14:creationId xmlns:p14="http://schemas.microsoft.com/office/powerpoint/2010/main" val="4143327455"/>
+      </p:ext>
+    </p:extLst>
+  </p:cSld>
+  <p:clrMapOvr>
+    <a:masterClrMapping/>
+  </p:clrMapOvr>
+</p:sld>
+</file>
+
+<file path=ppt/slides/slide11.xml><?xml version="1.0" encoding="utf-8"?>
+<p:sld xmlns:a="http://schemas.openxmlformats.org/drawingml/2006/main" xmlns:r="http://schemas.openxmlformats.org/officeDocument/2006/relationships" xmlns:p="http://schemas.openxmlformats.org/presentationml/2006/main">
+  <p:cSld>
+    <p:spTree>
+      <p:nvGrpSpPr>
+        <p:cNvPr id="1" name=""/>
+        <p:cNvGrpSpPr/>
+        <p:nvPr/>
+      </p:nvGrpSpPr>
+      <p:grpSpPr>
+        <a:xfrm>
+          <a:off x="0" y="0"/>
+          <a:ext cx="0" cy="0"/>
+          <a:chOff x="0" y="0"/>
+          <a:chExt cx="0" cy="0"/>
+        </a:xfrm>
+      </p:grpSpPr>
+      <p:sp>
+        <p:nvSpPr>
+          <p:cNvPr id="2" name="Title 1">
+            <a:extLst>
+              <a:ext uri="{FF2B5EF4-FFF2-40B4-BE49-F238E27FC236}">
+                <a16:creationId xmlns:a16="http://schemas.microsoft.com/office/drawing/2014/main" id="{B56AB862-FB26-48DC-9687-ABFF8FA02D26}"/>
+              </a:ext>
+            </a:extLst>
+          </p:cNvPr>
+          <p:cNvSpPr>
+            <a:spLocks noGrp="1"/>
+          </p:cNvSpPr>
+          <p:nvPr>
+            <p:ph type="title"/>
+          </p:nvPr>
+        </p:nvSpPr>
+        <p:spPr/>
+        <p:txBody>
+          <a:bodyPr/>
+          <a:lstStyle/>
+          <a:p>
+            <a:r>
+              <a:rPr lang="fr-CA" dirty="0" err="1"/>
+              <a:t>React</a:t>
+            </a:r>
+            <a:r>
+              <a:rPr lang="fr-CA" dirty="0"/>
+              <a:t> </a:t>
+            </a:r>
+            <a:r>
+              <a:rPr lang="fr-CA" dirty="0" err="1"/>
+              <a:t>Render</a:t>
+            </a:r>
+            <a:r>
+              <a:rPr lang="fr-CA" dirty="0"/>
+              <a:t> &amp; </a:t>
+            </a:r>
+            <a:r>
+              <a:rPr lang="fr-CA" dirty="0" err="1"/>
+              <a:t>Reconciliation</a:t>
+            </a:r>
+            <a:endParaRPr lang="en-CA" dirty="0"/>
+          </a:p>
+        </p:txBody>
+      </p:sp>
+      <p:sp>
+        <p:nvSpPr>
+          <p:cNvPr id="3" name="Content Placeholder 2">
+            <a:extLst>
+              <a:ext uri="{FF2B5EF4-FFF2-40B4-BE49-F238E27FC236}">
+                <a16:creationId xmlns:a16="http://schemas.microsoft.com/office/drawing/2014/main" id="{A8359718-8B24-4054-9B5C-A032DAA7ACA9}"/>
+              </a:ext>
+            </a:extLst>
+          </p:cNvPr>
+          <p:cNvSpPr>
+            <a:spLocks noGrp="1"/>
+          </p:cNvSpPr>
+          <p:nvPr>
+            <p:ph idx="1"/>
+          </p:nvPr>
+        </p:nvSpPr>
+        <p:spPr>
+          <a:xfrm>
+            <a:off x="658906" y="1690688"/>
+            <a:ext cx="10771094" cy="4351338"/>
+          </a:xfrm>
+        </p:spPr>
+        <p:txBody>
+          <a:bodyPr>
+            <a:normAutofit/>
+          </a:bodyPr>
+          <a:lstStyle/>
+          <a:p>
+            <a:pPr marL="0" indent="0">
+              <a:buNone/>
+            </a:pPr>
+            <a:r>
+              <a:rPr lang="fr-CA" dirty="0"/>
+              <a:t>Lorsqu’on </a:t>
+            </a:r>
+            <a:r>
+              <a:rPr lang="fr-CA" dirty="0" err="1"/>
+              <a:t>apelle</a:t>
+            </a:r>
+            <a:r>
+              <a:rPr lang="fr-CA" dirty="0"/>
+              <a:t> la méthode </a:t>
+            </a:r>
+            <a:r>
+              <a:rPr lang="fr-CA" dirty="0" err="1"/>
+              <a:t>React.Render</a:t>
+            </a:r>
+            <a:r>
+              <a:rPr lang="fr-CA" dirty="0"/>
+              <a:t>() ou </a:t>
+            </a:r>
+            <a:r>
+              <a:rPr lang="fr-CA" dirty="0" err="1"/>
+              <a:t>setState</a:t>
+            </a:r>
+            <a:r>
+              <a:rPr lang="fr-CA" dirty="0"/>
+              <a:t>() 2 chose se produise:</a:t>
+            </a:r>
+          </a:p>
+          <a:p>
+            <a:pPr marL="0" indent="0">
+              <a:buNone/>
+            </a:pPr>
+            <a:endParaRPr lang="fr-CA" dirty="0"/>
+          </a:p>
+          <a:p>
+            <a:pPr marL="0" indent="0">
+              <a:buNone/>
+            </a:pPr>
+            <a:r>
+              <a:rPr lang="fr-CA" dirty="0"/>
+              <a:t>#1) Update/</a:t>
+            </a:r>
+            <a:r>
+              <a:rPr lang="fr-CA" dirty="0" err="1"/>
+              <a:t>Render</a:t>
+            </a:r>
+            <a:r>
+              <a:rPr lang="fr-CA" dirty="0"/>
+              <a:t> du Virtual-DOM</a:t>
+            </a:r>
+          </a:p>
+          <a:p>
+            <a:r>
+              <a:rPr lang="fr-CA" sz="2000" dirty="0"/>
+              <a:t>Recréer les </a:t>
+            </a:r>
+            <a:r>
+              <a:rPr lang="fr-CA" sz="2000" dirty="0" err="1"/>
+              <a:t>reactElements</a:t>
+            </a:r>
+            <a:r>
+              <a:rPr lang="fr-CA" sz="2000" dirty="0"/>
+              <a:t> de l’élément et de son sous arbre</a:t>
+            </a:r>
+          </a:p>
+          <a:p>
+            <a:pPr lvl="1"/>
+            <a:r>
+              <a:rPr lang="fr-CA" sz="2000" dirty="0"/>
+              <a:t>Sur </a:t>
+            </a:r>
+            <a:r>
+              <a:rPr lang="fr-CA" sz="2000" dirty="0" err="1"/>
+              <a:t>React.Render</a:t>
+            </a:r>
+            <a:r>
+              <a:rPr lang="fr-CA" sz="2000" dirty="0"/>
+              <a:t>() l’élément est le root</a:t>
+            </a:r>
+          </a:p>
+          <a:p>
+            <a:pPr lvl="1"/>
+            <a:r>
+              <a:rPr lang="fr-CA" sz="2000" dirty="0"/>
+              <a:t>Avec </a:t>
+            </a:r>
+            <a:r>
+              <a:rPr lang="fr-CA" sz="2000" dirty="0" err="1"/>
+              <a:t>setState</a:t>
+            </a:r>
+            <a:r>
+              <a:rPr lang="fr-CA" sz="2000" dirty="0"/>
+              <a:t>() l’élément est le component updaté</a:t>
+            </a:r>
+          </a:p>
+          <a:p>
+            <a:pPr marL="0" indent="0">
+              <a:buNone/>
+            </a:pPr>
+            <a:r>
+              <a:rPr lang="fr-CA" dirty="0"/>
+              <a:t>#2) </a:t>
+            </a:r>
+            <a:r>
+              <a:rPr lang="fr-CA" dirty="0" err="1"/>
+              <a:t>Reconciliation</a:t>
+            </a:r>
+            <a:endParaRPr lang="fr-CA" dirty="0"/>
+          </a:p>
+          <a:p>
+            <a:r>
+              <a:rPr lang="fr-CA" sz="2000" dirty="0" err="1"/>
+              <a:t>Renderer</a:t>
+            </a:r>
+            <a:r>
+              <a:rPr lang="fr-CA" sz="2000" dirty="0"/>
+              <a:t> (comme </a:t>
+            </a:r>
+            <a:r>
+              <a:rPr lang="fr-CA" sz="2000" dirty="0" err="1"/>
+              <a:t>react</a:t>
+            </a:r>
+            <a:r>
+              <a:rPr lang="fr-CA" sz="2000" dirty="0"/>
+              <a:t>-dom ou </a:t>
+            </a:r>
+            <a:r>
+              <a:rPr lang="fr-CA" sz="2000" dirty="0" err="1"/>
+              <a:t>react</a:t>
+            </a:r>
+            <a:r>
+              <a:rPr lang="fr-CA" sz="2000" dirty="0"/>
+              <a:t>-native) calcule les changements minimal à faire pour mettre à jour le DOM de la </a:t>
+            </a:r>
+            <a:r>
+              <a:rPr lang="fr-CA" sz="2000" dirty="0" err="1"/>
+              <a:t>platforme</a:t>
+            </a:r>
+            <a:endParaRPr lang="fr-CA" sz="2000" dirty="0"/>
+          </a:p>
+          <a:p>
+            <a:pPr marL="0" indent="0">
+              <a:buNone/>
+            </a:pPr>
+            <a:endParaRPr lang="fr-CA" dirty="0"/>
+          </a:p>
+          <a:p>
+            <a:pPr marL="457200" lvl="1" indent="0">
+              <a:buNone/>
+            </a:pPr>
+            <a:endParaRPr lang="fr-CA" dirty="0"/>
+          </a:p>
+        </p:txBody>
+      </p:sp>
+      <p:sp>
+        <p:nvSpPr>
+          <p:cNvPr id="4" name="TextBox 3">
+            <a:extLst>
+              <a:ext uri="{FF2B5EF4-FFF2-40B4-BE49-F238E27FC236}">
+                <a16:creationId xmlns:a16="http://schemas.microsoft.com/office/drawing/2014/main" id="{AAC8258A-5666-40C6-8E08-9079FCD97085}"/>
+              </a:ext>
+            </a:extLst>
+          </p:cNvPr>
+          <p:cNvSpPr txBox="1"/>
+          <p:nvPr/>
+        </p:nvSpPr>
+        <p:spPr>
+          <a:xfrm>
+            <a:off x="566540" y="6187440"/>
+            <a:ext cx="6335517" cy="369332"/>
+          </a:xfrm>
+          <a:prstGeom prst="rect">
+            <a:avLst/>
+          </a:prstGeom>
+          <a:noFill/>
+        </p:spPr>
+        <p:txBody>
+          <a:bodyPr wrap="none" rtlCol="0">
+            <a:spAutoFit/>
+          </a:bodyPr>
+          <a:lstStyle/>
+          <a:p>
+            <a:r>
+              <a:rPr lang="fr-CA" dirty="0"/>
+              <a:t>Démo: « 3-react-render.html » et « 4-render-reconciliation.html »</a:t>
+            </a:r>
+            <a:endParaRPr lang="en-CA" dirty="0"/>
+          </a:p>
+        </p:txBody>
+      </p:sp>
+    </p:spTree>
+    <p:extLst>
+      <p:ext uri="{BB962C8B-B14F-4D97-AF65-F5344CB8AC3E}">
+        <p14:creationId xmlns:p14="http://schemas.microsoft.com/office/powerpoint/2010/main" val="1681685460"/>
+      </p:ext>
+    </p:extLst>
+  </p:cSld>
+  <p:clrMapOvr>
+    <a:masterClrMapping/>
+  </p:clrMapOvr>
+</p:sld>
+</file>
+
+<file path=ppt/slides/slide12.xml><?xml version="1.0" encoding="utf-8"?>
+<p:sld xmlns:a="http://schemas.openxmlformats.org/drawingml/2006/main" xmlns:r="http://schemas.openxmlformats.org/officeDocument/2006/relationships" xmlns:p="http://schemas.openxmlformats.org/presentationml/2006/main">
+  <p:cSld>
+    <p:spTree>
+      <p:nvGrpSpPr>
+        <p:cNvPr id="1" name=""/>
+        <p:cNvGrpSpPr/>
+        <p:nvPr/>
+      </p:nvGrpSpPr>
+      <p:grpSpPr>
+        <a:xfrm>
+          <a:off x="0" y="0"/>
+          <a:ext cx="0" cy="0"/>
+          <a:chOff x="0" y="0"/>
+          <a:chExt cx="0" cy="0"/>
+        </a:xfrm>
+      </p:grpSpPr>
+      <p:sp>
+        <p:nvSpPr>
+          <p:cNvPr id="2" name="Title 1">
+            <a:extLst>
+              <a:ext uri="{FF2B5EF4-FFF2-40B4-BE49-F238E27FC236}">
+                <a16:creationId xmlns:a16="http://schemas.microsoft.com/office/drawing/2014/main" id="{2E60B5A3-7084-4642-AE0B-69BD93FD8817}"/>
+              </a:ext>
+            </a:extLst>
+          </p:cNvPr>
+          <p:cNvSpPr>
+            <a:spLocks noGrp="1"/>
+          </p:cNvSpPr>
+          <p:nvPr>
+            <p:ph type="title"/>
+          </p:nvPr>
+        </p:nvSpPr>
+        <p:spPr/>
+        <p:txBody>
+          <a:bodyPr/>
+          <a:lstStyle/>
+          <a:p>
+            <a:r>
+              <a:rPr lang="fr-CA" dirty="0"/>
+              <a:t>Visualisation</a:t>
+            </a:r>
+          </a:p>
+        </p:txBody>
+      </p:sp>
+      <p:pic>
+        <p:nvPicPr>
+          <p:cNvPr id="1026" name="Picture 2" descr="should component update">
+            <a:extLst>
+              <a:ext uri="{FF2B5EF4-FFF2-40B4-BE49-F238E27FC236}">
+                <a16:creationId xmlns:a16="http://schemas.microsoft.com/office/drawing/2014/main" id="{BE971270-F2DA-41AB-A564-12C498F62736}"/>
+              </a:ext>
+            </a:extLst>
+          </p:cNvPr>
+          <p:cNvPicPr>
+            <a:picLocks noGrp="1" noChangeAspect="1" noChangeArrowheads="1"/>
+          </p:cNvPicPr>
+          <p:nvPr>
+            <p:ph idx="1"/>
+          </p:nvPr>
+        </p:nvPicPr>
+        <p:blipFill>
+          <a:blip r:embed="rId2">
+            <a:extLst>
+              <a:ext uri="{28A0092B-C50C-407E-A947-70E740481C1C}">
+                <a14:useLocalDpi xmlns:a14="http://schemas.microsoft.com/office/drawing/2010/main" val="0"/>
+              </a:ext>
+            </a:extLst>
+          </a:blip>
+          <a:srcRect/>
+          <a:stretch>
+            <a:fillRect/>
+          </a:stretch>
+        </p:blipFill>
+        <p:spPr bwMode="auto">
+          <a:xfrm>
+            <a:off x="2961873" y="1775383"/>
+            <a:ext cx="6509414" cy="4351338"/>
+          </a:xfrm>
+          <a:prstGeom prst="rect">
+            <a:avLst/>
+          </a:prstGeom>
+          <a:noFill/>
+          <a:extLst>
+            <a:ext uri="{909E8E84-426E-40DD-AFC4-6F175D3DCCD1}">
+              <a14:hiddenFill xmlns:a14="http://schemas.microsoft.com/office/drawing/2010/main">
+                <a:solidFill>
+                  <a:srgbClr val="FFFFFF"/>
+                </a:solidFill>
+              </a14:hiddenFill>
+            </a:ext>
+          </a:extLst>
+        </p:spPr>
+      </p:pic>
+    </p:spTree>
+    <p:extLst>
+      <p:ext uri="{BB962C8B-B14F-4D97-AF65-F5344CB8AC3E}">
+        <p14:creationId xmlns:p14="http://schemas.microsoft.com/office/powerpoint/2010/main" val="3665705868"/>
+      </p:ext>
+    </p:extLst>
+  </p:cSld>
+  <p:clrMapOvr>
+    <a:masterClrMapping/>
+  </p:clrMapOvr>
+</p:sld>
+</file>
+
+<file path=ppt/slides/slide13.xml><?xml version="1.0" encoding="utf-8"?>
+<p:sld xmlns:a="http://schemas.openxmlformats.org/drawingml/2006/main" xmlns:r="http://schemas.openxmlformats.org/officeDocument/2006/relationships" xmlns:p="http://schemas.openxmlformats.org/presentationml/2006/main">
+  <p:cSld>
+    <p:spTree>
+      <p:nvGrpSpPr>
+        <p:cNvPr id="1" name=""/>
+        <p:cNvGrpSpPr/>
+        <p:nvPr/>
+      </p:nvGrpSpPr>
+      <p:grpSpPr>
+        <a:xfrm>
+          <a:off x="0" y="0"/>
+          <a:ext cx="0" cy="0"/>
+          <a:chOff x="0" y="0"/>
+          <a:chExt cx="0" cy="0"/>
+        </a:xfrm>
+      </p:grpSpPr>
+      <p:sp>
+        <p:nvSpPr>
+          <p:cNvPr id="2" name="Title 1">
+            <a:extLst>
+              <a:ext uri="{FF2B5EF4-FFF2-40B4-BE49-F238E27FC236}">
+                <a16:creationId xmlns:a16="http://schemas.microsoft.com/office/drawing/2014/main" id="{AE0F70AE-74BB-4BA1-9A29-0574BB0D4F3C}"/>
+              </a:ext>
+            </a:extLst>
+          </p:cNvPr>
+          <p:cNvSpPr>
+            <a:spLocks noGrp="1"/>
+          </p:cNvSpPr>
+          <p:nvPr>
+            <p:ph type="title"/>
+          </p:nvPr>
+        </p:nvSpPr>
+        <p:spPr/>
+        <p:txBody>
+          <a:bodyPr/>
+          <a:lstStyle/>
+          <a:p>
+            <a:r>
+              <a:rPr lang="fr-CA" dirty="0" err="1"/>
+              <a:t>Context</a:t>
+            </a:r>
+            <a:r>
+              <a:rPr lang="fr-CA" dirty="0"/>
+              <a:t> et objectif de la réconciliation</a:t>
+            </a:r>
+          </a:p>
+        </p:txBody>
+      </p:sp>
+      <p:sp>
+        <p:nvSpPr>
+          <p:cNvPr id="5" name="TextBox 4">
+            <a:extLst>
+              <a:ext uri="{FF2B5EF4-FFF2-40B4-BE49-F238E27FC236}">
+                <a16:creationId xmlns:a16="http://schemas.microsoft.com/office/drawing/2014/main" id="{D8B2473B-1913-4CE3-A235-85D4142F54AC}"/>
+              </a:ext>
+            </a:extLst>
+          </p:cNvPr>
+          <p:cNvSpPr txBox="1"/>
+          <p:nvPr/>
+        </p:nvSpPr>
+        <p:spPr>
+          <a:xfrm>
+            <a:off x="482320" y="1497205"/>
+            <a:ext cx="10409255" cy="4524315"/>
+          </a:xfrm>
+          <a:prstGeom prst="rect">
+            <a:avLst/>
+          </a:prstGeom>
+          <a:noFill/>
+        </p:spPr>
+        <p:txBody>
+          <a:bodyPr wrap="square" rtlCol="0">
+            <a:spAutoFit/>
+          </a:bodyPr>
+          <a:lstStyle/>
+          <a:p>
+            <a:r>
+              <a:rPr lang="fr-CA" dirty="0"/>
+              <a:t>Mise en </a:t>
+            </a:r>
+            <a:r>
+              <a:rPr lang="fr-CA" dirty="0" err="1"/>
+              <a:t>context</a:t>
+            </a:r>
+            <a:r>
+              <a:rPr lang="fr-CA" dirty="0"/>
+              <a:t>: </a:t>
+            </a:r>
+          </a:p>
+          <a:p>
+            <a:pPr marL="285750" indent="-285750">
+              <a:buFont typeface="Arial" panose="020B0604020202020204" pitchFamily="34" charset="0"/>
+              <a:buChar char="•"/>
+            </a:pPr>
+            <a:r>
+              <a:rPr lang="fr-CA" dirty="0" err="1"/>
+              <a:t>React</a:t>
+            </a:r>
+            <a:r>
+              <a:rPr lang="fr-CA" dirty="0"/>
+              <a:t> possède l’ancien </a:t>
+            </a:r>
+            <a:r>
+              <a:rPr lang="fr-CA" dirty="0" err="1"/>
+              <a:t>virtual</a:t>
+            </a:r>
+            <a:r>
+              <a:rPr lang="fr-CA" dirty="0"/>
+              <a:t> DOM et le nouveau </a:t>
+            </a:r>
+            <a:r>
+              <a:rPr lang="fr-CA" dirty="0" err="1"/>
+              <a:t>virtual</a:t>
+            </a:r>
+            <a:r>
+              <a:rPr lang="fr-CA" dirty="0"/>
+              <a:t> DOM</a:t>
+            </a:r>
+          </a:p>
+          <a:p>
+            <a:pPr marL="285750" indent="-285750">
+              <a:buFont typeface="Arial" panose="020B0604020202020204" pitchFamily="34" charset="0"/>
+              <a:buChar char="•"/>
+            </a:pPr>
+            <a:r>
+              <a:rPr lang="fr-CA" dirty="0" err="1"/>
+              <a:t>React</a:t>
+            </a:r>
+            <a:r>
+              <a:rPr lang="fr-CA" dirty="0"/>
+              <a:t> doit trouver comment update le UI pour représenter le nouvel arbre</a:t>
+            </a:r>
+          </a:p>
+          <a:p>
+            <a:pPr marL="285750" indent="-285750">
+              <a:buFont typeface="Arial" panose="020B0604020202020204" pitchFamily="34" charset="0"/>
+              <a:buChar char="•"/>
+            </a:pPr>
+            <a:r>
+              <a:rPr lang="fr-CA" dirty="0"/>
+              <a:t>Chaque manipulation du DOM est coûteux, on veut minimiser le nombre d’opération</a:t>
+            </a:r>
+          </a:p>
+          <a:p>
+            <a:pPr marL="285750" indent="-285750">
+              <a:buFont typeface="Arial" panose="020B0604020202020204" pitchFamily="34" charset="0"/>
+              <a:buChar char="•"/>
+            </a:pPr>
+            <a:r>
+              <a:rPr lang="fr-CA" dirty="0"/>
+              <a:t>Il existe des algorithmes génériques pour passer d’un arbre à un autre avec le minimum d’opération</a:t>
+            </a:r>
+          </a:p>
+          <a:p>
+            <a:pPr marL="742950" lvl="1" indent="-285750">
+              <a:buFont typeface="Arial" panose="020B0604020202020204" pitchFamily="34" charset="0"/>
+              <a:buChar char="•"/>
+            </a:pPr>
+            <a:r>
+              <a:rPr lang="fr-CA" dirty="0"/>
+              <a:t>Mais ces algorithmes ont une complexité de l’ordre O(n</a:t>
+            </a:r>
+            <a:r>
+              <a:rPr lang="fr-CA" baseline="30000" dirty="0"/>
+              <a:t>3</a:t>
+            </a:r>
+            <a:r>
+              <a:rPr lang="fr-CA" dirty="0"/>
+              <a:t>) = </a:t>
+            </a:r>
+            <a:r>
+              <a:rPr lang="fr-CA" dirty="0" err="1"/>
+              <a:t>troup</a:t>
+            </a:r>
+            <a:r>
+              <a:rPr lang="fr-CA" dirty="0"/>
+              <a:t> couteux</a:t>
+            </a:r>
+          </a:p>
+          <a:p>
+            <a:endParaRPr lang="fr-CA" dirty="0"/>
+          </a:p>
+          <a:p>
+            <a:r>
+              <a:rPr lang="fr-CA" dirty="0"/>
+              <a:t>Objectif:</a:t>
+            </a:r>
+          </a:p>
+          <a:p>
+            <a:pPr marL="285750" indent="-285750">
+              <a:buFont typeface="Arial" panose="020B0604020202020204" pitchFamily="34" charset="0"/>
+              <a:buChar char="•"/>
+            </a:pPr>
+            <a:r>
+              <a:rPr lang="fr-CA" dirty="0"/>
+              <a:t>Avoir algorithme d’un ordre O(n)</a:t>
+            </a:r>
+          </a:p>
+          <a:p>
+            <a:pPr marL="285750" indent="-285750">
+              <a:buFont typeface="Arial" panose="020B0604020202020204" pitchFamily="34" charset="0"/>
+              <a:buChar char="•"/>
+            </a:pPr>
+            <a:endParaRPr lang="fr-CA" dirty="0"/>
+          </a:p>
+          <a:p>
+            <a:r>
+              <a:rPr lang="fr-CA" dirty="0"/>
+              <a:t>Heuristiques:</a:t>
+            </a:r>
+          </a:p>
+          <a:p>
+            <a:pPr marL="342900" indent="-342900">
+              <a:buFont typeface="+mj-lt"/>
+              <a:buAutoNum type="arabicPeriod"/>
+            </a:pPr>
+            <a:r>
+              <a:rPr lang="fr-CA" dirty="0"/>
+              <a:t>2 éléments de types différents vont toujours produire un arbre différent</a:t>
+            </a:r>
+          </a:p>
+          <a:p>
+            <a:pPr marL="342900" indent="-342900">
+              <a:buFont typeface="+mj-lt"/>
+              <a:buAutoNum type="arabicPeriod"/>
+            </a:pPr>
+            <a:r>
+              <a:rPr lang="fr-CA" dirty="0"/>
+              <a:t>Les développeurs peuvent indiquer quel éléments reste constant avec la </a:t>
+            </a:r>
+            <a:r>
+              <a:rPr lang="fr-CA" dirty="0" err="1"/>
+              <a:t>prop</a:t>
+            </a:r>
+            <a:r>
+              <a:rPr lang="fr-CA" dirty="0"/>
+              <a:t> « key » </a:t>
+            </a:r>
+          </a:p>
+          <a:p>
+            <a:pPr marL="742950" lvl="1" indent="-285750">
+              <a:buFont typeface="Arial" panose="020B0604020202020204" pitchFamily="34" charset="0"/>
+              <a:buChar char="•"/>
+            </a:pPr>
+            <a:endParaRPr lang="fr-CA" dirty="0"/>
+          </a:p>
+          <a:p>
+            <a:pPr lvl="1"/>
+            <a:endParaRPr lang="fr-CA" dirty="0"/>
+          </a:p>
+          <a:p>
+            <a:pPr marL="742950" lvl="1" indent="-285750">
+              <a:buFont typeface="Arial" panose="020B0604020202020204" pitchFamily="34" charset="0"/>
+              <a:buChar char="•"/>
+            </a:pPr>
+            <a:endParaRPr lang="fr-CA" dirty="0"/>
+          </a:p>
+        </p:txBody>
+      </p:sp>
+    </p:spTree>
+    <p:extLst>
+      <p:ext uri="{BB962C8B-B14F-4D97-AF65-F5344CB8AC3E}">
+        <p14:creationId xmlns:p14="http://schemas.microsoft.com/office/powerpoint/2010/main" val="231976146"/>
+      </p:ext>
+    </p:extLst>
+  </p:cSld>
+  <p:clrMapOvr>
+    <a:masterClrMapping/>
+  </p:clrMapOvr>
+</p:sld>
+</file>
+
+<file path=ppt/slides/slide14.xml><?xml version="1.0" encoding="utf-8"?>
+<p:sld xmlns:a="http://schemas.openxmlformats.org/drawingml/2006/main" xmlns:r="http://schemas.openxmlformats.org/officeDocument/2006/relationships" xmlns:p="http://schemas.openxmlformats.org/presentationml/2006/main">
+  <p:cSld>
+    <p:spTree>
+      <p:nvGrpSpPr>
+        <p:cNvPr id="1" name=""/>
+        <p:cNvGrpSpPr/>
+        <p:nvPr/>
+      </p:nvGrpSpPr>
+      <p:grpSpPr>
+        <a:xfrm>
+          <a:off x="0" y="0"/>
+          <a:ext cx="0" cy="0"/>
+          <a:chOff x="0" y="0"/>
+          <a:chExt cx="0" cy="0"/>
+        </a:xfrm>
+      </p:grpSpPr>
+      <p:sp>
+        <p:nvSpPr>
+          <p:cNvPr id="2" name="Title 1">
+            <a:extLst>
+              <a:ext uri="{FF2B5EF4-FFF2-40B4-BE49-F238E27FC236}">
+                <a16:creationId xmlns:a16="http://schemas.microsoft.com/office/drawing/2014/main" id="{A4E61CE5-8AC5-4C06-84FF-96712A48B858}"/>
+              </a:ext>
+            </a:extLst>
+          </p:cNvPr>
+          <p:cNvSpPr>
+            <a:spLocks noGrp="1"/>
+          </p:cNvSpPr>
+          <p:nvPr>
+            <p:ph type="title"/>
+          </p:nvPr>
+        </p:nvSpPr>
+        <p:spPr/>
+        <p:txBody>
+          <a:bodyPr/>
+          <a:lstStyle/>
+          <a:p>
+            <a:r>
+              <a:rPr lang="fr-CA" dirty="0"/>
+              <a:t>Étape de la réconciliation</a:t>
+            </a:r>
+          </a:p>
+        </p:txBody>
+      </p:sp>
+      <p:graphicFrame>
+        <p:nvGraphicFramePr>
+          <p:cNvPr id="6" name="Content Placeholder 3">
+            <a:extLst>
+              <a:ext uri="{FF2B5EF4-FFF2-40B4-BE49-F238E27FC236}">
+                <a16:creationId xmlns:a16="http://schemas.microsoft.com/office/drawing/2014/main" id="{00A7B7AD-F464-4C2C-8480-00C0A3FE20C0}"/>
+              </a:ext>
+            </a:extLst>
+          </p:cNvPr>
+          <p:cNvGraphicFramePr>
+            <a:graphicFrameLocks noGrp="1"/>
+          </p:cNvGraphicFramePr>
+          <p:nvPr>
+            <p:ph idx="1"/>
+            <p:extLst>
+              <p:ext uri="{D42A27DB-BD31-4B8C-83A1-F6EECF244321}">
+                <p14:modId xmlns:p14="http://schemas.microsoft.com/office/powerpoint/2010/main" val="658637090"/>
+              </p:ext>
+            </p:extLst>
+          </p:nvPr>
+        </p:nvGraphicFramePr>
+        <p:xfrm>
+          <a:off x="838200" y="2230120"/>
+          <a:ext cx="10515600" cy="2296160"/>
+        </p:xfrm>
+        <a:graphic>
+          <a:graphicData uri="http://schemas.openxmlformats.org/drawingml/2006/table">
+            <a:tbl>
+              <a:tblPr firstRow="1" bandRow="1">
+                <a:tableStyleId>{5C22544A-7EE6-4342-B048-85BDC9FD1C3A}</a:tableStyleId>
+              </a:tblPr>
+              <a:tblGrid>
+                <a:gridCol w="3505200">
+                  <a:extLst>
+                    <a:ext uri="{9D8B030D-6E8A-4147-A177-3AD203B41FA5}">
+                      <a16:colId xmlns:a16="http://schemas.microsoft.com/office/drawing/2014/main" val="1784100425"/>
+                    </a:ext>
+                  </a:extLst>
+                </a:gridCol>
+                <a:gridCol w="2931607">
+                  <a:extLst>
+                    <a:ext uri="{9D8B030D-6E8A-4147-A177-3AD203B41FA5}">
+                      <a16:colId xmlns:a16="http://schemas.microsoft.com/office/drawing/2014/main" val="4093322746"/>
+                    </a:ext>
+                  </a:extLst>
+                </a:gridCol>
+                <a:gridCol w="4078793">
+                  <a:extLst>
+                    <a:ext uri="{9D8B030D-6E8A-4147-A177-3AD203B41FA5}">
+                      <a16:colId xmlns:a16="http://schemas.microsoft.com/office/drawing/2014/main" val="608265990"/>
+                    </a:ext>
+                  </a:extLst>
+                </a:gridCol>
+              </a:tblGrid>
+              <a:tr h="370840">
+                <a:tc>
+                  <a:txBody>
+                    <a:bodyPr/>
+                    <a:lstStyle/>
+                    <a:p>
+                      <a:r>
+                        <a:rPr lang="fr-CA" dirty="0"/>
+                        <a:t>Condition</a:t>
+                      </a:r>
+                    </a:p>
+                  </a:txBody>
+                  <a:tcPr/>
+                </a:tc>
+                <a:tc>
+                  <a:txBody>
+                    <a:bodyPr/>
+                    <a:lstStyle/>
+                    <a:p>
+                      <a:r>
+                        <a:rPr lang="fr-CA" dirty="0"/>
+                        <a:t>Exemple</a:t>
+                      </a:r>
+                    </a:p>
+                  </a:txBody>
+                  <a:tcPr/>
+                </a:tc>
+                <a:tc>
+                  <a:txBody>
+                    <a:bodyPr/>
+                    <a:lstStyle/>
+                    <a:p>
+                      <a:r>
+                        <a:rPr lang="fr-CA" dirty="0"/>
+                        <a:t>Action</a:t>
+                      </a:r>
+                    </a:p>
+                  </a:txBody>
+                  <a:tcPr/>
+                </a:tc>
+                <a:extLst>
+                  <a:ext uri="{0D108BD9-81ED-4DB2-BD59-A6C34878D82A}">
+                    <a16:rowId xmlns:a16="http://schemas.microsoft.com/office/drawing/2014/main" val="3035739118"/>
+                  </a:ext>
+                </a:extLst>
+              </a:tr>
+              <a:tr h="370840">
+                <a:tc>
+                  <a:txBody>
+                    <a:bodyPr/>
+                    <a:lstStyle/>
+                    <a:p>
+                      <a:r>
+                        <a:rPr lang="fr-CA" dirty="0"/>
+                        <a:t>1. Si le type de l’élément est différent</a:t>
+                      </a:r>
+                    </a:p>
+                    <a:p>
+                      <a:endParaRPr lang="fr-CA" dirty="0"/>
+                    </a:p>
+                  </a:txBody>
+                  <a:tcPr/>
+                </a:tc>
+                <a:tc>
+                  <a:txBody>
+                    <a:bodyPr/>
+                    <a:lstStyle/>
+                    <a:p>
+                      <a:r>
+                        <a:rPr lang="en-CA" dirty="0"/>
+                        <a:t>&lt;a&gt; -&gt; &lt;</a:t>
+                      </a:r>
+                      <a:r>
+                        <a:rPr lang="en-CA" dirty="0" err="1"/>
+                        <a:t>img</a:t>
+                      </a:r>
+                      <a:r>
+                        <a:rPr lang="en-CA" dirty="0"/>
+                        <a:t>&gt;</a:t>
+                      </a:r>
+                      <a:endParaRPr lang="fr-CA" dirty="0"/>
+                    </a:p>
+                  </a:txBody>
+                  <a:tcPr/>
+                </a:tc>
+                <a:tc>
+                  <a:txBody>
+                    <a:bodyPr/>
+                    <a:lstStyle/>
+                    <a:p>
+                      <a:pPr marL="285750" indent="-285750">
+                        <a:buFont typeface="Arial" panose="020B0604020202020204" pitchFamily="34" charset="0"/>
+                        <a:buChar char="•"/>
+                      </a:pPr>
+                      <a:r>
+                        <a:rPr lang="en-CA" dirty="0"/>
+                        <a:t>Full rebuild</a:t>
+                      </a:r>
+                    </a:p>
+                    <a:p>
+                      <a:pPr marL="285750" indent="-285750">
+                        <a:buFont typeface="Arial" panose="020B0604020202020204" pitchFamily="34" charset="0"/>
+                        <a:buChar char="•"/>
+                      </a:pPr>
+                      <a:r>
+                        <a:rPr lang="en-CA" dirty="0"/>
+                        <a:t>D</a:t>
+                      </a:r>
+                      <a:r>
+                        <a:rPr lang="fr-CA" dirty="0" err="1"/>
+                        <a:t>étruit</a:t>
+                      </a:r>
+                      <a:r>
+                        <a:rPr lang="fr-CA" dirty="0"/>
+                        <a:t> le nœud et tous ces enfants (</a:t>
+                      </a:r>
+                      <a:r>
+                        <a:rPr lang="fr-CA" dirty="0" err="1"/>
+                        <a:t>unmount</a:t>
+                      </a:r>
+                      <a:r>
+                        <a:rPr lang="fr-CA" dirty="0"/>
+                        <a:t> + destroy state)</a:t>
+                      </a:r>
+                    </a:p>
+                  </a:txBody>
+                  <a:tcPr/>
+                </a:tc>
+                <a:extLst>
+                  <a:ext uri="{0D108BD9-81ED-4DB2-BD59-A6C34878D82A}">
+                    <a16:rowId xmlns:a16="http://schemas.microsoft.com/office/drawing/2014/main" val="3913080472"/>
+                  </a:ext>
+                </a:extLst>
+              </a:tr>
+              <a:tr h="370840">
+                <a:tc>
+                  <a:txBody>
+                    <a:bodyPr/>
+                    <a:lstStyle/>
+                    <a:p>
+                      <a:r>
+                        <a:rPr lang="fr-CA" dirty="0"/>
+                        <a:t>2. Si même type, mais différents </a:t>
+                      </a:r>
+                      <a:r>
+                        <a:rPr lang="fr-CA" dirty="0" err="1"/>
+                        <a:t>props</a:t>
+                      </a:r>
+                      <a:endParaRPr lang="fr-CA" dirty="0"/>
+                    </a:p>
+                  </a:txBody>
+                  <a:tcPr/>
+                </a:tc>
+                <a:tc>
+                  <a:txBody>
+                    <a:bodyPr/>
+                    <a:lstStyle/>
+                    <a:p>
+                      <a:r>
+                        <a:rPr lang="fr-CA" dirty="0" err="1"/>
+                        <a:t>className</a:t>
+                      </a:r>
+                      <a:r>
+                        <a:rPr lang="fr-CA" dirty="0"/>
+                        <a:t> passe de «f4» à «f5»</a:t>
+                      </a:r>
+                    </a:p>
+                  </a:txBody>
+                  <a:tcPr/>
+                </a:tc>
+                <a:tc>
+                  <a:txBody>
+                    <a:bodyPr/>
+                    <a:lstStyle/>
+                    <a:p>
+                      <a:pPr marL="285750" indent="-285750">
+                        <a:buFont typeface="Arial" panose="020B0604020202020204" pitchFamily="34" charset="0"/>
+                        <a:buChar char="•"/>
+                      </a:pPr>
+                      <a:r>
+                        <a:rPr lang="fr-CA" dirty="0" err="1"/>
+                        <a:t>React</a:t>
+                      </a:r>
+                      <a:r>
+                        <a:rPr lang="fr-CA" dirty="0"/>
+                        <a:t> fait juste modifier l’attribut sur le DOM </a:t>
+                      </a:r>
+                      <a:r>
+                        <a:rPr lang="fr-CA" dirty="0" err="1"/>
+                        <a:t>node</a:t>
+                      </a:r>
+                      <a:endParaRPr lang="fr-CA" dirty="0"/>
+                    </a:p>
+                  </a:txBody>
+                  <a:tcPr/>
+                </a:tc>
+                <a:extLst>
+                  <a:ext uri="{0D108BD9-81ED-4DB2-BD59-A6C34878D82A}">
+                    <a16:rowId xmlns:a16="http://schemas.microsoft.com/office/drawing/2014/main" val="3069920522"/>
+                  </a:ext>
+                </a:extLst>
+              </a:tr>
+              <a:tr h="370840">
+                <a:tc>
+                  <a:txBody>
+                    <a:bodyPr/>
+                    <a:lstStyle/>
+                    <a:p>
+                      <a:r>
+                        <a:rPr lang="fr-CA" dirty="0"/>
+                        <a:t>3. Répéter sur les enfants</a:t>
+                      </a:r>
+                    </a:p>
+                  </a:txBody>
+                  <a:tcPr/>
+                </a:tc>
+                <a:tc>
+                  <a:txBody>
+                    <a:bodyPr/>
+                    <a:lstStyle/>
+                    <a:p>
+                      <a:endParaRPr lang="fr-CA"/>
+                    </a:p>
+                  </a:txBody>
+                  <a:tcPr/>
+                </a:tc>
+                <a:tc>
+                  <a:txBody>
+                    <a:bodyPr/>
+                    <a:lstStyle/>
+                    <a:p>
+                      <a:endParaRPr lang="fr-CA" dirty="0"/>
+                    </a:p>
+                  </a:txBody>
+                  <a:tcPr/>
+                </a:tc>
+                <a:extLst>
+                  <a:ext uri="{0D108BD9-81ED-4DB2-BD59-A6C34878D82A}">
+                    <a16:rowId xmlns:a16="http://schemas.microsoft.com/office/drawing/2014/main" val="2521345700"/>
+                  </a:ext>
+                </a:extLst>
+              </a:tr>
+            </a:tbl>
+          </a:graphicData>
+        </a:graphic>
+      </p:graphicFrame>
+    </p:spTree>
+    <p:extLst>
+      <p:ext uri="{BB962C8B-B14F-4D97-AF65-F5344CB8AC3E}">
+        <p14:creationId xmlns:p14="http://schemas.microsoft.com/office/powerpoint/2010/main" val="1413351149"/>
+      </p:ext>
+    </p:extLst>
+  </p:cSld>
+  <p:clrMapOvr>
+    <a:masterClrMapping/>
+  </p:clrMapOvr>
+</p:sld>
+</file>
+
+<file path=ppt/slides/slide15.xml><?xml version="1.0" encoding="utf-8"?>
+<p:sld xmlns:a="http://schemas.openxmlformats.org/drawingml/2006/main" xmlns:r="http://schemas.openxmlformats.org/officeDocument/2006/relationships" xmlns:p="http://schemas.openxmlformats.org/presentationml/2006/main">
+  <p:cSld>
+    <p:spTree>
+      <p:nvGrpSpPr>
+        <p:cNvPr id="1" name=""/>
+        <p:cNvGrpSpPr/>
+        <p:nvPr/>
+      </p:nvGrpSpPr>
+      <p:grpSpPr>
+        <a:xfrm>
+          <a:off x="0" y="0"/>
+          <a:ext cx="0" cy="0"/>
+          <a:chOff x="0" y="0"/>
+          <a:chExt cx="0" cy="0"/>
+        </a:xfrm>
+      </p:grpSpPr>
+      <p:sp>
+        <p:nvSpPr>
+          <p:cNvPr id="2" name="Title 1">
+            <a:extLst>
+              <a:ext uri="{FF2B5EF4-FFF2-40B4-BE49-F238E27FC236}">
+                <a16:creationId xmlns:a16="http://schemas.microsoft.com/office/drawing/2014/main" id="{79106B3B-39DD-4901-99F3-B5AFD4FBC0EA}"/>
+              </a:ext>
+            </a:extLst>
+          </p:cNvPr>
+          <p:cNvSpPr>
+            <a:spLocks noGrp="1"/>
+          </p:cNvSpPr>
+          <p:nvPr>
+            <p:ph type="title"/>
+          </p:nvPr>
+        </p:nvSpPr>
+        <p:spPr/>
+        <p:txBody>
+          <a:bodyPr/>
+          <a:lstStyle/>
+          <a:p>
+            <a:r>
+              <a:rPr lang="fr-CA" dirty="0" err="1"/>
+              <a:t>Reconciliation</a:t>
+            </a:r>
+            <a:r>
+              <a:rPr lang="fr-CA" dirty="0"/>
+              <a:t> Game</a:t>
+            </a:r>
+          </a:p>
+        </p:txBody>
+      </p:sp>
+      <p:sp>
+        <p:nvSpPr>
+          <p:cNvPr id="3" name="Content Placeholder 2">
+            <a:extLst>
+              <a:ext uri="{FF2B5EF4-FFF2-40B4-BE49-F238E27FC236}">
+                <a16:creationId xmlns:a16="http://schemas.microsoft.com/office/drawing/2014/main" id="{ECB6FC05-85BD-405D-BAF1-78C9F5C4AC73}"/>
+              </a:ext>
+            </a:extLst>
+          </p:cNvPr>
+          <p:cNvSpPr>
+            <a:spLocks noGrp="1"/>
+          </p:cNvSpPr>
+          <p:nvPr>
+            <p:ph idx="1"/>
+          </p:nvPr>
+        </p:nvSpPr>
+        <p:spPr/>
+        <p:txBody>
+          <a:bodyPr/>
+          <a:lstStyle/>
+          <a:p>
+            <a:r>
+              <a:rPr lang="fr-CA" dirty="0"/>
+              <a:t>Pour chaque component deviner qu’est ce qui change et quel condition de la réconciliation cause de changement.</a:t>
+            </a:r>
+          </a:p>
+          <a:p>
+            <a:endParaRPr lang="fr-CA" dirty="0"/>
+          </a:p>
+          <a:p>
+            <a:pPr marL="0" indent="0">
+              <a:buNone/>
+            </a:pPr>
+            <a:r>
+              <a:rPr lang="fr-CA" dirty="0"/>
+              <a:t>Onglet: « </a:t>
+            </a:r>
+            <a:r>
+              <a:rPr lang="fr-CA" dirty="0" err="1"/>
+              <a:t>Reconciliation</a:t>
+            </a:r>
+            <a:r>
+              <a:rPr lang="fr-CA" dirty="0"/>
+              <a:t> Game »</a:t>
+            </a:r>
+          </a:p>
+        </p:txBody>
+      </p:sp>
+      <p:pic>
+        <p:nvPicPr>
+          <p:cNvPr id="4" name="Picture 3">
+            <a:extLst>
+              <a:ext uri="{FF2B5EF4-FFF2-40B4-BE49-F238E27FC236}">
+                <a16:creationId xmlns:a16="http://schemas.microsoft.com/office/drawing/2014/main" id="{68B0DD82-B5B7-4377-8B9B-7B5BD71A4C39}"/>
+              </a:ext>
+            </a:extLst>
+          </p:cNvPr>
+          <p:cNvPicPr>
+            <a:picLocks noChangeAspect="1"/>
+          </p:cNvPicPr>
+          <p:nvPr/>
+        </p:nvPicPr>
+        <p:blipFill>
+          <a:blip r:embed="rId2"/>
+          <a:stretch>
+            <a:fillRect/>
+          </a:stretch>
+        </p:blipFill>
+        <p:spPr>
+          <a:xfrm>
+            <a:off x="6458785" y="3177143"/>
+            <a:ext cx="4457700" cy="1095375"/>
+          </a:xfrm>
+          <a:prstGeom prst="rect">
+            <a:avLst/>
+          </a:prstGeom>
+        </p:spPr>
+      </p:pic>
+    </p:spTree>
+    <p:extLst>
+      <p:ext uri="{BB962C8B-B14F-4D97-AF65-F5344CB8AC3E}">
+        <p14:creationId xmlns:p14="http://schemas.microsoft.com/office/powerpoint/2010/main" val="2568745070"/>
+      </p:ext>
+    </p:extLst>
+  </p:cSld>
+  <p:clrMapOvr>
+    <a:masterClrMapping/>
+  </p:clrMapOvr>
+</p:sld>
+</file>
+
+<file path=ppt/slides/slide16.xml><?xml version="1.0" encoding="utf-8"?>
+<p:sld xmlns:a="http://schemas.openxmlformats.org/drawingml/2006/main" xmlns:r="http://schemas.openxmlformats.org/officeDocument/2006/relationships" xmlns:p="http://schemas.openxmlformats.org/presentationml/2006/main">
+  <p:cSld>
+    <p:spTree>
+      <p:nvGrpSpPr>
+        <p:cNvPr id="1" name=""/>
+        <p:cNvGrpSpPr/>
+        <p:nvPr/>
+      </p:nvGrpSpPr>
+      <p:grpSpPr>
+        <a:xfrm>
+          <a:off x="0" y="0"/>
+          <a:ext cx="0" cy="0"/>
+          <a:chOff x="0" y="0"/>
+          <a:chExt cx="0" cy="0"/>
+        </a:xfrm>
+      </p:grpSpPr>
+      <p:sp>
+        <p:nvSpPr>
+          <p:cNvPr id="2" name="Title 1">
+            <a:extLst>
+              <a:ext uri="{FF2B5EF4-FFF2-40B4-BE49-F238E27FC236}">
+                <a16:creationId xmlns:a16="http://schemas.microsoft.com/office/drawing/2014/main" id="{6875C8E1-7406-47E7-9A3F-D277C53A21E4}"/>
+              </a:ext>
+            </a:extLst>
+          </p:cNvPr>
+          <p:cNvSpPr>
+            <a:spLocks noGrp="1"/>
+          </p:cNvSpPr>
+          <p:nvPr>
+            <p:ph type="title"/>
+          </p:nvPr>
+        </p:nvSpPr>
+        <p:spPr/>
+        <p:txBody>
+          <a:bodyPr/>
+          <a:lstStyle/>
+          <a:p>
+            <a:r>
+              <a:rPr lang="fr-CA" dirty="0"/>
+              <a:t>Éviter des Waste </a:t>
+            </a:r>
+            <a:r>
+              <a:rPr lang="fr-CA" dirty="0" err="1"/>
+              <a:t>Render</a:t>
+            </a:r>
+            <a:endParaRPr lang="fr-CA" dirty="0"/>
+          </a:p>
+        </p:txBody>
+      </p:sp>
+      <p:sp>
+        <p:nvSpPr>
+          <p:cNvPr id="3" name="Content Placeholder 2">
+            <a:extLst>
+              <a:ext uri="{FF2B5EF4-FFF2-40B4-BE49-F238E27FC236}">
+                <a16:creationId xmlns:a16="http://schemas.microsoft.com/office/drawing/2014/main" id="{D450C24E-07FC-4816-9A13-3E663CFC7B99}"/>
+              </a:ext>
+            </a:extLst>
+          </p:cNvPr>
+          <p:cNvSpPr>
+            <a:spLocks noGrp="1"/>
+          </p:cNvSpPr>
+          <p:nvPr>
+            <p:ph idx="1"/>
+          </p:nvPr>
+        </p:nvSpPr>
+        <p:spPr/>
+        <p:txBody>
+          <a:bodyPr/>
+          <a:lstStyle/>
+          <a:p>
+            <a:pPr marL="0" indent="0">
+              <a:buNone/>
+            </a:pPr>
+            <a:r>
+              <a:rPr lang="fr-CA" dirty="0"/>
+              <a:t>Waste </a:t>
+            </a:r>
+            <a:r>
+              <a:rPr lang="fr-CA" dirty="0" err="1"/>
+              <a:t>Render</a:t>
+            </a:r>
+            <a:r>
+              <a:rPr lang="fr-CA" dirty="0"/>
+              <a:t> = </a:t>
+            </a:r>
+            <a:r>
+              <a:rPr lang="fr-CA" dirty="0" err="1"/>
+              <a:t>render</a:t>
+            </a:r>
+            <a:r>
+              <a:rPr lang="fr-CA" dirty="0"/>
+              <a:t> qui retourne le même </a:t>
+            </a:r>
+            <a:r>
+              <a:rPr lang="fr-CA" dirty="0" err="1"/>
+              <a:t>reactElement</a:t>
+            </a:r>
+            <a:r>
+              <a:rPr lang="fr-CA" dirty="0"/>
+              <a:t> (ne va pas updater le UI)</a:t>
+            </a:r>
+          </a:p>
+          <a:p>
+            <a:pPr marL="0" indent="0">
+              <a:buNone/>
+            </a:pPr>
+            <a:endParaRPr lang="fr-CA" dirty="0"/>
+          </a:p>
+          <a:p>
+            <a:pPr marL="0" indent="0">
+              <a:buNone/>
+            </a:pPr>
+            <a:r>
+              <a:rPr lang="fr-CA" dirty="0"/>
+              <a:t>(Component, </a:t>
+            </a:r>
+            <a:r>
+              <a:rPr lang="fr-CA" dirty="0" err="1"/>
+              <a:t>PureComponent</a:t>
+            </a:r>
+            <a:r>
+              <a:rPr lang="fr-CA" dirty="0"/>
+              <a:t>, Memo, </a:t>
+            </a:r>
+            <a:r>
+              <a:rPr lang="fr-CA" dirty="0" err="1"/>
+              <a:t>function</a:t>
+            </a:r>
+            <a:r>
+              <a:rPr lang="fr-CA" dirty="0"/>
+              <a:t>)</a:t>
+            </a:r>
+          </a:p>
+        </p:txBody>
+      </p:sp>
+    </p:spTree>
+    <p:extLst>
+      <p:ext uri="{BB962C8B-B14F-4D97-AF65-F5344CB8AC3E}">
+        <p14:creationId xmlns:p14="http://schemas.microsoft.com/office/powerpoint/2010/main" val="2120045792"/>
+      </p:ext>
+    </p:extLst>
+  </p:cSld>
+  <p:clrMapOvr>
+    <a:masterClrMapping/>
+  </p:clrMapOvr>
+</p:sld>
+</file>
+
+<file path=ppt/slides/slide17.xml><?xml version="1.0" encoding="utf-8"?>
+<p:sld xmlns:a="http://schemas.openxmlformats.org/drawingml/2006/main" xmlns:r="http://schemas.openxmlformats.org/officeDocument/2006/relationships" xmlns:p="http://schemas.openxmlformats.org/presentationml/2006/main">
+  <p:cSld>
+    <p:spTree>
+      <p:nvGrpSpPr>
+        <p:cNvPr id="1" name=""/>
+        <p:cNvGrpSpPr/>
+        <p:nvPr/>
+      </p:nvGrpSpPr>
+      <p:grpSpPr>
+        <a:xfrm>
+          <a:off x="0" y="0"/>
+          <a:ext cx="0" cy="0"/>
+          <a:chOff x="0" y="0"/>
+          <a:chExt cx="0" cy="0"/>
+        </a:xfrm>
+      </p:grpSpPr>
+      <p:sp>
+        <p:nvSpPr>
+          <p:cNvPr id="2" name="Title 1">
+            <a:extLst>
+              <a:ext uri="{FF2B5EF4-FFF2-40B4-BE49-F238E27FC236}">
+                <a16:creationId xmlns:a16="http://schemas.microsoft.com/office/drawing/2014/main" id="{BBA7C400-A4FE-4EBB-924E-57B007DF095C}"/>
+              </a:ext>
+            </a:extLst>
+          </p:cNvPr>
+          <p:cNvSpPr>
+            <a:spLocks noGrp="1"/>
+          </p:cNvSpPr>
+          <p:nvPr>
+            <p:ph type="title"/>
+          </p:nvPr>
+        </p:nvSpPr>
+        <p:spPr/>
+        <p:txBody>
+          <a:bodyPr/>
+          <a:lstStyle/>
+          <a:p>
+            <a:endParaRPr lang="fr-CA"/>
+          </a:p>
+        </p:txBody>
+      </p:sp>
+      <p:sp>
+        <p:nvSpPr>
+          <p:cNvPr id="3" name="Content Placeholder 2">
+            <a:extLst>
+              <a:ext uri="{FF2B5EF4-FFF2-40B4-BE49-F238E27FC236}">
+                <a16:creationId xmlns:a16="http://schemas.microsoft.com/office/drawing/2014/main" id="{283FD2DC-9271-40AA-9767-9A3B47CC7110}"/>
+              </a:ext>
+            </a:extLst>
+          </p:cNvPr>
+          <p:cNvSpPr>
+            <a:spLocks noGrp="1"/>
+          </p:cNvSpPr>
+          <p:nvPr>
+            <p:ph idx="1"/>
+          </p:nvPr>
+        </p:nvSpPr>
+        <p:spPr/>
+        <p:txBody>
+          <a:bodyPr/>
+          <a:lstStyle/>
+          <a:p>
+            <a:endParaRPr lang="fr-CA"/>
+          </a:p>
+        </p:txBody>
+      </p:sp>
+    </p:spTree>
+    <p:extLst>
+      <p:ext uri="{BB962C8B-B14F-4D97-AF65-F5344CB8AC3E}">
+        <p14:creationId xmlns:p14="http://schemas.microsoft.com/office/powerpoint/2010/main" val="1015803924"/>
+      </p:ext>
+    </p:extLst>
+  </p:cSld>
+  <p:clrMapOvr>
+    <a:masterClrMapping/>
+  </p:clrMapOvr>
+</p:sld>
+</file>
+
 <file path=ppt/slides/slide2.xml><?xml version="1.0" encoding="utf-8"?>
 <p:sld xmlns:a="http://schemas.openxmlformats.org/drawingml/2006/main" xmlns:r="http://schemas.openxmlformats.org/officeDocument/2006/relationships" xmlns:p="http://schemas.openxmlformats.org/presentationml/2006/main">
   <p:cSld>
@@ -4537,7 +6426,7 @@
             <p:ph idx="1"/>
             <p:extLst>
               <p:ext uri="{D42A27DB-BD31-4B8C-83A1-F6EECF244321}">
-                <p14:modId xmlns:p14="http://schemas.microsoft.com/office/powerpoint/2010/main" val="1167755449"/>
+                <p14:modId xmlns:p14="http://schemas.microsoft.com/office/powerpoint/2010/main" val="2784638117"/>
               </p:ext>
             </p:extLst>
           </p:nvPr>
@@ -4869,6 +6758,10 @@
                     <a:bodyPr/>
                     <a:lstStyle/>
                     <a:p>
+                      <a:pPr marL="285750" indent="-285750">
+                        <a:buFont typeface="Arial" panose="020B0604020202020204" pitchFamily="34" charset="0"/>
+                        <a:buChar char="•"/>
+                      </a:pPr>
                       <a:r>
                         <a:rPr lang="fr-CA" dirty="0"/>
                         <a:t>Node dans le DOM du browser.</a:t>
@@ -5033,8 +6926,8 @@
         </p:nvSpPr>
         <p:spPr>
           <a:xfrm>
-            <a:off x="5369859" y="1891553"/>
-            <a:ext cx="6338047" cy="2308324"/>
+            <a:off x="4777006" y="1861339"/>
+            <a:ext cx="7331258" cy="3046988"/>
           </a:xfrm>
           <a:prstGeom prst="rect">
             <a:avLst/>
@@ -5052,15 +6945,15 @@
               <a:buChar char="•"/>
             </a:pPr>
             <a:r>
-              <a:rPr lang="fr-CA" dirty="0"/>
+              <a:rPr lang="fr-CA" sz="2400" dirty="0"/>
               <a:t>Virtual DOM est une </a:t>
             </a:r>
             <a:r>
-              <a:rPr lang="fr-CA" dirty="0" err="1"/>
+              <a:rPr lang="fr-CA" sz="2400" dirty="0" err="1"/>
               <a:t>abscription</a:t>
             </a:r>
             <a:r>
-              <a:rPr lang="fr-CA" dirty="0"/>
+              <a:rPr lang="fr-CA" sz="2400" dirty="0"/>
               <a:t> du HTML DOM</a:t>
             </a:r>
           </a:p>
@@ -5070,7 +6963,7 @@
               <a:buChar char="•"/>
             </a:pPr>
             <a:r>
-              <a:rPr lang="fr-CA" dirty="0"/>
+              <a:rPr lang="fr-CA" sz="2400" dirty="0"/>
               <a:t>Découplé des détails d’implémentation du browser</a:t>
             </a:r>
           </a:p>
@@ -5080,14 +6973,14 @@
               <a:buChar char="•"/>
             </a:pPr>
             <a:r>
-              <a:rPr lang="fr-CA" dirty="0"/>
+              <a:rPr lang="fr-CA" sz="2400" dirty="0"/>
               <a:t>Composé de </a:t>
             </a:r>
             <a:r>
-              <a:rPr lang="fr-CA" dirty="0" err="1"/>
+              <a:rPr lang="fr-CA" sz="2400" dirty="0" err="1"/>
               <a:t>ReactElement</a:t>
             </a:r>
-            <a:endParaRPr lang="fr-CA" dirty="0"/>
+            <a:endParaRPr lang="fr-CA" sz="2400" dirty="0"/>
           </a:p>
           <a:p>
             <a:pPr marL="285750" indent="-285750">
@@ -5095,31 +6988,31 @@
               <a:buChar char="•"/>
             </a:pPr>
             <a:r>
-              <a:rPr lang="fr-CA" dirty="0"/>
+              <a:rPr lang="fr-CA" sz="2400" dirty="0"/>
               <a:t>La méthode </a:t>
             </a:r>
             <a:r>
-              <a:rPr lang="fr-CA" dirty="0" err="1"/>
+              <a:rPr lang="fr-CA" sz="2400" dirty="0" err="1"/>
               <a:t>React.Render</a:t>
             </a:r>
             <a:r>
-              <a:rPr lang="fr-CA" dirty="0"/>
+              <a:rPr lang="fr-CA" sz="2400" dirty="0"/>
               <a:t>() transforme le </a:t>
             </a:r>
             <a:r>
-              <a:rPr lang="fr-CA" dirty="0" err="1"/>
+              <a:rPr lang="fr-CA" sz="2400" dirty="0" err="1"/>
               <a:t>reactElement</a:t>
             </a:r>
             <a:r>
-              <a:rPr lang="fr-CA" dirty="0"/>
+              <a:rPr lang="fr-CA" sz="2400" dirty="0"/>
               <a:t> en </a:t>
             </a:r>
             <a:r>
-              <a:rPr lang="fr-CA" dirty="0" err="1"/>
+              <a:rPr lang="fr-CA" sz="2400" dirty="0" err="1"/>
               <a:t>node</a:t>
             </a:r>
             <a:r>
-              <a:rPr lang="fr-CA" dirty="0"/>
+              <a:rPr lang="fr-CA" sz="2400" dirty="0"/>
               <a:t> du HTML DOM</a:t>
             </a:r>
           </a:p>
@@ -5129,7 +7022,7 @@
               <a:buChar char="•"/>
             </a:pPr>
             <a:r>
-              <a:rPr lang="fr-CA" dirty="0"/>
+              <a:rPr lang="fr-CA" sz="2400" dirty="0"/>
               <a:t>Ou le DOM du mobile </a:t>
             </a:r>
           </a:p>
@@ -5138,11 +7031,11 @@
               <a:buFont typeface="Arial" panose="020B0604020202020204" pitchFamily="34" charset="0"/>
               <a:buChar char="•"/>
             </a:pPr>
-            <a:endParaRPr lang="fr-CA" dirty="0"/>
-          </a:p>
-          <a:p>
-            <a:r>
-              <a:rPr lang="fr-CA" dirty="0"/>
+            <a:endParaRPr lang="fr-CA" sz="2400" dirty="0"/>
+          </a:p>
+          <a:p>
+            <a:r>
+              <a:rPr lang="fr-CA" sz="2400" dirty="0"/>
               <a:t>Démo: « 2-react-element.html »</a:t>
             </a:r>
           </a:p>
@@ -5183,7 +7076,7 @@
           <p:cNvPr id="2" name="Title 1">
             <a:extLst>
               <a:ext uri="{FF2B5EF4-FFF2-40B4-BE49-F238E27FC236}">
-                <a16:creationId xmlns:a16="http://schemas.microsoft.com/office/drawing/2014/main" id="{F7945AEA-6232-4670-B53E-ADC28E9CE141}"/>
+                <a16:creationId xmlns:a16="http://schemas.microsoft.com/office/drawing/2014/main" id="{D6D490E6-4965-494E-BF76-DFF0E69167B8}"/>
               </a:ext>
             </a:extLst>
           </p:cNvPr>
@@ -5200,45 +7093,295 @@
           <a:lstStyle/>
           <a:p>
             <a:r>
+              <a:rPr lang="fr-CA" dirty="0" err="1"/>
+              <a:t>Lifecycle</a:t>
+            </a:r>
+            <a:r>
+              <a:rPr lang="fr-CA" dirty="0"/>
+              <a:t> d’un </a:t>
+            </a:r>
+            <a:r>
+              <a:rPr lang="fr-CA" dirty="0" err="1"/>
+              <a:t>ReactElement</a:t>
+            </a:r>
+            <a:endParaRPr lang="fr-CA" dirty="0"/>
+          </a:p>
+        </p:txBody>
+      </p:sp>
+      <p:pic>
+        <p:nvPicPr>
+          <p:cNvPr id="5" name="Picture 4">
+            <a:extLst>
+              <a:ext uri="{FF2B5EF4-FFF2-40B4-BE49-F238E27FC236}">
+                <a16:creationId xmlns:a16="http://schemas.microsoft.com/office/drawing/2014/main" id="{DF891E32-115A-4999-AAFB-8AD0DE454662}"/>
+              </a:ext>
+            </a:extLst>
+          </p:cNvPr>
+          <p:cNvPicPr>
+            <a:picLocks noChangeAspect="1"/>
+          </p:cNvPicPr>
+          <p:nvPr/>
+        </p:nvPicPr>
+        <p:blipFill>
+          <a:blip r:embed="rId2"/>
+          <a:stretch>
+            <a:fillRect/>
+          </a:stretch>
+        </p:blipFill>
+        <p:spPr>
+          <a:xfrm>
+            <a:off x="1040556" y="2544361"/>
+            <a:ext cx="3849493" cy="1602763"/>
+          </a:xfrm>
+          <a:prstGeom prst="rect">
+            <a:avLst/>
+          </a:prstGeom>
+        </p:spPr>
+      </p:pic>
+      <p:pic>
+        <p:nvPicPr>
+          <p:cNvPr id="6" name="Picture 5">
+            <a:extLst>
+              <a:ext uri="{FF2B5EF4-FFF2-40B4-BE49-F238E27FC236}">
+                <a16:creationId xmlns:a16="http://schemas.microsoft.com/office/drawing/2014/main" id="{C6972F70-0B81-42AB-9D11-3AAE20384478}"/>
+              </a:ext>
+            </a:extLst>
+          </p:cNvPr>
+          <p:cNvPicPr>
+            <a:picLocks noChangeAspect="1"/>
+          </p:cNvPicPr>
+          <p:nvPr/>
+        </p:nvPicPr>
+        <p:blipFill>
+          <a:blip r:embed="rId3"/>
+          <a:stretch>
+            <a:fillRect/>
+          </a:stretch>
+        </p:blipFill>
+        <p:spPr>
+          <a:xfrm>
+            <a:off x="6325105" y="2544361"/>
+            <a:ext cx="4441555" cy="1602763"/>
+          </a:xfrm>
+          <a:prstGeom prst="rect">
+            <a:avLst/>
+          </a:prstGeom>
+        </p:spPr>
+      </p:pic>
+      <p:pic>
+        <p:nvPicPr>
+          <p:cNvPr id="7" name="Picture 6">
+            <a:extLst>
+              <a:ext uri="{FF2B5EF4-FFF2-40B4-BE49-F238E27FC236}">
+                <a16:creationId xmlns:a16="http://schemas.microsoft.com/office/drawing/2014/main" id="{520C0207-5746-4DF7-A6FA-D8C308FC33E1}"/>
+              </a:ext>
+            </a:extLst>
+          </p:cNvPr>
+          <p:cNvPicPr>
+            <a:picLocks noChangeAspect="1"/>
+          </p:cNvPicPr>
+          <p:nvPr/>
+        </p:nvPicPr>
+        <p:blipFill>
+          <a:blip r:embed="rId4"/>
+          <a:stretch>
+            <a:fillRect/>
+          </a:stretch>
+        </p:blipFill>
+        <p:spPr>
+          <a:xfrm>
+            <a:off x="6519068" y="4576618"/>
+            <a:ext cx="4072046" cy="1916257"/>
+          </a:xfrm>
+          <a:prstGeom prst="rect">
+            <a:avLst/>
+          </a:prstGeom>
+        </p:spPr>
+      </p:pic>
+      <p:sp>
+        <p:nvSpPr>
+          <p:cNvPr id="8" name="Arrow: Right 7">
+            <a:extLst>
+              <a:ext uri="{FF2B5EF4-FFF2-40B4-BE49-F238E27FC236}">
+                <a16:creationId xmlns:a16="http://schemas.microsoft.com/office/drawing/2014/main" id="{54E5E0F1-2B9D-40AF-8528-D4438701425A}"/>
+              </a:ext>
+            </a:extLst>
+          </p:cNvPr>
+          <p:cNvSpPr/>
+          <p:nvPr/>
+        </p:nvSpPr>
+        <p:spPr>
+          <a:xfrm>
+            <a:off x="5188332" y="3075709"/>
+            <a:ext cx="951345" cy="582015"/>
+          </a:xfrm>
+          <a:prstGeom prst="rightArrow">
+            <a:avLst/>
+          </a:prstGeom>
+        </p:spPr>
+        <p:style>
+          <a:lnRef idx="2">
+            <a:schemeClr val="accent1">
+              <a:shade val="50000"/>
+            </a:schemeClr>
+          </a:lnRef>
+          <a:fillRef idx="1">
+            <a:schemeClr val="accent1"/>
+          </a:fillRef>
+          <a:effectRef idx="0">
+            <a:schemeClr val="accent1"/>
+          </a:effectRef>
+          <a:fontRef idx="minor">
+            <a:schemeClr val="lt1"/>
+          </a:fontRef>
+        </p:style>
+        <p:txBody>
+          <a:bodyPr rtlCol="0" anchor="ctr"/>
+          <a:lstStyle/>
+          <a:p>
+            <a:pPr algn="ctr"/>
+            <a:endParaRPr lang="fr-CA"/>
+          </a:p>
+        </p:txBody>
+      </p:sp>
+      <p:sp>
+        <p:nvSpPr>
+          <p:cNvPr id="9" name="Arrow: Down 8">
+            <a:extLst>
+              <a:ext uri="{FF2B5EF4-FFF2-40B4-BE49-F238E27FC236}">
+                <a16:creationId xmlns:a16="http://schemas.microsoft.com/office/drawing/2014/main" id="{6B5F24F7-B10F-4CC8-8345-E8DE74C00667}"/>
+              </a:ext>
+            </a:extLst>
+          </p:cNvPr>
+          <p:cNvSpPr/>
+          <p:nvPr/>
+        </p:nvSpPr>
+        <p:spPr>
+          <a:xfrm>
+            <a:off x="8156594" y="4247161"/>
+            <a:ext cx="679508" cy="239884"/>
+          </a:xfrm>
+          <a:prstGeom prst="downArrow">
+            <a:avLst/>
+          </a:prstGeom>
+        </p:spPr>
+        <p:style>
+          <a:lnRef idx="2">
+            <a:schemeClr val="accent1">
+              <a:shade val="50000"/>
+            </a:schemeClr>
+          </a:lnRef>
+          <a:fillRef idx="1">
+            <a:schemeClr val="accent1"/>
+          </a:fillRef>
+          <a:effectRef idx="0">
+            <a:schemeClr val="accent1"/>
+          </a:effectRef>
+          <a:fontRef idx="minor">
+            <a:schemeClr val="lt1"/>
+          </a:fontRef>
+        </p:style>
+        <p:txBody>
+          <a:bodyPr rtlCol="0" anchor="ctr"/>
+          <a:lstStyle/>
+          <a:p>
+            <a:pPr algn="ctr"/>
+            <a:endParaRPr lang="fr-CA"/>
+          </a:p>
+        </p:txBody>
+      </p:sp>
+      <p:sp>
+        <p:nvSpPr>
+          <p:cNvPr id="10" name="TextBox 9">
+            <a:extLst>
+              <a:ext uri="{FF2B5EF4-FFF2-40B4-BE49-F238E27FC236}">
+                <a16:creationId xmlns:a16="http://schemas.microsoft.com/office/drawing/2014/main" id="{07F59E78-E509-4746-A9F6-C6FEF4D3885C}"/>
+              </a:ext>
+            </a:extLst>
+          </p:cNvPr>
+          <p:cNvSpPr txBox="1"/>
+          <p:nvPr/>
+        </p:nvSpPr>
+        <p:spPr>
+          <a:xfrm>
+            <a:off x="4873549" y="2579947"/>
+            <a:ext cx="1508426" cy="646331"/>
+          </a:xfrm>
+          <a:prstGeom prst="rect">
+            <a:avLst/>
+          </a:prstGeom>
+          <a:noFill/>
+        </p:spPr>
+        <p:txBody>
+          <a:bodyPr wrap="none" rtlCol="0">
+            <a:spAutoFit/>
+          </a:bodyPr>
+          <a:lstStyle/>
+          <a:p>
+            <a:pPr algn="ctr"/>
+            <a:r>
+              <a:rPr lang="en-CA" dirty="0"/>
+              <a:t>Babel compile</a:t>
+            </a:r>
+          </a:p>
+          <a:p>
+            <a:pPr algn="ctr"/>
+            <a:r>
+              <a:rPr lang="en-CA" dirty="0"/>
+              <a:t>into</a:t>
+            </a:r>
+            <a:endParaRPr lang="fr-CA" dirty="0"/>
+          </a:p>
+        </p:txBody>
+      </p:sp>
+      <p:sp>
+        <p:nvSpPr>
+          <p:cNvPr id="11" name="TextBox 10">
+            <a:extLst>
+              <a:ext uri="{FF2B5EF4-FFF2-40B4-BE49-F238E27FC236}">
+                <a16:creationId xmlns:a16="http://schemas.microsoft.com/office/drawing/2014/main" id="{2CA924B6-49D9-45BA-AE2E-66A6D9D4A9D0}"/>
+              </a:ext>
+            </a:extLst>
+          </p:cNvPr>
+          <p:cNvSpPr txBox="1"/>
+          <p:nvPr/>
+        </p:nvSpPr>
+        <p:spPr>
+          <a:xfrm>
+            <a:off x="8919992" y="4182437"/>
+            <a:ext cx="2433808" cy="369332"/>
+          </a:xfrm>
+          <a:prstGeom prst="rect">
+            <a:avLst/>
+          </a:prstGeom>
+          <a:noFill/>
+        </p:spPr>
+        <p:txBody>
+          <a:bodyPr wrap="none" rtlCol="0">
+            <a:spAutoFit/>
+          </a:bodyPr>
+          <a:lstStyle/>
+          <a:p>
+            <a:r>
+              <a:rPr lang="en-CA" dirty="0"/>
+              <a:t>Create </a:t>
+            </a:r>
+            <a:r>
               <a:rPr lang="en-CA" dirty="0" err="1"/>
-              <a:t>Pourquoi</a:t>
+              <a:t>Javascript</a:t>
             </a:r>
             <a:r>
               <a:rPr lang="en-CA" dirty="0"/>
-              <a:t> un Virtual DOM</a:t>
-            </a:r>
-          </a:p>
-        </p:txBody>
-      </p:sp>
-      <p:sp>
-        <p:nvSpPr>
-          <p:cNvPr id="3" name="Content Placeholder 2">
-            <a:extLst>
-              <a:ext uri="{FF2B5EF4-FFF2-40B4-BE49-F238E27FC236}">
-                <a16:creationId xmlns:a16="http://schemas.microsoft.com/office/drawing/2014/main" id="{8FCB3598-4DA2-4E4D-80F2-A3033D71AC47}"/>
-              </a:ext>
-            </a:extLst>
-          </p:cNvPr>
-          <p:cNvSpPr>
-            <a:spLocks noGrp="1"/>
-          </p:cNvSpPr>
-          <p:nvPr>
-            <p:ph idx="1"/>
-          </p:nvPr>
-        </p:nvSpPr>
-        <p:spPr/>
-        <p:txBody>
-          <a:bodyPr/>
-          <a:lstStyle/>
-          <a:p>
-            <a:endParaRPr lang="en-CA"/>
+              <a:t> Object</a:t>
+            </a:r>
+            <a:endParaRPr lang="fr-CA" dirty="0"/>
           </a:p>
         </p:txBody>
       </p:sp>
     </p:spTree>
     <p:extLst>
       <p:ext uri="{BB962C8B-B14F-4D97-AF65-F5344CB8AC3E}">
-        <p14:creationId xmlns:p14="http://schemas.microsoft.com/office/powerpoint/2010/main" val="2113963184"/>
+        <p14:creationId xmlns:p14="http://schemas.microsoft.com/office/powerpoint/2010/main" val="1557852361"/>
       </p:ext>
     </p:extLst>
   </p:cSld>
@@ -5270,7 +7413,7 @@
           <p:cNvPr id="2" name="Title 1">
             <a:extLst>
               <a:ext uri="{FF2B5EF4-FFF2-40B4-BE49-F238E27FC236}">
-                <a16:creationId xmlns:a16="http://schemas.microsoft.com/office/drawing/2014/main" id="{B56AB862-FB26-48DC-9687-ABFF8FA02D26}"/>
+                <a16:creationId xmlns:a16="http://schemas.microsoft.com/office/drawing/2014/main" id="{F7945AEA-6232-4670-B53E-ADC28E9CE141}"/>
               </a:ext>
             </a:extLst>
           </p:cNvPr>
@@ -5287,255 +7430,713 @@
           <a:lstStyle/>
           <a:p>
             <a:r>
+              <a:rPr lang="en-CA" dirty="0" err="1"/>
+              <a:t>Pourquoi</a:t>
+            </a:r>
+            <a:r>
+              <a:rPr lang="en-CA" dirty="0"/>
+              <a:t> un Virtual DOM</a:t>
+            </a:r>
+          </a:p>
+        </p:txBody>
+      </p:sp>
+      <p:sp>
+        <p:nvSpPr>
+          <p:cNvPr id="3" name="Content Placeholder 2">
+            <a:extLst>
+              <a:ext uri="{FF2B5EF4-FFF2-40B4-BE49-F238E27FC236}">
+                <a16:creationId xmlns:a16="http://schemas.microsoft.com/office/drawing/2014/main" id="{8FCB3598-4DA2-4E4D-80F2-A3033D71AC47}"/>
+              </a:ext>
+            </a:extLst>
+          </p:cNvPr>
+          <p:cNvSpPr>
+            <a:spLocks noGrp="1"/>
+          </p:cNvSpPr>
+          <p:nvPr>
+            <p:ph idx="1"/>
+          </p:nvPr>
+        </p:nvSpPr>
+        <p:spPr/>
+        <p:txBody>
+          <a:bodyPr/>
+          <a:lstStyle/>
+          <a:p>
+            <a:endParaRPr lang="en-CA"/>
+          </a:p>
+        </p:txBody>
+      </p:sp>
+    </p:spTree>
+    <p:extLst>
+      <p:ext uri="{BB962C8B-B14F-4D97-AF65-F5344CB8AC3E}">
+        <p14:creationId xmlns:p14="http://schemas.microsoft.com/office/powerpoint/2010/main" val="2113963184"/>
+      </p:ext>
+    </p:extLst>
+  </p:cSld>
+  <p:clrMapOvr>
+    <a:masterClrMapping/>
+  </p:clrMapOvr>
+</p:sld>
+</file>
+
+<file path=ppt/slides/slide8.xml><?xml version="1.0" encoding="utf-8"?>
+<p:sld xmlns:a="http://schemas.openxmlformats.org/drawingml/2006/main" xmlns:r="http://schemas.openxmlformats.org/officeDocument/2006/relationships" xmlns:p="http://schemas.openxmlformats.org/presentationml/2006/main">
+  <p:cSld>
+    <p:spTree>
+      <p:nvGrpSpPr>
+        <p:cNvPr id="1" name=""/>
+        <p:cNvGrpSpPr/>
+        <p:nvPr/>
+      </p:nvGrpSpPr>
+      <p:grpSpPr>
+        <a:xfrm>
+          <a:off x="0" y="0"/>
+          <a:ext cx="0" cy="0"/>
+          <a:chOff x="0" y="0"/>
+          <a:chExt cx="0" cy="0"/>
+        </a:xfrm>
+      </p:grpSpPr>
+      <p:sp>
+        <p:nvSpPr>
+          <p:cNvPr id="2" name="Title 1">
+            <a:extLst>
+              <a:ext uri="{FF2B5EF4-FFF2-40B4-BE49-F238E27FC236}">
+                <a16:creationId xmlns:a16="http://schemas.microsoft.com/office/drawing/2014/main" id="{57E6E8D8-113B-472E-BBEC-EE4A47A63F6E}"/>
+              </a:ext>
+            </a:extLst>
+          </p:cNvPr>
+          <p:cNvSpPr>
+            <a:spLocks noGrp="1"/>
+          </p:cNvSpPr>
+          <p:nvPr>
+            <p:ph type="title"/>
+          </p:nvPr>
+        </p:nvSpPr>
+        <p:spPr/>
+        <p:txBody>
+          <a:bodyPr/>
+          <a:lstStyle/>
+          <a:p>
+            <a:r>
+              <a:rPr lang="fr-CA" dirty="0"/>
+              <a:t>Component </a:t>
+            </a:r>
+            <a:r>
               <a:rPr lang="fr-CA" dirty="0" err="1"/>
-              <a:t>React</a:t>
-            </a:r>
-            <a:r>
-              <a:rPr lang="fr-CA" dirty="0"/>
-              <a:t> </a:t>
-            </a:r>
-            <a:r>
-              <a:rPr lang="fr-CA" dirty="0" err="1"/>
-              <a:t>Render</a:t>
-            </a:r>
-            <a:r>
-              <a:rPr lang="fr-CA" dirty="0"/>
-              <a:t> &amp; </a:t>
-            </a:r>
-            <a:r>
-              <a:rPr lang="fr-CA" dirty="0" err="1"/>
-              <a:t>Reconciliation</a:t>
-            </a:r>
-            <a:endParaRPr lang="en-CA" dirty="0"/>
-          </a:p>
-        </p:txBody>
-      </p:sp>
-      <p:sp>
-        <p:nvSpPr>
-          <p:cNvPr id="3" name="Content Placeholder 2">
-            <a:extLst>
-              <a:ext uri="{FF2B5EF4-FFF2-40B4-BE49-F238E27FC236}">
-                <a16:creationId xmlns:a16="http://schemas.microsoft.com/office/drawing/2014/main" id="{A8359718-8B24-4054-9B5C-A032DAA7ACA9}"/>
-              </a:ext>
-            </a:extLst>
-          </p:cNvPr>
-          <p:cNvSpPr>
-            <a:spLocks noGrp="1"/>
-          </p:cNvSpPr>
-          <p:nvPr>
-            <p:ph idx="1"/>
-          </p:nvPr>
-        </p:nvSpPr>
-        <p:spPr>
+              <a:t>LifeCycle</a:t>
+            </a:r>
+            <a:endParaRPr lang="fr-CA" dirty="0"/>
+          </a:p>
+        </p:txBody>
+      </p:sp>
+      <p:pic>
+        <p:nvPicPr>
+          <p:cNvPr id="2050" name="Picture 2" descr="Image result for react component lifecycle">
+            <a:extLst>
+              <a:ext uri="{FF2B5EF4-FFF2-40B4-BE49-F238E27FC236}">
+                <a16:creationId xmlns:a16="http://schemas.microsoft.com/office/drawing/2014/main" id="{8998ED41-0C91-47F3-858A-CA196907AB57}"/>
+              </a:ext>
+            </a:extLst>
+          </p:cNvPr>
+          <p:cNvPicPr>
+            <a:picLocks noChangeAspect="1" noChangeArrowheads="1"/>
+          </p:cNvPicPr>
+          <p:nvPr/>
+        </p:nvPicPr>
+        <p:blipFill>
+          <a:blip r:embed="rId2">
+            <a:extLst>
+              <a:ext uri="{28A0092B-C50C-407E-A947-70E740481C1C}">
+                <a14:useLocalDpi xmlns:a14="http://schemas.microsoft.com/office/drawing/2010/main" val="0"/>
+              </a:ext>
+            </a:extLst>
+          </a:blip>
+          <a:srcRect/>
+          <a:stretch>
+            <a:fillRect/>
+          </a:stretch>
+        </p:blipFill>
+        <p:spPr bwMode="auto">
           <a:xfrm>
-            <a:off x="658906" y="1690688"/>
-            <a:ext cx="10771094" cy="4351338"/>
-          </a:xfrm>
-        </p:spPr>
-        <p:txBody>
-          <a:bodyPr>
-            <a:normAutofit/>
-          </a:bodyPr>
-          <a:lstStyle/>
-          <a:p>
-            <a:pPr marL="0" indent="0">
-              <a:buNone/>
-            </a:pPr>
-            <a:r>
-              <a:rPr lang="fr-CA" dirty="0"/>
-              <a:t>Lorsqu’on </a:t>
-            </a:r>
-            <a:r>
-              <a:rPr lang="fr-CA" dirty="0" err="1"/>
-              <a:t>apelle</a:t>
-            </a:r>
-            <a:r>
-              <a:rPr lang="fr-CA" dirty="0"/>
-              <a:t> la méthode </a:t>
-            </a:r>
-            <a:r>
-              <a:rPr lang="fr-CA" dirty="0" err="1"/>
-              <a:t>React.Render</a:t>
-            </a:r>
-            <a:r>
-              <a:rPr lang="fr-CA" dirty="0"/>
-              <a:t>() ou </a:t>
-            </a:r>
-            <a:r>
-              <a:rPr lang="fr-CA" dirty="0" err="1"/>
-              <a:t>setState</a:t>
-            </a:r>
-            <a:r>
-              <a:rPr lang="fr-CA" dirty="0"/>
-              <a:t>() 2 chose se produise:</a:t>
-            </a:r>
-          </a:p>
-          <a:p>
-            <a:pPr marL="0" indent="0">
-              <a:buNone/>
-            </a:pPr>
-            <a:endParaRPr lang="fr-CA" dirty="0"/>
-          </a:p>
-          <a:p>
-            <a:pPr marL="0" indent="0">
-              <a:buNone/>
-            </a:pPr>
-            <a:r>
-              <a:rPr lang="fr-CA" dirty="0"/>
-              <a:t>#1) Update/</a:t>
-            </a:r>
-            <a:r>
-              <a:rPr lang="fr-CA" dirty="0" err="1"/>
-              <a:t>Render</a:t>
-            </a:r>
-            <a:r>
-              <a:rPr lang="fr-CA" dirty="0"/>
-              <a:t> du Virtual-DOM</a:t>
-            </a:r>
-          </a:p>
-          <a:p>
-            <a:r>
-              <a:rPr lang="fr-CA" sz="2000" dirty="0"/>
-              <a:t>Recréer les </a:t>
-            </a:r>
-            <a:r>
-              <a:rPr lang="fr-CA" sz="2000" dirty="0" err="1"/>
-              <a:t>reactElements</a:t>
-            </a:r>
-            <a:r>
-              <a:rPr lang="fr-CA" sz="2000" dirty="0"/>
-              <a:t> de l’élément et de son sous arbre</a:t>
-            </a:r>
-          </a:p>
-          <a:p>
-            <a:pPr lvl="1"/>
-            <a:r>
-              <a:rPr lang="fr-CA" sz="2000" dirty="0"/>
-              <a:t>Sur </a:t>
-            </a:r>
-            <a:r>
-              <a:rPr lang="fr-CA" sz="2000" dirty="0" err="1"/>
-              <a:t>React.Render</a:t>
-            </a:r>
-            <a:r>
-              <a:rPr lang="fr-CA" sz="2000" dirty="0"/>
-              <a:t>() l’élément est le root</a:t>
-            </a:r>
-          </a:p>
-          <a:p>
-            <a:pPr lvl="1"/>
-            <a:r>
-              <a:rPr lang="fr-CA" sz="2000" dirty="0"/>
-              <a:t>Avec </a:t>
-            </a:r>
-            <a:r>
-              <a:rPr lang="fr-CA" sz="2000" dirty="0" err="1"/>
-              <a:t>setState</a:t>
-            </a:r>
-            <a:r>
-              <a:rPr lang="fr-CA" sz="2000" dirty="0"/>
-              <a:t>() l’élément est le component updaté</a:t>
-            </a:r>
-          </a:p>
-          <a:p>
-            <a:pPr marL="0" indent="0">
-              <a:buNone/>
-            </a:pPr>
-            <a:r>
-              <a:rPr lang="fr-CA" dirty="0"/>
-              <a:t>#2) </a:t>
-            </a:r>
-            <a:r>
-              <a:rPr lang="fr-CA" dirty="0" err="1"/>
-              <a:t>Reconciliation</a:t>
-            </a:r>
-            <a:endParaRPr lang="fr-CA" dirty="0"/>
-          </a:p>
-          <a:p>
-            <a:r>
-              <a:rPr lang="fr-CA" sz="2000" dirty="0" err="1"/>
-              <a:t>Renderer</a:t>
-            </a:r>
-            <a:r>
-              <a:rPr lang="fr-CA" sz="2000" dirty="0"/>
-              <a:t> (comme </a:t>
-            </a:r>
-            <a:r>
-              <a:rPr lang="fr-CA" sz="2000" dirty="0" err="1"/>
-              <a:t>react</a:t>
-            </a:r>
-            <a:r>
-              <a:rPr lang="fr-CA" sz="2000" dirty="0"/>
-              <a:t>-dom ou </a:t>
-            </a:r>
-            <a:r>
-              <a:rPr lang="fr-CA" sz="2000" dirty="0" err="1"/>
-              <a:t>react</a:t>
-            </a:r>
-            <a:r>
-              <a:rPr lang="fr-CA" sz="2000" dirty="0"/>
-              <a:t>-native) calcule les changements minimal à faire pour mettre à jour le DOM de la </a:t>
-            </a:r>
-            <a:r>
-              <a:rPr lang="fr-CA" sz="2000" dirty="0" err="1"/>
-              <a:t>platforme</a:t>
-            </a:r>
-            <a:endParaRPr lang="fr-CA" sz="2000" dirty="0"/>
-          </a:p>
-          <a:p>
-            <a:pPr marL="0" indent="0">
-              <a:buNone/>
-            </a:pPr>
-            <a:endParaRPr lang="fr-CA" dirty="0"/>
-          </a:p>
-          <a:p>
-            <a:pPr marL="457200" lvl="1" indent="0">
-              <a:buNone/>
-            </a:pPr>
-            <a:endParaRPr lang="fr-CA" dirty="0"/>
-          </a:p>
-        </p:txBody>
-      </p:sp>
-      <p:sp>
-        <p:nvSpPr>
-          <p:cNvPr id="4" name="TextBox 3">
-            <a:extLst>
-              <a:ext uri="{FF2B5EF4-FFF2-40B4-BE49-F238E27FC236}">
-                <a16:creationId xmlns:a16="http://schemas.microsoft.com/office/drawing/2014/main" id="{AAC8258A-5666-40C6-8E08-9079FCD97085}"/>
-              </a:ext>
-            </a:extLst>
-          </p:cNvPr>
-          <p:cNvSpPr txBox="1"/>
-          <p:nvPr/>
-        </p:nvSpPr>
-        <p:spPr>
-          <a:xfrm>
-            <a:off x="566540" y="6187440"/>
-            <a:ext cx="6335517" cy="369332"/>
+            <a:off x="1358205" y="1588498"/>
+            <a:ext cx="8953081" cy="4904377"/>
           </a:xfrm>
           <a:prstGeom prst="rect">
             <a:avLst/>
           </a:prstGeom>
           <a:noFill/>
+          <a:extLst>
+            <a:ext uri="{909E8E84-426E-40DD-AFC4-6F175D3DCCD1}">
+              <a14:hiddenFill xmlns:a14="http://schemas.microsoft.com/office/drawing/2010/main">
+                <a:solidFill>
+                  <a:srgbClr val="FFFFFF"/>
+                </a:solidFill>
+              </a14:hiddenFill>
+            </a:ext>
+          </a:extLst>
         </p:spPr>
-        <p:txBody>
-          <a:bodyPr wrap="none" rtlCol="0">
-            <a:spAutoFit/>
-          </a:bodyPr>
-          <a:lstStyle/>
-          <a:p>
-            <a:r>
-              <a:rPr lang="fr-CA" dirty="0"/>
-              <a:t>Démo: « 3-react-render.html » et « 4-render-reconciliation.html »</a:t>
-            </a:r>
-            <a:endParaRPr lang="en-CA" dirty="0"/>
-          </a:p>
-        </p:txBody>
-      </p:sp>
+      </p:pic>
     </p:spTree>
     <p:extLst>
       <p:ext uri="{BB962C8B-B14F-4D97-AF65-F5344CB8AC3E}">
-        <p14:creationId xmlns:p14="http://schemas.microsoft.com/office/powerpoint/2010/main" val="1681685460"/>
+        <p14:creationId xmlns:p14="http://schemas.microsoft.com/office/powerpoint/2010/main" val="1561951365"/>
+      </p:ext>
+    </p:extLst>
+  </p:cSld>
+  <p:clrMapOvr>
+    <a:masterClrMapping/>
+  </p:clrMapOvr>
+</p:sld>
+</file>
+
+<file path=ppt/slides/slide9.xml><?xml version="1.0" encoding="utf-8"?>
+<p:sld xmlns:a="http://schemas.openxmlformats.org/drawingml/2006/main" xmlns:r="http://schemas.openxmlformats.org/officeDocument/2006/relationships" xmlns:p="http://schemas.openxmlformats.org/presentationml/2006/main">
+  <p:cSld>
+    <p:spTree>
+      <p:nvGrpSpPr>
+        <p:cNvPr id="1" name=""/>
+        <p:cNvGrpSpPr/>
+        <p:nvPr/>
+      </p:nvGrpSpPr>
+      <p:grpSpPr>
+        <a:xfrm>
+          <a:off x="0" y="0"/>
+          <a:ext cx="0" cy="0"/>
+          <a:chOff x="0" y="0"/>
+          <a:chExt cx="0" cy="0"/>
+        </a:xfrm>
+      </p:grpSpPr>
+      <p:sp>
+        <p:nvSpPr>
+          <p:cNvPr id="2" name="Title 1">
+            <a:extLst>
+              <a:ext uri="{FF2B5EF4-FFF2-40B4-BE49-F238E27FC236}">
+                <a16:creationId xmlns:a16="http://schemas.microsoft.com/office/drawing/2014/main" id="{AA65C3F0-8428-48AE-8FBA-78CC105C44CA}"/>
+              </a:ext>
+            </a:extLst>
+          </p:cNvPr>
+          <p:cNvSpPr>
+            <a:spLocks noGrp="1"/>
+          </p:cNvSpPr>
+          <p:nvPr>
+            <p:ph type="title"/>
+          </p:nvPr>
+        </p:nvSpPr>
+        <p:spPr/>
+        <p:txBody>
+          <a:bodyPr/>
+          <a:lstStyle/>
+          <a:p>
+            <a:r>
+              <a:rPr lang="fr-CA" dirty="0"/>
+              <a:t>How and </a:t>
+            </a:r>
+            <a:r>
+              <a:rPr lang="fr-CA" dirty="0" err="1"/>
+              <a:t>When</a:t>
+            </a:r>
+            <a:r>
+              <a:rPr lang="fr-CA" dirty="0"/>
+              <a:t> use </a:t>
+            </a:r>
+            <a:r>
+              <a:rPr lang="fr-CA" dirty="0" err="1"/>
+              <a:t>lifecycle</a:t>
+            </a:r>
+            <a:r>
+              <a:rPr lang="fr-CA" dirty="0"/>
+              <a:t> </a:t>
+            </a:r>
+            <a:r>
+              <a:rPr lang="fr-CA" dirty="0" err="1"/>
+              <a:t>method</a:t>
+            </a:r>
+            <a:endParaRPr lang="fr-CA" dirty="0"/>
+          </a:p>
+        </p:txBody>
+      </p:sp>
+      <p:graphicFrame>
+        <p:nvGraphicFramePr>
+          <p:cNvPr id="4" name="Content Placeholder 3">
+            <a:extLst>
+              <a:ext uri="{FF2B5EF4-FFF2-40B4-BE49-F238E27FC236}">
+                <a16:creationId xmlns:a16="http://schemas.microsoft.com/office/drawing/2014/main" id="{205428AB-9D70-4678-A192-863BBE998C77}"/>
+              </a:ext>
+            </a:extLst>
+          </p:cNvPr>
+          <p:cNvGraphicFramePr>
+            <a:graphicFrameLocks noGrp="1"/>
+          </p:cNvGraphicFramePr>
+          <p:nvPr>
+            <p:ph idx="1"/>
+            <p:extLst>
+              <p:ext uri="{D42A27DB-BD31-4B8C-83A1-F6EECF244321}">
+                <p14:modId xmlns:p14="http://schemas.microsoft.com/office/powerpoint/2010/main" val="2103627486"/>
+              </p:ext>
+            </p:extLst>
+          </p:nvPr>
+        </p:nvGraphicFramePr>
+        <p:xfrm>
+          <a:off x="117230" y="1453528"/>
+          <a:ext cx="11957539" cy="5038234"/>
+        </p:xfrm>
+        <a:graphic>
+          <a:graphicData uri="http://schemas.openxmlformats.org/drawingml/2006/table">
+            <a:tbl>
+              <a:tblPr firstRow="1" bandRow="1">
+                <a:tableStyleId>{5C22544A-7EE6-4342-B048-85BDC9FD1C3A}</a:tableStyleId>
+              </a:tblPr>
+              <a:tblGrid>
+                <a:gridCol w="4245793">
+                  <a:extLst>
+                    <a:ext uri="{9D8B030D-6E8A-4147-A177-3AD203B41FA5}">
+                      <a16:colId xmlns:a16="http://schemas.microsoft.com/office/drawing/2014/main" val="181093278"/>
+                    </a:ext>
+                  </a:extLst>
+                </a:gridCol>
+                <a:gridCol w="7711746">
+                  <a:extLst>
+                    <a:ext uri="{9D8B030D-6E8A-4147-A177-3AD203B41FA5}">
+                      <a16:colId xmlns:a16="http://schemas.microsoft.com/office/drawing/2014/main" val="209439746"/>
+                    </a:ext>
+                  </a:extLst>
+                </a:gridCol>
+              </a:tblGrid>
+              <a:tr h="694940">
+                <a:tc>
+                  <a:txBody>
+                    <a:bodyPr/>
+                    <a:lstStyle/>
+                    <a:p>
+                      <a:r>
+                        <a:rPr lang="fr-CA" dirty="0"/>
+                        <a:t>Méthode du </a:t>
+                      </a:r>
+                      <a:r>
+                        <a:rPr lang="fr-CA" dirty="0" err="1"/>
+                        <a:t>lifecyle</a:t>
+                      </a:r>
+                      <a:endParaRPr lang="fr-CA" dirty="0"/>
+                    </a:p>
+                  </a:txBody>
+                  <a:tcPr/>
+                </a:tc>
+                <a:tc>
+                  <a:txBody>
+                    <a:bodyPr/>
+                    <a:lstStyle/>
+                    <a:p>
+                      <a:r>
+                        <a:rPr lang="fr-CA" dirty="0"/>
+                        <a:t>Détails</a:t>
+                      </a:r>
+                    </a:p>
+                  </a:txBody>
+                  <a:tcPr/>
+                </a:tc>
+                <a:extLst>
+                  <a:ext uri="{0D108BD9-81ED-4DB2-BD59-A6C34878D82A}">
+                    <a16:rowId xmlns:a16="http://schemas.microsoft.com/office/drawing/2014/main" val="3691666161"/>
+                  </a:ext>
+                </a:extLst>
+              </a:tr>
+              <a:tr h="549012">
+                <a:tc>
+                  <a:txBody>
+                    <a:bodyPr/>
+                    <a:lstStyle/>
+                    <a:p>
+                      <a:r>
+                        <a:rPr lang="fr-CA" dirty="0" err="1"/>
+                        <a:t>render</a:t>
+                      </a:r>
+                      <a:r>
+                        <a:rPr lang="fr-CA" dirty="0"/>
+                        <a:t>()</a:t>
+                      </a:r>
+                    </a:p>
+                  </a:txBody>
+                  <a:tcPr/>
+                </a:tc>
+                <a:tc>
+                  <a:txBody>
+                    <a:bodyPr/>
+                    <a:lstStyle/>
+                    <a:p>
+                      <a:pPr marL="285750" indent="-285750">
+                        <a:buFont typeface="Arial" panose="020B0604020202020204" pitchFamily="34" charset="0"/>
+                        <a:buChar char="•"/>
+                      </a:pPr>
+                      <a:r>
+                        <a:rPr lang="fr-CA" dirty="0"/>
+                        <a:t>Retourne un </a:t>
+                      </a:r>
+                      <a:r>
+                        <a:rPr lang="fr-CA" dirty="0" err="1"/>
+                        <a:t>reactElement</a:t>
+                      </a:r>
+                      <a:endParaRPr lang="fr-CA" dirty="0"/>
+                    </a:p>
+                  </a:txBody>
+                  <a:tcPr/>
+                </a:tc>
+                <a:extLst>
+                  <a:ext uri="{0D108BD9-81ED-4DB2-BD59-A6C34878D82A}">
+                    <a16:rowId xmlns:a16="http://schemas.microsoft.com/office/drawing/2014/main" val="3049361081"/>
+                  </a:ext>
+                </a:extLst>
+              </a:tr>
+              <a:tr h="925528">
+                <a:tc>
+                  <a:txBody>
+                    <a:bodyPr/>
+                    <a:lstStyle/>
+                    <a:p>
+                      <a:r>
+                        <a:rPr lang="fr-CA" dirty="0" err="1"/>
+                        <a:t>componentDidMount</a:t>
+                      </a:r>
+                      <a:r>
+                        <a:rPr lang="fr-CA" dirty="0"/>
+                        <a:t>()</a:t>
+                      </a:r>
+                    </a:p>
+                  </a:txBody>
+                  <a:tcPr/>
+                </a:tc>
+                <a:tc>
+                  <a:txBody>
+                    <a:bodyPr/>
+                    <a:lstStyle/>
+                    <a:p>
+                      <a:pPr marL="285750" indent="-285750">
+                        <a:buFont typeface="Arial" panose="020B0604020202020204" pitchFamily="34" charset="0"/>
+                        <a:buChar char="•"/>
+                      </a:pPr>
+                      <a:r>
+                        <a:rPr lang="fr-CA" dirty="0"/>
+                        <a:t>Appelé 1 seul fois une fois que le component à été monter sur le DOM du browser</a:t>
+                      </a:r>
+                    </a:p>
+                    <a:p>
+                      <a:pPr marL="285750" indent="-285750">
+                        <a:buFont typeface="Arial" panose="020B0604020202020204" pitchFamily="34" charset="0"/>
+                        <a:buChar char="•"/>
+                      </a:pPr>
+                      <a:r>
+                        <a:rPr lang="fr-CA" dirty="0"/>
+                        <a:t>Endroit idéal pour faire </a:t>
+                      </a:r>
+                      <a:r>
+                        <a:rPr lang="fr-CA" dirty="0" err="1"/>
+                        <a:t>fetch</a:t>
+                      </a:r>
+                      <a:r>
+                        <a:rPr lang="fr-CA" dirty="0"/>
+                        <a:t> de data</a:t>
+                      </a:r>
+                    </a:p>
+                  </a:txBody>
+                  <a:tcPr/>
+                </a:tc>
+                <a:extLst>
+                  <a:ext uri="{0D108BD9-81ED-4DB2-BD59-A6C34878D82A}">
+                    <a16:rowId xmlns:a16="http://schemas.microsoft.com/office/drawing/2014/main" val="2293805067"/>
+                  </a:ext>
+                </a:extLst>
+              </a:tr>
+              <a:tr h="869534">
+                <a:tc>
+                  <a:txBody>
+                    <a:bodyPr/>
+                    <a:lstStyle/>
+                    <a:p>
+                      <a:r>
+                        <a:rPr lang="fr-CA" dirty="0" err="1"/>
+                        <a:t>shouldComponentUpdate</a:t>
+                      </a:r>
+                      <a:r>
+                        <a:rPr lang="fr-CA" dirty="0"/>
+                        <a:t>(</a:t>
+                      </a:r>
+                      <a:r>
+                        <a:rPr lang="fr-CA" dirty="0" err="1"/>
+                        <a:t>nextProps</a:t>
+                      </a:r>
+                      <a:r>
+                        <a:rPr lang="fr-CA" dirty="0"/>
+                        <a:t>, </a:t>
+                      </a:r>
+                      <a:r>
+                        <a:rPr lang="fr-CA" dirty="0" err="1"/>
+                        <a:t>nextState</a:t>
+                      </a:r>
+                      <a:r>
+                        <a:rPr lang="fr-CA" dirty="0"/>
+                        <a:t>)</a:t>
+                      </a:r>
+                    </a:p>
+                  </a:txBody>
+                  <a:tcPr/>
+                </a:tc>
+                <a:tc>
+                  <a:txBody>
+                    <a:bodyPr/>
+                    <a:lstStyle/>
+                    <a:p>
+                      <a:pPr marL="285750" indent="-285750">
+                        <a:buFont typeface="Arial" panose="020B0604020202020204" pitchFamily="34" charset="0"/>
+                        <a:buChar char="•"/>
+                      </a:pPr>
+                      <a:r>
+                        <a:rPr lang="fr-CA" dirty="0"/>
+                        <a:t>Indique s’il est nécessaire d’effectuer un nouveau </a:t>
+                      </a:r>
+                      <a:r>
+                        <a:rPr lang="fr-CA" dirty="0" err="1"/>
+                        <a:t>render</a:t>
+                      </a:r>
+                      <a:r>
+                        <a:rPr lang="fr-CA" dirty="0"/>
+                        <a:t> </a:t>
+                      </a:r>
+                    </a:p>
+                    <a:p>
+                      <a:pPr marL="285750" indent="-285750">
+                        <a:buFont typeface="Arial" panose="020B0604020202020204" pitchFamily="34" charset="0"/>
+                        <a:buChar char="•"/>
+                      </a:pPr>
+                      <a:r>
+                        <a:rPr lang="fr-CA" dirty="0"/>
+                        <a:t>Retourne un </a:t>
+                      </a:r>
+                      <a:r>
+                        <a:rPr lang="fr-CA" dirty="0" err="1"/>
+                        <a:t>bool</a:t>
+                      </a:r>
+                      <a:endParaRPr lang="fr-CA" dirty="0"/>
+                    </a:p>
+                    <a:p>
+                      <a:pPr marL="285750" indent="-285750">
+                        <a:buFont typeface="Arial" panose="020B0604020202020204" pitchFamily="34" charset="0"/>
+                        <a:buChar char="•"/>
+                      </a:pPr>
+                      <a:r>
+                        <a:rPr lang="fr-CA" dirty="0" err="1"/>
+                        <a:t>React.Component</a:t>
+                      </a:r>
+                      <a:r>
+                        <a:rPr lang="fr-CA" dirty="0"/>
+                        <a:t> retourne </a:t>
+                      </a:r>
+                      <a:r>
+                        <a:rPr lang="fr-CA" dirty="0" err="1"/>
+                        <a:t>true</a:t>
+                      </a:r>
+                      <a:r>
+                        <a:rPr lang="fr-CA" dirty="0"/>
+                        <a:t> par défaut</a:t>
+                      </a:r>
+                    </a:p>
+                  </a:txBody>
+                  <a:tcPr/>
+                </a:tc>
+                <a:extLst>
+                  <a:ext uri="{0D108BD9-81ED-4DB2-BD59-A6C34878D82A}">
+                    <a16:rowId xmlns:a16="http://schemas.microsoft.com/office/drawing/2014/main" val="738618961"/>
+                  </a:ext>
+                </a:extLst>
+              </a:tr>
+              <a:tr h="754870">
+                <a:tc>
+                  <a:txBody>
+                    <a:bodyPr/>
+                    <a:lstStyle/>
+                    <a:p>
+                      <a:r>
+                        <a:rPr lang="fr-CA" dirty="0" err="1"/>
+                        <a:t>componentDidUpdate</a:t>
+                      </a:r>
+                      <a:r>
+                        <a:rPr lang="fr-CA" dirty="0"/>
+                        <a:t>(</a:t>
+                      </a:r>
+                      <a:r>
+                        <a:rPr lang="fr-CA" dirty="0" err="1"/>
+                        <a:t>prevProps</a:t>
+                      </a:r>
+                      <a:r>
+                        <a:rPr lang="fr-CA" dirty="0"/>
+                        <a:t>, </a:t>
+                      </a:r>
+                      <a:r>
+                        <a:rPr lang="fr-CA" dirty="0" err="1"/>
+                        <a:t>prevState</a:t>
+                      </a:r>
+                      <a:r>
+                        <a:rPr lang="fr-CA" dirty="0"/>
+                        <a:t>, snapshot)</a:t>
+                      </a:r>
+                    </a:p>
+                  </a:txBody>
+                  <a:tcPr/>
+                </a:tc>
+                <a:tc>
+                  <a:txBody>
+                    <a:bodyPr/>
+                    <a:lstStyle/>
+                    <a:p>
+                      <a:pPr marL="285750" indent="-285750">
+                        <a:buFont typeface="Arial" panose="020B0604020202020204" pitchFamily="34" charset="0"/>
+                        <a:buChar char="•"/>
+                      </a:pPr>
+                      <a:r>
+                        <a:rPr lang="fr-CA" dirty="0"/>
+                        <a:t>À utiliser de façon similaire à </a:t>
+                      </a:r>
+                      <a:r>
+                        <a:rPr lang="fr-CA" dirty="0" err="1"/>
+                        <a:t>componentDidMount</a:t>
+                      </a:r>
+                      <a:r>
+                        <a:rPr lang="fr-CA" dirty="0"/>
+                        <a:t>()</a:t>
+                      </a:r>
+                    </a:p>
+                    <a:p>
+                      <a:pPr marL="285750" indent="-285750">
+                        <a:buFont typeface="Arial" panose="020B0604020202020204" pitchFamily="34" charset="0"/>
+                        <a:buChar char="•"/>
+                      </a:pPr>
+                      <a:r>
+                        <a:rPr lang="fr-CA" dirty="0"/>
+                        <a:t>Si on utilise </a:t>
+                      </a:r>
+                      <a:r>
+                        <a:rPr lang="fr-CA" dirty="0" err="1"/>
+                        <a:t>setState</a:t>
+                      </a:r>
+                      <a:r>
+                        <a:rPr lang="fr-CA" dirty="0"/>
+                        <a:t>, mettre une condition sinon boucle </a:t>
+                      </a:r>
+                      <a:r>
+                        <a:rPr lang="fr-CA" dirty="0" err="1"/>
+                        <a:t>infinit</a:t>
+                      </a:r>
+                      <a:endParaRPr lang="fr-CA" dirty="0"/>
+                    </a:p>
+                  </a:txBody>
+                  <a:tcPr/>
+                </a:tc>
+                <a:extLst>
+                  <a:ext uri="{0D108BD9-81ED-4DB2-BD59-A6C34878D82A}">
+                    <a16:rowId xmlns:a16="http://schemas.microsoft.com/office/drawing/2014/main" val="7677006"/>
+                  </a:ext>
+                </a:extLst>
+              </a:tr>
+              <a:tr h="1199484">
+                <a:tc>
+                  <a:txBody>
+                    <a:bodyPr/>
+                    <a:lstStyle/>
+                    <a:p>
+                      <a:r>
+                        <a:rPr lang="fr-CA" dirty="0" err="1"/>
+                        <a:t>componentWillUnmount</a:t>
+                      </a:r>
+                      <a:r>
+                        <a:rPr lang="fr-CA" dirty="0"/>
+                        <a:t>()</a:t>
+                      </a:r>
+                    </a:p>
+                  </a:txBody>
+                  <a:tcPr/>
+                </a:tc>
+                <a:tc>
+                  <a:txBody>
+                    <a:bodyPr/>
+                    <a:lstStyle/>
+                    <a:p>
+                      <a:pPr marL="285750" indent="-285750">
+                        <a:buFont typeface="Arial" panose="020B0604020202020204" pitchFamily="34" charset="0"/>
+                        <a:buChar char="•"/>
+                      </a:pPr>
+                      <a:r>
+                        <a:rPr lang="fr-CA" dirty="0"/>
+                        <a:t>Avant qu’il soit </a:t>
+                      </a:r>
+                      <a:r>
+                        <a:rPr lang="fr-CA" dirty="0" err="1"/>
+                        <a:t>unmount</a:t>
+                      </a:r>
+                      <a:r>
+                        <a:rPr lang="fr-CA" dirty="0"/>
+                        <a:t> du DOM </a:t>
+                      </a:r>
+                    </a:p>
+                    <a:p>
+                      <a:pPr marL="285750" indent="-285750">
+                        <a:buFont typeface="Arial" panose="020B0604020202020204" pitchFamily="34" charset="0"/>
+                        <a:buChar char="•"/>
+                      </a:pPr>
+                      <a:r>
+                        <a:rPr lang="fr-CA" dirty="0"/>
+                        <a:t>Ne pas utiliser </a:t>
+                      </a:r>
+                      <a:r>
+                        <a:rPr lang="fr-CA" dirty="0" err="1"/>
+                        <a:t>setState</a:t>
+                      </a:r>
+                      <a:endParaRPr lang="fr-CA" dirty="0"/>
+                    </a:p>
+                    <a:p>
+                      <a:pPr marL="285750" indent="-285750">
+                        <a:buFont typeface="Arial" panose="020B0604020202020204" pitchFamily="34" charset="0"/>
+                        <a:buChar char="•"/>
+                      </a:pPr>
+                      <a:r>
+                        <a:rPr lang="fr-CA" dirty="0"/>
+                        <a:t>Endroit pour nettoyer les </a:t>
+                      </a:r>
+                      <a:r>
+                        <a:rPr lang="fr-CA" dirty="0" err="1"/>
+                        <a:t>timers</a:t>
+                      </a:r>
+                      <a:r>
+                        <a:rPr lang="fr-CA" dirty="0"/>
+                        <a:t>, process et </a:t>
+                      </a:r>
+                      <a:r>
+                        <a:rPr lang="fr-CA" dirty="0" err="1"/>
+                        <a:t>event</a:t>
+                      </a:r>
+                      <a:r>
+                        <a:rPr lang="fr-CA" dirty="0"/>
+                        <a:t> </a:t>
+                      </a:r>
+                      <a:r>
+                        <a:rPr lang="fr-CA" dirty="0" err="1"/>
+                        <a:t>listeners</a:t>
+                      </a:r>
+                      <a:endParaRPr lang="fr-CA" dirty="0"/>
+                    </a:p>
+                  </a:txBody>
+                  <a:tcPr/>
+                </a:tc>
+                <a:extLst>
+                  <a:ext uri="{0D108BD9-81ED-4DB2-BD59-A6C34878D82A}">
+                    <a16:rowId xmlns:a16="http://schemas.microsoft.com/office/drawing/2014/main" val="3437331998"/>
+                  </a:ext>
+                </a:extLst>
+              </a:tr>
+            </a:tbl>
+          </a:graphicData>
+        </a:graphic>
+      </p:graphicFrame>
+    </p:spTree>
+    <p:extLst>
+      <p:ext uri="{BB962C8B-B14F-4D97-AF65-F5344CB8AC3E}">
+        <p14:creationId xmlns:p14="http://schemas.microsoft.com/office/powerpoint/2010/main" val="1204436758"/>
       </p:ext>
     </p:extLst>
   </p:cSld>

--- a/part-2/React-Perfo.pptx
+++ b/part-2/React-Perfo.pptx
@@ -213,7 +213,7 @@
           <a:p>
             <a:fld id="{DAFD8366-78F6-4B3C-B44B-186B48A03637}" type="datetimeFigureOut">
               <a:rPr lang="en-CA" smtClean="0"/>
-              <a:t>08/02/2019</a:t>
+              <a:t>2019-02-09</a:t>
             </a:fld>
             <a:endParaRPr lang="en-CA"/>
           </a:p>
@@ -918,7 +918,7 @@
           <a:p>
             <a:fld id="{F752A3F4-2F0B-4EDF-BB25-F54BA930C80F}" type="datetimeFigureOut">
               <a:rPr lang="en-CA" smtClean="0"/>
-              <a:t>08/02/2019</a:t>
+              <a:t>2019-02-09</a:t>
             </a:fld>
             <a:endParaRPr lang="en-CA"/>
           </a:p>
@@ -1118,7 +1118,7 @@
           <a:p>
             <a:fld id="{F752A3F4-2F0B-4EDF-BB25-F54BA930C80F}" type="datetimeFigureOut">
               <a:rPr lang="en-CA" smtClean="0"/>
-              <a:t>08/02/2019</a:t>
+              <a:t>2019-02-09</a:t>
             </a:fld>
             <a:endParaRPr lang="en-CA"/>
           </a:p>
@@ -1328,7 +1328,7 @@
           <a:p>
             <a:fld id="{F752A3F4-2F0B-4EDF-BB25-F54BA930C80F}" type="datetimeFigureOut">
               <a:rPr lang="en-CA" smtClean="0"/>
-              <a:t>08/02/2019</a:t>
+              <a:t>2019-02-09</a:t>
             </a:fld>
             <a:endParaRPr lang="en-CA"/>
           </a:p>
@@ -1528,7 +1528,7 @@
           <a:p>
             <a:fld id="{F752A3F4-2F0B-4EDF-BB25-F54BA930C80F}" type="datetimeFigureOut">
               <a:rPr lang="en-CA" smtClean="0"/>
-              <a:t>08/02/2019</a:t>
+              <a:t>2019-02-09</a:t>
             </a:fld>
             <a:endParaRPr lang="en-CA"/>
           </a:p>
@@ -1804,7 +1804,7 @@
           <a:p>
             <a:fld id="{F752A3F4-2F0B-4EDF-BB25-F54BA930C80F}" type="datetimeFigureOut">
               <a:rPr lang="en-CA" smtClean="0"/>
-              <a:t>08/02/2019</a:t>
+              <a:t>2019-02-09</a:t>
             </a:fld>
             <a:endParaRPr lang="en-CA"/>
           </a:p>
@@ -2072,7 +2072,7 @@
           <a:p>
             <a:fld id="{F752A3F4-2F0B-4EDF-BB25-F54BA930C80F}" type="datetimeFigureOut">
               <a:rPr lang="en-CA" smtClean="0"/>
-              <a:t>08/02/2019</a:t>
+              <a:t>2019-02-09</a:t>
             </a:fld>
             <a:endParaRPr lang="en-CA"/>
           </a:p>
@@ -2487,7 +2487,7 @@
           <a:p>
             <a:fld id="{F752A3F4-2F0B-4EDF-BB25-F54BA930C80F}" type="datetimeFigureOut">
               <a:rPr lang="en-CA" smtClean="0"/>
-              <a:t>08/02/2019</a:t>
+              <a:t>2019-02-09</a:t>
             </a:fld>
             <a:endParaRPr lang="en-CA"/>
           </a:p>
@@ -2629,7 +2629,7 @@
           <a:p>
             <a:fld id="{F752A3F4-2F0B-4EDF-BB25-F54BA930C80F}" type="datetimeFigureOut">
               <a:rPr lang="en-CA" smtClean="0"/>
-              <a:t>08/02/2019</a:t>
+              <a:t>2019-02-09</a:t>
             </a:fld>
             <a:endParaRPr lang="en-CA"/>
           </a:p>
@@ -2742,7 +2742,7 @@
           <a:p>
             <a:fld id="{F752A3F4-2F0B-4EDF-BB25-F54BA930C80F}" type="datetimeFigureOut">
               <a:rPr lang="en-CA" smtClean="0"/>
-              <a:t>08/02/2019</a:t>
+              <a:t>2019-02-09</a:t>
             </a:fld>
             <a:endParaRPr lang="en-CA"/>
           </a:p>
@@ -3055,7 +3055,7 @@
           <a:p>
             <a:fld id="{F752A3F4-2F0B-4EDF-BB25-F54BA930C80F}" type="datetimeFigureOut">
               <a:rPr lang="en-CA" smtClean="0"/>
-              <a:t>08/02/2019</a:t>
+              <a:t>2019-02-09</a:t>
             </a:fld>
             <a:endParaRPr lang="en-CA"/>
           </a:p>
@@ -3344,7 +3344,7 @@
           <a:p>
             <a:fld id="{F752A3F4-2F0B-4EDF-BB25-F54BA930C80F}" type="datetimeFigureOut">
               <a:rPr lang="en-CA" smtClean="0"/>
-              <a:t>08/02/2019</a:t>
+              <a:t>2019-02-09</a:t>
             </a:fld>
             <a:endParaRPr lang="en-CA"/>
           </a:p>
@@ -3587,7 +3587,7 @@
           <a:p>
             <a:fld id="{F752A3F4-2F0B-4EDF-BB25-F54BA930C80F}" type="datetimeFigureOut">
               <a:rPr lang="en-CA" smtClean="0"/>
-              <a:t>08/02/2019</a:t>
+              <a:t>2019-02-09</a:t>
             </a:fld>
             <a:endParaRPr lang="en-CA"/>
           </a:p>
@@ -5812,7 +5812,14 @@
           <a:bodyPr/>
           <a:lstStyle/>
           <a:p>
-            <a:endParaRPr lang="fr-CA"/>
+            <a:r>
+              <a:rPr lang="fr-CA" dirty="0" err="1"/>
+              <a:t>React</a:t>
+            </a:r>
+            <a:r>
+              <a:rPr lang="fr-CA" dirty="0"/>
+              <a:t> Profiler</a:t>
+            </a:r>
           </a:p>
         </p:txBody>
       </p:sp>
@@ -5837,7 +5844,21 @@
           <a:bodyPr/>
           <a:lstStyle/>
           <a:p>
-            <a:endParaRPr lang="fr-CA"/>
+            <a:r>
+              <a:rPr lang="fr-CA" dirty="0"/>
+              <a:t>Comprendre commit + </a:t>
+            </a:r>
+            <a:r>
+              <a:rPr lang="fr-CA" dirty="0" err="1"/>
+              <a:t>render</a:t>
+            </a:r>
+            <a:endParaRPr lang="fr-CA" dirty="0"/>
+          </a:p>
+          <a:p>
+            <a:r>
+              <a:rPr lang="fr-CA" dirty="0"/>
+              <a:t>Fixer les problèmes de performances</a:t>
+            </a:r>
           </a:p>
         </p:txBody>
       </p:sp>

--- a/part-2/React-Perfo.pptx
+++ b/part-2/React-Perfo.pptx
@@ -5,26 +5,30 @@
     <p:sldMasterId id="2147483648" r:id="rId1"/>
   </p:sldMasterIdLst>
   <p:notesMasterIdLst>
-    <p:notesMasterId r:id="rId19"/>
+    <p:notesMasterId r:id="rId23"/>
   </p:notesMasterIdLst>
   <p:sldIdLst>
     <p:sldId id="256" r:id="rId2"/>
-    <p:sldId id="258" r:id="rId3"/>
-    <p:sldId id="259" r:id="rId4"/>
-    <p:sldId id="257" r:id="rId5"/>
-    <p:sldId id="260" r:id="rId6"/>
-    <p:sldId id="263" r:id="rId7"/>
-    <p:sldId id="261" r:id="rId8"/>
-    <p:sldId id="269" r:id="rId9"/>
-    <p:sldId id="270" r:id="rId10"/>
-    <p:sldId id="271" r:id="rId11"/>
-    <p:sldId id="262" r:id="rId12"/>
-    <p:sldId id="267" r:id="rId13"/>
-    <p:sldId id="264" r:id="rId14"/>
-    <p:sldId id="265" r:id="rId15"/>
-    <p:sldId id="266" r:id="rId16"/>
-    <p:sldId id="268" r:id="rId17"/>
-    <p:sldId id="272" r:id="rId18"/>
+    <p:sldId id="273" r:id="rId3"/>
+    <p:sldId id="258" r:id="rId4"/>
+    <p:sldId id="259" r:id="rId5"/>
+    <p:sldId id="257" r:id="rId6"/>
+    <p:sldId id="276" r:id="rId7"/>
+    <p:sldId id="260" r:id="rId8"/>
+    <p:sldId id="263" r:id="rId9"/>
+    <p:sldId id="275" r:id="rId10"/>
+    <p:sldId id="261" r:id="rId11"/>
+    <p:sldId id="274" r:id="rId12"/>
+    <p:sldId id="269" r:id="rId13"/>
+    <p:sldId id="270" r:id="rId14"/>
+    <p:sldId id="271" r:id="rId15"/>
+    <p:sldId id="262" r:id="rId16"/>
+    <p:sldId id="267" r:id="rId17"/>
+    <p:sldId id="264" r:id="rId18"/>
+    <p:sldId id="265" r:id="rId19"/>
+    <p:sldId id="266" r:id="rId20"/>
+    <p:sldId id="268" r:id="rId21"/>
+    <p:sldId id="272" r:id="rId22"/>
   </p:sldIdLst>
   <p:sldSz cx="12192000" cy="6858000"/>
   <p:notesSz cx="6858000" cy="9144000"/>
@@ -213,7 +217,7 @@
           <a:p>
             <a:fld id="{DAFD8366-78F6-4B3C-B44B-186B48A03637}" type="datetimeFigureOut">
               <a:rPr lang="en-CA" smtClean="0"/>
-              <a:t>08/02/2019</a:t>
+              <a:t>12/02/2019</a:t>
             </a:fld>
             <a:endParaRPr lang="en-CA"/>
           </a:p>
@@ -555,7 +559,7 @@
           <a:p>
             <a:fld id="{4611314A-80A0-4876-B1A5-EEE650CBF79F}" type="slidenum">
               <a:rPr lang="en-CA" smtClean="0"/>
-              <a:t>3</a:t>
+              <a:t>4</a:t>
             </a:fld>
             <a:endParaRPr lang="en-CA"/>
           </a:p>
@@ -620,7 +624,15 @@
           <a:p>
             <a:r>
               <a:rPr lang="fr-CA" dirty="0"/>
-              <a:t>https://medium.com/@elinahovakimyan/react-16-lifecycles-explained-ea3b2f7ffd2a</a:t>
+              <a:t>https://hackernoon.com/virtual-dom-in-reactjs-43a3fdb1d130 (</a:t>
+            </a:r>
+            <a:r>
+              <a:rPr lang="fr-CA" dirty="0" err="1"/>
+              <a:t>vrm</a:t>
+            </a:r>
+            <a:r>
+              <a:rPr lang="fr-CA" dirty="0"/>
+              <a:t> bon!)</a:t>
             </a:r>
           </a:p>
         </p:txBody>
@@ -642,7 +654,7 @@
           <a:p>
             <a:fld id="{4611314A-80A0-4876-B1A5-EEE650CBF79F}" type="slidenum">
               <a:rPr lang="en-CA" smtClean="0"/>
-              <a:t>9</a:t>
+              <a:t>10</a:t>
             </a:fld>
             <a:endParaRPr lang="en-CA"/>
           </a:p>
@@ -651,7 +663,7 @@
     </p:spTree>
     <p:extLst>
       <p:ext uri="{BB962C8B-B14F-4D97-AF65-F5344CB8AC3E}">
-        <p14:creationId xmlns:p14="http://schemas.microsoft.com/office/powerpoint/2010/main" val="4247930852"/>
+        <p14:creationId xmlns:p14="http://schemas.microsoft.com/office/powerpoint/2010/main" val="3005792947"/>
       </p:ext>
     </p:extLst>
   </p:cSld>
@@ -706,6 +718,93 @@
           <a:lstStyle/>
           <a:p>
             <a:r>
+              <a:rPr lang="fr-CA" dirty="0"/>
+              <a:t>https://medium.com/@elinahovakimyan/react-16-lifecycles-explained-ea3b2f7ffd2a</a:t>
+            </a:r>
+          </a:p>
+        </p:txBody>
+      </p:sp>
+      <p:sp>
+        <p:nvSpPr>
+          <p:cNvPr id="4" name="Slide Number Placeholder 3"/>
+          <p:cNvSpPr>
+            <a:spLocks noGrp="1"/>
+          </p:cNvSpPr>
+          <p:nvPr>
+            <p:ph type="sldNum" sz="quarter" idx="5"/>
+          </p:nvPr>
+        </p:nvSpPr>
+        <p:spPr/>
+        <p:txBody>
+          <a:bodyPr/>
+          <a:lstStyle/>
+          <a:p>
+            <a:fld id="{4611314A-80A0-4876-B1A5-EEE650CBF79F}" type="slidenum">
+              <a:rPr lang="en-CA" smtClean="0"/>
+              <a:t>13</a:t>
+            </a:fld>
+            <a:endParaRPr lang="en-CA"/>
+          </a:p>
+        </p:txBody>
+      </p:sp>
+    </p:spTree>
+    <p:extLst>
+      <p:ext uri="{BB962C8B-B14F-4D97-AF65-F5344CB8AC3E}">
+        <p14:creationId xmlns:p14="http://schemas.microsoft.com/office/powerpoint/2010/main" val="4247930852"/>
+      </p:ext>
+    </p:extLst>
+  </p:cSld>
+  <p:clrMapOvr>
+    <a:masterClrMapping/>
+  </p:clrMapOvr>
+</p:notes>
+</file>
+
+<file path=ppt/notesSlides/notesSlide4.xml><?xml version="1.0" encoding="utf-8"?>
+<p:notes xmlns:a="http://schemas.openxmlformats.org/drawingml/2006/main" xmlns:r="http://schemas.openxmlformats.org/officeDocument/2006/relationships" xmlns:p="http://schemas.openxmlformats.org/presentationml/2006/main">
+  <p:cSld>
+    <p:spTree>
+      <p:nvGrpSpPr>
+        <p:cNvPr id="1" name=""/>
+        <p:cNvGrpSpPr/>
+        <p:nvPr/>
+      </p:nvGrpSpPr>
+      <p:grpSpPr>
+        <a:xfrm>
+          <a:off x="0" y="0"/>
+          <a:ext cx="0" cy="0"/>
+          <a:chOff x="0" y="0"/>
+          <a:chExt cx="0" cy="0"/>
+        </a:xfrm>
+      </p:grpSpPr>
+      <p:sp>
+        <p:nvSpPr>
+          <p:cNvPr id="2" name="Slide Image Placeholder 1"/>
+          <p:cNvSpPr>
+            <a:spLocks noGrp="1" noRot="1" noChangeAspect="1"/>
+          </p:cNvSpPr>
+          <p:nvPr>
+            <p:ph type="sldImg"/>
+          </p:nvPr>
+        </p:nvSpPr>
+        <p:spPr/>
+      </p:sp>
+      <p:sp>
+        <p:nvSpPr>
+          <p:cNvPr id="3" name="Notes Placeholder 2"/>
+          <p:cNvSpPr>
+            <a:spLocks noGrp="1"/>
+          </p:cNvSpPr>
+          <p:nvPr>
+            <p:ph type="body" idx="1"/>
+          </p:nvPr>
+        </p:nvSpPr>
+        <p:spPr/>
+        <p:txBody>
+          <a:bodyPr/>
+          <a:lstStyle/>
+          <a:p>
+            <a:r>
               <a:rPr lang="en-CA" dirty="0"/>
               <a:t>https://medium.com/@fay_jai/react-elements-vs-react-components-vs-component-backing-instances-14d42729f62</a:t>
             </a:r>
@@ -750,7 +849,7 @@
           <a:p>
             <a:fld id="{4611314A-80A0-4876-B1A5-EEE650CBF79F}" type="slidenum">
               <a:rPr lang="en-CA" smtClean="0"/>
-              <a:t>11</a:t>
+              <a:t>15</a:t>
             </a:fld>
             <a:endParaRPr lang="en-CA"/>
           </a:p>
@@ -918,7 +1017,7 @@
           <a:p>
             <a:fld id="{F752A3F4-2F0B-4EDF-BB25-F54BA930C80F}" type="datetimeFigureOut">
               <a:rPr lang="en-CA" smtClean="0"/>
-              <a:t>08/02/2019</a:t>
+              <a:t>12/02/2019</a:t>
             </a:fld>
             <a:endParaRPr lang="en-CA"/>
           </a:p>
@@ -1118,7 +1217,7 @@
           <a:p>
             <a:fld id="{F752A3F4-2F0B-4EDF-BB25-F54BA930C80F}" type="datetimeFigureOut">
               <a:rPr lang="en-CA" smtClean="0"/>
-              <a:t>08/02/2019</a:t>
+              <a:t>12/02/2019</a:t>
             </a:fld>
             <a:endParaRPr lang="en-CA"/>
           </a:p>
@@ -1328,7 +1427,7 @@
           <a:p>
             <a:fld id="{F752A3F4-2F0B-4EDF-BB25-F54BA930C80F}" type="datetimeFigureOut">
               <a:rPr lang="en-CA" smtClean="0"/>
-              <a:t>08/02/2019</a:t>
+              <a:t>12/02/2019</a:t>
             </a:fld>
             <a:endParaRPr lang="en-CA"/>
           </a:p>
@@ -1528,7 +1627,7 @@
           <a:p>
             <a:fld id="{F752A3F4-2F0B-4EDF-BB25-F54BA930C80F}" type="datetimeFigureOut">
               <a:rPr lang="en-CA" smtClean="0"/>
-              <a:t>08/02/2019</a:t>
+              <a:t>12/02/2019</a:t>
             </a:fld>
             <a:endParaRPr lang="en-CA"/>
           </a:p>
@@ -1804,7 +1903,7 @@
           <a:p>
             <a:fld id="{F752A3F4-2F0B-4EDF-BB25-F54BA930C80F}" type="datetimeFigureOut">
               <a:rPr lang="en-CA" smtClean="0"/>
-              <a:t>08/02/2019</a:t>
+              <a:t>12/02/2019</a:t>
             </a:fld>
             <a:endParaRPr lang="en-CA"/>
           </a:p>
@@ -2072,7 +2171,7 @@
           <a:p>
             <a:fld id="{F752A3F4-2F0B-4EDF-BB25-F54BA930C80F}" type="datetimeFigureOut">
               <a:rPr lang="en-CA" smtClean="0"/>
-              <a:t>08/02/2019</a:t>
+              <a:t>12/02/2019</a:t>
             </a:fld>
             <a:endParaRPr lang="en-CA"/>
           </a:p>
@@ -2487,7 +2586,7 @@
           <a:p>
             <a:fld id="{F752A3F4-2F0B-4EDF-BB25-F54BA930C80F}" type="datetimeFigureOut">
               <a:rPr lang="en-CA" smtClean="0"/>
-              <a:t>08/02/2019</a:t>
+              <a:t>12/02/2019</a:t>
             </a:fld>
             <a:endParaRPr lang="en-CA"/>
           </a:p>
@@ -2629,7 +2728,7 @@
           <a:p>
             <a:fld id="{F752A3F4-2F0B-4EDF-BB25-F54BA930C80F}" type="datetimeFigureOut">
               <a:rPr lang="en-CA" smtClean="0"/>
-              <a:t>08/02/2019</a:t>
+              <a:t>12/02/2019</a:t>
             </a:fld>
             <a:endParaRPr lang="en-CA"/>
           </a:p>
@@ -2742,7 +2841,7 @@
           <a:p>
             <a:fld id="{F752A3F4-2F0B-4EDF-BB25-F54BA930C80F}" type="datetimeFigureOut">
               <a:rPr lang="en-CA" smtClean="0"/>
-              <a:t>08/02/2019</a:t>
+              <a:t>12/02/2019</a:t>
             </a:fld>
             <a:endParaRPr lang="en-CA"/>
           </a:p>
@@ -3055,7 +3154,7 @@
           <a:p>
             <a:fld id="{F752A3F4-2F0B-4EDF-BB25-F54BA930C80F}" type="datetimeFigureOut">
               <a:rPr lang="en-CA" smtClean="0"/>
-              <a:t>08/02/2019</a:t>
+              <a:t>12/02/2019</a:t>
             </a:fld>
             <a:endParaRPr lang="en-CA"/>
           </a:p>
@@ -3344,7 +3443,7 @@
           <a:p>
             <a:fld id="{F752A3F4-2F0B-4EDF-BB25-F54BA930C80F}" type="datetimeFigureOut">
               <a:rPr lang="en-CA" smtClean="0"/>
-              <a:t>08/02/2019</a:t>
+              <a:t>12/02/2019</a:t>
             </a:fld>
             <a:endParaRPr lang="en-CA"/>
           </a:p>
@@ -3587,7 +3686,7 @@
           <a:p>
             <a:fld id="{F752A3F4-2F0B-4EDF-BB25-F54BA930C80F}" type="datetimeFigureOut">
               <a:rPr lang="en-CA" smtClean="0"/>
-              <a:t>08/02/2019</a:t>
+              <a:t>12/02/2019</a:t>
             </a:fld>
             <a:endParaRPr lang="en-CA"/>
           </a:p>
@@ -4025,7 +4124,10 @@
           <a:bodyPr/>
           <a:lstStyle/>
           <a:p>
-            <a:endParaRPr lang="en-CA"/>
+            <a:r>
+              <a:rPr lang="en-CA" dirty="0"/>
+              <a:t>React 202</a:t>
+            </a:r>
           </a:p>
         </p:txBody>
       </p:sp>
@@ -4050,7 +4152,7 @@
           <a:bodyPr/>
           <a:lstStyle/>
           <a:p>
-            <a:endParaRPr lang="en-CA"/>
+            <a:endParaRPr lang="en-CA" dirty="0"/>
           </a:p>
         </p:txBody>
       </p:sp>
@@ -4068,6 +4170,1187 @@
 </file>
 
 <file path=ppt/slides/slide10.xml><?xml version="1.0" encoding="utf-8"?>
+<p:sld xmlns:a="http://schemas.openxmlformats.org/drawingml/2006/main" xmlns:r="http://schemas.openxmlformats.org/officeDocument/2006/relationships" xmlns:p="http://schemas.openxmlformats.org/presentationml/2006/main">
+  <p:cSld>
+    <p:spTree>
+      <p:nvGrpSpPr>
+        <p:cNvPr id="1" name=""/>
+        <p:cNvGrpSpPr/>
+        <p:nvPr/>
+      </p:nvGrpSpPr>
+      <p:grpSpPr>
+        <a:xfrm>
+          <a:off x="0" y="0"/>
+          <a:ext cx="0" cy="0"/>
+          <a:chOff x="0" y="0"/>
+          <a:chExt cx="0" cy="0"/>
+        </a:xfrm>
+      </p:grpSpPr>
+      <p:sp>
+        <p:nvSpPr>
+          <p:cNvPr id="2" name="Title 1">
+            <a:extLst>
+              <a:ext uri="{FF2B5EF4-FFF2-40B4-BE49-F238E27FC236}">
+                <a16:creationId xmlns:a16="http://schemas.microsoft.com/office/drawing/2014/main" id="{F7945AEA-6232-4670-B53E-ADC28E9CE141}"/>
+              </a:ext>
+            </a:extLst>
+          </p:cNvPr>
+          <p:cNvSpPr>
+            <a:spLocks noGrp="1"/>
+          </p:cNvSpPr>
+          <p:nvPr>
+            <p:ph type="title"/>
+          </p:nvPr>
+        </p:nvSpPr>
+        <p:spPr/>
+        <p:txBody>
+          <a:bodyPr/>
+          <a:lstStyle/>
+          <a:p>
+            <a:r>
+              <a:rPr lang="en-CA" dirty="0" err="1"/>
+              <a:t>Pourquoi</a:t>
+            </a:r>
+            <a:r>
+              <a:rPr lang="en-CA" dirty="0"/>
+              <a:t> un Virtual DOM</a:t>
+            </a:r>
+          </a:p>
+        </p:txBody>
+      </p:sp>
+      <p:sp>
+        <p:nvSpPr>
+          <p:cNvPr id="3" name="Content Placeholder 2">
+            <a:extLst>
+              <a:ext uri="{FF2B5EF4-FFF2-40B4-BE49-F238E27FC236}">
+                <a16:creationId xmlns:a16="http://schemas.microsoft.com/office/drawing/2014/main" id="{8FCB3598-4DA2-4E4D-80F2-A3033D71AC47}"/>
+              </a:ext>
+            </a:extLst>
+          </p:cNvPr>
+          <p:cNvSpPr>
+            <a:spLocks noGrp="1"/>
+          </p:cNvSpPr>
+          <p:nvPr>
+            <p:ph idx="1"/>
+          </p:nvPr>
+        </p:nvSpPr>
+        <p:spPr/>
+        <p:txBody>
+          <a:bodyPr>
+            <a:normAutofit lnSpcReduction="10000"/>
+          </a:bodyPr>
+          <a:lstStyle/>
+          <a:p>
+            <a:r>
+              <a:rPr lang="fr-CA" dirty="0"/>
+              <a:t>Changer le DOM est très couteux et </a:t>
+            </a:r>
+            <a:r>
+              <a:rPr lang="fr-CA" dirty="0" err="1"/>
+              <a:t>innéficace</a:t>
+            </a:r>
+            <a:endParaRPr lang="fr-CA" dirty="0"/>
+          </a:p>
+          <a:p>
+            <a:pPr lvl="1"/>
+            <a:r>
+              <a:rPr lang="fr-CA" dirty="0"/>
+              <a:t>Ajouter des </a:t>
+            </a:r>
+            <a:r>
+              <a:rPr lang="fr-CA" dirty="0" err="1"/>
+              <a:t>nodes</a:t>
+            </a:r>
+            <a:r>
+              <a:rPr lang="fr-CA" dirty="0"/>
+              <a:t> et </a:t>
+            </a:r>
+            <a:r>
+              <a:rPr lang="fr-CA" dirty="0" err="1"/>
+              <a:t>attributes</a:t>
+            </a:r>
+            <a:r>
+              <a:rPr lang="fr-CA" dirty="0"/>
+              <a:t> pas couteux</a:t>
+            </a:r>
+          </a:p>
+          <a:p>
+            <a:pPr lvl="1"/>
+            <a:r>
+              <a:rPr lang="fr-CA" dirty="0"/>
+              <a:t>Recalculer CSS, </a:t>
+            </a:r>
+            <a:r>
+              <a:rPr lang="fr-CA" dirty="0" err="1"/>
+              <a:t>layout</a:t>
+            </a:r>
+            <a:r>
+              <a:rPr lang="fr-CA" dirty="0"/>
+              <a:t> et </a:t>
+            </a:r>
+            <a:r>
+              <a:rPr lang="fr-CA" dirty="0" err="1"/>
+              <a:t>repaint</a:t>
+            </a:r>
+            <a:r>
+              <a:rPr lang="fr-CA" dirty="0"/>
+              <a:t> sont très couteux</a:t>
+            </a:r>
+          </a:p>
+          <a:p>
+            <a:r>
+              <a:rPr lang="fr-CA" dirty="0"/>
+              <a:t>Comment améliore </a:t>
+            </a:r>
+          </a:p>
+          <a:p>
+            <a:pPr lvl="1"/>
+            <a:r>
+              <a:rPr lang="fr-CA" dirty="0"/>
+              <a:t>Efficient diff </a:t>
+            </a:r>
+            <a:r>
+              <a:rPr lang="fr-CA" dirty="0" err="1"/>
+              <a:t>algorithm</a:t>
+            </a:r>
+            <a:endParaRPr lang="fr-CA" dirty="0"/>
+          </a:p>
+          <a:p>
+            <a:pPr lvl="1"/>
+            <a:r>
+              <a:rPr lang="fr-CA" dirty="0" err="1"/>
+              <a:t>Batched</a:t>
+            </a:r>
+            <a:r>
+              <a:rPr lang="fr-CA" dirty="0"/>
+              <a:t> update </a:t>
+            </a:r>
+            <a:r>
+              <a:rPr lang="fr-CA" dirty="0" err="1"/>
+              <a:t>operations</a:t>
+            </a:r>
+            <a:r>
+              <a:rPr lang="fr-CA" dirty="0"/>
+              <a:t> (vs </a:t>
+            </a:r>
+            <a:r>
+              <a:rPr lang="fr-CA" dirty="0" err="1"/>
+              <a:t>many</a:t>
+            </a:r>
+            <a:r>
+              <a:rPr lang="fr-CA" dirty="0"/>
+              <a:t> </a:t>
+            </a:r>
+            <a:r>
+              <a:rPr lang="fr-CA" dirty="0" err="1"/>
+              <a:t>smallers</a:t>
+            </a:r>
+            <a:r>
+              <a:rPr lang="fr-CA" dirty="0"/>
+              <a:t>)</a:t>
+            </a:r>
+          </a:p>
+          <a:p>
+            <a:pPr lvl="2"/>
+            <a:r>
+              <a:rPr lang="fr-CA" dirty="0"/>
+              <a:t>= </a:t>
+            </a:r>
+            <a:r>
+              <a:rPr lang="fr-CA" dirty="0" err="1"/>
+              <a:t>Less</a:t>
+            </a:r>
+            <a:r>
+              <a:rPr lang="fr-CA" dirty="0"/>
+              <a:t> </a:t>
+            </a:r>
+            <a:r>
+              <a:rPr lang="fr-CA" dirty="0" err="1"/>
+              <a:t>layout</a:t>
+            </a:r>
+            <a:r>
+              <a:rPr lang="fr-CA" dirty="0"/>
+              <a:t> + </a:t>
+            </a:r>
+            <a:r>
+              <a:rPr lang="fr-CA" dirty="0" err="1"/>
+              <a:t>repaint</a:t>
+            </a:r>
+            <a:endParaRPr lang="fr-CA" dirty="0"/>
+          </a:p>
+          <a:p>
+            <a:pPr lvl="1"/>
+            <a:r>
+              <a:rPr lang="fr-CA" dirty="0"/>
+              <a:t>Efficient update of </a:t>
+            </a:r>
+            <a:r>
+              <a:rPr lang="fr-CA" dirty="0" err="1"/>
+              <a:t>sub</a:t>
+            </a:r>
+            <a:r>
+              <a:rPr lang="fr-CA" dirty="0"/>
+              <a:t> </a:t>
+            </a:r>
+            <a:r>
+              <a:rPr lang="fr-CA" dirty="0" err="1"/>
+              <a:t>tree</a:t>
+            </a:r>
+            <a:r>
+              <a:rPr lang="fr-CA" dirty="0"/>
+              <a:t> </a:t>
+            </a:r>
+            <a:r>
+              <a:rPr lang="fr-CA" dirty="0" err="1"/>
+              <a:t>only</a:t>
+            </a:r>
+            <a:endParaRPr lang="fr-CA" dirty="0"/>
+          </a:p>
+          <a:p>
+            <a:pPr lvl="1"/>
+            <a:r>
+              <a:rPr lang="fr-CA" dirty="0"/>
+              <a:t>Uses observable </a:t>
+            </a:r>
+            <a:r>
+              <a:rPr lang="fr-CA" dirty="0" err="1"/>
+              <a:t>instead</a:t>
+            </a:r>
+            <a:r>
+              <a:rPr lang="fr-CA" dirty="0"/>
+              <a:t> of </a:t>
+            </a:r>
+            <a:r>
+              <a:rPr lang="fr-CA" dirty="0" err="1"/>
+              <a:t>dirty</a:t>
+            </a:r>
+            <a:r>
+              <a:rPr lang="fr-CA" dirty="0"/>
+              <a:t> checking to </a:t>
+            </a:r>
+            <a:r>
+              <a:rPr lang="fr-CA" dirty="0" err="1"/>
+              <a:t>detect</a:t>
+            </a:r>
+            <a:r>
+              <a:rPr lang="fr-CA" dirty="0"/>
+              <a:t> change</a:t>
+            </a:r>
+          </a:p>
+          <a:p>
+            <a:pPr lvl="2"/>
+            <a:r>
+              <a:rPr lang="fr-CA" dirty="0" err="1"/>
+              <a:t>React</a:t>
+            </a:r>
+            <a:r>
+              <a:rPr lang="fr-CA" dirty="0"/>
+              <a:t>: </a:t>
+            </a:r>
+            <a:r>
+              <a:rPr lang="fr-CA" dirty="0" err="1"/>
+              <a:t>when</a:t>
+            </a:r>
+            <a:r>
+              <a:rPr lang="fr-CA" dirty="0"/>
+              <a:t> </a:t>
+            </a:r>
+            <a:r>
+              <a:rPr lang="fr-CA" dirty="0" err="1"/>
+              <a:t>setState</a:t>
+            </a:r>
+            <a:r>
+              <a:rPr lang="fr-CA" dirty="0"/>
+              <a:t>() =</a:t>
+            </a:r>
+            <a:r>
+              <a:rPr lang="en-CA" dirty="0"/>
+              <a:t>&gt; mark component dirty</a:t>
+            </a:r>
+          </a:p>
+          <a:p>
+            <a:pPr lvl="2"/>
+            <a:r>
+              <a:rPr lang="en-CA" dirty="0"/>
+              <a:t>Angular: Recurring process to detect change (</a:t>
+            </a:r>
+            <a:r>
+              <a:rPr lang="en-CA" dirty="0" err="1"/>
+              <a:t>doesn</a:t>
+            </a:r>
+            <a:r>
+              <a:rPr lang="fr-CA" dirty="0"/>
+              <a:t>’t </a:t>
+            </a:r>
+            <a:r>
+              <a:rPr lang="fr-CA" dirty="0" err="1"/>
+              <a:t>scale</a:t>
+            </a:r>
+            <a:r>
+              <a:rPr lang="fr-CA" dirty="0"/>
+              <a:t>)</a:t>
+            </a:r>
+          </a:p>
+          <a:p>
+            <a:endParaRPr lang="en-CA" dirty="0"/>
+          </a:p>
+        </p:txBody>
+      </p:sp>
+    </p:spTree>
+    <p:extLst>
+      <p:ext uri="{BB962C8B-B14F-4D97-AF65-F5344CB8AC3E}">
+        <p14:creationId xmlns:p14="http://schemas.microsoft.com/office/powerpoint/2010/main" val="2113963184"/>
+      </p:ext>
+    </p:extLst>
+  </p:cSld>
+  <p:clrMapOvr>
+    <a:masterClrMapping/>
+  </p:clrMapOvr>
+</p:sld>
+</file>
+
+<file path=ppt/slides/slide11.xml><?xml version="1.0" encoding="utf-8"?>
+<p:sld xmlns:a="http://schemas.openxmlformats.org/drawingml/2006/main" xmlns:r="http://schemas.openxmlformats.org/officeDocument/2006/relationships" xmlns:p="http://schemas.openxmlformats.org/presentationml/2006/main">
+  <p:cSld>
+    <p:spTree>
+      <p:nvGrpSpPr>
+        <p:cNvPr id="1" name=""/>
+        <p:cNvGrpSpPr/>
+        <p:nvPr/>
+      </p:nvGrpSpPr>
+      <p:grpSpPr>
+        <a:xfrm>
+          <a:off x="0" y="0"/>
+          <a:ext cx="0" cy="0"/>
+          <a:chOff x="0" y="0"/>
+          <a:chExt cx="0" cy="0"/>
+        </a:xfrm>
+      </p:grpSpPr>
+      <p:sp>
+        <p:nvSpPr>
+          <p:cNvPr id="2" name="Title 1">
+            <a:extLst>
+              <a:ext uri="{FF2B5EF4-FFF2-40B4-BE49-F238E27FC236}">
+                <a16:creationId xmlns:a16="http://schemas.microsoft.com/office/drawing/2014/main" id="{3DD84B58-110D-4E64-9FDC-F84E33F9BC89}"/>
+              </a:ext>
+            </a:extLst>
+          </p:cNvPr>
+          <p:cNvSpPr>
+            <a:spLocks noGrp="1"/>
+          </p:cNvSpPr>
+          <p:nvPr>
+            <p:ph type="title"/>
+          </p:nvPr>
+        </p:nvSpPr>
+        <p:spPr/>
+        <p:txBody>
+          <a:bodyPr/>
+          <a:lstStyle/>
+          <a:p>
+            <a:r>
+              <a:rPr lang="fr-CA" dirty="0"/>
+              <a:t>Virtual DOM vs Shadow DOM</a:t>
+            </a:r>
+          </a:p>
+        </p:txBody>
+      </p:sp>
+      <p:graphicFrame>
+        <p:nvGraphicFramePr>
+          <p:cNvPr id="4" name="Content Placeholder 3">
+            <a:extLst>
+              <a:ext uri="{FF2B5EF4-FFF2-40B4-BE49-F238E27FC236}">
+                <a16:creationId xmlns:a16="http://schemas.microsoft.com/office/drawing/2014/main" id="{1ED3BD92-AE75-4AA8-9D79-6CA720CD2002}"/>
+              </a:ext>
+            </a:extLst>
+          </p:cNvPr>
+          <p:cNvGraphicFramePr>
+            <a:graphicFrameLocks noGrp="1"/>
+          </p:cNvGraphicFramePr>
+          <p:nvPr>
+            <p:ph idx="1"/>
+            <p:extLst>
+              <p:ext uri="{D42A27DB-BD31-4B8C-83A1-F6EECF244321}">
+                <p14:modId xmlns:p14="http://schemas.microsoft.com/office/powerpoint/2010/main" val="3891596083"/>
+              </p:ext>
+            </p:extLst>
+          </p:nvPr>
+        </p:nvGraphicFramePr>
+        <p:xfrm>
+          <a:off x="838200" y="1825625"/>
+          <a:ext cx="10515600" cy="741680"/>
+        </p:xfrm>
+        <a:graphic>
+          <a:graphicData uri="http://schemas.openxmlformats.org/drawingml/2006/table">
+            <a:tbl>
+              <a:tblPr firstRow="1" bandRow="1">
+                <a:tableStyleId>{5C22544A-7EE6-4342-B048-85BDC9FD1C3A}</a:tableStyleId>
+              </a:tblPr>
+              <a:tblGrid>
+                <a:gridCol w="5257800">
+                  <a:extLst>
+                    <a:ext uri="{9D8B030D-6E8A-4147-A177-3AD203B41FA5}">
+                      <a16:colId xmlns:a16="http://schemas.microsoft.com/office/drawing/2014/main" val="3340251221"/>
+                    </a:ext>
+                  </a:extLst>
+                </a:gridCol>
+                <a:gridCol w="5257800">
+                  <a:extLst>
+                    <a:ext uri="{9D8B030D-6E8A-4147-A177-3AD203B41FA5}">
+                      <a16:colId xmlns:a16="http://schemas.microsoft.com/office/drawing/2014/main" val="2007774257"/>
+                    </a:ext>
+                  </a:extLst>
+                </a:gridCol>
+              </a:tblGrid>
+              <a:tr h="370840">
+                <a:tc>
+                  <a:txBody>
+                    <a:bodyPr/>
+                    <a:lstStyle/>
+                    <a:p>
+                      <a:r>
+                        <a:rPr lang="fr-CA" dirty="0"/>
+                        <a:t>Virtual DOM</a:t>
+                      </a:r>
+                    </a:p>
+                  </a:txBody>
+                  <a:tcPr/>
+                </a:tc>
+                <a:tc>
+                  <a:txBody>
+                    <a:bodyPr/>
+                    <a:lstStyle/>
+                    <a:p>
+                      <a:r>
+                        <a:rPr lang="fr-CA" dirty="0" err="1"/>
+                        <a:t>Shadom</a:t>
+                      </a:r>
+                      <a:r>
+                        <a:rPr lang="fr-CA" dirty="0"/>
+                        <a:t> DOM</a:t>
+                      </a:r>
+                    </a:p>
+                  </a:txBody>
+                  <a:tcPr/>
+                </a:tc>
+                <a:extLst>
+                  <a:ext uri="{0D108BD9-81ED-4DB2-BD59-A6C34878D82A}">
+                    <a16:rowId xmlns:a16="http://schemas.microsoft.com/office/drawing/2014/main" val="2564165890"/>
+                  </a:ext>
+                </a:extLst>
+              </a:tr>
+              <a:tr h="370840">
+                <a:tc>
+                  <a:txBody>
+                    <a:bodyPr/>
+                    <a:lstStyle/>
+                    <a:p>
+                      <a:endParaRPr lang="fr-CA" dirty="0"/>
+                    </a:p>
+                  </a:txBody>
+                  <a:tcPr/>
+                </a:tc>
+                <a:tc>
+                  <a:txBody>
+                    <a:bodyPr/>
+                    <a:lstStyle/>
+                    <a:p>
+                      <a:endParaRPr lang="fr-CA"/>
+                    </a:p>
+                  </a:txBody>
+                  <a:tcPr/>
+                </a:tc>
+                <a:extLst>
+                  <a:ext uri="{0D108BD9-81ED-4DB2-BD59-A6C34878D82A}">
+                    <a16:rowId xmlns:a16="http://schemas.microsoft.com/office/drawing/2014/main" val="2608350049"/>
+                  </a:ext>
+                </a:extLst>
+              </a:tr>
+            </a:tbl>
+          </a:graphicData>
+        </a:graphic>
+      </p:graphicFrame>
+    </p:spTree>
+    <p:extLst>
+      <p:ext uri="{BB962C8B-B14F-4D97-AF65-F5344CB8AC3E}">
+        <p14:creationId xmlns:p14="http://schemas.microsoft.com/office/powerpoint/2010/main" val="1286249170"/>
+      </p:ext>
+    </p:extLst>
+  </p:cSld>
+  <p:clrMapOvr>
+    <a:masterClrMapping/>
+  </p:clrMapOvr>
+</p:sld>
+</file>
+
+<file path=ppt/slides/slide12.xml><?xml version="1.0" encoding="utf-8"?>
+<p:sld xmlns:a="http://schemas.openxmlformats.org/drawingml/2006/main" xmlns:r="http://schemas.openxmlformats.org/officeDocument/2006/relationships" xmlns:p="http://schemas.openxmlformats.org/presentationml/2006/main">
+  <p:cSld>
+    <p:spTree>
+      <p:nvGrpSpPr>
+        <p:cNvPr id="1" name=""/>
+        <p:cNvGrpSpPr/>
+        <p:nvPr/>
+      </p:nvGrpSpPr>
+      <p:grpSpPr>
+        <a:xfrm>
+          <a:off x="0" y="0"/>
+          <a:ext cx="0" cy="0"/>
+          <a:chOff x="0" y="0"/>
+          <a:chExt cx="0" cy="0"/>
+        </a:xfrm>
+      </p:grpSpPr>
+      <p:sp>
+        <p:nvSpPr>
+          <p:cNvPr id="2" name="Title 1">
+            <a:extLst>
+              <a:ext uri="{FF2B5EF4-FFF2-40B4-BE49-F238E27FC236}">
+                <a16:creationId xmlns:a16="http://schemas.microsoft.com/office/drawing/2014/main" id="{57E6E8D8-113B-472E-BBEC-EE4A47A63F6E}"/>
+              </a:ext>
+            </a:extLst>
+          </p:cNvPr>
+          <p:cNvSpPr>
+            <a:spLocks noGrp="1"/>
+          </p:cNvSpPr>
+          <p:nvPr>
+            <p:ph type="title"/>
+          </p:nvPr>
+        </p:nvSpPr>
+        <p:spPr/>
+        <p:txBody>
+          <a:bodyPr/>
+          <a:lstStyle/>
+          <a:p>
+            <a:r>
+              <a:rPr lang="fr-CA" dirty="0"/>
+              <a:t>Component </a:t>
+            </a:r>
+            <a:r>
+              <a:rPr lang="fr-CA" dirty="0" err="1"/>
+              <a:t>LifeCycle</a:t>
+            </a:r>
+            <a:endParaRPr lang="fr-CA" dirty="0"/>
+          </a:p>
+        </p:txBody>
+      </p:sp>
+      <p:pic>
+        <p:nvPicPr>
+          <p:cNvPr id="2050" name="Picture 2" descr="Image result for react component lifecycle">
+            <a:extLst>
+              <a:ext uri="{FF2B5EF4-FFF2-40B4-BE49-F238E27FC236}">
+                <a16:creationId xmlns:a16="http://schemas.microsoft.com/office/drawing/2014/main" id="{8998ED41-0C91-47F3-858A-CA196907AB57}"/>
+              </a:ext>
+            </a:extLst>
+          </p:cNvPr>
+          <p:cNvPicPr>
+            <a:picLocks noChangeAspect="1" noChangeArrowheads="1"/>
+          </p:cNvPicPr>
+          <p:nvPr/>
+        </p:nvPicPr>
+        <p:blipFill>
+          <a:blip r:embed="rId2">
+            <a:extLst>
+              <a:ext uri="{28A0092B-C50C-407E-A947-70E740481C1C}">
+                <a14:useLocalDpi xmlns:a14="http://schemas.microsoft.com/office/drawing/2010/main" val="0"/>
+              </a:ext>
+            </a:extLst>
+          </a:blip>
+          <a:srcRect/>
+          <a:stretch>
+            <a:fillRect/>
+          </a:stretch>
+        </p:blipFill>
+        <p:spPr bwMode="auto">
+          <a:xfrm>
+            <a:off x="1358205" y="1588498"/>
+            <a:ext cx="8953081" cy="4904377"/>
+          </a:xfrm>
+          <a:prstGeom prst="rect">
+            <a:avLst/>
+          </a:prstGeom>
+          <a:noFill/>
+          <a:extLst>
+            <a:ext uri="{909E8E84-426E-40DD-AFC4-6F175D3DCCD1}">
+              <a14:hiddenFill xmlns:a14="http://schemas.microsoft.com/office/drawing/2010/main">
+                <a:solidFill>
+                  <a:srgbClr val="FFFFFF"/>
+                </a:solidFill>
+              </a14:hiddenFill>
+            </a:ext>
+          </a:extLst>
+        </p:spPr>
+      </p:pic>
+    </p:spTree>
+    <p:extLst>
+      <p:ext uri="{BB962C8B-B14F-4D97-AF65-F5344CB8AC3E}">
+        <p14:creationId xmlns:p14="http://schemas.microsoft.com/office/powerpoint/2010/main" val="1561951365"/>
+      </p:ext>
+    </p:extLst>
+  </p:cSld>
+  <p:clrMapOvr>
+    <a:masterClrMapping/>
+  </p:clrMapOvr>
+</p:sld>
+</file>
+
+<file path=ppt/slides/slide13.xml><?xml version="1.0" encoding="utf-8"?>
+<p:sld xmlns:a="http://schemas.openxmlformats.org/drawingml/2006/main" xmlns:r="http://schemas.openxmlformats.org/officeDocument/2006/relationships" xmlns:p="http://schemas.openxmlformats.org/presentationml/2006/main">
+  <p:cSld>
+    <p:spTree>
+      <p:nvGrpSpPr>
+        <p:cNvPr id="1" name=""/>
+        <p:cNvGrpSpPr/>
+        <p:nvPr/>
+      </p:nvGrpSpPr>
+      <p:grpSpPr>
+        <a:xfrm>
+          <a:off x="0" y="0"/>
+          <a:ext cx="0" cy="0"/>
+          <a:chOff x="0" y="0"/>
+          <a:chExt cx="0" cy="0"/>
+        </a:xfrm>
+      </p:grpSpPr>
+      <p:sp>
+        <p:nvSpPr>
+          <p:cNvPr id="2" name="Title 1">
+            <a:extLst>
+              <a:ext uri="{FF2B5EF4-FFF2-40B4-BE49-F238E27FC236}">
+                <a16:creationId xmlns:a16="http://schemas.microsoft.com/office/drawing/2014/main" id="{AA65C3F0-8428-48AE-8FBA-78CC105C44CA}"/>
+              </a:ext>
+            </a:extLst>
+          </p:cNvPr>
+          <p:cNvSpPr>
+            <a:spLocks noGrp="1"/>
+          </p:cNvSpPr>
+          <p:nvPr>
+            <p:ph type="title"/>
+          </p:nvPr>
+        </p:nvSpPr>
+        <p:spPr/>
+        <p:txBody>
+          <a:bodyPr/>
+          <a:lstStyle/>
+          <a:p>
+            <a:r>
+              <a:rPr lang="fr-CA" dirty="0"/>
+              <a:t>How and </a:t>
+            </a:r>
+            <a:r>
+              <a:rPr lang="fr-CA" dirty="0" err="1"/>
+              <a:t>When</a:t>
+            </a:r>
+            <a:r>
+              <a:rPr lang="fr-CA" dirty="0"/>
+              <a:t> use </a:t>
+            </a:r>
+            <a:r>
+              <a:rPr lang="fr-CA" dirty="0" err="1"/>
+              <a:t>lifecycle</a:t>
+            </a:r>
+            <a:r>
+              <a:rPr lang="fr-CA" dirty="0"/>
+              <a:t> </a:t>
+            </a:r>
+            <a:r>
+              <a:rPr lang="fr-CA" dirty="0" err="1"/>
+              <a:t>method</a:t>
+            </a:r>
+            <a:endParaRPr lang="fr-CA" dirty="0"/>
+          </a:p>
+        </p:txBody>
+      </p:sp>
+      <p:graphicFrame>
+        <p:nvGraphicFramePr>
+          <p:cNvPr id="4" name="Content Placeholder 3">
+            <a:extLst>
+              <a:ext uri="{FF2B5EF4-FFF2-40B4-BE49-F238E27FC236}">
+                <a16:creationId xmlns:a16="http://schemas.microsoft.com/office/drawing/2014/main" id="{205428AB-9D70-4678-A192-863BBE998C77}"/>
+              </a:ext>
+            </a:extLst>
+          </p:cNvPr>
+          <p:cNvGraphicFramePr>
+            <a:graphicFrameLocks noGrp="1"/>
+          </p:cNvGraphicFramePr>
+          <p:nvPr>
+            <p:ph idx="1"/>
+            <p:extLst>
+              <p:ext uri="{D42A27DB-BD31-4B8C-83A1-F6EECF244321}">
+                <p14:modId xmlns:p14="http://schemas.microsoft.com/office/powerpoint/2010/main" val="2103627486"/>
+              </p:ext>
+            </p:extLst>
+          </p:nvPr>
+        </p:nvGraphicFramePr>
+        <p:xfrm>
+          <a:off x="117230" y="1453528"/>
+          <a:ext cx="11957539" cy="5038234"/>
+        </p:xfrm>
+        <a:graphic>
+          <a:graphicData uri="http://schemas.openxmlformats.org/drawingml/2006/table">
+            <a:tbl>
+              <a:tblPr firstRow="1" bandRow="1">
+                <a:tableStyleId>{5C22544A-7EE6-4342-B048-85BDC9FD1C3A}</a:tableStyleId>
+              </a:tblPr>
+              <a:tblGrid>
+                <a:gridCol w="4245793">
+                  <a:extLst>
+                    <a:ext uri="{9D8B030D-6E8A-4147-A177-3AD203B41FA5}">
+                      <a16:colId xmlns:a16="http://schemas.microsoft.com/office/drawing/2014/main" val="181093278"/>
+                    </a:ext>
+                  </a:extLst>
+                </a:gridCol>
+                <a:gridCol w="7711746">
+                  <a:extLst>
+                    <a:ext uri="{9D8B030D-6E8A-4147-A177-3AD203B41FA5}">
+                      <a16:colId xmlns:a16="http://schemas.microsoft.com/office/drawing/2014/main" val="209439746"/>
+                    </a:ext>
+                  </a:extLst>
+                </a:gridCol>
+              </a:tblGrid>
+              <a:tr h="694940">
+                <a:tc>
+                  <a:txBody>
+                    <a:bodyPr/>
+                    <a:lstStyle/>
+                    <a:p>
+                      <a:r>
+                        <a:rPr lang="fr-CA" dirty="0"/>
+                        <a:t>Méthode du </a:t>
+                      </a:r>
+                      <a:r>
+                        <a:rPr lang="fr-CA" dirty="0" err="1"/>
+                        <a:t>lifecyle</a:t>
+                      </a:r>
+                      <a:endParaRPr lang="fr-CA" dirty="0"/>
+                    </a:p>
+                  </a:txBody>
+                  <a:tcPr/>
+                </a:tc>
+                <a:tc>
+                  <a:txBody>
+                    <a:bodyPr/>
+                    <a:lstStyle/>
+                    <a:p>
+                      <a:r>
+                        <a:rPr lang="fr-CA" dirty="0"/>
+                        <a:t>Détails</a:t>
+                      </a:r>
+                    </a:p>
+                  </a:txBody>
+                  <a:tcPr/>
+                </a:tc>
+                <a:extLst>
+                  <a:ext uri="{0D108BD9-81ED-4DB2-BD59-A6C34878D82A}">
+                    <a16:rowId xmlns:a16="http://schemas.microsoft.com/office/drawing/2014/main" val="3691666161"/>
+                  </a:ext>
+                </a:extLst>
+              </a:tr>
+              <a:tr h="549012">
+                <a:tc>
+                  <a:txBody>
+                    <a:bodyPr/>
+                    <a:lstStyle/>
+                    <a:p>
+                      <a:r>
+                        <a:rPr lang="fr-CA" dirty="0" err="1"/>
+                        <a:t>render</a:t>
+                      </a:r>
+                      <a:r>
+                        <a:rPr lang="fr-CA" dirty="0"/>
+                        <a:t>()</a:t>
+                      </a:r>
+                    </a:p>
+                  </a:txBody>
+                  <a:tcPr/>
+                </a:tc>
+                <a:tc>
+                  <a:txBody>
+                    <a:bodyPr/>
+                    <a:lstStyle/>
+                    <a:p>
+                      <a:pPr marL="285750" indent="-285750">
+                        <a:buFont typeface="Arial" panose="020B0604020202020204" pitchFamily="34" charset="0"/>
+                        <a:buChar char="•"/>
+                      </a:pPr>
+                      <a:r>
+                        <a:rPr lang="fr-CA" dirty="0"/>
+                        <a:t>Retourne un </a:t>
+                      </a:r>
+                      <a:r>
+                        <a:rPr lang="fr-CA" dirty="0" err="1"/>
+                        <a:t>reactElement</a:t>
+                      </a:r>
+                      <a:endParaRPr lang="fr-CA" dirty="0"/>
+                    </a:p>
+                  </a:txBody>
+                  <a:tcPr/>
+                </a:tc>
+                <a:extLst>
+                  <a:ext uri="{0D108BD9-81ED-4DB2-BD59-A6C34878D82A}">
+                    <a16:rowId xmlns:a16="http://schemas.microsoft.com/office/drawing/2014/main" val="3049361081"/>
+                  </a:ext>
+                </a:extLst>
+              </a:tr>
+              <a:tr h="925528">
+                <a:tc>
+                  <a:txBody>
+                    <a:bodyPr/>
+                    <a:lstStyle/>
+                    <a:p>
+                      <a:r>
+                        <a:rPr lang="fr-CA" dirty="0" err="1"/>
+                        <a:t>componentDidMount</a:t>
+                      </a:r>
+                      <a:r>
+                        <a:rPr lang="fr-CA" dirty="0"/>
+                        <a:t>()</a:t>
+                      </a:r>
+                    </a:p>
+                  </a:txBody>
+                  <a:tcPr/>
+                </a:tc>
+                <a:tc>
+                  <a:txBody>
+                    <a:bodyPr/>
+                    <a:lstStyle/>
+                    <a:p>
+                      <a:pPr marL="285750" indent="-285750">
+                        <a:buFont typeface="Arial" panose="020B0604020202020204" pitchFamily="34" charset="0"/>
+                        <a:buChar char="•"/>
+                      </a:pPr>
+                      <a:r>
+                        <a:rPr lang="fr-CA" dirty="0"/>
+                        <a:t>Appelé 1 seul fois une fois que le component à été monter sur le DOM du browser</a:t>
+                      </a:r>
+                    </a:p>
+                    <a:p>
+                      <a:pPr marL="285750" indent="-285750">
+                        <a:buFont typeface="Arial" panose="020B0604020202020204" pitchFamily="34" charset="0"/>
+                        <a:buChar char="•"/>
+                      </a:pPr>
+                      <a:r>
+                        <a:rPr lang="fr-CA" dirty="0"/>
+                        <a:t>Endroit idéal pour faire </a:t>
+                      </a:r>
+                      <a:r>
+                        <a:rPr lang="fr-CA" dirty="0" err="1"/>
+                        <a:t>fetch</a:t>
+                      </a:r>
+                      <a:r>
+                        <a:rPr lang="fr-CA" dirty="0"/>
+                        <a:t> de data</a:t>
+                      </a:r>
+                    </a:p>
+                  </a:txBody>
+                  <a:tcPr/>
+                </a:tc>
+                <a:extLst>
+                  <a:ext uri="{0D108BD9-81ED-4DB2-BD59-A6C34878D82A}">
+                    <a16:rowId xmlns:a16="http://schemas.microsoft.com/office/drawing/2014/main" val="2293805067"/>
+                  </a:ext>
+                </a:extLst>
+              </a:tr>
+              <a:tr h="869534">
+                <a:tc>
+                  <a:txBody>
+                    <a:bodyPr/>
+                    <a:lstStyle/>
+                    <a:p>
+                      <a:r>
+                        <a:rPr lang="fr-CA" dirty="0" err="1"/>
+                        <a:t>shouldComponentUpdate</a:t>
+                      </a:r>
+                      <a:r>
+                        <a:rPr lang="fr-CA" dirty="0"/>
+                        <a:t>(</a:t>
+                      </a:r>
+                      <a:r>
+                        <a:rPr lang="fr-CA" dirty="0" err="1"/>
+                        <a:t>nextProps</a:t>
+                      </a:r>
+                      <a:r>
+                        <a:rPr lang="fr-CA" dirty="0"/>
+                        <a:t>, </a:t>
+                      </a:r>
+                      <a:r>
+                        <a:rPr lang="fr-CA" dirty="0" err="1"/>
+                        <a:t>nextState</a:t>
+                      </a:r>
+                      <a:r>
+                        <a:rPr lang="fr-CA" dirty="0"/>
+                        <a:t>)</a:t>
+                      </a:r>
+                    </a:p>
+                  </a:txBody>
+                  <a:tcPr/>
+                </a:tc>
+                <a:tc>
+                  <a:txBody>
+                    <a:bodyPr/>
+                    <a:lstStyle/>
+                    <a:p>
+                      <a:pPr marL="285750" indent="-285750">
+                        <a:buFont typeface="Arial" panose="020B0604020202020204" pitchFamily="34" charset="0"/>
+                        <a:buChar char="•"/>
+                      </a:pPr>
+                      <a:r>
+                        <a:rPr lang="fr-CA" dirty="0"/>
+                        <a:t>Indique s’il est nécessaire d’effectuer un nouveau </a:t>
+                      </a:r>
+                      <a:r>
+                        <a:rPr lang="fr-CA" dirty="0" err="1"/>
+                        <a:t>render</a:t>
+                      </a:r>
+                      <a:r>
+                        <a:rPr lang="fr-CA" dirty="0"/>
+                        <a:t> </a:t>
+                      </a:r>
+                    </a:p>
+                    <a:p>
+                      <a:pPr marL="285750" indent="-285750">
+                        <a:buFont typeface="Arial" panose="020B0604020202020204" pitchFamily="34" charset="0"/>
+                        <a:buChar char="•"/>
+                      </a:pPr>
+                      <a:r>
+                        <a:rPr lang="fr-CA" dirty="0"/>
+                        <a:t>Retourne un </a:t>
+                      </a:r>
+                      <a:r>
+                        <a:rPr lang="fr-CA" dirty="0" err="1"/>
+                        <a:t>bool</a:t>
+                      </a:r>
+                      <a:endParaRPr lang="fr-CA" dirty="0"/>
+                    </a:p>
+                    <a:p>
+                      <a:pPr marL="285750" indent="-285750">
+                        <a:buFont typeface="Arial" panose="020B0604020202020204" pitchFamily="34" charset="0"/>
+                        <a:buChar char="•"/>
+                      </a:pPr>
+                      <a:r>
+                        <a:rPr lang="fr-CA" dirty="0" err="1"/>
+                        <a:t>React.Component</a:t>
+                      </a:r>
+                      <a:r>
+                        <a:rPr lang="fr-CA" dirty="0"/>
+                        <a:t> retourne </a:t>
+                      </a:r>
+                      <a:r>
+                        <a:rPr lang="fr-CA" dirty="0" err="1"/>
+                        <a:t>true</a:t>
+                      </a:r>
+                      <a:r>
+                        <a:rPr lang="fr-CA" dirty="0"/>
+                        <a:t> par défaut</a:t>
+                      </a:r>
+                    </a:p>
+                  </a:txBody>
+                  <a:tcPr/>
+                </a:tc>
+                <a:extLst>
+                  <a:ext uri="{0D108BD9-81ED-4DB2-BD59-A6C34878D82A}">
+                    <a16:rowId xmlns:a16="http://schemas.microsoft.com/office/drawing/2014/main" val="738618961"/>
+                  </a:ext>
+                </a:extLst>
+              </a:tr>
+              <a:tr h="754870">
+                <a:tc>
+                  <a:txBody>
+                    <a:bodyPr/>
+                    <a:lstStyle/>
+                    <a:p>
+                      <a:r>
+                        <a:rPr lang="fr-CA" dirty="0" err="1"/>
+                        <a:t>componentDidUpdate</a:t>
+                      </a:r>
+                      <a:r>
+                        <a:rPr lang="fr-CA" dirty="0"/>
+                        <a:t>(</a:t>
+                      </a:r>
+                      <a:r>
+                        <a:rPr lang="fr-CA" dirty="0" err="1"/>
+                        <a:t>prevProps</a:t>
+                      </a:r>
+                      <a:r>
+                        <a:rPr lang="fr-CA" dirty="0"/>
+                        <a:t>, </a:t>
+                      </a:r>
+                      <a:r>
+                        <a:rPr lang="fr-CA" dirty="0" err="1"/>
+                        <a:t>prevState</a:t>
+                      </a:r>
+                      <a:r>
+                        <a:rPr lang="fr-CA" dirty="0"/>
+                        <a:t>, snapshot)</a:t>
+                      </a:r>
+                    </a:p>
+                  </a:txBody>
+                  <a:tcPr/>
+                </a:tc>
+                <a:tc>
+                  <a:txBody>
+                    <a:bodyPr/>
+                    <a:lstStyle/>
+                    <a:p>
+                      <a:pPr marL="285750" indent="-285750">
+                        <a:buFont typeface="Arial" panose="020B0604020202020204" pitchFamily="34" charset="0"/>
+                        <a:buChar char="•"/>
+                      </a:pPr>
+                      <a:r>
+                        <a:rPr lang="fr-CA" dirty="0"/>
+                        <a:t>À utiliser de façon similaire à </a:t>
+                      </a:r>
+                      <a:r>
+                        <a:rPr lang="fr-CA" dirty="0" err="1"/>
+                        <a:t>componentDidMount</a:t>
+                      </a:r>
+                      <a:r>
+                        <a:rPr lang="fr-CA" dirty="0"/>
+                        <a:t>()</a:t>
+                      </a:r>
+                    </a:p>
+                    <a:p>
+                      <a:pPr marL="285750" indent="-285750">
+                        <a:buFont typeface="Arial" panose="020B0604020202020204" pitchFamily="34" charset="0"/>
+                        <a:buChar char="•"/>
+                      </a:pPr>
+                      <a:r>
+                        <a:rPr lang="fr-CA" dirty="0"/>
+                        <a:t>Si on utilise </a:t>
+                      </a:r>
+                      <a:r>
+                        <a:rPr lang="fr-CA" dirty="0" err="1"/>
+                        <a:t>setState</a:t>
+                      </a:r>
+                      <a:r>
+                        <a:rPr lang="fr-CA" dirty="0"/>
+                        <a:t>, mettre une condition sinon boucle </a:t>
+                      </a:r>
+                      <a:r>
+                        <a:rPr lang="fr-CA" dirty="0" err="1"/>
+                        <a:t>infinit</a:t>
+                      </a:r>
+                      <a:endParaRPr lang="fr-CA" dirty="0"/>
+                    </a:p>
+                  </a:txBody>
+                  <a:tcPr/>
+                </a:tc>
+                <a:extLst>
+                  <a:ext uri="{0D108BD9-81ED-4DB2-BD59-A6C34878D82A}">
+                    <a16:rowId xmlns:a16="http://schemas.microsoft.com/office/drawing/2014/main" val="7677006"/>
+                  </a:ext>
+                </a:extLst>
+              </a:tr>
+              <a:tr h="1199484">
+                <a:tc>
+                  <a:txBody>
+                    <a:bodyPr/>
+                    <a:lstStyle/>
+                    <a:p>
+                      <a:r>
+                        <a:rPr lang="fr-CA" dirty="0" err="1"/>
+                        <a:t>componentWillUnmount</a:t>
+                      </a:r>
+                      <a:r>
+                        <a:rPr lang="fr-CA" dirty="0"/>
+                        <a:t>()</a:t>
+                      </a:r>
+                    </a:p>
+                  </a:txBody>
+                  <a:tcPr/>
+                </a:tc>
+                <a:tc>
+                  <a:txBody>
+                    <a:bodyPr/>
+                    <a:lstStyle/>
+                    <a:p>
+                      <a:pPr marL="285750" indent="-285750">
+                        <a:buFont typeface="Arial" panose="020B0604020202020204" pitchFamily="34" charset="0"/>
+                        <a:buChar char="•"/>
+                      </a:pPr>
+                      <a:r>
+                        <a:rPr lang="fr-CA" dirty="0"/>
+                        <a:t>Avant qu’il soit </a:t>
+                      </a:r>
+                      <a:r>
+                        <a:rPr lang="fr-CA" dirty="0" err="1"/>
+                        <a:t>unmount</a:t>
+                      </a:r>
+                      <a:r>
+                        <a:rPr lang="fr-CA" dirty="0"/>
+                        <a:t> du DOM </a:t>
+                      </a:r>
+                    </a:p>
+                    <a:p>
+                      <a:pPr marL="285750" indent="-285750">
+                        <a:buFont typeface="Arial" panose="020B0604020202020204" pitchFamily="34" charset="0"/>
+                        <a:buChar char="•"/>
+                      </a:pPr>
+                      <a:r>
+                        <a:rPr lang="fr-CA" dirty="0"/>
+                        <a:t>Ne pas utiliser </a:t>
+                      </a:r>
+                      <a:r>
+                        <a:rPr lang="fr-CA" dirty="0" err="1"/>
+                        <a:t>setState</a:t>
+                      </a:r>
+                      <a:endParaRPr lang="fr-CA" dirty="0"/>
+                    </a:p>
+                    <a:p>
+                      <a:pPr marL="285750" indent="-285750">
+                        <a:buFont typeface="Arial" panose="020B0604020202020204" pitchFamily="34" charset="0"/>
+                        <a:buChar char="•"/>
+                      </a:pPr>
+                      <a:r>
+                        <a:rPr lang="fr-CA" dirty="0"/>
+                        <a:t>Endroit pour nettoyer les </a:t>
+                      </a:r>
+                      <a:r>
+                        <a:rPr lang="fr-CA" dirty="0" err="1"/>
+                        <a:t>timers</a:t>
+                      </a:r>
+                      <a:r>
+                        <a:rPr lang="fr-CA" dirty="0"/>
+                        <a:t>, process et </a:t>
+                      </a:r>
+                      <a:r>
+                        <a:rPr lang="fr-CA" dirty="0" err="1"/>
+                        <a:t>event</a:t>
+                      </a:r>
+                      <a:r>
+                        <a:rPr lang="fr-CA" dirty="0"/>
+                        <a:t> </a:t>
+                      </a:r>
+                      <a:r>
+                        <a:rPr lang="fr-CA" dirty="0" err="1"/>
+                        <a:t>listeners</a:t>
+                      </a:r>
+                      <a:endParaRPr lang="fr-CA" dirty="0"/>
+                    </a:p>
+                  </a:txBody>
+                  <a:tcPr/>
+                </a:tc>
+                <a:extLst>
+                  <a:ext uri="{0D108BD9-81ED-4DB2-BD59-A6C34878D82A}">
+                    <a16:rowId xmlns:a16="http://schemas.microsoft.com/office/drawing/2014/main" val="3437331998"/>
+                  </a:ext>
+                </a:extLst>
+              </a:tr>
+            </a:tbl>
+          </a:graphicData>
+        </a:graphic>
+      </p:graphicFrame>
+    </p:spTree>
+    <p:extLst>
+      <p:ext uri="{BB962C8B-B14F-4D97-AF65-F5344CB8AC3E}">
+        <p14:creationId xmlns:p14="http://schemas.microsoft.com/office/powerpoint/2010/main" val="1204436758"/>
+      </p:ext>
+    </p:extLst>
+  </p:cSld>
+  <p:clrMapOvr>
+    <a:masterClrMapping/>
+  </p:clrMapOvr>
+</p:sld>
+</file>
+
+<file path=ppt/slides/slide14.xml><?xml version="1.0" encoding="utf-8"?>
 <p:sld xmlns:a="http://schemas.openxmlformats.org/drawingml/2006/main" xmlns:r="http://schemas.openxmlformats.org/officeDocument/2006/relationships" xmlns:p="http://schemas.openxmlformats.org/presentationml/2006/main">
   <p:cSld>
     <p:spTree>
@@ -4450,7 +5733,7 @@
 </p:sld>
 </file>
 
-<file path=ppt/slides/slide11.xml><?xml version="1.0" encoding="utf-8"?>
+<file path=ppt/slides/slide15.xml><?xml version="1.0" encoding="utf-8"?>
 <p:sld xmlns:a="http://schemas.openxmlformats.org/drawingml/2006/main" xmlns:r="http://schemas.openxmlformats.org/officeDocument/2006/relationships" xmlns:p="http://schemas.openxmlformats.org/presentationml/2006/main">
   <p:cSld>
     <p:spTree>
@@ -4734,6 +6017,53 @@
           </a:p>
         </p:txBody>
       </p:sp>
+      <p:pic>
+        <p:nvPicPr>
+          <p:cNvPr id="1026" name="Picture 2" descr="Image result for react virtual dom">
+            <a:extLst>
+              <a:ext uri="{FF2B5EF4-FFF2-40B4-BE49-F238E27FC236}">
+                <a16:creationId xmlns:a16="http://schemas.microsoft.com/office/drawing/2014/main" id="{6BAB8FED-612F-4936-A63B-23E3D95C9B9D}"/>
+              </a:ext>
+            </a:extLst>
+          </p:cNvPr>
+          <p:cNvPicPr>
+            <a:picLocks noChangeAspect="1" noChangeArrowheads="1"/>
+          </p:cNvPicPr>
+          <p:nvPr/>
+        </p:nvPicPr>
+        <p:blipFill>
+          <a:blip r:embed="rId3">
+            <a:extLst>
+              <a:ext uri="{28A0092B-C50C-407E-A947-70E740481C1C}">
+                <a14:useLocalDpi xmlns:a14="http://schemas.microsoft.com/office/drawing/2010/main" val="0"/>
+              </a:ext>
+            </a:extLst>
+          </a:blip>
+          <a:srcRect/>
+          <a:stretch>
+            <a:fillRect/>
+          </a:stretch>
+        </p:blipFill>
+        <p:spPr bwMode="auto">
+          <a:xfrm>
+            <a:off x="7605614" y="2478542"/>
+            <a:ext cx="4382279" cy="2278516"/>
+          </a:xfrm>
+          <a:prstGeom prst="rect">
+            <a:avLst/>
+          </a:prstGeom>
+          <a:noFill/>
+          <a:extLst>
+            <a:ext uri="{909E8E84-426E-40DD-AFC4-6F175D3DCCD1}">
+              <a14:hiddenFill xmlns:a14="http://schemas.microsoft.com/office/drawing/2010/main">
+                <a:solidFill>
+                  <a:srgbClr val="FFFFFF"/>
+                </a:solidFill>
+              </a14:hiddenFill>
+            </a:ext>
+          </a:extLst>
+        </p:spPr>
+      </p:pic>
     </p:spTree>
     <p:extLst>
       <p:ext uri="{BB962C8B-B14F-4D97-AF65-F5344CB8AC3E}">
@@ -4747,7 +6077,7 @@
 </p:sld>
 </file>
 
-<file path=ppt/slides/slide12.xml><?xml version="1.0" encoding="utf-8"?>
+<file path=ppt/slides/slide16.xml><?xml version="1.0" encoding="utf-8"?>
 <p:sld xmlns:a="http://schemas.openxmlformats.org/drawingml/2006/main" xmlns:r="http://schemas.openxmlformats.org/officeDocument/2006/relationships" xmlns:p="http://schemas.openxmlformats.org/presentationml/2006/main">
   <p:cSld>
     <p:spTree>
@@ -4854,7 +6184,7 @@
 </p:sld>
 </file>
 
-<file path=ppt/slides/slide13.xml><?xml version="1.0" encoding="utf-8"?>
+<file path=ppt/slides/slide17.xml><?xml version="1.0" encoding="utf-8"?>
 <p:sld xmlns:a="http://schemas.openxmlformats.org/drawingml/2006/main" xmlns:r="http://schemas.openxmlformats.org/officeDocument/2006/relationships" xmlns:p="http://schemas.openxmlformats.org/presentationml/2006/main">
   <p:cSld>
     <p:spTree>
@@ -5127,7 +6457,7 @@
 </p:sld>
 </file>
 
-<file path=ppt/slides/slide14.xml><?xml version="1.0" encoding="utf-8"?>
+<file path=ppt/slides/slide18.xml><?xml version="1.0" encoding="utf-8"?>
 <p:sld xmlns:a="http://schemas.openxmlformats.org/drawingml/2006/main" xmlns:r="http://schemas.openxmlformats.org/officeDocument/2006/relationships" xmlns:p="http://schemas.openxmlformats.org/presentationml/2006/main">
   <p:cSld>
     <p:spTree>
@@ -5485,7 +6815,7 @@
 </p:sld>
 </file>
 
-<file path=ppt/slides/slide15.xml><?xml version="1.0" encoding="utf-8"?>
+<file path=ppt/slides/slide19.xml><?xml version="1.0" encoding="utf-8"?>
 <p:sld xmlns:a="http://schemas.openxmlformats.org/drawingml/2006/main" xmlns:r="http://schemas.openxmlformats.org/officeDocument/2006/relationships" xmlns:p="http://schemas.openxmlformats.org/presentationml/2006/main">
   <p:cSld>
     <p:spTree>
@@ -5625,7 +6955,7 @@
 </p:sld>
 </file>
 
-<file path=ppt/slides/slide16.xml><?xml version="1.0" encoding="utf-8"?>
+<file path=ppt/slides/slide2.xml><?xml version="1.0" encoding="utf-8"?>
 <p:sld xmlns:a="http://schemas.openxmlformats.org/drawingml/2006/main" xmlns:r="http://schemas.openxmlformats.org/officeDocument/2006/relationships" xmlns:p="http://schemas.openxmlformats.org/presentationml/2006/main">
   <p:cSld>
     <p:spTree>
@@ -5647,7 +6977,7 @@
           <p:cNvPr id="2" name="Title 1">
             <a:extLst>
               <a:ext uri="{FF2B5EF4-FFF2-40B4-BE49-F238E27FC236}">
-                <a16:creationId xmlns:a16="http://schemas.microsoft.com/office/drawing/2014/main" id="{6875C8E1-7406-47E7-9A3F-D277C53A21E4}"/>
+                <a16:creationId xmlns:a16="http://schemas.microsoft.com/office/drawing/2014/main" id="{85471A6F-A84A-49A7-92F3-E8A2EF83C7D6}"/>
               </a:ext>
             </a:extLst>
           </p:cNvPr>
@@ -5665,39 +6995,99 @@
           <a:p>
             <a:r>
               <a:rPr lang="fr-CA" dirty="0"/>
-              <a:t>Éviter des Waste </a:t>
-            </a:r>
+              <a:t>Table des matières</a:t>
+            </a:r>
+          </a:p>
+        </p:txBody>
+      </p:sp>
+      <p:sp>
+        <p:nvSpPr>
+          <p:cNvPr id="3" name="Content Placeholder 2">
+            <a:extLst>
+              <a:ext uri="{FF2B5EF4-FFF2-40B4-BE49-F238E27FC236}">
+                <a16:creationId xmlns:a16="http://schemas.microsoft.com/office/drawing/2014/main" id="{329B550F-845D-438C-8EB5-C5CA1864E8D1}"/>
+              </a:ext>
+            </a:extLst>
+          </p:cNvPr>
+          <p:cNvSpPr>
+            <a:spLocks noGrp="1"/>
+          </p:cNvSpPr>
+          <p:nvPr>
+            <p:ph idx="1"/>
+          </p:nvPr>
+        </p:nvSpPr>
+        <p:spPr/>
+        <p:txBody>
+          <a:bodyPr/>
+          <a:lstStyle/>
+          <a:p>
+            <a:pPr marL="514350" indent="-514350">
+              <a:buFont typeface="+mj-lt"/>
+              <a:buAutoNum type="arabicPeriod"/>
+            </a:pPr>
+            <a:r>
+              <a:rPr lang="fr-CA" dirty="0"/>
+              <a:t>DOM &amp; Browser</a:t>
+            </a:r>
+          </a:p>
+          <a:p>
+            <a:pPr marL="514350" indent="-514350">
+              <a:buFont typeface="+mj-lt"/>
+              <a:buAutoNum type="arabicPeriod"/>
+            </a:pPr>
+            <a:r>
+              <a:rPr lang="fr-CA" dirty="0" err="1"/>
+              <a:t>React</a:t>
+            </a:r>
+            <a:r>
+              <a:rPr lang="fr-CA" dirty="0"/>
+              <a:t> Building Block</a:t>
+            </a:r>
+          </a:p>
+          <a:p>
+            <a:pPr marL="514350" indent="-514350">
+              <a:buFont typeface="+mj-lt"/>
+              <a:buAutoNum type="arabicPeriod"/>
+            </a:pPr>
+            <a:r>
+              <a:rPr lang="fr-CA" dirty="0"/>
+              <a:t>Virtual DOM</a:t>
+            </a:r>
+          </a:p>
+          <a:p>
+            <a:pPr marL="514350" indent="-514350">
+              <a:buFont typeface="+mj-lt"/>
+              <a:buAutoNum type="arabicPeriod"/>
+            </a:pPr>
+            <a:r>
+              <a:rPr lang="fr-CA" dirty="0" err="1"/>
+              <a:t>Lifecycle</a:t>
+            </a:r>
+            <a:endParaRPr lang="fr-CA" dirty="0"/>
+          </a:p>
+          <a:p>
+            <a:pPr marL="514350" indent="-514350">
+              <a:buFont typeface="+mj-lt"/>
+              <a:buAutoNum type="arabicPeriod"/>
+            </a:pPr>
             <a:r>
               <a:rPr lang="fr-CA" dirty="0" err="1"/>
               <a:t>Render</a:t>
             </a:r>
+            <a:r>
+              <a:rPr lang="fr-CA" dirty="0"/>
+              <a:t> &amp; </a:t>
+            </a:r>
+            <a:r>
+              <a:rPr lang="fr-CA" dirty="0" err="1"/>
+              <a:t>Reconciliation</a:t>
+            </a:r>
             <a:endParaRPr lang="fr-CA" dirty="0"/>
           </a:p>
-        </p:txBody>
-      </p:sp>
-      <p:sp>
-        <p:nvSpPr>
-          <p:cNvPr id="3" name="Content Placeholder 2">
-            <a:extLst>
-              <a:ext uri="{FF2B5EF4-FFF2-40B4-BE49-F238E27FC236}">
-                <a16:creationId xmlns:a16="http://schemas.microsoft.com/office/drawing/2014/main" id="{D450C24E-07FC-4816-9A13-3E663CFC7B99}"/>
-              </a:ext>
-            </a:extLst>
-          </p:cNvPr>
-          <p:cNvSpPr>
-            <a:spLocks noGrp="1"/>
-          </p:cNvSpPr>
-          <p:nvPr>
-            <p:ph idx="1"/>
-          </p:nvPr>
-        </p:nvSpPr>
-        <p:spPr/>
-        <p:txBody>
-          <a:bodyPr/>
-          <a:lstStyle/>
-          <a:p>
-            <a:pPr marL="0" indent="0">
-              <a:buNone/>
+          <a:p>
+            <a:pPr marL="514350" indent="-514350">
+              <a:buFont typeface="+mj-lt"/>
+              <a:buAutoNum type="arabicPeriod"/>
             </a:pPr>
             <a:r>
               <a:rPr lang="fr-CA" dirty="0"/>
@@ -5707,64 +7097,14 @@
               <a:rPr lang="fr-CA" dirty="0" err="1"/>
               <a:t>Render</a:t>
             </a:r>
-            <a:r>
-              <a:rPr lang="fr-CA" dirty="0"/>
-              <a:t> = </a:t>
-            </a:r>
-            <a:r>
-              <a:rPr lang="fr-CA" dirty="0" err="1"/>
-              <a:t>render</a:t>
-            </a:r>
-            <a:r>
-              <a:rPr lang="fr-CA" dirty="0"/>
-              <a:t> qui retourne le même </a:t>
-            </a:r>
-            <a:r>
-              <a:rPr lang="fr-CA" dirty="0" err="1"/>
-              <a:t>reactElement</a:t>
-            </a:r>
-            <a:r>
-              <a:rPr lang="fr-CA" dirty="0"/>
-              <a:t> (ne va pas updater le UI)</a:t>
-            </a:r>
-          </a:p>
-          <a:p>
-            <a:pPr marL="0" indent="0">
-              <a:buNone/>
-            </a:pPr>
             <a:endParaRPr lang="fr-CA" dirty="0"/>
-          </a:p>
-          <a:p>
-            <a:pPr marL="0" indent="0">
-              <a:buNone/>
-            </a:pPr>
-            <a:r>
-              <a:rPr lang="fr-CA" dirty="0"/>
-              <a:t>(Component, </a:t>
-            </a:r>
-            <a:r>
-              <a:rPr lang="fr-CA" dirty="0" err="1"/>
-              <a:t>PureComponent</a:t>
-            </a:r>
-            <a:r>
-              <a:rPr lang="fr-CA" dirty="0"/>
-              <a:t>, Memo, </a:t>
-            </a:r>
-            <a:r>
-              <a:rPr lang="fr-CA" dirty="0" err="1"/>
-              <a:t>function</a:t>
-            </a:r>
-            <a:r>
-              <a:rPr lang="fr-CA" dirty="0"/>
-              <a:t>)</a:t>
-            </a:r>
           </a:p>
         </p:txBody>
       </p:sp>
     </p:spTree>
     <p:extLst>
       <p:ext uri="{BB962C8B-B14F-4D97-AF65-F5344CB8AC3E}">
-        <p14:creationId xmlns:p14="http://schemas.microsoft.com/office/powerpoint/2010/main" val="2120045792"/>
+        <p14:creationId xmlns:p14="http://schemas.microsoft.com/office/powerpoint/2010/main" val="926053107"/>
       </p:ext>
     </p:extLst>
   </p:cSld>
@@ -5774,7 +7114,7 @@
 </p:sld>
 </file>
 
-<file path=ppt/slides/slide17.xml><?xml version="1.0" encoding="utf-8"?>
+<file path=ppt/slides/slide20.xml><?xml version="1.0" encoding="utf-8"?>
 <p:sld xmlns:a="http://schemas.openxmlformats.org/drawingml/2006/main" xmlns:r="http://schemas.openxmlformats.org/officeDocument/2006/relationships" xmlns:p="http://schemas.openxmlformats.org/presentationml/2006/main">
   <p:cSld>
     <p:spTree>
@@ -5796,7 +7136,7 @@
           <p:cNvPr id="2" name="Title 1">
             <a:extLst>
               <a:ext uri="{FF2B5EF4-FFF2-40B4-BE49-F238E27FC236}">
-                <a16:creationId xmlns:a16="http://schemas.microsoft.com/office/drawing/2014/main" id="{BBA7C400-A4FE-4EBB-924E-57B007DF095C}"/>
+                <a16:creationId xmlns:a16="http://schemas.microsoft.com/office/drawing/2014/main" id="{6875C8E1-7406-47E7-9A3F-D277C53A21E4}"/>
               </a:ext>
             </a:extLst>
           </p:cNvPr>
@@ -5812,7 +7152,15 @@
           <a:bodyPr/>
           <a:lstStyle/>
           <a:p>
-            <a:endParaRPr lang="fr-CA"/>
+            <a:r>
+              <a:rPr lang="fr-CA" dirty="0"/>
+              <a:t>Éviter des Waste </a:t>
+            </a:r>
+            <a:r>
+              <a:rPr lang="fr-CA" dirty="0" err="1"/>
+              <a:t>Render</a:t>
+            </a:r>
+            <a:endParaRPr lang="fr-CA" dirty="0"/>
           </a:p>
         </p:txBody>
       </p:sp>
@@ -5821,7 +7169,7 @@
           <p:cNvPr id="3" name="Content Placeholder 2">
             <a:extLst>
               <a:ext uri="{FF2B5EF4-FFF2-40B4-BE49-F238E27FC236}">
-                <a16:creationId xmlns:a16="http://schemas.microsoft.com/office/drawing/2014/main" id="{283FD2DC-9271-40AA-9767-9A3B47CC7110}"/>
+                <a16:creationId xmlns:a16="http://schemas.microsoft.com/office/drawing/2014/main" id="{D450C24E-07FC-4816-9A13-3E663CFC7B99}"/>
               </a:ext>
             </a:extLst>
           </p:cNvPr>
@@ -5837,7 +7185,202 @@
           <a:bodyPr/>
           <a:lstStyle/>
           <a:p>
-            <a:endParaRPr lang="fr-CA"/>
+            <a:pPr marL="0" indent="0">
+              <a:buNone/>
+            </a:pPr>
+            <a:r>
+              <a:rPr lang="fr-CA" dirty="0"/>
+              <a:t>Waste </a:t>
+            </a:r>
+            <a:r>
+              <a:rPr lang="fr-CA" dirty="0" err="1"/>
+              <a:t>Render</a:t>
+            </a:r>
+            <a:r>
+              <a:rPr lang="fr-CA" dirty="0"/>
+              <a:t> = </a:t>
+            </a:r>
+            <a:r>
+              <a:rPr lang="fr-CA" dirty="0" err="1"/>
+              <a:t>render</a:t>
+            </a:r>
+            <a:r>
+              <a:rPr lang="fr-CA" dirty="0"/>
+              <a:t> qui retourne le même </a:t>
+            </a:r>
+            <a:r>
+              <a:rPr lang="fr-CA" dirty="0" err="1"/>
+              <a:t>reactElement</a:t>
+            </a:r>
+            <a:r>
+              <a:rPr lang="fr-CA" dirty="0"/>
+              <a:t> (ne va pas updater le UI)</a:t>
+            </a:r>
+          </a:p>
+          <a:p>
+            <a:pPr marL="0" indent="0">
+              <a:buNone/>
+            </a:pPr>
+            <a:endParaRPr lang="fr-CA" dirty="0"/>
+          </a:p>
+          <a:p>
+            <a:pPr marL="0" indent="0">
+              <a:buNone/>
+            </a:pPr>
+            <a:r>
+              <a:rPr lang="fr-CA" dirty="0"/>
+              <a:t>(Component, </a:t>
+            </a:r>
+            <a:r>
+              <a:rPr lang="fr-CA" dirty="0" err="1"/>
+              <a:t>PureComponent</a:t>
+            </a:r>
+            <a:r>
+              <a:rPr lang="fr-CA" dirty="0"/>
+              <a:t>, Memo, </a:t>
+            </a:r>
+            <a:r>
+              <a:rPr lang="fr-CA" dirty="0" err="1"/>
+              <a:t>function</a:t>
+            </a:r>
+            <a:r>
+              <a:rPr lang="fr-CA" dirty="0"/>
+              <a:t>)</a:t>
+            </a:r>
+          </a:p>
+        </p:txBody>
+      </p:sp>
+    </p:spTree>
+    <p:extLst>
+      <p:ext uri="{BB962C8B-B14F-4D97-AF65-F5344CB8AC3E}">
+        <p14:creationId xmlns:p14="http://schemas.microsoft.com/office/powerpoint/2010/main" val="2120045792"/>
+      </p:ext>
+    </p:extLst>
+  </p:cSld>
+  <p:clrMapOvr>
+    <a:masterClrMapping/>
+  </p:clrMapOvr>
+</p:sld>
+</file>
+
+<file path=ppt/slides/slide21.xml><?xml version="1.0" encoding="utf-8"?>
+<p:sld xmlns:a="http://schemas.openxmlformats.org/drawingml/2006/main" xmlns:r="http://schemas.openxmlformats.org/officeDocument/2006/relationships" xmlns:p="http://schemas.openxmlformats.org/presentationml/2006/main">
+  <p:cSld>
+    <p:spTree>
+      <p:nvGrpSpPr>
+        <p:cNvPr id="1" name=""/>
+        <p:cNvGrpSpPr/>
+        <p:nvPr/>
+      </p:nvGrpSpPr>
+      <p:grpSpPr>
+        <a:xfrm>
+          <a:off x="0" y="0"/>
+          <a:ext cx="0" cy="0"/>
+          <a:chOff x="0" y="0"/>
+          <a:chExt cx="0" cy="0"/>
+        </a:xfrm>
+      </p:grpSpPr>
+      <p:sp>
+        <p:nvSpPr>
+          <p:cNvPr id="2" name="Title 1">
+            <a:extLst>
+              <a:ext uri="{FF2B5EF4-FFF2-40B4-BE49-F238E27FC236}">
+                <a16:creationId xmlns:a16="http://schemas.microsoft.com/office/drawing/2014/main" id="{BBA7C400-A4FE-4EBB-924E-57B007DF095C}"/>
+              </a:ext>
+            </a:extLst>
+          </p:cNvPr>
+          <p:cNvSpPr>
+            <a:spLocks noGrp="1"/>
+          </p:cNvSpPr>
+          <p:nvPr>
+            <p:ph type="title"/>
+          </p:nvPr>
+        </p:nvSpPr>
+        <p:spPr/>
+        <p:txBody>
+          <a:bodyPr/>
+          <a:lstStyle/>
+          <a:p>
+            <a:r>
+              <a:rPr lang="fr-CA" dirty="0" err="1"/>
+              <a:t>Tooling</a:t>
+            </a:r>
+            <a:endParaRPr lang="fr-CA" dirty="0"/>
+          </a:p>
+        </p:txBody>
+      </p:sp>
+      <p:sp>
+        <p:nvSpPr>
+          <p:cNvPr id="3" name="Content Placeholder 2">
+            <a:extLst>
+              <a:ext uri="{FF2B5EF4-FFF2-40B4-BE49-F238E27FC236}">
+                <a16:creationId xmlns:a16="http://schemas.microsoft.com/office/drawing/2014/main" id="{283FD2DC-9271-40AA-9767-9A3B47CC7110}"/>
+              </a:ext>
+            </a:extLst>
+          </p:cNvPr>
+          <p:cNvSpPr>
+            <a:spLocks noGrp="1"/>
+          </p:cNvSpPr>
+          <p:nvPr>
+            <p:ph idx="1"/>
+          </p:nvPr>
+        </p:nvSpPr>
+        <p:spPr/>
+        <p:txBody>
+          <a:bodyPr/>
+          <a:lstStyle/>
+          <a:p>
+            <a:pPr marL="0" indent="0">
+              <a:buNone/>
+            </a:pPr>
+            <a:r>
+              <a:rPr lang="fr-CA" dirty="0">
+                <a:hlinkClick r:id="rId2"/>
+              </a:rPr>
+              <a:t>https://scotch.io/tutorials/use-the-react-profiler-for-performance</a:t>
+            </a:r>
+            <a:endParaRPr lang="fr-CA" dirty="0"/>
+          </a:p>
+          <a:p>
+            <a:pPr marL="0" indent="0">
+              <a:buNone/>
+            </a:pPr>
+            <a:endParaRPr lang="fr-CA" dirty="0"/>
+          </a:p>
+          <a:p>
+            <a:pPr marL="0" indent="0">
+              <a:buNone/>
+            </a:pPr>
+            <a:r>
+              <a:rPr lang="fr-CA" dirty="0"/>
+              <a:t>Exemple comment profiler à aider à </a:t>
+            </a:r>
+            <a:r>
+              <a:rPr lang="fr-CA" dirty="0" err="1"/>
+              <a:t>debug</a:t>
+            </a:r>
+            <a:r>
+              <a:rPr lang="fr-CA" dirty="0"/>
+              <a:t> un problème chez </a:t>
+            </a:r>
+            <a:r>
+              <a:rPr lang="fr-CA" dirty="0" err="1"/>
+              <a:t>Netlify</a:t>
+            </a:r>
+            <a:r>
+              <a:rPr lang="fr-CA" dirty="0"/>
+              <a:t>: </a:t>
+            </a:r>
+            <a:r>
+              <a:rPr lang="fr-CA" dirty="0">
+                <a:hlinkClick r:id="rId3"/>
+              </a:rPr>
+              <a:t>https://www.netlify.com/blog/2018/08/29/using-the-react-devtools-profiler-to-diagnose-react-app-performance-issues/</a:t>
+            </a:r>
+            <a:r>
+              <a:rPr lang="fr-CA" dirty="0"/>
+              <a:t> </a:t>
+            </a:r>
           </a:p>
         </p:txBody>
       </p:sp>
@@ -5854,7 +7397,7 @@
 </p:sld>
 </file>
 
-<file path=ppt/slides/slide2.xml><?xml version="1.0" encoding="utf-8"?>
+<file path=ppt/slides/slide3.xml><?xml version="1.0" encoding="utf-8"?>
 <p:sld xmlns:a="http://schemas.openxmlformats.org/drawingml/2006/main" xmlns:r="http://schemas.openxmlformats.org/officeDocument/2006/relationships" xmlns:p="http://schemas.openxmlformats.org/presentationml/2006/main">
   <p:cSld>
     <p:spTree>
@@ -6088,7 +7631,7 @@
 </p:sld>
 </file>
 
-<file path=ppt/slides/slide3.xml><?xml version="1.0" encoding="utf-8"?>
+<file path=ppt/slides/slide4.xml><?xml version="1.0" encoding="utf-8"?>
 <p:sld xmlns:a="http://schemas.openxmlformats.org/drawingml/2006/main" xmlns:r="http://schemas.openxmlformats.org/officeDocument/2006/relationships" xmlns:p="http://schemas.openxmlformats.org/presentationml/2006/main">
   <p:cSld>
     <p:spTree>
@@ -6360,7 +7903,7 @@
 </p:sld>
 </file>
 
-<file path=ppt/slides/slide4.xml><?xml version="1.0" encoding="utf-8"?>
+<file path=ppt/slides/slide5.xml><?xml version="1.0" encoding="utf-8"?>
 <p:sld xmlns:a="http://schemas.openxmlformats.org/drawingml/2006/main" xmlns:r="http://schemas.openxmlformats.org/officeDocument/2006/relationships" xmlns:p="http://schemas.openxmlformats.org/presentationml/2006/main">
   <p:cSld>
     <p:spTree>
@@ -6794,266 +8337,6 @@
 </p:sld>
 </file>
 
-<file path=ppt/slides/slide5.xml><?xml version="1.0" encoding="utf-8"?>
-<p:sld xmlns:a="http://schemas.openxmlformats.org/drawingml/2006/main" xmlns:r="http://schemas.openxmlformats.org/officeDocument/2006/relationships" xmlns:p="http://schemas.openxmlformats.org/presentationml/2006/main">
-  <p:cSld>
-    <p:spTree>
-      <p:nvGrpSpPr>
-        <p:cNvPr id="1" name=""/>
-        <p:cNvGrpSpPr/>
-        <p:nvPr/>
-      </p:nvGrpSpPr>
-      <p:grpSpPr>
-        <a:xfrm>
-          <a:off x="0" y="0"/>
-          <a:ext cx="0" cy="0"/>
-          <a:chOff x="0" y="0"/>
-          <a:chExt cx="0" cy="0"/>
-        </a:xfrm>
-      </p:grpSpPr>
-      <p:sp>
-        <p:nvSpPr>
-          <p:cNvPr id="2" name="Title 1">
-            <a:extLst>
-              <a:ext uri="{FF2B5EF4-FFF2-40B4-BE49-F238E27FC236}">
-                <a16:creationId xmlns:a16="http://schemas.microsoft.com/office/drawing/2014/main" id="{3EB37C4C-211B-4FDF-A37C-72633CAD4A13}"/>
-              </a:ext>
-            </a:extLst>
-          </p:cNvPr>
-          <p:cNvSpPr>
-            <a:spLocks noGrp="1"/>
-          </p:cNvSpPr>
-          <p:nvPr>
-            <p:ph type="title"/>
-          </p:nvPr>
-        </p:nvSpPr>
-        <p:spPr/>
-        <p:txBody>
-          <a:bodyPr/>
-          <a:lstStyle/>
-          <a:p>
-            <a:r>
-              <a:rPr lang="fr-CA" dirty="0" err="1"/>
-              <a:t>React</a:t>
-            </a:r>
-            <a:r>
-              <a:rPr lang="fr-CA" dirty="0"/>
-              <a:t> </a:t>
-            </a:r>
-            <a:r>
-              <a:rPr lang="fr-CA" dirty="0" err="1"/>
-              <a:t>Element</a:t>
-            </a:r>
-            <a:r>
-              <a:rPr lang="fr-CA" dirty="0"/>
-              <a:t> &amp; Virtual DOM</a:t>
-            </a:r>
-            <a:endParaRPr lang="en-CA" dirty="0"/>
-          </a:p>
-        </p:txBody>
-      </p:sp>
-      <p:pic>
-        <p:nvPicPr>
-          <p:cNvPr id="7" name="Picture 6">
-            <a:extLst>
-              <a:ext uri="{FF2B5EF4-FFF2-40B4-BE49-F238E27FC236}">
-                <a16:creationId xmlns:a16="http://schemas.microsoft.com/office/drawing/2014/main" id="{A01F941D-AE33-4B03-8443-DFDC644BBB6E}"/>
-              </a:ext>
-            </a:extLst>
-          </p:cNvPr>
-          <p:cNvPicPr>
-            <a:picLocks noChangeAspect="1"/>
-          </p:cNvPicPr>
-          <p:nvPr/>
-        </p:nvPicPr>
-        <p:blipFill>
-          <a:blip r:embed="rId2"/>
-          <a:stretch>
-            <a:fillRect/>
-          </a:stretch>
-        </p:blipFill>
-        <p:spPr>
-          <a:xfrm>
-            <a:off x="838200" y="1637578"/>
-            <a:ext cx="2019300" cy="1123950"/>
-          </a:xfrm>
-          <a:prstGeom prst="rect">
-            <a:avLst/>
-          </a:prstGeom>
-        </p:spPr>
-      </p:pic>
-      <p:pic>
-        <p:nvPicPr>
-          <p:cNvPr id="8" name="Picture 7">
-            <a:extLst>
-              <a:ext uri="{FF2B5EF4-FFF2-40B4-BE49-F238E27FC236}">
-                <a16:creationId xmlns:a16="http://schemas.microsoft.com/office/drawing/2014/main" id="{2405EA3A-A362-480C-B478-693387D81A55}"/>
-              </a:ext>
-            </a:extLst>
-          </p:cNvPr>
-          <p:cNvPicPr>
-            <a:picLocks noChangeAspect="1"/>
-          </p:cNvPicPr>
-          <p:nvPr/>
-        </p:nvPicPr>
-        <p:blipFill>
-          <a:blip r:embed="rId3"/>
-          <a:stretch>
-            <a:fillRect/>
-          </a:stretch>
-        </p:blipFill>
-        <p:spPr>
-          <a:xfrm>
-            <a:off x="838200" y="3149600"/>
-            <a:ext cx="3717654" cy="2578847"/>
-          </a:xfrm>
-          <a:prstGeom prst="rect">
-            <a:avLst/>
-          </a:prstGeom>
-        </p:spPr>
-      </p:pic>
-      <p:sp>
-        <p:nvSpPr>
-          <p:cNvPr id="9" name="TextBox 8">
-            <a:extLst>
-              <a:ext uri="{FF2B5EF4-FFF2-40B4-BE49-F238E27FC236}">
-                <a16:creationId xmlns:a16="http://schemas.microsoft.com/office/drawing/2014/main" id="{A9D9BC85-534A-4403-8C39-6C3C361C60BA}"/>
-              </a:ext>
-            </a:extLst>
-          </p:cNvPr>
-          <p:cNvSpPr txBox="1"/>
-          <p:nvPr/>
-        </p:nvSpPr>
-        <p:spPr>
-          <a:xfrm>
-            <a:off x="4777006" y="1861339"/>
-            <a:ext cx="7331258" cy="3046988"/>
-          </a:xfrm>
-          <a:prstGeom prst="rect">
-            <a:avLst/>
-          </a:prstGeom>
-          <a:noFill/>
-        </p:spPr>
-        <p:txBody>
-          <a:bodyPr wrap="square" rtlCol="0">
-            <a:spAutoFit/>
-          </a:bodyPr>
-          <a:lstStyle/>
-          <a:p>
-            <a:pPr marL="285750" indent="-285750">
-              <a:buFont typeface="Arial" panose="020B0604020202020204" pitchFamily="34" charset="0"/>
-              <a:buChar char="•"/>
-            </a:pPr>
-            <a:r>
-              <a:rPr lang="fr-CA" sz="2400" dirty="0"/>
-              <a:t>Virtual DOM est une </a:t>
-            </a:r>
-            <a:r>
-              <a:rPr lang="fr-CA" sz="2400" dirty="0" err="1"/>
-              <a:t>abscription</a:t>
-            </a:r>
-            <a:r>
-              <a:rPr lang="fr-CA" sz="2400" dirty="0"/>
-              <a:t> du HTML DOM</a:t>
-            </a:r>
-          </a:p>
-          <a:p>
-            <a:pPr marL="285750" indent="-285750">
-              <a:buFont typeface="Arial" panose="020B0604020202020204" pitchFamily="34" charset="0"/>
-              <a:buChar char="•"/>
-            </a:pPr>
-            <a:r>
-              <a:rPr lang="fr-CA" sz="2400" dirty="0"/>
-              <a:t>Découplé des détails d’implémentation du browser</a:t>
-            </a:r>
-          </a:p>
-          <a:p>
-            <a:pPr marL="285750" indent="-285750">
-              <a:buFont typeface="Arial" panose="020B0604020202020204" pitchFamily="34" charset="0"/>
-              <a:buChar char="•"/>
-            </a:pPr>
-            <a:r>
-              <a:rPr lang="fr-CA" sz="2400" dirty="0"/>
-              <a:t>Composé de </a:t>
-            </a:r>
-            <a:r>
-              <a:rPr lang="fr-CA" sz="2400" dirty="0" err="1"/>
-              <a:t>ReactElement</a:t>
-            </a:r>
-            <a:endParaRPr lang="fr-CA" sz="2400" dirty="0"/>
-          </a:p>
-          <a:p>
-            <a:pPr marL="285750" indent="-285750">
-              <a:buFont typeface="Arial" panose="020B0604020202020204" pitchFamily="34" charset="0"/>
-              <a:buChar char="•"/>
-            </a:pPr>
-            <a:r>
-              <a:rPr lang="fr-CA" sz="2400" dirty="0"/>
-              <a:t>La méthode </a:t>
-            </a:r>
-            <a:r>
-              <a:rPr lang="fr-CA" sz="2400" dirty="0" err="1"/>
-              <a:t>React.Render</a:t>
-            </a:r>
-            <a:r>
-              <a:rPr lang="fr-CA" sz="2400" dirty="0"/>
-              <a:t>() transforme le </a:t>
-            </a:r>
-            <a:r>
-              <a:rPr lang="fr-CA" sz="2400" dirty="0" err="1"/>
-              <a:t>reactElement</a:t>
-            </a:r>
-            <a:r>
-              <a:rPr lang="fr-CA" sz="2400" dirty="0"/>
-              <a:t> en </a:t>
-            </a:r>
-            <a:r>
-              <a:rPr lang="fr-CA" sz="2400" dirty="0" err="1"/>
-              <a:t>node</a:t>
-            </a:r>
-            <a:r>
-              <a:rPr lang="fr-CA" sz="2400" dirty="0"/>
-              <a:t> du HTML DOM</a:t>
-            </a:r>
-          </a:p>
-          <a:p>
-            <a:pPr marL="742950" lvl="1" indent="-285750">
-              <a:buFont typeface="Arial" panose="020B0604020202020204" pitchFamily="34" charset="0"/>
-              <a:buChar char="•"/>
-            </a:pPr>
-            <a:r>
-              <a:rPr lang="fr-CA" sz="2400" dirty="0"/>
-              <a:t>Ou le DOM du mobile </a:t>
-            </a:r>
-          </a:p>
-          <a:p>
-            <a:pPr marL="742950" lvl="1" indent="-285750">
-              <a:buFont typeface="Arial" panose="020B0604020202020204" pitchFamily="34" charset="0"/>
-              <a:buChar char="•"/>
-            </a:pPr>
-            <a:endParaRPr lang="fr-CA" sz="2400" dirty="0"/>
-          </a:p>
-          <a:p>
-            <a:r>
-              <a:rPr lang="fr-CA" sz="2400" dirty="0"/>
-              <a:t>Démo: « 2-react-element.html »</a:t>
-            </a:r>
-          </a:p>
-        </p:txBody>
-      </p:sp>
-    </p:spTree>
-    <p:extLst>
-      <p:ext uri="{BB962C8B-B14F-4D97-AF65-F5344CB8AC3E}">
-        <p14:creationId xmlns:p14="http://schemas.microsoft.com/office/powerpoint/2010/main" val="300338475"/>
-      </p:ext>
-    </p:extLst>
-  </p:cSld>
-  <p:clrMapOvr>
-    <a:masterClrMapping/>
-  </p:clrMapOvr>
-</p:sld>
-</file>
-
 <file path=ppt/slides/slide6.xml><?xml version="1.0" encoding="utf-8"?>
 <p:sld xmlns:a="http://schemas.openxmlformats.org/drawingml/2006/main" xmlns:r="http://schemas.openxmlformats.org/officeDocument/2006/relationships" xmlns:p="http://schemas.openxmlformats.org/presentationml/2006/main">
   <p:cSld>
@@ -7076,7 +8359,7 @@
           <p:cNvPr id="2" name="Title 1">
             <a:extLst>
               <a:ext uri="{FF2B5EF4-FFF2-40B4-BE49-F238E27FC236}">
-                <a16:creationId xmlns:a16="http://schemas.microsoft.com/office/drawing/2014/main" id="{D6D490E6-4965-494E-BF76-DFF0E69167B8}"/>
+                <a16:creationId xmlns:a16="http://schemas.microsoft.com/office/drawing/2014/main" id="{4B3274F5-D2CB-4EE5-BF54-B2D465B902B0}"/>
               </a:ext>
             </a:extLst>
           </p:cNvPr>
@@ -7094,294 +8377,74 @@
           <a:p>
             <a:r>
               <a:rPr lang="fr-CA" dirty="0" err="1"/>
-              <a:t>Lifecycle</a:t>
-            </a:r>
-            <a:r>
-              <a:rPr lang="fr-CA" dirty="0"/>
-              <a:t> d’un </a:t>
+              <a:t>Why</a:t>
+            </a:r>
+            <a:r>
+              <a:rPr lang="fr-CA" dirty="0"/>
+              <a:t> </a:t>
             </a:r>
             <a:r>
               <a:rPr lang="fr-CA" dirty="0" err="1"/>
-              <a:t>ReactElement</a:t>
-            </a:r>
-            <a:endParaRPr lang="fr-CA" dirty="0"/>
-          </a:p>
-        </p:txBody>
-      </p:sp>
-      <p:pic>
-        <p:nvPicPr>
-          <p:cNvPr id="5" name="Picture 4">
-            <a:extLst>
-              <a:ext uri="{FF2B5EF4-FFF2-40B4-BE49-F238E27FC236}">
-                <a16:creationId xmlns:a16="http://schemas.microsoft.com/office/drawing/2014/main" id="{DF891E32-115A-4999-AAFB-8AD0DE454662}"/>
-              </a:ext>
-            </a:extLst>
-          </p:cNvPr>
-          <p:cNvPicPr>
-            <a:picLocks noChangeAspect="1"/>
-          </p:cNvPicPr>
-          <p:nvPr/>
-        </p:nvPicPr>
-        <p:blipFill>
-          <a:blip r:embed="rId2"/>
-          <a:stretch>
-            <a:fillRect/>
-          </a:stretch>
-        </p:blipFill>
-        <p:spPr>
-          <a:xfrm>
-            <a:off x="1040556" y="2544361"/>
-            <a:ext cx="3849493" cy="1602763"/>
-          </a:xfrm>
-          <a:prstGeom prst="rect">
-            <a:avLst/>
-          </a:prstGeom>
-        </p:spPr>
-      </p:pic>
-      <p:pic>
-        <p:nvPicPr>
-          <p:cNvPr id="6" name="Picture 5">
-            <a:extLst>
-              <a:ext uri="{FF2B5EF4-FFF2-40B4-BE49-F238E27FC236}">
-                <a16:creationId xmlns:a16="http://schemas.microsoft.com/office/drawing/2014/main" id="{C6972F70-0B81-42AB-9D11-3AAE20384478}"/>
-              </a:ext>
-            </a:extLst>
-          </p:cNvPr>
-          <p:cNvPicPr>
-            <a:picLocks noChangeAspect="1"/>
-          </p:cNvPicPr>
-          <p:nvPr/>
-        </p:nvPicPr>
-        <p:blipFill>
-          <a:blip r:embed="rId3"/>
-          <a:stretch>
-            <a:fillRect/>
-          </a:stretch>
-        </p:blipFill>
-        <p:spPr>
-          <a:xfrm>
-            <a:off x="6325105" y="2544361"/>
-            <a:ext cx="4441555" cy="1602763"/>
-          </a:xfrm>
-          <a:prstGeom prst="rect">
-            <a:avLst/>
-          </a:prstGeom>
-        </p:spPr>
-      </p:pic>
-      <p:pic>
-        <p:nvPicPr>
-          <p:cNvPr id="7" name="Picture 6">
-            <a:extLst>
-              <a:ext uri="{FF2B5EF4-FFF2-40B4-BE49-F238E27FC236}">
-                <a16:creationId xmlns:a16="http://schemas.microsoft.com/office/drawing/2014/main" id="{520C0207-5746-4DF7-A6FA-D8C308FC33E1}"/>
-              </a:ext>
-            </a:extLst>
-          </p:cNvPr>
-          <p:cNvPicPr>
-            <a:picLocks noChangeAspect="1"/>
-          </p:cNvPicPr>
-          <p:nvPr/>
-        </p:nvPicPr>
-        <p:blipFill>
-          <a:blip r:embed="rId4"/>
-          <a:stretch>
-            <a:fillRect/>
-          </a:stretch>
-        </p:blipFill>
-        <p:spPr>
-          <a:xfrm>
-            <a:off x="6519068" y="4576618"/>
-            <a:ext cx="4072046" cy="1916257"/>
-          </a:xfrm>
-          <a:prstGeom prst="rect">
-            <a:avLst/>
-          </a:prstGeom>
-        </p:spPr>
-      </p:pic>
-      <p:sp>
-        <p:nvSpPr>
-          <p:cNvPr id="8" name="Arrow: Right 7">
-            <a:extLst>
-              <a:ext uri="{FF2B5EF4-FFF2-40B4-BE49-F238E27FC236}">
-                <a16:creationId xmlns:a16="http://schemas.microsoft.com/office/drawing/2014/main" id="{54E5E0F1-2B9D-40AF-8528-D4438701425A}"/>
-              </a:ext>
-            </a:extLst>
-          </p:cNvPr>
-          <p:cNvSpPr/>
-          <p:nvPr/>
-        </p:nvSpPr>
-        <p:spPr>
-          <a:xfrm>
-            <a:off x="5188332" y="3075709"/>
-            <a:ext cx="951345" cy="582015"/>
-          </a:xfrm>
-          <a:prstGeom prst="rightArrow">
-            <a:avLst/>
-          </a:prstGeom>
-        </p:spPr>
-        <p:style>
-          <a:lnRef idx="2">
-            <a:schemeClr val="accent1">
-              <a:shade val="50000"/>
-            </a:schemeClr>
-          </a:lnRef>
-          <a:fillRef idx="1">
-            <a:schemeClr val="accent1"/>
-          </a:fillRef>
-          <a:effectRef idx="0">
-            <a:schemeClr val="accent1"/>
-          </a:effectRef>
-          <a:fontRef idx="minor">
-            <a:schemeClr val="lt1"/>
-          </a:fontRef>
-        </p:style>
-        <p:txBody>
-          <a:bodyPr rtlCol="0" anchor="ctr"/>
+              <a:t>bool</a:t>
+            </a:r>
+            <a:r>
+              <a:rPr lang="fr-CA" dirty="0"/>
+              <a:t> </a:t>
+            </a:r>
+            <a:r>
+              <a:rPr lang="fr-CA" dirty="0" err="1"/>
+              <a:t>is</a:t>
+            </a:r>
+            <a:r>
+              <a:rPr lang="fr-CA" dirty="0"/>
+              <a:t> </a:t>
+            </a:r>
+            <a:r>
+              <a:rPr lang="fr-CA" dirty="0" err="1"/>
+              <a:t>valid</a:t>
+            </a:r>
+            <a:r>
+              <a:rPr lang="fr-CA" dirty="0"/>
+              <a:t> type</a:t>
+            </a:r>
+          </a:p>
+        </p:txBody>
+      </p:sp>
+      <p:sp>
+        <p:nvSpPr>
+          <p:cNvPr id="3" name="Content Placeholder 2">
+            <a:extLst>
+              <a:ext uri="{FF2B5EF4-FFF2-40B4-BE49-F238E27FC236}">
+                <a16:creationId xmlns:a16="http://schemas.microsoft.com/office/drawing/2014/main" id="{405BEC4B-6498-4A85-BF51-7E7319AC52ED}"/>
+              </a:ext>
+            </a:extLst>
+          </p:cNvPr>
+          <p:cNvSpPr>
+            <a:spLocks noGrp="1"/>
+          </p:cNvSpPr>
+          <p:nvPr>
+            <p:ph idx="1"/>
+          </p:nvPr>
+        </p:nvSpPr>
+        <p:spPr/>
+        <p:txBody>
+          <a:bodyPr/>
           <a:lstStyle/>
           <a:p>
-            <a:pPr algn="ctr"/>
-            <a:endParaRPr lang="fr-CA"/>
-          </a:p>
-        </p:txBody>
-      </p:sp>
-      <p:sp>
-        <p:nvSpPr>
-          <p:cNvPr id="9" name="Arrow: Down 8">
-            <a:extLst>
-              <a:ext uri="{FF2B5EF4-FFF2-40B4-BE49-F238E27FC236}">
-                <a16:creationId xmlns:a16="http://schemas.microsoft.com/office/drawing/2014/main" id="{6B5F24F7-B10F-4CC8-8345-E8DE74C00667}"/>
-              </a:ext>
-            </a:extLst>
-          </p:cNvPr>
-          <p:cNvSpPr/>
-          <p:nvPr/>
-        </p:nvSpPr>
-        <p:spPr>
-          <a:xfrm>
-            <a:off x="8156594" y="4247161"/>
-            <a:ext cx="679508" cy="239884"/>
-          </a:xfrm>
-          <a:prstGeom prst="downArrow">
-            <a:avLst/>
-          </a:prstGeom>
-        </p:spPr>
-        <p:style>
-          <a:lnRef idx="2">
-            <a:schemeClr val="accent1">
-              <a:shade val="50000"/>
-            </a:schemeClr>
-          </a:lnRef>
-          <a:fillRef idx="1">
-            <a:schemeClr val="accent1"/>
-          </a:fillRef>
-          <a:effectRef idx="0">
-            <a:schemeClr val="accent1"/>
-          </a:effectRef>
-          <a:fontRef idx="minor">
-            <a:schemeClr val="lt1"/>
-          </a:fontRef>
-        </p:style>
-        <p:txBody>
-          <a:bodyPr rtlCol="0" anchor="ctr"/>
-          <a:lstStyle/>
-          <a:p>
-            <a:pPr algn="ctr"/>
-            <a:endParaRPr lang="fr-CA"/>
-          </a:p>
-        </p:txBody>
-      </p:sp>
-      <p:sp>
-        <p:nvSpPr>
-          <p:cNvPr id="10" name="TextBox 9">
-            <a:extLst>
-              <a:ext uri="{FF2B5EF4-FFF2-40B4-BE49-F238E27FC236}">
-                <a16:creationId xmlns:a16="http://schemas.microsoft.com/office/drawing/2014/main" id="{07F59E78-E509-4746-A9F6-C6FEF4D3885C}"/>
-              </a:ext>
-            </a:extLst>
-          </p:cNvPr>
-          <p:cNvSpPr txBox="1"/>
-          <p:nvPr/>
-        </p:nvSpPr>
-        <p:spPr>
-          <a:xfrm>
-            <a:off x="4873549" y="2579947"/>
-            <a:ext cx="1508426" cy="646331"/>
-          </a:xfrm>
-          <a:prstGeom prst="rect">
-            <a:avLst/>
-          </a:prstGeom>
-          <a:noFill/>
-        </p:spPr>
-        <p:txBody>
-          <a:bodyPr wrap="none" rtlCol="0">
-            <a:spAutoFit/>
-          </a:bodyPr>
-          <a:lstStyle/>
-          <a:p>
-            <a:pPr algn="ctr"/>
-            <a:r>
-              <a:rPr lang="en-CA" dirty="0"/>
-              <a:t>Babel compile</a:t>
-            </a:r>
-          </a:p>
-          <a:p>
-            <a:pPr algn="ctr"/>
-            <a:r>
-              <a:rPr lang="en-CA" dirty="0"/>
-              <a:t>into</a:t>
-            </a:r>
-            <a:endParaRPr lang="fr-CA" dirty="0"/>
-          </a:p>
-        </p:txBody>
-      </p:sp>
-      <p:sp>
-        <p:nvSpPr>
-          <p:cNvPr id="11" name="TextBox 10">
-            <a:extLst>
-              <a:ext uri="{FF2B5EF4-FFF2-40B4-BE49-F238E27FC236}">
-                <a16:creationId xmlns:a16="http://schemas.microsoft.com/office/drawing/2014/main" id="{2CA924B6-49D9-45BA-AE2E-66A6D9D4A9D0}"/>
-              </a:ext>
-            </a:extLst>
-          </p:cNvPr>
-          <p:cNvSpPr txBox="1"/>
-          <p:nvPr/>
-        </p:nvSpPr>
-        <p:spPr>
-          <a:xfrm>
-            <a:off x="8919992" y="4182437"/>
-            <a:ext cx="2433808" cy="369332"/>
-          </a:xfrm>
-          <a:prstGeom prst="rect">
-            <a:avLst/>
-          </a:prstGeom>
-          <a:noFill/>
-        </p:spPr>
-        <p:txBody>
-          <a:bodyPr wrap="none" rtlCol="0">
-            <a:spAutoFit/>
-          </a:bodyPr>
-          <a:lstStyle/>
-          <a:p>
-            <a:r>
-              <a:rPr lang="en-CA" dirty="0"/>
-              <a:t>Create </a:t>
-            </a:r>
-            <a:r>
-              <a:rPr lang="en-CA" dirty="0" err="1"/>
-              <a:t>Javascript</a:t>
-            </a:r>
-            <a:r>
-              <a:rPr lang="en-CA" dirty="0"/>
-              <a:t> Object</a:t>
-            </a:r>
-            <a:endParaRPr lang="fr-CA" dirty="0"/>
+            <a:pPr marL="0" indent="0">
+              <a:buNone/>
+            </a:pPr>
+            <a:r>
+              <a:rPr lang="fr-CA" dirty="0"/>
+              <a:t>(exemple avec &amp;&amp;)</a:t>
+            </a:r>
           </a:p>
         </p:txBody>
       </p:sp>
     </p:spTree>
     <p:extLst>
       <p:ext uri="{BB962C8B-B14F-4D97-AF65-F5344CB8AC3E}">
-        <p14:creationId xmlns:p14="http://schemas.microsoft.com/office/powerpoint/2010/main" val="1557852361"/>
+        <p14:creationId xmlns:p14="http://schemas.microsoft.com/office/powerpoint/2010/main" val="3813690672"/>
       </p:ext>
     </p:extLst>
   </p:cSld>
@@ -7413,7 +8476,7 @@
           <p:cNvPr id="2" name="Title 1">
             <a:extLst>
               <a:ext uri="{FF2B5EF4-FFF2-40B4-BE49-F238E27FC236}">
-                <a16:creationId xmlns:a16="http://schemas.microsoft.com/office/drawing/2014/main" id="{F7945AEA-6232-4670-B53E-ADC28E9CE141}"/>
+                <a16:creationId xmlns:a16="http://schemas.microsoft.com/office/drawing/2014/main" id="{3EB37C4C-211B-4FDF-A37C-72633CAD4A13}"/>
               </a:ext>
             </a:extLst>
           </p:cNvPr>
@@ -7430,45 +8493,590 @@
           <a:lstStyle/>
           <a:p>
             <a:r>
-              <a:rPr lang="en-CA" dirty="0" err="1"/>
-              <a:t>Pourquoi</a:t>
-            </a:r>
-            <a:r>
-              <a:rPr lang="en-CA" dirty="0"/>
-              <a:t> un Virtual DOM</a:t>
-            </a:r>
-          </a:p>
-        </p:txBody>
-      </p:sp>
-      <p:sp>
-        <p:nvSpPr>
-          <p:cNvPr id="3" name="Content Placeholder 2">
-            <a:extLst>
-              <a:ext uri="{FF2B5EF4-FFF2-40B4-BE49-F238E27FC236}">
-                <a16:creationId xmlns:a16="http://schemas.microsoft.com/office/drawing/2014/main" id="{8FCB3598-4DA2-4E4D-80F2-A3033D71AC47}"/>
-              </a:ext>
-            </a:extLst>
-          </p:cNvPr>
-          <p:cNvSpPr>
-            <a:spLocks noGrp="1"/>
-          </p:cNvSpPr>
-          <p:nvPr>
-            <p:ph idx="1"/>
-          </p:nvPr>
-        </p:nvSpPr>
-        <p:spPr/>
-        <p:txBody>
-          <a:bodyPr/>
+              <a:rPr lang="fr-CA" dirty="0" err="1"/>
+              <a:t>React</a:t>
+            </a:r>
+            <a:r>
+              <a:rPr lang="fr-CA" dirty="0"/>
+              <a:t> </a:t>
+            </a:r>
+            <a:r>
+              <a:rPr lang="fr-CA" dirty="0" err="1"/>
+              <a:t>Element</a:t>
+            </a:r>
+            <a:endParaRPr lang="en-CA" dirty="0"/>
+          </a:p>
+        </p:txBody>
+      </p:sp>
+      <p:pic>
+        <p:nvPicPr>
+          <p:cNvPr id="7" name="Picture 6">
+            <a:extLst>
+              <a:ext uri="{FF2B5EF4-FFF2-40B4-BE49-F238E27FC236}">
+                <a16:creationId xmlns:a16="http://schemas.microsoft.com/office/drawing/2014/main" id="{A01F941D-AE33-4B03-8443-DFDC644BBB6E}"/>
+              </a:ext>
+            </a:extLst>
+          </p:cNvPr>
+          <p:cNvPicPr>
+            <a:picLocks noChangeAspect="1"/>
+          </p:cNvPicPr>
+          <p:nvPr/>
+        </p:nvPicPr>
+        <p:blipFill>
+          <a:blip r:embed="rId2"/>
+          <a:stretch>
+            <a:fillRect/>
+          </a:stretch>
+        </p:blipFill>
+        <p:spPr>
+          <a:xfrm>
+            <a:off x="838200" y="1637578"/>
+            <a:ext cx="2553536" cy="1421308"/>
+          </a:xfrm>
+          <a:prstGeom prst="rect">
+            <a:avLst/>
+          </a:prstGeom>
+        </p:spPr>
+      </p:pic>
+      <p:sp>
+        <p:nvSpPr>
+          <p:cNvPr id="9" name="TextBox 8">
+            <a:extLst>
+              <a:ext uri="{FF2B5EF4-FFF2-40B4-BE49-F238E27FC236}">
+                <a16:creationId xmlns:a16="http://schemas.microsoft.com/office/drawing/2014/main" id="{A9D9BC85-534A-4403-8C39-6C3C361C60BA}"/>
+              </a:ext>
+            </a:extLst>
+          </p:cNvPr>
+          <p:cNvSpPr txBox="1"/>
+          <p:nvPr/>
+        </p:nvSpPr>
+        <p:spPr>
+          <a:xfrm>
+            <a:off x="684888" y="6116519"/>
+            <a:ext cx="4345223" cy="461665"/>
+          </a:xfrm>
+          <a:prstGeom prst="rect">
+            <a:avLst/>
+          </a:prstGeom>
+          <a:noFill/>
+        </p:spPr>
+        <p:txBody>
+          <a:bodyPr wrap="square" rtlCol="0">
+            <a:spAutoFit/>
+          </a:bodyPr>
           <a:lstStyle/>
           <a:p>
-            <a:endParaRPr lang="en-CA"/>
-          </a:p>
-        </p:txBody>
-      </p:sp>
+            <a:r>
+              <a:rPr lang="fr-CA" sz="2400" dirty="0"/>
+              <a:t>Démo: « 2-react-element.html »</a:t>
+            </a:r>
+          </a:p>
+        </p:txBody>
+      </p:sp>
+      <p:graphicFrame>
+        <p:nvGraphicFramePr>
+          <p:cNvPr id="3" name="Table 2">
+            <a:extLst>
+              <a:ext uri="{FF2B5EF4-FFF2-40B4-BE49-F238E27FC236}">
+                <a16:creationId xmlns:a16="http://schemas.microsoft.com/office/drawing/2014/main" id="{BD9F84DB-3859-4823-B8CD-692FF070D357}"/>
+              </a:ext>
+            </a:extLst>
+          </p:cNvPr>
+          <p:cNvGraphicFramePr>
+            <a:graphicFrameLocks noGrp="1"/>
+          </p:cNvGraphicFramePr>
+          <p:nvPr>
+            <p:extLst>
+              <p:ext uri="{D42A27DB-BD31-4B8C-83A1-F6EECF244321}">
+                <p14:modId xmlns:p14="http://schemas.microsoft.com/office/powerpoint/2010/main" val="2283334769"/>
+              </p:ext>
+            </p:extLst>
+          </p:nvPr>
+        </p:nvGraphicFramePr>
+        <p:xfrm>
+          <a:off x="5453743" y="1666240"/>
+          <a:ext cx="6458857" cy="4028440"/>
+        </p:xfrm>
+        <a:graphic>
+          <a:graphicData uri="http://schemas.openxmlformats.org/drawingml/2006/table">
+            <a:tbl>
+              <a:tblPr firstRow="1" bandRow="1">
+                <a:tableStyleId>{5C22544A-7EE6-4342-B048-85BDC9FD1C3A}</a:tableStyleId>
+              </a:tblPr>
+              <a:tblGrid>
+                <a:gridCol w="2155371">
+                  <a:extLst>
+                    <a:ext uri="{9D8B030D-6E8A-4147-A177-3AD203B41FA5}">
+                      <a16:colId xmlns:a16="http://schemas.microsoft.com/office/drawing/2014/main" val="4222515365"/>
+                    </a:ext>
+                  </a:extLst>
+                </a:gridCol>
+                <a:gridCol w="4303486">
+                  <a:extLst>
+                    <a:ext uri="{9D8B030D-6E8A-4147-A177-3AD203B41FA5}">
+                      <a16:colId xmlns:a16="http://schemas.microsoft.com/office/drawing/2014/main" val="3872575451"/>
+                    </a:ext>
+                  </a:extLst>
+                </a:gridCol>
+              </a:tblGrid>
+              <a:tr h="370840">
+                <a:tc>
+                  <a:txBody>
+                    <a:bodyPr/>
+                    <a:lstStyle/>
+                    <a:p>
+                      <a:r>
+                        <a:rPr lang="fr-CA" dirty="0" err="1"/>
+                        <a:t>Property</a:t>
+                      </a:r>
+                      <a:r>
+                        <a:rPr lang="fr-CA" dirty="0"/>
+                        <a:t> Name</a:t>
+                      </a:r>
+                    </a:p>
+                  </a:txBody>
+                  <a:tcPr/>
+                </a:tc>
+                <a:tc>
+                  <a:txBody>
+                    <a:bodyPr/>
+                    <a:lstStyle/>
+                    <a:p>
+                      <a:r>
+                        <a:rPr lang="fr-CA" dirty="0"/>
+                        <a:t>Description</a:t>
+                      </a:r>
+                    </a:p>
+                  </a:txBody>
+                  <a:tcPr/>
+                </a:tc>
+                <a:extLst>
+                  <a:ext uri="{0D108BD9-81ED-4DB2-BD59-A6C34878D82A}">
+                    <a16:rowId xmlns:a16="http://schemas.microsoft.com/office/drawing/2014/main" val="1394859493"/>
+                  </a:ext>
+                </a:extLst>
+              </a:tr>
+              <a:tr h="370840">
+                <a:tc>
+                  <a:txBody>
+                    <a:bodyPr/>
+                    <a:lstStyle/>
+                    <a:p>
+                      <a:r>
+                        <a:rPr lang="fr-CA" dirty="0"/>
+                        <a:t>Key</a:t>
+                      </a:r>
+                    </a:p>
+                  </a:txBody>
+                  <a:tcPr/>
+                </a:tc>
+                <a:tc>
+                  <a:txBody>
+                    <a:bodyPr/>
+                    <a:lstStyle/>
+                    <a:p>
+                      <a:r>
+                        <a:rPr lang="fr-CA" dirty="0" err="1"/>
+                        <a:t>Uniquely</a:t>
+                      </a:r>
+                      <a:r>
+                        <a:rPr lang="fr-CA" dirty="0"/>
+                        <a:t> </a:t>
+                      </a:r>
+                      <a:r>
+                        <a:rPr lang="fr-CA" dirty="0" err="1"/>
+                        <a:t>identity</a:t>
+                      </a:r>
+                      <a:r>
+                        <a:rPr lang="fr-CA" dirty="0"/>
+                        <a:t> a </a:t>
+                      </a:r>
+                      <a:r>
+                        <a:rPr lang="fr-CA" dirty="0" err="1"/>
+                        <a:t>React</a:t>
+                      </a:r>
+                      <a:r>
+                        <a:rPr lang="fr-CA" dirty="0"/>
+                        <a:t> </a:t>
+                      </a:r>
+                      <a:r>
+                        <a:rPr lang="fr-CA" dirty="0" err="1"/>
+                        <a:t>elements</a:t>
+                      </a:r>
+                      <a:r>
+                        <a:rPr lang="fr-CA" dirty="0"/>
+                        <a:t> </a:t>
+                      </a:r>
+                      <a:r>
+                        <a:rPr lang="fr-CA" dirty="0" err="1"/>
+                        <a:t>withing</a:t>
+                      </a:r>
+                      <a:r>
+                        <a:rPr lang="fr-CA" dirty="0"/>
+                        <a:t> an </a:t>
+                      </a:r>
+                      <a:r>
+                        <a:rPr lang="fr-CA" dirty="0" err="1"/>
+                        <a:t>array</a:t>
+                      </a:r>
+                      <a:r>
+                        <a:rPr lang="fr-CA" dirty="0"/>
+                        <a:t> of the </a:t>
+                      </a:r>
+                      <a:r>
+                        <a:rPr lang="fr-CA" dirty="0" err="1"/>
+                        <a:t>same</a:t>
+                      </a:r>
+                      <a:r>
+                        <a:rPr lang="fr-CA" dirty="0"/>
+                        <a:t> type.</a:t>
+                      </a:r>
+                    </a:p>
+                  </a:txBody>
+                  <a:tcPr/>
+                </a:tc>
+                <a:extLst>
+                  <a:ext uri="{0D108BD9-81ED-4DB2-BD59-A6C34878D82A}">
+                    <a16:rowId xmlns:a16="http://schemas.microsoft.com/office/drawing/2014/main" val="2436484844"/>
+                  </a:ext>
+                </a:extLst>
+              </a:tr>
+              <a:tr h="370840">
+                <a:tc>
+                  <a:txBody>
+                    <a:bodyPr/>
+                    <a:lstStyle/>
+                    <a:p>
+                      <a:r>
+                        <a:rPr lang="fr-CA" dirty="0" err="1"/>
+                        <a:t>Props</a:t>
+                      </a:r>
+                      <a:endParaRPr lang="fr-CA" dirty="0"/>
+                    </a:p>
+                  </a:txBody>
+                  <a:tcPr/>
+                </a:tc>
+                <a:tc>
+                  <a:txBody>
+                    <a:bodyPr/>
+                    <a:lstStyle/>
+                    <a:p>
+                      <a:r>
+                        <a:rPr lang="fr-CA" dirty="0"/>
+                        <a:t>Mapping of all the </a:t>
+                      </a:r>
+                      <a:r>
+                        <a:rPr lang="fr-CA" dirty="0" err="1"/>
+                        <a:t>props</a:t>
+                      </a:r>
+                      <a:r>
+                        <a:rPr lang="fr-CA" dirty="0"/>
+                        <a:t> and values (</a:t>
+                      </a:r>
+                      <a:r>
+                        <a:rPr lang="fr-CA" dirty="0" err="1"/>
+                        <a:t>include</a:t>
+                      </a:r>
+                      <a:r>
+                        <a:rPr lang="fr-CA" dirty="0"/>
+                        <a:t> </a:t>
+                      </a:r>
+                      <a:r>
+                        <a:rPr lang="fr-CA" dirty="0" err="1"/>
+                        <a:t>children</a:t>
+                      </a:r>
+                      <a:r>
+                        <a:rPr lang="fr-CA" dirty="0"/>
+                        <a:t>)</a:t>
+                      </a:r>
+                    </a:p>
+                  </a:txBody>
+                  <a:tcPr/>
+                </a:tc>
+                <a:extLst>
+                  <a:ext uri="{0D108BD9-81ED-4DB2-BD59-A6C34878D82A}">
+                    <a16:rowId xmlns:a16="http://schemas.microsoft.com/office/drawing/2014/main" val="3752318723"/>
+                  </a:ext>
+                </a:extLst>
+              </a:tr>
+              <a:tr h="370840">
+                <a:tc>
+                  <a:txBody>
+                    <a:bodyPr/>
+                    <a:lstStyle/>
+                    <a:p>
+                      <a:r>
+                        <a:rPr lang="fr-CA" dirty="0" err="1"/>
+                        <a:t>Ref</a:t>
+                      </a:r>
+                      <a:endParaRPr lang="fr-CA" dirty="0"/>
+                    </a:p>
+                  </a:txBody>
+                  <a:tcPr/>
+                </a:tc>
+                <a:tc>
+                  <a:txBody>
+                    <a:bodyPr/>
+                    <a:lstStyle/>
+                    <a:p>
+                      <a:r>
+                        <a:rPr lang="fr-CA" dirty="0" err="1"/>
+                        <a:t>Property</a:t>
+                      </a:r>
+                      <a:r>
+                        <a:rPr lang="fr-CA" dirty="0"/>
+                        <a:t> </a:t>
+                      </a:r>
+                      <a:r>
+                        <a:rPr lang="fr-CA" dirty="0" err="1"/>
+                        <a:t>used</a:t>
+                      </a:r>
+                      <a:r>
+                        <a:rPr lang="fr-CA" dirty="0"/>
+                        <a:t> to </a:t>
+                      </a:r>
+                      <a:r>
+                        <a:rPr lang="fr-CA" dirty="0" err="1"/>
+                        <a:t>access</a:t>
+                      </a:r>
+                      <a:r>
+                        <a:rPr lang="fr-CA" dirty="0"/>
+                        <a:t> the </a:t>
+                      </a:r>
+                      <a:r>
+                        <a:rPr lang="fr-CA" dirty="0" err="1"/>
+                        <a:t>underlying</a:t>
+                      </a:r>
+                      <a:r>
+                        <a:rPr lang="fr-CA" dirty="0"/>
+                        <a:t> DOM </a:t>
+                      </a:r>
+                      <a:r>
+                        <a:rPr lang="fr-CA" dirty="0" err="1"/>
+                        <a:t>element</a:t>
+                      </a:r>
+                      <a:r>
+                        <a:rPr lang="fr-CA" dirty="0"/>
+                        <a:t>.</a:t>
+                      </a:r>
+                    </a:p>
+                    <a:p>
+                      <a:pPr marL="285750" indent="-285750">
+                        <a:buFont typeface="Arial" panose="020B0604020202020204" pitchFamily="34" charset="0"/>
+                        <a:buChar char="•"/>
+                      </a:pPr>
+                      <a:r>
+                        <a:rPr lang="fr-CA" dirty="0"/>
+                        <a:t>Set </a:t>
+                      </a:r>
+                      <a:r>
+                        <a:rPr lang="fr-CA" dirty="0" err="1"/>
+                        <a:t>when</a:t>
+                      </a:r>
+                      <a:r>
+                        <a:rPr lang="fr-CA" dirty="0"/>
+                        <a:t> </a:t>
+                      </a:r>
+                      <a:r>
+                        <a:rPr lang="fr-CA" dirty="0" err="1"/>
+                        <a:t>this</a:t>
+                      </a:r>
+                      <a:r>
+                        <a:rPr lang="fr-CA" dirty="0"/>
+                        <a:t> </a:t>
+                      </a:r>
+                      <a:r>
+                        <a:rPr lang="fr-CA" dirty="0" err="1"/>
+                        <a:t>ReactElement</a:t>
+                      </a:r>
+                      <a:r>
+                        <a:rPr lang="fr-CA" dirty="0"/>
+                        <a:t> </a:t>
+                      </a:r>
+                      <a:r>
+                        <a:rPr lang="fr-CA" dirty="0" err="1"/>
+                        <a:t>is</a:t>
+                      </a:r>
+                      <a:r>
+                        <a:rPr lang="fr-CA" dirty="0"/>
+                        <a:t> </a:t>
+                      </a:r>
+                      <a:r>
+                        <a:rPr lang="fr-CA" dirty="0" err="1"/>
+                        <a:t>rendered</a:t>
+                      </a:r>
+                      <a:endParaRPr lang="fr-CA" dirty="0"/>
+                    </a:p>
+                  </a:txBody>
+                  <a:tcPr/>
+                </a:tc>
+                <a:extLst>
+                  <a:ext uri="{0D108BD9-81ED-4DB2-BD59-A6C34878D82A}">
+                    <a16:rowId xmlns:a16="http://schemas.microsoft.com/office/drawing/2014/main" val="153830878"/>
+                  </a:ext>
+                </a:extLst>
+              </a:tr>
+              <a:tr h="370840">
+                <a:tc>
+                  <a:txBody>
+                    <a:bodyPr/>
+                    <a:lstStyle/>
+                    <a:p>
+                      <a:r>
+                        <a:rPr lang="fr-CA" dirty="0"/>
+                        <a:t>Type</a:t>
+                      </a:r>
+                    </a:p>
+                  </a:txBody>
+                  <a:tcPr/>
+                </a:tc>
+                <a:tc>
+                  <a:txBody>
+                    <a:bodyPr/>
+                    <a:lstStyle/>
+                    <a:p>
+                      <a:pPr marL="0" indent="0">
+                        <a:buFont typeface="Arial" panose="020B0604020202020204" pitchFamily="34" charset="0"/>
+                        <a:buNone/>
+                      </a:pPr>
+                      <a:r>
+                        <a:rPr lang="fr-CA" dirty="0"/>
+                        <a:t>Type of the </a:t>
+                      </a:r>
+                      <a:r>
+                        <a:rPr lang="fr-CA" dirty="0" err="1"/>
+                        <a:t>element</a:t>
+                      </a:r>
+                      <a:endParaRPr lang="fr-CA" dirty="0"/>
+                    </a:p>
+                    <a:p>
+                      <a:pPr marL="285750" indent="-285750">
+                        <a:buFont typeface="Arial" panose="020B0604020202020204" pitchFamily="34" charset="0"/>
+                        <a:buChar char="•"/>
+                      </a:pPr>
+                      <a:r>
+                        <a:rPr lang="fr-CA" dirty="0"/>
+                        <a:t>Tag </a:t>
+                      </a:r>
+                      <a:r>
+                        <a:rPr lang="fr-CA" dirty="0" err="1"/>
+                        <a:t>name</a:t>
+                      </a:r>
+                      <a:r>
+                        <a:rPr lang="fr-CA" dirty="0"/>
+                        <a:t> string (</a:t>
+                      </a:r>
+                      <a:r>
+                        <a:rPr lang="fr-CA" dirty="0" err="1"/>
+                        <a:t>i.e</a:t>
+                      </a:r>
+                      <a:r>
+                        <a:rPr lang="fr-CA" dirty="0"/>
+                        <a:t>: div, </a:t>
+                      </a:r>
+                      <a:r>
+                        <a:rPr lang="fr-CA" dirty="0" err="1"/>
+                        <a:t>span</a:t>
+                      </a:r>
+                      <a:r>
+                        <a:rPr lang="fr-CA" dirty="0"/>
+                        <a:t>)</a:t>
+                      </a:r>
+                    </a:p>
+                    <a:p>
+                      <a:pPr marL="285750" indent="-285750">
+                        <a:buFont typeface="Arial" panose="020B0604020202020204" pitchFamily="34" charset="0"/>
+                        <a:buChar char="•"/>
+                      </a:pPr>
+                      <a:r>
+                        <a:rPr lang="fr-CA" dirty="0" err="1"/>
+                        <a:t>React</a:t>
+                      </a:r>
+                      <a:r>
+                        <a:rPr lang="fr-CA" dirty="0"/>
+                        <a:t> Component (class or </a:t>
+                      </a:r>
+                      <a:r>
+                        <a:rPr lang="fr-CA" dirty="0" err="1"/>
+                        <a:t>function</a:t>
+                      </a:r>
+                      <a:r>
+                        <a:rPr lang="fr-CA" dirty="0"/>
+                        <a:t>)</a:t>
+                      </a:r>
+                    </a:p>
+                    <a:p>
+                      <a:pPr marL="285750" indent="-285750">
+                        <a:buFont typeface="Arial" panose="020B0604020202020204" pitchFamily="34" charset="0"/>
+                        <a:buChar char="•"/>
+                      </a:pPr>
+                      <a:r>
+                        <a:rPr lang="fr-CA" dirty="0" err="1"/>
+                        <a:t>React</a:t>
+                      </a:r>
+                      <a:r>
+                        <a:rPr lang="fr-CA" dirty="0"/>
+                        <a:t> Fragment</a:t>
+                      </a:r>
+                    </a:p>
+                    <a:p>
+                      <a:pPr marL="285750" indent="-285750">
+                        <a:buFont typeface="Arial" panose="020B0604020202020204" pitchFamily="34" charset="0"/>
+                        <a:buChar char="•"/>
+                      </a:pPr>
+                      <a:r>
+                        <a:rPr lang="fr-CA" dirty="0" err="1"/>
+                        <a:t>Bool</a:t>
+                      </a:r>
+                      <a:endParaRPr lang="fr-CA" dirty="0"/>
+                    </a:p>
+                  </a:txBody>
+                  <a:tcPr/>
+                </a:tc>
+                <a:extLst>
+                  <a:ext uri="{0D108BD9-81ED-4DB2-BD59-A6C34878D82A}">
+                    <a16:rowId xmlns:a16="http://schemas.microsoft.com/office/drawing/2014/main" val="3276912826"/>
+                  </a:ext>
+                </a:extLst>
+              </a:tr>
+            </a:tbl>
+          </a:graphicData>
+        </a:graphic>
+      </p:graphicFrame>
+      <p:pic>
+        <p:nvPicPr>
+          <p:cNvPr id="4" name="Picture 3">
+            <a:extLst>
+              <a:ext uri="{FF2B5EF4-FFF2-40B4-BE49-F238E27FC236}">
+                <a16:creationId xmlns:a16="http://schemas.microsoft.com/office/drawing/2014/main" id="{00190376-5E18-463C-89EA-67A5AFBA0E68}"/>
+              </a:ext>
+            </a:extLst>
+          </p:cNvPr>
+          <p:cNvPicPr>
+            <a:picLocks noChangeAspect="1"/>
+          </p:cNvPicPr>
+          <p:nvPr/>
+        </p:nvPicPr>
+        <p:blipFill>
+          <a:blip r:embed="rId3"/>
+          <a:stretch>
+            <a:fillRect/>
+          </a:stretch>
+        </p:blipFill>
+        <p:spPr>
+          <a:xfrm>
+            <a:off x="391913" y="3380736"/>
+            <a:ext cx="4931172" cy="2503714"/>
+          </a:xfrm>
+          <a:prstGeom prst="rect">
+            <a:avLst/>
+          </a:prstGeom>
+        </p:spPr>
+      </p:pic>
     </p:spTree>
     <p:extLst>
       <p:ext uri="{BB962C8B-B14F-4D97-AF65-F5344CB8AC3E}">
-        <p14:creationId xmlns:p14="http://schemas.microsoft.com/office/powerpoint/2010/main" val="2113963184"/>
+        <p14:creationId xmlns:p14="http://schemas.microsoft.com/office/powerpoint/2010/main" val="300338475"/>
       </p:ext>
     </p:extLst>
   </p:cSld>
@@ -7500,7 +9108,7 @@
           <p:cNvPr id="2" name="Title 1">
             <a:extLst>
               <a:ext uri="{FF2B5EF4-FFF2-40B4-BE49-F238E27FC236}">
-                <a16:creationId xmlns:a16="http://schemas.microsoft.com/office/drawing/2014/main" id="{57E6E8D8-113B-472E-BBEC-EE4A47A63F6E}"/>
+                <a16:creationId xmlns:a16="http://schemas.microsoft.com/office/drawing/2014/main" id="{D6D490E6-4965-494E-BF76-DFF0E69167B8}"/>
               </a:ext>
             </a:extLst>
           </p:cNvPr>
@@ -7518,11 +9126,11 @@
           <a:p>
             <a:r>
               <a:rPr lang="fr-CA" dirty="0"/>
-              <a:t>Component </a:t>
+              <a:t>Les différentes forme d’un </a:t>
             </a:r>
             <a:r>
               <a:rPr lang="fr-CA" dirty="0" err="1"/>
-              <a:t>LifeCycle</a:t>
+              <a:t>ReactElement</a:t>
             </a:r>
             <a:endParaRPr lang="fr-CA" dirty="0"/>
           </a:p>
@@ -7530,55 +9138,278 @@
       </p:sp>
       <p:pic>
         <p:nvPicPr>
-          <p:cNvPr id="2050" name="Picture 2" descr="Image result for react component lifecycle">
-            <a:extLst>
-              <a:ext uri="{FF2B5EF4-FFF2-40B4-BE49-F238E27FC236}">
-                <a16:creationId xmlns:a16="http://schemas.microsoft.com/office/drawing/2014/main" id="{8998ED41-0C91-47F3-858A-CA196907AB57}"/>
+          <p:cNvPr id="5" name="Picture 4">
+            <a:extLst>
+              <a:ext uri="{FF2B5EF4-FFF2-40B4-BE49-F238E27FC236}">
+                <a16:creationId xmlns:a16="http://schemas.microsoft.com/office/drawing/2014/main" id="{DF891E32-115A-4999-AAFB-8AD0DE454662}"/>
               </a:ext>
             </a:extLst>
           </p:cNvPr>
           <p:cNvPicPr>
-            <a:picLocks noChangeAspect="1" noChangeArrowheads="1"/>
+            <a:picLocks noChangeAspect="1"/>
           </p:cNvPicPr>
           <p:nvPr/>
         </p:nvPicPr>
         <p:blipFill>
-          <a:blip r:embed="rId2">
-            <a:extLst>
-              <a:ext uri="{28A0092B-C50C-407E-A947-70E740481C1C}">
-                <a14:useLocalDpi xmlns:a14="http://schemas.microsoft.com/office/drawing/2010/main" val="0"/>
-              </a:ext>
-            </a:extLst>
-          </a:blip>
-          <a:srcRect/>
+          <a:blip r:embed="rId2"/>
           <a:stretch>
             <a:fillRect/>
           </a:stretch>
         </p:blipFill>
-        <p:spPr bwMode="auto">
+        <p:spPr>
           <a:xfrm>
-            <a:off x="1358205" y="1588498"/>
-            <a:ext cx="8953081" cy="4904377"/>
+            <a:off x="1040556" y="2544361"/>
+            <a:ext cx="3849493" cy="1602763"/>
+          </a:xfrm>
+          <a:prstGeom prst="rect">
+            <a:avLst/>
+          </a:prstGeom>
+        </p:spPr>
+      </p:pic>
+      <p:pic>
+        <p:nvPicPr>
+          <p:cNvPr id="6" name="Picture 5">
+            <a:extLst>
+              <a:ext uri="{FF2B5EF4-FFF2-40B4-BE49-F238E27FC236}">
+                <a16:creationId xmlns:a16="http://schemas.microsoft.com/office/drawing/2014/main" id="{C6972F70-0B81-42AB-9D11-3AAE20384478}"/>
+              </a:ext>
+            </a:extLst>
+          </p:cNvPr>
+          <p:cNvPicPr>
+            <a:picLocks noChangeAspect="1"/>
+          </p:cNvPicPr>
+          <p:nvPr/>
+        </p:nvPicPr>
+        <p:blipFill>
+          <a:blip r:embed="rId3"/>
+          <a:stretch>
+            <a:fillRect/>
+          </a:stretch>
+        </p:blipFill>
+        <p:spPr>
+          <a:xfrm>
+            <a:off x="6325105" y="2544361"/>
+            <a:ext cx="4441555" cy="1602763"/>
+          </a:xfrm>
+          <a:prstGeom prst="rect">
+            <a:avLst/>
+          </a:prstGeom>
+        </p:spPr>
+      </p:pic>
+      <p:pic>
+        <p:nvPicPr>
+          <p:cNvPr id="7" name="Picture 6">
+            <a:extLst>
+              <a:ext uri="{FF2B5EF4-FFF2-40B4-BE49-F238E27FC236}">
+                <a16:creationId xmlns:a16="http://schemas.microsoft.com/office/drawing/2014/main" id="{520C0207-5746-4DF7-A6FA-D8C308FC33E1}"/>
+              </a:ext>
+            </a:extLst>
+          </p:cNvPr>
+          <p:cNvPicPr>
+            <a:picLocks noChangeAspect="1"/>
+          </p:cNvPicPr>
+          <p:nvPr/>
+        </p:nvPicPr>
+        <p:blipFill>
+          <a:blip r:embed="rId4"/>
+          <a:stretch>
+            <a:fillRect/>
+          </a:stretch>
+        </p:blipFill>
+        <p:spPr>
+          <a:xfrm>
+            <a:off x="6519068" y="4576618"/>
+            <a:ext cx="4072046" cy="1916257"/>
+          </a:xfrm>
+          <a:prstGeom prst="rect">
+            <a:avLst/>
+          </a:prstGeom>
+        </p:spPr>
+      </p:pic>
+      <p:sp>
+        <p:nvSpPr>
+          <p:cNvPr id="8" name="Arrow: Right 7">
+            <a:extLst>
+              <a:ext uri="{FF2B5EF4-FFF2-40B4-BE49-F238E27FC236}">
+                <a16:creationId xmlns:a16="http://schemas.microsoft.com/office/drawing/2014/main" id="{54E5E0F1-2B9D-40AF-8528-D4438701425A}"/>
+              </a:ext>
+            </a:extLst>
+          </p:cNvPr>
+          <p:cNvSpPr/>
+          <p:nvPr/>
+        </p:nvSpPr>
+        <p:spPr>
+          <a:xfrm>
+            <a:off x="5188332" y="3075709"/>
+            <a:ext cx="951345" cy="582015"/>
+          </a:xfrm>
+          <a:prstGeom prst="rightArrow">
+            <a:avLst/>
+          </a:prstGeom>
+        </p:spPr>
+        <p:style>
+          <a:lnRef idx="2">
+            <a:schemeClr val="accent1">
+              <a:shade val="50000"/>
+            </a:schemeClr>
+          </a:lnRef>
+          <a:fillRef idx="1">
+            <a:schemeClr val="accent1"/>
+          </a:fillRef>
+          <a:effectRef idx="0">
+            <a:schemeClr val="accent1"/>
+          </a:effectRef>
+          <a:fontRef idx="minor">
+            <a:schemeClr val="lt1"/>
+          </a:fontRef>
+        </p:style>
+        <p:txBody>
+          <a:bodyPr rtlCol="0" anchor="ctr"/>
+          <a:lstStyle/>
+          <a:p>
+            <a:pPr algn="ctr"/>
+            <a:endParaRPr lang="fr-CA"/>
+          </a:p>
+        </p:txBody>
+      </p:sp>
+      <p:sp>
+        <p:nvSpPr>
+          <p:cNvPr id="9" name="Arrow: Down 8">
+            <a:extLst>
+              <a:ext uri="{FF2B5EF4-FFF2-40B4-BE49-F238E27FC236}">
+                <a16:creationId xmlns:a16="http://schemas.microsoft.com/office/drawing/2014/main" id="{6B5F24F7-B10F-4CC8-8345-E8DE74C00667}"/>
+              </a:ext>
+            </a:extLst>
+          </p:cNvPr>
+          <p:cNvSpPr/>
+          <p:nvPr/>
+        </p:nvSpPr>
+        <p:spPr>
+          <a:xfrm>
+            <a:off x="8156594" y="4247161"/>
+            <a:ext cx="679508" cy="239884"/>
+          </a:xfrm>
+          <a:prstGeom prst="downArrow">
+            <a:avLst/>
+          </a:prstGeom>
+        </p:spPr>
+        <p:style>
+          <a:lnRef idx="2">
+            <a:schemeClr val="accent1">
+              <a:shade val="50000"/>
+            </a:schemeClr>
+          </a:lnRef>
+          <a:fillRef idx="1">
+            <a:schemeClr val="accent1"/>
+          </a:fillRef>
+          <a:effectRef idx="0">
+            <a:schemeClr val="accent1"/>
+          </a:effectRef>
+          <a:fontRef idx="minor">
+            <a:schemeClr val="lt1"/>
+          </a:fontRef>
+        </p:style>
+        <p:txBody>
+          <a:bodyPr rtlCol="0" anchor="ctr"/>
+          <a:lstStyle/>
+          <a:p>
+            <a:pPr algn="ctr"/>
+            <a:endParaRPr lang="fr-CA"/>
+          </a:p>
+        </p:txBody>
+      </p:sp>
+      <p:sp>
+        <p:nvSpPr>
+          <p:cNvPr id="10" name="TextBox 9">
+            <a:extLst>
+              <a:ext uri="{FF2B5EF4-FFF2-40B4-BE49-F238E27FC236}">
+                <a16:creationId xmlns:a16="http://schemas.microsoft.com/office/drawing/2014/main" id="{07F59E78-E509-4746-A9F6-C6FEF4D3885C}"/>
+              </a:ext>
+            </a:extLst>
+          </p:cNvPr>
+          <p:cNvSpPr txBox="1"/>
+          <p:nvPr/>
+        </p:nvSpPr>
+        <p:spPr>
+          <a:xfrm>
+            <a:off x="4873549" y="2579947"/>
+            <a:ext cx="1508426" cy="646331"/>
           </a:xfrm>
           <a:prstGeom prst="rect">
             <a:avLst/>
           </a:prstGeom>
           <a:noFill/>
-          <a:extLst>
-            <a:ext uri="{909E8E84-426E-40DD-AFC4-6F175D3DCCD1}">
-              <a14:hiddenFill xmlns:a14="http://schemas.microsoft.com/office/drawing/2010/main">
-                <a:solidFill>
-                  <a:srgbClr val="FFFFFF"/>
-                </a:solidFill>
-              </a14:hiddenFill>
-            </a:ext>
-          </a:extLst>
         </p:spPr>
-      </p:pic>
+        <p:txBody>
+          <a:bodyPr wrap="none" rtlCol="0">
+            <a:spAutoFit/>
+          </a:bodyPr>
+          <a:lstStyle/>
+          <a:p>
+            <a:pPr algn="ctr"/>
+            <a:r>
+              <a:rPr lang="en-CA" dirty="0"/>
+              <a:t>Babel compile</a:t>
+            </a:r>
+          </a:p>
+          <a:p>
+            <a:pPr algn="ctr"/>
+            <a:r>
+              <a:rPr lang="en-CA" dirty="0"/>
+              <a:t>into</a:t>
+            </a:r>
+            <a:endParaRPr lang="fr-CA" dirty="0"/>
+          </a:p>
+        </p:txBody>
+      </p:sp>
+      <p:sp>
+        <p:nvSpPr>
+          <p:cNvPr id="11" name="TextBox 10">
+            <a:extLst>
+              <a:ext uri="{FF2B5EF4-FFF2-40B4-BE49-F238E27FC236}">
+                <a16:creationId xmlns:a16="http://schemas.microsoft.com/office/drawing/2014/main" id="{2CA924B6-49D9-45BA-AE2E-66A6D9D4A9D0}"/>
+              </a:ext>
+            </a:extLst>
+          </p:cNvPr>
+          <p:cNvSpPr txBox="1"/>
+          <p:nvPr/>
+        </p:nvSpPr>
+        <p:spPr>
+          <a:xfrm>
+            <a:off x="8919992" y="4182437"/>
+            <a:ext cx="2433808" cy="369332"/>
+          </a:xfrm>
+          <a:prstGeom prst="rect">
+            <a:avLst/>
+          </a:prstGeom>
+          <a:noFill/>
+        </p:spPr>
+        <p:txBody>
+          <a:bodyPr wrap="none" rtlCol="0">
+            <a:spAutoFit/>
+          </a:bodyPr>
+          <a:lstStyle/>
+          <a:p>
+            <a:r>
+              <a:rPr lang="en-CA" dirty="0"/>
+              <a:t>Create </a:t>
+            </a:r>
+            <a:r>
+              <a:rPr lang="en-CA" dirty="0" err="1"/>
+              <a:t>Javascript</a:t>
+            </a:r>
+            <a:r>
+              <a:rPr lang="en-CA" dirty="0"/>
+              <a:t> Object</a:t>
+            </a:r>
+            <a:endParaRPr lang="fr-CA" dirty="0"/>
+          </a:p>
+        </p:txBody>
+      </p:sp>
     </p:spTree>
     <p:extLst>
       <p:ext uri="{BB962C8B-B14F-4D97-AF65-F5344CB8AC3E}">
-        <p14:creationId xmlns:p14="http://schemas.microsoft.com/office/powerpoint/2010/main" val="1561951365"/>
+        <p14:creationId xmlns:p14="http://schemas.microsoft.com/office/powerpoint/2010/main" val="1557852361"/>
       </p:ext>
     </p:extLst>
   </p:cSld>
@@ -7610,7 +9441,7 @@
           <p:cNvPr id="2" name="Title 1">
             <a:extLst>
               <a:ext uri="{FF2B5EF4-FFF2-40B4-BE49-F238E27FC236}">
-                <a16:creationId xmlns:a16="http://schemas.microsoft.com/office/drawing/2014/main" id="{AA65C3F0-8428-48AE-8FBA-78CC105C44CA}"/>
+                <a16:creationId xmlns:a16="http://schemas.microsoft.com/office/drawing/2014/main" id="{BE95ADAF-2D8C-4EDF-A618-0FE8DF774B90}"/>
               </a:ext>
             </a:extLst>
           </p:cNvPr>
@@ -7628,515 +9459,93 @@
           <a:p>
             <a:r>
               <a:rPr lang="fr-CA" dirty="0"/>
-              <a:t>How and </a:t>
+              <a:t>Virtual DOM</a:t>
+            </a:r>
+          </a:p>
+        </p:txBody>
+      </p:sp>
+      <p:sp>
+        <p:nvSpPr>
+          <p:cNvPr id="3" name="Content Placeholder 2">
+            <a:extLst>
+              <a:ext uri="{FF2B5EF4-FFF2-40B4-BE49-F238E27FC236}">
+                <a16:creationId xmlns:a16="http://schemas.microsoft.com/office/drawing/2014/main" id="{E82A03AC-F91E-4F6E-9AB8-A9BF5BD051B7}"/>
+              </a:ext>
+            </a:extLst>
+          </p:cNvPr>
+          <p:cNvSpPr>
+            <a:spLocks noGrp="1"/>
+          </p:cNvSpPr>
+          <p:nvPr>
+            <p:ph idx="1"/>
+          </p:nvPr>
+        </p:nvSpPr>
+        <p:spPr/>
+        <p:txBody>
+          <a:bodyPr/>
+          <a:lstStyle/>
+          <a:p>
+            <a:pPr marL="285750" indent="-285750"/>
+            <a:r>
+              <a:rPr lang="fr-CA" dirty="0"/>
+              <a:t>Virtual DOM est une abstraction du HTML DOM, découplé des détails d’implémentation du browser</a:t>
+            </a:r>
+          </a:p>
+          <a:p>
+            <a:pPr marL="285750" indent="-285750"/>
+            <a:r>
+              <a:rPr lang="fr-CA" dirty="0"/>
+              <a:t>Arbre de </a:t>
             </a:r>
             <a:r>
               <a:rPr lang="fr-CA" dirty="0" err="1"/>
-              <a:t>When</a:t>
-            </a:r>
-            <a:r>
-              <a:rPr lang="fr-CA" dirty="0"/>
-              <a:t> use </a:t>
+              <a:t>ReactElement</a:t>
+            </a:r>
+            <a:endParaRPr lang="fr-CA" dirty="0"/>
+          </a:p>
+          <a:p>
+            <a:pPr marL="285750" indent="-285750"/>
+            <a:r>
+              <a:rPr lang="fr-CA" dirty="0"/>
+              <a:t>La méthode </a:t>
             </a:r>
             <a:r>
               <a:rPr lang="fr-CA" dirty="0" err="1"/>
-              <a:t>lifecycle</a:t>
-            </a:r>
-            <a:r>
-              <a:rPr lang="fr-CA" dirty="0"/>
-              <a:t> </a:t>
+              <a:t>React.Render</a:t>
+            </a:r>
+            <a:r>
+              <a:rPr lang="fr-CA" dirty="0"/>
+              <a:t>() transforme le </a:t>
             </a:r>
             <a:r>
               <a:rPr lang="fr-CA" dirty="0" err="1"/>
-              <a:t>method</a:t>
-            </a:r>
+              <a:t>reactElement</a:t>
+            </a:r>
+            <a:r>
+              <a:rPr lang="fr-CA" dirty="0"/>
+              <a:t> en </a:t>
+            </a:r>
+            <a:r>
+              <a:rPr lang="fr-CA" dirty="0" err="1"/>
+              <a:t>node</a:t>
+            </a:r>
+            <a:r>
+              <a:rPr lang="fr-CA" dirty="0"/>
+              <a:t> propre à la plateforme (web ou native)</a:t>
+            </a:r>
+          </a:p>
+          <a:p>
+            <a:pPr marL="0" indent="0">
+              <a:buNone/>
+            </a:pPr>
             <a:endParaRPr lang="fr-CA" dirty="0"/>
           </a:p>
         </p:txBody>
       </p:sp>
-      <p:graphicFrame>
-        <p:nvGraphicFramePr>
-          <p:cNvPr id="4" name="Content Placeholder 3">
-            <a:extLst>
-              <a:ext uri="{FF2B5EF4-FFF2-40B4-BE49-F238E27FC236}">
-                <a16:creationId xmlns:a16="http://schemas.microsoft.com/office/drawing/2014/main" id="{205428AB-9D70-4678-A192-863BBE998C77}"/>
-              </a:ext>
-            </a:extLst>
-          </p:cNvPr>
-          <p:cNvGraphicFramePr>
-            <a:graphicFrameLocks noGrp="1"/>
-          </p:cNvGraphicFramePr>
-          <p:nvPr>
-            <p:ph idx="1"/>
-            <p:extLst>
-              <p:ext uri="{D42A27DB-BD31-4B8C-83A1-F6EECF244321}">
-                <p14:modId xmlns:p14="http://schemas.microsoft.com/office/powerpoint/2010/main" val="2103627486"/>
-              </p:ext>
-            </p:extLst>
-          </p:nvPr>
-        </p:nvGraphicFramePr>
-        <p:xfrm>
-          <a:off x="117230" y="1453528"/>
-          <a:ext cx="11957539" cy="5038234"/>
-        </p:xfrm>
-        <a:graphic>
-          <a:graphicData uri="http://schemas.openxmlformats.org/drawingml/2006/table">
-            <a:tbl>
-              <a:tblPr firstRow="1" bandRow="1">
-                <a:tableStyleId>{5C22544A-7EE6-4342-B048-85BDC9FD1C3A}</a:tableStyleId>
-              </a:tblPr>
-              <a:tblGrid>
-                <a:gridCol w="4245793">
-                  <a:extLst>
-                    <a:ext uri="{9D8B030D-6E8A-4147-A177-3AD203B41FA5}">
-                      <a16:colId xmlns:a16="http://schemas.microsoft.com/office/drawing/2014/main" val="181093278"/>
-                    </a:ext>
-                  </a:extLst>
-                </a:gridCol>
-                <a:gridCol w="7711746">
-                  <a:extLst>
-                    <a:ext uri="{9D8B030D-6E8A-4147-A177-3AD203B41FA5}">
-                      <a16:colId xmlns:a16="http://schemas.microsoft.com/office/drawing/2014/main" val="209439746"/>
-                    </a:ext>
-                  </a:extLst>
-                </a:gridCol>
-              </a:tblGrid>
-              <a:tr h="694940">
-                <a:tc>
-                  <a:txBody>
-                    <a:bodyPr/>
-                    <a:lstStyle/>
-                    <a:p>
-                      <a:r>
-                        <a:rPr lang="fr-CA" dirty="0"/>
-                        <a:t>Méthode du </a:t>
-                      </a:r>
-                      <a:r>
-                        <a:rPr lang="fr-CA" dirty="0" err="1"/>
-                        <a:t>lifecyle</a:t>
-                      </a:r>
-                      <a:endParaRPr lang="fr-CA" dirty="0"/>
-                    </a:p>
-                  </a:txBody>
-                  <a:tcPr/>
-                </a:tc>
-                <a:tc>
-                  <a:txBody>
-                    <a:bodyPr/>
-                    <a:lstStyle/>
-                    <a:p>
-                      <a:r>
-                        <a:rPr lang="fr-CA" dirty="0"/>
-                        <a:t>Détails</a:t>
-                      </a:r>
-                    </a:p>
-                  </a:txBody>
-                  <a:tcPr/>
-                </a:tc>
-                <a:extLst>
-                  <a:ext uri="{0D108BD9-81ED-4DB2-BD59-A6C34878D82A}">
-                    <a16:rowId xmlns:a16="http://schemas.microsoft.com/office/drawing/2014/main" val="3691666161"/>
-                  </a:ext>
-                </a:extLst>
-              </a:tr>
-              <a:tr h="549012">
-                <a:tc>
-                  <a:txBody>
-                    <a:bodyPr/>
-                    <a:lstStyle/>
-                    <a:p>
-                      <a:r>
-                        <a:rPr lang="fr-CA" dirty="0" err="1"/>
-                        <a:t>render</a:t>
-                      </a:r>
-                      <a:r>
-                        <a:rPr lang="fr-CA" dirty="0"/>
-                        <a:t>()</a:t>
-                      </a:r>
-                    </a:p>
-                  </a:txBody>
-                  <a:tcPr/>
-                </a:tc>
-                <a:tc>
-                  <a:txBody>
-                    <a:bodyPr/>
-                    <a:lstStyle/>
-                    <a:p>
-                      <a:pPr marL="285750" indent="-285750">
-                        <a:buFont typeface="Arial" panose="020B0604020202020204" pitchFamily="34" charset="0"/>
-                        <a:buChar char="•"/>
-                      </a:pPr>
-                      <a:r>
-                        <a:rPr lang="fr-CA" dirty="0"/>
-                        <a:t>Retourne un </a:t>
-                      </a:r>
-                      <a:r>
-                        <a:rPr lang="fr-CA" dirty="0" err="1"/>
-                        <a:t>reactElement</a:t>
-                      </a:r>
-                      <a:endParaRPr lang="fr-CA" dirty="0"/>
-                    </a:p>
-                  </a:txBody>
-                  <a:tcPr/>
-                </a:tc>
-                <a:extLst>
-                  <a:ext uri="{0D108BD9-81ED-4DB2-BD59-A6C34878D82A}">
-                    <a16:rowId xmlns:a16="http://schemas.microsoft.com/office/drawing/2014/main" val="3049361081"/>
-                  </a:ext>
-                </a:extLst>
-              </a:tr>
-              <a:tr h="925528">
-                <a:tc>
-                  <a:txBody>
-                    <a:bodyPr/>
-                    <a:lstStyle/>
-                    <a:p>
-                      <a:r>
-                        <a:rPr lang="fr-CA" dirty="0" err="1"/>
-                        <a:t>componentDidMount</a:t>
-                      </a:r>
-                      <a:r>
-                        <a:rPr lang="fr-CA" dirty="0"/>
-                        <a:t>()</a:t>
-                      </a:r>
-                    </a:p>
-                  </a:txBody>
-                  <a:tcPr/>
-                </a:tc>
-                <a:tc>
-                  <a:txBody>
-                    <a:bodyPr/>
-                    <a:lstStyle/>
-                    <a:p>
-                      <a:pPr marL="285750" indent="-285750">
-                        <a:buFont typeface="Arial" panose="020B0604020202020204" pitchFamily="34" charset="0"/>
-                        <a:buChar char="•"/>
-                      </a:pPr>
-                      <a:r>
-                        <a:rPr lang="fr-CA" dirty="0"/>
-                        <a:t>Appelé 1 seul fois une fois que le component à été monter sur le DOM du browser</a:t>
-                      </a:r>
-                    </a:p>
-                    <a:p>
-                      <a:pPr marL="285750" indent="-285750">
-                        <a:buFont typeface="Arial" panose="020B0604020202020204" pitchFamily="34" charset="0"/>
-                        <a:buChar char="•"/>
-                      </a:pPr>
-                      <a:r>
-                        <a:rPr lang="fr-CA" dirty="0"/>
-                        <a:t>Endroit idéal pour faire </a:t>
-                      </a:r>
-                      <a:r>
-                        <a:rPr lang="fr-CA" dirty="0" err="1"/>
-                        <a:t>fetch</a:t>
-                      </a:r>
-                      <a:r>
-                        <a:rPr lang="fr-CA" dirty="0"/>
-                        <a:t> de data</a:t>
-                      </a:r>
-                    </a:p>
-                  </a:txBody>
-                  <a:tcPr/>
-                </a:tc>
-                <a:extLst>
-                  <a:ext uri="{0D108BD9-81ED-4DB2-BD59-A6C34878D82A}">
-                    <a16:rowId xmlns:a16="http://schemas.microsoft.com/office/drawing/2014/main" val="2293805067"/>
-                  </a:ext>
-                </a:extLst>
-              </a:tr>
-              <a:tr h="869534">
-                <a:tc>
-                  <a:txBody>
-                    <a:bodyPr/>
-                    <a:lstStyle/>
-                    <a:p>
-                      <a:r>
-                        <a:rPr lang="fr-CA" dirty="0" err="1"/>
-                        <a:t>shouldComponentUpdate</a:t>
-                      </a:r>
-                      <a:r>
-                        <a:rPr lang="fr-CA" dirty="0"/>
-                        <a:t>(</a:t>
-                      </a:r>
-                      <a:r>
-                        <a:rPr lang="fr-CA" dirty="0" err="1"/>
-                        <a:t>nextProps</a:t>
-                      </a:r>
-                      <a:r>
-                        <a:rPr lang="fr-CA" dirty="0"/>
-                        <a:t>, </a:t>
-                      </a:r>
-                      <a:r>
-                        <a:rPr lang="fr-CA" dirty="0" err="1"/>
-                        <a:t>nextState</a:t>
-                      </a:r>
-                      <a:r>
-                        <a:rPr lang="fr-CA" dirty="0"/>
-                        <a:t>)</a:t>
-                      </a:r>
-                    </a:p>
-                  </a:txBody>
-                  <a:tcPr/>
-                </a:tc>
-                <a:tc>
-                  <a:txBody>
-                    <a:bodyPr/>
-                    <a:lstStyle/>
-                    <a:p>
-                      <a:pPr marL="285750" indent="-285750">
-                        <a:buFont typeface="Arial" panose="020B0604020202020204" pitchFamily="34" charset="0"/>
-                        <a:buChar char="•"/>
-                      </a:pPr>
-                      <a:r>
-                        <a:rPr lang="fr-CA" dirty="0"/>
-                        <a:t>Indique s’il est nécessaire d’effectuer un nouveau </a:t>
-                      </a:r>
-                      <a:r>
-                        <a:rPr lang="fr-CA" dirty="0" err="1"/>
-                        <a:t>render</a:t>
-                      </a:r>
-                      <a:r>
-                        <a:rPr lang="fr-CA" dirty="0"/>
-                        <a:t> </a:t>
-                      </a:r>
-                    </a:p>
-                    <a:p>
-                      <a:pPr marL="285750" indent="-285750">
-                        <a:buFont typeface="Arial" panose="020B0604020202020204" pitchFamily="34" charset="0"/>
-                        <a:buChar char="•"/>
-                      </a:pPr>
-                      <a:r>
-                        <a:rPr lang="fr-CA" dirty="0"/>
-                        <a:t>Retourne un </a:t>
-                      </a:r>
-                      <a:r>
-                        <a:rPr lang="fr-CA" dirty="0" err="1"/>
-                        <a:t>bool</a:t>
-                      </a:r>
-                      <a:endParaRPr lang="fr-CA" dirty="0"/>
-                    </a:p>
-                    <a:p>
-                      <a:pPr marL="285750" indent="-285750">
-                        <a:buFont typeface="Arial" panose="020B0604020202020204" pitchFamily="34" charset="0"/>
-                        <a:buChar char="•"/>
-                      </a:pPr>
-                      <a:r>
-                        <a:rPr lang="fr-CA" dirty="0" err="1"/>
-                        <a:t>React.Component</a:t>
-                      </a:r>
-                      <a:r>
-                        <a:rPr lang="fr-CA" dirty="0"/>
-                        <a:t> retourne </a:t>
-                      </a:r>
-                      <a:r>
-                        <a:rPr lang="fr-CA" dirty="0" err="1"/>
-                        <a:t>true</a:t>
-                      </a:r>
-                      <a:r>
-                        <a:rPr lang="fr-CA" dirty="0"/>
-                        <a:t> par défaut</a:t>
-                      </a:r>
-                    </a:p>
-                  </a:txBody>
-                  <a:tcPr/>
-                </a:tc>
-                <a:extLst>
-                  <a:ext uri="{0D108BD9-81ED-4DB2-BD59-A6C34878D82A}">
-                    <a16:rowId xmlns:a16="http://schemas.microsoft.com/office/drawing/2014/main" val="738618961"/>
-                  </a:ext>
-                </a:extLst>
-              </a:tr>
-              <a:tr h="754870">
-                <a:tc>
-                  <a:txBody>
-                    <a:bodyPr/>
-                    <a:lstStyle/>
-                    <a:p>
-                      <a:r>
-                        <a:rPr lang="fr-CA" dirty="0" err="1"/>
-                        <a:t>componentDidUpdate</a:t>
-                      </a:r>
-                      <a:r>
-                        <a:rPr lang="fr-CA" dirty="0"/>
-                        <a:t>(</a:t>
-                      </a:r>
-                      <a:r>
-                        <a:rPr lang="fr-CA" dirty="0" err="1"/>
-                        <a:t>prevProps</a:t>
-                      </a:r>
-                      <a:r>
-                        <a:rPr lang="fr-CA" dirty="0"/>
-                        <a:t>, </a:t>
-                      </a:r>
-                      <a:r>
-                        <a:rPr lang="fr-CA" dirty="0" err="1"/>
-                        <a:t>prevState</a:t>
-                      </a:r>
-                      <a:r>
-                        <a:rPr lang="fr-CA" dirty="0"/>
-                        <a:t>, snapshot)</a:t>
-                      </a:r>
-                    </a:p>
-                  </a:txBody>
-                  <a:tcPr/>
-                </a:tc>
-                <a:tc>
-                  <a:txBody>
-                    <a:bodyPr/>
-                    <a:lstStyle/>
-                    <a:p>
-                      <a:pPr marL="285750" indent="-285750">
-                        <a:buFont typeface="Arial" panose="020B0604020202020204" pitchFamily="34" charset="0"/>
-                        <a:buChar char="•"/>
-                      </a:pPr>
-                      <a:r>
-                        <a:rPr lang="fr-CA" dirty="0"/>
-                        <a:t>À utiliser de façon similaire à </a:t>
-                      </a:r>
-                      <a:r>
-                        <a:rPr lang="fr-CA" dirty="0" err="1"/>
-                        <a:t>componentDidMount</a:t>
-                      </a:r>
-                      <a:r>
-                        <a:rPr lang="fr-CA" dirty="0"/>
-                        <a:t>()</a:t>
-                      </a:r>
-                    </a:p>
-                    <a:p>
-                      <a:pPr marL="285750" indent="-285750">
-                        <a:buFont typeface="Arial" panose="020B0604020202020204" pitchFamily="34" charset="0"/>
-                        <a:buChar char="•"/>
-                      </a:pPr>
-                      <a:r>
-                        <a:rPr lang="fr-CA" dirty="0"/>
-                        <a:t>Si on utilise </a:t>
-                      </a:r>
-                      <a:r>
-                        <a:rPr lang="fr-CA" dirty="0" err="1"/>
-                        <a:t>setState</a:t>
-                      </a:r>
-                      <a:r>
-                        <a:rPr lang="fr-CA" dirty="0"/>
-                        <a:t>, mettre une condition sinon boucle </a:t>
-                      </a:r>
-                      <a:r>
-                        <a:rPr lang="fr-CA" dirty="0" err="1"/>
-                        <a:t>infinit</a:t>
-                      </a:r>
-                      <a:endParaRPr lang="fr-CA" dirty="0"/>
-                    </a:p>
-                  </a:txBody>
-                  <a:tcPr/>
-                </a:tc>
-                <a:extLst>
-                  <a:ext uri="{0D108BD9-81ED-4DB2-BD59-A6C34878D82A}">
-                    <a16:rowId xmlns:a16="http://schemas.microsoft.com/office/drawing/2014/main" val="7677006"/>
-                  </a:ext>
-                </a:extLst>
-              </a:tr>
-              <a:tr h="1199484">
-                <a:tc>
-                  <a:txBody>
-                    <a:bodyPr/>
-                    <a:lstStyle/>
-                    <a:p>
-                      <a:r>
-                        <a:rPr lang="fr-CA" dirty="0" err="1"/>
-                        <a:t>componentWillUnmount</a:t>
-                      </a:r>
-                      <a:r>
-                        <a:rPr lang="fr-CA" dirty="0"/>
-                        <a:t>()</a:t>
-                      </a:r>
-                    </a:p>
-                  </a:txBody>
-                  <a:tcPr/>
-                </a:tc>
-                <a:tc>
-                  <a:txBody>
-                    <a:bodyPr/>
-                    <a:lstStyle/>
-                    <a:p>
-                      <a:pPr marL="285750" indent="-285750">
-                        <a:buFont typeface="Arial" panose="020B0604020202020204" pitchFamily="34" charset="0"/>
-                        <a:buChar char="•"/>
-                      </a:pPr>
-                      <a:r>
-                        <a:rPr lang="fr-CA" dirty="0"/>
-                        <a:t>Avant qu’il soit </a:t>
-                      </a:r>
-                      <a:r>
-                        <a:rPr lang="fr-CA" dirty="0" err="1"/>
-                        <a:t>unmount</a:t>
-                      </a:r>
-                      <a:r>
-                        <a:rPr lang="fr-CA" dirty="0"/>
-                        <a:t> du DOM </a:t>
-                      </a:r>
-                    </a:p>
-                    <a:p>
-                      <a:pPr marL="285750" indent="-285750">
-                        <a:buFont typeface="Arial" panose="020B0604020202020204" pitchFamily="34" charset="0"/>
-                        <a:buChar char="•"/>
-                      </a:pPr>
-                      <a:r>
-                        <a:rPr lang="fr-CA" dirty="0"/>
-                        <a:t>Ne pas utiliser </a:t>
-                      </a:r>
-                      <a:r>
-                        <a:rPr lang="fr-CA" dirty="0" err="1"/>
-                        <a:t>setState</a:t>
-                      </a:r>
-                      <a:endParaRPr lang="fr-CA" dirty="0"/>
-                    </a:p>
-                    <a:p>
-                      <a:pPr marL="285750" indent="-285750">
-                        <a:buFont typeface="Arial" panose="020B0604020202020204" pitchFamily="34" charset="0"/>
-                        <a:buChar char="•"/>
-                      </a:pPr>
-                      <a:r>
-                        <a:rPr lang="fr-CA" dirty="0"/>
-                        <a:t>Endroit pour nettoyer les </a:t>
-                      </a:r>
-                      <a:r>
-                        <a:rPr lang="fr-CA" dirty="0" err="1"/>
-                        <a:t>timers</a:t>
-                      </a:r>
-                      <a:r>
-                        <a:rPr lang="fr-CA" dirty="0"/>
-                        <a:t>, process et </a:t>
-                      </a:r>
-                      <a:r>
-                        <a:rPr lang="fr-CA" dirty="0" err="1"/>
-                        <a:t>event</a:t>
-                      </a:r>
-                      <a:r>
-                        <a:rPr lang="fr-CA" dirty="0"/>
-                        <a:t> </a:t>
-                      </a:r>
-                      <a:r>
-                        <a:rPr lang="fr-CA" dirty="0" err="1"/>
-                        <a:t>listeners</a:t>
-                      </a:r>
-                      <a:endParaRPr lang="fr-CA" dirty="0"/>
-                    </a:p>
-                  </a:txBody>
-                  <a:tcPr/>
-                </a:tc>
-                <a:extLst>
-                  <a:ext uri="{0D108BD9-81ED-4DB2-BD59-A6C34878D82A}">
-                    <a16:rowId xmlns:a16="http://schemas.microsoft.com/office/drawing/2014/main" val="3437331998"/>
-                  </a:ext>
-                </a:extLst>
-              </a:tr>
-            </a:tbl>
-          </a:graphicData>
-        </a:graphic>
-      </p:graphicFrame>
     </p:spTree>
     <p:extLst>
       <p:ext uri="{BB962C8B-B14F-4D97-AF65-F5344CB8AC3E}">
-        <p14:creationId xmlns:p14="http://schemas.microsoft.com/office/powerpoint/2010/main" val="1204436758"/>
+        <p14:creationId xmlns:p14="http://schemas.microsoft.com/office/powerpoint/2010/main" val="915098683"/>
       </p:ext>
     </p:extLst>
   </p:cSld>

--- a/part-2/React-Perfo.pptx
+++ b/part-2/React-Perfo.pptx
@@ -5,26 +5,32 @@
     <p:sldMasterId id="2147483648" r:id="rId1"/>
   </p:sldMasterIdLst>
   <p:notesMasterIdLst>
-    <p:notesMasterId r:id="rId19"/>
+    <p:notesMasterId r:id="rId25"/>
   </p:notesMasterIdLst>
   <p:sldIdLst>
     <p:sldId id="256" r:id="rId2"/>
-    <p:sldId id="258" r:id="rId3"/>
-    <p:sldId id="259" r:id="rId4"/>
-    <p:sldId id="257" r:id="rId5"/>
-    <p:sldId id="260" r:id="rId6"/>
-    <p:sldId id="263" r:id="rId7"/>
-    <p:sldId id="261" r:id="rId8"/>
-    <p:sldId id="269" r:id="rId9"/>
-    <p:sldId id="270" r:id="rId10"/>
-    <p:sldId id="271" r:id="rId11"/>
-    <p:sldId id="262" r:id="rId12"/>
-    <p:sldId id="267" r:id="rId13"/>
-    <p:sldId id="264" r:id="rId14"/>
-    <p:sldId id="265" r:id="rId15"/>
-    <p:sldId id="266" r:id="rId16"/>
-    <p:sldId id="268" r:id="rId17"/>
-    <p:sldId id="272" r:id="rId18"/>
+    <p:sldId id="273" r:id="rId3"/>
+    <p:sldId id="258" r:id="rId4"/>
+    <p:sldId id="259" r:id="rId5"/>
+    <p:sldId id="257" r:id="rId6"/>
+    <p:sldId id="260" r:id="rId7"/>
+    <p:sldId id="263" r:id="rId8"/>
+    <p:sldId id="261" r:id="rId9"/>
+    <p:sldId id="275" r:id="rId10"/>
+    <p:sldId id="276" r:id="rId11"/>
+    <p:sldId id="269" r:id="rId12"/>
+    <p:sldId id="270" r:id="rId13"/>
+    <p:sldId id="271" r:id="rId14"/>
+    <p:sldId id="262" r:id="rId15"/>
+    <p:sldId id="267" r:id="rId16"/>
+    <p:sldId id="264" r:id="rId17"/>
+    <p:sldId id="265" r:id="rId18"/>
+    <p:sldId id="266" r:id="rId19"/>
+    <p:sldId id="274" r:id="rId20"/>
+    <p:sldId id="268" r:id="rId21"/>
+    <p:sldId id="278" r:id="rId22"/>
+    <p:sldId id="272" r:id="rId23"/>
+    <p:sldId id="277" r:id="rId24"/>
   </p:sldIdLst>
   <p:sldSz cx="12192000" cy="6858000"/>
   <p:notesSz cx="6858000" cy="9144000"/>
@@ -213,7 +219,7 @@
           <a:p>
             <a:fld id="{DAFD8366-78F6-4B3C-B44B-186B48A03637}" type="datetimeFigureOut">
               <a:rPr lang="en-CA" smtClean="0"/>
-              <a:t>2019-02-09</a:t>
+              <a:t>20/02/2019</a:t>
             </a:fld>
             <a:endParaRPr lang="en-CA"/>
           </a:p>
@@ -555,7 +561,7 @@
           <a:p>
             <a:fld id="{4611314A-80A0-4876-B1A5-EEE650CBF79F}" type="slidenum">
               <a:rPr lang="en-CA" smtClean="0"/>
-              <a:t>3</a:t>
+              <a:t>4</a:t>
             </a:fld>
             <a:endParaRPr lang="en-CA"/>
           </a:p>
@@ -618,10 +624,38 @@
           <a:bodyPr/>
           <a:lstStyle/>
           <a:p>
-            <a:r>
-              <a:rPr lang="fr-CA" dirty="0"/>
-              <a:t>https://medium.com/@elinahovakimyan/react-16-lifecycles-explained-ea3b2f7ffd2a</a:t>
-            </a:r>
+            <a:pPr marL="0" marR="0" lvl="0" indent="0" algn="l" defTabSz="914400" rtl="0" eaLnBrk="1" fontAlgn="auto" latinLnBrk="0" hangingPunct="1">
+              <a:lnSpc>
+                <a:spcPct val="100000"/>
+              </a:lnSpc>
+              <a:spcBef>
+                <a:spcPts val="0"/>
+              </a:spcBef>
+              <a:spcAft>
+                <a:spcPts val="0"/>
+              </a:spcAft>
+              <a:buClrTx/>
+              <a:buSzTx/>
+              <a:buFontTx/>
+              <a:buNone/>
+              <a:tabLst/>
+              <a:defRPr/>
+            </a:pPr>
+            <a:r>
+              <a:rPr lang="fr-CA" dirty="0"/>
+              <a:t>https://hackernoon.com/virtual-dom-in-reactjs-43a3fdb1d130 (</a:t>
+            </a:r>
+            <a:r>
+              <a:rPr lang="fr-CA" dirty="0" err="1"/>
+              <a:t>vrm</a:t>
+            </a:r>
+            <a:r>
+              <a:rPr lang="fr-CA" dirty="0"/>
+              <a:t> bon!)</a:t>
+            </a:r>
+          </a:p>
+          <a:p>
+            <a:endParaRPr lang="fr-CA" dirty="0"/>
           </a:p>
         </p:txBody>
       </p:sp>
@@ -642,7 +676,7 @@
           <a:p>
             <a:fld id="{4611314A-80A0-4876-B1A5-EEE650CBF79F}" type="slidenum">
               <a:rPr lang="en-CA" smtClean="0"/>
-              <a:t>9</a:t>
+              <a:t>8</a:t>
             </a:fld>
             <a:endParaRPr lang="en-CA"/>
           </a:p>
@@ -651,7 +685,7 @@
     </p:spTree>
     <p:extLst>
       <p:ext uri="{BB962C8B-B14F-4D97-AF65-F5344CB8AC3E}">
-        <p14:creationId xmlns:p14="http://schemas.microsoft.com/office/powerpoint/2010/main" val="4247930852"/>
+        <p14:creationId xmlns:p14="http://schemas.microsoft.com/office/powerpoint/2010/main" val="1803902072"/>
       </p:ext>
     </p:extLst>
   </p:cSld>
@@ -706,6 +740,275 @@
           <a:lstStyle/>
           <a:p>
             <a:r>
+              <a:rPr lang="fr-CA" dirty="0"/>
+              <a:t>https://hackernoon.com/virtual-dom-in-reactjs-43a3fdb1d130 (</a:t>
+            </a:r>
+            <a:r>
+              <a:rPr lang="fr-CA" dirty="0" err="1"/>
+              <a:t>vrm</a:t>
+            </a:r>
+            <a:r>
+              <a:rPr lang="fr-CA" dirty="0"/>
+              <a:t> bon!)</a:t>
+            </a:r>
+          </a:p>
+        </p:txBody>
+      </p:sp>
+      <p:sp>
+        <p:nvSpPr>
+          <p:cNvPr id="4" name="Slide Number Placeholder 3"/>
+          <p:cNvSpPr>
+            <a:spLocks noGrp="1"/>
+          </p:cNvSpPr>
+          <p:nvPr>
+            <p:ph type="sldNum" sz="quarter" idx="5"/>
+          </p:nvPr>
+        </p:nvSpPr>
+        <p:spPr/>
+        <p:txBody>
+          <a:bodyPr/>
+          <a:lstStyle/>
+          <a:p>
+            <a:fld id="{4611314A-80A0-4876-B1A5-EEE650CBF79F}" type="slidenum">
+              <a:rPr lang="en-CA" smtClean="0"/>
+              <a:t>9</a:t>
+            </a:fld>
+            <a:endParaRPr lang="en-CA"/>
+          </a:p>
+        </p:txBody>
+      </p:sp>
+    </p:spTree>
+    <p:extLst>
+      <p:ext uri="{BB962C8B-B14F-4D97-AF65-F5344CB8AC3E}">
+        <p14:creationId xmlns:p14="http://schemas.microsoft.com/office/powerpoint/2010/main" val="3005792947"/>
+      </p:ext>
+    </p:extLst>
+  </p:cSld>
+  <p:clrMapOvr>
+    <a:masterClrMapping/>
+  </p:clrMapOvr>
+</p:notes>
+</file>
+
+<file path=ppt/notesSlides/notesSlide4.xml><?xml version="1.0" encoding="utf-8"?>
+<p:notes xmlns:a="http://schemas.openxmlformats.org/drawingml/2006/main" xmlns:r="http://schemas.openxmlformats.org/officeDocument/2006/relationships" xmlns:p="http://schemas.openxmlformats.org/presentationml/2006/main">
+  <p:cSld>
+    <p:spTree>
+      <p:nvGrpSpPr>
+        <p:cNvPr id="1" name=""/>
+        <p:cNvGrpSpPr/>
+        <p:nvPr/>
+      </p:nvGrpSpPr>
+      <p:grpSpPr>
+        <a:xfrm>
+          <a:off x="0" y="0"/>
+          <a:ext cx="0" cy="0"/>
+          <a:chOff x="0" y="0"/>
+          <a:chExt cx="0" cy="0"/>
+        </a:xfrm>
+      </p:grpSpPr>
+      <p:sp>
+        <p:nvSpPr>
+          <p:cNvPr id="2" name="Slide Image Placeholder 1"/>
+          <p:cNvSpPr>
+            <a:spLocks noGrp="1" noRot="1" noChangeAspect="1"/>
+          </p:cNvSpPr>
+          <p:nvPr>
+            <p:ph type="sldImg"/>
+          </p:nvPr>
+        </p:nvSpPr>
+        <p:spPr/>
+      </p:sp>
+      <p:sp>
+        <p:nvSpPr>
+          <p:cNvPr id="3" name="Notes Placeholder 2"/>
+          <p:cNvSpPr>
+            <a:spLocks noGrp="1"/>
+          </p:cNvSpPr>
+          <p:nvPr>
+            <p:ph type="body" idx="1"/>
+          </p:nvPr>
+        </p:nvSpPr>
+        <p:spPr/>
+        <p:txBody>
+          <a:bodyPr/>
+          <a:lstStyle/>
+          <a:p>
+            <a:r>
+              <a:rPr lang="fr-CA" dirty="0"/>
+              <a:t>https://develoger.com/shadow-dom-virtual-dom-889bf78ce701</a:t>
+            </a:r>
+          </a:p>
+        </p:txBody>
+      </p:sp>
+      <p:sp>
+        <p:nvSpPr>
+          <p:cNvPr id="4" name="Slide Number Placeholder 3"/>
+          <p:cNvSpPr>
+            <a:spLocks noGrp="1"/>
+          </p:cNvSpPr>
+          <p:nvPr>
+            <p:ph type="sldNum" sz="quarter" idx="5"/>
+          </p:nvPr>
+        </p:nvSpPr>
+        <p:spPr/>
+        <p:txBody>
+          <a:bodyPr/>
+          <a:lstStyle/>
+          <a:p>
+            <a:fld id="{4611314A-80A0-4876-B1A5-EEE650CBF79F}" type="slidenum">
+              <a:rPr lang="en-CA" smtClean="0"/>
+              <a:t>10</a:t>
+            </a:fld>
+            <a:endParaRPr lang="en-CA"/>
+          </a:p>
+        </p:txBody>
+      </p:sp>
+    </p:spTree>
+    <p:extLst>
+      <p:ext uri="{BB962C8B-B14F-4D97-AF65-F5344CB8AC3E}">
+        <p14:creationId xmlns:p14="http://schemas.microsoft.com/office/powerpoint/2010/main" val="3857077570"/>
+      </p:ext>
+    </p:extLst>
+  </p:cSld>
+  <p:clrMapOvr>
+    <a:masterClrMapping/>
+  </p:clrMapOvr>
+</p:notes>
+</file>
+
+<file path=ppt/notesSlides/notesSlide5.xml><?xml version="1.0" encoding="utf-8"?>
+<p:notes xmlns:a="http://schemas.openxmlformats.org/drawingml/2006/main" xmlns:r="http://schemas.openxmlformats.org/officeDocument/2006/relationships" xmlns:p="http://schemas.openxmlformats.org/presentationml/2006/main">
+  <p:cSld>
+    <p:spTree>
+      <p:nvGrpSpPr>
+        <p:cNvPr id="1" name=""/>
+        <p:cNvGrpSpPr/>
+        <p:nvPr/>
+      </p:nvGrpSpPr>
+      <p:grpSpPr>
+        <a:xfrm>
+          <a:off x="0" y="0"/>
+          <a:ext cx="0" cy="0"/>
+          <a:chOff x="0" y="0"/>
+          <a:chExt cx="0" cy="0"/>
+        </a:xfrm>
+      </p:grpSpPr>
+      <p:sp>
+        <p:nvSpPr>
+          <p:cNvPr id="2" name="Slide Image Placeholder 1"/>
+          <p:cNvSpPr>
+            <a:spLocks noGrp="1" noRot="1" noChangeAspect="1"/>
+          </p:cNvSpPr>
+          <p:nvPr>
+            <p:ph type="sldImg"/>
+          </p:nvPr>
+        </p:nvSpPr>
+        <p:spPr/>
+      </p:sp>
+      <p:sp>
+        <p:nvSpPr>
+          <p:cNvPr id="3" name="Notes Placeholder 2"/>
+          <p:cNvSpPr>
+            <a:spLocks noGrp="1"/>
+          </p:cNvSpPr>
+          <p:nvPr>
+            <p:ph type="body" idx="1"/>
+          </p:nvPr>
+        </p:nvSpPr>
+        <p:spPr/>
+        <p:txBody>
+          <a:bodyPr/>
+          <a:lstStyle/>
+          <a:p>
+            <a:r>
+              <a:rPr lang="fr-CA" dirty="0"/>
+              <a:t>https://medium.com/@elinahovakimyan/react-16-lifecycles-explained-ea3b2f7ffd2a</a:t>
+            </a:r>
+          </a:p>
+        </p:txBody>
+      </p:sp>
+      <p:sp>
+        <p:nvSpPr>
+          <p:cNvPr id="4" name="Slide Number Placeholder 3"/>
+          <p:cNvSpPr>
+            <a:spLocks noGrp="1"/>
+          </p:cNvSpPr>
+          <p:nvPr>
+            <p:ph type="sldNum" sz="quarter" idx="5"/>
+          </p:nvPr>
+        </p:nvSpPr>
+        <p:spPr/>
+        <p:txBody>
+          <a:bodyPr/>
+          <a:lstStyle/>
+          <a:p>
+            <a:fld id="{4611314A-80A0-4876-B1A5-EEE650CBF79F}" type="slidenum">
+              <a:rPr lang="en-CA" smtClean="0"/>
+              <a:t>12</a:t>
+            </a:fld>
+            <a:endParaRPr lang="en-CA"/>
+          </a:p>
+        </p:txBody>
+      </p:sp>
+    </p:spTree>
+    <p:extLst>
+      <p:ext uri="{BB962C8B-B14F-4D97-AF65-F5344CB8AC3E}">
+        <p14:creationId xmlns:p14="http://schemas.microsoft.com/office/powerpoint/2010/main" val="4247930852"/>
+      </p:ext>
+    </p:extLst>
+  </p:cSld>
+  <p:clrMapOvr>
+    <a:masterClrMapping/>
+  </p:clrMapOvr>
+</p:notes>
+</file>
+
+<file path=ppt/notesSlides/notesSlide6.xml><?xml version="1.0" encoding="utf-8"?>
+<p:notes xmlns:a="http://schemas.openxmlformats.org/drawingml/2006/main" xmlns:r="http://schemas.openxmlformats.org/officeDocument/2006/relationships" xmlns:p="http://schemas.openxmlformats.org/presentationml/2006/main">
+  <p:cSld>
+    <p:spTree>
+      <p:nvGrpSpPr>
+        <p:cNvPr id="1" name=""/>
+        <p:cNvGrpSpPr/>
+        <p:nvPr/>
+      </p:nvGrpSpPr>
+      <p:grpSpPr>
+        <a:xfrm>
+          <a:off x="0" y="0"/>
+          <a:ext cx="0" cy="0"/>
+          <a:chOff x="0" y="0"/>
+          <a:chExt cx="0" cy="0"/>
+        </a:xfrm>
+      </p:grpSpPr>
+      <p:sp>
+        <p:nvSpPr>
+          <p:cNvPr id="2" name="Slide Image Placeholder 1"/>
+          <p:cNvSpPr>
+            <a:spLocks noGrp="1" noRot="1" noChangeAspect="1"/>
+          </p:cNvSpPr>
+          <p:nvPr>
+            <p:ph type="sldImg"/>
+          </p:nvPr>
+        </p:nvSpPr>
+        <p:spPr/>
+      </p:sp>
+      <p:sp>
+        <p:nvSpPr>
+          <p:cNvPr id="3" name="Notes Placeholder 2"/>
+          <p:cNvSpPr>
+            <a:spLocks noGrp="1"/>
+          </p:cNvSpPr>
+          <p:nvPr>
+            <p:ph type="body" idx="1"/>
+          </p:nvPr>
+        </p:nvSpPr>
+        <p:spPr/>
+        <p:txBody>
+          <a:bodyPr/>
+          <a:lstStyle/>
+          <a:p>
+            <a:r>
               <a:rPr lang="en-CA" dirty="0"/>
               <a:t>https://medium.com/@fay_jai/react-elements-vs-react-components-vs-component-backing-instances-14d42729f62</a:t>
             </a:r>
@@ -750,7 +1053,7 @@
           <a:p>
             <a:fld id="{4611314A-80A0-4876-B1A5-EEE650CBF79F}" type="slidenum">
               <a:rPr lang="en-CA" smtClean="0"/>
-              <a:t>11</a:t>
+              <a:t>14</a:t>
             </a:fld>
             <a:endParaRPr lang="en-CA"/>
           </a:p>
@@ -918,7 +1221,7 @@
           <a:p>
             <a:fld id="{F752A3F4-2F0B-4EDF-BB25-F54BA930C80F}" type="datetimeFigureOut">
               <a:rPr lang="en-CA" smtClean="0"/>
-              <a:t>2019-02-09</a:t>
+              <a:t>20/02/2019</a:t>
             </a:fld>
             <a:endParaRPr lang="en-CA"/>
           </a:p>
@@ -1118,7 +1421,7 @@
           <a:p>
             <a:fld id="{F752A3F4-2F0B-4EDF-BB25-F54BA930C80F}" type="datetimeFigureOut">
               <a:rPr lang="en-CA" smtClean="0"/>
-              <a:t>2019-02-09</a:t>
+              <a:t>20/02/2019</a:t>
             </a:fld>
             <a:endParaRPr lang="en-CA"/>
           </a:p>
@@ -1328,7 +1631,7 @@
           <a:p>
             <a:fld id="{F752A3F4-2F0B-4EDF-BB25-F54BA930C80F}" type="datetimeFigureOut">
               <a:rPr lang="en-CA" smtClean="0"/>
-              <a:t>2019-02-09</a:t>
+              <a:t>20/02/2019</a:t>
             </a:fld>
             <a:endParaRPr lang="en-CA"/>
           </a:p>
@@ -1528,7 +1831,7 @@
           <a:p>
             <a:fld id="{F752A3F4-2F0B-4EDF-BB25-F54BA930C80F}" type="datetimeFigureOut">
               <a:rPr lang="en-CA" smtClean="0"/>
-              <a:t>2019-02-09</a:t>
+              <a:t>20/02/2019</a:t>
             </a:fld>
             <a:endParaRPr lang="en-CA"/>
           </a:p>
@@ -1804,7 +2107,7 @@
           <a:p>
             <a:fld id="{F752A3F4-2F0B-4EDF-BB25-F54BA930C80F}" type="datetimeFigureOut">
               <a:rPr lang="en-CA" smtClean="0"/>
-              <a:t>2019-02-09</a:t>
+              <a:t>20/02/2019</a:t>
             </a:fld>
             <a:endParaRPr lang="en-CA"/>
           </a:p>
@@ -2072,7 +2375,7 @@
           <a:p>
             <a:fld id="{F752A3F4-2F0B-4EDF-BB25-F54BA930C80F}" type="datetimeFigureOut">
               <a:rPr lang="en-CA" smtClean="0"/>
-              <a:t>2019-02-09</a:t>
+              <a:t>20/02/2019</a:t>
             </a:fld>
             <a:endParaRPr lang="en-CA"/>
           </a:p>
@@ -2487,7 +2790,7 @@
           <a:p>
             <a:fld id="{F752A3F4-2F0B-4EDF-BB25-F54BA930C80F}" type="datetimeFigureOut">
               <a:rPr lang="en-CA" smtClean="0"/>
-              <a:t>2019-02-09</a:t>
+              <a:t>20/02/2019</a:t>
             </a:fld>
             <a:endParaRPr lang="en-CA"/>
           </a:p>
@@ -2629,7 +2932,7 @@
           <a:p>
             <a:fld id="{F752A3F4-2F0B-4EDF-BB25-F54BA930C80F}" type="datetimeFigureOut">
               <a:rPr lang="en-CA" smtClean="0"/>
-              <a:t>2019-02-09</a:t>
+              <a:t>20/02/2019</a:t>
             </a:fld>
             <a:endParaRPr lang="en-CA"/>
           </a:p>
@@ -2742,7 +3045,7 @@
           <a:p>
             <a:fld id="{F752A3F4-2F0B-4EDF-BB25-F54BA930C80F}" type="datetimeFigureOut">
               <a:rPr lang="en-CA" smtClean="0"/>
-              <a:t>2019-02-09</a:t>
+              <a:t>20/02/2019</a:t>
             </a:fld>
             <a:endParaRPr lang="en-CA"/>
           </a:p>
@@ -3055,7 +3358,7 @@
           <a:p>
             <a:fld id="{F752A3F4-2F0B-4EDF-BB25-F54BA930C80F}" type="datetimeFigureOut">
               <a:rPr lang="en-CA" smtClean="0"/>
-              <a:t>2019-02-09</a:t>
+              <a:t>20/02/2019</a:t>
             </a:fld>
             <a:endParaRPr lang="en-CA"/>
           </a:p>
@@ -3344,7 +3647,7 @@
           <a:p>
             <a:fld id="{F752A3F4-2F0B-4EDF-BB25-F54BA930C80F}" type="datetimeFigureOut">
               <a:rPr lang="en-CA" smtClean="0"/>
-              <a:t>2019-02-09</a:t>
+              <a:t>20/02/2019</a:t>
             </a:fld>
             <a:endParaRPr lang="en-CA"/>
           </a:p>
@@ -3587,7 +3890,7 @@
           <a:p>
             <a:fld id="{F752A3F4-2F0B-4EDF-BB25-F54BA930C80F}" type="datetimeFigureOut">
               <a:rPr lang="en-CA" smtClean="0"/>
-              <a:t>2019-02-09</a:t>
+              <a:t>20/02/2019</a:t>
             </a:fld>
             <a:endParaRPr lang="en-CA"/>
           </a:p>
@@ -4025,7 +4328,10 @@
           <a:bodyPr/>
           <a:lstStyle/>
           <a:p>
-            <a:endParaRPr lang="en-CA"/>
+            <a:r>
+              <a:rPr lang="en-CA" dirty="0"/>
+              <a:t>React 202</a:t>
+            </a:r>
           </a:p>
         </p:txBody>
       </p:sp>
@@ -4068,6 +4374,1100 @@
 </file>
 
 <file path=ppt/slides/slide10.xml><?xml version="1.0" encoding="utf-8"?>
+<p:sld xmlns:a="http://schemas.openxmlformats.org/drawingml/2006/main" xmlns:r="http://schemas.openxmlformats.org/officeDocument/2006/relationships" xmlns:p="http://schemas.openxmlformats.org/presentationml/2006/main">
+  <p:cSld>
+    <p:spTree>
+      <p:nvGrpSpPr>
+        <p:cNvPr id="1" name=""/>
+        <p:cNvGrpSpPr/>
+        <p:nvPr/>
+      </p:nvGrpSpPr>
+      <p:grpSpPr>
+        <a:xfrm>
+          <a:off x="0" y="0"/>
+          <a:ext cx="0" cy="0"/>
+          <a:chOff x="0" y="0"/>
+          <a:chExt cx="0" cy="0"/>
+        </a:xfrm>
+      </p:grpSpPr>
+      <p:sp>
+        <p:nvSpPr>
+          <p:cNvPr id="2" name="Title 1">
+            <a:extLst>
+              <a:ext uri="{FF2B5EF4-FFF2-40B4-BE49-F238E27FC236}">
+                <a16:creationId xmlns:a16="http://schemas.microsoft.com/office/drawing/2014/main" id="{3DD84B58-110D-4E64-9FDC-F84E33F9BC89}"/>
+              </a:ext>
+            </a:extLst>
+          </p:cNvPr>
+          <p:cNvSpPr>
+            <a:spLocks noGrp="1"/>
+          </p:cNvSpPr>
+          <p:nvPr>
+            <p:ph type="title"/>
+          </p:nvPr>
+        </p:nvSpPr>
+        <p:spPr/>
+        <p:txBody>
+          <a:bodyPr/>
+          <a:lstStyle/>
+          <a:p>
+            <a:r>
+              <a:rPr lang="fr-CA" dirty="0"/>
+              <a:t>Virtual DOM vs Shadow DOM</a:t>
+            </a:r>
+          </a:p>
+        </p:txBody>
+      </p:sp>
+      <p:graphicFrame>
+        <p:nvGraphicFramePr>
+          <p:cNvPr id="4" name="Content Placeholder 3">
+            <a:extLst>
+              <a:ext uri="{FF2B5EF4-FFF2-40B4-BE49-F238E27FC236}">
+                <a16:creationId xmlns:a16="http://schemas.microsoft.com/office/drawing/2014/main" id="{1ED3BD92-AE75-4AA8-9D79-6CA720CD2002}"/>
+              </a:ext>
+            </a:extLst>
+          </p:cNvPr>
+          <p:cNvGraphicFramePr>
+            <a:graphicFrameLocks noGrp="1"/>
+          </p:cNvGraphicFramePr>
+          <p:nvPr>
+            <p:ph idx="1"/>
+            <p:extLst>
+              <p:ext uri="{D42A27DB-BD31-4B8C-83A1-F6EECF244321}">
+                <p14:modId xmlns:p14="http://schemas.microsoft.com/office/powerpoint/2010/main" val="4170139657"/>
+              </p:ext>
+            </p:extLst>
+          </p:nvPr>
+        </p:nvGraphicFramePr>
+        <p:xfrm>
+          <a:off x="444182" y="1379855"/>
+          <a:ext cx="11303635" cy="2199640"/>
+        </p:xfrm>
+        <a:graphic>
+          <a:graphicData uri="http://schemas.openxmlformats.org/drawingml/2006/table">
+            <a:tbl>
+              <a:tblPr firstRow="1" bandRow="1">
+                <a:tableStyleId>{5C22544A-7EE6-4342-B048-85BDC9FD1C3A}</a:tableStyleId>
+              </a:tblPr>
+              <a:tblGrid>
+                <a:gridCol w="6045835">
+                  <a:extLst>
+                    <a:ext uri="{9D8B030D-6E8A-4147-A177-3AD203B41FA5}">
+                      <a16:colId xmlns:a16="http://schemas.microsoft.com/office/drawing/2014/main" val="3340251221"/>
+                    </a:ext>
+                  </a:extLst>
+                </a:gridCol>
+                <a:gridCol w="5257800">
+                  <a:extLst>
+                    <a:ext uri="{9D8B030D-6E8A-4147-A177-3AD203B41FA5}">
+                      <a16:colId xmlns:a16="http://schemas.microsoft.com/office/drawing/2014/main" val="2007774257"/>
+                    </a:ext>
+                  </a:extLst>
+                </a:gridCol>
+              </a:tblGrid>
+              <a:tr h="370840">
+                <a:tc>
+                  <a:txBody>
+                    <a:bodyPr/>
+                    <a:lstStyle/>
+                    <a:p>
+                      <a:r>
+                        <a:rPr lang="fr-CA" dirty="0"/>
+                        <a:t>Virtual DOM</a:t>
+                      </a:r>
+                    </a:p>
+                  </a:txBody>
+                  <a:tcPr/>
+                </a:tc>
+                <a:tc>
+                  <a:txBody>
+                    <a:bodyPr/>
+                    <a:lstStyle/>
+                    <a:p>
+                      <a:r>
+                        <a:rPr lang="fr-CA" dirty="0" err="1"/>
+                        <a:t>Shadom</a:t>
+                      </a:r>
+                      <a:r>
+                        <a:rPr lang="fr-CA" dirty="0"/>
+                        <a:t> DOM</a:t>
+                      </a:r>
+                    </a:p>
+                  </a:txBody>
+                  <a:tcPr/>
+                </a:tc>
+                <a:extLst>
+                  <a:ext uri="{0D108BD9-81ED-4DB2-BD59-A6C34878D82A}">
+                    <a16:rowId xmlns:a16="http://schemas.microsoft.com/office/drawing/2014/main" val="2564165890"/>
+                  </a:ext>
+                </a:extLst>
+              </a:tr>
+              <a:tr h="370840">
+                <a:tc>
+                  <a:txBody>
+                    <a:bodyPr/>
+                    <a:lstStyle/>
+                    <a:p>
+                      <a:r>
+                        <a:rPr lang="fr-CA" dirty="0"/>
+                        <a:t>Full </a:t>
+                      </a:r>
+                      <a:r>
+                        <a:rPr lang="fr-CA" dirty="0" err="1"/>
+                        <a:t>representation</a:t>
+                      </a:r>
+                      <a:r>
+                        <a:rPr lang="fr-CA" dirty="0"/>
+                        <a:t> of the </a:t>
+                      </a:r>
+                      <a:r>
+                        <a:rPr lang="fr-CA" dirty="0" err="1"/>
+                        <a:t>actual</a:t>
+                      </a:r>
+                      <a:r>
+                        <a:rPr lang="fr-CA" dirty="0"/>
+                        <a:t> DOM</a:t>
+                      </a:r>
+                    </a:p>
+                    <a:p>
+                      <a:pPr marL="285750" indent="-285750">
+                        <a:buFont typeface="Arial" panose="020B0604020202020204" pitchFamily="34" charset="0"/>
+                        <a:buChar char="•"/>
+                      </a:pPr>
+                      <a:r>
+                        <a:rPr lang="fr-CA" dirty="0" err="1"/>
+                        <a:t>Implemented</a:t>
+                      </a:r>
+                      <a:r>
+                        <a:rPr lang="fr-CA" dirty="0"/>
+                        <a:t> by </a:t>
+                      </a:r>
+                      <a:r>
+                        <a:rPr lang="fr-CA" dirty="0" err="1"/>
+                        <a:t>library</a:t>
+                      </a:r>
+                      <a:r>
+                        <a:rPr lang="fr-CA" dirty="0"/>
+                        <a:t> like </a:t>
+                      </a:r>
+                      <a:r>
+                        <a:rPr lang="fr-CA" dirty="0" err="1"/>
+                        <a:t>React</a:t>
+                      </a:r>
+                      <a:r>
+                        <a:rPr lang="fr-CA" dirty="0"/>
+                        <a:t> and Vue.js</a:t>
+                      </a:r>
+                    </a:p>
+                  </a:txBody>
+                  <a:tcPr/>
+                </a:tc>
+                <a:tc>
+                  <a:txBody>
+                    <a:bodyPr/>
+                    <a:lstStyle/>
+                    <a:p>
+                      <a:r>
+                        <a:rPr lang="fr-CA" dirty="0" err="1"/>
+                        <a:t>Encapsulate</a:t>
+                      </a:r>
+                      <a:r>
+                        <a:rPr lang="fr-CA" dirty="0"/>
+                        <a:t> </a:t>
+                      </a:r>
+                      <a:r>
+                        <a:rPr lang="fr-CA" dirty="0" err="1"/>
+                        <a:t>implementation</a:t>
+                      </a:r>
+                      <a:r>
+                        <a:rPr lang="fr-CA" dirty="0"/>
+                        <a:t> of the web components.</a:t>
+                      </a:r>
+                    </a:p>
+                    <a:p>
+                      <a:pPr marL="285750" indent="-285750">
+                        <a:buFont typeface="Arial" panose="020B0604020202020204" pitchFamily="34" charset="0"/>
+                        <a:buChar char="•"/>
+                      </a:pPr>
+                      <a:r>
+                        <a:rPr lang="fr-CA" dirty="0" err="1"/>
+                        <a:t>Implemented</a:t>
+                      </a:r>
+                      <a:r>
+                        <a:rPr lang="fr-CA" dirty="0"/>
+                        <a:t> by the browser (https://caniuse.com/#feat=shadowdomv1)</a:t>
+                      </a:r>
+                    </a:p>
+                  </a:txBody>
+                  <a:tcPr/>
+                </a:tc>
+                <a:extLst>
+                  <a:ext uri="{0D108BD9-81ED-4DB2-BD59-A6C34878D82A}">
+                    <a16:rowId xmlns:a16="http://schemas.microsoft.com/office/drawing/2014/main" val="2608350049"/>
+                  </a:ext>
+                </a:extLst>
+              </a:tr>
+              <a:tr h="370840">
+                <a:tc>
+                  <a:txBody>
+                    <a:bodyPr/>
+                    <a:lstStyle/>
+                    <a:p>
+                      <a:pPr marL="0" indent="0">
+                        <a:buFont typeface="Arial" panose="020B0604020202020204" pitchFamily="34" charset="0"/>
+                        <a:buNone/>
+                      </a:pPr>
+                      <a:r>
+                        <a:rPr lang="fr-CA" dirty="0"/>
+                        <a:t>Goal: Performance</a:t>
+                      </a:r>
+                    </a:p>
+                    <a:p>
+                      <a:pPr marL="285750" indent="-285750">
+                        <a:buFont typeface="Arial" panose="020B0604020202020204" pitchFamily="34" charset="0"/>
+                        <a:buChar char="•"/>
+                      </a:pPr>
+                      <a:r>
+                        <a:rPr lang="fr-CA" dirty="0" err="1"/>
+                        <a:t>Avoid</a:t>
+                      </a:r>
+                      <a:r>
+                        <a:rPr lang="fr-CA" dirty="0"/>
+                        <a:t> </a:t>
+                      </a:r>
+                      <a:r>
+                        <a:rPr lang="fr-CA" dirty="0" err="1"/>
+                        <a:t>unnecessary</a:t>
+                      </a:r>
+                      <a:r>
+                        <a:rPr lang="fr-CA" dirty="0"/>
+                        <a:t> </a:t>
+                      </a:r>
+                      <a:r>
+                        <a:rPr lang="fr-CA" dirty="0" err="1"/>
+                        <a:t>render</a:t>
+                      </a:r>
+                      <a:r>
+                        <a:rPr lang="fr-CA" dirty="0"/>
+                        <a:t> to the DOM by </a:t>
+                      </a:r>
+                      <a:r>
+                        <a:rPr lang="fr-CA" dirty="0" err="1"/>
+                        <a:t>grouping</a:t>
+                      </a:r>
+                      <a:r>
+                        <a:rPr lang="fr-CA" dirty="0"/>
+                        <a:t> changes</a:t>
+                      </a:r>
+                    </a:p>
+                    <a:p>
+                      <a:pPr marL="285750" indent="-285750">
+                        <a:buFont typeface="Arial" panose="020B0604020202020204" pitchFamily="34" charset="0"/>
+                        <a:buChar char="•"/>
+                      </a:pPr>
+                      <a:endParaRPr lang="fr-CA" dirty="0"/>
+                    </a:p>
+                  </a:txBody>
+                  <a:tcPr/>
+                </a:tc>
+                <a:tc>
+                  <a:txBody>
+                    <a:bodyPr/>
+                    <a:lstStyle/>
+                    <a:p>
+                      <a:pPr marL="0" indent="0">
+                        <a:buFont typeface="Arial" panose="020B0604020202020204" pitchFamily="34" charset="0"/>
+                        <a:buNone/>
+                      </a:pPr>
+                      <a:r>
+                        <a:rPr lang="fr-CA" dirty="0"/>
+                        <a:t>Goal: Encapsulation</a:t>
+                      </a:r>
+                    </a:p>
+                    <a:p>
+                      <a:pPr marL="285750" indent="-285750">
+                        <a:buFont typeface="Arial" panose="020B0604020202020204" pitchFamily="34" charset="0"/>
+                        <a:buChar char="•"/>
+                      </a:pPr>
+                      <a:r>
+                        <a:rPr lang="fr-CA" dirty="0" err="1"/>
+                        <a:t>Isolate</a:t>
+                      </a:r>
+                      <a:r>
+                        <a:rPr lang="fr-CA" dirty="0"/>
+                        <a:t> CSS </a:t>
+                      </a:r>
+                      <a:r>
+                        <a:rPr lang="fr-CA" dirty="0" err="1"/>
+                        <a:t>properties</a:t>
+                      </a:r>
+                      <a:r>
+                        <a:rPr lang="fr-CA" dirty="0"/>
+                        <a:t> in </a:t>
+                      </a:r>
+                      <a:r>
+                        <a:rPr lang="fr-CA" dirty="0" err="1"/>
+                        <a:t>it’s</a:t>
+                      </a:r>
+                      <a:r>
+                        <a:rPr lang="fr-CA" dirty="0"/>
+                        <a:t> </a:t>
+                      </a:r>
+                      <a:r>
+                        <a:rPr lang="fr-CA" dirty="0" err="1"/>
+                        <a:t>sub-tree</a:t>
+                      </a:r>
+                      <a:endParaRPr lang="fr-CA" dirty="0"/>
+                    </a:p>
+                    <a:p>
+                      <a:pPr marL="285750" indent="-285750">
+                        <a:buFont typeface="Arial" panose="020B0604020202020204" pitchFamily="34" charset="0"/>
+                        <a:buChar char="•"/>
+                      </a:pPr>
+                      <a:endParaRPr lang="fr-CA" dirty="0"/>
+                    </a:p>
+                  </a:txBody>
+                  <a:tcPr/>
+                </a:tc>
+                <a:extLst>
+                  <a:ext uri="{0D108BD9-81ED-4DB2-BD59-A6C34878D82A}">
+                    <a16:rowId xmlns:a16="http://schemas.microsoft.com/office/drawing/2014/main" val="1067541415"/>
+                  </a:ext>
+                </a:extLst>
+              </a:tr>
+            </a:tbl>
+          </a:graphicData>
+        </a:graphic>
+      </p:graphicFrame>
+      <p:pic>
+        <p:nvPicPr>
+          <p:cNvPr id="1026" name="Picture 2" descr="https://cdn-images-1.medium.com/max/2000/1*-mYZovkTu-PWsGoKjRzU-g.png">
+            <a:extLst>
+              <a:ext uri="{FF2B5EF4-FFF2-40B4-BE49-F238E27FC236}">
+                <a16:creationId xmlns:a16="http://schemas.microsoft.com/office/drawing/2014/main" id="{09DC762C-CAFC-45D2-8600-172C7AEFC9D0}"/>
+              </a:ext>
+            </a:extLst>
+          </p:cNvPr>
+          <p:cNvPicPr>
+            <a:picLocks noChangeAspect="1" noChangeArrowheads="1"/>
+          </p:cNvPicPr>
+          <p:nvPr/>
+        </p:nvPicPr>
+        <p:blipFill>
+          <a:blip r:embed="rId3">
+            <a:extLst>
+              <a:ext uri="{28A0092B-C50C-407E-A947-70E740481C1C}">
+                <a14:useLocalDpi xmlns:a14="http://schemas.microsoft.com/office/drawing/2010/main" val="0"/>
+              </a:ext>
+            </a:extLst>
+          </a:blip>
+          <a:srcRect/>
+          <a:stretch>
+            <a:fillRect/>
+          </a:stretch>
+        </p:blipFill>
+        <p:spPr bwMode="auto">
+          <a:xfrm>
+            <a:off x="2577464" y="3672060"/>
+            <a:ext cx="7037070" cy="2979759"/>
+          </a:xfrm>
+          <a:prstGeom prst="rect">
+            <a:avLst/>
+          </a:prstGeom>
+          <a:noFill/>
+          <a:extLst>
+            <a:ext uri="{909E8E84-426E-40DD-AFC4-6F175D3DCCD1}">
+              <a14:hiddenFill xmlns:a14="http://schemas.microsoft.com/office/drawing/2010/main">
+                <a:solidFill>
+                  <a:srgbClr val="FFFFFF"/>
+                </a:solidFill>
+              </a14:hiddenFill>
+            </a:ext>
+          </a:extLst>
+        </p:spPr>
+      </p:pic>
+    </p:spTree>
+    <p:extLst>
+      <p:ext uri="{BB962C8B-B14F-4D97-AF65-F5344CB8AC3E}">
+        <p14:creationId xmlns:p14="http://schemas.microsoft.com/office/powerpoint/2010/main" val="1286249170"/>
+      </p:ext>
+    </p:extLst>
+  </p:cSld>
+  <p:clrMapOvr>
+    <a:masterClrMapping/>
+  </p:clrMapOvr>
+</p:sld>
+</file>
+
+<file path=ppt/slides/slide11.xml><?xml version="1.0" encoding="utf-8"?>
+<p:sld xmlns:a="http://schemas.openxmlformats.org/drawingml/2006/main" xmlns:r="http://schemas.openxmlformats.org/officeDocument/2006/relationships" xmlns:p="http://schemas.openxmlformats.org/presentationml/2006/main">
+  <p:cSld>
+    <p:spTree>
+      <p:nvGrpSpPr>
+        <p:cNvPr id="1" name=""/>
+        <p:cNvGrpSpPr/>
+        <p:nvPr/>
+      </p:nvGrpSpPr>
+      <p:grpSpPr>
+        <a:xfrm>
+          <a:off x="0" y="0"/>
+          <a:ext cx="0" cy="0"/>
+          <a:chOff x="0" y="0"/>
+          <a:chExt cx="0" cy="0"/>
+        </a:xfrm>
+      </p:grpSpPr>
+      <p:sp>
+        <p:nvSpPr>
+          <p:cNvPr id="2" name="Title 1">
+            <a:extLst>
+              <a:ext uri="{FF2B5EF4-FFF2-40B4-BE49-F238E27FC236}">
+                <a16:creationId xmlns:a16="http://schemas.microsoft.com/office/drawing/2014/main" id="{57E6E8D8-113B-472E-BBEC-EE4A47A63F6E}"/>
+              </a:ext>
+            </a:extLst>
+          </p:cNvPr>
+          <p:cNvSpPr>
+            <a:spLocks noGrp="1"/>
+          </p:cNvSpPr>
+          <p:nvPr>
+            <p:ph type="title"/>
+          </p:nvPr>
+        </p:nvSpPr>
+        <p:spPr/>
+        <p:txBody>
+          <a:bodyPr/>
+          <a:lstStyle/>
+          <a:p>
+            <a:r>
+              <a:rPr lang="fr-CA" dirty="0"/>
+              <a:t>Component </a:t>
+            </a:r>
+            <a:r>
+              <a:rPr lang="fr-CA" dirty="0" err="1"/>
+              <a:t>LifeCycle</a:t>
+            </a:r>
+            <a:endParaRPr lang="fr-CA" dirty="0"/>
+          </a:p>
+        </p:txBody>
+      </p:sp>
+      <p:pic>
+        <p:nvPicPr>
+          <p:cNvPr id="2050" name="Picture 2" descr="Image result for react component lifecycle">
+            <a:extLst>
+              <a:ext uri="{FF2B5EF4-FFF2-40B4-BE49-F238E27FC236}">
+                <a16:creationId xmlns:a16="http://schemas.microsoft.com/office/drawing/2014/main" id="{8998ED41-0C91-47F3-858A-CA196907AB57}"/>
+              </a:ext>
+            </a:extLst>
+          </p:cNvPr>
+          <p:cNvPicPr>
+            <a:picLocks noChangeAspect="1" noChangeArrowheads="1"/>
+          </p:cNvPicPr>
+          <p:nvPr/>
+        </p:nvPicPr>
+        <p:blipFill>
+          <a:blip r:embed="rId2">
+            <a:extLst>
+              <a:ext uri="{28A0092B-C50C-407E-A947-70E740481C1C}">
+                <a14:useLocalDpi xmlns:a14="http://schemas.microsoft.com/office/drawing/2010/main" val="0"/>
+              </a:ext>
+            </a:extLst>
+          </a:blip>
+          <a:srcRect/>
+          <a:stretch>
+            <a:fillRect/>
+          </a:stretch>
+        </p:blipFill>
+        <p:spPr bwMode="auto">
+          <a:xfrm>
+            <a:off x="1358205" y="1588498"/>
+            <a:ext cx="8953081" cy="4904377"/>
+          </a:xfrm>
+          <a:prstGeom prst="rect">
+            <a:avLst/>
+          </a:prstGeom>
+          <a:noFill/>
+          <a:extLst>
+            <a:ext uri="{909E8E84-426E-40DD-AFC4-6F175D3DCCD1}">
+              <a14:hiddenFill xmlns:a14="http://schemas.microsoft.com/office/drawing/2010/main">
+                <a:solidFill>
+                  <a:srgbClr val="FFFFFF"/>
+                </a:solidFill>
+              </a14:hiddenFill>
+            </a:ext>
+          </a:extLst>
+        </p:spPr>
+      </p:pic>
+    </p:spTree>
+    <p:extLst>
+      <p:ext uri="{BB962C8B-B14F-4D97-AF65-F5344CB8AC3E}">
+        <p14:creationId xmlns:p14="http://schemas.microsoft.com/office/powerpoint/2010/main" val="1561951365"/>
+      </p:ext>
+    </p:extLst>
+  </p:cSld>
+  <p:clrMapOvr>
+    <a:masterClrMapping/>
+  </p:clrMapOvr>
+</p:sld>
+</file>
+
+<file path=ppt/slides/slide12.xml><?xml version="1.0" encoding="utf-8"?>
+<p:sld xmlns:a="http://schemas.openxmlformats.org/drawingml/2006/main" xmlns:r="http://schemas.openxmlformats.org/officeDocument/2006/relationships" xmlns:p="http://schemas.openxmlformats.org/presentationml/2006/main">
+  <p:cSld>
+    <p:spTree>
+      <p:nvGrpSpPr>
+        <p:cNvPr id="1" name=""/>
+        <p:cNvGrpSpPr/>
+        <p:nvPr/>
+      </p:nvGrpSpPr>
+      <p:grpSpPr>
+        <a:xfrm>
+          <a:off x="0" y="0"/>
+          <a:ext cx="0" cy="0"/>
+          <a:chOff x="0" y="0"/>
+          <a:chExt cx="0" cy="0"/>
+        </a:xfrm>
+      </p:grpSpPr>
+      <p:sp>
+        <p:nvSpPr>
+          <p:cNvPr id="2" name="Title 1">
+            <a:extLst>
+              <a:ext uri="{FF2B5EF4-FFF2-40B4-BE49-F238E27FC236}">
+                <a16:creationId xmlns:a16="http://schemas.microsoft.com/office/drawing/2014/main" id="{AA65C3F0-8428-48AE-8FBA-78CC105C44CA}"/>
+              </a:ext>
+            </a:extLst>
+          </p:cNvPr>
+          <p:cNvSpPr>
+            <a:spLocks noGrp="1"/>
+          </p:cNvSpPr>
+          <p:nvPr>
+            <p:ph type="title"/>
+          </p:nvPr>
+        </p:nvSpPr>
+        <p:spPr/>
+        <p:txBody>
+          <a:bodyPr/>
+          <a:lstStyle/>
+          <a:p>
+            <a:r>
+              <a:rPr lang="fr-CA" dirty="0"/>
+              <a:t>How and </a:t>
+            </a:r>
+            <a:r>
+              <a:rPr lang="fr-CA" dirty="0" err="1"/>
+              <a:t>When</a:t>
+            </a:r>
+            <a:r>
+              <a:rPr lang="fr-CA" dirty="0"/>
+              <a:t> use </a:t>
+            </a:r>
+            <a:r>
+              <a:rPr lang="fr-CA" dirty="0" err="1"/>
+              <a:t>lifecycle</a:t>
+            </a:r>
+            <a:r>
+              <a:rPr lang="fr-CA" dirty="0"/>
+              <a:t> </a:t>
+            </a:r>
+            <a:r>
+              <a:rPr lang="fr-CA" dirty="0" err="1"/>
+              <a:t>method</a:t>
+            </a:r>
+            <a:endParaRPr lang="fr-CA" dirty="0"/>
+          </a:p>
+        </p:txBody>
+      </p:sp>
+      <p:graphicFrame>
+        <p:nvGraphicFramePr>
+          <p:cNvPr id="4" name="Content Placeholder 3">
+            <a:extLst>
+              <a:ext uri="{FF2B5EF4-FFF2-40B4-BE49-F238E27FC236}">
+                <a16:creationId xmlns:a16="http://schemas.microsoft.com/office/drawing/2014/main" id="{205428AB-9D70-4678-A192-863BBE998C77}"/>
+              </a:ext>
+            </a:extLst>
+          </p:cNvPr>
+          <p:cNvGraphicFramePr>
+            <a:graphicFrameLocks noGrp="1"/>
+          </p:cNvGraphicFramePr>
+          <p:nvPr>
+            <p:ph idx="1"/>
+            <p:extLst>
+              <p:ext uri="{D42A27DB-BD31-4B8C-83A1-F6EECF244321}">
+                <p14:modId xmlns:p14="http://schemas.microsoft.com/office/powerpoint/2010/main" val="2103627486"/>
+              </p:ext>
+            </p:extLst>
+          </p:nvPr>
+        </p:nvGraphicFramePr>
+        <p:xfrm>
+          <a:off x="117230" y="1453528"/>
+          <a:ext cx="11957539" cy="5038234"/>
+        </p:xfrm>
+        <a:graphic>
+          <a:graphicData uri="http://schemas.openxmlformats.org/drawingml/2006/table">
+            <a:tbl>
+              <a:tblPr firstRow="1" bandRow="1">
+                <a:tableStyleId>{5C22544A-7EE6-4342-B048-85BDC9FD1C3A}</a:tableStyleId>
+              </a:tblPr>
+              <a:tblGrid>
+                <a:gridCol w="4245793">
+                  <a:extLst>
+                    <a:ext uri="{9D8B030D-6E8A-4147-A177-3AD203B41FA5}">
+                      <a16:colId xmlns:a16="http://schemas.microsoft.com/office/drawing/2014/main" val="181093278"/>
+                    </a:ext>
+                  </a:extLst>
+                </a:gridCol>
+                <a:gridCol w="7711746">
+                  <a:extLst>
+                    <a:ext uri="{9D8B030D-6E8A-4147-A177-3AD203B41FA5}">
+                      <a16:colId xmlns:a16="http://schemas.microsoft.com/office/drawing/2014/main" val="209439746"/>
+                    </a:ext>
+                  </a:extLst>
+                </a:gridCol>
+              </a:tblGrid>
+              <a:tr h="694940">
+                <a:tc>
+                  <a:txBody>
+                    <a:bodyPr/>
+                    <a:lstStyle/>
+                    <a:p>
+                      <a:r>
+                        <a:rPr lang="fr-CA" dirty="0"/>
+                        <a:t>Méthode du </a:t>
+                      </a:r>
+                      <a:r>
+                        <a:rPr lang="fr-CA" dirty="0" err="1"/>
+                        <a:t>lifecyle</a:t>
+                      </a:r>
+                      <a:endParaRPr lang="fr-CA" dirty="0"/>
+                    </a:p>
+                  </a:txBody>
+                  <a:tcPr/>
+                </a:tc>
+                <a:tc>
+                  <a:txBody>
+                    <a:bodyPr/>
+                    <a:lstStyle/>
+                    <a:p>
+                      <a:r>
+                        <a:rPr lang="fr-CA" dirty="0"/>
+                        <a:t>Détails</a:t>
+                      </a:r>
+                    </a:p>
+                  </a:txBody>
+                  <a:tcPr/>
+                </a:tc>
+                <a:extLst>
+                  <a:ext uri="{0D108BD9-81ED-4DB2-BD59-A6C34878D82A}">
+                    <a16:rowId xmlns:a16="http://schemas.microsoft.com/office/drawing/2014/main" val="3691666161"/>
+                  </a:ext>
+                </a:extLst>
+              </a:tr>
+              <a:tr h="549012">
+                <a:tc>
+                  <a:txBody>
+                    <a:bodyPr/>
+                    <a:lstStyle/>
+                    <a:p>
+                      <a:r>
+                        <a:rPr lang="fr-CA" dirty="0" err="1"/>
+                        <a:t>render</a:t>
+                      </a:r>
+                      <a:r>
+                        <a:rPr lang="fr-CA" dirty="0"/>
+                        <a:t>()</a:t>
+                      </a:r>
+                    </a:p>
+                  </a:txBody>
+                  <a:tcPr/>
+                </a:tc>
+                <a:tc>
+                  <a:txBody>
+                    <a:bodyPr/>
+                    <a:lstStyle/>
+                    <a:p>
+                      <a:pPr marL="285750" indent="-285750">
+                        <a:buFont typeface="Arial" panose="020B0604020202020204" pitchFamily="34" charset="0"/>
+                        <a:buChar char="•"/>
+                      </a:pPr>
+                      <a:r>
+                        <a:rPr lang="fr-CA" dirty="0"/>
+                        <a:t>Retourne un </a:t>
+                      </a:r>
+                      <a:r>
+                        <a:rPr lang="fr-CA" dirty="0" err="1"/>
+                        <a:t>reactElement</a:t>
+                      </a:r>
+                      <a:endParaRPr lang="fr-CA" dirty="0"/>
+                    </a:p>
+                  </a:txBody>
+                  <a:tcPr/>
+                </a:tc>
+                <a:extLst>
+                  <a:ext uri="{0D108BD9-81ED-4DB2-BD59-A6C34878D82A}">
+                    <a16:rowId xmlns:a16="http://schemas.microsoft.com/office/drawing/2014/main" val="3049361081"/>
+                  </a:ext>
+                </a:extLst>
+              </a:tr>
+              <a:tr h="925528">
+                <a:tc>
+                  <a:txBody>
+                    <a:bodyPr/>
+                    <a:lstStyle/>
+                    <a:p>
+                      <a:r>
+                        <a:rPr lang="fr-CA" dirty="0" err="1"/>
+                        <a:t>componentDidMount</a:t>
+                      </a:r>
+                      <a:r>
+                        <a:rPr lang="fr-CA" dirty="0"/>
+                        <a:t>()</a:t>
+                      </a:r>
+                    </a:p>
+                  </a:txBody>
+                  <a:tcPr/>
+                </a:tc>
+                <a:tc>
+                  <a:txBody>
+                    <a:bodyPr/>
+                    <a:lstStyle/>
+                    <a:p>
+                      <a:pPr marL="285750" indent="-285750">
+                        <a:buFont typeface="Arial" panose="020B0604020202020204" pitchFamily="34" charset="0"/>
+                        <a:buChar char="•"/>
+                      </a:pPr>
+                      <a:r>
+                        <a:rPr lang="fr-CA" dirty="0"/>
+                        <a:t>Appelé 1 seul fois une fois que le component à été monter sur le DOM du browser</a:t>
+                      </a:r>
+                    </a:p>
+                    <a:p>
+                      <a:pPr marL="285750" indent="-285750">
+                        <a:buFont typeface="Arial" panose="020B0604020202020204" pitchFamily="34" charset="0"/>
+                        <a:buChar char="•"/>
+                      </a:pPr>
+                      <a:r>
+                        <a:rPr lang="fr-CA" dirty="0"/>
+                        <a:t>Endroit idéal pour faire </a:t>
+                      </a:r>
+                      <a:r>
+                        <a:rPr lang="fr-CA" dirty="0" err="1"/>
+                        <a:t>fetch</a:t>
+                      </a:r>
+                      <a:r>
+                        <a:rPr lang="fr-CA" dirty="0"/>
+                        <a:t> de data</a:t>
+                      </a:r>
+                    </a:p>
+                  </a:txBody>
+                  <a:tcPr/>
+                </a:tc>
+                <a:extLst>
+                  <a:ext uri="{0D108BD9-81ED-4DB2-BD59-A6C34878D82A}">
+                    <a16:rowId xmlns:a16="http://schemas.microsoft.com/office/drawing/2014/main" val="2293805067"/>
+                  </a:ext>
+                </a:extLst>
+              </a:tr>
+              <a:tr h="869534">
+                <a:tc>
+                  <a:txBody>
+                    <a:bodyPr/>
+                    <a:lstStyle/>
+                    <a:p>
+                      <a:r>
+                        <a:rPr lang="fr-CA" dirty="0" err="1"/>
+                        <a:t>shouldComponentUpdate</a:t>
+                      </a:r>
+                      <a:r>
+                        <a:rPr lang="fr-CA" dirty="0"/>
+                        <a:t>(</a:t>
+                      </a:r>
+                      <a:r>
+                        <a:rPr lang="fr-CA" dirty="0" err="1"/>
+                        <a:t>nextProps</a:t>
+                      </a:r>
+                      <a:r>
+                        <a:rPr lang="fr-CA" dirty="0"/>
+                        <a:t>, </a:t>
+                      </a:r>
+                      <a:r>
+                        <a:rPr lang="fr-CA" dirty="0" err="1"/>
+                        <a:t>nextState</a:t>
+                      </a:r>
+                      <a:r>
+                        <a:rPr lang="fr-CA" dirty="0"/>
+                        <a:t>)</a:t>
+                      </a:r>
+                    </a:p>
+                  </a:txBody>
+                  <a:tcPr/>
+                </a:tc>
+                <a:tc>
+                  <a:txBody>
+                    <a:bodyPr/>
+                    <a:lstStyle/>
+                    <a:p>
+                      <a:pPr marL="285750" indent="-285750">
+                        <a:buFont typeface="Arial" panose="020B0604020202020204" pitchFamily="34" charset="0"/>
+                        <a:buChar char="•"/>
+                      </a:pPr>
+                      <a:r>
+                        <a:rPr lang="fr-CA" dirty="0"/>
+                        <a:t>Indique s’il est nécessaire d’effectuer un nouveau </a:t>
+                      </a:r>
+                      <a:r>
+                        <a:rPr lang="fr-CA" dirty="0" err="1"/>
+                        <a:t>render</a:t>
+                      </a:r>
+                      <a:r>
+                        <a:rPr lang="fr-CA" dirty="0"/>
+                        <a:t> </a:t>
+                      </a:r>
+                    </a:p>
+                    <a:p>
+                      <a:pPr marL="285750" indent="-285750">
+                        <a:buFont typeface="Arial" panose="020B0604020202020204" pitchFamily="34" charset="0"/>
+                        <a:buChar char="•"/>
+                      </a:pPr>
+                      <a:r>
+                        <a:rPr lang="fr-CA" dirty="0"/>
+                        <a:t>Retourne un </a:t>
+                      </a:r>
+                      <a:r>
+                        <a:rPr lang="fr-CA" dirty="0" err="1"/>
+                        <a:t>bool</a:t>
+                      </a:r>
+                      <a:endParaRPr lang="fr-CA" dirty="0"/>
+                    </a:p>
+                    <a:p>
+                      <a:pPr marL="285750" indent="-285750">
+                        <a:buFont typeface="Arial" panose="020B0604020202020204" pitchFamily="34" charset="0"/>
+                        <a:buChar char="•"/>
+                      </a:pPr>
+                      <a:r>
+                        <a:rPr lang="fr-CA" dirty="0" err="1"/>
+                        <a:t>React.Component</a:t>
+                      </a:r>
+                      <a:r>
+                        <a:rPr lang="fr-CA" dirty="0"/>
+                        <a:t> retourne </a:t>
+                      </a:r>
+                      <a:r>
+                        <a:rPr lang="fr-CA" dirty="0" err="1"/>
+                        <a:t>true</a:t>
+                      </a:r>
+                      <a:r>
+                        <a:rPr lang="fr-CA" dirty="0"/>
+                        <a:t> par défaut</a:t>
+                      </a:r>
+                    </a:p>
+                  </a:txBody>
+                  <a:tcPr/>
+                </a:tc>
+                <a:extLst>
+                  <a:ext uri="{0D108BD9-81ED-4DB2-BD59-A6C34878D82A}">
+                    <a16:rowId xmlns:a16="http://schemas.microsoft.com/office/drawing/2014/main" val="738618961"/>
+                  </a:ext>
+                </a:extLst>
+              </a:tr>
+              <a:tr h="754870">
+                <a:tc>
+                  <a:txBody>
+                    <a:bodyPr/>
+                    <a:lstStyle/>
+                    <a:p>
+                      <a:r>
+                        <a:rPr lang="fr-CA" dirty="0" err="1"/>
+                        <a:t>componentDidUpdate</a:t>
+                      </a:r>
+                      <a:r>
+                        <a:rPr lang="fr-CA" dirty="0"/>
+                        <a:t>(</a:t>
+                      </a:r>
+                      <a:r>
+                        <a:rPr lang="fr-CA" dirty="0" err="1"/>
+                        <a:t>prevProps</a:t>
+                      </a:r>
+                      <a:r>
+                        <a:rPr lang="fr-CA" dirty="0"/>
+                        <a:t>, </a:t>
+                      </a:r>
+                      <a:r>
+                        <a:rPr lang="fr-CA" dirty="0" err="1"/>
+                        <a:t>prevState</a:t>
+                      </a:r>
+                      <a:r>
+                        <a:rPr lang="fr-CA" dirty="0"/>
+                        <a:t>, snapshot)</a:t>
+                      </a:r>
+                    </a:p>
+                  </a:txBody>
+                  <a:tcPr/>
+                </a:tc>
+                <a:tc>
+                  <a:txBody>
+                    <a:bodyPr/>
+                    <a:lstStyle/>
+                    <a:p>
+                      <a:pPr marL="285750" indent="-285750">
+                        <a:buFont typeface="Arial" panose="020B0604020202020204" pitchFamily="34" charset="0"/>
+                        <a:buChar char="•"/>
+                      </a:pPr>
+                      <a:r>
+                        <a:rPr lang="fr-CA" dirty="0"/>
+                        <a:t>À utiliser de façon similaire à </a:t>
+                      </a:r>
+                      <a:r>
+                        <a:rPr lang="fr-CA" dirty="0" err="1"/>
+                        <a:t>componentDidMount</a:t>
+                      </a:r>
+                      <a:r>
+                        <a:rPr lang="fr-CA" dirty="0"/>
+                        <a:t>()</a:t>
+                      </a:r>
+                    </a:p>
+                    <a:p>
+                      <a:pPr marL="285750" indent="-285750">
+                        <a:buFont typeface="Arial" panose="020B0604020202020204" pitchFamily="34" charset="0"/>
+                        <a:buChar char="•"/>
+                      </a:pPr>
+                      <a:r>
+                        <a:rPr lang="fr-CA" dirty="0"/>
+                        <a:t>Si on utilise </a:t>
+                      </a:r>
+                      <a:r>
+                        <a:rPr lang="fr-CA" dirty="0" err="1"/>
+                        <a:t>setState</a:t>
+                      </a:r>
+                      <a:r>
+                        <a:rPr lang="fr-CA" dirty="0"/>
+                        <a:t>, mettre une condition sinon boucle </a:t>
+                      </a:r>
+                      <a:r>
+                        <a:rPr lang="fr-CA" dirty="0" err="1"/>
+                        <a:t>infinit</a:t>
+                      </a:r>
+                      <a:endParaRPr lang="fr-CA" dirty="0"/>
+                    </a:p>
+                  </a:txBody>
+                  <a:tcPr/>
+                </a:tc>
+                <a:extLst>
+                  <a:ext uri="{0D108BD9-81ED-4DB2-BD59-A6C34878D82A}">
+                    <a16:rowId xmlns:a16="http://schemas.microsoft.com/office/drawing/2014/main" val="7677006"/>
+                  </a:ext>
+                </a:extLst>
+              </a:tr>
+              <a:tr h="1199484">
+                <a:tc>
+                  <a:txBody>
+                    <a:bodyPr/>
+                    <a:lstStyle/>
+                    <a:p>
+                      <a:r>
+                        <a:rPr lang="fr-CA" dirty="0" err="1"/>
+                        <a:t>componentWillUnmount</a:t>
+                      </a:r>
+                      <a:r>
+                        <a:rPr lang="fr-CA" dirty="0"/>
+                        <a:t>()</a:t>
+                      </a:r>
+                    </a:p>
+                  </a:txBody>
+                  <a:tcPr/>
+                </a:tc>
+                <a:tc>
+                  <a:txBody>
+                    <a:bodyPr/>
+                    <a:lstStyle/>
+                    <a:p>
+                      <a:pPr marL="285750" indent="-285750">
+                        <a:buFont typeface="Arial" panose="020B0604020202020204" pitchFamily="34" charset="0"/>
+                        <a:buChar char="•"/>
+                      </a:pPr>
+                      <a:r>
+                        <a:rPr lang="fr-CA" dirty="0"/>
+                        <a:t>Avant qu’il soit </a:t>
+                      </a:r>
+                      <a:r>
+                        <a:rPr lang="fr-CA" dirty="0" err="1"/>
+                        <a:t>unmount</a:t>
+                      </a:r>
+                      <a:r>
+                        <a:rPr lang="fr-CA" dirty="0"/>
+                        <a:t> du DOM </a:t>
+                      </a:r>
+                    </a:p>
+                    <a:p>
+                      <a:pPr marL="285750" indent="-285750">
+                        <a:buFont typeface="Arial" panose="020B0604020202020204" pitchFamily="34" charset="0"/>
+                        <a:buChar char="•"/>
+                      </a:pPr>
+                      <a:r>
+                        <a:rPr lang="fr-CA" dirty="0"/>
+                        <a:t>Ne pas utiliser </a:t>
+                      </a:r>
+                      <a:r>
+                        <a:rPr lang="fr-CA" dirty="0" err="1"/>
+                        <a:t>setState</a:t>
+                      </a:r>
+                      <a:endParaRPr lang="fr-CA" dirty="0"/>
+                    </a:p>
+                    <a:p>
+                      <a:pPr marL="285750" indent="-285750">
+                        <a:buFont typeface="Arial" panose="020B0604020202020204" pitchFamily="34" charset="0"/>
+                        <a:buChar char="•"/>
+                      </a:pPr>
+                      <a:r>
+                        <a:rPr lang="fr-CA" dirty="0"/>
+                        <a:t>Endroit pour nettoyer les </a:t>
+                      </a:r>
+                      <a:r>
+                        <a:rPr lang="fr-CA" dirty="0" err="1"/>
+                        <a:t>timers</a:t>
+                      </a:r>
+                      <a:r>
+                        <a:rPr lang="fr-CA" dirty="0"/>
+                        <a:t>, process et </a:t>
+                      </a:r>
+                      <a:r>
+                        <a:rPr lang="fr-CA" dirty="0" err="1"/>
+                        <a:t>event</a:t>
+                      </a:r>
+                      <a:r>
+                        <a:rPr lang="fr-CA" dirty="0"/>
+                        <a:t> </a:t>
+                      </a:r>
+                      <a:r>
+                        <a:rPr lang="fr-CA" dirty="0" err="1"/>
+                        <a:t>listeners</a:t>
+                      </a:r>
+                      <a:endParaRPr lang="fr-CA" dirty="0"/>
+                    </a:p>
+                  </a:txBody>
+                  <a:tcPr/>
+                </a:tc>
+                <a:extLst>
+                  <a:ext uri="{0D108BD9-81ED-4DB2-BD59-A6C34878D82A}">
+                    <a16:rowId xmlns:a16="http://schemas.microsoft.com/office/drawing/2014/main" val="3437331998"/>
+                  </a:ext>
+                </a:extLst>
+              </a:tr>
+            </a:tbl>
+          </a:graphicData>
+        </a:graphic>
+      </p:graphicFrame>
+    </p:spTree>
+    <p:extLst>
+      <p:ext uri="{BB962C8B-B14F-4D97-AF65-F5344CB8AC3E}">
+        <p14:creationId xmlns:p14="http://schemas.microsoft.com/office/powerpoint/2010/main" val="1204436758"/>
+      </p:ext>
+    </p:extLst>
+  </p:cSld>
+  <p:clrMapOvr>
+    <a:masterClrMapping/>
+  </p:clrMapOvr>
+</p:sld>
+</file>
+
+<file path=ppt/slides/slide13.xml><?xml version="1.0" encoding="utf-8"?>
 <p:sld xmlns:a="http://schemas.openxmlformats.org/drawingml/2006/main" xmlns:r="http://schemas.openxmlformats.org/officeDocument/2006/relationships" xmlns:p="http://schemas.openxmlformats.org/presentationml/2006/main">
   <p:cSld>
     <p:spTree>
@@ -4450,7 +5850,7 @@
 </p:sld>
 </file>
 
-<file path=ppt/slides/slide11.xml><?xml version="1.0" encoding="utf-8"?>
+<file path=ppt/slides/slide14.xml><?xml version="1.0" encoding="utf-8"?>
 <p:sld xmlns:a="http://schemas.openxmlformats.org/drawingml/2006/main" xmlns:r="http://schemas.openxmlformats.org/officeDocument/2006/relationships" xmlns:p="http://schemas.openxmlformats.org/presentationml/2006/main">
   <p:cSld>
     <p:spTree>
@@ -4545,15 +5945,7 @@
             </a:pPr>
             <a:r>
               <a:rPr lang="fr-CA" dirty="0"/>
-              <a:t>Lorsqu’on </a:t>
-            </a:r>
-            <a:r>
-              <a:rPr lang="fr-CA" dirty="0" err="1"/>
-              <a:t>apelle</a:t>
-            </a:r>
-            <a:r>
-              <a:rPr lang="fr-CA" dirty="0"/>
-              <a:t> la méthode </a:t>
+              <a:t>Lorsqu’on appelle la méthode </a:t>
             </a:r>
             <a:r>
               <a:rPr lang="fr-CA" dirty="0" err="1"/>
@@ -4734,6 +6126,53 @@
           </a:p>
         </p:txBody>
       </p:sp>
+      <p:pic>
+        <p:nvPicPr>
+          <p:cNvPr id="1026" name="Picture 2" descr="Image result for react virtual dom">
+            <a:extLst>
+              <a:ext uri="{FF2B5EF4-FFF2-40B4-BE49-F238E27FC236}">
+                <a16:creationId xmlns:a16="http://schemas.microsoft.com/office/drawing/2014/main" id="{6BAB8FED-612F-4936-A63B-23E3D95C9B9D}"/>
+              </a:ext>
+            </a:extLst>
+          </p:cNvPr>
+          <p:cNvPicPr>
+            <a:picLocks noChangeAspect="1" noChangeArrowheads="1"/>
+          </p:cNvPicPr>
+          <p:nvPr/>
+        </p:nvPicPr>
+        <p:blipFill>
+          <a:blip r:embed="rId3">
+            <a:extLst>
+              <a:ext uri="{28A0092B-C50C-407E-A947-70E740481C1C}">
+                <a14:useLocalDpi xmlns:a14="http://schemas.microsoft.com/office/drawing/2010/main" val="0"/>
+              </a:ext>
+            </a:extLst>
+          </a:blip>
+          <a:srcRect/>
+          <a:stretch>
+            <a:fillRect/>
+          </a:stretch>
+        </p:blipFill>
+        <p:spPr bwMode="auto">
+          <a:xfrm>
+            <a:off x="7605614" y="2478542"/>
+            <a:ext cx="4382279" cy="2278516"/>
+          </a:xfrm>
+          <a:prstGeom prst="rect">
+            <a:avLst/>
+          </a:prstGeom>
+          <a:noFill/>
+          <a:extLst>
+            <a:ext uri="{909E8E84-426E-40DD-AFC4-6F175D3DCCD1}">
+              <a14:hiddenFill xmlns:a14="http://schemas.microsoft.com/office/drawing/2010/main">
+                <a:solidFill>
+                  <a:srgbClr val="FFFFFF"/>
+                </a:solidFill>
+              </a14:hiddenFill>
+            </a:ext>
+          </a:extLst>
+        </p:spPr>
+      </p:pic>
     </p:spTree>
     <p:extLst>
       <p:ext uri="{BB962C8B-B14F-4D97-AF65-F5344CB8AC3E}">
@@ -4747,7 +6186,7 @@
 </p:sld>
 </file>
 
-<file path=ppt/slides/slide12.xml><?xml version="1.0" encoding="utf-8"?>
+<file path=ppt/slides/slide15.xml><?xml version="1.0" encoding="utf-8"?>
 <p:sld xmlns:a="http://schemas.openxmlformats.org/drawingml/2006/main" xmlns:r="http://schemas.openxmlformats.org/officeDocument/2006/relationships" xmlns:p="http://schemas.openxmlformats.org/presentationml/2006/main">
   <p:cSld>
     <p:spTree>
@@ -4854,7 +6293,7 @@
 </p:sld>
 </file>
 
-<file path=ppt/slides/slide13.xml><?xml version="1.0" encoding="utf-8"?>
+<file path=ppt/slides/slide16.xml><?xml version="1.0" encoding="utf-8"?>
 <p:sld xmlns:a="http://schemas.openxmlformats.org/drawingml/2006/main" xmlns:r="http://schemas.openxmlformats.org/officeDocument/2006/relationships" xmlns:p="http://schemas.openxmlformats.org/presentationml/2006/main">
   <p:cSld>
     <p:spTree>
@@ -5127,7 +6566,7 @@
 </p:sld>
 </file>
 
-<file path=ppt/slides/slide14.xml><?xml version="1.0" encoding="utf-8"?>
+<file path=ppt/slides/slide17.xml><?xml version="1.0" encoding="utf-8"?>
 <p:sld xmlns:a="http://schemas.openxmlformats.org/drawingml/2006/main" xmlns:r="http://schemas.openxmlformats.org/officeDocument/2006/relationships" xmlns:p="http://schemas.openxmlformats.org/presentationml/2006/main">
   <p:cSld>
     <p:spTree>
@@ -5485,7 +6924,7 @@
 </p:sld>
 </file>
 
-<file path=ppt/slides/slide15.xml><?xml version="1.0" encoding="utf-8"?>
+<file path=ppt/slides/slide18.xml><?xml version="1.0" encoding="utf-8"?>
 <p:sld xmlns:a="http://schemas.openxmlformats.org/drawingml/2006/main" xmlns:r="http://schemas.openxmlformats.org/officeDocument/2006/relationships" xmlns:p="http://schemas.openxmlformats.org/presentationml/2006/main">
   <p:cSld>
     <p:spTree>
@@ -5625,7 +7064,7 @@
 </p:sld>
 </file>
 
-<file path=ppt/slides/slide16.xml><?xml version="1.0" encoding="utf-8"?>
+<file path=ppt/slides/slide19.xml><?xml version="1.0" encoding="utf-8"?>
 <p:sld xmlns:a="http://schemas.openxmlformats.org/drawingml/2006/main" xmlns:r="http://schemas.openxmlformats.org/officeDocument/2006/relationships" xmlns:p="http://schemas.openxmlformats.org/presentationml/2006/main">
   <p:cSld>
     <p:spTree>
@@ -5647,7 +7086,7 @@
           <p:cNvPr id="2" name="Title 1">
             <a:extLst>
               <a:ext uri="{FF2B5EF4-FFF2-40B4-BE49-F238E27FC236}">
-                <a16:creationId xmlns:a16="http://schemas.microsoft.com/office/drawing/2014/main" id="{6875C8E1-7406-47E7-9A3F-D277C53A21E4}"/>
+                <a16:creationId xmlns:a16="http://schemas.microsoft.com/office/drawing/2014/main" id="{03F3C15E-80C9-492B-A1B4-2D9DA0CA200D}"/>
               </a:ext>
             </a:extLst>
           </p:cNvPr>
@@ -5664,14 +7103,37 @@
           <a:lstStyle/>
           <a:p>
             <a:r>
-              <a:rPr lang="fr-CA" dirty="0"/>
-              <a:t>Éviter des Waste </a:t>
-            </a:r>
-            <a:r>
               <a:rPr lang="fr-CA" dirty="0" err="1"/>
-              <a:t>Render</a:t>
-            </a:r>
-            <a:endParaRPr lang="fr-CA" dirty="0"/>
+              <a:t>Why</a:t>
+            </a:r>
+            <a:r>
+              <a:rPr lang="fr-CA" dirty="0"/>
+              <a:t> </a:t>
+            </a:r>
+            <a:r>
+              <a:rPr lang="fr-CA" dirty="0" err="1"/>
+              <a:t>bool</a:t>
+            </a:r>
+            <a:r>
+              <a:rPr lang="fr-CA" dirty="0"/>
+              <a:t> </a:t>
+            </a:r>
+            <a:r>
+              <a:rPr lang="fr-CA" dirty="0" err="1"/>
+              <a:t>is</a:t>
+            </a:r>
+            <a:r>
+              <a:rPr lang="fr-CA" dirty="0"/>
+              <a:t> </a:t>
+            </a:r>
+            <a:r>
+              <a:rPr lang="fr-CA" dirty="0" err="1"/>
+              <a:t>valid</a:t>
+            </a:r>
+            <a:r>
+              <a:rPr lang="fr-CA" dirty="0"/>
+              <a:t> type</a:t>
+            </a:r>
           </a:p>
         </p:txBody>
       </p:sp>
@@ -5680,7 +7142,7 @@
           <p:cNvPr id="3" name="Content Placeholder 2">
             <a:extLst>
               <a:ext uri="{FF2B5EF4-FFF2-40B4-BE49-F238E27FC236}">
-                <a16:creationId xmlns:a16="http://schemas.microsoft.com/office/drawing/2014/main" id="{D450C24E-07FC-4816-9A13-3E663CFC7B99}"/>
+                <a16:creationId xmlns:a16="http://schemas.microsoft.com/office/drawing/2014/main" id="{609B6300-FC91-43F4-A5D5-C6624829970F}"/>
               </a:ext>
             </a:extLst>
           </p:cNvPr>
@@ -5701,62 +7163,37 @@
             </a:pPr>
             <a:r>
               <a:rPr lang="fr-CA" dirty="0"/>
-              <a:t>Waste </a:t>
+              <a:t>Exo: </a:t>
             </a:r>
             <a:r>
               <a:rPr lang="fr-CA" dirty="0" err="1"/>
-              <a:t>Render</a:t>
-            </a:r>
-            <a:r>
-              <a:rPr lang="fr-CA" dirty="0"/>
-              <a:t> = </a:t>
-            </a:r>
-            <a:r>
-              <a:rPr lang="fr-CA" dirty="0" err="1"/>
-              <a:t>render</a:t>
-            </a:r>
-            <a:r>
-              <a:rPr lang="fr-CA" dirty="0"/>
-              <a:t> qui retourne le même </a:t>
-            </a:r>
-            <a:r>
-              <a:rPr lang="fr-CA" dirty="0" err="1"/>
-              <a:t>reactElement</a:t>
-            </a:r>
-            <a:r>
-              <a:rPr lang="fr-CA" dirty="0"/>
-              <a:t> (ne va pas updater le UI)</a:t>
-            </a:r>
+              <a:t>stateInstanceReconciliationParadox</a:t>
+            </a:r>
+            <a:endParaRPr lang="fr-CA" dirty="0"/>
           </a:p>
           <a:p>
             <a:pPr marL="0" indent="0">
               <a:buNone/>
             </a:pPr>
-            <a:endParaRPr lang="fr-CA" dirty="0"/>
-          </a:p>
-          <a:p>
-            <a:pPr marL="0" indent="0">
-              <a:buNone/>
-            </a:pPr>
-            <a:r>
-              <a:rPr lang="fr-CA" dirty="0"/>
-              <a:t>(Component, </a:t>
+            <a:r>
+              <a:rPr lang="fr-CA" dirty="0"/>
+              <a:t>Exo (</a:t>
             </a:r>
             <a:r>
               <a:rPr lang="fr-CA" dirty="0" err="1"/>
-              <a:t>PureComponent</a:t>
-            </a:r>
-            <a:r>
-              <a:rPr lang="fr-CA" dirty="0"/>
-              <a:t>, Memo, </a:t>
+              <a:t>with</a:t>
+            </a:r>
+            <a:r>
+              <a:rPr lang="fr-CA" dirty="0"/>
+              <a:t> </a:t>
             </a:r>
             <a:r>
               <a:rPr lang="fr-CA" dirty="0" err="1"/>
-              <a:t>function</a:t>
-            </a:r>
-            <a:r>
-              <a:rPr lang="fr-CA" dirty="0"/>
-              <a:t>)</a:t>
+              <a:t>bool</a:t>
+            </a:r>
+            <a:r>
+              <a:rPr lang="fr-CA" dirty="0"/>
+              <a:t>): (utiliser ??)</a:t>
             </a:r>
           </a:p>
         </p:txBody>
@@ -5764,7 +7201,7 @@
     </p:spTree>
     <p:extLst>
       <p:ext uri="{BB962C8B-B14F-4D97-AF65-F5344CB8AC3E}">
-        <p14:creationId xmlns:p14="http://schemas.microsoft.com/office/powerpoint/2010/main" val="2120045792"/>
+        <p14:creationId xmlns:p14="http://schemas.microsoft.com/office/powerpoint/2010/main" val="485179716"/>
       </p:ext>
     </p:extLst>
   </p:cSld>
@@ -5774,7 +7211,7 @@
 </p:sld>
 </file>
 
-<file path=ppt/slides/slide17.xml><?xml version="1.0" encoding="utf-8"?>
+<file path=ppt/slides/slide2.xml><?xml version="1.0" encoding="utf-8"?>
 <p:sld xmlns:a="http://schemas.openxmlformats.org/drawingml/2006/main" xmlns:r="http://schemas.openxmlformats.org/officeDocument/2006/relationships" xmlns:p="http://schemas.openxmlformats.org/presentationml/2006/main">
   <p:cSld>
     <p:spTree>
@@ -5796,6 +7233,652 @@
           <p:cNvPr id="2" name="Title 1">
             <a:extLst>
               <a:ext uri="{FF2B5EF4-FFF2-40B4-BE49-F238E27FC236}">
+                <a16:creationId xmlns:a16="http://schemas.microsoft.com/office/drawing/2014/main" id="{C54D4E42-1EF3-407D-B9FC-96C34FC6F58B}"/>
+              </a:ext>
+            </a:extLst>
+          </p:cNvPr>
+          <p:cNvSpPr>
+            <a:spLocks noGrp="1"/>
+          </p:cNvSpPr>
+          <p:nvPr>
+            <p:ph type="title"/>
+          </p:nvPr>
+        </p:nvSpPr>
+        <p:spPr/>
+        <p:txBody>
+          <a:bodyPr/>
+          <a:lstStyle/>
+          <a:p>
+            <a:r>
+              <a:rPr lang="fr-CA" dirty="0"/>
+              <a:t>Table des matières</a:t>
+            </a:r>
+          </a:p>
+        </p:txBody>
+      </p:sp>
+      <p:sp>
+        <p:nvSpPr>
+          <p:cNvPr id="3" name="Content Placeholder 2">
+            <a:extLst>
+              <a:ext uri="{FF2B5EF4-FFF2-40B4-BE49-F238E27FC236}">
+                <a16:creationId xmlns:a16="http://schemas.microsoft.com/office/drawing/2014/main" id="{2B6AA249-33B6-461C-9EAF-8199B14CE7A9}"/>
+              </a:ext>
+            </a:extLst>
+          </p:cNvPr>
+          <p:cNvSpPr>
+            <a:spLocks noGrp="1"/>
+          </p:cNvSpPr>
+          <p:nvPr>
+            <p:ph idx="1"/>
+          </p:nvPr>
+        </p:nvSpPr>
+        <p:spPr/>
+        <p:txBody>
+          <a:bodyPr/>
+          <a:lstStyle/>
+          <a:p>
+            <a:pPr marL="514350" indent="-514350">
+              <a:buFont typeface="+mj-lt"/>
+              <a:buAutoNum type="arabicPeriod"/>
+            </a:pPr>
+            <a:r>
+              <a:rPr lang="fr-CA" dirty="0"/>
+              <a:t>DOM &amp; Browser</a:t>
+            </a:r>
+          </a:p>
+          <a:p>
+            <a:pPr marL="514350" indent="-514350">
+              <a:buFont typeface="+mj-lt"/>
+              <a:buAutoNum type="arabicPeriod"/>
+            </a:pPr>
+            <a:r>
+              <a:rPr lang="fr-CA" dirty="0" err="1"/>
+              <a:t>React</a:t>
+            </a:r>
+            <a:r>
+              <a:rPr lang="fr-CA" dirty="0"/>
+              <a:t> Building Block</a:t>
+            </a:r>
+          </a:p>
+          <a:p>
+            <a:pPr marL="514350" indent="-514350">
+              <a:buFont typeface="+mj-lt"/>
+              <a:buAutoNum type="arabicPeriod"/>
+            </a:pPr>
+            <a:r>
+              <a:rPr lang="fr-CA" dirty="0"/>
+              <a:t>Virtual DOM</a:t>
+            </a:r>
+          </a:p>
+          <a:p>
+            <a:pPr marL="514350" indent="-514350">
+              <a:buFont typeface="+mj-lt"/>
+              <a:buAutoNum type="arabicPeriod"/>
+            </a:pPr>
+            <a:r>
+              <a:rPr lang="fr-CA" dirty="0" err="1"/>
+              <a:t>Lifecycle</a:t>
+            </a:r>
+            <a:endParaRPr lang="fr-CA" dirty="0"/>
+          </a:p>
+          <a:p>
+            <a:pPr marL="514350" indent="-514350">
+              <a:buFont typeface="+mj-lt"/>
+              <a:buAutoNum type="arabicPeriod"/>
+            </a:pPr>
+            <a:r>
+              <a:rPr lang="fr-CA" dirty="0" err="1"/>
+              <a:t>Render</a:t>
+            </a:r>
+            <a:r>
+              <a:rPr lang="fr-CA" dirty="0"/>
+              <a:t> &amp; </a:t>
+            </a:r>
+            <a:r>
+              <a:rPr lang="fr-CA" dirty="0" err="1"/>
+              <a:t>Reconciliation</a:t>
+            </a:r>
+            <a:endParaRPr lang="fr-CA" dirty="0"/>
+          </a:p>
+          <a:p>
+            <a:pPr marL="514350" indent="-514350">
+              <a:buFont typeface="+mj-lt"/>
+              <a:buAutoNum type="arabicPeriod"/>
+            </a:pPr>
+            <a:r>
+              <a:rPr lang="fr-CA" dirty="0"/>
+              <a:t>Waste </a:t>
+            </a:r>
+            <a:r>
+              <a:rPr lang="fr-CA" dirty="0" err="1"/>
+              <a:t>Render</a:t>
+            </a:r>
+            <a:endParaRPr lang="fr-CA" dirty="0"/>
+          </a:p>
+          <a:p>
+            <a:endParaRPr lang="fr-CA" dirty="0"/>
+          </a:p>
+        </p:txBody>
+      </p:sp>
+    </p:spTree>
+    <p:extLst>
+      <p:ext uri="{BB962C8B-B14F-4D97-AF65-F5344CB8AC3E}">
+        <p14:creationId xmlns:p14="http://schemas.microsoft.com/office/powerpoint/2010/main" val="4115206639"/>
+      </p:ext>
+    </p:extLst>
+  </p:cSld>
+  <p:clrMapOvr>
+    <a:masterClrMapping/>
+  </p:clrMapOvr>
+</p:sld>
+</file>
+
+<file path=ppt/slides/slide20.xml><?xml version="1.0" encoding="utf-8"?>
+<p:sld xmlns:a="http://schemas.openxmlformats.org/drawingml/2006/main" xmlns:r="http://schemas.openxmlformats.org/officeDocument/2006/relationships" xmlns:p="http://schemas.openxmlformats.org/presentationml/2006/main">
+  <p:cSld>
+    <p:spTree>
+      <p:nvGrpSpPr>
+        <p:cNvPr id="1" name=""/>
+        <p:cNvGrpSpPr/>
+        <p:nvPr/>
+      </p:nvGrpSpPr>
+      <p:grpSpPr>
+        <a:xfrm>
+          <a:off x="0" y="0"/>
+          <a:ext cx="0" cy="0"/>
+          <a:chOff x="0" y="0"/>
+          <a:chExt cx="0" cy="0"/>
+        </a:xfrm>
+      </p:grpSpPr>
+      <p:sp>
+        <p:nvSpPr>
+          <p:cNvPr id="2" name="Title 1">
+            <a:extLst>
+              <a:ext uri="{FF2B5EF4-FFF2-40B4-BE49-F238E27FC236}">
+                <a16:creationId xmlns:a16="http://schemas.microsoft.com/office/drawing/2014/main" id="{6875C8E1-7406-47E7-9A3F-D277C53A21E4}"/>
+              </a:ext>
+            </a:extLst>
+          </p:cNvPr>
+          <p:cNvSpPr>
+            <a:spLocks noGrp="1"/>
+          </p:cNvSpPr>
+          <p:nvPr>
+            <p:ph type="title"/>
+          </p:nvPr>
+        </p:nvSpPr>
+        <p:spPr/>
+        <p:txBody>
+          <a:bodyPr/>
+          <a:lstStyle/>
+          <a:p>
+            <a:r>
+              <a:rPr lang="fr-CA" dirty="0"/>
+              <a:t>Éviter des Waste </a:t>
+            </a:r>
+            <a:r>
+              <a:rPr lang="fr-CA" dirty="0" err="1"/>
+              <a:t>Render</a:t>
+            </a:r>
+            <a:endParaRPr lang="fr-CA" dirty="0"/>
+          </a:p>
+        </p:txBody>
+      </p:sp>
+      <p:sp>
+        <p:nvSpPr>
+          <p:cNvPr id="3" name="Content Placeholder 2">
+            <a:extLst>
+              <a:ext uri="{FF2B5EF4-FFF2-40B4-BE49-F238E27FC236}">
+                <a16:creationId xmlns:a16="http://schemas.microsoft.com/office/drawing/2014/main" id="{D450C24E-07FC-4816-9A13-3E663CFC7B99}"/>
+              </a:ext>
+            </a:extLst>
+          </p:cNvPr>
+          <p:cNvSpPr>
+            <a:spLocks noGrp="1"/>
+          </p:cNvSpPr>
+          <p:nvPr>
+            <p:ph idx="1"/>
+          </p:nvPr>
+        </p:nvSpPr>
+        <p:spPr/>
+        <p:txBody>
+          <a:bodyPr/>
+          <a:lstStyle/>
+          <a:p>
+            <a:pPr marL="0" indent="0">
+              <a:buNone/>
+            </a:pPr>
+            <a:r>
+              <a:rPr lang="fr-CA" dirty="0"/>
+              <a:t>Waste </a:t>
+            </a:r>
+            <a:r>
+              <a:rPr lang="fr-CA" dirty="0" err="1"/>
+              <a:t>Render</a:t>
+            </a:r>
+            <a:r>
+              <a:rPr lang="fr-CA" dirty="0"/>
+              <a:t> = </a:t>
+            </a:r>
+            <a:r>
+              <a:rPr lang="fr-CA" dirty="0" err="1"/>
+              <a:t>render</a:t>
+            </a:r>
+            <a:r>
+              <a:rPr lang="fr-CA" dirty="0"/>
+              <a:t> qui retourne le même </a:t>
+            </a:r>
+            <a:r>
+              <a:rPr lang="fr-CA" dirty="0" err="1"/>
+              <a:t>reactElement</a:t>
+            </a:r>
+            <a:r>
+              <a:rPr lang="fr-CA" dirty="0"/>
+              <a:t> (ne va pas updater le UI)</a:t>
+            </a:r>
+          </a:p>
+          <a:p>
+            <a:pPr marL="0" indent="0">
+              <a:buNone/>
+            </a:pPr>
+            <a:endParaRPr lang="fr-CA" dirty="0"/>
+          </a:p>
+          <a:p>
+            <a:pPr marL="0" indent="0">
+              <a:buNone/>
+            </a:pPr>
+            <a:r>
+              <a:rPr lang="fr-CA" dirty="0" err="1"/>
+              <a:t>ShouldComponentUpdate</a:t>
+            </a:r>
+            <a:r>
+              <a:rPr lang="fr-CA" dirty="0"/>
+              <a:t> retourne </a:t>
+            </a:r>
+            <a:r>
+              <a:rPr lang="fr-CA" dirty="0" err="1"/>
+              <a:t>true</a:t>
+            </a:r>
+            <a:r>
+              <a:rPr lang="fr-CA" dirty="0"/>
+              <a:t> alors que rien ne va changer.</a:t>
+            </a:r>
+          </a:p>
+          <a:p>
+            <a:pPr marL="0" indent="0">
+              <a:buNone/>
+            </a:pPr>
+            <a:endParaRPr lang="fr-CA" dirty="0"/>
+          </a:p>
+          <a:p>
+            <a:pPr marL="0" indent="0">
+              <a:buNone/>
+            </a:pPr>
+            <a:endParaRPr lang="fr-CA" dirty="0"/>
+          </a:p>
+          <a:p>
+            <a:pPr marL="0" indent="0">
+              <a:buNone/>
+            </a:pPr>
+            <a:endParaRPr lang="fr-CA" dirty="0"/>
+          </a:p>
+          <a:p>
+            <a:pPr marL="0" indent="0">
+              <a:buNone/>
+            </a:pPr>
+            <a:r>
+              <a:rPr lang="fr-CA" dirty="0"/>
+              <a:t>(</a:t>
+            </a:r>
+            <a:r>
+              <a:rPr lang="fr-CA" dirty="0" err="1"/>
+              <a:t>Render</a:t>
+            </a:r>
+            <a:r>
+              <a:rPr lang="fr-CA" dirty="0"/>
+              <a:t> </a:t>
+            </a:r>
+            <a:r>
+              <a:rPr lang="fr-CA" dirty="0" err="1"/>
+              <a:t>Function</a:t>
+            </a:r>
+            <a:r>
+              <a:rPr lang="fr-CA" dirty="0"/>
+              <a:t>, Component, </a:t>
+            </a:r>
+            <a:r>
+              <a:rPr lang="fr-CA" dirty="0" err="1"/>
+              <a:t>PureComponent</a:t>
+            </a:r>
+            <a:r>
+              <a:rPr lang="fr-CA" dirty="0"/>
+              <a:t>, Memo)</a:t>
+            </a:r>
+          </a:p>
+        </p:txBody>
+      </p:sp>
+    </p:spTree>
+    <p:extLst>
+      <p:ext uri="{BB962C8B-B14F-4D97-AF65-F5344CB8AC3E}">
+        <p14:creationId xmlns:p14="http://schemas.microsoft.com/office/powerpoint/2010/main" val="2120045792"/>
+      </p:ext>
+    </p:extLst>
+  </p:cSld>
+  <p:clrMapOvr>
+    <a:masterClrMapping/>
+  </p:clrMapOvr>
+</p:sld>
+</file>
+
+<file path=ppt/slides/slide21.xml><?xml version="1.0" encoding="utf-8"?>
+<p:sld xmlns:a="http://schemas.openxmlformats.org/drawingml/2006/main" xmlns:r="http://schemas.openxmlformats.org/officeDocument/2006/relationships" xmlns:p="http://schemas.openxmlformats.org/presentationml/2006/main">
+  <p:cSld>
+    <p:spTree>
+      <p:nvGrpSpPr>
+        <p:cNvPr id="1" name=""/>
+        <p:cNvGrpSpPr/>
+        <p:nvPr/>
+      </p:nvGrpSpPr>
+      <p:grpSpPr>
+        <a:xfrm>
+          <a:off x="0" y="0"/>
+          <a:ext cx="0" cy="0"/>
+          <a:chOff x="0" y="0"/>
+          <a:chExt cx="0" cy="0"/>
+        </a:xfrm>
+      </p:grpSpPr>
+      <p:sp>
+        <p:nvSpPr>
+          <p:cNvPr id="2" name="Title 1">
+            <a:extLst>
+              <a:ext uri="{FF2B5EF4-FFF2-40B4-BE49-F238E27FC236}">
+                <a16:creationId xmlns:a16="http://schemas.microsoft.com/office/drawing/2014/main" id="{6875C8E1-7406-47E7-9A3F-D277C53A21E4}"/>
+              </a:ext>
+            </a:extLst>
+          </p:cNvPr>
+          <p:cNvSpPr>
+            <a:spLocks noGrp="1"/>
+          </p:cNvSpPr>
+          <p:nvPr>
+            <p:ph type="title"/>
+          </p:nvPr>
+        </p:nvSpPr>
+        <p:spPr/>
+        <p:txBody>
+          <a:bodyPr/>
+          <a:lstStyle/>
+          <a:p>
+            <a:r>
+              <a:rPr lang="fr-CA" dirty="0" err="1"/>
+              <a:t>ShouldComponentUpdate</a:t>
+            </a:r>
+            <a:r>
+              <a:rPr lang="fr-CA" dirty="0"/>
+              <a:t> 101</a:t>
+            </a:r>
+          </a:p>
+        </p:txBody>
+      </p:sp>
+      <p:graphicFrame>
+        <p:nvGraphicFramePr>
+          <p:cNvPr id="7" name="Content Placeholder 6">
+            <a:extLst>
+              <a:ext uri="{FF2B5EF4-FFF2-40B4-BE49-F238E27FC236}">
+                <a16:creationId xmlns:a16="http://schemas.microsoft.com/office/drawing/2014/main" id="{FC514DB2-77C8-4A14-9F04-D3CC8C087A61}"/>
+              </a:ext>
+            </a:extLst>
+          </p:cNvPr>
+          <p:cNvGraphicFramePr>
+            <a:graphicFrameLocks noGrp="1"/>
+          </p:cNvGraphicFramePr>
+          <p:nvPr>
+            <p:ph idx="1"/>
+            <p:extLst>
+              <p:ext uri="{D42A27DB-BD31-4B8C-83A1-F6EECF244321}">
+                <p14:modId xmlns:p14="http://schemas.microsoft.com/office/powerpoint/2010/main" val="1963760640"/>
+              </p:ext>
+            </p:extLst>
+          </p:nvPr>
+        </p:nvGraphicFramePr>
+        <p:xfrm>
+          <a:off x="838200" y="1825625"/>
+          <a:ext cx="10515600" cy="1854200"/>
+        </p:xfrm>
+        <a:graphic>
+          <a:graphicData uri="http://schemas.openxmlformats.org/drawingml/2006/table">
+            <a:tbl>
+              <a:tblPr firstRow="1" bandRow="1">
+                <a:tableStyleId>{5C22544A-7EE6-4342-B048-85BDC9FD1C3A}</a:tableStyleId>
+              </a:tblPr>
+              <a:tblGrid>
+                <a:gridCol w="5257800">
+                  <a:extLst>
+                    <a:ext uri="{9D8B030D-6E8A-4147-A177-3AD203B41FA5}">
+                      <a16:colId xmlns:a16="http://schemas.microsoft.com/office/drawing/2014/main" val="2558417782"/>
+                    </a:ext>
+                  </a:extLst>
+                </a:gridCol>
+                <a:gridCol w="5257800">
+                  <a:extLst>
+                    <a:ext uri="{9D8B030D-6E8A-4147-A177-3AD203B41FA5}">
+                      <a16:colId xmlns:a16="http://schemas.microsoft.com/office/drawing/2014/main" val="881481147"/>
+                    </a:ext>
+                  </a:extLst>
+                </a:gridCol>
+              </a:tblGrid>
+              <a:tr h="370840">
+                <a:tc>
+                  <a:txBody>
+                    <a:bodyPr/>
+                    <a:lstStyle/>
+                    <a:p>
+                      <a:r>
+                        <a:rPr lang="fr-CA" dirty="0"/>
+                        <a:t>Type</a:t>
+                      </a:r>
+                    </a:p>
+                  </a:txBody>
+                  <a:tcPr/>
+                </a:tc>
+                <a:tc>
+                  <a:txBody>
+                    <a:bodyPr/>
+                    <a:lstStyle/>
+                    <a:p>
+                      <a:r>
+                        <a:rPr lang="fr-CA" dirty="0" err="1"/>
+                        <a:t>Behavior</a:t>
+                      </a:r>
+                      <a:r>
+                        <a:rPr lang="fr-CA" dirty="0"/>
+                        <a:t> of </a:t>
+                      </a:r>
+                      <a:r>
+                        <a:rPr lang="fr-CA" dirty="0" err="1"/>
+                        <a:t>shouldComponentUpdate</a:t>
+                      </a:r>
+                      <a:r>
+                        <a:rPr lang="fr-CA" dirty="0"/>
+                        <a:t> 101</a:t>
+                      </a:r>
+                    </a:p>
+                  </a:txBody>
+                  <a:tcPr/>
+                </a:tc>
+                <a:extLst>
+                  <a:ext uri="{0D108BD9-81ED-4DB2-BD59-A6C34878D82A}">
+                    <a16:rowId xmlns:a16="http://schemas.microsoft.com/office/drawing/2014/main" val="77060820"/>
+                  </a:ext>
+                </a:extLst>
+              </a:tr>
+              <a:tr h="370840">
+                <a:tc>
+                  <a:txBody>
+                    <a:bodyPr/>
+                    <a:lstStyle/>
+                    <a:p>
+                      <a:r>
+                        <a:rPr lang="fr-CA" dirty="0" err="1"/>
+                        <a:t>Render</a:t>
+                      </a:r>
+                      <a:r>
+                        <a:rPr lang="fr-CA" dirty="0"/>
+                        <a:t> </a:t>
+                      </a:r>
+                      <a:r>
+                        <a:rPr lang="fr-CA" dirty="0" err="1"/>
+                        <a:t>Function</a:t>
+                      </a:r>
+                      <a:endParaRPr lang="fr-CA" dirty="0"/>
+                    </a:p>
+                  </a:txBody>
+                  <a:tcPr/>
+                </a:tc>
+                <a:tc>
+                  <a:txBody>
+                    <a:bodyPr/>
+                    <a:lstStyle/>
+                    <a:p>
+                      <a:endParaRPr lang="fr-CA"/>
+                    </a:p>
+                  </a:txBody>
+                  <a:tcPr/>
+                </a:tc>
+                <a:extLst>
+                  <a:ext uri="{0D108BD9-81ED-4DB2-BD59-A6C34878D82A}">
+                    <a16:rowId xmlns:a16="http://schemas.microsoft.com/office/drawing/2014/main" val="287670347"/>
+                  </a:ext>
+                </a:extLst>
+              </a:tr>
+              <a:tr h="370840">
+                <a:tc>
+                  <a:txBody>
+                    <a:bodyPr/>
+                    <a:lstStyle/>
+                    <a:p>
+                      <a:r>
+                        <a:rPr lang="fr-CA" dirty="0"/>
+                        <a:t>Component</a:t>
+                      </a:r>
+                    </a:p>
+                  </a:txBody>
+                  <a:tcPr/>
+                </a:tc>
+                <a:tc>
+                  <a:txBody>
+                    <a:bodyPr/>
+                    <a:lstStyle/>
+                    <a:p>
+                      <a:endParaRPr lang="fr-CA"/>
+                    </a:p>
+                  </a:txBody>
+                  <a:tcPr/>
+                </a:tc>
+                <a:extLst>
+                  <a:ext uri="{0D108BD9-81ED-4DB2-BD59-A6C34878D82A}">
+                    <a16:rowId xmlns:a16="http://schemas.microsoft.com/office/drawing/2014/main" val="4127102668"/>
+                  </a:ext>
+                </a:extLst>
+              </a:tr>
+              <a:tr h="370840">
+                <a:tc>
+                  <a:txBody>
+                    <a:bodyPr/>
+                    <a:lstStyle/>
+                    <a:p>
+                      <a:r>
+                        <a:rPr lang="fr-CA" dirty="0" err="1"/>
+                        <a:t>PureComponent</a:t>
+                      </a:r>
+                      <a:endParaRPr lang="fr-CA" dirty="0"/>
+                    </a:p>
+                  </a:txBody>
+                  <a:tcPr/>
+                </a:tc>
+                <a:tc>
+                  <a:txBody>
+                    <a:bodyPr/>
+                    <a:lstStyle/>
+                    <a:p>
+                      <a:endParaRPr lang="fr-CA"/>
+                    </a:p>
+                  </a:txBody>
+                  <a:tcPr/>
+                </a:tc>
+                <a:extLst>
+                  <a:ext uri="{0D108BD9-81ED-4DB2-BD59-A6C34878D82A}">
+                    <a16:rowId xmlns:a16="http://schemas.microsoft.com/office/drawing/2014/main" val="4052333018"/>
+                  </a:ext>
+                </a:extLst>
+              </a:tr>
+              <a:tr h="370840">
+                <a:tc>
+                  <a:txBody>
+                    <a:bodyPr/>
+                    <a:lstStyle/>
+                    <a:p>
+                      <a:r>
+                        <a:rPr lang="fr-CA"/>
+                        <a:t>Memo</a:t>
+                      </a:r>
+                    </a:p>
+                  </a:txBody>
+                  <a:tcPr/>
+                </a:tc>
+                <a:tc>
+                  <a:txBody>
+                    <a:bodyPr/>
+                    <a:lstStyle/>
+                    <a:p>
+                      <a:endParaRPr lang="fr-CA"/>
+                    </a:p>
+                  </a:txBody>
+                  <a:tcPr/>
+                </a:tc>
+                <a:extLst>
+                  <a:ext uri="{0D108BD9-81ED-4DB2-BD59-A6C34878D82A}">
+                    <a16:rowId xmlns:a16="http://schemas.microsoft.com/office/drawing/2014/main" val="2704963125"/>
+                  </a:ext>
+                </a:extLst>
+              </a:tr>
+            </a:tbl>
+          </a:graphicData>
+        </a:graphic>
+      </p:graphicFrame>
+    </p:spTree>
+    <p:extLst>
+      <p:ext uri="{BB962C8B-B14F-4D97-AF65-F5344CB8AC3E}">
+        <p14:creationId xmlns:p14="http://schemas.microsoft.com/office/powerpoint/2010/main" val="1833262637"/>
+      </p:ext>
+    </p:extLst>
+  </p:cSld>
+  <p:clrMapOvr>
+    <a:masterClrMapping/>
+  </p:clrMapOvr>
+</p:sld>
+</file>
+
+<file path=ppt/slides/slide22.xml><?xml version="1.0" encoding="utf-8"?>
+<p:sld xmlns:a="http://schemas.openxmlformats.org/drawingml/2006/main" xmlns:r="http://schemas.openxmlformats.org/officeDocument/2006/relationships" xmlns:p="http://schemas.openxmlformats.org/presentationml/2006/main">
+  <p:cSld>
+    <p:spTree>
+      <p:nvGrpSpPr>
+        <p:cNvPr id="1" name=""/>
+        <p:cNvGrpSpPr/>
+        <p:nvPr/>
+      </p:nvGrpSpPr>
+      <p:grpSpPr>
+        <a:xfrm>
+          <a:off x="0" y="0"/>
+          <a:ext cx="0" cy="0"/>
+          <a:chOff x="0" y="0"/>
+          <a:chExt cx="0" cy="0"/>
+        </a:xfrm>
+      </p:grpSpPr>
+      <p:sp>
+        <p:nvSpPr>
+          <p:cNvPr id="2" name="Title 1">
+            <a:extLst>
+              <a:ext uri="{FF2B5EF4-FFF2-40B4-BE49-F238E27FC236}">
                 <a16:creationId xmlns:a16="http://schemas.microsoft.com/office/drawing/2014/main" id="{BBA7C400-A4FE-4EBB-924E-57B007DF095C}"/>
               </a:ext>
             </a:extLst>
@@ -5875,7 +7958,141 @@
 </p:sld>
 </file>
 
-<file path=ppt/slides/slide2.xml><?xml version="1.0" encoding="utf-8"?>
+<file path=ppt/slides/slide23.xml><?xml version="1.0" encoding="utf-8"?>
+<p:sld xmlns:a="http://schemas.openxmlformats.org/drawingml/2006/main" xmlns:r="http://schemas.openxmlformats.org/officeDocument/2006/relationships" xmlns:p="http://schemas.openxmlformats.org/presentationml/2006/main">
+  <p:cSld>
+    <p:spTree>
+      <p:nvGrpSpPr>
+        <p:cNvPr id="1" name=""/>
+        <p:cNvGrpSpPr/>
+        <p:nvPr/>
+      </p:nvGrpSpPr>
+      <p:grpSpPr>
+        <a:xfrm>
+          <a:off x="0" y="0"/>
+          <a:ext cx="0" cy="0"/>
+          <a:chOff x="0" y="0"/>
+          <a:chExt cx="0" cy="0"/>
+        </a:xfrm>
+      </p:grpSpPr>
+      <p:sp>
+        <p:nvSpPr>
+          <p:cNvPr id="2" name="Title 1">
+            <a:extLst>
+              <a:ext uri="{FF2B5EF4-FFF2-40B4-BE49-F238E27FC236}">
+                <a16:creationId xmlns:a16="http://schemas.microsoft.com/office/drawing/2014/main" id="{BBA7C400-A4FE-4EBB-924E-57B007DF095C}"/>
+              </a:ext>
+            </a:extLst>
+          </p:cNvPr>
+          <p:cNvSpPr>
+            <a:spLocks noGrp="1"/>
+          </p:cNvSpPr>
+          <p:nvPr>
+            <p:ph type="title"/>
+          </p:nvPr>
+        </p:nvSpPr>
+        <p:spPr/>
+        <p:txBody>
+          <a:bodyPr/>
+          <a:lstStyle/>
+          <a:p>
+            <a:r>
+              <a:rPr lang="fr-CA" dirty="0" err="1"/>
+              <a:t>Tooling</a:t>
+            </a:r>
+            <a:endParaRPr lang="fr-CA" dirty="0"/>
+          </a:p>
+        </p:txBody>
+      </p:sp>
+      <p:sp>
+        <p:nvSpPr>
+          <p:cNvPr id="3" name="Content Placeholder 2">
+            <a:extLst>
+              <a:ext uri="{FF2B5EF4-FFF2-40B4-BE49-F238E27FC236}">
+                <a16:creationId xmlns:a16="http://schemas.microsoft.com/office/drawing/2014/main" id="{283FD2DC-9271-40AA-9767-9A3B47CC7110}"/>
+              </a:ext>
+            </a:extLst>
+          </p:cNvPr>
+          <p:cNvSpPr>
+            <a:spLocks noGrp="1"/>
+          </p:cNvSpPr>
+          <p:nvPr>
+            <p:ph idx="1"/>
+          </p:nvPr>
+        </p:nvSpPr>
+        <p:spPr/>
+        <p:txBody>
+          <a:bodyPr/>
+          <a:lstStyle/>
+          <a:p>
+            <a:pPr marL="0" indent="0">
+              <a:buNone/>
+            </a:pPr>
+            <a:r>
+              <a:rPr lang="fr-CA" dirty="0">
+                <a:hlinkClick r:id="rId2"/>
+              </a:rPr>
+              <a:t>https://scotch.io/tutorials/use-the-react-profiler-for-performance</a:t>
+            </a:r>
+            <a:endParaRPr lang="fr-CA" dirty="0"/>
+          </a:p>
+          <a:p>
+            <a:pPr marL="0" indent="0">
+              <a:buNone/>
+            </a:pPr>
+            <a:endParaRPr lang="fr-CA" dirty="0"/>
+          </a:p>
+          <a:p>
+            <a:pPr marL="0" indent="0">
+              <a:buNone/>
+            </a:pPr>
+            <a:r>
+              <a:rPr lang="fr-CA" dirty="0"/>
+              <a:t>Exemple comment profiler à aider à </a:t>
+            </a:r>
+            <a:r>
+              <a:rPr lang="fr-CA" dirty="0" err="1"/>
+              <a:t>debug</a:t>
+            </a:r>
+            <a:r>
+              <a:rPr lang="fr-CA" dirty="0"/>
+              <a:t> un problème chez </a:t>
+            </a:r>
+            <a:r>
+              <a:rPr lang="fr-CA" dirty="0" err="1"/>
+              <a:t>Netlify</a:t>
+            </a:r>
+            <a:r>
+              <a:rPr lang="fr-CA" dirty="0"/>
+              <a:t>: </a:t>
+            </a:r>
+            <a:r>
+              <a:rPr lang="fr-CA" dirty="0">
+                <a:hlinkClick r:id="rId3"/>
+              </a:rPr>
+              <a:t>https://www.netlify.com/blog/2018/08/29/using-the-react-devtools-profiler-to-diagnose-react-app-performance-issues/</a:t>
+            </a:r>
+            <a:r>
+              <a:rPr lang="fr-CA" dirty="0"/>
+              <a:t> </a:t>
+            </a:r>
+          </a:p>
+        </p:txBody>
+      </p:sp>
+    </p:spTree>
+    <p:extLst>
+      <p:ext uri="{BB962C8B-B14F-4D97-AF65-F5344CB8AC3E}">
+        <p14:creationId xmlns:p14="http://schemas.microsoft.com/office/powerpoint/2010/main" val="125434973"/>
+      </p:ext>
+    </p:extLst>
+  </p:cSld>
+  <p:clrMapOvr>
+    <a:masterClrMapping/>
+  </p:clrMapOvr>
+</p:sld>
+</file>
+
+<file path=ppt/slides/slide3.xml><?xml version="1.0" encoding="utf-8"?>
 <p:sld xmlns:a="http://schemas.openxmlformats.org/drawingml/2006/main" xmlns:r="http://schemas.openxmlformats.org/officeDocument/2006/relationships" xmlns:p="http://schemas.openxmlformats.org/presentationml/2006/main">
   <p:cSld>
     <p:spTree>
@@ -6109,7 +8326,7 @@
 </p:sld>
 </file>
 
-<file path=ppt/slides/slide3.xml><?xml version="1.0" encoding="utf-8"?>
+<file path=ppt/slides/slide4.xml><?xml version="1.0" encoding="utf-8"?>
 <p:sld xmlns:a="http://schemas.openxmlformats.org/drawingml/2006/main" xmlns:r="http://schemas.openxmlformats.org/officeDocument/2006/relationships" xmlns:p="http://schemas.openxmlformats.org/presentationml/2006/main">
   <p:cSld>
     <p:spTree>
@@ -6381,7 +8598,7 @@
 </p:sld>
 </file>
 
-<file path=ppt/slides/slide4.xml><?xml version="1.0" encoding="utf-8"?>
+<file path=ppt/slides/slide5.xml><?xml version="1.0" encoding="utf-8"?>
 <p:sld xmlns:a="http://schemas.openxmlformats.org/drawingml/2006/main" xmlns:r="http://schemas.openxmlformats.org/officeDocument/2006/relationships" xmlns:p="http://schemas.openxmlformats.org/presentationml/2006/main">
   <p:cSld>
     <p:spTree>
@@ -6815,7 +9032,7 @@
 </p:sld>
 </file>
 
-<file path=ppt/slides/slide5.xml><?xml version="1.0" encoding="utf-8"?>
+<file path=ppt/slides/slide6.xml><?xml version="1.0" encoding="utf-8"?>
 <p:sld xmlns:a="http://schemas.openxmlformats.org/drawingml/2006/main" xmlns:r="http://schemas.openxmlformats.org/officeDocument/2006/relationships" xmlns:p="http://schemas.openxmlformats.org/presentationml/2006/main">
   <p:cSld>
     <p:spTree>
@@ -6903,12 +9120,482 @@
           </a:prstGeom>
         </p:spPr>
       </p:pic>
+      <p:graphicFrame>
+        <p:nvGraphicFramePr>
+          <p:cNvPr id="6" name="Table 5">
+            <a:extLst>
+              <a:ext uri="{FF2B5EF4-FFF2-40B4-BE49-F238E27FC236}">
+                <a16:creationId xmlns:a16="http://schemas.microsoft.com/office/drawing/2014/main" id="{F96421FB-6624-4F99-8DB1-F9BD5F280388}"/>
+              </a:ext>
+            </a:extLst>
+          </p:cNvPr>
+          <p:cNvGraphicFramePr>
+            <a:graphicFrameLocks noGrp="1"/>
+          </p:cNvGraphicFramePr>
+          <p:nvPr>
+            <p:extLst>
+              <p:ext uri="{D42A27DB-BD31-4B8C-83A1-F6EECF244321}">
+                <p14:modId xmlns:p14="http://schemas.microsoft.com/office/powerpoint/2010/main" val="4072590611"/>
+              </p:ext>
+            </p:extLst>
+          </p:nvPr>
+        </p:nvGraphicFramePr>
+        <p:xfrm>
+          <a:off x="5453743" y="1666240"/>
+          <a:ext cx="6458857" cy="4028440"/>
+        </p:xfrm>
+        <a:graphic>
+          <a:graphicData uri="http://schemas.openxmlformats.org/drawingml/2006/table">
+            <a:tbl>
+              <a:tblPr firstRow="1" bandRow="1">
+                <a:tableStyleId>{5C22544A-7EE6-4342-B048-85BDC9FD1C3A}</a:tableStyleId>
+              </a:tblPr>
+              <a:tblGrid>
+                <a:gridCol w="2155371">
+                  <a:extLst>
+                    <a:ext uri="{9D8B030D-6E8A-4147-A177-3AD203B41FA5}">
+                      <a16:colId xmlns:a16="http://schemas.microsoft.com/office/drawing/2014/main" val="4222515365"/>
+                    </a:ext>
+                  </a:extLst>
+                </a:gridCol>
+                <a:gridCol w="4303486">
+                  <a:extLst>
+                    <a:ext uri="{9D8B030D-6E8A-4147-A177-3AD203B41FA5}">
+                      <a16:colId xmlns:a16="http://schemas.microsoft.com/office/drawing/2014/main" val="3872575451"/>
+                    </a:ext>
+                  </a:extLst>
+                </a:gridCol>
+              </a:tblGrid>
+              <a:tr h="370840">
+                <a:tc>
+                  <a:txBody>
+                    <a:bodyPr/>
+                    <a:lstStyle/>
+                    <a:p>
+                      <a:r>
+                        <a:rPr lang="fr-CA" dirty="0" err="1"/>
+                        <a:t>Property</a:t>
+                      </a:r>
+                      <a:r>
+                        <a:rPr lang="fr-CA" dirty="0"/>
+                        <a:t> Name</a:t>
+                      </a:r>
+                    </a:p>
+                  </a:txBody>
+                  <a:tcPr/>
+                </a:tc>
+                <a:tc>
+                  <a:txBody>
+                    <a:bodyPr/>
+                    <a:lstStyle/>
+                    <a:p>
+                      <a:r>
+                        <a:rPr lang="fr-CA" dirty="0"/>
+                        <a:t>Description</a:t>
+                      </a:r>
+                    </a:p>
+                  </a:txBody>
+                  <a:tcPr/>
+                </a:tc>
+                <a:extLst>
+                  <a:ext uri="{0D108BD9-81ED-4DB2-BD59-A6C34878D82A}">
+                    <a16:rowId xmlns:a16="http://schemas.microsoft.com/office/drawing/2014/main" val="1394859493"/>
+                  </a:ext>
+                </a:extLst>
+              </a:tr>
+              <a:tr h="370840">
+                <a:tc>
+                  <a:txBody>
+                    <a:bodyPr/>
+                    <a:lstStyle/>
+                    <a:p>
+                      <a:r>
+                        <a:rPr lang="fr-CA" dirty="0"/>
+                        <a:t>Key</a:t>
+                      </a:r>
+                    </a:p>
+                  </a:txBody>
+                  <a:tcPr/>
+                </a:tc>
+                <a:tc>
+                  <a:txBody>
+                    <a:bodyPr/>
+                    <a:lstStyle/>
+                    <a:p>
+                      <a:r>
+                        <a:rPr lang="fr-CA" dirty="0" err="1"/>
+                        <a:t>Uniquely</a:t>
+                      </a:r>
+                      <a:r>
+                        <a:rPr lang="fr-CA" dirty="0"/>
+                        <a:t> </a:t>
+                      </a:r>
+                      <a:r>
+                        <a:rPr lang="fr-CA" dirty="0" err="1"/>
+                        <a:t>identity</a:t>
+                      </a:r>
+                      <a:r>
+                        <a:rPr lang="fr-CA" dirty="0"/>
+                        <a:t> a </a:t>
+                      </a:r>
+                      <a:r>
+                        <a:rPr lang="fr-CA" dirty="0" err="1"/>
+                        <a:t>React</a:t>
+                      </a:r>
+                      <a:r>
+                        <a:rPr lang="fr-CA" dirty="0"/>
+                        <a:t> </a:t>
+                      </a:r>
+                      <a:r>
+                        <a:rPr lang="fr-CA" dirty="0" err="1"/>
+                        <a:t>elements</a:t>
+                      </a:r>
+                      <a:r>
+                        <a:rPr lang="fr-CA" dirty="0"/>
+                        <a:t> </a:t>
+                      </a:r>
+                      <a:r>
+                        <a:rPr lang="fr-CA" dirty="0" err="1"/>
+                        <a:t>withing</a:t>
+                      </a:r>
+                      <a:r>
+                        <a:rPr lang="fr-CA" dirty="0"/>
+                        <a:t> an </a:t>
+                      </a:r>
+                      <a:r>
+                        <a:rPr lang="fr-CA" dirty="0" err="1"/>
+                        <a:t>array</a:t>
+                      </a:r>
+                      <a:r>
+                        <a:rPr lang="fr-CA" dirty="0"/>
+                        <a:t> of the </a:t>
+                      </a:r>
+                      <a:r>
+                        <a:rPr lang="fr-CA" dirty="0" err="1"/>
+                        <a:t>same</a:t>
+                      </a:r>
+                      <a:r>
+                        <a:rPr lang="fr-CA" dirty="0"/>
+                        <a:t> type.</a:t>
+                      </a:r>
+                    </a:p>
+                  </a:txBody>
+                  <a:tcPr/>
+                </a:tc>
+                <a:extLst>
+                  <a:ext uri="{0D108BD9-81ED-4DB2-BD59-A6C34878D82A}">
+                    <a16:rowId xmlns:a16="http://schemas.microsoft.com/office/drawing/2014/main" val="2436484844"/>
+                  </a:ext>
+                </a:extLst>
+              </a:tr>
+              <a:tr h="370840">
+                <a:tc>
+                  <a:txBody>
+                    <a:bodyPr/>
+                    <a:lstStyle/>
+                    <a:p>
+                      <a:r>
+                        <a:rPr lang="fr-CA" dirty="0" err="1"/>
+                        <a:t>Props</a:t>
+                      </a:r>
+                      <a:endParaRPr lang="fr-CA" dirty="0"/>
+                    </a:p>
+                  </a:txBody>
+                  <a:tcPr/>
+                </a:tc>
+                <a:tc>
+                  <a:txBody>
+                    <a:bodyPr/>
+                    <a:lstStyle/>
+                    <a:p>
+                      <a:r>
+                        <a:rPr lang="fr-CA" dirty="0"/>
+                        <a:t>Mapping of all the </a:t>
+                      </a:r>
+                      <a:r>
+                        <a:rPr lang="fr-CA" dirty="0" err="1"/>
+                        <a:t>props</a:t>
+                      </a:r>
+                      <a:r>
+                        <a:rPr lang="fr-CA" dirty="0"/>
+                        <a:t> and values (</a:t>
+                      </a:r>
+                      <a:r>
+                        <a:rPr lang="fr-CA" dirty="0" err="1"/>
+                        <a:t>include</a:t>
+                      </a:r>
+                      <a:r>
+                        <a:rPr lang="fr-CA" dirty="0"/>
+                        <a:t> </a:t>
+                      </a:r>
+                      <a:r>
+                        <a:rPr lang="fr-CA" dirty="0" err="1"/>
+                        <a:t>children</a:t>
+                      </a:r>
+                      <a:r>
+                        <a:rPr lang="fr-CA" dirty="0"/>
+                        <a:t>)</a:t>
+                      </a:r>
+                    </a:p>
+                  </a:txBody>
+                  <a:tcPr/>
+                </a:tc>
+                <a:extLst>
+                  <a:ext uri="{0D108BD9-81ED-4DB2-BD59-A6C34878D82A}">
+                    <a16:rowId xmlns:a16="http://schemas.microsoft.com/office/drawing/2014/main" val="3752318723"/>
+                  </a:ext>
+                </a:extLst>
+              </a:tr>
+              <a:tr h="370840">
+                <a:tc>
+                  <a:txBody>
+                    <a:bodyPr/>
+                    <a:lstStyle/>
+                    <a:p>
+                      <a:r>
+                        <a:rPr lang="fr-CA" dirty="0" err="1"/>
+                        <a:t>Ref</a:t>
+                      </a:r>
+                      <a:endParaRPr lang="fr-CA" dirty="0"/>
+                    </a:p>
+                  </a:txBody>
+                  <a:tcPr/>
+                </a:tc>
+                <a:tc>
+                  <a:txBody>
+                    <a:bodyPr/>
+                    <a:lstStyle/>
+                    <a:p>
+                      <a:r>
+                        <a:rPr lang="fr-CA" dirty="0" err="1"/>
+                        <a:t>Property</a:t>
+                      </a:r>
+                      <a:r>
+                        <a:rPr lang="fr-CA" dirty="0"/>
+                        <a:t> </a:t>
+                      </a:r>
+                      <a:r>
+                        <a:rPr lang="fr-CA" dirty="0" err="1"/>
+                        <a:t>used</a:t>
+                      </a:r>
+                      <a:r>
+                        <a:rPr lang="fr-CA" dirty="0"/>
+                        <a:t> to </a:t>
+                      </a:r>
+                      <a:r>
+                        <a:rPr lang="fr-CA" dirty="0" err="1"/>
+                        <a:t>access</a:t>
+                      </a:r>
+                      <a:r>
+                        <a:rPr lang="fr-CA" dirty="0"/>
+                        <a:t> the </a:t>
+                      </a:r>
+                      <a:r>
+                        <a:rPr lang="fr-CA" dirty="0" err="1"/>
+                        <a:t>underlying</a:t>
+                      </a:r>
+                      <a:r>
+                        <a:rPr lang="fr-CA" dirty="0"/>
+                        <a:t> DOM </a:t>
+                      </a:r>
+                      <a:r>
+                        <a:rPr lang="fr-CA" dirty="0" err="1"/>
+                        <a:t>element</a:t>
+                      </a:r>
+                      <a:r>
+                        <a:rPr lang="fr-CA" dirty="0"/>
+                        <a:t>.</a:t>
+                      </a:r>
+                    </a:p>
+                    <a:p>
+                      <a:pPr marL="285750" indent="-285750">
+                        <a:buFont typeface="Arial" panose="020B0604020202020204" pitchFamily="34" charset="0"/>
+                        <a:buChar char="•"/>
+                      </a:pPr>
+                      <a:r>
+                        <a:rPr lang="fr-CA" dirty="0"/>
+                        <a:t>Set </a:t>
+                      </a:r>
+                      <a:r>
+                        <a:rPr lang="fr-CA" dirty="0" err="1"/>
+                        <a:t>when</a:t>
+                      </a:r>
+                      <a:r>
+                        <a:rPr lang="fr-CA" dirty="0"/>
+                        <a:t> </a:t>
+                      </a:r>
+                      <a:r>
+                        <a:rPr lang="fr-CA" dirty="0" err="1"/>
+                        <a:t>this</a:t>
+                      </a:r>
+                      <a:r>
+                        <a:rPr lang="fr-CA" dirty="0"/>
+                        <a:t> </a:t>
+                      </a:r>
+                      <a:r>
+                        <a:rPr lang="fr-CA" dirty="0" err="1"/>
+                        <a:t>ReactElement</a:t>
+                      </a:r>
+                      <a:r>
+                        <a:rPr lang="fr-CA" dirty="0"/>
+                        <a:t> </a:t>
+                      </a:r>
+                      <a:r>
+                        <a:rPr lang="fr-CA" dirty="0" err="1"/>
+                        <a:t>is</a:t>
+                      </a:r>
+                      <a:r>
+                        <a:rPr lang="fr-CA" dirty="0"/>
+                        <a:t> </a:t>
+                      </a:r>
+                      <a:r>
+                        <a:rPr lang="fr-CA" dirty="0" err="1"/>
+                        <a:t>rendered</a:t>
+                      </a:r>
+                      <a:endParaRPr lang="fr-CA" dirty="0"/>
+                    </a:p>
+                  </a:txBody>
+                  <a:tcPr/>
+                </a:tc>
+                <a:extLst>
+                  <a:ext uri="{0D108BD9-81ED-4DB2-BD59-A6C34878D82A}">
+                    <a16:rowId xmlns:a16="http://schemas.microsoft.com/office/drawing/2014/main" val="153830878"/>
+                  </a:ext>
+                </a:extLst>
+              </a:tr>
+              <a:tr h="370840">
+                <a:tc>
+                  <a:txBody>
+                    <a:bodyPr/>
+                    <a:lstStyle/>
+                    <a:p>
+                      <a:r>
+                        <a:rPr lang="fr-CA" dirty="0"/>
+                        <a:t>Type</a:t>
+                      </a:r>
+                    </a:p>
+                  </a:txBody>
+                  <a:tcPr/>
+                </a:tc>
+                <a:tc>
+                  <a:txBody>
+                    <a:bodyPr/>
+                    <a:lstStyle/>
+                    <a:p>
+                      <a:pPr marL="0" indent="0">
+                        <a:buFont typeface="Arial" panose="020B0604020202020204" pitchFamily="34" charset="0"/>
+                        <a:buNone/>
+                      </a:pPr>
+                      <a:r>
+                        <a:rPr lang="fr-CA" dirty="0"/>
+                        <a:t>Type of the </a:t>
+                      </a:r>
+                      <a:r>
+                        <a:rPr lang="fr-CA" dirty="0" err="1"/>
+                        <a:t>element</a:t>
+                      </a:r>
+                      <a:endParaRPr lang="fr-CA" dirty="0"/>
+                    </a:p>
+                    <a:p>
+                      <a:pPr marL="285750" indent="-285750">
+                        <a:buFont typeface="Arial" panose="020B0604020202020204" pitchFamily="34" charset="0"/>
+                        <a:buChar char="•"/>
+                      </a:pPr>
+                      <a:r>
+                        <a:rPr lang="fr-CA" dirty="0"/>
+                        <a:t>Tag </a:t>
+                      </a:r>
+                      <a:r>
+                        <a:rPr lang="fr-CA" dirty="0" err="1"/>
+                        <a:t>name</a:t>
+                      </a:r>
+                      <a:r>
+                        <a:rPr lang="fr-CA" dirty="0"/>
+                        <a:t> string (</a:t>
+                      </a:r>
+                      <a:r>
+                        <a:rPr lang="fr-CA" dirty="0" err="1"/>
+                        <a:t>i.e</a:t>
+                      </a:r>
+                      <a:r>
+                        <a:rPr lang="fr-CA" dirty="0"/>
+                        <a:t>: div, </a:t>
+                      </a:r>
+                      <a:r>
+                        <a:rPr lang="fr-CA" dirty="0" err="1"/>
+                        <a:t>span</a:t>
+                      </a:r>
+                      <a:r>
+                        <a:rPr lang="fr-CA" dirty="0"/>
+                        <a:t>)</a:t>
+                      </a:r>
+                    </a:p>
+                    <a:p>
+                      <a:pPr marL="285750" indent="-285750">
+                        <a:buFont typeface="Arial" panose="020B0604020202020204" pitchFamily="34" charset="0"/>
+                        <a:buChar char="•"/>
+                      </a:pPr>
+                      <a:r>
+                        <a:rPr lang="fr-CA" dirty="0" err="1"/>
+                        <a:t>React</a:t>
+                      </a:r>
+                      <a:r>
+                        <a:rPr lang="fr-CA" dirty="0"/>
+                        <a:t> Component (class or </a:t>
+                      </a:r>
+                      <a:r>
+                        <a:rPr lang="fr-CA" dirty="0" err="1"/>
+                        <a:t>function</a:t>
+                      </a:r>
+                      <a:r>
+                        <a:rPr lang="fr-CA" dirty="0"/>
+                        <a:t>)</a:t>
+                      </a:r>
+                    </a:p>
+                    <a:p>
+                      <a:pPr marL="285750" indent="-285750">
+                        <a:buFont typeface="Arial" panose="020B0604020202020204" pitchFamily="34" charset="0"/>
+                        <a:buChar char="•"/>
+                      </a:pPr>
+                      <a:r>
+                        <a:rPr lang="fr-CA" dirty="0" err="1"/>
+                        <a:t>React</a:t>
+                      </a:r>
+                      <a:r>
+                        <a:rPr lang="fr-CA" dirty="0"/>
+                        <a:t> Fragment</a:t>
+                      </a:r>
+                    </a:p>
+                    <a:p>
+                      <a:pPr marL="285750" indent="-285750">
+                        <a:buFont typeface="Arial" panose="020B0604020202020204" pitchFamily="34" charset="0"/>
+                        <a:buChar char="•"/>
+                      </a:pPr>
+                      <a:r>
+                        <a:rPr lang="fr-CA" dirty="0" err="1"/>
+                        <a:t>Bool</a:t>
+                      </a:r>
+                      <a:endParaRPr lang="fr-CA" dirty="0"/>
+                    </a:p>
+                  </a:txBody>
+                  <a:tcPr/>
+                </a:tc>
+                <a:extLst>
+                  <a:ext uri="{0D108BD9-81ED-4DB2-BD59-A6C34878D82A}">
+                    <a16:rowId xmlns:a16="http://schemas.microsoft.com/office/drawing/2014/main" val="3276912826"/>
+                  </a:ext>
+                </a:extLst>
+              </a:tr>
+            </a:tbl>
+          </a:graphicData>
+        </a:graphic>
+      </p:graphicFrame>
       <p:pic>
         <p:nvPicPr>
-          <p:cNvPr id="8" name="Picture 7">
-            <a:extLst>
-              <a:ext uri="{FF2B5EF4-FFF2-40B4-BE49-F238E27FC236}">
-                <a16:creationId xmlns:a16="http://schemas.microsoft.com/office/drawing/2014/main" id="{2405EA3A-A362-480C-B478-693387D81A55}"/>
+          <p:cNvPr id="10" name="Picture 9">
+            <a:extLst>
+              <a:ext uri="{FF2B5EF4-FFF2-40B4-BE49-F238E27FC236}">
+                <a16:creationId xmlns:a16="http://schemas.microsoft.com/office/drawing/2014/main" id="{F49A9A97-E8AF-4CF9-A0AA-F9F8D2FC92D9}"/>
               </a:ext>
             </a:extLst>
           </p:cNvPr>
@@ -6925,8 +9612,8 @@
         </p:blipFill>
         <p:spPr>
           <a:xfrm>
-            <a:off x="838200" y="3149600"/>
-            <a:ext cx="3717654" cy="2578847"/>
+            <a:off x="279400" y="3078984"/>
+            <a:ext cx="4931172" cy="2503714"/>
           </a:xfrm>
           <a:prstGeom prst="rect">
             <a:avLst/>
@@ -6935,10 +9622,10 @@
       </p:pic>
       <p:sp>
         <p:nvSpPr>
-          <p:cNvPr id="9" name="TextBox 8">
-            <a:extLst>
-              <a:ext uri="{FF2B5EF4-FFF2-40B4-BE49-F238E27FC236}">
-                <a16:creationId xmlns:a16="http://schemas.microsoft.com/office/drawing/2014/main" id="{A9D9BC85-534A-4403-8C39-6C3C361C60BA}"/>
+          <p:cNvPr id="11" name="TextBox 10">
+            <a:extLst>
+              <a:ext uri="{FF2B5EF4-FFF2-40B4-BE49-F238E27FC236}">
+                <a16:creationId xmlns:a16="http://schemas.microsoft.com/office/drawing/2014/main" id="{BF715E05-7E6D-4E54-85C3-F55D129D4C54}"/>
               </a:ext>
             </a:extLst>
           </p:cNvPr>
@@ -6947,8 +9634,8 @@
         </p:nvSpPr>
         <p:spPr>
           <a:xfrm>
-            <a:off x="4777006" y="1861339"/>
-            <a:ext cx="7331258" cy="3046988"/>
+            <a:off x="401424" y="6098231"/>
+            <a:ext cx="4345223" cy="461665"/>
           </a:xfrm>
           <a:prstGeom prst="rect">
             <a:avLst/>
@@ -6961,100 +9648,6 @@
           </a:bodyPr>
           <a:lstStyle/>
           <a:p>
-            <a:pPr marL="285750" indent="-285750">
-              <a:buFont typeface="Arial" panose="020B0604020202020204" pitchFamily="34" charset="0"/>
-              <a:buChar char="•"/>
-            </a:pPr>
-            <a:r>
-              <a:rPr lang="fr-CA" sz="2400" dirty="0"/>
-              <a:t>Virtual DOM est une </a:t>
-            </a:r>
-            <a:r>
-              <a:rPr lang="fr-CA" sz="2400" dirty="0" err="1"/>
-              <a:t>abscription</a:t>
-            </a:r>
-            <a:r>
-              <a:rPr lang="fr-CA" sz="2400" dirty="0"/>
-              <a:t> du HTML DOM</a:t>
-            </a:r>
-          </a:p>
-          <a:p>
-            <a:pPr marL="285750" indent="-285750">
-              <a:buFont typeface="Arial" panose="020B0604020202020204" pitchFamily="34" charset="0"/>
-              <a:buChar char="•"/>
-            </a:pPr>
-            <a:r>
-              <a:rPr lang="fr-CA" sz="2400" dirty="0"/>
-              <a:t>Découplé des détails d’implémentation du browser</a:t>
-            </a:r>
-          </a:p>
-          <a:p>
-            <a:pPr marL="285750" indent="-285750">
-              <a:buFont typeface="Arial" panose="020B0604020202020204" pitchFamily="34" charset="0"/>
-              <a:buChar char="•"/>
-            </a:pPr>
-            <a:r>
-              <a:rPr lang="fr-CA" sz="2400" dirty="0"/>
-              <a:t>Composé de </a:t>
-            </a:r>
-            <a:r>
-              <a:rPr lang="fr-CA" sz="2400" dirty="0" err="1"/>
-              <a:t>ReactElement</a:t>
-            </a:r>
-            <a:endParaRPr lang="fr-CA" sz="2400" dirty="0"/>
-          </a:p>
-          <a:p>
-            <a:pPr marL="285750" indent="-285750">
-              <a:buFont typeface="Arial" panose="020B0604020202020204" pitchFamily="34" charset="0"/>
-              <a:buChar char="•"/>
-            </a:pPr>
-            <a:r>
-              <a:rPr lang="fr-CA" sz="2400" dirty="0"/>
-              <a:t>La méthode </a:t>
-            </a:r>
-            <a:r>
-              <a:rPr lang="fr-CA" sz="2400" dirty="0" err="1"/>
-              <a:t>React.Render</a:t>
-            </a:r>
-            <a:r>
-              <a:rPr lang="fr-CA" sz="2400" dirty="0"/>
-              <a:t>() transforme le </a:t>
-            </a:r>
-            <a:r>
-              <a:rPr lang="fr-CA" sz="2400" dirty="0" err="1"/>
-              <a:t>reactElement</a:t>
-            </a:r>
-            <a:r>
-              <a:rPr lang="fr-CA" sz="2400" dirty="0"/>
-              <a:t> en </a:t>
-            </a:r>
-            <a:r>
-              <a:rPr lang="fr-CA" sz="2400" dirty="0" err="1"/>
-              <a:t>node</a:t>
-            </a:r>
-            <a:r>
-              <a:rPr lang="fr-CA" sz="2400" dirty="0"/>
-              <a:t> du HTML DOM</a:t>
-            </a:r>
-          </a:p>
-          <a:p>
-            <a:pPr marL="742950" lvl="1" indent="-285750">
-              <a:buFont typeface="Arial" panose="020B0604020202020204" pitchFamily="34" charset="0"/>
-              <a:buChar char="•"/>
-            </a:pPr>
-            <a:r>
-              <a:rPr lang="fr-CA" sz="2400" dirty="0"/>
-              <a:t>Ou le DOM du mobile </a:t>
-            </a:r>
-          </a:p>
-          <a:p>
-            <a:pPr marL="742950" lvl="1" indent="-285750">
-              <a:buFont typeface="Arial" panose="020B0604020202020204" pitchFamily="34" charset="0"/>
-              <a:buChar char="•"/>
-            </a:pPr>
-            <a:endParaRPr lang="fr-CA" sz="2400" dirty="0"/>
-          </a:p>
-          <a:p>
             <a:r>
               <a:rPr lang="fr-CA" sz="2400" dirty="0"/>
               <a:t>Démo: « 2-react-element.html »</a:t>
@@ -7066,343 +9659,6 @@
     <p:extLst>
       <p:ext uri="{BB962C8B-B14F-4D97-AF65-F5344CB8AC3E}">
         <p14:creationId xmlns:p14="http://schemas.microsoft.com/office/powerpoint/2010/main" val="300338475"/>
-      </p:ext>
-    </p:extLst>
-  </p:cSld>
-  <p:clrMapOvr>
-    <a:masterClrMapping/>
-  </p:clrMapOvr>
-</p:sld>
-</file>
-
-<file path=ppt/slides/slide6.xml><?xml version="1.0" encoding="utf-8"?>
-<p:sld xmlns:a="http://schemas.openxmlformats.org/drawingml/2006/main" xmlns:r="http://schemas.openxmlformats.org/officeDocument/2006/relationships" xmlns:p="http://schemas.openxmlformats.org/presentationml/2006/main">
-  <p:cSld>
-    <p:spTree>
-      <p:nvGrpSpPr>
-        <p:cNvPr id="1" name=""/>
-        <p:cNvGrpSpPr/>
-        <p:nvPr/>
-      </p:nvGrpSpPr>
-      <p:grpSpPr>
-        <a:xfrm>
-          <a:off x="0" y="0"/>
-          <a:ext cx="0" cy="0"/>
-          <a:chOff x="0" y="0"/>
-          <a:chExt cx="0" cy="0"/>
-        </a:xfrm>
-      </p:grpSpPr>
-      <p:sp>
-        <p:nvSpPr>
-          <p:cNvPr id="2" name="Title 1">
-            <a:extLst>
-              <a:ext uri="{FF2B5EF4-FFF2-40B4-BE49-F238E27FC236}">
-                <a16:creationId xmlns:a16="http://schemas.microsoft.com/office/drawing/2014/main" id="{D6D490E6-4965-494E-BF76-DFF0E69167B8}"/>
-              </a:ext>
-            </a:extLst>
-          </p:cNvPr>
-          <p:cNvSpPr>
-            <a:spLocks noGrp="1"/>
-          </p:cNvSpPr>
-          <p:nvPr>
-            <p:ph type="title"/>
-          </p:nvPr>
-        </p:nvSpPr>
-        <p:spPr/>
-        <p:txBody>
-          <a:bodyPr/>
-          <a:lstStyle/>
-          <a:p>
-            <a:r>
-              <a:rPr lang="fr-CA" dirty="0" err="1"/>
-              <a:t>Lifecycle</a:t>
-            </a:r>
-            <a:r>
-              <a:rPr lang="fr-CA" dirty="0"/>
-              <a:t> d’un </a:t>
-            </a:r>
-            <a:r>
-              <a:rPr lang="fr-CA" dirty="0" err="1"/>
-              <a:t>ReactElement</a:t>
-            </a:r>
-            <a:endParaRPr lang="fr-CA" dirty="0"/>
-          </a:p>
-        </p:txBody>
-      </p:sp>
-      <p:pic>
-        <p:nvPicPr>
-          <p:cNvPr id="5" name="Picture 4">
-            <a:extLst>
-              <a:ext uri="{FF2B5EF4-FFF2-40B4-BE49-F238E27FC236}">
-                <a16:creationId xmlns:a16="http://schemas.microsoft.com/office/drawing/2014/main" id="{DF891E32-115A-4999-AAFB-8AD0DE454662}"/>
-              </a:ext>
-            </a:extLst>
-          </p:cNvPr>
-          <p:cNvPicPr>
-            <a:picLocks noChangeAspect="1"/>
-          </p:cNvPicPr>
-          <p:nvPr/>
-        </p:nvPicPr>
-        <p:blipFill>
-          <a:blip r:embed="rId2"/>
-          <a:stretch>
-            <a:fillRect/>
-          </a:stretch>
-        </p:blipFill>
-        <p:spPr>
-          <a:xfrm>
-            <a:off x="1040556" y="2544361"/>
-            <a:ext cx="3849493" cy="1602763"/>
-          </a:xfrm>
-          <a:prstGeom prst="rect">
-            <a:avLst/>
-          </a:prstGeom>
-        </p:spPr>
-      </p:pic>
-      <p:pic>
-        <p:nvPicPr>
-          <p:cNvPr id="6" name="Picture 5">
-            <a:extLst>
-              <a:ext uri="{FF2B5EF4-FFF2-40B4-BE49-F238E27FC236}">
-                <a16:creationId xmlns:a16="http://schemas.microsoft.com/office/drawing/2014/main" id="{C6972F70-0B81-42AB-9D11-3AAE20384478}"/>
-              </a:ext>
-            </a:extLst>
-          </p:cNvPr>
-          <p:cNvPicPr>
-            <a:picLocks noChangeAspect="1"/>
-          </p:cNvPicPr>
-          <p:nvPr/>
-        </p:nvPicPr>
-        <p:blipFill>
-          <a:blip r:embed="rId3"/>
-          <a:stretch>
-            <a:fillRect/>
-          </a:stretch>
-        </p:blipFill>
-        <p:spPr>
-          <a:xfrm>
-            <a:off x="6325105" y="2544361"/>
-            <a:ext cx="4441555" cy="1602763"/>
-          </a:xfrm>
-          <a:prstGeom prst="rect">
-            <a:avLst/>
-          </a:prstGeom>
-        </p:spPr>
-      </p:pic>
-      <p:pic>
-        <p:nvPicPr>
-          <p:cNvPr id="7" name="Picture 6">
-            <a:extLst>
-              <a:ext uri="{FF2B5EF4-FFF2-40B4-BE49-F238E27FC236}">
-                <a16:creationId xmlns:a16="http://schemas.microsoft.com/office/drawing/2014/main" id="{520C0207-5746-4DF7-A6FA-D8C308FC33E1}"/>
-              </a:ext>
-            </a:extLst>
-          </p:cNvPr>
-          <p:cNvPicPr>
-            <a:picLocks noChangeAspect="1"/>
-          </p:cNvPicPr>
-          <p:nvPr/>
-        </p:nvPicPr>
-        <p:blipFill>
-          <a:blip r:embed="rId4"/>
-          <a:stretch>
-            <a:fillRect/>
-          </a:stretch>
-        </p:blipFill>
-        <p:spPr>
-          <a:xfrm>
-            <a:off x="6519068" y="4576618"/>
-            <a:ext cx="4072046" cy="1916257"/>
-          </a:xfrm>
-          <a:prstGeom prst="rect">
-            <a:avLst/>
-          </a:prstGeom>
-        </p:spPr>
-      </p:pic>
-      <p:sp>
-        <p:nvSpPr>
-          <p:cNvPr id="8" name="Arrow: Right 7">
-            <a:extLst>
-              <a:ext uri="{FF2B5EF4-FFF2-40B4-BE49-F238E27FC236}">
-                <a16:creationId xmlns:a16="http://schemas.microsoft.com/office/drawing/2014/main" id="{54E5E0F1-2B9D-40AF-8528-D4438701425A}"/>
-              </a:ext>
-            </a:extLst>
-          </p:cNvPr>
-          <p:cNvSpPr/>
-          <p:nvPr/>
-        </p:nvSpPr>
-        <p:spPr>
-          <a:xfrm>
-            <a:off x="5188332" y="3075709"/>
-            <a:ext cx="951345" cy="582015"/>
-          </a:xfrm>
-          <a:prstGeom prst="rightArrow">
-            <a:avLst/>
-          </a:prstGeom>
-        </p:spPr>
-        <p:style>
-          <a:lnRef idx="2">
-            <a:schemeClr val="accent1">
-              <a:shade val="50000"/>
-            </a:schemeClr>
-          </a:lnRef>
-          <a:fillRef idx="1">
-            <a:schemeClr val="accent1"/>
-          </a:fillRef>
-          <a:effectRef idx="0">
-            <a:schemeClr val="accent1"/>
-          </a:effectRef>
-          <a:fontRef idx="minor">
-            <a:schemeClr val="lt1"/>
-          </a:fontRef>
-        </p:style>
-        <p:txBody>
-          <a:bodyPr rtlCol="0" anchor="ctr"/>
-          <a:lstStyle/>
-          <a:p>
-            <a:pPr algn="ctr"/>
-            <a:endParaRPr lang="fr-CA"/>
-          </a:p>
-        </p:txBody>
-      </p:sp>
-      <p:sp>
-        <p:nvSpPr>
-          <p:cNvPr id="9" name="Arrow: Down 8">
-            <a:extLst>
-              <a:ext uri="{FF2B5EF4-FFF2-40B4-BE49-F238E27FC236}">
-                <a16:creationId xmlns:a16="http://schemas.microsoft.com/office/drawing/2014/main" id="{6B5F24F7-B10F-4CC8-8345-E8DE74C00667}"/>
-              </a:ext>
-            </a:extLst>
-          </p:cNvPr>
-          <p:cNvSpPr/>
-          <p:nvPr/>
-        </p:nvSpPr>
-        <p:spPr>
-          <a:xfrm>
-            <a:off x="8156594" y="4247161"/>
-            <a:ext cx="679508" cy="239884"/>
-          </a:xfrm>
-          <a:prstGeom prst="downArrow">
-            <a:avLst/>
-          </a:prstGeom>
-        </p:spPr>
-        <p:style>
-          <a:lnRef idx="2">
-            <a:schemeClr val="accent1">
-              <a:shade val="50000"/>
-            </a:schemeClr>
-          </a:lnRef>
-          <a:fillRef idx="1">
-            <a:schemeClr val="accent1"/>
-          </a:fillRef>
-          <a:effectRef idx="0">
-            <a:schemeClr val="accent1"/>
-          </a:effectRef>
-          <a:fontRef idx="minor">
-            <a:schemeClr val="lt1"/>
-          </a:fontRef>
-        </p:style>
-        <p:txBody>
-          <a:bodyPr rtlCol="0" anchor="ctr"/>
-          <a:lstStyle/>
-          <a:p>
-            <a:pPr algn="ctr"/>
-            <a:endParaRPr lang="fr-CA"/>
-          </a:p>
-        </p:txBody>
-      </p:sp>
-      <p:sp>
-        <p:nvSpPr>
-          <p:cNvPr id="10" name="TextBox 9">
-            <a:extLst>
-              <a:ext uri="{FF2B5EF4-FFF2-40B4-BE49-F238E27FC236}">
-                <a16:creationId xmlns:a16="http://schemas.microsoft.com/office/drawing/2014/main" id="{07F59E78-E509-4746-A9F6-C6FEF4D3885C}"/>
-              </a:ext>
-            </a:extLst>
-          </p:cNvPr>
-          <p:cNvSpPr txBox="1"/>
-          <p:nvPr/>
-        </p:nvSpPr>
-        <p:spPr>
-          <a:xfrm>
-            <a:off x="4873549" y="2579947"/>
-            <a:ext cx="1508426" cy="646331"/>
-          </a:xfrm>
-          <a:prstGeom prst="rect">
-            <a:avLst/>
-          </a:prstGeom>
-          <a:noFill/>
-        </p:spPr>
-        <p:txBody>
-          <a:bodyPr wrap="none" rtlCol="0">
-            <a:spAutoFit/>
-          </a:bodyPr>
-          <a:lstStyle/>
-          <a:p>
-            <a:pPr algn="ctr"/>
-            <a:r>
-              <a:rPr lang="en-CA" dirty="0"/>
-              <a:t>Babel compile</a:t>
-            </a:r>
-          </a:p>
-          <a:p>
-            <a:pPr algn="ctr"/>
-            <a:r>
-              <a:rPr lang="en-CA" dirty="0"/>
-              <a:t>into</a:t>
-            </a:r>
-            <a:endParaRPr lang="fr-CA" dirty="0"/>
-          </a:p>
-        </p:txBody>
-      </p:sp>
-      <p:sp>
-        <p:nvSpPr>
-          <p:cNvPr id="11" name="TextBox 10">
-            <a:extLst>
-              <a:ext uri="{FF2B5EF4-FFF2-40B4-BE49-F238E27FC236}">
-                <a16:creationId xmlns:a16="http://schemas.microsoft.com/office/drawing/2014/main" id="{2CA924B6-49D9-45BA-AE2E-66A6D9D4A9D0}"/>
-              </a:ext>
-            </a:extLst>
-          </p:cNvPr>
-          <p:cNvSpPr txBox="1"/>
-          <p:nvPr/>
-        </p:nvSpPr>
-        <p:spPr>
-          <a:xfrm>
-            <a:off x="8919992" y="4182437"/>
-            <a:ext cx="2433808" cy="369332"/>
-          </a:xfrm>
-          <a:prstGeom prst="rect">
-            <a:avLst/>
-          </a:prstGeom>
-          <a:noFill/>
-        </p:spPr>
-        <p:txBody>
-          <a:bodyPr wrap="none" rtlCol="0">
-            <a:spAutoFit/>
-          </a:bodyPr>
-          <a:lstStyle/>
-          <a:p>
-            <a:r>
-              <a:rPr lang="en-CA" dirty="0"/>
-              <a:t>Create </a:t>
-            </a:r>
-            <a:r>
-              <a:rPr lang="en-CA" dirty="0" err="1"/>
-              <a:t>Javascript</a:t>
-            </a:r>
-            <a:r>
-              <a:rPr lang="en-CA" dirty="0"/>
-              <a:t> Object</a:t>
-            </a:r>
-            <a:endParaRPr lang="fr-CA" dirty="0"/>
-          </a:p>
-        </p:txBody>
-      </p:sp>
-    </p:spTree>
-    <p:extLst>
-      <p:ext uri="{BB962C8B-B14F-4D97-AF65-F5344CB8AC3E}">
-        <p14:creationId xmlns:p14="http://schemas.microsoft.com/office/powerpoint/2010/main" val="1557852361"/>
       </p:ext>
     </p:extLst>
   </p:cSld>
@@ -7434,7 +9690,7 @@
           <p:cNvPr id="2" name="Title 1">
             <a:extLst>
               <a:ext uri="{FF2B5EF4-FFF2-40B4-BE49-F238E27FC236}">
-                <a16:creationId xmlns:a16="http://schemas.microsoft.com/office/drawing/2014/main" id="{F7945AEA-6232-4670-B53E-ADC28E9CE141}"/>
+                <a16:creationId xmlns:a16="http://schemas.microsoft.com/office/drawing/2014/main" id="{D6D490E6-4965-494E-BF76-DFF0E69167B8}"/>
               </a:ext>
             </a:extLst>
           </p:cNvPr>
@@ -7451,45 +9707,295 @@
           <a:lstStyle/>
           <a:p>
             <a:r>
+              <a:rPr lang="fr-CA" dirty="0" err="1"/>
+              <a:t>Lifecycle</a:t>
+            </a:r>
+            <a:r>
+              <a:rPr lang="fr-CA" dirty="0"/>
+              <a:t> d’un </a:t>
+            </a:r>
+            <a:r>
+              <a:rPr lang="fr-CA" dirty="0" err="1"/>
+              <a:t>ReactElement</a:t>
+            </a:r>
+            <a:endParaRPr lang="fr-CA" dirty="0"/>
+          </a:p>
+        </p:txBody>
+      </p:sp>
+      <p:pic>
+        <p:nvPicPr>
+          <p:cNvPr id="5" name="Picture 4">
+            <a:extLst>
+              <a:ext uri="{FF2B5EF4-FFF2-40B4-BE49-F238E27FC236}">
+                <a16:creationId xmlns:a16="http://schemas.microsoft.com/office/drawing/2014/main" id="{DF891E32-115A-4999-AAFB-8AD0DE454662}"/>
+              </a:ext>
+            </a:extLst>
+          </p:cNvPr>
+          <p:cNvPicPr>
+            <a:picLocks noChangeAspect="1"/>
+          </p:cNvPicPr>
+          <p:nvPr/>
+        </p:nvPicPr>
+        <p:blipFill>
+          <a:blip r:embed="rId2"/>
+          <a:stretch>
+            <a:fillRect/>
+          </a:stretch>
+        </p:blipFill>
+        <p:spPr>
+          <a:xfrm>
+            <a:off x="1040556" y="2544361"/>
+            <a:ext cx="3849493" cy="1602763"/>
+          </a:xfrm>
+          <a:prstGeom prst="rect">
+            <a:avLst/>
+          </a:prstGeom>
+        </p:spPr>
+      </p:pic>
+      <p:pic>
+        <p:nvPicPr>
+          <p:cNvPr id="6" name="Picture 5">
+            <a:extLst>
+              <a:ext uri="{FF2B5EF4-FFF2-40B4-BE49-F238E27FC236}">
+                <a16:creationId xmlns:a16="http://schemas.microsoft.com/office/drawing/2014/main" id="{C6972F70-0B81-42AB-9D11-3AAE20384478}"/>
+              </a:ext>
+            </a:extLst>
+          </p:cNvPr>
+          <p:cNvPicPr>
+            <a:picLocks noChangeAspect="1"/>
+          </p:cNvPicPr>
+          <p:nvPr/>
+        </p:nvPicPr>
+        <p:blipFill>
+          <a:blip r:embed="rId3"/>
+          <a:stretch>
+            <a:fillRect/>
+          </a:stretch>
+        </p:blipFill>
+        <p:spPr>
+          <a:xfrm>
+            <a:off x="6325105" y="2544361"/>
+            <a:ext cx="4441555" cy="1602763"/>
+          </a:xfrm>
+          <a:prstGeom prst="rect">
+            <a:avLst/>
+          </a:prstGeom>
+        </p:spPr>
+      </p:pic>
+      <p:pic>
+        <p:nvPicPr>
+          <p:cNvPr id="7" name="Picture 6">
+            <a:extLst>
+              <a:ext uri="{FF2B5EF4-FFF2-40B4-BE49-F238E27FC236}">
+                <a16:creationId xmlns:a16="http://schemas.microsoft.com/office/drawing/2014/main" id="{520C0207-5746-4DF7-A6FA-D8C308FC33E1}"/>
+              </a:ext>
+            </a:extLst>
+          </p:cNvPr>
+          <p:cNvPicPr>
+            <a:picLocks noChangeAspect="1"/>
+          </p:cNvPicPr>
+          <p:nvPr/>
+        </p:nvPicPr>
+        <p:blipFill>
+          <a:blip r:embed="rId4"/>
+          <a:stretch>
+            <a:fillRect/>
+          </a:stretch>
+        </p:blipFill>
+        <p:spPr>
+          <a:xfrm>
+            <a:off x="6519068" y="4576618"/>
+            <a:ext cx="4072046" cy="1916257"/>
+          </a:xfrm>
+          <a:prstGeom prst="rect">
+            <a:avLst/>
+          </a:prstGeom>
+        </p:spPr>
+      </p:pic>
+      <p:sp>
+        <p:nvSpPr>
+          <p:cNvPr id="8" name="Arrow: Right 7">
+            <a:extLst>
+              <a:ext uri="{FF2B5EF4-FFF2-40B4-BE49-F238E27FC236}">
+                <a16:creationId xmlns:a16="http://schemas.microsoft.com/office/drawing/2014/main" id="{54E5E0F1-2B9D-40AF-8528-D4438701425A}"/>
+              </a:ext>
+            </a:extLst>
+          </p:cNvPr>
+          <p:cNvSpPr/>
+          <p:nvPr/>
+        </p:nvSpPr>
+        <p:spPr>
+          <a:xfrm>
+            <a:off x="5188332" y="3075709"/>
+            <a:ext cx="951345" cy="582015"/>
+          </a:xfrm>
+          <a:prstGeom prst="rightArrow">
+            <a:avLst/>
+          </a:prstGeom>
+        </p:spPr>
+        <p:style>
+          <a:lnRef idx="2">
+            <a:schemeClr val="accent1">
+              <a:shade val="50000"/>
+            </a:schemeClr>
+          </a:lnRef>
+          <a:fillRef idx="1">
+            <a:schemeClr val="accent1"/>
+          </a:fillRef>
+          <a:effectRef idx="0">
+            <a:schemeClr val="accent1"/>
+          </a:effectRef>
+          <a:fontRef idx="minor">
+            <a:schemeClr val="lt1"/>
+          </a:fontRef>
+        </p:style>
+        <p:txBody>
+          <a:bodyPr rtlCol="0" anchor="ctr"/>
+          <a:lstStyle/>
+          <a:p>
+            <a:pPr algn="ctr"/>
+            <a:endParaRPr lang="fr-CA"/>
+          </a:p>
+        </p:txBody>
+      </p:sp>
+      <p:sp>
+        <p:nvSpPr>
+          <p:cNvPr id="9" name="Arrow: Down 8">
+            <a:extLst>
+              <a:ext uri="{FF2B5EF4-FFF2-40B4-BE49-F238E27FC236}">
+                <a16:creationId xmlns:a16="http://schemas.microsoft.com/office/drawing/2014/main" id="{6B5F24F7-B10F-4CC8-8345-E8DE74C00667}"/>
+              </a:ext>
+            </a:extLst>
+          </p:cNvPr>
+          <p:cNvSpPr/>
+          <p:nvPr/>
+        </p:nvSpPr>
+        <p:spPr>
+          <a:xfrm>
+            <a:off x="8156594" y="4247161"/>
+            <a:ext cx="679508" cy="239884"/>
+          </a:xfrm>
+          <a:prstGeom prst="downArrow">
+            <a:avLst/>
+          </a:prstGeom>
+        </p:spPr>
+        <p:style>
+          <a:lnRef idx="2">
+            <a:schemeClr val="accent1">
+              <a:shade val="50000"/>
+            </a:schemeClr>
+          </a:lnRef>
+          <a:fillRef idx="1">
+            <a:schemeClr val="accent1"/>
+          </a:fillRef>
+          <a:effectRef idx="0">
+            <a:schemeClr val="accent1"/>
+          </a:effectRef>
+          <a:fontRef idx="minor">
+            <a:schemeClr val="lt1"/>
+          </a:fontRef>
+        </p:style>
+        <p:txBody>
+          <a:bodyPr rtlCol="0" anchor="ctr"/>
+          <a:lstStyle/>
+          <a:p>
+            <a:pPr algn="ctr"/>
+            <a:endParaRPr lang="fr-CA"/>
+          </a:p>
+        </p:txBody>
+      </p:sp>
+      <p:sp>
+        <p:nvSpPr>
+          <p:cNvPr id="10" name="TextBox 9">
+            <a:extLst>
+              <a:ext uri="{FF2B5EF4-FFF2-40B4-BE49-F238E27FC236}">
+                <a16:creationId xmlns:a16="http://schemas.microsoft.com/office/drawing/2014/main" id="{07F59E78-E509-4746-A9F6-C6FEF4D3885C}"/>
+              </a:ext>
+            </a:extLst>
+          </p:cNvPr>
+          <p:cNvSpPr txBox="1"/>
+          <p:nvPr/>
+        </p:nvSpPr>
+        <p:spPr>
+          <a:xfrm>
+            <a:off x="4873549" y="2579947"/>
+            <a:ext cx="1508426" cy="646331"/>
+          </a:xfrm>
+          <a:prstGeom prst="rect">
+            <a:avLst/>
+          </a:prstGeom>
+          <a:noFill/>
+        </p:spPr>
+        <p:txBody>
+          <a:bodyPr wrap="none" rtlCol="0">
+            <a:spAutoFit/>
+          </a:bodyPr>
+          <a:lstStyle/>
+          <a:p>
+            <a:pPr algn="ctr"/>
+            <a:r>
+              <a:rPr lang="en-CA" dirty="0"/>
+              <a:t>Babel compile</a:t>
+            </a:r>
+          </a:p>
+          <a:p>
+            <a:pPr algn="ctr"/>
+            <a:r>
+              <a:rPr lang="en-CA" dirty="0"/>
+              <a:t>into</a:t>
+            </a:r>
+            <a:endParaRPr lang="fr-CA" dirty="0"/>
+          </a:p>
+        </p:txBody>
+      </p:sp>
+      <p:sp>
+        <p:nvSpPr>
+          <p:cNvPr id="11" name="TextBox 10">
+            <a:extLst>
+              <a:ext uri="{FF2B5EF4-FFF2-40B4-BE49-F238E27FC236}">
+                <a16:creationId xmlns:a16="http://schemas.microsoft.com/office/drawing/2014/main" id="{2CA924B6-49D9-45BA-AE2E-66A6D9D4A9D0}"/>
+              </a:ext>
+            </a:extLst>
+          </p:cNvPr>
+          <p:cNvSpPr txBox="1"/>
+          <p:nvPr/>
+        </p:nvSpPr>
+        <p:spPr>
+          <a:xfrm>
+            <a:off x="8919992" y="4182437"/>
+            <a:ext cx="2433808" cy="369332"/>
+          </a:xfrm>
+          <a:prstGeom prst="rect">
+            <a:avLst/>
+          </a:prstGeom>
+          <a:noFill/>
+        </p:spPr>
+        <p:txBody>
+          <a:bodyPr wrap="none" rtlCol="0">
+            <a:spAutoFit/>
+          </a:bodyPr>
+          <a:lstStyle/>
+          <a:p>
+            <a:r>
+              <a:rPr lang="en-CA" dirty="0"/>
+              <a:t>Create </a:t>
+            </a:r>
+            <a:r>
               <a:rPr lang="en-CA" dirty="0" err="1"/>
-              <a:t>Pourquoi</a:t>
+              <a:t>Javascript</a:t>
             </a:r>
             <a:r>
               <a:rPr lang="en-CA" dirty="0"/>
-              <a:t> un Virtual DOM</a:t>
-            </a:r>
-          </a:p>
-        </p:txBody>
-      </p:sp>
-      <p:sp>
-        <p:nvSpPr>
-          <p:cNvPr id="3" name="Content Placeholder 2">
-            <a:extLst>
-              <a:ext uri="{FF2B5EF4-FFF2-40B4-BE49-F238E27FC236}">
-                <a16:creationId xmlns:a16="http://schemas.microsoft.com/office/drawing/2014/main" id="{8FCB3598-4DA2-4E4D-80F2-A3033D71AC47}"/>
-              </a:ext>
-            </a:extLst>
-          </p:cNvPr>
-          <p:cNvSpPr>
-            <a:spLocks noGrp="1"/>
-          </p:cNvSpPr>
-          <p:nvPr>
-            <p:ph idx="1"/>
-          </p:nvPr>
-        </p:nvSpPr>
-        <p:spPr/>
-        <p:txBody>
-          <a:bodyPr/>
-          <a:lstStyle/>
-          <a:p>
-            <a:endParaRPr lang="en-CA"/>
+              <a:t> Object</a:t>
+            </a:r>
+            <a:endParaRPr lang="fr-CA" dirty="0"/>
           </a:p>
         </p:txBody>
       </p:sp>
     </p:spTree>
     <p:extLst>
       <p:ext uri="{BB962C8B-B14F-4D97-AF65-F5344CB8AC3E}">
-        <p14:creationId xmlns:p14="http://schemas.microsoft.com/office/powerpoint/2010/main" val="2113963184"/>
+        <p14:creationId xmlns:p14="http://schemas.microsoft.com/office/powerpoint/2010/main" val="1557852361"/>
       </p:ext>
     </p:extLst>
   </p:cSld>
@@ -7521,7 +10027,7 @@
           <p:cNvPr id="2" name="Title 1">
             <a:extLst>
               <a:ext uri="{FF2B5EF4-FFF2-40B4-BE49-F238E27FC236}">
-                <a16:creationId xmlns:a16="http://schemas.microsoft.com/office/drawing/2014/main" id="{57E6E8D8-113B-472E-BBEC-EE4A47A63F6E}"/>
+                <a16:creationId xmlns:a16="http://schemas.microsoft.com/office/drawing/2014/main" id="{F7945AEA-6232-4670-B53E-ADC28E9CE141}"/>
               </a:ext>
             </a:extLst>
           </p:cNvPr>
@@ -7538,68 +10044,92 @@
           <a:lstStyle/>
           <a:p>
             <a:r>
-              <a:rPr lang="fr-CA" dirty="0"/>
-              <a:t>Component </a:t>
+              <a:rPr lang="en-CA" dirty="0" err="1"/>
+              <a:t>Pourquoi</a:t>
+            </a:r>
+            <a:r>
+              <a:rPr lang="en-CA" dirty="0"/>
+              <a:t> un Virtual DOM</a:t>
+            </a:r>
+          </a:p>
+        </p:txBody>
+      </p:sp>
+      <p:sp>
+        <p:nvSpPr>
+          <p:cNvPr id="3" name="Content Placeholder 2">
+            <a:extLst>
+              <a:ext uri="{FF2B5EF4-FFF2-40B4-BE49-F238E27FC236}">
+                <a16:creationId xmlns:a16="http://schemas.microsoft.com/office/drawing/2014/main" id="{8FCB3598-4DA2-4E4D-80F2-A3033D71AC47}"/>
+              </a:ext>
+            </a:extLst>
+          </p:cNvPr>
+          <p:cNvSpPr>
+            <a:spLocks noGrp="1"/>
+          </p:cNvSpPr>
+          <p:nvPr>
+            <p:ph idx="1"/>
+          </p:nvPr>
+        </p:nvSpPr>
+        <p:spPr/>
+        <p:txBody>
+          <a:bodyPr/>
+          <a:lstStyle/>
+          <a:p>
+            <a:pPr marL="285750" indent="-285750"/>
+            <a:r>
+              <a:rPr lang="fr-CA" dirty="0"/>
+              <a:t>Virtual DOM est une abstraction du HTML DOM, découplé des détails d’implémentation du browser</a:t>
+            </a:r>
+          </a:p>
+          <a:p>
+            <a:pPr marL="285750" indent="-285750"/>
+            <a:r>
+              <a:rPr lang="fr-CA" dirty="0"/>
+              <a:t>Arbre de </a:t>
             </a:r>
             <a:r>
               <a:rPr lang="fr-CA" dirty="0" err="1"/>
-              <a:t>LifeCycle</a:t>
+              <a:t>ReactElement</a:t>
             </a:r>
             <a:endParaRPr lang="fr-CA" dirty="0"/>
           </a:p>
-        </p:txBody>
-      </p:sp>
-      <p:pic>
-        <p:nvPicPr>
-          <p:cNvPr id="2050" name="Picture 2" descr="Image result for react component lifecycle">
-            <a:extLst>
-              <a:ext uri="{FF2B5EF4-FFF2-40B4-BE49-F238E27FC236}">
-                <a16:creationId xmlns:a16="http://schemas.microsoft.com/office/drawing/2014/main" id="{8998ED41-0C91-47F3-858A-CA196907AB57}"/>
-              </a:ext>
-            </a:extLst>
-          </p:cNvPr>
-          <p:cNvPicPr>
-            <a:picLocks noChangeAspect="1" noChangeArrowheads="1"/>
-          </p:cNvPicPr>
-          <p:nvPr/>
-        </p:nvPicPr>
-        <p:blipFill>
-          <a:blip r:embed="rId2">
-            <a:extLst>
-              <a:ext uri="{28A0092B-C50C-407E-A947-70E740481C1C}">
-                <a14:useLocalDpi xmlns:a14="http://schemas.microsoft.com/office/drawing/2010/main" val="0"/>
-              </a:ext>
-            </a:extLst>
-          </a:blip>
-          <a:srcRect/>
-          <a:stretch>
-            <a:fillRect/>
-          </a:stretch>
-        </p:blipFill>
-        <p:spPr bwMode="auto">
-          <a:xfrm>
-            <a:off x="1358205" y="1588498"/>
-            <a:ext cx="8953081" cy="4904377"/>
-          </a:xfrm>
-          <a:prstGeom prst="rect">
-            <a:avLst/>
-          </a:prstGeom>
-          <a:noFill/>
-          <a:extLst>
-            <a:ext uri="{909E8E84-426E-40DD-AFC4-6F175D3DCCD1}">
-              <a14:hiddenFill xmlns:a14="http://schemas.microsoft.com/office/drawing/2010/main">
-                <a:solidFill>
-                  <a:srgbClr val="FFFFFF"/>
-                </a:solidFill>
-              </a14:hiddenFill>
-            </a:ext>
-          </a:extLst>
-        </p:spPr>
-      </p:pic>
+          <a:p>
+            <a:pPr marL="285750" indent="-285750"/>
+            <a:r>
+              <a:rPr lang="fr-CA" dirty="0"/>
+              <a:t>La méthode </a:t>
+            </a:r>
+            <a:r>
+              <a:rPr lang="fr-CA" dirty="0" err="1"/>
+              <a:t>React.Render</a:t>
+            </a:r>
+            <a:r>
+              <a:rPr lang="fr-CA" dirty="0"/>
+              <a:t>() transforme le </a:t>
+            </a:r>
+            <a:r>
+              <a:rPr lang="fr-CA" dirty="0" err="1"/>
+              <a:t>reactElement</a:t>
+            </a:r>
+            <a:r>
+              <a:rPr lang="fr-CA" dirty="0"/>
+              <a:t> en </a:t>
+            </a:r>
+            <a:r>
+              <a:rPr lang="fr-CA" dirty="0" err="1"/>
+              <a:t>node</a:t>
+            </a:r>
+            <a:r>
+              <a:rPr lang="fr-CA" dirty="0"/>
+              <a:t> propre à la plateforme (web ou native)</a:t>
+            </a:r>
+          </a:p>
+        </p:txBody>
+      </p:sp>
     </p:spTree>
     <p:extLst>
       <p:ext uri="{BB962C8B-B14F-4D97-AF65-F5344CB8AC3E}">
-        <p14:creationId xmlns:p14="http://schemas.microsoft.com/office/powerpoint/2010/main" val="1561951365"/>
+        <p14:creationId xmlns:p14="http://schemas.microsoft.com/office/powerpoint/2010/main" val="2113963184"/>
       </p:ext>
     </p:extLst>
   </p:cSld>
@@ -7631,7 +10161,7 @@
           <p:cNvPr id="2" name="Title 1">
             <a:extLst>
               <a:ext uri="{FF2B5EF4-FFF2-40B4-BE49-F238E27FC236}">
-                <a16:creationId xmlns:a16="http://schemas.microsoft.com/office/drawing/2014/main" id="{AA65C3F0-8428-48AE-8FBA-78CC105C44CA}"/>
+                <a16:creationId xmlns:a16="http://schemas.microsoft.com/office/drawing/2014/main" id="{F7945AEA-6232-4670-B53E-ADC28E9CE141}"/>
               </a:ext>
             </a:extLst>
           </p:cNvPr>
@@ -7648,20 +10178,134 @@
           <a:lstStyle/>
           <a:p>
             <a:r>
-              <a:rPr lang="fr-CA" dirty="0"/>
-              <a:t>How and </a:t>
+              <a:rPr lang="en-CA" dirty="0" err="1"/>
+              <a:t>Pourquoi</a:t>
+            </a:r>
+            <a:r>
+              <a:rPr lang="en-CA" dirty="0"/>
+              <a:t> un Virtual DOM</a:t>
+            </a:r>
+          </a:p>
+        </p:txBody>
+      </p:sp>
+      <p:sp>
+        <p:nvSpPr>
+          <p:cNvPr id="3" name="Content Placeholder 2">
+            <a:extLst>
+              <a:ext uri="{FF2B5EF4-FFF2-40B4-BE49-F238E27FC236}">
+                <a16:creationId xmlns:a16="http://schemas.microsoft.com/office/drawing/2014/main" id="{8FCB3598-4DA2-4E4D-80F2-A3033D71AC47}"/>
+              </a:ext>
+            </a:extLst>
+          </p:cNvPr>
+          <p:cNvSpPr>
+            <a:spLocks noGrp="1"/>
+          </p:cNvSpPr>
+          <p:nvPr>
+            <p:ph idx="1"/>
+          </p:nvPr>
+        </p:nvSpPr>
+        <p:spPr/>
+        <p:txBody>
+          <a:bodyPr>
+            <a:normAutofit lnSpcReduction="10000"/>
+          </a:bodyPr>
+          <a:lstStyle/>
+          <a:p>
+            <a:r>
+              <a:rPr lang="fr-CA" dirty="0"/>
+              <a:t>Changer le DOM est très couteux et </a:t>
             </a:r>
             <a:r>
               <a:rPr lang="fr-CA" dirty="0" err="1"/>
-              <a:t>When</a:t>
-            </a:r>
-            <a:r>
-              <a:rPr lang="fr-CA" dirty="0"/>
-              <a:t> use </a:t>
+              <a:t>innéficace</a:t>
+            </a:r>
+            <a:endParaRPr lang="fr-CA" dirty="0"/>
+          </a:p>
+          <a:p>
+            <a:pPr lvl="1"/>
+            <a:r>
+              <a:rPr lang="fr-CA" dirty="0"/>
+              <a:t>Ajouter des </a:t>
             </a:r>
             <a:r>
               <a:rPr lang="fr-CA" dirty="0" err="1"/>
-              <a:t>lifecycle</a:t>
+              <a:t>nodes</a:t>
+            </a:r>
+            <a:r>
+              <a:rPr lang="fr-CA" dirty="0"/>
+              <a:t> et </a:t>
+            </a:r>
+            <a:r>
+              <a:rPr lang="fr-CA" dirty="0" err="1"/>
+              <a:t>attributes</a:t>
+            </a:r>
+            <a:r>
+              <a:rPr lang="fr-CA" dirty="0"/>
+              <a:t> pas couteux</a:t>
+            </a:r>
+          </a:p>
+          <a:p>
+            <a:pPr lvl="1"/>
+            <a:r>
+              <a:rPr lang="fr-CA" dirty="0"/>
+              <a:t>Recalculer CSS, </a:t>
+            </a:r>
+            <a:r>
+              <a:rPr lang="fr-CA" dirty="0" err="1"/>
+              <a:t>layout</a:t>
+            </a:r>
+            <a:r>
+              <a:rPr lang="fr-CA" dirty="0"/>
+              <a:t> et </a:t>
+            </a:r>
+            <a:r>
+              <a:rPr lang="fr-CA" dirty="0" err="1"/>
+              <a:t>repaint</a:t>
+            </a:r>
+            <a:r>
+              <a:rPr lang="fr-CA" dirty="0"/>
+              <a:t> sont très couteux</a:t>
+            </a:r>
+          </a:p>
+          <a:p>
+            <a:r>
+              <a:rPr lang="fr-CA" dirty="0"/>
+              <a:t>Comment améliore </a:t>
+            </a:r>
+          </a:p>
+          <a:p>
+            <a:pPr lvl="1"/>
+            <a:r>
+              <a:rPr lang="fr-CA" dirty="0"/>
+              <a:t>Efficient diff </a:t>
+            </a:r>
+            <a:r>
+              <a:rPr lang="fr-CA" dirty="0" err="1"/>
+              <a:t>algorithm</a:t>
+            </a:r>
+            <a:endParaRPr lang="fr-CA" dirty="0"/>
+          </a:p>
+          <a:p>
+            <a:pPr lvl="1"/>
+            <a:r>
+              <a:rPr lang="fr-CA" dirty="0" err="1"/>
+              <a:t>Batched</a:t>
+            </a:r>
+            <a:r>
+              <a:rPr lang="fr-CA" dirty="0"/>
+              <a:t> update </a:t>
+            </a:r>
+            <a:r>
+              <a:rPr lang="fr-CA" dirty="0" err="1"/>
+              <a:t>operations</a:t>
+            </a:r>
+            <a:r>
+              <a:rPr lang="fr-CA" dirty="0"/>
+              <a:t> (vs </a:t>
+            </a:r>
+            <a:r>
+              <a:rPr lang="fr-CA" dirty="0" err="1"/>
+              <a:t>many</a:t>
             </a:r>
             <a:r>
               <a:rPr lang="fr-CA" dirty="0"/>
@@ -7669,495 +10313,163 @@
             </a:r>
             <a:r>
               <a:rPr lang="fr-CA" dirty="0" err="1"/>
-              <a:t>method</a:t>
+              <a:t>smallers</a:t>
+            </a:r>
+            <a:r>
+              <a:rPr lang="fr-CA" dirty="0"/>
+              <a:t>)</a:t>
+            </a:r>
+          </a:p>
+          <a:p>
+            <a:pPr lvl="2"/>
+            <a:r>
+              <a:rPr lang="fr-CA" dirty="0"/>
+              <a:t>= </a:t>
+            </a:r>
+            <a:r>
+              <a:rPr lang="fr-CA" dirty="0" err="1"/>
+              <a:t>Less</a:t>
+            </a:r>
+            <a:r>
+              <a:rPr lang="fr-CA" dirty="0"/>
+              <a:t> </a:t>
+            </a:r>
+            <a:r>
+              <a:rPr lang="fr-CA" dirty="0" err="1"/>
+              <a:t>layout</a:t>
+            </a:r>
+            <a:r>
+              <a:rPr lang="fr-CA" dirty="0"/>
+              <a:t> + </a:t>
+            </a:r>
+            <a:r>
+              <a:rPr lang="fr-CA" dirty="0" err="1"/>
+              <a:t>repaint</a:t>
             </a:r>
             <a:endParaRPr lang="fr-CA" dirty="0"/>
           </a:p>
-        </p:txBody>
-      </p:sp>
-      <p:graphicFrame>
-        <p:nvGraphicFramePr>
-          <p:cNvPr id="4" name="Content Placeholder 3">
-            <a:extLst>
-              <a:ext uri="{FF2B5EF4-FFF2-40B4-BE49-F238E27FC236}">
-                <a16:creationId xmlns:a16="http://schemas.microsoft.com/office/drawing/2014/main" id="{205428AB-9D70-4678-A192-863BBE998C77}"/>
-              </a:ext>
-            </a:extLst>
-          </p:cNvPr>
-          <p:cNvGraphicFramePr>
-            <a:graphicFrameLocks noGrp="1"/>
-          </p:cNvGraphicFramePr>
-          <p:nvPr>
-            <p:ph idx="1"/>
-            <p:extLst>
-              <p:ext uri="{D42A27DB-BD31-4B8C-83A1-F6EECF244321}">
-                <p14:modId xmlns:p14="http://schemas.microsoft.com/office/powerpoint/2010/main" val="2103627486"/>
-              </p:ext>
-            </p:extLst>
-          </p:nvPr>
-        </p:nvGraphicFramePr>
-        <p:xfrm>
-          <a:off x="117230" y="1453528"/>
-          <a:ext cx="11957539" cy="5038234"/>
-        </p:xfrm>
-        <a:graphic>
-          <a:graphicData uri="http://schemas.openxmlformats.org/drawingml/2006/table">
-            <a:tbl>
-              <a:tblPr firstRow="1" bandRow="1">
-                <a:tableStyleId>{5C22544A-7EE6-4342-B048-85BDC9FD1C3A}</a:tableStyleId>
-              </a:tblPr>
-              <a:tblGrid>
-                <a:gridCol w="4245793">
-                  <a:extLst>
-                    <a:ext uri="{9D8B030D-6E8A-4147-A177-3AD203B41FA5}">
-                      <a16:colId xmlns:a16="http://schemas.microsoft.com/office/drawing/2014/main" val="181093278"/>
-                    </a:ext>
-                  </a:extLst>
-                </a:gridCol>
-                <a:gridCol w="7711746">
-                  <a:extLst>
-                    <a:ext uri="{9D8B030D-6E8A-4147-A177-3AD203B41FA5}">
-                      <a16:colId xmlns:a16="http://schemas.microsoft.com/office/drawing/2014/main" val="209439746"/>
-                    </a:ext>
-                  </a:extLst>
-                </a:gridCol>
-              </a:tblGrid>
-              <a:tr h="694940">
-                <a:tc>
-                  <a:txBody>
-                    <a:bodyPr/>
-                    <a:lstStyle/>
-                    <a:p>
-                      <a:r>
-                        <a:rPr lang="fr-CA" dirty="0"/>
-                        <a:t>Méthode du </a:t>
-                      </a:r>
-                      <a:r>
-                        <a:rPr lang="fr-CA" dirty="0" err="1"/>
-                        <a:t>lifecyle</a:t>
-                      </a:r>
-                      <a:endParaRPr lang="fr-CA" dirty="0"/>
-                    </a:p>
-                  </a:txBody>
-                  <a:tcPr/>
-                </a:tc>
-                <a:tc>
-                  <a:txBody>
-                    <a:bodyPr/>
-                    <a:lstStyle/>
-                    <a:p>
-                      <a:r>
-                        <a:rPr lang="fr-CA" dirty="0"/>
-                        <a:t>Détails</a:t>
-                      </a:r>
-                    </a:p>
-                  </a:txBody>
-                  <a:tcPr/>
-                </a:tc>
-                <a:extLst>
-                  <a:ext uri="{0D108BD9-81ED-4DB2-BD59-A6C34878D82A}">
-                    <a16:rowId xmlns:a16="http://schemas.microsoft.com/office/drawing/2014/main" val="3691666161"/>
-                  </a:ext>
-                </a:extLst>
-              </a:tr>
-              <a:tr h="549012">
-                <a:tc>
-                  <a:txBody>
-                    <a:bodyPr/>
-                    <a:lstStyle/>
-                    <a:p>
-                      <a:r>
-                        <a:rPr lang="fr-CA" dirty="0" err="1"/>
-                        <a:t>render</a:t>
-                      </a:r>
-                      <a:r>
-                        <a:rPr lang="fr-CA" dirty="0"/>
-                        <a:t>()</a:t>
-                      </a:r>
-                    </a:p>
-                  </a:txBody>
-                  <a:tcPr/>
-                </a:tc>
-                <a:tc>
-                  <a:txBody>
-                    <a:bodyPr/>
-                    <a:lstStyle/>
-                    <a:p>
-                      <a:pPr marL="285750" indent="-285750">
-                        <a:buFont typeface="Arial" panose="020B0604020202020204" pitchFamily="34" charset="0"/>
-                        <a:buChar char="•"/>
-                      </a:pPr>
-                      <a:r>
-                        <a:rPr lang="fr-CA" dirty="0"/>
-                        <a:t>Retourne un </a:t>
-                      </a:r>
-                      <a:r>
-                        <a:rPr lang="fr-CA" dirty="0" err="1"/>
-                        <a:t>reactElement</a:t>
-                      </a:r>
-                      <a:endParaRPr lang="fr-CA" dirty="0"/>
-                    </a:p>
-                  </a:txBody>
-                  <a:tcPr/>
-                </a:tc>
-                <a:extLst>
-                  <a:ext uri="{0D108BD9-81ED-4DB2-BD59-A6C34878D82A}">
-                    <a16:rowId xmlns:a16="http://schemas.microsoft.com/office/drawing/2014/main" val="3049361081"/>
-                  </a:ext>
-                </a:extLst>
-              </a:tr>
-              <a:tr h="925528">
-                <a:tc>
-                  <a:txBody>
-                    <a:bodyPr/>
-                    <a:lstStyle/>
-                    <a:p>
-                      <a:r>
-                        <a:rPr lang="fr-CA" dirty="0" err="1"/>
-                        <a:t>componentDidMount</a:t>
-                      </a:r>
-                      <a:r>
-                        <a:rPr lang="fr-CA" dirty="0"/>
-                        <a:t>()</a:t>
-                      </a:r>
-                    </a:p>
-                  </a:txBody>
-                  <a:tcPr/>
-                </a:tc>
-                <a:tc>
-                  <a:txBody>
-                    <a:bodyPr/>
-                    <a:lstStyle/>
-                    <a:p>
-                      <a:pPr marL="285750" indent="-285750">
-                        <a:buFont typeface="Arial" panose="020B0604020202020204" pitchFamily="34" charset="0"/>
-                        <a:buChar char="•"/>
-                      </a:pPr>
-                      <a:r>
-                        <a:rPr lang="fr-CA" dirty="0"/>
-                        <a:t>Appelé 1 seul fois une fois que le component à été monter sur le DOM du browser</a:t>
-                      </a:r>
-                    </a:p>
-                    <a:p>
-                      <a:pPr marL="285750" indent="-285750">
-                        <a:buFont typeface="Arial" panose="020B0604020202020204" pitchFamily="34" charset="0"/>
-                        <a:buChar char="•"/>
-                      </a:pPr>
-                      <a:r>
-                        <a:rPr lang="fr-CA" dirty="0"/>
-                        <a:t>Endroit idéal pour faire </a:t>
-                      </a:r>
-                      <a:r>
-                        <a:rPr lang="fr-CA" dirty="0" err="1"/>
-                        <a:t>fetch</a:t>
-                      </a:r>
-                      <a:r>
-                        <a:rPr lang="fr-CA" dirty="0"/>
-                        <a:t> de data</a:t>
-                      </a:r>
-                    </a:p>
-                  </a:txBody>
-                  <a:tcPr/>
-                </a:tc>
-                <a:extLst>
-                  <a:ext uri="{0D108BD9-81ED-4DB2-BD59-A6C34878D82A}">
-                    <a16:rowId xmlns:a16="http://schemas.microsoft.com/office/drawing/2014/main" val="2293805067"/>
-                  </a:ext>
-                </a:extLst>
-              </a:tr>
-              <a:tr h="869534">
-                <a:tc>
-                  <a:txBody>
-                    <a:bodyPr/>
-                    <a:lstStyle/>
-                    <a:p>
-                      <a:r>
-                        <a:rPr lang="fr-CA" dirty="0" err="1"/>
-                        <a:t>shouldComponentUpdate</a:t>
-                      </a:r>
-                      <a:r>
-                        <a:rPr lang="fr-CA" dirty="0"/>
-                        <a:t>(</a:t>
-                      </a:r>
-                      <a:r>
-                        <a:rPr lang="fr-CA" dirty="0" err="1"/>
-                        <a:t>nextProps</a:t>
-                      </a:r>
-                      <a:r>
-                        <a:rPr lang="fr-CA" dirty="0"/>
-                        <a:t>, </a:t>
-                      </a:r>
-                      <a:r>
-                        <a:rPr lang="fr-CA" dirty="0" err="1"/>
-                        <a:t>nextState</a:t>
-                      </a:r>
-                      <a:r>
-                        <a:rPr lang="fr-CA" dirty="0"/>
-                        <a:t>)</a:t>
-                      </a:r>
-                    </a:p>
-                  </a:txBody>
-                  <a:tcPr/>
-                </a:tc>
-                <a:tc>
-                  <a:txBody>
-                    <a:bodyPr/>
-                    <a:lstStyle/>
-                    <a:p>
-                      <a:pPr marL="285750" indent="-285750">
-                        <a:buFont typeface="Arial" panose="020B0604020202020204" pitchFamily="34" charset="0"/>
-                        <a:buChar char="•"/>
-                      </a:pPr>
-                      <a:r>
-                        <a:rPr lang="fr-CA" dirty="0"/>
-                        <a:t>Indique s’il est nécessaire d’effectuer un nouveau </a:t>
-                      </a:r>
-                      <a:r>
-                        <a:rPr lang="fr-CA" dirty="0" err="1"/>
-                        <a:t>render</a:t>
-                      </a:r>
-                      <a:r>
-                        <a:rPr lang="fr-CA" dirty="0"/>
-                        <a:t> </a:t>
-                      </a:r>
-                    </a:p>
-                    <a:p>
-                      <a:pPr marL="285750" indent="-285750">
-                        <a:buFont typeface="Arial" panose="020B0604020202020204" pitchFamily="34" charset="0"/>
-                        <a:buChar char="•"/>
-                      </a:pPr>
-                      <a:r>
-                        <a:rPr lang="fr-CA" dirty="0"/>
-                        <a:t>Retourne un </a:t>
-                      </a:r>
-                      <a:r>
-                        <a:rPr lang="fr-CA" dirty="0" err="1"/>
-                        <a:t>bool</a:t>
-                      </a:r>
-                      <a:endParaRPr lang="fr-CA" dirty="0"/>
-                    </a:p>
-                    <a:p>
-                      <a:pPr marL="285750" indent="-285750">
-                        <a:buFont typeface="Arial" panose="020B0604020202020204" pitchFamily="34" charset="0"/>
-                        <a:buChar char="•"/>
-                      </a:pPr>
-                      <a:r>
-                        <a:rPr lang="fr-CA" dirty="0" err="1"/>
-                        <a:t>React.Component</a:t>
-                      </a:r>
-                      <a:r>
-                        <a:rPr lang="fr-CA" dirty="0"/>
-                        <a:t> retourne </a:t>
-                      </a:r>
-                      <a:r>
-                        <a:rPr lang="fr-CA" dirty="0" err="1"/>
-                        <a:t>true</a:t>
-                      </a:r>
-                      <a:r>
-                        <a:rPr lang="fr-CA" dirty="0"/>
-                        <a:t> par défaut</a:t>
-                      </a:r>
-                    </a:p>
-                  </a:txBody>
-                  <a:tcPr/>
-                </a:tc>
-                <a:extLst>
-                  <a:ext uri="{0D108BD9-81ED-4DB2-BD59-A6C34878D82A}">
-                    <a16:rowId xmlns:a16="http://schemas.microsoft.com/office/drawing/2014/main" val="738618961"/>
-                  </a:ext>
-                </a:extLst>
-              </a:tr>
-              <a:tr h="754870">
-                <a:tc>
-                  <a:txBody>
-                    <a:bodyPr/>
-                    <a:lstStyle/>
-                    <a:p>
-                      <a:r>
-                        <a:rPr lang="fr-CA" dirty="0" err="1"/>
-                        <a:t>componentDidUpdate</a:t>
-                      </a:r>
-                      <a:r>
-                        <a:rPr lang="fr-CA" dirty="0"/>
-                        <a:t>(</a:t>
-                      </a:r>
-                      <a:r>
-                        <a:rPr lang="fr-CA" dirty="0" err="1"/>
-                        <a:t>prevProps</a:t>
-                      </a:r>
-                      <a:r>
-                        <a:rPr lang="fr-CA" dirty="0"/>
-                        <a:t>, </a:t>
-                      </a:r>
-                      <a:r>
-                        <a:rPr lang="fr-CA" dirty="0" err="1"/>
-                        <a:t>prevState</a:t>
-                      </a:r>
-                      <a:r>
-                        <a:rPr lang="fr-CA" dirty="0"/>
-                        <a:t>, snapshot)</a:t>
-                      </a:r>
-                    </a:p>
-                  </a:txBody>
-                  <a:tcPr/>
-                </a:tc>
-                <a:tc>
-                  <a:txBody>
-                    <a:bodyPr/>
-                    <a:lstStyle/>
-                    <a:p>
-                      <a:pPr marL="285750" indent="-285750">
-                        <a:buFont typeface="Arial" panose="020B0604020202020204" pitchFamily="34" charset="0"/>
-                        <a:buChar char="•"/>
-                      </a:pPr>
-                      <a:r>
-                        <a:rPr lang="fr-CA" dirty="0"/>
-                        <a:t>À utiliser de façon similaire à </a:t>
-                      </a:r>
-                      <a:r>
-                        <a:rPr lang="fr-CA" dirty="0" err="1"/>
-                        <a:t>componentDidMount</a:t>
-                      </a:r>
-                      <a:r>
-                        <a:rPr lang="fr-CA" dirty="0"/>
-                        <a:t>()</a:t>
-                      </a:r>
-                    </a:p>
-                    <a:p>
-                      <a:pPr marL="285750" indent="-285750">
-                        <a:buFont typeface="Arial" panose="020B0604020202020204" pitchFamily="34" charset="0"/>
-                        <a:buChar char="•"/>
-                      </a:pPr>
-                      <a:r>
-                        <a:rPr lang="fr-CA" dirty="0"/>
-                        <a:t>Si on utilise </a:t>
-                      </a:r>
-                      <a:r>
-                        <a:rPr lang="fr-CA" dirty="0" err="1"/>
-                        <a:t>setState</a:t>
-                      </a:r>
-                      <a:r>
-                        <a:rPr lang="fr-CA" dirty="0"/>
-                        <a:t>, mettre une condition sinon boucle </a:t>
-                      </a:r>
-                      <a:r>
-                        <a:rPr lang="fr-CA" dirty="0" err="1"/>
-                        <a:t>infinit</a:t>
-                      </a:r>
-                      <a:endParaRPr lang="fr-CA" dirty="0"/>
-                    </a:p>
-                  </a:txBody>
-                  <a:tcPr/>
-                </a:tc>
-                <a:extLst>
-                  <a:ext uri="{0D108BD9-81ED-4DB2-BD59-A6C34878D82A}">
-                    <a16:rowId xmlns:a16="http://schemas.microsoft.com/office/drawing/2014/main" val="7677006"/>
-                  </a:ext>
-                </a:extLst>
-              </a:tr>
-              <a:tr h="1199484">
-                <a:tc>
-                  <a:txBody>
-                    <a:bodyPr/>
-                    <a:lstStyle/>
-                    <a:p>
-                      <a:r>
-                        <a:rPr lang="fr-CA" dirty="0" err="1"/>
-                        <a:t>componentWillUnmount</a:t>
-                      </a:r>
-                      <a:r>
-                        <a:rPr lang="fr-CA" dirty="0"/>
-                        <a:t>()</a:t>
-                      </a:r>
-                    </a:p>
-                  </a:txBody>
-                  <a:tcPr/>
-                </a:tc>
-                <a:tc>
-                  <a:txBody>
-                    <a:bodyPr/>
-                    <a:lstStyle/>
-                    <a:p>
-                      <a:pPr marL="285750" indent="-285750">
-                        <a:buFont typeface="Arial" panose="020B0604020202020204" pitchFamily="34" charset="0"/>
-                        <a:buChar char="•"/>
-                      </a:pPr>
-                      <a:r>
-                        <a:rPr lang="fr-CA" dirty="0"/>
-                        <a:t>Avant qu’il soit </a:t>
-                      </a:r>
-                      <a:r>
-                        <a:rPr lang="fr-CA" dirty="0" err="1"/>
-                        <a:t>unmount</a:t>
-                      </a:r>
-                      <a:r>
-                        <a:rPr lang="fr-CA" dirty="0"/>
-                        <a:t> du DOM </a:t>
-                      </a:r>
-                    </a:p>
-                    <a:p>
-                      <a:pPr marL="285750" indent="-285750">
-                        <a:buFont typeface="Arial" panose="020B0604020202020204" pitchFamily="34" charset="0"/>
-                        <a:buChar char="•"/>
-                      </a:pPr>
-                      <a:r>
-                        <a:rPr lang="fr-CA" dirty="0"/>
-                        <a:t>Ne pas utiliser </a:t>
-                      </a:r>
-                      <a:r>
-                        <a:rPr lang="fr-CA" dirty="0" err="1"/>
-                        <a:t>setState</a:t>
-                      </a:r>
-                      <a:endParaRPr lang="fr-CA" dirty="0"/>
-                    </a:p>
-                    <a:p>
-                      <a:pPr marL="285750" indent="-285750">
-                        <a:buFont typeface="Arial" panose="020B0604020202020204" pitchFamily="34" charset="0"/>
-                        <a:buChar char="•"/>
-                      </a:pPr>
-                      <a:r>
-                        <a:rPr lang="fr-CA" dirty="0"/>
-                        <a:t>Endroit pour nettoyer les </a:t>
-                      </a:r>
-                      <a:r>
-                        <a:rPr lang="fr-CA" dirty="0" err="1"/>
-                        <a:t>timers</a:t>
-                      </a:r>
-                      <a:r>
-                        <a:rPr lang="fr-CA" dirty="0"/>
-                        <a:t>, process et </a:t>
-                      </a:r>
-                      <a:r>
-                        <a:rPr lang="fr-CA" dirty="0" err="1"/>
-                        <a:t>event</a:t>
-                      </a:r>
-                      <a:r>
-                        <a:rPr lang="fr-CA" dirty="0"/>
-                        <a:t> </a:t>
-                      </a:r>
-                      <a:r>
-                        <a:rPr lang="fr-CA" dirty="0" err="1"/>
-                        <a:t>listeners</a:t>
-                      </a:r>
-                      <a:endParaRPr lang="fr-CA" dirty="0"/>
-                    </a:p>
-                  </a:txBody>
-                  <a:tcPr/>
-                </a:tc>
-                <a:extLst>
-                  <a:ext uri="{0D108BD9-81ED-4DB2-BD59-A6C34878D82A}">
-                    <a16:rowId xmlns:a16="http://schemas.microsoft.com/office/drawing/2014/main" val="3437331998"/>
-                  </a:ext>
-                </a:extLst>
-              </a:tr>
-            </a:tbl>
-          </a:graphicData>
-        </a:graphic>
-      </p:graphicFrame>
+          <a:p>
+            <a:pPr lvl="1"/>
+            <a:r>
+              <a:rPr lang="fr-CA" dirty="0"/>
+              <a:t>Efficient update of </a:t>
+            </a:r>
+            <a:r>
+              <a:rPr lang="fr-CA" dirty="0" err="1"/>
+              <a:t>sub</a:t>
+            </a:r>
+            <a:r>
+              <a:rPr lang="fr-CA" dirty="0"/>
+              <a:t> </a:t>
+            </a:r>
+            <a:r>
+              <a:rPr lang="fr-CA" dirty="0" err="1"/>
+              <a:t>tree</a:t>
+            </a:r>
+            <a:r>
+              <a:rPr lang="fr-CA" dirty="0"/>
+              <a:t> </a:t>
+            </a:r>
+            <a:r>
+              <a:rPr lang="fr-CA" dirty="0" err="1"/>
+              <a:t>only</a:t>
+            </a:r>
+            <a:endParaRPr lang="fr-CA" dirty="0"/>
+          </a:p>
+          <a:p>
+            <a:pPr lvl="1"/>
+            <a:r>
+              <a:rPr lang="fr-CA" dirty="0"/>
+              <a:t>Uses observable </a:t>
+            </a:r>
+            <a:r>
+              <a:rPr lang="fr-CA" dirty="0" err="1"/>
+              <a:t>instead</a:t>
+            </a:r>
+            <a:r>
+              <a:rPr lang="fr-CA" dirty="0"/>
+              <a:t> of </a:t>
+            </a:r>
+            <a:r>
+              <a:rPr lang="fr-CA" dirty="0" err="1"/>
+              <a:t>dirty</a:t>
+            </a:r>
+            <a:r>
+              <a:rPr lang="fr-CA" dirty="0"/>
+              <a:t> checking to </a:t>
+            </a:r>
+            <a:r>
+              <a:rPr lang="fr-CA" dirty="0" err="1"/>
+              <a:t>detect</a:t>
+            </a:r>
+            <a:r>
+              <a:rPr lang="fr-CA" dirty="0"/>
+              <a:t> change</a:t>
+            </a:r>
+          </a:p>
+          <a:p>
+            <a:pPr lvl="2"/>
+            <a:r>
+              <a:rPr lang="fr-CA" dirty="0" err="1"/>
+              <a:t>React</a:t>
+            </a:r>
+            <a:r>
+              <a:rPr lang="fr-CA" dirty="0"/>
+              <a:t>: </a:t>
+            </a:r>
+            <a:r>
+              <a:rPr lang="fr-CA" dirty="0" err="1"/>
+              <a:t>when</a:t>
+            </a:r>
+            <a:r>
+              <a:rPr lang="fr-CA" dirty="0"/>
+              <a:t> </a:t>
+            </a:r>
+            <a:r>
+              <a:rPr lang="fr-CA" dirty="0" err="1"/>
+              <a:t>setState</a:t>
+            </a:r>
+            <a:r>
+              <a:rPr lang="fr-CA" dirty="0"/>
+              <a:t>() =</a:t>
+            </a:r>
+            <a:r>
+              <a:rPr lang="en-CA" dirty="0"/>
+              <a:t>&gt; mark component dirty</a:t>
+            </a:r>
+          </a:p>
+          <a:p>
+            <a:pPr lvl="2"/>
+            <a:r>
+              <a:rPr lang="en-CA" dirty="0"/>
+              <a:t>Angular: Recurring process to detect change (</a:t>
+            </a:r>
+            <a:r>
+              <a:rPr lang="en-CA" dirty="0" err="1"/>
+              <a:t>doesn</a:t>
+            </a:r>
+            <a:r>
+              <a:rPr lang="fr-CA" dirty="0"/>
+              <a:t>’t </a:t>
+            </a:r>
+            <a:r>
+              <a:rPr lang="fr-CA" dirty="0" err="1"/>
+              <a:t>scale</a:t>
+            </a:r>
+            <a:r>
+              <a:rPr lang="fr-CA" dirty="0"/>
+              <a:t>)</a:t>
+            </a:r>
+          </a:p>
+          <a:p>
+            <a:endParaRPr lang="en-CA" dirty="0"/>
+          </a:p>
+        </p:txBody>
+      </p:sp>
     </p:spTree>
     <p:extLst>
       <p:ext uri="{BB962C8B-B14F-4D97-AF65-F5344CB8AC3E}">
-        <p14:creationId xmlns:p14="http://schemas.microsoft.com/office/powerpoint/2010/main" val="1204436758"/>
+        <p14:creationId xmlns:p14="http://schemas.microsoft.com/office/powerpoint/2010/main" val="4149388084"/>
       </p:ext>
     </p:extLst>
   </p:cSld>

--- a/part-2/React-Perfo.pptx
+++ b/part-2/React-Perfo.pptx
@@ -219,7 +219,7 @@
           <a:p>
             <a:fld id="{DAFD8366-78F6-4B3C-B44B-186B48A03637}" type="datetimeFigureOut">
               <a:rPr lang="en-CA" smtClean="0"/>
-              <a:t>20/02/2019</a:t>
+              <a:t>05/03/2019</a:t>
             </a:fld>
             <a:endParaRPr lang="en-CA"/>
           </a:p>
@@ -1221,7 +1221,7 @@
           <a:p>
             <a:fld id="{F752A3F4-2F0B-4EDF-BB25-F54BA930C80F}" type="datetimeFigureOut">
               <a:rPr lang="en-CA" smtClean="0"/>
-              <a:t>20/02/2019</a:t>
+              <a:t>05/03/2019</a:t>
             </a:fld>
             <a:endParaRPr lang="en-CA"/>
           </a:p>
@@ -1421,7 +1421,7 @@
           <a:p>
             <a:fld id="{F752A3F4-2F0B-4EDF-BB25-F54BA930C80F}" type="datetimeFigureOut">
               <a:rPr lang="en-CA" smtClean="0"/>
-              <a:t>20/02/2019</a:t>
+              <a:t>05/03/2019</a:t>
             </a:fld>
             <a:endParaRPr lang="en-CA"/>
           </a:p>
@@ -1631,7 +1631,7 @@
           <a:p>
             <a:fld id="{F752A3F4-2F0B-4EDF-BB25-F54BA930C80F}" type="datetimeFigureOut">
               <a:rPr lang="en-CA" smtClean="0"/>
-              <a:t>20/02/2019</a:t>
+              <a:t>05/03/2019</a:t>
             </a:fld>
             <a:endParaRPr lang="en-CA"/>
           </a:p>
@@ -1831,7 +1831,7 @@
           <a:p>
             <a:fld id="{F752A3F4-2F0B-4EDF-BB25-F54BA930C80F}" type="datetimeFigureOut">
               <a:rPr lang="en-CA" smtClean="0"/>
-              <a:t>20/02/2019</a:t>
+              <a:t>05/03/2019</a:t>
             </a:fld>
             <a:endParaRPr lang="en-CA"/>
           </a:p>
@@ -2107,7 +2107,7 @@
           <a:p>
             <a:fld id="{F752A3F4-2F0B-4EDF-BB25-F54BA930C80F}" type="datetimeFigureOut">
               <a:rPr lang="en-CA" smtClean="0"/>
-              <a:t>20/02/2019</a:t>
+              <a:t>05/03/2019</a:t>
             </a:fld>
             <a:endParaRPr lang="en-CA"/>
           </a:p>
@@ -2375,7 +2375,7 @@
           <a:p>
             <a:fld id="{F752A3F4-2F0B-4EDF-BB25-F54BA930C80F}" type="datetimeFigureOut">
               <a:rPr lang="en-CA" smtClean="0"/>
-              <a:t>20/02/2019</a:t>
+              <a:t>05/03/2019</a:t>
             </a:fld>
             <a:endParaRPr lang="en-CA"/>
           </a:p>
@@ -2790,7 +2790,7 @@
           <a:p>
             <a:fld id="{F752A3F4-2F0B-4EDF-BB25-F54BA930C80F}" type="datetimeFigureOut">
               <a:rPr lang="en-CA" smtClean="0"/>
-              <a:t>20/02/2019</a:t>
+              <a:t>05/03/2019</a:t>
             </a:fld>
             <a:endParaRPr lang="en-CA"/>
           </a:p>
@@ -2932,7 +2932,7 @@
           <a:p>
             <a:fld id="{F752A3F4-2F0B-4EDF-BB25-F54BA930C80F}" type="datetimeFigureOut">
               <a:rPr lang="en-CA" smtClean="0"/>
-              <a:t>20/02/2019</a:t>
+              <a:t>05/03/2019</a:t>
             </a:fld>
             <a:endParaRPr lang="en-CA"/>
           </a:p>
@@ -3045,7 +3045,7 @@
           <a:p>
             <a:fld id="{F752A3F4-2F0B-4EDF-BB25-F54BA930C80F}" type="datetimeFigureOut">
               <a:rPr lang="en-CA" smtClean="0"/>
-              <a:t>20/02/2019</a:t>
+              <a:t>05/03/2019</a:t>
             </a:fld>
             <a:endParaRPr lang="en-CA"/>
           </a:p>
@@ -3358,7 +3358,7 @@
           <a:p>
             <a:fld id="{F752A3F4-2F0B-4EDF-BB25-F54BA930C80F}" type="datetimeFigureOut">
               <a:rPr lang="en-CA" smtClean="0"/>
-              <a:t>20/02/2019</a:t>
+              <a:t>05/03/2019</a:t>
             </a:fld>
             <a:endParaRPr lang="en-CA"/>
           </a:p>
@@ -3647,7 +3647,7 @@
           <a:p>
             <a:fld id="{F752A3F4-2F0B-4EDF-BB25-F54BA930C80F}" type="datetimeFigureOut">
               <a:rPr lang="en-CA" smtClean="0"/>
-              <a:t>20/02/2019</a:t>
+              <a:t>05/03/2019</a:t>
             </a:fld>
             <a:endParaRPr lang="en-CA"/>
           </a:p>
@@ -3890,7 +3890,7 @@
           <a:p>
             <a:fld id="{F752A3F4-2F0B-4EDF-BB25-F54BA930C80F}" type="datetimeFigureOut">
               <a:rPr lang="en-CA" smtClean="0"/>
-              <a:t>20/02/2019</a:t>
+              <a:t>05/03/2019</a:t>
             </a:fld>
             <a:endParaRPr lang="en-CA"/>
           </a:p>
@@ -7132,7 +7132,15 @@
             </a:r>
             <a:r>
               <a:rPr lang="fr-CA" dirty="0"/>
-              <a:t> type</a:t>
+              <a:t> type (</a:t>
+            </a:r>
+            <a:r>
+              <a:rPr lang="fr-CA" dirty="0" err="1"/>
+              <a:t>todo</a:t>
+            </a:r>
+            <a:r>
+              <a:rPr lang="fr-CA" dirty="0"/>
+              <a:t>)</a:t>
             </a:r>
           </a:p>
         </p:txBody>
@@ -7419,7 +7427,18 @@
               <a:rPr lang="fr-CA" dirty="0" err="1"/>
               <a:t>Render</a:t>
             </a:r>
-            <a:endParaRPr lang="fr-CA" dirty="0"/>
+            <a:r>
+              <a:rPr lang="fr-CA" dirty="0"/>
+              <a:t> (</a:t>
+            </a:r>
+            <a:r>
+              <a:rPr lang="fr-CA" dirty="0" err="1"/>
+              <a:t>todo</a:t>
+            </a:r>
+            <a:r>
+              <a:rPr lang="fr-CA" dirty="0"/>
+              <a:t>)</a:t>
+            </a:r>
           </a:p>
         </p:txBody>
       </p:sp>
@@ -7613,7 +7632,15 @@
             </a:r>
             <a:r>
               <a:rPr lang="fr-CA" dirty="0"/>
-              <a:t> 101</a:t>
+              <a:t> 101 (</a:t>
+            </a:r>
+            <a:r>
+              <a:rPr lang="fr-CA" dirty="0" err="1"/>
+              <a:t>todo</a:t>
+            </a:r>
+            <a:r>
+              <a:rPr lang="fr-CA" dirty="0"/>
+              <a:t>)</a:t>
             </a:r>
           </a:p>
         </p:txBody>
@@ -7634,7 +7661,7 @@
             <p:ph idx="1"/>
             <p:extLst>
               <p:ext uri="{D42A27DB-BD31-4B8C-83A1-F6EECF244321}">
-                <p14:modId xmlns:p14="http://schemas.microsoft.com/office/powerpoint/2010/main" val="1963760640"/>
+                <p14:modId xmlns:p14="http://schemas.microsoft.com/office/powerpoint/2010/main" val="1376043379"/>
               </p:ext>
             </p:extLst>
           </p:nvPr>
@@ -7738,7 +7765,15 @@
                     <a:bodyPr/>
                     <a:lstStyle/>
                     <a:p>
-                      <a:endParaRPr lang="fr-CA"/>
+                      <a:r>
+                        <a:rPr lang="fr-CA" dirty="0"/>
+                        <a:t>Toujours </a:t>
+                      </a:r>
+                      <a:r>
+                        <a:rPr lang="fr-CA" dirty="0" err="1"/>
+                        <a:t>true</a:t>
+                      </a:r>
+                      <a:endParaRPr lang="fr-CA" dirty="0"/>
                     </a:p>
                   </a:txBody>
                   <a:tcPr/>
@@ -7768,7 +7803,15 @@
                     <a:bodyPr/>
                     <a:lstStyle/>
                     <a:p>
-                      <a:endParaRPr lang="fr-CA"/>
+                      <a:r>
+                        <a:rPr lang="fr-CA" dirty="0"/>
+                        <a:t>Toujours </a:t>
+                      </a:r>
+                      <a:r>
+                        <a:rPr lang="fr-CA" dirty="0" err="1"/>
+                        <a:t>true</a:t>
+                      </a:r>
+                      <a:endParaRPr lang="fr-CA" dirty="0"/>
                     </a:p>
                   </a:txBody>
                   <a:tcPr/>
@@ -7799,7 +7842,23 @@
                     <a:bodyPr/>
                     <a:lstStyle/>
                     <a:p>
-                      <a:endParaRPr lang="fr-CA"/>
+                      <a:r>
+                        <a:rPr lang="fr-CA" dirty="0"/>
+                        <a:t>Fait un </a:t>
+                      </a:r>
+                      <a:r>
+                        <a:rPr lang="fr-CA" dirty="0" err="1"/>
+                        <a:t>shallow</a:t>
+                      </a:r>
+                      <a:r>
+                        <a:rPr lang="fr-CA" dirty="0"/>
+                        <a:t> comparaison sur les </a:t>
+                      </a:r>
+                      <a:r>
+                        <a:rPr lang="fr-CA" dirty="0" err="1"/>
+                        <a:t>props</a:t>
+                      </a:r>
+                      <a:endParaRPr lang="fr-CA" dirty="0"/>
                     </a:p>
                   </a:txBody>
                   <a:tcPr/>
@@ -7829,7 +7888,23 @@
                     <a:bodyPr/>
                     <a:lstStyle/>
                     <a:p>
-                      <a:endParaRPr lang="fr-CA"/>
+                      <a:r>
+                        <a:rPr lang="fr-CA" dirty="0"/>
+                        <a:t>Fait un </a:t>
+                      </a:r>
+                      <a:r>
+                        <a:rPr lang="fr-CA" dirty="0" err="1"/>
+                        <a:t>shallow</a:t>
+                      </a:r>
+                      <a:r>
+                        <a:rPr lang="fr-CA" dirty="0"/>
+                        <a:t> comparaison sur les </a:t>
+                      </a:r>
+                      <a:r>
+                        <a:rPr lang="fr-CA" dirty="0" err="1"/>
+                        <a:t>props</a:t>
+                      </a:r>
+                      <a:endParaRPr lang="fr-CA" dirty="0"/>
                     </a:p>
                   </a:txBody>
                   <a:tcPr/>
@@ -7844,6 +7919,45 @@
           </a:graphicData>
         </a:graphic>
       </p:graphicFrame>
+      <p:sp>
+        <p:nvSpPr>
+          <p:cNvPr id="3" name="Rectangle 2">
+            <a:extLst>
+              <a:ext uri="{FF2B5EF4-FFF2-40B4-BE49-F238E27FC236}">
+                <a16:creationId xmlns:a16="http://schemas.microsoft.com/office/drawing/2014/main" id="{DEA7FD9A-056D-4722-9E83-158B4F03D357}"/>
+              </a:ext>
+            </a:extLst>
+          </p:cNvPr>
+          <p:cNvSpPr/>
+          <p:nvPr/>
+        </p:nvSpPr>
+        <p:spPr>
+          <a:xfrm>
+            <a:off x="3147060" y="4900344"/>
+            <a:ext cx="5013960" cy="369332"/>
+          </a:xfrm>
+          <a:prstGeom prst="rect">
+            <a:avLst/>
+          </a:prstGeom>
+        </p:spPr>
+        <p:txBody>
+          <a:bodyPr wrap="square">
+            <a:spAutoFit/>
+          </a:bodyPr>
+          <a:lstStyle/>
+          <a:p>
+            <a:r>
+              <a:rPr lang="fr-CA" dirty="0"/>
+              <a:t>Démo: « 4-shallow-comparaison.html » </a:t>
+            </a:r>
+            <a:r>
+              <a:rPr lang="fr-CA" dirty="0" err="1"/>
+              <a:t>game</a:t>
+            </a:r>
+            <a:endParaRPr lang="en-CA" dirty="0"/>
+          </a:p>
+        </p:txBody>
+      </p:sp>
     </p:spTree>
     <p:extLst>
       <p:ext uri="{BB962C8B-B14F-4D97-AF65-F5344CB8AC3E}">
@@ -7901,7 +8015,15 @@
             </a:r>
             <a:r>
               <a:rPr lang="fr-CA" dirty="0"/>
-              <a:t> Profiler</a:t>
+              <a:t> Profiler (</a:t>
+            </a:r>
+            <a:r>
+              <a:rPr lang="fr-CA" dirty="0" err="1"/>
+              <a:t>todo</a:t>
+            </a:r>
+            <a:r>
+              <a:rPr lang="fr-CA" dirty="0"/>
+              <a:t>)</a:t>
             </a:r>
           </a:p>
         </p:txBody>
@@ -7922,14 +8044,47 @@
             <p:ph idx="1"/>
           </p:nvPr>
         </p:nvSpPr>
-        <p:spPr/>
-        <p:txBody>
-          <a:bodyPr/>
+        <p:spPr>
+          <a:xfrm>
+            <a:off x="838200" y="1825625"/>
+            <a:ext cx="10515600" cy="4351338"/>
+          </a:xfrm>
+        </p:spPr>
+        <p:txBody>
+          <a:bodyPr>
+            <a:normAutofit/>
+          </a:bodyPr>
           <a:lstStyle/>
           <a:p>
-            <a:r>
-              <a:rPr lang="fr-CA" dirty="0"/>
-              <a:t>Comprendre commit + </a:t>
+            <a:pPr marL="0" indent="0">
+              <a:buNone/>
+            </a:pPr>
+            <a:r>
+              <a:rPr lang="fr-CA" dirty="0"/>
+              <a:t>Rappel 2 étapes importantes de </a:t>
+            </a:r>
+            <a:r>
+              <a:rPr lang="fr-CA" dirty="0" err="1"/>
+              <a:t>React</a:t>
+            </a:r>
+            <a:endParaRPr lang="fr-CA" dirty="0"/>
+          </a:p>
+          <a:p>
+            <a:r>
+              <a:rPr lang="fr-CA" dirty="0" err="1"/>
+              <a:t>Render</a:t>
+            </a:r>
+            <a:r>
+              <a:rPr lang="fr-CA" dirty="0"/>
+              <a:t>: </a:t>
+            </a:r>
+            <a:r>
+              <a:rPr lang="fr-CA" dirty="0" err="1"/>
+              <a:t>React</a:t>
+            </a:r>
+            <a:r>
+              <a:rPr lang="fr-CA" dirty="0"/>
+              <a:t> détermine ce qui change par rapport précédent </a:t>
             </a:r>
             <a:r>
               <a:rPr lang="fr-CA" dirty="0" err="1"/>
@@ -7940,7 +8095,86 @@
           <a:p>
             <a:r>
               <a:rPr lang="fr-CA" dirty="0"/>
-              <a:t>Fixer les problèmes de performances</a:t>
+              <a:t>Commit: </a:t>
+            </a:r>
+            <a:r>
+              <a:rPr lang="fr-CA" dirty="0" err="1"/>
+              <a:t>React</a:t>
+            </a:r>
+            <a:r>
+              <a:rPr lang="fr-CA" dirty="0"/>
+              <a:t> applique les changements nécessaires au DOM</a:t>
+            </a:r>
+          </a:p>
+          <a:p>
+            <a:endParaRPr lang="fr-CA" dirty="0"/>
+          </a:p>
+          <a:p>
+            <a:pPr marL="0" indent="0">
+              <a:buNone/>
+            </a:pPr>
+            <a:r>
+              <a:rPr lang="fr-CA" dirty="0"/>
+              <a:t>Le profiling focus à trouver les problèmes au niveau du commit.</a:t>
+            </a:r>
+          </a:p>
+          <a:p>
+            <a:r>
+              <a:rPr lang="fr-CA" dirty="0"/>
+              <a:t>Le temps de </a:t>
+            </a:r>
+            <a:r>
+              <a:rPr lang="fr-CA" dirty="0" err="1"/>
+              <a:t>render</a:t>
+            </a:r>
+            <a:r>
+              <a:rPr lang="fr-CA" dirty="0"/>
+              <a:t> par component</a:t>
+            </a:r>
+          </a:p>
+          <a:p>
+            <a:r>
+              <a:rPr lang="fr-CA" dirty="0"/>
+              <a:t>Le nombre de fois qu’il se fait </a:t>
+            </a:r>
+            <a:r>
+              <a:rPr lang="fr-CA" dirty="0" err="1"/>
+              <a:t>render</a:t>
+            </a:r>
+            <a:endParaRPr lang="fr-CA" dirty="0"/>
+          </a:p>
+        </p:txBody>
+      </p:sp>
+      <p:sp>
+        <p:nvSpPr>
+          <p:cNvPr id="5" name="Rectangle 4">
+            <a:extLst>
+              <a:ext uri="{FF2B5EF4-FFF2-40B4-BE49-F238E27FC236}">
+                <a16:creationId xmlns:a16="http://schemas.microsoft.com/office/drawing/2014/main" id="{55181D60-2660-4572-9239-7FF8F5856E9A}"/>
+              </a:ext>
+            </a:extLst>
+          </p:cNvPr>
+          <p:cNvSpPr/>
+          <p:nvPr/>
+        </p:nvSpPr>
+        <p:spPr>
+          <a:xfrm>
+            <a:off x="838200" y="5807631"/>
+            <a:ext cx="5013960" cy="369332"/>
+          </a:xfrm>
+          <a:prstGeom prst="rect">
+            <a:avLst/>
+          </a:prstGeom>
+        </p:spPr>
+        <p:txBody>
+          <a:bodyPr wrap="square">
+            <a:spAutoFit/>
+          </a:bodyPr>
+          <a:lstStyle/>
+          <a:p>
+            <a:r>
+              <a:rPr lang="fr-CA" dirty="0"/>
+              <a:t>Démo: /Profiling Tools</a:t>
             </a:r>
           </a:p>
         </p:txBody>

--- a/part-2/React-Perfo.pptx
+++ b/part-2/React-Perfo.pptx
@@ -5,32 +5,44 @@
     <p:sldMasterId id="2147483648" r:id="rId1"/>
   </p:sldMasterIdLst>
   <p:notesMasterIdLst>
-    <p:notesMasterId r:id="rId25"/>
+    <p:notesMasterId r:id="rId37"/>
   </p:notesMasterIdLst>
   <p:sldIdLst>
     <p:sldId id="256" r:id="rId2"/>
     <p:sldId id="273" r:id="rId3"/>
-    <p:sldId id="258" r:id="rId4"/>
-    <p:sldId id="259" r:id="rId5"/>
-    <p:sldId id="257" r:id="rId6"/>
-    <p:sldId id="260" r:id="rId7"/>
-    <p:sldId id="263" r:id="rId8"/>
-    <p:sldId id="261" r:id="rId9"/>
-    <p:sldId id="275" r:id="rId10"/>
-    <p:sldId id="276" r:id="rId11"/>
-    <p:sldId id="269" r:id="rId12"/>
-    <p:sldId id="270" r:id="rId13"/>
-    <p:sldId id="271" r:id="rId14"/>
-    <p:sldId id="262" r:id="rId15"/>
-    <p:sldId id="267" r:id="rId16"/>
-    <p:sldId id="264" r:id="rId17"/>
-    <p:sldId id="265" r:id="rId18"/>
-    <p:sldId id="266" r:id="rId19"/>
-    <p:sldId id="274" r:id="rId20"/>
-    <p:sldId id="268" r:id="rId21"/>
-    <p:sldId id="278" r:id="rId22"/>
-    <p:sldId id="272" r:id="rId23"/>
-    <p:sldId id="277" r:id="rId24"/>
+    <p:sldId id="284" r:id="rId4"/>
+    <p:sldId id="258" r:id="rId5"/>
+    <p:sldId id="279" r:id="rId6"/>
+    <p:sldId id="259" r:id="rId7"/>
+    <p:sldId id="285" r:id="rId8"/>
+    <p:sldId id="257" r:id="rId9"/>
+    <p:sldId id="260" r:id="rId10"/>
+    <p:sldId id="263" r:id="rId11"/>
+    <p:sldId id="280" r:id="rId12"/>
+    <p:sldId id="281" r:id="rId13"/>
+    <p:sldId id="286" r:id="rId14"/>
+    <p:sldId id="261" r:id="rId15"/>
+    <p:sldId id="275" r:id="rId16"/>
+    <p:sldId id="276" r:id="rId17"/>
+    <p:sldId id="287" r:id="rId18"/>
+    <p:sldId id="269" r:id="rId19"/>
+    <p:sldId id="270" r:id="rId20"/>
+    <p:sldId id="271" r:id="rId21"/>
+    <p:sldId id="290" r:id="rId22"/>
+    <p:sldId id="288" r:id="rId23"/>
+    <p:sldId id="262" r:id="rId24"/>
+    <p:sldId id="267" r:id="rId25"/>
+    <p:sldId id="268" r:id="rId26"/>
+    <p:sldId id="278" r:id="rId27"/>
+    <p:sldId id="282" r:id="rId28"/>
+    <p:sldId id="264" r:id="rId29"/>
+    <p:sldId id="265" r:id="rId30"/>
+    <p:sldId id="266" r:id="rId31"/>
+    <p:sldId id="274" r:id="rId32"/>
+    <p:sldId id="289" r:id="rId33"/>
+    <p:sldId id="272" r:id="rId34"/>
+    <p:sldId id="283" r:id="rId35"/>
+    <p:sldId id="277" r:id="rId36"/>
   </p:sldIdLst>
   <p:sldSz cx="12192000" cy="6858000"/>
   <p:notesSz cx="6858000" cy="9144000"/>
@@ -219,7 +231,7 @@
           <a:p>
             <a:fld id="{DAFD8366-78F6-4B3C-B44B-186B48A03637}" type="datetimeFigureOut">
               <a:rPr lang="en-CA" smtClean="0"/>
-              <a:t>05/03/2019</a:t>
+              <a:t>06/03/2019</a:t>
             </a:fld>
             <a:endParaRPr lang="en-CA"/>
           </a:p>
@@ -561,7 +573,7 @@
           <a:p>
             <a:fld id="{4611314A-80A0-4876-B1A5-EEE650CBF79F}" type="slidenum">
               <a:rPr lang="en-CA" smtClean="0"/>
-              <a:t>4</a:t>
+              <a:t>6</a:t>
             </a:fld>
             <a:endParaRPr lang="en-CA"/>
           </a:p>
@@ -676,7 +688,7 @@
           <a:p>
             <a:fld id="{4611314A-80A0-4876-B1A5-EEE650CBF79F}" type="slidenum">
               <a:rPr lang="en-CA" smtClean="0"/>
-              <a:t>8</a:t>
+              <a:t>14</a:t>
             </a:fld>
             <a:endParaRPr lang="en-CA"/>
           </a:p>
@@ -771,7 +783,7 @@
           <a:p>
             <a:fld id="{4611314A-80A0-4876-B1A5-EEE650CBF79F}" type="slidenum">
               <a:rPr lang="en-CA" smtClean="0"/>
-              <a:t>9</a:t>
+              <a:t>15</a:t>
             </a:fld>
             <a:endParaRPr lang="en-CA"/>
           </a:p>
@@ -858,7 +870,7 @@
           <a:p>
             <a:fld id="{4611314A-80A0-4876-B1A5-EEE650CBF79F}" type="slidenum">
               <a:rPr lang="en-CA" smtClean="0"/>
-              <a:t>10</a:t>
+              <a:t>16</a:t>
             </a:fld>
             <a:endParaRPr lang="en-CA"/>
           </a:p>
@@ -945,7 +957,7 @@
           <a:p>
             <a:fld id="{4611314A-80A0-4876-B1A5-EEE650CBF79F}" type="slidenum">
               <a:rPr lang="en-CA" smtClean="0"/>
-              <a:t>12</a:t>
+              <a:t>19</a:t>
             </a:fld>
             <a:endParaRPr lang="en-CA"/>
           </a:p>
@@ -1053,7 +1065,7 @@
           <a:p>
             <a:fld id="{4611314A-80A0-4876-B1A5-EEE650CBF79F}" type="slidenum">
               <a:rPr lang="en-CA" smtClean="0"/>
-              <a:t>14</a:t>
+              <a:t>23</a:t>
             </a:fld>
             <a:endParaRPr lang="en-CA"/>
           </a:p>
@@ -1221,7 +1233,7 @@
           <a:p>
             <a:fld id="{F752A3F4-2F0B-4EDF-BB25-F54BA930C80F}" type="datetimeFigureOut">
               <a:rPr lang="en-CA" smtClean="0"/>
-              <a:t>05/03/2019</a:t>
+              <a:t>06/03/2019</a:t>
             </a:fld>
             <a:endParaRPr lang="en-CA"/>
           </a:p>
@@ -1421,7 +1433,7 @@
           <a:p>
             <a:fld id="{F752A3F4-2F0B-4EDF-BB25-F54BA930C80F}" type="datetimeFigureOut">
               <a:rPr lang="en-CA" smtClean="0"/>
-              <a:t>05/03/2019</a:t>
+              <a:t>06/03/2019</a:t>
             </a:fld>
             <a:endParaRPr lang="en-CA"/>
           </a:p>
@@ -1631,7 +1643,7 @@
           <a:p>
             <a:fld id="{F752A3F4-2F0B-4EDF-BB25-F54BA930C80F}" type="datetimeFigureOut">
               <a:rPr lang="en-CA" smtClean="0"/>
-              <a:t>05/03/2019</a:t>
+              <a:t>06/03/2019</a:t>
             </a:fld>
             <a:endParaRPr lang="en-CA"/>
           </a:p>
@@ -1831,7 +1843,7 @@
           <a:p>
             <a:fld id="{F752A3F4-2F0B-4EDF-BB25-F54BA930C80F}" type="datetimeFigureOut">
               <a:rPr lang="en-CA" smtClean="0"/>
-              <a:t>05/03/2019</a:t>
+              <a:t>06/03/2019</a:t>
             </a:fld>
             <a:endParaRPr lang="en-CA"/>
           </a:p>
@@ -2107,7 +2119,7 @@
           <a:p>
             <a:fld id="{F752A3F4-2F0B-4EDF-BB25-F54BA930C80F}" type="datetimeFigureOut">
               <a:rPr lang="en-CA" smtClean="0"/>
-              <a:t>05/03/2019</a:t>
+              <a:t>06/03/2019</a:t>
             </a:fld>
             <a:endParaRPr lang="en-CA"/>
           </a:p>
@@ -2375,7 +2387,7 @@
           <a:p>
             <a:fld id="{F752A3F4-2F0B-4EDF-BB25-F54BA930C80F}" type="datetimeFigureOut">
               <a:rPr lang="en-CA" smtClean="0"/>
-              <a:t>05/03/2019</a:t>
+              <a:t>06/03/2019</a:t>
             </a:fld>
             <a:endParaRPr lang="en-CA"/>
           </a:p>
@@ -2790,7 +2802,7 @@
           <a:p>
             <a:fld id="{F752A3F4-2F0B-4EDF-BB25-F54BA930C80F}" type="datetimeFigureOut">
               <a:rPr lang="en-CA" smtClean="0"/>
-              <a:t>05/03/2019</a:t>
+              <a:t>06/03/2019</a:t>
             </a:fld>
             <a:endParaRPr lang="en-CA"/>
           </a:p>
@@ -2932,7 +2944,7 @@
           <a:p>
             <a:fld id="{F752A3F4-2F0B-4EDF-BB25-F54BA930C80F}" type="datetimeFigureOut">
               <a:rPr lang="en-CA" smtClean="0"/>
-              <a:t>05/03/2019</a:t>
+              <a:t>06/03/2019</a:t>
             </a:fld>
             <a:endParaRPr lang="en-CA"/>
           </a:p>
@@ -3045,7 +3057,7 @@
           <a:p>
             <a:fld id="{F752A3F4-2F0B-4EDF-BB25-F54BA930C80F}" type="datetimeFigureOut">
               <a:rPr lang="en-CA" smtClean="0"/>
-              <a:t>05/03/2019</a:t>
+              <a:t>06/03/2019</a:t>
             </a:fld>
             <a:endParaRPr lang="en-CA"/>
           </a:p>
@@ -3358,7 +3370,7 @@
           <a:p>
             <a:fld id="{F752A3F4-2F0B-4EDF-BB25-F54BA930C80F}" type="datetimeFigureOut">
               <a:rPr lang="en-CA" smtClean="0"/>
-              <a:t>05/03/2019</a:t>
+              <a:t>06/03/2019</a:t>
             </a:fld>
             <a:endParaRPr lang="en-CA"/>
           </a:p>
@@ -3647,7 +3659,7 @@
           <a:p>
             <a:fld id="{F752A3F4-2F0B-4EDF-BB25-F54BA930C80F}" type="datetimeFigureOut">
               <a:rPr lang="en-CA" smtClean="0"/>
-              <a:t>05/03/2019</a:t>
+              <a:t>06/03/2019</a:t>
             </a:fld>
             <a:endParaRPr lang="en-CA"/>
           </a:p>
@@ -3890,7 +3902,7 @@
           <a:p>
             <a:fld id="{F752A3F4-2F0B-4EDF-BB25-F54BA930C80F}" type="datetimeFigureOut">
               <a:rPr lang="en-CA" smtClean="0"/>
-              <a:t>05/03/2019</a:t>
+              <a:t>06/03/2019</a:t>
             </a:fld>
             <a:endParaRPr lang="en-CA"/>
           </a:p>
@@ -4395,6 +4407,1244 @@
           <p:cNvPr id="2" name="Title 1">
             <a:extLst>
               <a:ext uri="{FF2B5EF4-FFF2-40B4-BE49-F238E27FC236}">
+                <a16:creationId xmlns:a16="http://schemas.microsoft.com/office/drawing/2014/main" id="{D6D490E6-4965-494E-BF76-DFF0E69167B8}"/>
+              </a:ext>
+            </a:extLst>
+          </p:cNvPr>
+          <p:cNvSpPr>
+            <a:spLocks noGrp="1"/>
+          </p:cNvSpPr>
+          <p:nvPr>
+            <p:ph type="title"/>
+          </p:nvPr>
+        </p:nvSpPr>
+        <p:spPr/>
+        <p:txBody>
+          <a:bodyPr/>
+          <a:lstStyle/>
+          <a:p>
+            <a:r>
+              <a:rPr lang="fr-CA" dirty="0" err="1"/>
+              <a:t>Lifecycle</a:t>
+            </a:r>
+            <a:r>
+              <a:rPr lang="fr-CA" dirty="0"/>
+              <a:t> d’un </a:t>
+            </a:r>
+            <a:r>
+              <a:rPr lang="fr-CA" dirty="0" err="1"/>
+              <a:t>ReactElement</a:t>
+            </a:r>
+            <a:endParaRPr lang="fr-CA" dirty="0"/>
+          </a:p>
+        </p:txBody>
+      </p:sp>
+      <p:pic>
+        <p:nvPicPr>
+          <p:cNvPr id="5" name="Picture 4">
+            <a:extLst>
+              <a:ext uri="{FF2B5EF4-FFF2-40B4-BE49-F238E27FC236}">
+                <a16:creationId xmlns:a16="http://schemas.microsoft.com/office/drawing/2014/main" id="{DF891E32-115A-4999-AAFB-8AD0DE454662}"/>
+              </a:ext>
+            </a:extLst>
+          </p:cNvPr>
+          <p:cNvPicPr>
+            <a:picLocks noChangeAspect="1"/>
+          </p:cNvPicPr>
+          <p:nvPr/>
+        </p:nvPicPr>
+        <p:blipFill>
+          <a:blip r:embed="rId2"/>
+          <a:stretch>
+            <a:fillRect/>
+          </a:stretch>
+        </p:blipFill>
+        <p:spPr>
+          <a:xfrm>
+            <a:off x="1040556" y="2544361"/>
+            <a:ext cx="3849493" cy="1602763"/>
+          </a:xfrm>
+          <a:prstGeom prst="rect">
+            <a:avLst/>
+          </a:prstGeom>
+        </p:spPr>
+      </p:pic>
+      <p:pic>
+        <p:nvPicPr>
+          <p:cNvPr id="6" name="Picture 5">
+            <a:extLst>
+              <a:ext uri="{FF2B5EF4-FFF2-40B4-BE49-F238E27FC236}">
+                <a16:creationId xmlns:a16="http://schemas.microsoft.com/office/drawing/2014/main" id="{C6972F70-0B81-42AB-9D11-3AAE20384478}"/>
+              </a:ext>
+            </a:extLst>
+          </p:cNvPr>
+          <p:cNvPicPr>
+            <a:picLocks noChangeAspect="1"/>
+          </p:cNvPicPr>
+          <p:nvPr/>
+        </p:nvPicPr>
+        <p:blipFill>
+          <a:blip r:embed="rId3"/>
+          <a:stretch>
+            <a:fillRect/>
+          </a:stretch>
+        </p:blipFill>
+        <p:spPr>
+          <a:xfrm>
+            <a:off x="6325105" y="2544361"/>
+            <a:ext cx="4441555" cy="1602763"/>
+          </a:xfrm>
+          <a:prstGeom prst="rect">
+            <a:avLst/>
+          </a:prstGeom>
+        </p:spPr>
+      </p:pic>
+      <p:pic>
+        <p:nvPicPr>
+          <p:cNvPr id="7" name="Picture 6">
+            <a:extLst>
+              <a:ext uri="{FF2B5EF4-FFF2-40B4-BE49-F238E27FC236}">
+                <a16:creationId xmlns:a16="http://schemas.microsoft.com/office/drawing/2014/main" id="{520C0207-5746-4DF7-A6FA-D8C308FC33E1}"/>
+              </a:ext>
+            </a:extLst>
+          </p:cNvPr>
+          <p:cNvPicPr>
+            <a:picLocks noChangeAspect="1"/>
+          </p:cNvPicPr>
+          <p:nvPr/>
+        </p:nvPicPr>
+        <p:blipFill>
+          <a:blip r:embed="rId4"/>
+          <a:stretch>
+            <a:fillRect/>
+          </a:stretch>
+        </p:blipFill>
+        <p:spPr>
+          <a:xfrm>
+            <a:off x="6519068" y="4576618"/>
+            <a:ext cx="4072046" cy="1916257"/>
+          </a:xfrm>
+          <a:prstGeom prst="rect">
+            <a:avLst/>
+          </a:prstGeom>
+        </p:spPr>
+      </p:pic>
+      <p:sp>
+        <p:nvSpPr>
+          <p:cNvPr id="8" name="Arrow: Right 7">
+            <a:extLst>
+              <a:ext uri="{FF2B5EF4-FFF2-40B4-BE49-F238E27FC236}">
+                <a16:creationId xmlns:a16="http://schemas.microsoft.com/office/drawing/2014/main" id="{54E5E0F1-2B9D-40AF-8528-D4438701425A}"/>
+              </a:ext>
+            </a:extLst>
+          </p:cNvPr>
+          <p:cNvSpPr/>
+          <p:nvPr/>
+        </p:nvSpPr>
+        <p:spPr>
+          <a:xfrm>
+            <a:off x="5188332" y="3075709"/>
+            <a:ext cx="951345" cy="582015"/>
+          </a:xfrm>
+          <a:prstGeom prst="rightArrow">
+            <a:avLst/>
+          </a:prstGeom>
+        </p:spPr>
+        <p:style>
+          <a:lnRef idx="2">
+            <a:schemeClr val="accent1">
+              <a:shade val="50000"/>
+            </a:schemeClr>
+          </a:lnRef>
+          <a:fillRef idx="1">
+            <a:schemeClr val="accent1"/>
+          </a:fillRef>
+          <a:effectRef idx="0">
+            <a:schemeClr val="accent1"/>
+          </a:effectRef>
+          <a:fontRef idx="minor">
+            <a:schemeClr val="lt1"/>
+          </a:fontRef>
+        </p:style>
+        <p:txBody>
+          <a:bodyPr rtlCol="0" anchor="ctr"/>
+          <a:lstStyle/>
+          <a:p>
+            <a:pPr algn="ctr"/>
+            <a:endParaRPr lang="fr-CA"/>
+          </a:p>
+        </p:txBody>
+      </p:sp>
+      <p:sp>
+        <p:nvSpPr>
+          <p:cNvPr id="9" name="Arrow: Down 8">
+            <a:extLst>
+              <a:ext uri="{FF2B5EF4-FFF2-40B4-BE49-F238E27FC236}">
+                <a16:creationId xmlns:a16="http://schemas.microsoft.com/office/drawing/2014/main" id="{6B5F24F7-B10F-4CC8-8345-E8DE74C00667}"/>
+              </a:ext>
+            </a:extLst>
+          </p:cNvPr>
+          <p:cNvSpPr/>
+          <p:nvPr/>
+        </p:nvSpPr>
+        <p:spPr>
+          <a:xfrm>
+            <a:off x="8156594" y="4247161"/>
+            <a:ext cx="679508" cy="239884"/>
+          </a:xfrm>
+          <a:prstGeom prst="downArrow">
+            <a:avLst/>
+          </a:prstGeom>
+        </p:spPr>
+        <p:style>
+          <a:lnRef idx="2">
+            <a:schemeClr val="accent1">
+              <a:shade val="50000"/>
+            </a:schemeClr>
+          </a:lnRef>
+          <a:fillRef idx="1">
+            <a:schemeClr val="accent1"/>
+          </a:fillRef>
+          <a:effectRef idx="0">
+            <a:schemeClr val="accent1"/>
+          </a:effectRef>
+          <a:fontRef idx="minor">
+            <a:schemeClr val="lt1"/>
+          </a:fontRef>
+        </p:style>
+        <p:txBody>
+          <a:bodyPr rtlCol="0" anchor="ctr"/>
+          <a:lstStyle/>
+          <a:p>
+            <a:pPr algn="ctr"/>
+            <a:endParaRPr lang="fr-CA"/>
+          </a:p>
+        </p:txBody>
+      </p:sp>
+      <p:sp>
+        <p:nvSpPr>
+          <p:cNvPr id="10" name="TextBox 9">
+            <a:extLst>
+              <a:ext uri="{FF2B5EF4-FFF2-40B4-BE49-F238E27FC236}">
+                <a16:creationId xmlns:a16="http://schemas.microsoft.com/office/drawing/2014/main" id="{07F59E78-E509-4746-A9F6-C6FEF4D3885C}"/>
+              </a:ext>
+            </a:extLst>
+          </p:cNvPr>
+          <p:cNvSpPr txBox="1"/>
+          <p:nvPr/>
+        </p:nvSpPr>
+        <p:spPr>
+          <a:xfrm>
+            <a:off x="4873549" y="2579947"/>
+            <a:ext cx="1508426" cy="646331"/>
+          </a:xfrm>
+          <a:prstGeom prst="rect">
+            <a:avLst/>
+          </a:prstGeom>
+          <a:noFill/>
+        </p:spPr>
+        <p:txBody>
+          <a:bodyPr wrap="none" rtlCol="0">
+            <a:spAutoFit/>
+          </a:bodyPr>
+          <a:lstStyle/>
+          <a:p>
+            <a:pPr algn="ctr"/>
+            <a:r>
+              <a:rPr lang="en-CA" dirty="0"/>
+              <a:t>Babel compile</a:t>
+            </a:r>
+          </a:p>
+          <a:p>
+            <a:pPr algn="ctr"/>
+            <a:r>
+              <a:rPr lang="en-CA" dirty="0"/>
+              <a:t>into</a:t>
+            </a:r>
+            <a:endParaRPr lang="fr-CA" dirty="0"/>
+          </a:p>
+        </p:txBody>
+      </p:sp>
+      <p:sp>
+        <p:nvSpPr>
+          <p:cNvPr id="11" name="TextBox 10">
+            <a:extLst>
+              <a:ext uri="{FF2B5EF4-FFF2-40B4-BE49-F238E27FC236}">
+                <a16:creationId xmlns:a16="http://schemas.microsoft.com/office/drawing/2014/main" id="{2CA924B6-49D9-45BA-AE2E-66A6D9D4A9D0}"/>
+              </a:ext>
+            </a:extLst>
+          </p:cNvPr>
+          <p:cNvSpPr txBox="1"/>
+          <p:nvPr/>
+        </p:nvSpPr>
+        <p:spPr>
+          <a:xfrm>
+            <a:off x="8919992" y="4182437"/>
+            <a:ext cx="2433808" cy="369332"/>
+          </a:xfrm>
+          <a:prstGeom prst="rect">
+            <a:avLst/>
+          </a:prstGeom>
+          <a:noFill/>
+        </p:spPr>
+        <p:txBody>
+          <a:bodyPr wrap="none" rtlCol="0">
+            <a:spAutoFit/>
+          </a:bodyPr>
+          <a:lstStyle/>
+          <a:p>
+            <a:r>
+              <a:rPr lang="en-CA" dirty="0"/>
+              <a:t>Create </a:t>
+            </a:r>
+            <a:r>
+              <a:rPr lang="en-CA" dirty="0" err="1"/>
+              <a:t>Javascript</a:t>
+            </a:r>
+            <a:r>
+              <a:rPr lang="en-CA" dirty="0"/>
+              <a:t> Object</a:t>
+            </a:r>
+            <a:endParaRPr lang="fr-CA" dirty="0"/>
+          </a:p>
+        </p:txBody>
+      </p:sp>
+    </p:spTree>
+    <p:extLst>
+      <p:ext uri="{BB962C8B-B14F-4D97-AF65-F5344CB8AC3E}">
+        <p14:creationId xmlns:p14="http://schemas.microsoft.com/office/powerpoint/2010/main" val="1557852361"/>
+      </p:ext>
+    </p:extLst>
+  </p:cSld>
+  <p:clrMapOvr>
+    <a:masterClrMapping/>
+  </p:clrMapOvr>
+</p:sld>
+</file>
+
+<file path=ppt/slides/slide11.xml><?xml version="1.0" encoding="utf-8"?>
+<p:sld xmlns:a="http://schemas.openxmlformats.org/drawingml/2006/main" xmlns:r="http://schemas.openxmlformats.org/officeDocument/2006/relationships" xmlns:p="http://schemas.openxmlformats.org/presentationml/2006/main">
+  <p:cSld>
+    <p:spTree>
+      <p:nvGrpSpPr>
+        <p:cNvPr id="1" name=""/>
+        <p:cNvGrpSpPr/>
+        <p:nvPr/>
+      </p:nvGrpSpPr>
+      <p:grpSpPr>
+        <a:xfrm>
+          <a:off x="0" y="0"/>
+          <a:ext cx="0" cy="0"/>
+          <a:chOff x="0" y="0"/>
+          <a:chExt cx="0" cy="0"/>
+        </a:xfrm>
+      </p:grpSpPr>
+      <p:sp>
+        <p:nvSpPr>
+          <p:cNvPr id="2" name="Title 1">
+            <a:extLst>
+              <a:ext uri="{FF2B5EF4-FFF2-40B4-BE49-F238E27FC236}">
+                <a16:creationId xmlns:a16="http://schemas.microsoft.com/office/drawing/2014/main" id="{1D6C6600-04FB-4637-AA3C-C2937B604287}"/>
+              </a:ext>
+            </a:extLst>
+          </p:cNvPr>
+          <p:cNvSpPr>
+            <a:spLocks noGrp="1"/>
+          </p:cNvSpPr>
+          <p:nvPr>
+            <p:ph type="title"/>
+          </p:nvPr>
+        </p:nvSpPr>
+        <p:spPr/>
+        <p:txBody>
+          <a:bodyPr/>
+          <a:lstStyle/>
+          <a:p>
+            <a:r>
+              <a:rPr lang="fr-CA" dirty="0"/>
+              <a:t>Exos #2.1: « 2-react-element.html »</a:t>
+            </a:r>
+          </a:p>
+        </p:txBody>
+      </p:sp>
+      <p:sp>
+        <p:nvSpPr>
+          <p:cNvPr id="3" name="Content Placeholder 2">
+            <a:extLst>
+              <a:ext uri="{FF2B5EF4-FFF2-40B4-BE49-F238E27FC236}">
+                <a16:creationId xmlns:a16="http://schemas.microsoft.com/office/drawing/2014/main" id="{209DDE88-922C-4C8F-924B-41BF553910DC}"/>
+              </a:ext>
+            </a:extLst>
+          </p:cNvPr>
+          <p:cNvSpPr>
+            <a:spLocks noGrp="1"/>
+          </p:cNvSpPr>
+          <p:nvPr>
+            <p:ph idx="1"/>
+          </p:nvPr>
+        </p:nvSpPr>
+        <p:spPr/>
+        <p:txBody>
+          <a:bodyPr/>
+          <a:lstStyle/>
+          <a:p>
+            <a:r>
+              <a:rPr lang="fr-CA" dirty="0"/>
+              <a:t>Comprendre que </a:t>
+            </a:r>
+            <a:r>
+              <a:rPr lang="fr-CA" dirty="0" err="1"/>
+              <a:t>ReactElement</a:t>
+            </a:r>
+            <a:r>
+              <a:rPr lang="fr-CA" dirty="0"/>
+              <a:t> est juste un </a:t>
+            </a:r>
+            <a:r>
+              <a:rPr lang="fr-CA" dirty="0" err="1"/>
+              <a:t>object</a:t>
+            </a:r>
+            <a:r>
+              <a:rPr lang="fr-CA" dirty="0"/>
+              <a:t> Javascript en étudiant les commentaires.</a:t>
+            </a:r>
+          </a:p>
+          <a:p>
+            <a:r>
+              <a:rPr lang="en-CA" dirty="0"/>
+              <a:t>C</a:t>
+            </a:r>
+            <a:r>
+              <a:rPr lang="fr-CA" dirty="0" err="1"/>
+              <a:t>omprendre</a:t>
+            </a:r>
+            <a:r>
+              <a:rPr lang="fr-CA" dirty="0"/>
+              <a:t> les différentes façon de créer un </a:t>
+            </a:r>
+            <a:r>
+              <a:rPr lang="fr-CA" dirty="0" err="1"/>
+              <a:t>ReactElement</a:t>
+            </a:r>
+            <a:endParaRPr lang="fr-CA" dirty="0"/>
+          </a:p>
+          <a:p>
+            <a:r>
+              <a:rPr lang="fr-CA" dirty="0"/>
+              <a:t>Pour la méthode </a:t>
+            </a:r>
+            <a:r>
+              <a:rPr lang="fr-CA" dirty="0" err="1"/>
+              <a:t>ReactDOM.render</a:t>
+            </a:r>
+            <a:r>
+              <a:rPr lang="fr-CA" dirty="0"/>
+              <a:t>:</a:t>
+            </a:r>
+          </a:p>
+          <a:p>
+            <a:pPr lvl="1"/>
+            <a:r>
+              <a:rPr lang="fr-CA" dirty="0" err="1"/>
+              <a:t>Render</a:t>
+            </a:r>
+            <a:r>
+              <a:rPr lang="fr-CA" dirty="0"/>
+              <a:t> les façon #1, #2, #3, #4</a:t>
+            </a:r>
+          </a:p>
+          <a:p>
+            <a:pPr lvl="1"/>
+            <a:r>
+              <a:rPr lang="fr-CA" dirty="0"/>
+              <a:t>Comprendre le type de message affiché lorsqu’on le fait mal</a:t>
+            </a:r>
+          </a:p>
+        </p:txBody>
+      </p:sp>
+    </p:spTree>
+    <p:extLst>
+      <p:ext uri="{BB962C8B-B14F-4D97-AF65-F5344CB8AC3E}">
+        <p14:creationId xmlns:p14="http://schemas.microsoft.com/office/powerpoint/2010/main" val="2313999836"/>
+      </p:ext>
+    </p:extLst>
+  </p:cSld>
+  <p:clrMapOvr>
+    <a:masterClrMapping/>
+  </p:clrMapOvr>
+</p:sld>
+</file>
+
+<file path=ppt/slides/slide12.xml><?xml version="1.0" encoding="utf-8"?>
+<p:sld xmlns:a="http://schemas.openxmlformats.org/drawingml/2006/main" xmlns:r="http://schemas.openxmlformats.org/officeDocument/2006/relationships" xmlns:p="http://schemas.openxmlformats.org/presentationml/2006/main">
+  <p:cSld>
+    <p:spTree>
+      <p:nvGrpSpPr>
+        <p:cNvPr id="1" name=""/>
+        <p:cNvGrpSpPr/>
+        <p:nvPr/>
+      </p:nvGrpSpPr>
+      <p:grpSpPr>
+        <a:xfrm>
+          <a:off x="0" y="0"/>
+          <a:ext cx="0" cy="0"/>
+          <a:chOff x="0" y="0"/>
+          <a:chExt cx="0" cy="0"/>
+        </a:xfrm>
+      </p:grpSpPr>
+      <p:sp>
+        <p:nvSpPr>
+          <p:cNvPr id="2" name="Title 1">
+            <a:extLst>
+              <a:ext uri="{FF2B5EF4-FFF2-40B4-BE49-F238E27FC236}">
+                <a16:creationId xmlns:a16="http://schemas.microsoft.com/office/drawing/2014/main" id="{26ACBA9A-C772-48F1-ADB4-160A6F2B87BB}"/>
+              </a:ext>
+            </a:extLst>
+          </p:cNvPr>
+          <p:cNvSpPr>
+            <a:spLocks noGrp="1"/>
+          </p:cNvSpPr>
+          <p:nvPr>
+            <p:ph type="title"/>
+          </p:nvPr>
+        </p:nvSpPr>
+        <p:spPr/>
+        <p:txBody>
+          <a:bodyPr/>
+          <a:lstStyle/>
+          <a:p>
+            <a:r>
+              <a:rPr lang="fr-CA" dirty="0"/>
+              <a:t>Exos #2.2: « 3-react-instance.html »</a:t>
+            </a:r>
+          </a:p>
+        </p:txBody>
+      </p:sp>
+      <p:sp>
+        <p:nvSpPr>
+          <p:cNvPr id="3" name="Content Placeholder 2">
+            <a:extLst>
+              <a:ext uri="{FF2B5EF4-FFF2-40B4-BE49-F238E27FC236}">
+                <a16:creationId xmlns:a16="http://schemas.microsoft.com/office/drawing/2014/main" id="{3D265ABA-2E39-4ACB-AE32-AE10177C1227}"/>
+              </a:ext>
+            </a:extLst>
+          </p:cNvPr>
+          <p:cNvSpPr>
+            <a:spLocks noGrp="1"/>
+          </p:cNvSpPr>
+          <p:nvPr>
+            <p:ph idx="1"/>
+          </p:nvPr>
+        </p:nvSpPr>
+        <p:spPr/>
+        <p:txBody>
+          <a:bodyPr/>
+          <a:lstStyle/>
+          <a:p>
+            <a:r>
+              <a:rPr lang="fr-CA" dirty="0"/>
+              <a:t>Comprendre le « Component Instance » en suivant les commentaires</a:t>
+            </a:r>
+          </a:p>
+          <a:p>
+            <a:r>
+              <a:rPr lang="fr-CA" dirty="0"/>
+              <a:t>Pourquoi le </a:t>
+            </a:r>
+            <a:r>
+              <a:rPr lang="fr-CA" dirty="0" err="1"/>
+              <a:t>function</a:t>
+            </a:r>
+            <a:r>
+              <a:rPr lang="fr-CA" dirty="0"/>
+              <a:t> component n’a pas d’instance?</a:t>
+            </a:r>
+          </a:p>
+          <a:p>
+            <a:r>
+              <a:rPr lang="fr-CA" dirty="0"/>
+              <a:t>À partir de la console call </a:t>
+            </a:r>
+            <a:r>
+              <a:rPr lang="fr-CA" dirty="0" err="1"/>
+              <a:t>toggleMoment</a:t>
+            </a:r>
+            <a:r>
+              <a:rPr lang="fr-CA" dirty="0"/>
+              <a:t>() </a:t>
+            </a:r>
+            <a:r>
+              <a:rPr lang="fr-CA"/>
+              <a:t>sur le component</a:t>
+            </a:r>
+            <a:endParaRPr lang="fr-CA" dirty="0"/>
+          </a:p>
+          <a:p>
+            <a:pPr marL="0" indent="0">
+              <a:buNone/>
+            </a:pPr>
+            <a:endParaRPr lang="fr-CA" dirty="0"/>
+          </a:p>
+        </p:txBody>
+      </p:sp>
+    </p:spTree>
+    <p:extLst>
+      <p:ext uri="{BB962C8B-B14F-4D97-AF65-F5344CB8AC3E}">
+        <p14:creationId xmlns:p14="http://schemas.microsoft.com/office/powerpoint/2010/main" val="3372637935"/>
+      </p:ext>
+    </p:extLst>
+  </p:cSld>
+  <p:clrMapOvr>
+    <a:masterClrMapping/>
+  </p:clrMapOvr>
+</p:sld>
+</file>
+
+<file path=ppt/slides/slide13.xml><?xml version="1.0" encoding="utf-8"?>
+<p:sld xmlns:a="http://schemas.openxmlformats.org/drawingml/2006/main" xmlns:r="http://schemas.openxmlformats.org/officeDocument/2006/relationships" xmlns:p="http://schemas.openxmlformats.org/presentationml/2006/main">
+  <p:cSld>
+    <p:spTree>
+      <p:nvGrpSpPr>
+        <p:cNvPr id="1" name=""/>
+        <p:cNvGrpSpPr/>
+        <p:nvPr/>
+      </p:nvGrpSpPr>
+      <p:grpSpPr>
+        <a:xfrm>
+          <a:off x="0" y="0"/>
+          <a:ext cx="0" cy="0"/>
+          <a:chOff x="0" y="0"/>
+          <a:chExt cx="0" cy="0"/>
+        </a:xfrm>
+      </p:grpSpPr>
+      <p:sp>
+        <p:nvSpPr>
+          <p:cNvPr id="4" name="Title 3">
+            <a:extLst>
+              <a:ext uri="{FF2B5EF4-FFF2-40B4-BE49-F238E27FC236}">
+                <a16:creationId xmlns:a16="http://schemas.microsoft.com/office/drawing/2014/main" id="{B75295A1-A828-4ADA-BCE1-4C8896295C27}"/>
+              </a:ext>
+            </a:extLst>
+          </p:cNvPr>
+          <p:cNvSpPr>
+            <a:spLocks noGrp="1"/>
+          </p:cNvSpPr>
+          <p:nvPr>
+            <p:ph type="title"/>
+          </p:nvPr>
+        </p:nvSpPr>
+        <p:spPr/>
+        <p:txBody>
+          <a:bodyPr/>
+          <a:lstStyle/>
+          <a:p>
+            <a:r>
+              <a:rPr lang="fr-CA" dirty="0"/>
+              <a:t>3 – Virtual DOM</a:t>
+            </a:r>
+          </a:p>
+        </p:txBody>
+      </p:sp>
+      <p:sp>
+        <p:nvSpPr>
+          <p:cNvPr id="5" name="Text Placeholder 4">
+            <a:extLst>
+              <a:ext uri="{FF2B5EF4-FFF2-40B4-BE49-F238E27FC236}">
+                <a16:creationId xmlns:a16="http://schemas.microsoft.com/office/drawing/2014/main" id="{9AB539E5-379D-48F0-A141-68E22F6ED824}"/>
+              </a:ext>
+            </a:extLst>
+          </p:cNvPr>
+          <p:cNvSpPr>
+            <a:spLocks noGrp="1"/>
+          </p:cNvSpPr>
+          <p:nvPr>
+            <p:ph type="body" idx="1"/>
+          </p:nvPr>
+        </p:nvSpPr>
+        <p:spPr/>
+        <p:txBody>
+          <a:bodyPr/>
+          <a:lstStyle/>
+          <a:p>
+            <a:endParaRPr lang="fr-CA"/>
+          </a:p>
+        </p:txBody>
+      </p:sp>
+    </p:spTree>
+    <p:extLst>
+      <p:ext uri="{BB962C8B-B14F-4D97-AF65-F5344CB8AC3E}">
+        <p14:creationId xmlns:p14="http://schemas.microsoft.com/office/powerpoint/2010/main" val="4093118613"/>
+      </p:ext>
+    </p:extLst>
+  </p:cSld>
+  <p:clrMapOvr>
+    <a:masterClrMapping/>
+  </p:clrMapOvr>
+</p:sld>
+</file>
+
+<file path=ppt/slides/slide14.xml><?xml version="1.0" encoding="utf-8"?>
+<p:sld xmlns:a="http://schemas.openxmlformats.org/drawingml/2006/main" xmlns:r="http://schemas.openxmlformats.org/officeDocument/2006/relationships" xmlns:p="http://schemas.openxmlformats.org/presentationml/2006/main">
+  <p:cSld>
+    <p:spTree>
+      <p:nvGrpSpPr>
+        <p:cNvPr id="1" name=""/>
+        <p:cNvGrpSpPr/>
+        <p:nvPr/>
+      </p:nvGrpSpPr>
+      <p:grpSpPr>
+        <a:xfrm>
+          <a:off x="0" y="0"/>
+          <a:ext cx="0" cy="0"/>
+          <a:chOff x="0" y="0"/>
+          <a:chExt cx="0" cy="0"/>
+        </a:xfrm>
+      </p:grpSpPr>
+      <p:sp>
+        <p:nvSpPr>
+          <p:cNvPr id="2" name="Title 1">
+            <a:extLst>
+              <a:ext uri="{FF2B5EF4-FFF2-40B4-BE49-F238E27FC236}">
+                <a16:creationId xmlns:a16="http://schemas.microsoft.com/office/drawing/2014/main" id="{F7945AEA-6232-4670-B53E-ADC28E9CE141}"/>
+              </a:ext>
+            </a:extLst>
+          </p:cNvPr>
+          <p:cNvSpPr>
+            <a:spLocks noGrp="1"/>
+          </p:cNvSpPr>
+          <p:nvPr>
+            <p:ph type="title"/>
+          </p:nvPr>
+        </p:nvSpPr>
+        <p:spPr/>
+        <p:txBody>
+          <a:bodyPr/>
+          <a:lstStyle/>
+          <a:p>
+            <a:r>
+              <a:rPr lang="en-CA" dirty="0" err="1"/>
+              <a:t>Qu’est</a:t>
+            </a:r>
+            <a:r>
+              <a:rPr lang="en-CA" dirty="0"/>
+              <a:t> que le virtual DOM</a:t>
+            </a:r>
+          </a:p>
+        </p:txBody>
+      </p:sp>
+      <p:sp>
+        <p:nvSpPr>
+          <p:cNvPr id="3" name="Content Placeholder 2">
+            <a:extLst>
+              <a:ext uri="{FF2B5EF4-FFF2-40B4-BE49-F238E27FC236}">
+                <a16:creationId xmlns:a16="http://schemas.microsoft.com/office/drawing/2014/main" id="{8FCB3598-4DA2-4E4D-80F2-A3033D71AC47}"/>
+              </a:ext>
+            </a:extLst>
+          </p:cNvPr>
+          <p:cNvSpPr>
+            <a:spLocks noGrp="1"/>
+          </p:cNvSpPr>
+          <p:nvPr>
+            <p:ph idx="1"/>
+          </p:nvPr>
+        </p:nvSpPr>
+        <p:spPr/>
+        <p:txBody>
+          <a:bodyPr/>
+          <a:lstStyle/>
+          <a:p>
+            <a:pPr marL="0" indent="0">
+              <a:buNone/>
+            </a:pPr>
+            <a:r>
+              <a:rPr lang="fr-CA" b="1" dirty="0"/>
+              <a:t>Définition</a:t>
+            </a:r>
+            <a:r>
+              <a:rPr lang="fr-CA" dirty="0"/>
+              <a:t>: Le </a:t>
+            </a:r>
+            <a:r>
+              <a:rPr lang="fr-CA" dirty="0" err="1"/>
+              <a:t>virtual</a:t>
+            </a:r>
+            <a:r>
+              <a:rPr lang="fr-CA" dirty="0"/>
+              <a:t> DOM est une abstraction du HTML DOM, découplé des détails d’implémentation du browser</a:t>
+            </a:r>
+          </a:p>
+          <a:p>
+            <a:pPr marL="0" indent="0">
+              <a:buNone/>
+            </a:pPr>
+            <a:endParaRPr lang="fr-CA" dirty="0"/>
+          </a:p>
+          <a:p>
+            <a:pPr marL="0" indent="0">
+              <a:buNone/>
+            </a:pPr>
+            <a:r>
+              <a:rPr lang="fr-CA" b="1" dirty="0"/>
+              <a:t>En concret</a:t>
+            </a:r>
+            <a:r>
+              <a:rPr lang="fr-CA" dirty="0"/>
+              <a:t>: Arbre de </a:t>
+            </a:r>
+            <a:r>
+              <a:rPr lang="fr-CA" dirty="0" err="1"/>
+              <a:t>ReactElement</a:t>
+            </a:r>
+            <a:endParaRPr lang="fr-CA" dirty="0"/>
+          </a:p>
+          <a:p>
+            <a:pPr marL="0" indent="0">
+              <a:buNone/>
+            </a:pPr>
+            <a:endParaRPr lang="fr-CA" dirty="0"/>
+          </a:p>
+          <a:p>
+            <a:pPr marL="0" indent="0">
+              <a:buNone/>
+            </a:pPr>
+            <a:r>
+              <a:rPr lang="fr-CA" b="1" dirty="0"/>
+              <a:t>Comment il passe du </a:t>
+            </a:r>
+            <a:r>
+              <a:rPr lang="fr-CA" b="1" dirty="0" err="1"/>
+              <a:t>virtual</a:t>
+            </a:r>
+            <a:r>
+              <a:rPr lang="fr-CA" b="1" dirty="0"/>
+              <a:t> au real? : </a:t>
+            </a:r>
+            <a:r>
+              <a:rPr lang="fr-CA" dirty="0"/>
+              <a:t>la méthode </a:t>
+            </a:r>
+            <a:r>
+              <a:rPr lang="fr-CA" dirty="0" err="1"/>
+              <a:t>React.Render</a:t>
+            </a:r>
+            <a:r>
+              <a:rPr lang="fr-CA" dirty="0"/>
+              <a:t>() transforme le </a:t>
+            </a:r>
+            <a:r>
+              <a:rPr lang="fr-CA" dirty="0" err="1"/>
+              <a:t>reactElement</a:t>
+            </a:r>
+            <a:r>
+              <a:rPr lang="fr-CA" dirty="0"/>
+              <a:t> en </a:t>
+            </a:r>
+            <a:r>
+              <a:rPr lang="fr-CA" dirty="0" err="1"/>
+              <a:t>node</a:t>
+            </a:r>
+            <a:r>
+              <a:rPr lang="fr-CA" dirty="0"/>
+              <a:t> propre à la plateforme (web ou native)</a:t>
+            </a:r>
+          </a:p>
+        </p:txBody>
+      </p:sp>
+    </p:spTree>
+    <p:extLst>
+      <p:ext uri="{BB962C8B-B14F-4D97-AF65-F5344CB8AC3E}">
+        <p14:creationId xmlns:p14="http://schemas.microsoft.com/office/powerpoint/2010/main" val="2113963184"/>
+      </p:ext>
+    </p:extLst>
+  </p:cSld>
+  <p:clrMapOvr>
+    <a:masterClrMapping/>
+  </p:clrMapOvr>
+</p:sld>
+</file>
+
+<file path=ppt/slides/slide15.xml><?xml version="1.0" encoding="utf-8"?>
+<p:sld xmlns:a="http://schemas.openxmlformats.org/drawingml/2006/main" xmlns:r="http://schemas.openxmlformats.org/officeDocument/2006/relationships" xmlns:p="http://schemas.openxmlformats.org/presentationml/2006/main">
+  <p:cSld>
+    <p:spTree>
+      <p:nvGrpSpPr>
+        <p:cNvPr id="1" name=""/>
+        <p:cNvGrpSpPr/>
+        <p:nvPr/>
+      </p:nvGrpSpPr>
+      <p:grpSpPr>
+        <a:xfrm>
+          <a:off x="0" y="0"/>
+          <a:ext cx="0" cy="0"/>
+          <a:chOff x="0" y="0"/>
+          <a:chExt cx="0" cy="0"/>
+        </a:xfrm>
+      </p:grpSpPr>
+      <p:sp>
+        <p:nvSpPr>
+          <p:cNvPr id="2" name="Title 1">
+            <a:extLst>
+              <a:ext uri="{FF2B5EF4-FFF2-40B4-BE49-F238E27FC236}">
+                <a16:creationId xmlns:a16="http://schemas.microsoft.com/office/drawing/2014/main" id="{F7945AEA-6232-4670-B53E-ADC28E9CE141}"/>
+              </a:ext>
+            </a:extLst>
+          </p:cNvPr>
+          <p:cNvSpPr>
+            <a:spLocks noGrp="1"/>
+          </p:cNvSpPr>
+          <p:nvPr>
+            <p:ph type="title"/>
+          </p:nvPr>
+        </p:nvSpPr>
+        <p:spPr/>
+        <p:txBody>
+          <a:bodyPr/>
+          <a:lstStyle/>
+          <a:p>
+            <a:r>
+              <a:rPr lang="en-CA" dirty="0" err="1"/>
+              <a:t>Pourquoi</a:t>
+            </a:r>
+            <a:r>
+              <a:rPr lang="en-CA" dirty="0"/>
+              <a:t> un Virtual DOM</a:t>
+            </a:r>
+          </a:p>
+        </p:txBody>
+      </p:sp>
+      <p:sp>
+        <p:nvSpPr>
+          <p:cNvPr id="3" name="Content Placeholder 2">
+            <a:extLst>
+              <a:ext uri="{FF2B5EF4-FFF2-40B4-BE49-F238E27FC236}">
+                <a16:creationId xmlns:a16="http://schemas.microsoft.com/office/drawing/2014/main" id="{8FCB3598-4DA2-4E4D-80F2-A3033D71AC47}"/>
+              </a:ext>
+            </a:extLst>
+          </p:cNvPr>
+          <p:cNvSpPr>
+            <a:spLocks noGrp="1"/>
+          </p:cNvSpPr>
+          <p:nvPr>
+            <p:ph idx="1"/>
+          </p:nvPr>
+        </p:nvSpPr>
+        <p:spPr/>
+        <p:txBody>
+          <a:bodyPr>
+            <a:normAutofit fontScale="92500" lnSpcReduction="10000"/>
+          </a:bodyPr>
+          <a:lstStyle/>
+          <a:p>
+            <a:pPr marL="0" indent="0">
+              <a:buNone/>
+            </a:pPr>
+            <a:r>
+              <a:rPr lang="fr-CA" b="1" dirty="0"/>
+              <a:t>Le problème</a:t>
+            </a:r>
+            <a:r>
+              <a:rPr lang="fr-CA" dirty="0"/>
+              <a:t>: Changer le DOM est très couteux et </a:t>
+            </a:r>
+            <a:r>
+              <a:rPr lang="fr-CA" dirty="0" err="1"/>
+              <a:t>innéficace</a:t>
+            </a:r>
+            <a:endParaRPr lang="fr-CA" dirty="0"/>
+          </a:p>
+          <a:p>
+            <a:pPr lvl="1"/>
+            <a:r>
+              <a:rPr lang="fr-CA" dirty="0"/>
+              <a:t>Ajouter des </a:t>
+            </a:r>
+            <a:r>
+              <a:rPr lang="fr-CA" dirty="0" err="1"/>
+              <a:t>nodes</a:t>
+            </a:r>
+            <a:r>
+              <a:rPr lang="fr-CA" dirty="0"/>
+              <a:t> et </a:t>
+            </a:r>
+            <a:r>
+              <a:rPr lang="fr-CA" dirty="0" err="1"/>
+              <a:t>attributes</a:t>
+            </a:r>
+            <a:r>
+              <a:rPr lang="fr-CA" dirty="0"/>
+              <a:t> pas couteux</a:t>
+            </a:r>
+          </a:p>
+          <a:p>
+            <a:pPr lvl="1"/>
+            <a:r>
+              <a:rPr lang="fr-CA" dirty="0"/>
+              <a:t>Recalculer CSS, </a:t>
+            </a:r>
+            <a:r>
+              <a:rPr lang="fr-CA" dirty="0" err="1"/>
+              <a:t>layout</a:t>
+            </a:r>
+            <a:r>
+              <a:rPr lang="fr-CA" dirty="0"/>
+              <a:t> et </a:t>
+            </a:r>
+            <a:r>
+              <a:rPr lang="fr-CA" dirty="0" err="1"/>
+              <a:t>repaint</a:t>
+            </a:r>
+            <a:r>
+              <a:rPr lang="fr-CA" dirty="0"/>
+              <a:t> sont très couteux</a:t>
+            </a:r>
+          </a:p>
+          <a:p>
+            <a:pPr marL="0" indent="0">
+              <a:buNone/>
+            </a:pPr>
+            <a:endParaRPr lang="fr-CA" dirty="0"/>
+          </a:p>
+          <a:p>
+            <a:pPr marL="0" indent="0">
+              <a:buNone/>
+            </a:pPr>
+            <a:r>
+              <a:rPr lang="fr-CA" b="1" dirty="0"/>
+              <a:t>La solution apporté</a:t>
+            </a:r>
+            <a:r>
+              <a:rPr lang="fr-CA" dirty="0"/>
+              <a:t>:</a:t>
+            </a:r>
+          </a:p>
+          <a:p>
+            <a:pPr lvl="1"/>
+            <a:r>
+              <a:rPr lang="fr-CA" dirty="0"/>
+              <a:t>Efficient diff </a:t>
+            </a:r>
+            <a:r>
+              <a:rPr lang="fr-CA" dirty="0" err="1"/>
+              <a:t>algorithm</a:t>
+            </a:r>
+            <a:endParaRPr lang="fr-CA" dirty="0"/>
+          </a:p>
+          <a:p>
+            <a:pPr lvl="1"/>
+            <a:r>
+              <a:rPr lang="fr-CA" dirty="0" err="1"/>
+              <a:t>Batched</a:t>
+            </a:r>
+            <a:r>
+              <a:rPr lang="fr-CA" dirty="0"/>
+              <a:t> update </a:t>
+            </a:r>
+            <a:r>
+              <a:rPr lang="fr-CA" dirty="0" err="1"/>
+              <a:t>operations</a:t>
+            </a:r>
+            <a:r>
+              <a:rPr lang="fr-CA" dirty="0"/>
+              <a:t> (vs </a:t>
+            </a:r>
+            <a:r>
+              <a:rPr lang="fr-CA" dirty="0" err="1"/>
+              <a:t>many</a:t>
+            </a:r>
+            <a:r>
+              <a:rPr lang="fr-CA" dirty="0"/>
+              <a:t> </a:t>
+            </a:r>
+            <a:r>
+              <a:rPr lang="fr-CA" dirty="0" err="1"/>
+              <a:t>smallers</a:t>
+            </a:r>
+            <a:r>
+              <a:rPr lang="fr-CA" dirty="0"/>
+              <a:t>)</a:t>
+            </a:r>
+          </a:p>
+          <a:p>
+            <a:pPr lvl="2"/>
+            <a:r>
+              <a:rPr lang="fr-CA" dirty="0"/>
+              <a:t>= </a:t>
+            </a:r>
+            <a:r>
+              <a:rPr lang="fr-CA" dirty="0" err="1"/>
+              <a:t>Less</a:t>
+            </a:r>
+            <a:r>
+              <a:rPr lang="fr-CA" dirty="0"/>
+              <a:t> </a:t>
+            </a:r>
+            <a:r>
+              <a:rPr lang="fr-CA" dirty="0" err="1"/>
+              <a:t>layout</a:t>
+            </a:r>
+            <a:r>
+              <a:rPr lang="fr-CA" dirty="0"/>
+              <a:t> + </a:t>
+            </a:r>
+            <a:r>
+              <a:rPr lang="fr-CA" dirty="0" err="1"/>
+              <a:t>repaint</a:t>
+            </a:r>
+            <a:endParaRPr lang="fr-CA" dirty="0"/>
+          </a:p>
+          <a:p>
+            <a:pPr lvl="1"/>
+            <a:r>
+              <a:rPr lang="fr-CA" dirty="0"/>
+              <a:t>Efficient update of </a:t>
+            </a:r>
+            <a:r>
+              <a:rPr lang="fr-CA" dirty="0" err="1"/>
+              <a:t>sub</a:t>
+            </a:r>
+            <a:r>
+              <a:rPr lang="fr-CA" dirty="0"/>
+              <a:t> </a:t>
+            </a:r>
+            <a:r>
+              <a:rPr lang="fr-CA" dirty="0" err="1"/>
+              <a:t>tree</a:t>
+            </a:r>
+            <a:r>
+              <a:rPr lang="fr-CA" dirty="0"/>
+              <a:t> </a:t>
+            </a:r>
+            <a:r>
+              <a:rPr lang="fr-CA" dirty="0" err="1"/>
+              <a:t>only</a:t>
+            </a:r>
+            <a:endParaRPr lang="fr-CA" dirty="0"/>
+          </a:p>
+          <a:p>
+            <a:pPr lvl="1"/>
+            <a:r>
+              <a:rPr lang="fr-CA" dirty="0"/>
+              <a:t>Uses observable </a:t>
+            </a:r>
+            <a:r>
+              <a:rPr lang="fr-CA" dirty="0" err="1"/>
+              <a:t>instead</a:t>
+            </a:r>
+            <a:r>
+              <a:rPr lang="fr-CA" dirty="0"/>
+              <a:t> of </a:t>
+            </a:r>
+            <a:r>
+              <a:rPr lang="fr-CA" dirty="0" err="1"/>
+              <a:t>dirty</a:t>
+            </a:r>
+            <a:r>
+              <a:rPr lang="fr-CA" dirty="0"/>
+              <a:t> checking to </a:t>
+            </a:r>
+            <a:r>
+              <a:rPr lang="fr-CA" dirty="0" err="1"/>
+              <a:t>detect</a:t>
+            </a:r>
+            <a:r>
+              <a:rPr lang="fr-CA" dirty="0"/>
+              <a:t> change</a:t>
+            </a:r>
+          </a:p>
+          <a:p>
+            <a:pPr lvl="2"/>
+            <a:r>
+              <a:rPr lang="fr-CA" dirty="0" err="1"/>
+              <a:t>React</a:t>
+            </a:r>
+            <a:r>
+              <a:rPr lang="fr-CA" dirty="0"/>
+              <a:t>: </a:t>
+            </a:r>
+            <a:r>
+              <a:rPr lang="fr-CA" dirty="0" err="1"/>
+              <a:t>when</a:t>
+            </a:r>
+            <a:r>
+              <a:rPr lang="fr-CA" dirty="0"/>
+              <a:t> </a:t>
+            </a:r>
+            <a:r>
+              <a:rPr lang="fr-CA" dirty="0" err="1"/>
+              <a:t>setState</a:t>
+            </a:r>
+            <a:r>
+              <a:rPr lang="fr-CA" dirty="0"/>
+              <a:t>() =</a:t>
+            </a:r>
+            <a:r>
+              <a:rPr lang="en-CA" dirty="0"/>
+              <a:t>&gt; mark component dirty</a:t>
+            </a:r>
+          </a:p>
+          <a:p>
+            <a:pPr lvl="2"/>
+            <a:r>
+              <a:rPr lang="en-CA" dirty="0"/>
+              <a:t>Angular: Recurring process to detect change (</a:t>
+            </a:r>
+            <a:r>
+              <a:rPr lang="en-CA" dirty="0" err="1"/>
+              <a:t>doesn</a:t>
+            </a:r>
+            <a:r>
+              <a:rPr lang="fr-CA" dirty="0"/>
+              <a:t>’t </a:t>
+            </a:r>
+            <a:r>
+              <a:rPr lang="fr-CA" dirty="0" err="1"/>
+              <a:t>scale</a:t>
+            </a:r>
+            <a:r>
+              <a:rPr lang="fr-CA" dirty="0"/>
+              <a:t>)</a:t>
+            </a:r>
+          </a:p>
+          <a:p>
+            <a:endParaRPr lang="en-CA" dirty="0"/>
+          </a:p>
+        </p:txBody>
+      </p:sp>
+    </p:spTree>
+    <p:extLst>
+      <p:ext uri="{BB962C8B-B14F-4D97-AF65-F5344CB8AC3E}">
+        <p14:creationId xmlns:p14="http://schemas.microsoft.com/office/powerpoint/2010/main" val="4149388084"/>
+      </p:ext>
+    </p:extLst>
+  </p:cSld>
+  <p:clrMapOvr>
+    <a:masterClrMapping/>
+  </p:clrMapOvr>
+</p:sld>
+</file>
+
+<file path=ppt/slides/slide16.xml><?xml version="1.0" encoding="utf-8"?>
+<p:sld xmlns:a="http://schemas.openxmlformats.org/drawingml/2006/main" xmlns:r="http://schemas.openxmlformats.org/officeDocument/2006/relationships" xmlns:p="http://schemas.openxmlformats.org/presentationml/2006/main">
+  <p:cSld>
+    <p:spTree>
+      <p:nvGrpSpPr>
+        <p:cNvPr id="1" name=""/>
+        <p:cNvGrpSpPr/>
+        <p:nvPr/>
+      </p:nvGrpSpPr>
+      <p:grpSpPr>
+        <a:xfrm>
+          <a:off x="0" y="0"/>
+          <a:ext cx="0" cy="0"/>
+          <a:chOff x="0" y="0"/>
+          <a:chExt cx="0" cy="0"/>
+        </a:xfrm>
+      </p:grpSpPr>
+      <p:sp>
+        <p:nvSpPr>
+          <p:cNvPr id="2" name="Title 1">
+            <a:extLst>
+              <a:ext uri="{FF2B5EF4-FFF2-40B4-BE49-F238E27FC236}">
                 <a16:creationId xmlns:a16="http://schemas.microsoft.com/office/drawing/2014/main" id="{3DD84B58-110D-4E64-9FDC-F84E33F9BC89}"/>
               </a:ext>
             </a:extLst>
@@ -4799,7 +6049,103 @@
 </p:sld>
 </file>
 
-<file path=ppt/slides/slide11.xml><?xml version="1.0" encoding="utf-8"?>
+<file path=ppt/slides/slide17.xml><?xml version="1.0" encoding="utf-8"?>
+<p:sld xmlns:a="http://schemas.openxmlformats.org/drawingml/2006/main" xmlns:r="http://schemas.openxmlformats.org/officeDocument/2006/relationships" xmlns:p="http://schemas.openxmlformats.org/presentationml/2006/main">
+  <p:cSld>
+    <p:spTree>
+      <p:nvGrpSpPr>
+        <p:cNvPr id="1" name=""/>
+        <p:cNvGrpSpPr/>
+        <p:nvPr/>
+      </p:nvGrpSpPr>
+      <p:grpSpPr>
+        <a:xfrm>
+          <a:off x="0" y="0"/>
+          <a:ext cx="0" cy="0"/>
+          <a:chOff x="0" y="0"/>
+          <a:chExt cx="0" cy="0"/>
+        </a:xfrm>
+      </p:grpSpPr>
+      <p:sp>
+        <p:nvSpPr>
+          <p:cNvPr id="4" name="Title 3">
+            <a:extLst>
+              <a:ext uri="{FF2B5EF4-FFF2-40B4-BE49-F238E27FC236}">
+                <a16:creationId xmlns:a16="http://schemas.microsoft.com/office/drawing/2014/main" id="{B75295A1-A828-4ADA-BCE1-4C8896295C27}"/>
+              </a:ext>
+            </a:extLst>
+          </p:cNvPr>
+          <p:cNvSpPr>
+            <a:spLocks noGrp="1"/>
+          </p:cNvSpPr>
+          <p:nvPr>
+            <p:ph type="title"/>
+          </p:nvPr>
+        </p:nvSpPr>
+        <p:spPr/>
+        <p:txBody>
+          <a:bodyPr/>
+          <a:lstStyle/>
+          <a:p>
+            <a:r>
+              <a:rPr lang="fr-CA" dirty="0"/>
+              <a:t>4 – </a:t>
+            </a:r>
+            <a:r>
+              <a:rPr lang="fr-CA" dirty="0" err="1"/>
+              <a:t>React</a:t>
+            </a:r>
+            <a:r>
+              <a:rPr lang="fr-CA" dirty="0"/>
+              <a:t> </a:t>
+            </a:r>
+            <a:r>
+              <a:rPr lang="fr-CA" dirty="0" err="1"/>
+              <a:t>Lifecycle</a:t>
+            </a:r>
+            <a:endParaRPr lang="fr-CA" dirty="0"/>
+          </a:p>
+        </p:txBody>
+      </p:sp>
+      <p:sp>
+        <p:nvSpPr>
+          <p:cNvPr id="5" name="Text Placeholder 4">
+            <a:extLst>
+              <a:ext uri="{FF2B5EF4-FFF2-40B4-BE49-F238E27FC236}">
+                <a16:creationId xmlns:a16="http://schemas.microsoft.com/office/drawing/2014/main" id="{9AB539E5-379D-48F0-A141-68E22F6ED824}"/>
+              </a:ext>
+            </a:extLst>
+          </p:cNvPr>
+          <p:cNvSpPr>
+            <a:spLocks noGrp="1"/>
+          </p:cNvSpPr>
+          <p:nvPr>
+            <p:ph type="body" idx="1"/>
+          </p:nvPr>
+        </p:nvSpPr>
+        <p:spPr/>
+        <p:txBody>
+          <a:bodyPr/>
+          <a:lstStyle/>
+          <a:p>
+            <a:endParaRPr lang="fr-CA"/>
+          </a:p>
+        </p:txBody>
+      </p:sp>
+    </p:spTree>
+    <p:extLst>
+      <p:ext uri="{BB962C8B-B14F-4D97-AF65-F5344CB8AC3E}">
+        <p14:creationId xmlns:p14="http://schemas.microsoft.com/office/powerpoint/2010/main" val="3504496674"/>
+      </p:ext>
+    </p:extLst>
+  </p:cSld>
+  <p:clrMapOvr>
+    <a:masterClrMapping/>
+  </p:clrMapOvr>
+</p:sld>
+</file>
+
+<file path=ppt/slides/slide18.xml><?xml version="1.0" encoding="utf-8"?>
 <p:sld xmlns:a="http://schemas.openxmlformats.org/drawingml/2006/main" xmlns:r="http://schemas.openxmlformats.org/officeDocument/2006/relationships" xmlns:p="http://schemas.openxmlformats.org/presentationml/2006/main">
   <p:cSld>
     <p:spTree>
@@ -4909,7 +6255,7 @@
 </p:sld>
 </file>
 
-<file path=ppt/slides/slide12.xml><?xml version="1.0" encoding="utf-8"?>
+<file path=ppt/slides/slide19.xml><?xml version="1.0" encoding="utf-8"?>
 <p:sld xmlns:a="http://schemas.openxmlformats.org/drawingml/2006/main" xmlns:r="http://schemas.openxmlformats.org/officeDocument/2006/relationships" xmlns:p="http://schemas.openxmlformats.org/presentationml/2006/main">
   <p:cSld>
     <p:spTree>
@@ -5467,7 +6813,180 @@
 </p:sld>
 </file>
 
-<file path=ppt/slides/slide13.xml><?xml version="1.0" encoding="utf-8"?>
+<file path=ppt/slides/slide2.xml><?xml version="1.0" encoding="utf-8"?>
+<p:sld xmlns:a="http://schemas.openxmlformats.org/drawingml/2006/main" xmlns:r="http://schemas.openxmlformats.org/officeDocument/2006/relationships" xmlns:p="http://schemas.openxmlformats.org/presentationml/2006/main">
+  <p:cSld>
+    <p:spTree>
+      <p:nvGrpSpPr>
+        <p:cNvPr id="1" name=""/>
+        <p:cNvGrpSpPr/>
+        <p:nvPr/>
+      </p:nvGrpSpPr>
+      <p:grpSpPr>
+        <a:xfrm>
+          <a:off x="0" y="0"/>
+          <a:ext cx="0" cy="0"/>
+          <a:chOff x="0" y="0"/>
+          <a:chExt cx="0" cy="0"/>
+        </a:xfrm>
+      </p:grpSpPr>
+      <p:sp>
+        <p:nvSpPr>
+          <p:cNvPr id="2" name="Title 1">
+            <a:extLst>
+              <a:ext uri="{FF2B5EF4-FFF2-40B4-BE49-F238E27FC236}">
+                <a16:creationId xmlns:a16="http://schemas.microsoft.com/office/drawing/2014/main" id="{C54D4E42-1EF3-407D-B9FC-96C34FC6F58B}"/>
+              </a:ext>
+            </a:extLst>
+          </p:cNvPr>
+          <p:cNvSpPr>
+            <a:spLocks noGrp="1"/>
+          </p:cNvSpPr>
+          <p:nvPr>
+            <p:ph type="title"/>
+          </p:nvPr>
+        </p:nvSpPr>
+        <p:spPr/>
+        <p:txBody>
+          <a:bodyPr/>
+          <a:lstStyle/>
+          <a:p>
+            <a:r>
+              <a:rPr lang="fr-CA" dirty="0"/>
+              <a:t>Table des matières</a:t>
+            </a:r>
+          </a:p>
+        </p:txBody>
+      </p:sp>
+      <p:sp>
+        <p:nvSpPr>
+          <p:cNvPr id="3" name="Content Placeholder 2">
+            <a:extLst>
+              <a:ext uri="{FF2B5EF4-FFF2-40B4-BE49-F238E27FC236}">
+                <a16:creationId xmlns:a16="http://schemas.microsoft.com/office/drawing/2014/main" id="{2B6AA249-33B6-461C-9EAF-8199B14CE7A9}"/>
+              </a:ext>
+            </a:extLst>
+          </p:cNvPr>
+          <p:cNvSpPr>
+            <a:spLocks noGrp="1"/>
+          </p:cNvSpPr>
+          <p:nvPr>
+            <p:ph idx="1"/>
+          </p:nvPr>
+        </p:nvSpPr>
+        <p:spPr/>
+        <p:txBody>
+          <a:bodyPr/>
+          <a:lstStyle/>
+          <a:p>
+            <a:pPr marL="514350" indent="-514350">
+              <a:buFont typeface="+mj-lt"/>
+              <a:buAutoNum type="arabicPeriod"/>
+            </a:pPr>
+            <a:r>
+              <a:rPr lang="fr-CA" dirty="0"/>
+              <a:t>DOM &amp; Browser</a:t>
+            </a:r>
+          </a:p>
+          <a:p>
+            <a:pPr marL="514350" indent="-514350">
+              <a:buFont typeface="+mj-lt"/>
+              <a:buAutoNum type="arabicPeriod"/>
+            </a:pPr>
+            <a:r>
+              <a:rPr lang="fr-CA" dirty="0" err="1"/>
+              <a:t>React</a:t>
+            </a:r>
+            <a:r>
+              <a:rPr lang="fr-CA" dirty="0"/>
+              <a:t> Building Block</a:t>
+            </a:r>
+          </a:p>
+          <a:p>
+            <a:pPr marL="514350" indent="-514350">
+              <a:buFont typeface="+mj-lt"/>
+              <a:buAutoNum type="arabicPeriod"/>
+            </a:pPr>
+            <a:r>
+              <a:rPr lang="fr-CA" dirty="0"/>
+              <a:t>Virtual DOM</a:t>
+            </a:r>
+          </a:p>
+          <a:p>
+            <a:pPr marL="514350" indent="-514350">
+              <a:buFont typeface="+mj-lt"/>
+              <a:buAutoNum type="arabicPeriod"/>
+            </a:pPr>
+            <a:r>
+              <a:rPr lang="fr-CA" dirty="0" err="1"/>
+              <a:t>Lifecycle</a:t>
+            </a:r>
+            <a:endParaRPr lang="fr-CA" dirty="0"/>
+          </a:p>
+          <a:p>
+            <a:pPr marL="514350" indent="-514350">
+              <a:buFont typeface="+mj-lt"/>
+              <a:buAutoNum type="arabicPeriod"/>
+            </a:pPr>
+            <a:r>
+              <a:rPr lang="fr-CA" dirty="0" err="1"/>
+              <a:t>Render</a:t>
+            </a:r>
+            <a:r>
+              <a:rPr lang="fr-CA" dirty="0"/>
+              <a:t> (Waste </a:t>
+            </a:r>
+            <a:r>
+              <a:rPr lang="fr-CA" dirty="0" err="1"/>
+              <a:t>Render</a:t>
+            </a:r>
+            <a:r>
+              <a:rPr lang="fr-CA" dirty="0"/>
+              <a:t> &amp; </a:t>
+            </a:r>
+            <a:r>
+              <a:rPr lang="fr-CA" dirty="0" err="1"/>
+              <a:t>Reconciliation</a:t>
+            </a:r>
+            <a:r>
+              <a:rPr lang="fr-CA" dirty="0"/>
+              <a:t>)</a:t>
+            </a:r>
+          </a:p>
+          <a:p>
+            <a:pPr marL="514350" indent="-514350">
+              <a:buFont typeface="+mj-lt"/>
+              <a:buAutoNum type="arabicPeriod"/>
+            </a:pPr>
+            <a:r>
+              <a:rPr lang="fr-CA" dirty="0"/>
+              <a:t>Profiling </a:t>
+            </a:r>
+            <a:r>
+              <a:rPr lang="fr-CA" dirty="0" err="1"/>
+              <a:t>tools</a:t>
+            </a:r>
+            <a:endParaRPr lang="fr-CA" dirty="0"/>
+          </a:p>
+          <a:p>
+            <a:endParaRPr lang="fr-CA" dirty="0"/>
+          </a:p>
+        </p:txBody>
+      </p:sp>
+    </p:spTree>
+    <p:extLst>
+      <p:ext uri="{BB962C8B-B14F-4D97-AF65-F5344CB8AC3E}">
+        <p14:creationId xmlns:p14="http://schemas.microsoft.com/office/powerpoint/2010/main" val="4115206639"/>
+      </p:ext>
+    </p:extLst>
+  </p:cSld>
+  <p:clrMapOvr>
+    <a:masterClrMapping/>
+  </p:clrMapOvr>
+</p:sld>
+</file>
+
+<file path=ppt/slides/slide20.xml><?xml version="1.0" encoding="utf-8"?>
 <p:sld xmlns:a="http://schemas.openxmlformats.org/drawingml/2006/main" xmlns:r="http://schemas.openxmlformats.org/officeDocument/2006/relationships" xmlns:p="http://schemas.openxmlformats.org/presentationml/2006/main">
   <p:cSld>
     <p:spTree>
@@ -5850,7 +7369,7 @@
 </p:sld>
 </file>
 
-<file path=ppt/slides/slide14.xml><?xml version="1.0" encoding="utf-8"?>
+<file path=ppt/slides/slide21.xml><?xml version="1.0" encoding="utf-8"?>
 <p:sld xmlns:a="http://schemas.openxmlformats.org/drawingml/2006/main" xmlns:r="http://schemas.openxmlformats.org/officeDocument/2006/relationships" xmlns:p="http://schemas.openxmlformats.org/presentationml/2006/main">
   <p:cSld>
     <p:spTree>
@@ -5872,7 +7391,7 @@
           <p:cNvPr id="2" name="Title 1">
             <a:extLst>
               <a:ext uri="{FF2B5EF4-FFF2-40B4-BE49-F238E27FC236}">
-                <a16:creationId xmlns:a16="http://schemas.microsoft.com/office/drawing/2014/main" id="{B56AB862-FB26-48DC-9687-ABFF8FA02D26}"/>
+                <a16:creationId xmlns:a16="http://schemas.microsoft.com/office/drawing/2014/main" id="{26ACBA9A-C772-48F1-ADB4-160A6F2B87BB}"/>
               </a:ext>
             </a:extLst>
           </p:cNvPr>
@@ -5889,80 +7408,81 @@
           <a:lstStyle/>
           <a:p>
             <a:r>
+              <a:rPr lang="fr-CA" dirty="0"/>
+              <a:t>Exos #4: Inside a </a:t>
+            </a:r>
+            <a:r>
               <a:rPr lang="fr-CA" dirty="0" err="1"/>
               <a:t>React</a:t>
             </a:r>
             <a:r>
               <a:rPr lang="fr-CA" dirty="0"/>
-              <a:t> </a:t>
-            </a:r>
-            <a:r>
-              <a:rPr lang="fr-CA" dirty="0" err="1"/>
-              <a:t>Render</a:t>
-            </a:r>
-            <a:r>
-              <a:rPr lang="fr-CA" dirty="0"/>
-              <a:t> &amp; </a:t>
-            </a:r>
-            <a:r>
-              <a:rPr lang="fr-CA" dirty="0" err="1"/>
-              <a:t>Reconciliation</a:t>
-            </a:r>
+              <a:t> Component Life (optionnel)</a:t>
+            </a:r>
+          </a:p>
+        </p:txBody>
+      </p:sp>
+      <p:sp>
+        <p:nvSpPr>
+          <p:cNvPr id="3" name="Content Placeholder 2">
+            <a:extLst>
+              <a:ext uri="{FF2B5EF4-FFF2-40B4-BE49-F238E27FC236}">
+                <a16:creationId xmlns:a16="http://schemas.microsoft.com/office/drawing/2014/main" id="{3D265ABA-2E39-4ACB-AE32-AE10177C1227}"/>
+              </a:ext>
+            </a:extLst>
+          </p:cNvPr>
+          <p:cNvSpPr>
+            <a:spLocks noGrp="1"/>
+          </p:cNvSpPr>
+          <p:nvPr>
+            <p:ph idx="1"/>
+          </p:nvPr>
+        </p:nvSpPr>
+        <p:spPr/>
+        <p:txBody>
+          <a:bodyPr/>
+          <a:lstStyle/>
+          <a:p>
+            <a:r>
+              <a:rPr lang="en-CA" dirty="0"/>
+              <a:t>Onglet: “Inside a React Component Life”</a:t>
+            </a:r>
+          </a:p>
+          <a:p>
             <a:endParaRPr lang="en-CA" dirty="0"/>
           </a:p>
-        </p:txBody>
-      </p:sp>
-      <p:sp>
-        <p:nvSpPr>
-          <p:cNvPr id="3" name="Content Placeholder 2">
-            <a:extLst>
-              <a:ext uri="{FF2B5EF4-FFF2-40B4-BE49-F238E27FC236}">
-                <a16:creationId xmlns:a16="http://schemas.microsoft.com/office/drawing/2014/main" id="{A8359718-8B24-4054-9B5C-A032DAA7ACA9}"/>
-              </a:ext>
-            </a:extLst>
-          </p:cNvPr>
-          <p:cNvSpPr>
-            <a:spLocks noGrp="1"/>
-          </p:cNvSpPr>
-          <p:nvPr>
-            <p:ph idx="1"/>
-          </p:nvPr>
-        </p:nvSpPr>
-        <p:spPr>
-          <a:xfrm>
-            <a:off x="658906" y="1690688"/>
-            <a:ext cx="10771094" cy="4351338"/>
-          </a:xfrm>
-        </p:spPr>
-        <p:txBody>
-          <a:bodyPr>
-            <a:normAutofit/>
-          </a:bodyPr>
-          <a:lstStyle/>
           <a:p>
             <a:pPr marL="0" indent="0">
               <a:buNone/>
             </a:pPr>
             <a:r>
-              <a:rPr lang="fr-CA" dirty="0"/>
-              <a:t>Lorsqu’on appelle la méthode </a:t>
-            </a:r>
-            <a:r>
-              <a:rPr lang="fr-CA" dirty="0" err="1"/>
-              <a:t>React.Render</a:t>
-            </a:r>
-            <a:r>
-              <a:rPr lang="fr-CA" dirty="0"/>
-              <a:t>() ou </a:t>
-            </a:r>
-            <a:r>
-              <a:rPr lang="fr-CA" dirty="0" err="1"/>
-              <a:t>setState</a:t>
-            </a:r>
-            <a:r>
-              <a:rPr lang="fr-CA" dirty="0"/>
-              <a:t>() 2 chose se produise:</a:t>
-            </a:r>
+              <a:rPr lang="fr-CA" dirty="0">
+                <a:hlinkClick r:id="rId2"/>
+              </a:rPr>
+              <a:t>https://medium.com/@sgobinda007/playing-with-component-lifecycle-methods-of-react-16-3-4c946c1e6982</a:t>
+            </a:r>
+            <a:r>
+              <a:rPr lang="fr-CA" dirty="0"/>
+              <a:t> </a:t>
+            </a:r>
+          </a:p>
+          <a:p>
+            <a:pPr marL="0" indent="0">
+              <a:buNone/>
+            </a:pPr>
+            <a:endParaRPr lang="en-CA" dirty="0"/>
+          </a:p>
+          <a:p>
+            <a:pPr marL="0" indent="0">
+              <a:buNone/>
+            </a:pPr>
+            <a:r>
+              <a:rPr lang="fr-CA" dirty="0">
+                <a:hlinkClick r:id="rId3"/>
+              </a:rPr>
+              <a:t>https://blog.bitsrc.io/react-16-lifecycle-methods-how-and-when-to-use-them-f4ad31fb2282</a:t>
+            </a:r>
+            <a:endParaRPr lang="fr-CA" dirty="0"/>
           </a:p>
           <a:p>
             <a:pPr marL="0" indent="0">
@@ -5970,162 +7490,126 @@
             </a:pPr>
             <a:endParaRPr lang="fr-CA" dirty="0"/>
           </a:p>
-          <a:p>
-            <a:pPr marL="0" indent="0">
-              <a:buNone/>
-            </a:pPr>
-            <a:r>
-              <a:rPr lang="fr-CA" dirty="0"/>
-              <a:t>#1) Update/</a:t>
+        </p:txBody>
+      </p:sp>
+    </p:spTree>
+    <p:extLst>
+      <p:ext uri="{BB962C8B-B14F-4D97-AF65-F5344CB8AC3E}">
+        <p14:creationId xmlns:p14="http://schemas.microsoft.com/office/powerpoint/2010/main" val="2994482953"/>
+      </p:ext>
+    </p:extLst>
+  </p:cSld>
+  <p:clrMapOvr>
+    <a:masterClrMapping/>
+  </p:clrMapOvr>
+</p:sld>
+</file>
+
+<file path=ppt/slides/slide22.xml><?xml version="1.0" encoding="utf-8"?>
+<p:sld xmlns:a="http://schemas.openxmlformats.org/drawingml/2006/main" xmlns:r="http://schemas.openxmlformats.org/officeDocument/2006/relationships" xmlns:p="http://schemas.openxmlformats.org/presentationml/2006/main">
+  <p:cSld>
+    <p:spTree>
+      <p:nvGrpSpPr>
+        <p:cNvPr id="1" name=""/>
+        <p:cNvGrpSpPr/>
+        <p:nvPr/>
+      </p:nvGrpSpPr>
+      <p:grpSpPr>
+        <a:xfrm>
+          <a:off x="0" y="0"/>
+          <a:ext cx="0" cy="0"/>
+          <a:chOff x="0" y="0"/>
+          <a:chExt cx="0" cy="0"/>
+        </a:xfrm>
+      </p:grpSpPr>
+      <p:sp>
+        <p:nvSpPr>
+          <p:cNvPr id="4" name="Title 3">
+            <a:extLst>
+              <a:ext uri="{FF2B5EF4-FFF2-40B4-BE49-F238E27FC236}">
+                <a16:creationId xmlns:a16="http://schemas.microsoft.com/office/drawing/2014/main" id="{B75295A1-A828-4ADA-BCE1-4C8896295C27}"/>
+              </a:ext>
+            </a:extLst>
+          </p:cNvPr>
+          <p:cNvSpPr>
+            <a:spLocks noGrp="1"/>
+          </p:cNvSpPr>
+          <p:nvPr>
+            <p:ph type="title"/>
+          </p:nvPr>
+        </p:nvSpPr>
+        <p:spPr/>
+        <p:txBody>
+          <a:bodyPr/>
+          <a:lstStyle/>
+          <a:p>
+            <a:r>
+              <a:rPr lang="fr-CA" dirty="0"/>
+              <a:t>5 – </a:t>
             </a:r>
             <a:r>
               <a:rPr lang="fr-CA" dirty="0" err="1"/>
               <a:t>Render</a:t>
             </a:r>
-            <a:r>
-              <a:rPr lang="fr-CA" dirty="0"/>
-              <a:t> du Virtual-DOM</a:t>
-            </a:r>
-          </a:p>
-          <a:p>
-            <a:r>
-              <a:rPr lang="fr-CA" sz="2000" dirty="0"/>
-              <a:t>Recréer les </a:t>
-            </a:r>
-            <a:r>
-              <a:rPr lang="fr-CA" sz="2000" dirty="0" err="1"/>
-              <a:t>reactElements</a:t>
-            </a:r>
-            <a:r>
-              <a:rPr lang="fr-CA" sz="2000" dirty="0"/>
-              <a:t> de l’élément et de son sous arbre</a:t>
-            </a:r>
-          </a:p>
-          <a:p>
-            <a:pPr lvl="1"/>
-            <a:r>
-              <a:rPr lang="fr-CA" sz="2000" dirty="0"/>
-              <a:t>Sur </a:t>
-            </a:r>
-            <a:r>
-              <a:rPr lang="fr-CA" sz="2000" dirty="0" err="1"/>
-              <a:t>React.Render</a:t>
-            </a:r>
-            <a:r>
-              <a:rPr lang="fr-CA" sz="2000" dirty="0"/>
-              <a:t>() l’élément est le root</a:t>
-            </a:r>
-          </a:p>
-          <a:p>
-            <a:pPr lvl="1"/>
-            <a:r>
-              <a:rPr lang="fr-CA" sz="2000" dirty="0"/>
-              <a:t>Avec </a:t>
-            </a:r>
-            <a:r>
-              <a:rPr lang="fr-CA" sz="2000" dirty="0" err="1"/>
-              <a:t>setState</a:t>
-            </a:r>
-            <a:r>
-              <a:rPr lang="fr-CA" sz="2000" dirty="0"/>
-              <a:t>() l’élément est le component updaté</a:t>
-            </a:r>
-          </a:p>
-          <a:p>
-            <a:pPr marL="0" indent="0">
-              <a:buNone/>
-            </a:pPr>
-            <a:r>
-              <a:rPr lang="fr-CA" dirty="0"/>
-              <a:t>#2) </a:t>
-            </a:r>
-            <a:r>
-              <a:rPr lang="fr-CA" dirty="0" err="1"/>
-              <a:t>Reconciliation</a:t>
-            </a:r>
             <a:endParaRPr lang="fr-CA" dirty="0"/>
           </a:p>
-          <a:p>
-            <a:r>
-              <a:rPr lang="fr-CA" sz="2000" dirty="0" err="1"/>
-              <a:t>Renderer</a:t>
-            </a:r>
-            <a:r>
-              <a:rPr lang="fr-CA" sz="2000" dirty="0"/>
-              <a:t> (comme </a:t>
-            </a:r>
-            <a:r>
-              <a:rPr lang="fr-CA" sz="2000" dirty="0" err="1"/>
-              <a:t>react</a:t>
-            </a:r>
-            <a:r>
-              <a:rPr lang="fr-CA" sz="2000" dirty="0"/>
-              <a:t>-dom ou </a:t>
-            </a:r>
-            <a:r>
-              <a:rPr lang="fr-CA" sz="2000" dirty="0" err="1"/>
-              <a:t>react</a:t>
-            </a:r>
-            <a:r>
-              <a:rPr lang="fr-CA" sz="2000" dirty="0"/>
-              <a:t>-native) calcule les changements minimal à faire pour mettre à jour le DOM de la </a:t>
-            </a:r>
-            <a:r>
-              <a:rPr lang="fr-CA" sz="2000" dirty="0" err="1"/>
-              <a:t>platforme</a:t>
-            </a:r>
-            <a:endParaRPr lang="fr-CA" sz="2000" dirty="0"/>
-          </a:p>
-          <a:p>
-            <a:pPr marL="0" indent="0">
-              <a:buNone/>
-            </a:pPr>
+        </p:txBody>
+      </p:sp>
+      <p:sp>
+        <p:nvSpPr>
+          <p:cNvPr id="5" name="Text Placeholder 4">
+            <a:extLst>
+              <a:ext uri="{FF2B5EF4-FFF2-40B4-BE49-F238E27FC236}">
+                <a16:creationId xmlns:a16="http://schemas.microsoft.com/office/drawing/2014/main" id="{9AB539E5-379D-48F0-A141-68E22F6ED824}"/>
+              </a:ext>
+            </a:extLst>
+          </p:cNvPr>
+          <p:cNvSpPr>
+            <a:spLocks noGrp="1"/>
+          </p:cNvSpPr>
+          <p:nvPr>
+            <p:ph type="body" idx="1"/>
+          </p:nvPr>
+        </p:nvSpPr>
+        <p:spPr/>
+        <p:txBody>
+          <a:bodyPr/>
+          <a:lstStyle/>
+          <a:p>
             <a:endParaRPr lang="fr-CA" dirty="0"/>
           </a:p>
-          <a:p>
-            <a:pPr marL="457200" lvl="1" indent="0">
-              <a:buNone/>
-            </a:pPr>
-            <a:endParaRPr lang="fr-CA" dirty="0"/>
-          </a:p>
-        </p:txBody>
-      </p:sp>
-      <p:sp>
-        <p:nvSpPr>
-          <p:cNvPr id="4" name="TextBox 3">
-            <a:extLst>
-              <a:ext uri="{FF2B5EF4-FFF2-40B4-BE49-F238E27FC236}">
-                <a16:creationId xmlns:a16="http://schemas.microsoft.com/office/drawing/2014/main" id="{AAC8258A-5666-40C6-8E08-9079FCD97085}"/>
-              </a:ext>
-            </a:extLst>
-          </p:cNvPr>
-          <p:cNvSpPr txBox="1"/>
-          <p:nvPr/>
-        </p:nvSpPr>
-        <p:spPr>
-          <a:xfrm>
-            <a:off x="566540" y="6187440"/>
-            <a:ext cx="6335517" cy="369332"/>
-          </a:xfrm>
-          <a:prstGeom prst="rect">
-            <a:avLst/>
-          </a:prstGeom>
-          <a:noFill/>
-        </p:spPr>
-        <p:txBody>
-          <a:bodyPr wrap="none" rtlCol="0">
-            <a:spAutoFit/>
-          </a:bodyPr>
-          <a:lstStyle/>
-          <a:p>
-            <a:r>
-              <a:rPr lang="fr-CA" dirty="0"/>
-              <a:t>Démo: « 3-react-render.html » et « 4-render-reconciliation.html »</a:t>
-            </a:r>
-            <a:endParaRPr lang="en-CA" dirty="0"/>
-          </a:p>
-        </p:txBody>
-      </p:sp>
+        </p:txBody>
+      </p:sp>
+    </p:spTree>
+    <p:extLst>
+      <p:ext uri="{BB962C8B-B14F-4D97-AF65-F5344CB8AC3E}">
+        <p14:creationId xmlns:p14="http://schemas.microsoft.com/office/powerpoint/2010/main" val="3282056198"/>
+      </p:ext>
+    </p:extLst>
+  </p:cSld>
+  <p:clrMapOvr>
+    <a:masterClrMapping/>
+  </p:clrMapOvr>
+</p:sld>
+</file>
+
+<file path=ppt/slides/slide23.xml><?xml version="1.0" encoding="utf-8"?>
+<p:sld xmlns:a="http://schemas.openxmlformats.org/drawingml/2006/main" xmlns:r="http://schemas.openxmlformats.org/officeDocument/2006/relationships" xmlns:p="http://schemas.openxmlformats.org/presentationml/2006/main">
+  <p:cSld>
+    <p:spTree>
+      <p:nvGrpSpPr>
+        <p:cNvPr id="1" name=""/>
+        <p:cNvGrpSpPr/>
+        <p:nvPr/>
+      </p:nvGrpSpPr>
+      <p:grpSpPr>
+        <a:xfrm>
+          <a:off x="0" y="0"/>
+          <a:ext cx="0" cy="0"/>
+          <a:chOff x="0" y="0"/>
+          <a:chExt cx="0" cy="0"/>
+        </a:xfrm>
+      </p:grpSpPr>
       <p:pic>
         <p:nvPicPr>
           <p:cNvPr id="1026" name="Picture 2" descr="Image result for react virtual dom">
@@ -6155,8 +7639,8 @@
         </p:blipFill>
         <p:spPr bwMode="auto">
           <a:xfrm>
-            <a:off x="7605614" y="2478542"/>
-            <a:ext cx="4382279" cy="2278516"/>
+            <a:off x="6093408" y="2362426"/>
+            <a:ext cx="6252612" cy="3250974"/>
           </a:xfrm>
           <a:prstGeom prst="rect">
             <a:avLst/>
@@ -6173,6 +7657,236 @@
           </a:extLst>
         </p:spPr>
       </p:pic>
+      <p:sp>
+        <p:nvSpPr>
+          <p:cNvPr id="2" name="Title 1">
+            <a:extLst>
+              <a:ext uri="{FF2B5EF4-FFF2-40B4-BE49-F238E27FC236}">
+                <a16:creationId xmlns:a16="http://schemas.microsoft.com/office/drawing/2014/main" id="{B56AB862-FB26-48DC-9687-ABFF8FA02D26}"/>
+              </a:ext>
+            </a:extLst>
+          </p:cNvPr>
+          <p:cNvSpPr>
+            <a:spLocks noGrp="1"/>
+          </p:cNvSpPr>
+          <p:nvPr>
+            <p:ph type="title"/>
+          </p:nvPr>
+        </p:nvSpPr>
+        <p:spPr/>
+        <p:txBody>
+          <a:bodyPr/>
+          <a:lstStyle/>
+          <a:p>
+            <a:r>
+              <a:rPr lang="fr-CA"/>
+              <a:t>Render</a:t>
+            </a:r>
+            <a:r>
+              <a:rPr lang="fr-CA" dirty="0"/>
+              <a:t> &amp; </a:t>
+            </a:r>
+            <a:r>
+              <a:rPr lang="fr-CA" dirty="0" err="1"/>
+              <a:t>Reconciliation</a:t>
+            </a:r>
+            <a:endParaRPr lang="en-CA" dirty="0"/>
+          </a:p>
+        </p:txBody>
+      </p:sp>
+      <p:sp>
+        <p:nvSpPr>
+          <p:cNvPr id="3" name="Content Placeholder 2">
+            <a:extLst>
+              <a:ext uri="{FF2B5EF4-FFF2-40B4-BE49-F238E27FC236}">
+                <a16:creationId xmlns:a16="http://schemas.microsoft.com/office/drawing/2014/main" id="{A8359718-8B24-4054-9B5C-A032DAA7ACA9}"/>
+              </a:ext>
+            </a:extLst>
+          </p:cNvPr>
+          <p:cNvSpPr>
+            <a:spLocks noGrp="1"/>
+          </p:cNvSpPr>
+          <p:nvPr>
+            <p:ph idx="1"/>
+          </p:nvPr>
+        </p:nvSpPr>
+        <p:spPr>
+          <a:xfrm>
+            <a:off x="71235" y="1462088"/>
+            <a:ext cx="8526665" cy="5167312"/>
+          </a:xfrm>
+        </p:spPr>
+        <p:txBody>
+          <a:bodyPr>
+            <a:normAutofit/>
+          </a:bodyPr>
+          <a:lstStyle/>
+          <a:p>
+            <a:pPr marL="0" indent="0">
+              <a:buNone/>
+            </a:pPr>
+            <a:r>
+              <a:rPr lang="fr-CA" dirty="0"/>
+              <a:t>Lorsqu’on appelle la méthode </a:t>
+            </a:r>
+            <a:r>
+              <a:rPr lang="fr-CA" dirty="0" err="1"/>
+              <a:t>React.Render</a:t>
+            </a:r>
+            <a:r>
+              <a:rPr lang="fr-CA" dirty="0"/>
+              <a:t>() ou </a:t>
+            </a:r>
+            <a:r>
+              <a:rPr lang="fr-CA" dirty="0" err="1"/>
+              <a:t>setState</a:t>
+            </a:r>
+            <a:r>
+              <a:rPr lang="fr-CA" dirty="0"/>
+              <a:t>() 2 chose se produise:</a:t>
+            </a:r>
+          </a:p>
+          <a:p>
+            <a:pPr marL="0" indent="0">
+              <a:buNone/>
+            </a:pPr>
+            <a:endParaRPr lang="fr-CA" dirty="0"/>
+          </a:p>
+          <a:p>
+            <a:pPr marL="0" indent="0">
+              <a:buNone/>
+            </a:pPr>
+            <a:r>
+              <a:rPr lang="fr-CA" dirty="0"/>
+              <a:t>#1) Update/</a:t>
+            </a:r>
+            <a:r>
+              <a:rPr lang="fr-CA" dirty="0" err="1"/>
+              <a:t>Render</a:t>
+            </a:r>
+            <a:r>
+              <a:rPr lang="fr-CA" dirty="0"/>
+              <a:t> du Virtual-DOM</a:t>
+            </a:r>
+          </a:p>
+          <a:p>
+            <a:r>
+              <a:rPr lang="fr-CA" sz="2000" dirty="0"/>
+              <a:t>Recréer les </a:t>
+            </a:r>
+            <a:r>
+              <a:rPr lang="fr-CA" sz="2000" dirty="0" err="1"/>
+              <a:t>reactElements</a:t>
+            </a:r>
+            <a:r>
+              <a:rPr lang="fr-CA" sz="2000" dirty="0"/>
+              <a:t> de l’élément et de son sous arbre</a:t>
+            </a:r>
+          </a:p>
+          <a:p>
+            <a:pPr lvl="1"/>
+            <a:r>
+              <a:rPr lang="fr-CA" sz="2000" dirty="0"/>
+              <a:t>Sur </a:t>
+            </a:r>
+            <a:r>
+              <a:rPr lang="fr-CA" sz="2000" dirty="0" err="1"/>
+              <a:t>React.Render</a:t>
+            </a:r>
+            <a:r>
+              <a:rPr lang="fr-CA" sz="2000" dirty="0"/>
+              <a:t>() l’élément est le root</a:t>
+            </a:r>
+          </a:p>
+          <a:p>
+            <a:pPr lvl="1"/>
+            <a:r>
+              <a:rPr lang="fr-CA" sz="2000" dirty="0"/>
+              <a:t>Avec </a:t>
+            </a:r>
+            <a:r>
+              <a:rPr lang="fr-CA" sz="2000" dirty="0" err="1"/>
+              <a:t>setState</a:t>
+            </a:r>
+            <a:r>
+              <a:rPr lang="fr-CA" sz="2000" dirty="0"/>
+              <a:t>() l’élément est le component updaté</a:t>
+            </a:r>
+          </a:p>
+          <a:p>
+            <a:pPr lvl="2"/>
+            <a:r>
+              <a:rPr lang="fr-CA" sz="1600" dirty="0" err="1"/>
+              <a:t>SetState</a:t>
+            </a:r>
+            <a:r>
+              <a:rPr lang="fr-CA" sz="1600" dirty="0"/>
+              <a:t> marque l’élément comme sale</a:t>
+            </a:r>
+          </a:p>
+          <a:p>
+            <a:pPr marL="0" indent="0">
+              <a:buNone/>
+            </a:pPr>
+            <a:r>
+              <a:rPr lang="fr-CA" dirty="0"/>
+              <a:t>#2) </a:t>
+            </a:r>
+            <a:r>
+              <a:rPr lang="fr-CA" dirty="0" err="1"/>
+              <a:t>Reconciliation</a:t>
+            </a:r>
+            <a:endParaRPr lang="fr-CA" dirty="0"/>
+          </a:p>
+          <a:p>
+            <a:r>
+              <a:rPr lang="fr-CA" sz="2000" dirty="0"/>
+              <a:t>Le </a:t>
+            </a:r>
+            <a:r>
+              <a:rPr lang="fr-CA" sz="2000" dirty="0" err="1"/>
+              <a:t>renderer</a:t>
+            </a:r>
+            <a:r>
+              <a:rPr lang="fr-CA" sz="2000" dirty="0"/>
+              <a:t> (comme </a:t>
+            </a:r>
+            <a:r>
+              <a:rPr lang="fr-CA" sz="2000" dirty="0" err="1"/>
+              <a:t>react</a:t>
+            </a:r>
+            <a:r>
+              <a:rPr lang="fr-CA" sz="2000" dirty="0"/>
+              <a:t>-dom ou </a:t>
+            </a:r>
+            <a:r>
+              <a:rPr lang="fr-CA" sz="2000" dirty="0" err="1"/>
+              <a:t>react</a:t>
+            </a:r>
+            <a:r>
+              <a:rPr lang="fr-CA" sz="2000" dirty="0"/>
+              <a:t>-native) calcule les changements minimal à faire pour mettre à jour le DOM de la </a:t>
+            </a:r>
+            <a:r>
+              <a:rPr lang="fr-CA" sz="2000" dirty="0" err="1"/>
+              <a:t>platforme</a:t>
+            </a:r>
+            <a:endParaRPr lang="fr-CA" sz="2000" dirty="0"/>
+          </a:p>
+          <a:p>
+            <a:pPr marL="0" indent="0">
+              <a:buNone/>
+            </a:pPr>
+            <a:endParaRPr lang="fr-CA" dirty="0"/>
+          </a:p>
+          <a:p>
+            <a:pPr marL="457200" lvl="1" indent="0">
+              <a:buNone/>
+            </a:pPr>
+            <a:endParaRPr lang="fr-CA" dirty="0"/>
+          </a:p>
+        </p:txBody>
+      </p:sp>
     </p:spTree>
     <p:extLst>
       <p:ext uri="{BB962C8B-B14F-4D97-AF65-F5344CB8AC3E}">
@@ -6186,7 +7900,7 @@
 </p:sld>
 </file>
 
-<file path=ppt/slides/slide15.xml><?xml version="1.0" encoding="utf-8"?>
+<file path=ppt/slides/slide24.xml><?xml version="1.0" encoding="utf-8"?>
 <p:sld xmlns:a="http://schemas.openxmlformats.org/drawingml/2006/main" xmlns:r="http://schemas.openxmlformats.org/officeDocument/2006/relationships" xmlns:p="http://schemas.openxmlformats.org/presentationml/2006/main">
   <p:cSld>
     <p:spTree>
@@ -6293,7 +8007,7 @@
 </p:sld>
 </file>
 
-<file path=ppt/slides/slide16.xml><?xml version="1.0" encoding="utf-8"?>
+<file path=ppt/slides/slide25.xml><?xml version="1.0" encoding="utf-8"?>
 <p:sld xmlns:a="http://schemas.openxmlformats.org/drawingml/2006/main" xmlns:r="http://schemas.openxmlformats.org/officeDocument/2006/relationships" xmlns:p="http://schemas.openxmlformats.org/presentationml/2006/main">
   <p:cSld>
     <p:spTree>
@@ -6315,7 +8029,7 @@
           <p:cNvPr id="2" name="Title 1">
             <a:extLst>
               <a:ext uri="{FF2B5EF4-FFF2-40B4-BE49-F238E27FC236}">
-                <a16:creationId xmlns:a16="http://schemas.microsoft.com/office/drawing/2014/main" id="{AE0F70AE-74BB-4BA1-9A29-0574BB0D4F3C}"/>
+                <a16:creationId xmlns:a16="http://schemas.microsoft.com/office/drawing/2014/main" id="{6875C8E1-7406-47E7-9A3F-D277C53A21E4}"/>
               </a:ext>
             </a:extLst>
           </p:cNvPr>
@@ -6332,22 +8046,614 @@
           <a:lstStyle/>
           <a:p>
             <a:r>
-              <a:rPr lang="fr-CA" dirty="0" err="1"/>
-              <a:t>Context</a:t>
-            </a:r>
-            <a:r>
-              <a:rPr lang="fr-CA" dirty="0"/>
-              <a:t> et objectif de la réconciliation</a:t>
-            </a:r>
-          </a:p>
-        </p:txBody>
-      </p:sp>
-      <p:sp>
-        <p:nvSpPr>
-          <p:cNvPr id="5" name="TextBox 4">
-            <a:extLst>
-              <a:ext uri="{FF2B5EF4-FFF2-40B4-BE49-F238E27FC236}">
-                <a16:creationId xmlns:a16="http://schemas.microsoft.com/office/drawing/2014/main" id="{D8B2473B-1913-4CE3-A235-85D4142F54AC}"/>
+              <a:rPr lang="fr-CA" dirty="0"/>
+              <a:t>Le </a:t>
+            </a:r>
+            <a:r>
+              <a:rPr lang="fr-CA" dirty="0" err="1"/>
+              <a:t>waste</a:t>
+            </a:r>
+            <a:r>
+              <a:rPr lang="fr-CA" dirty="0"/>
+              <a:t> </a:t>
+            </a:r>
+            <a:r>
+              <a:rPr lang="fr-CA" dirty="0" err="1"/>
+              <a:t>render</a:t>
+            </a:r>
+            <a:endParaRPr lang="fr-CA" dirty="0"/>
+          </a:p>
+        </p:txBody>
+      </p:sp>
+      <p:sp>
+        <p:nvSpPr>
+          <p:cNvPr id="3" name="Content Placeholder 2">
+            <a:extLst>
+              <a:ext uri="{FF2B5EF4-FFF2-40B4-BE49-F238E27FC236}">
+                <a16:creationId xmlns:a16="http://schemas.microsoft.com/office/drawing/2014/main" id="{D450C24E-07FC-4816-9A13-3E663CFC7B99}"/>
+              </a:ext>
+            </a:extLst>
+          </p:cNvPr>
+          <p:cNvSpPr>
+            <a:spLocks noGrp="1"/>
+          </p:cNvSpPr>
+          <p:nvPr>
+            <p:ph idx="1"/>
+          </p:nvPr>
+        </p:nvSpPr>
+        <p:spPr/>
+        <p:txBody>
+          <a:bodyPr>
+            <a:normAutofit lnSpcReduction="10000"/>
+          </a:bodyPr>
+          <a:lstStyle/>
+          <a:p>
+            <a:pPr marL="0" indent="0">
+              <a:buNone/>
+            </a:pPr>
+            <a:r>
+              <a:rPr lang="fr-CA" b="1" dirty="0"/>
+              <a:t>Définition</a:t>
+            </a:r>
+            <a:r>
+              <a:rPr lang="fr-CA" dirty="0"/>
+              <a:t>: </a:t>
+            </a:r>
+            <a:r>
+              <a:rPr lang="fr-CA" dirty="0" err="1"/>
+              <a:t>Render</a:t>
+            </a:r>
+            <a:r>
+              <a:rPr lang="fr-CA" dirty="0"/>
+              <a:t> qui retourne le même </a:t>
+            </a:r>
+            <a:r>
+              <a:rPr lang="fr-CA" dirty="0" err="1"/>
+              <a:t>reactElement</a:t>
+            </a:r>
+            <a:r>
+              <a:rPr lang="fr-CA" dirty="0"/>
+              <a:t> que le précédent </a:t>
+            </a:r>
+          </a:p>
+          <a:p>
+            <a:pPr marL="0" indent="0">
+              <a:buNone/>
+            </a:pPr>
+            <a:endParaRPr lang="fr-CA" dirty="0"/>
+          </a:p>
+          <a:p>
+            <a:pPr marL="0" indent="0">
+              <a:buNone/>
+            </a:pPr>
+            <a:r>
+              <a:rPr lang="fr-CA" b="1" dirty="0"/>
+              <a:t>Pourquoi un </a:t>
+            </a:r>
+            <a:r>
+              <a:rPr lang="fr-CA" b="1" dirty="0" err="1"/>
+              <a:t>waste</a:t>
+            </a:r>
+            <a:r>
+              <a:rPr lang="fr-CA" b="1" dirty="0"/>
+              <a:t>: </a:t>
+            </a:r>
+            <a:r>
+              <a:rPr lang="fr-CA" dirty="0"/>
+              <a:t>On fait du </a:t>
+            </a:r>
+            <a:r>
+              <a:rPr lang="fr-CA" dirty="0" err="1"/>
+              <a:t>compute</a:t>
+            </a:r>
+            <a:r>
+              <a:rPr lang="fr-CA" dirty="0"/>
+              <a:t> pour rien, calcul la méthode </a:t>
+            </a:r>
+            <a:r>
+              <a:rPr lang="fr-CA" dirty="0" err="1"/>
+              <a:t>render</a:t>
+            </a:r>
+            <a:r>
+              <a:rPr lang="fr-CA" dirty="0"/>
+              <a:t> et ne va pas modifier le UI</a:t>
+            </a:r>
+          </a:p>
+          <a:p>
+            <a:pPr marL="0" indent="0">
+              <a:buNone/>
+            </a:pPr>
+            <a:endParaRPr lang="fr-CA" dirty="0"/>
+          </a:p>
+          <a:p>
+            <a:pPr marL="0" indent="0">
+              <a:buNone/>
+            </a:pPr>
+            <a:r>
+              <a:rPr lang="fr-CA" b="1" dirty="0"/>
+              <a:t>Comment prévenir? </a:t>
+            </a:r>
+            <a:r>
+              <a:rPr lang="fr-CA" dirty="0"/>
+              <a:t>Si on est capable à partir des </a:t>
+            </a:r>
+            <a:r>
+              <a:rPr lang="fr-CA" dirty="0" err="1"/>
+              <a:t>prevState</a:t>
+            </a:r>
+            <a:r>
+              <a:rPr lang="fr-CA" dirty="0"/>
+              <a:t> et </a:t>
+            </a:r>
+            <a:r>
+              <a:rPr lang="fr-CA" dirty="0" err="1"/>
+              <a:t>prevProps</a:t>
+            </a:r>
+            <a:r>
+              <a:rPr lang="fr-CA" dirty="0"/>
+              <a:t> de déterminer que mon élément ne change pas, alors je peux utiliser </a:t>
+            </a:r>
+            <a:r>
+              <a:rPr lang="fr-CA" b="1" dirty="0" err="1"/>
+              <a:t>ShouldComponentUpdate</a:t>
+            </a:r>
+            <a:r>
+              <a:rPr lang="fr-CA" dirty="0"/>
+              <a:t> pour indiquer à </a:t>
+            </a:r>
+            <a:r>
+              <a:rPr lang="fr-CA" dirty="0" err="1"/>
+              <a:t>React</a:t>
+            </a:r>
+            <a:r>
+              <a:rPr lang="fr-CA" dirty="0"/>
+              <a:t> de juste utiliser le </a:t>
+            </a:r>
+            <a:r>
+              <a:rPr lang="fr-CA" dirty="0" err="1"/>
+              <a:t>reactElement</a:t>
+            </a:r>
+            <a:r>
+              <a:rPr lang="fr-CA" dirty="0"/>
+              <a:t> précédent.</a:t>
+            </a:r>
+          </a:p>
+          <a:p>
+            <a:pPr marL="0" indent="0">
+              <a:buNone/>
+            </a:pPr>
+            <a:endParaRPr lang="fr-CA" dirty="0"/>
+          </a:p>
+          <a:p>
+            <a:pPr marL="0" indent="0">
+              <a:buNone/>
+            </a:pPr>
+            <a:endParaRPr lang="fr-CA" dirty="0"/>
+          </a:p>
+          <a:p>
+            <a:pPr marL="0" indent="0">
+              <a:buNone/>
+            </a:pPr>
+            <a:endParaRPr lang="fr-CA" dirty="0"/>
+          </a:p>
+          <a:p>
+            <a:pPr marL="0" indent="0">
+              <a:buNone/>
+            </a:pPr>
+            <a:endParaRPr lang="fr-CA" dirty="0"/>
+          </a:p>
+        </p:txBody>
+      </p:sp>
+    </p:spTree>
+    <p:extLst>
+      <p:ext uri="{BB962C8B-B14F-4D97-AF65-F5344CB8AC3E}">
+        <p14:creationId xmlns:p14="http://schemas.microsoft.com/office/powerpoint/2010/main" val="2120045792"/>
+      </p:ext>
+    </p:extLst>
+  </p:cSld>
+  <p:clrMapOvr>
+    <a:masterClrMapping/>
+  </p:clrMapOvr>
+</p:sld>
+</file>
+
+<file path=ppt/slides/slide26.xml><?xml version="1.0" encoding="utf-8"?>
+<p:sld xmlns:a="http://schemas.openxmlformats.org/drawingml/2006/main" xmlns:r="http://schemas.openxmlformats.org/officeDocument/2006/relationships" xmlns:p="http://schemas.openxmlformats.org/presentationml/2006/main">
+  <p:cSld>
+    <p:spTree>
+      <p:nvGrpSpPr>
+        <p:cNvPr id="1" name=""/>
+        <p:cNvGrpSpPr/>
+        <p:nvPr/>
+      </p:nvGrpSpPr>
+      <p:grpSpPr>
+        <a:xfrm>
+          <a:off x="0" y="0"/>
+          <a:ext cx="0" cy="0"/>
+          <a:chOff x="0" y="0"/>
+          <a:chExt cx="0" cy="0"/>
+        </a:xfrm>
+      </p:grpSpPr>
+      <p:sp>
+        <p:nvSpPr>
+          <p:cNvPr id="2" name="Title 1">
+            <a:extLst>
+              <a:ext uri="{FF2B5EF4-FFF2-40B4-BE49-F238E27FC236}">
+                <a16:creationId xmlns:a16="http://schemas.microsoft.com/office/drawing/2014/main" id="{6875C8E1-7406-47E7-9A3F-D277C53A21E4}"/>
+              </a:ext>
+            </a:extLst>
+          </p:cNvPr>
+          <p:cNvSpPr>
+            <a:spLocks noGrp="1"/>
+          </p:cNvSpPr>
+          <p:nvPr>
+            <p:ph type="title"/>
+          </p:nvPr>
+        </p:nvSpPr>
+        <p:spPr/>
+        <p:txBody>
+          <a:bodyPr/>
+          <a:lstStyle/>
+          <a:p>
+            <a:r>
+              <a:rPr lang="fr-CA" dirty="0" err="1"/>
+              <a:t>ShouldComponentUpdate</a:t>
+            </a:r>
+            <a:r>
+              <a:rPr lang="fr-CA" dirty="0"/>
+              <a:t> 101</a:t>
+            </a:r>
+          </a:p>
+        </p:txBody>
+      </p:sp>
+      <p:graphicFrame>
+        <p:nvGraphicFramePr>
+          <p:cNvPr id="7" name="Content Placeholder 6">
+            <a:extLst>
+              <a:ext uri="{FF2B5EF4-FFF2-40B4-BE49-F238E27FC236}">
+                <a16:creationId xmlns:a16="http://schemas.microsoft.com/office/drawing/2014/main" id="{FC514DB2-77C8-4A14-9F04-D3CC8C087A61}"/>
+              </a:ext>
+            </a:extLst>
+          </p:cNvPr>
+          <p:cNvGraphicFramePr>
+            <a:graphicFrameLocks noGrp="1"/>
+          </p:cNvGraphicFramePr>
+          <p:nvPr>
+            <p:ph idx="1"/>
+            <p:extLst>
+              <p:ext uri="{D42A27DB-BD31-4B8C-83A1-F6EECF244321}">
+                <p14:modId xmlns:p14="http://schemas.microsoft.com/office/powerpoint/2010/main" val="1244922475"/>
+              </p:ext>
+            </p:extLst>
+          </p:nvPr>
+        </p:nvGraphicFramePr>
+        <p:xfrm>
+          <a:off x="469900" y="2892424"/>
+          <a:ext cx="11277600" cy="3394075"/>
+        </p:xfrm>
+        <a:graphic>
+          <a:graphicData uri="http://schemas.openxmlformats.org/drawingml/2006/table">
+            <a:tbl>
+              <a:tblPr firstRow="1" bandRow="1">
+                <a:tableStyleId>{5C22544A-7EE6-4342-B048-85BDC9FD1C3A}</a:tableStyleId>
+              </a:tblPr>
+              <a:tblGrid>
+                <a:gridCol w="3105426">
+                  <a:extLst>
+                    <a:ext uri="{9D8B030D-6E8A-4147-A177-3AD203B41FA5}">
+                      <a16:colId xmlns:a16="http://schemas.microsoft.com/office/drawing/2014/main" val="2558417782"/>
+                    </a:ext>
+                  </a:extLst>
+                </a:gridCol>
+                <a:gridCol w="8172174">
+                  <a:extLst>
+                    <a:ext uri="{9D8B030D-6E8A-4147-A177-3AD203B41FA5}">
+                      <a16:colId xmlns:a16="http://schemas.microsoft.com/office/drawing/2014/main" val="881481147"/>
+                    </a:ext>
+                  </a:extLst>
+                </a:gridCol>
+              </a:tblGrid>
+              <a:tr h="524931">
+                <a:tc>
+                  <a:txBody>
+                    <a:bodyPr/>
+                    <a:lstStyle/>
+                    <a:p>
+                      <a:r>
+                        <a:rPr lang="fr-CA" dirty="0"/>
+                        <a:t>Type</a:t>
+                      </a:r>
+                    </a:p>
+                  </a:txBody>
+                  <a:tcPr/>
+                </a:tc>
+                <a:tc>
+                  <a:txBody>
+                    <a:bodyPr/>
+                    <a:lstStyle/>
+                    <a:p>
+                      <a:r>
+                        <a:rPr lang="fr-CA" dirty="0" err="1"/>
+                        <a:t>Behavior</a:t>
+                      </a:r>
+                      <a:r>
+                        <a:rPr lang="fr-CA" dirty="0"/>
+                        <a:t> of </a:t>
+                      </a:r>
+                      <a:r>
+                        <a:rPr lang="fr-CA" dirty="0" err="1"/>
+                        <a:t>shouldComponentUpdate</a:t>
+                      </a:r>
+                      <a:r>
+                        <a:rPr lang="fr-CA" dirty="0"/>
+                        <a:t> 101</a:t>
+                      </a:r>
+                    </a:p>
+                  </a:txBody>
+                  <a:tcPr/>
+                </a:tc>
+                <a:extLst>
+                  <a:ext uri="{0D108BD9-81ED-4DB2-BD59-A6C34878D82A}">
+                    <a16:rowId xmlns:a16="http://schemas.microsoft.com/office/drawing/2014/main" val="77060820"/>
+                  </a:ext>
+                </a:extLst>
+              </a:tr>
+              <a:tr h="524931">
+                <a:tc>
+                  <a:txBody>
+                    <a:bodyPr/>
+                    <a:lstStyle/>
+                    <a:p>
+                      <a:r>
+                        <a:rPr lang="fr-CA" dirty="0" err="1"/>
+                        <a:t>Render</a:t>
+                      </a:r>
+                      <a:r>
+                        <a:rPr lang="fr-CA" dirty="0"/>
+                        <a:t> </a:t>
+                      </a:r>
+                      <a:r>
+                        <a:rPr lang="fr-CA" dirty="0" err="1"/>
+                        <a:t>Function</a:t>
+                      </a:r>
+                      <a:endParaRPr lang="fr-CA" dirty="0"/>
+                    </a:p>
+                  </a:txBody>
+                  <a:tcPr/>
+                </a:tc>
+                <a:tc>
+                  <a:txBody>
+                    <a:bodyPr/>
+                    <a:lstStyle/>
+                    <a:p>
+                      <a:r>
+                        <a:rPr lang="fr-CA" dirty="0"/>
+                        <a:t>Toujours </a:t>
+                      </a:r>
+                      <a:r>
+                        <a:rPr lang="fr-CA" dirty="0" err="1"/>
+                        <a:t>true</a:t>
+                      </a:r>
+                      <a:endParaRPr lang="fr-CA" dirty="0"/>
+                    </a:p>
+                  </a:txBody>
+                  <a:tcPr/>
+                </a:tc>
+                <a:extLst>
+                  <a:ext uri="{0D108BD9-81ED-4DB2-BD59-A6C34878D82A}">
+                    <a16:rowId xmlns:a16="http://schemas.microsoft.com/office/drawing/2014/main" val="287670347"/>
+                  </a:ext>
+                </a:extLst>
+              </a:tr>
+              <a:tr h="524931">
+                <a:tc>
+                  <a:txBody>
+                    <a:bodyPr/>
+                    <a:lstStyle/>
+                    <a:p>
+                      <a:r>
+                        <a:rPr lang="fr-CA" dirty="0"/>
+                        <a:t>Component</a:t>
+                      </a:r>
+                    </a:p>
+                  </a:txBody>
+                  <a:tcPr/>
+                </a:tc>
+                <a:tc>
+                  <a:txBody>
+                    <a:bodyPr/>
+                    <a:lstStyle/>
+                    <a:p>
+                      <a:r>
+                        <a:rPr lang="fr-CA" dirty="0"/>
+                        <a:t>Toujours </a:t>
+                      </a:r>
+                      <a:r>
+                        <a:rPr lang="fr-CA" dirty="0" err="1"/>
+                        <a:t>true</a:t>
+                      </a:r>
+                      <a:r>
+                        <a:rPr lang="fr-CA" dirty="0"/>
+                        <a:t> mais possible </a:t>
+                      </a:r>
+                      <a:r>
+                        <a:rPr lang="fr-CA" dirty="0" err="1"/>
+                        <a:t>override</a:t>
+                      </a:r>
+                      <a:r>
+                        <a:rPr lang="fr-CA" dirty="0"/>
+                        <a:t>.</a:t>
+                      </a:r>
+                    </a:p>
+                  </a:txBody>
+                  <a:tcPr/>
+                </a:tc>
+                <a:extLst>
+                  <a:ext uri="{0D108BD9-81ED-4DB2-BD59-A6C34878D82A}">
+                    <a16:rowId xmlns:a16="http://schemas.microsoft.com/office/drawing/2014/main" val="4127102668"/>
+                  </a:ext>
+                </a:extLst>
+              </a:tr>
+              <a:tr h="524931">
+                <a:tc>
+                  <a:txBody>
+                    <a:bodyPr/>
+                    <a:lstStyle/>
+                    <a:p>
+                      <a:r>
+                        <a:rPr lang="fr-CA" dirty="0" err="1"/>
+                        <a:t>PureComponent</a:t>
+                      </a:r>
+                      <a:endParaRPr lang="fr-CA" dirty="0"/>
+                    </a:p>
+                  </a:txBody>
+                  <a:tcPr/>
+                </a:tc>
+                <a:tc>
+                  <a:txBody>
+                    <a:bodyPr/>
+                    <a:lstStyle/>
+                    <a:p>
+                      <a:r>
+                        <a:rPr lang="fr-CA" dirty="0"/>
+                        <a:t>Fait un </a:t>
+                      </a:r>
+                      <a:r>
+                        <a:rPr lang="fr-CA" dirty="0" err="1"/>
+                        <a:t>shallow</a:t>
+                      </a:r>
+                      <a:r>
+                        <a:rPr lang="fr-CA" dirty="0"/>
+                        <a:t> comparaison sur les </a:t>
+                      </a:r>
+                      <a:r>
+                        <a:rPr lang="fr-CA" dirty="0" err="1"/>
+                        <a:t>props</a:t>
+                      </a:r>
+                      <a:endParaRPr lang="fr-CA" dirty="0"/>
+                    </a:p>
+                  </a:txBody>
+                  <a:tcPr/>
+                </a:tc>
+                <a:extLst>
+                  <a:ext uri="{0D108BD9-81ED-4DB2-BD59-A6C34878D82A}">
+                    <a16:rowId xmlns:a16="http://schemas.microsoft.com/office/drawing/2014/main" val="4052333018"/>
+                  </a:ext>
+                </a:extLst>
+              </a:tr>
+              <a:tr h="1294351">
+                <a:tc>
+                  <a:txBody>
+                    <a:bodyPr/>
+                    <a:lstStyle/>
+                    <a:p>
+                      <a:r>
+                        <a:rPr lang="fr-CA"/>
+                        <a:t>Memo</a:t>
+                      </a:r>
+                    </a:p>
+                  </a:txBody>
+                  <a:tcPr/>
+                </a:tc>
+                <a:tc>
+                  <a:txBody>
+                    <a:bodyPr/>
+                    <a:lstStyle/>
+                    <a:p>
+                      <a:pPr marL="285750" indent="-285750">
+                        <a:buFont typeface="Arial" panose="020B0604020202020204" pitchFamily="34" charset="0"/>
+                        <a:buChar char="•"/>
+                      </a:pPr>
+                      <a:r>
+                        <a:rPr lang="fr-CA" dirty="0"/>
+                        <a:t>Fait un </a:t>
+                      </a:r>
+                      <a:r>
+                        <a:rPr lang="fr-CA" dirty="0" err="1"/>
+                        <a:t>shallow</a:t>
+                      </a:r>
+                      <a:r>
+                        <a:rPr lang="fr-CA" dirty="0"/>
+                        <a:t> comparaison sur les </a:t>
+                      </a:r>
+                      <a:r>
+                        <a:rPr lang="fr-CA" dirty="0" err="1"/>
+                        <a:t>props</a:t>
+                      </a:r>
+                      <a:r>
+                        <a:rPr lang="fr-CA" dirty="0"/>
+                        <a:t>. </a:t>
+                      </a:r>
+                    </a:p>
+                    <a:p>
+                      <a:pPr marL="285750" indent="-285750">
+                        <a:buFont typeface="Arial" panose="020B0604020202020204" pitchFamily="34" charset="0"/>
+                        <a:buChar char="•"/>
+                      </a:pPr>
+                      <a:r>
+                        <a:rPr lang="fr-CA" dirty="0"/>
+                        <a:t>Wrap une </a:t>
+                      </a:r>
+                      <a:r>
+                        <a:rPr lang="fr-CA" dirty="0" err="1"/>
+                        <a:t>render</a:t>
+                      </a:r>
+                      <a:r>
+                        <a:rPr lang="fr-CA" dirty="0"/>
+                        <a:t> </a:t>
+                      </a:r>
+                      <a:r>
+                        <a:rPr lang="fr-CA" dirty="0" err="1"/>
+                        <a:t>function</a:t>
+                      </a:r>
+                      <a:r>
+                        <a:rPr lang="fr-CA" dirty="0"/>
+                        <a:t>, si le memo ne se fait </a:t>
+                      </a:r>
+                      <a:r>
+                        <a:rPr lang="fr-CA" dirty="0" err="1"/>
+                        <a:t>fait</a:t>
+                      </a:r>
+                      <a:r>
+                        <a:rPr lang="fr-CA" dirty="0"/>
+                        <a:t> pas </a:t>
+                      </a:r>
+                      <a:r>
+                        <a:rPr lang="fr-CA" dirty="0" err="1"/>
+                        <a:t>render</a:t>
+                      </a:r>
+                      <a:r>
+                        <a:rPr lang="fr-CA" dirty="0"/>
+                        <a:t>, alors son enfant ne se fait pas </a:t>
+                      </a:r>
+                      <a:r>
+                        <a:rPr lang="fr-CA" dirty="0" err="1"/>
+                        <a:t>render</a:t>
+                      </a:r>
+                      <a:r>
+                        <a:rPr lang="fr-CA" dirty="0"/>
+                        <a:t> non plus.</a:t>
+                      </a:r>
+                    </a:p>
+                  </a:txBody>
+                  <a:tcPr/>
+                </a:tc>
+                <a:extLst>
+                  <a:ext uri="{0D108BD9-81ED-4DB2-BD59-A6C34878D82A}">
+                    <a16:rowId xmlns:a16="http://schemas.microsoft.com/office/drawing/2014/main" val="2704963125"/>
+                  </a:ext>
+                </a:extLst>
+              </a:tr>
+            </a:tbl>
+          </a:graphicData>
+        </a:graphic>
+      </p:graphicFrame>
+      <p:sp>
+        <p:nvSpPr>
+          <p:cNvPr id="4" name="TextBox 3">
+            <a:extLst>
+              <a:ext uri="{FF2B5EF4-FFF2-40B4-BE49-F238E27FC236}">
+                <a16:creationId xmlns:a16="http://schemas.microsoft.com/office/drawing/2014/main" id="{92960440-51E8-4C45-93FD-98425AF583BA}"/>
               </a:ext>
             </a:extLst>
           </p:cNvPr>
@@ -6356,8 +8662,8 @@
         </p:nvSpPr>
         <p:spPr>
           <a:xfrm>
-            <a:off x="482320" y="1497205"/>
-            <a:ext cx="10409255" cy="4524315"/>
+            <a:off x="469900" y="1690688"/>
+            <a:ext cx="10363200" cy="830997"/>
           </a:xfrm>
           <a:prstGeom prst="rect">
             <a:avLst/>
@@ -6371,15 +8677,373 @@
           <a:lstStyle/>
           <a:p>
             <a:r>
-              <a:rPr lang="fr-CA" dirty="0"/>
+              <a:rPr lang="fr-CA" sz="2400" dirty="0"/>
+              <a:t>Dépendamment du type de component le </a:t>
+            </a:r>
+            <a:r>
+              <a:rPr lang="fr-CA" sz="2400" dirty="0" err="1"/>
+              <a:t>shouldComponentUpdate</a:t>
+            </a:r>
+            <a:r>
+              <a:rPr lang="fr-CA" sz="2400" dirty="0"/>
+              <a:t> à une implémentation par défaut.</a:t>
+            </a:r>
+          </a:p>
+        </p:txBody>
+      </p:sp>
+    </p:spTree>
+    <p:extLst>
+      <p:ext uri="{BB962C8B-B14F-4D97-AF65-F5344CB8AC3E}">
+        <p14:creationId xmlns:p14="http://schemas.microsoft.com/office/powerpoint/2010/main" val="1833262637"/>
+      </p:ext>
+    </p:extLst>
+  </p:cSld>
+  <p:clrMapOvr>
+    <a:masterClrMapping/>
+  </p:clrMapOvr>
+</p:sld>
+</file>
+
+<file path=ppt/slides/slide27.xml><?xml version="1.0" encoding="utf-8"?>
+<p:sld xmlns:a="http://schemas.openxmlformats.org/drawingml/2006/main" xmlns:r="http://schemas.openxmlformats.org/officeDocument/2006/relationships" xmlns:p="http://schemas.openxmlformats.org/presentationml/2006/main">
+  <p:cSld>
+    <p:spTree>
+      <p:nvGrpSpPr>
+        <p:cNvPr id="1" name=""/>
+        <p:cNvGrpSpPr/>
+        <p:nvPr/>
+      </p:nvGrpSpPr>
+      <p:grpSpPr>
+        <a:xfrm>
+          <a:off x="0" y="0"/>
+          <a:ext cx="0" cy="0"/>
+          <a:chOff x="0" y="0"/>
+          <a:chExt cx="0" cy="0"/>
+        </a:xfrm>
+      </p:grpSpPr>
+      <p:sp>
+        <p:nvSpPr>
+          <p:cNvPr id="2" name="Title 1">
+            <a:extLst>
+              <a:ext uri="{FF2B5EF4-FFF2-40B4-BE49-F238E27FC236}">
+                <a16:creationId xmlns:a16="http://schemas.microsoft.com/office/drawing/2014/main" id="{B9989088-6A08-442A-95D5-B5DF3D54BD05}"/>
+              </a:ext>
+            </a:extLst>
+          </p:cNvPr>
+          <p:cNvSpPr>
+            <a:spLocks noGrp="1"/>
+          </p:cNvSpPr>
+          <p:nvPr>
+            <p:ph type="title"/>
+          </p:nvPr>
+        </p:nvSpPr>
+        <p:spPr/>
+        <p:txBody>
+          <a:bodyPr/>
+          <a:lstStyle/>
+          <a:p>
+            <a:r>
+              <a:rPr lang="fr-CA" dirty="0"/>
+              <a:t>Exos 5.1: Waste </a:t>
+            </a:r>
+            <a:r>
+              <a:rPr lang="fr-CA" dirty="0" err="1"/>
+              <a:t>Render</a:t>
+            </a:r>
+            <a:r>
+              <a:rPr lang="fr-CA" dirty="0"/>
+              <a:t> Game </a:t>
+            </a:r>
+          </a:p>
+        </p:txBody>
+      </p:sp>
+      <p:sp>
+        <p:nvSpPr>
+          <p:cNvPr id="3" name="Content Placeholder 2">
+            <a:extLst>
+              <a:ext uri="{FF2B5EF4-FFF2-40B4-BE49-F238E27FC236}">
+                <a16:creationId xmlns:a16="http://schemas.microsoft.com/office/drawing/2014/main" id="{472DF70D-755C-4860-97C2-08AA5F4B0219}"/>
+              </a:ext>
+            </a:extLst>
+          </p:cNvPr>
+          <p:cNvSpPr>
+            <a:spLocks noGrp="1"/>
+          </p:cNvSpPr>
+          <p:nvPr>
+            <p:ph idx="1"/>
+          </p:nvPr>
+        </p:nvSpPr>
+        <p:spPr>
+          <a:xfrm>
+            <a:off x="0" y="1749660"/>
+            <a:ext cx="8272463" cy="5398994"/>
+          </a:xfrm>
+        </p:spPr>
+        <p:txBody>
+          <a:bodyPr>
+            <a:normAutofit/>
+          </a:bodyPr>
+          <a:lstStyle/>
+          <a:p>
+            <a:r>
+              <a:rPr lang="fr-CA" dirty="0"/>
+              <a:t>Suivre les instructions an niveau des fichiers:</a:t>
+            </a:r>
+          </a:p>
+          <a:p>
+            <a:pPr lvl="1"/>
+            <a:r>
+              <a:rPr lang="fr-CA" dirty="0" err="1"/>
+              <a:t>Easy</a:t>
+            </a:r>
+            <a:r>
+              <a:rPr lang="fr-CA" dirty="0"/>
+              <a:t>:</a:t>
+            </a:r>
+          </a:p>
+          <a:p>
+            <a:pPr lvl="2"/>
+            <a:r>
+              <a:rPr lang="fr-CA" dirty="0"/>
+              <a:t>S’assurer que </a:t>
+            </a:r>
+            <a:r>
+              <a:rPr lang="fr-CA" dirty="0" err="1"/>
+              <a:t>StaticImage</a:t>
+            </a:r>
+            <a:r>
+              <a:rPr lang="fr-CA" dirty="0"/>
+              <a:t> et </a:t>
+            </a:r>
+            <a:r>
+              <a:rPr lang="fr-CA" dirty="0" err="1"/>
+              <a:t>StaticText</a:t>
+            </a:r>
+            <a:r>
+              <a:rPr lang="fr-CA" dirty="0"/>
+              <a:t> ne se re-</a:t>
+            </a:r>
+            <a:r>
+              <a:rPr lang="fr-CA" dirty="0" err="1"/>
+              <a:t>render</a:t>
+            </a:r>
+            <a:r>
+              <a:rPr lang="fr-CA" dirty="0"/>
+              <a:t> pas lorsqu’on update le compteur</a:t>
+            </a:r>
+          </a:p>
+          <a:p>
+            <a:pPr lvl="2"/>
+            <a:r>
+              <a:rPr lang="fr-CA" dirty="0"/>
+              <a:t>S’assurer que le Counter ne s’update pas lorsque je click le </a:t>
+            </a:r>
+            <a:r>
+              <a:rPr lang="fr-CA" dirty="0" err="1"/>
+              <a:t>random</a:t>
+            </a:r>
+            <a:r>
+              <a:rPr lang="fr-CA" dirty="0"/>
+              <a:t> </a:t>
+            </a:r>
+            <a:r>
+              <a:rPr lang="fr-CA" dirty="0" err="1"/>
+              <a:t>button</a:t>
+            </a:r>
+            <a:endParaRPr lang="fr-CA" dirty="0"/>
+          </a:p>
+          <a:p>
+            <a:pPr lvl="1"/>
+            <a:r>
+              <a:rPr lang="fr-CA" dirty="0" err="1"/>
+              <a:t>Intermediate</a:t>
+            </a:r>
+            <a:endParaRPr lang="fr-CA" dirty="0"/>
+          </a:p>
+          <a:p>
+            <a:pPr lvl="2"/>
+            <a:r>
+              <a:rPr lang="fr-CA" dirty="0"/>
+              <a:t>Fixer le bugs: les </a:t>
+            </a:r>
+            <a:r>
+              <a:rPr lang="fr-CA" dirty="0" err="1"/>
+              <a:t>bouttons</a:t>
+            </a:r>
+            <a:r>
+              <a:rPr lang="fr-CA" dirty="0"/>
+              <a:t> ne font rien update à l’écran</a:t>
+            </a:r>
+          </a:p>
+          <a:p>
+            <a:pPr lvl="2"/>
+            <a:r>
+              <a:rPr lang="fr-CA" dirty="0"/>
+              <a:t>S’assurer que </a:t>
+            </a:r>
+            <a:r>
+              <a:rPr lang="fr-CA" dirty="0" err="1"/>
+              <a:t>LifeManagementPanel</a:t>
+            </a:r>
+            <a:r>
+              <a:rPr lang="fr-CA" dirty="0"/>
+              <a:t> ne s’update pas à chaque fois</a:t>
+            </a:r>
+          </a:p>
+          <a:p>
+            <a:pPr lvl="1"/>
+            <a:r>
+              <a:rPr lang="fr-CA" dirty="0"/>
+              <a:t>List-</a:t>
+            </a:r>
+            <a:r>
+              <a:rPr lang="fr-CA" dirty="0" err="1"/>
+              <a:t>level</a:t>
+            </a:r>
+            <a:endParaRPr lang="fr-CA" dirty="0"/>
+          </a:p>
+          <a:p>
+            <a:pPr lvl="2"/>
+            <a:r>
+              <a:rPr lang="fr-CA" dirty="0"/>
+              <a:t>Fixer le bugs: La note ne reste pas avec sa vache lorsque j’en rajoute une</a:t>
+            </a:r>
+          </a:p>
+          <a:p>
+            <a:pPr lvl="2"/>
+            <a:r>
+              <a:rPr lang="fr-CA" dirty="0"/>
+              <a:t>S’assurer que si j’ajoute une vache je n’update pas toutes les autres vaches</a:t>
+            </a:r>
+          </a:p>
+        </p:txBody>
+      </p:sp>
+      <p:pic>
+        <p:nvPicPr>
+          <p:cNvPr id="4" name="Picture 3">
+            <a:extLst>
+              <a:ext uri="{FF2B5EF4-FFF2-40B4-BE49-F238E27FC236}">
+                <a16:creationId xmlns:a16="http://schemas.microsoft.com/office/drawing/2014/main" id="{7DD59E3D-8058-4720-A871-D651762C8CDD}"/>
+              </a:ext>
+            </a:extLst>
+          </p:cNvPr>
+          <p:cNvPicPr>
+            <a:picLocks noChangeAspect="1"/>
+          </p:cNvPicPr>
+          <p:nvPr/>
+        </p:nvPicPr>
+        <p:blipFill>
+          <a:blip r:embed="rId2"/>
+          <a:stretch>
+            <a:fillRect/>
+          </a:stretch>
+        </p:blipFill>
+        <p:spPr>
+          <a:xfrm>
+            <a:off x="8272463" y="1690688"/>
+            <a:ext cx="3919537" cy="3129851"/>
+          </a:xfrm>
+          <a:prstGeom prst="rect">
+            <a:avLst/>
+          </a:prstGeom>
+        </p:spPr>
+      </p:pic>
+    </p:spTree>
+    <p:extLst>
+      <p:ext uri="{BB962C8B-B14F-4D97-AF65-F5344CB8AC3E}">
+        <p14:creationId xmlns:p14="http://schemas.microsoft.com/office/powerpoint/2010/main" val="736158359"/>
+      </p:ext>
+    </p:extLst>
+  </p:cSld>
+  <p:clrMapOvr>
+    <a:masterClrMapping/>
+  </p:clrMapOvr>
+</p:sld>
+</file>
+
+<file path=ppt/slides/slide28.xml><?xml version="1.0" encoding="utf-8"?>
+<p:sld xmlns:a="http://schemas.openxmlformats.org/drawingml/2006/main" xmlns:r="http://schemas.openxmlformats.org/officeDocument/2006/relationships" xmlns:p="http://schemas.openxmlformats.org/presentationml/2006/main">
+  <p:cSld>
+    <p:spTree>
+      <p:nvGrpSpPr>
+        <p:cNvPr id="1" name=""/>
+        <p:cNvGrpSpPr/>
+        <p:nvPr/>
+      </p:nvGrpSpPr>
+      <p:grpSpPr>
+        <a:xfrm>
+          <a:off x="0" y="0"/>
+          <a:ext cx="0" cy="0"/>
+          <a:chOff x="0" y="0"/>
+          <a:chExt cx="0" cy="0"/>
+        </a:xfrm>
+      </p:grpSpPr>
+      <p:sp>
+        <p:nvSpPr>
+          <p:cNvPr id="2" name="Title 1">
+            <a:extLst>
+              <a:ext uri="{FF2B5EF4-FFF2-40B4-BE49-F238E27FC236}">
+                <a16:creationId xmlns:a16="http://schemas.microsoft.com/office/drawing/2014/main" id="{AE0F70AE-74BB-4BA1-9A29-0574BB0D4F3C}"/>
+              </a:ext>
+            </a:extLst>
+          </p:cNvPr>
+          <p:cNvSpPr>
+            <a:spLocks noGrp="1"/>
+          </p:cNvSpPr>
+          <p:nvPr>
+            <p:ph type="title"/>
+          </p:nvPr>
+        </p:nvSpPr>
+        <p:spPr/>
+        <p:txBody>
+          <a:bodyPr/>
+          <a:lstStyle/>
+          <a:p>
+            <a:r>
+              <a:rPr lang="fr-CA" dirty="0"/>
+              <a:t>La réconciliation 101</a:t>
+            </a:r>
+          </a:p>
+        </p:txBody>
+      </p:sp>
+      <p:sp>
+        <p:nvSpPr>
+          <p:cNvPr id="5" name="TextBox 4">
+            <a:extLst>
+              <a:ext uri="{FF2B5EF4-FFF2-40B4-BE49-F238E27FC236}">
+                <a16:creationId xmlns:a16="http://schemas.microsoft.com/office/drawing/2014/main" id="{D8B2473B-1913-4CE3-A235-85D4142F54AC}"/>
+              </a:ext>
+            </a:extLst>
+          </p:cNvPr>
+          <p:cNvSpPr txBox="1"/>
+          <p:nvPr/>
+        </p:nvSpPr>
+        <p:spPr>
+          <a:xfrm>
+            <a:off x="291820" y="1586105"/>
+            <a:ext cx="11531880" cy="4924425"/>
+          </a:xfrm>
+          <a:prstGeom prst="rect">
+            <a:avLst/>
+          </a:prstGeom>
+          <a:noFill/>
+        </p:spPr>
+        <p:txBody>
+          <a:bodyPr wrap="square" rtlCol="0">
+            <a:spAutoFit/>
+          </a:bodyPr>
+          <a:lstStyle/>
+          <a:p>
+            <a:r>
+              <a:rPr lang="fr-CA" sz="2000" dirty="0"/>
               <a:t>Mise en </a:t>
             </a:r>
             <a:r>
-              <a:rPr lang="fr-CA" dirty="0" err="1"/>
+              <a:rPr lang="fr-CA" sz="2000" dirty="0" err="1"/>
               <a:t>context</a:t>
             </a:r>
             <a:r>
-              <a:rPr lang="fr-CA" dirty="0"/>
+              <a:rPr lang="fr-CA" sz="2000" dirty="0"/>
               <a:t>: </a:t>
             </a:r>
           </a:p>
@@ -6389,27 +9053,27 @@
               <a:buChar char="•"/>
             </a:pPr>
             <a:r>
-              <a:rPr lang="fr-CA" dirty="0" err="1"/>
+              <a:rPr lang="fr-CA" sz="2000" dirty="0" err="1"/>
               <a:t>React</a:t>
             </a:r>
             <a:r>
-              <a:rPr lang="fr-CA" dirty="0"/>
+              <a:rPr lang="fr-CA" sz="2000" dirty="0"/>
               <a:t> possède l’ancien </a:t>
             </a:r>
             <a:r>
-              <a:rPr lang="fr-CA" dirty="0" err="1"/>
+              <a:rPr lang="fr-CA" sz="2000" dirty="0" err="1"/>
               <a:t>virtual</a:t>
             </a:r>
             <a:r>
-              <a:rPr lang="fr-CA" dirty="0"/>
+              <a:rPr lang="fr-CA" sz="2000" dirty="0"/>
               <a:t> DOM et le nouveau </a:t>
             </a:r>
             <a:r>
-              <a:rPr lang="fr-CA" dirty="0" err="1"/>
+              <a:rPr lang="fr-CA" sz="2000" dirty="0" err="1"/>
               <a:t>virtual</a:t>
             </a:r>
             <a:r>
-              <a:rPr lang="fr-CA" dirty="0"/>
+              <a:rPr lang="fr-CA" sz="2000" dirty="0"/>
               <a:t> DOM</a:t>
             </a:r>
           </a:p>
@@ -6419,11 +9083,11 @@
               <a:buChar char="•"/>
             </a:pPr>
             <a:r>
-              <a:rPr lang="fr-CA" dirty="0" err="1"/>
+              <a:rPr lang="fr-CA" sz="2000" dirty="0" err="1"/>
               <a:t>React</a:t>
             </a:r>
             <a:r>
-              <a:rPr lang="fr-CA" dirty="0"/>
+              <a:rPr lang="fr-CA" sz="2000" dirty="0"/>
               <a:t> doit trouver comment update le UI pour représenter le nouvel arbre</a:t>
             </a:r>
           </a:p>
@@ -6433,7 +9097,7 @@
               <a:buChar char="•"/>
             </a:pPr>
             <a:r>
-              <a:rPr lang="fr-CA" dirty="0"/>
+              <a:rPr lang="fr-CA" sz="2000" dirty="0"/>
               <a:t>Chaque manipulation du DOM est coûteux, on veut minimiser le nombre d’opération</a:t>
             </a:r>
           </a:p>
@@ -6443,7 +9107,7 @@
               <a:buChar char="•"/>
             </a:pPr>
             <a:r>
-              <a:rPr lang="fr-CA" dirty="0"/>
+              <a:rPr lang="fr-CA" sz="2000" dirty="0"/>
               <a:t>Il existe des algorithmes génériques pour passer d’un arbre à un autre avec le minimum d’opération</a:t>
             </a:r>
           </a:p>
@@ -6453,32 +9117,24 @@
               <a:buChar char="•"/>
             </a:pPr>
             <a:r>
-              <a:rPr lang="fr-CA" dirty="0"/>
+              <a:rPr lang="fr-CA" sz="2000" dirty="0"/>
               <a:t>Mais ces algorithmes ont une complexité de l’ordre O(n</a:t>
             </a:r>
             <a:r>
-              <a:rPr lang="fr-CA" baseline="30000" dirty="0"/>
+              <a:rPr lang="fr-CA" sz="2000" baseline="30000" dirty="0"/>
               <a:t>3</a:t>
             </a:r>
             <a:r>
-              <a:rPr lang="fr-CA" dirty="0"/>
-              <a:t>) = </a:t>
-            </a:r>
-            <a:r>
-              <a:rPr lang="fr-CA" dirty="0" err="1"/>
-              <a:t>troup</a:t>
-            </a:r>
-            <a:r>
-              <a:rPr lang="fr-CA" dirty="0"/>
-              <a:t> couteux</a:t>
-            </a:r>
-          </a:p>
-          <a:p>
-            <a:endParaRPr lang="fr-CA" dirty="0"/>
-          </a:p>
-          <a:p>
-            <a:r>
-              <a:rPr lang="fr-CA" dirty="0"/>
+              <a:rPr lang="fr-CA" sz="2000" dirty="0"/>
+              <a:t>) = trop couteux</a:t>
+            </a:r>
+          </a:p>
+          <a:p>
+            <a:endParaRPr lang="fr-CA" sz="2000" dirty="0"/>
+          </a:p>
+          <a:p>
+            <a:r>
+              <a:rPr lang="fr-CA" sz="2000" dirty="0"/>
               <a:t>Objectif:</a:t>
             </a:r>
           </a:p>
@@ -6488,7 +9144,7 @@
               <a:buChar char="•"/>
             </a:pPr>
             <a:r>
-              <a:rPr lang="fr-CA" dirty="0"/>
+              <a:rPr lang="fr-CA" sz="2000" dirty="0"/>
               <a:t>Avoir algorithme d’un ordre O(n)</a:t>
             </a:r>
           </a:p>
@@ -6497,11 +9153,11 @@
               <a:buFont typeface="Arial" panose="020B0604020202020204" pitchFamily="34" charset="0"/>
               <a:buChar char="•"/>
             </a:pPr>
-            <a:endParaRPr lang="fr-CA" dirty="0"/>
-          </a:p>
-          <a:p>
-            <a:r>
-              <a:rPr lang="fr-CA" dirty="0"/>
+            <a:endParaRPr lang="fr-CA" sz="2000" dirty="0"/>
+          </a:p>
+          <a:p>
+            <a:r>
+              <a:rPr lang="fr-CA" sz="2000" dirty="0"/>
               <a:t>Heuristiques:</a:t>
             </a:r>
           </a:p>
@@ -6511,7 +9167,7 @@
               <a:buAutoNum type="arabicPeriod"/>
             </a:pPr>
             <a:r>
-              <a:rPr lang="fr-CA" dirty="0"/>
+              <a:rPr lang="fr-CA" sz="2000" dirty="0"/>
               <a:t>2 éléments de types différents vont toujours produire un arbre différent</a:t>
             </a:r>
           </a:p>
@@ -6521,15 +9177,15 @@
               <a:buAutoNum type="arabicPeriod"/>
             </a:pPr>
             <a:r>
-              <a:rPr lang="fr-CA" dirty="0"/>
+              <a:rPr lang="fr-CA" sz="2000" dirty="0"/>
               <a:t>Les développeurs peuvent indiquer quel éléments reste constant avec la </a:t>
             </a:r>
             <a:r>
-              <a:rPr lang="fr-CA" dirty="0" err="1"/>
+              <a:rPr lang="fr-CA" sz="2000" dirty="0" err="1"/>
               <a:t>prop</a:t>
             </a:r>
             <a:r>
-              <a:rPr lang="fr-CA" dirty="0"/>
+              <a:rPr lang="fr-CA" sz="2000" dirty="0"/>
               <a:t> « key » </a:t>
             </a:r>
           </a:p>
@@ -6566,7 +9222,7 @@
 </p:sld>
 </file>
 
-<file path=ppt/slides/slide17.xml><?xml version="1.0" encoding="utf-8"?>
+<file path=ppt/slides/slide29.xml><?xml version="1.0" encoding="utf-8"?>
 <p:sld xmlns:a="http://schemas.openxmlformats.org/drawingml/2006/main" xmlns:r="http://schemas.openxmlformats.org/officeDocument/2006/relationships" xmlns:p="http://schemas.openxmlformats.org/presentationml/2006/main">
   <p:cSld>
     <p:spTree>
@@ -6924,7 +9580,7 @@
 </p:sld>
 </file>
 
-<file path=ppt/slides/slide18.xml><?xml version="1.0" encoding="utf-8"?>
+<file path=ppt/slides/slide3.xml><?xml version="1.0" encoding="utf-8"?>
 <p:sld xmlns:a="http://schemas.openxmlformats.org/drawingml/2006/main" xmlns:r="http://schemas.openxmlformats.org/officeDocument/2006/relationships" xmlns:p="http://schemas.openxmlformats.org/presentationml/2006/main">
   <p:cSld>
     <p:spTree>
@@ -6943,10 +9599,10 @@
       </p:grpSpPr>
       <p:sp>
         <p:nvSpPr>
-          <p:cNvPr id="2" name="Title 1">
-            <a:extLst>
-              <a:ext uri="{FF2B5EF4-FFF2-40B4-BE49-F238E27FC236}">
-                <a16:creationId xmlns:a16="http://schemas.microsoft.com/office/drawing/2014/main" id="{79106B3B-39DD-4901-99F3-B5AFD4FBC0EA}"/>
+          <p:cNvPr id="6" name="Title 5">
+            <a:extLst>
+              <a:ext uri="{FF2B5EF4-FFF2-40B4-BE49-F238E27FC236}">
+                <a16:creationId xmlns:a16="http://schemas.microsoft.com/office/drawing/2014/main" id="{C7E4DBE1-46DA-4F2D-B8D5-FD13DED983C4}"/>
               </a:ext>
             </a:extLst>
           </p:cNvPr>
@@ -6963,30 +9619,26 @@
           <a:lstStyle/>
           <a:p>
             <a:r>
-              <a:rPr lang="fr-CA" dirty="0" err="1"/>
-              <a:t>Reconciliation</a:t>
-            </a:r>
-            <a:r>
-              <a:rPr lang="fr-CA" dirty="0"/>
-              <a:t> Game</a:t>
-            </a:r>
-          </a:p>
-        </p:txBody>
-      </p:sp>
-      <p:sp>
-        <p:nvSpPr>
-          <p:cNvPr id="3" name="Content Placeholder 2">
-            <a:extLst>
-              <a:ext uri="{FF2B5EF4-FFF2-40B4-BE49-F238E27FC236}">
-                <a16:creationId xmlns:a16="http://schemas.microsoft.com/office/drawing/2014/main" id="{ECB6FC05-85BD-405D-BAF1-78C9F5C4AC73}"/>
-              </a:ext>
-            </a:extLst>
-          </p:cNvPr>
-          <p:cNvSpPr>
-            <a:spLocks noGrp="1"/>
-          </p:cNvSpPr>
-          <p:nvPr>
-            <p:ph idx="1"/>
+              <a:rPr lang="fr-CA" dirty="0"/>
+              <a:t>1 – DOM &amp; Browser</a:t>
+            </a:r>
+          </a:p>
+        </p:txBody>
+      </p:sp>
+      <p:sp>
+        <p:nvSpPr>
+          <p:cNvPr id="7" name="Text Placeholder 6">
+            <a:extLst>
+              <a:ext uri="{FF2B5EF4-FFF2-40B4-BE49-F238E27FC236}">
+                <a16:creationId xmlns:a16="http://schemas.microsoft.com/office/drawing/2014/main" id="{A1F49D8D-9B2F-4280-86E7-D80F0CC1970C}"/>
+              </a:ext>
+            </a:extLst>
+          </p:cNvPr>
+          <p:cNvSpPr>
+            <a:spLocks noGrp="1"/>
+          </p:cNvSpPr>
+          <p:nvPr>
+            <p:ph type="body" idx="1"/>
           </p:nvPr>
         </p:nvSpPr>
         <p:spPr/>
@@ -6994,14 +9646,112 @@
           <a:bodyPr/>
           <a:lstStyle/>
           <a:p>
-            <a:r>
-              <a:rPr lang="fr-CA" dirty="0"/>
-              <a:t>Pour chaque component deviner qu’est ce qui change et quel condition de la réconciliation cause de changement.</a:t>
-            </a:r>
-          </a:p>
-          <a:p>
-            <a:endParaRPr lang="fr-CA" dirty="0"/>
-          </a:p>
+            <a:endParaRPr lang="fr-CA"/>
+          </a:p>
+        </p:txBody>
+      </p:sp>
+    </p:spTree>
+    <p:extLst>
+      <p:ext uri="{BB962C8B-B14F-4D97-AF65-F5344CB8AC3E}">
+        <p14:creationId xmlns:p14="http://schemas.microsoft.com/office/powerpoint/2010/main" val="1642998343"/>
+      </p:ext>
+    </p:extLst>
+  </p:cSld>
+  <p:clrMapOvr>
+    <a:masterClrMapping/>
+  </p:clrMapOvr>
+</p:sld>
+</file>
+
+<file path=ppt/slides/slide30.xml><?xml version="1.0" encoding="utf-8"?>
+<p:sld xmlns:a="http://schemas.openxmlformats.org/drawingml/2006/main" xmlns:r="http://schemas.openxmlformats.org/officeDocument/2006/relationships" xmlns:p="http://schemas.openxmlformats.org/presentationml/2006/main">
+  <p:cSld>
+    <p:spTree>
+      <p:nvGrpSpPr>
+        <p:cNvPr id="1" name=""/>
+        <p:cNvGrpSpPr/>
+        <p:nvPr/>
+      </p:nvGrpSpPr>
+      <p:grpSpPr>
+        <a:xfrm>
+          <a:off x="0" y="0"/>
+          <a:ext cx="0" cy="0"/>
+          <a:chOff x="0" y="0"/>
+          <a:chExt cx="0" cy="0"/>
+        </a:xfrm>
+      </p:grpSpPr>
+      <p:sp>
+        <p:nvSpPr>
+          <p:cNvPr id="2" name="Title 1">
+            <a:extLst>
+              <a:ext uri="{FF2B5EF4-FFF2-40B4-BE49-F238E27FC236}">
+                <a16:creationId xmlns:a16="http://schemas.microsoft.com/office/drawing/2014/main" id="{79106B3B-39DD-4901-99F3-B5AFD4FBC0EA}"/>
+              </a:ext>
+            </a:extLst>
+          </p:cNvPr>
+          <p:cNvSpPr>
+            <a:spLocks noGrp="1"/>
+          </p:cNvSpPr>
+          <p:nvPr>
+            <p:ph type="title"/>
+          </p:nvPr>
+        </p:nvSpPr>
+        <p:spPr/>
+        <p:txBody>
+          <a:bodyPr/>
+          <a:lstStyle/>
+          <a:p>
+            <a:r>
+              <a:rPr lang="fr-CA" dirty="0"/>
+              <a:t>Exos 5.2: </a:t>
+            </a:r>
+            <a:r>
+              <a:rPr lang="fr-CA" dirty="0" err="1"/>
+              <a:t>Reconciliation</a:t>
+            </a:r>
+            <a:r>
+              <a:rPr lang="fr-CA" dirty="0"/>
+              <a:t> Game (</a:t>
+            </a:r>
+            <a:r>
+              <a:rPr lang="fr-CA" dirty="0" err="1"/>
+              <a:t>will</a:t>
+            </a:r>
+            <a:r>
+              <a:rPr lang="fr-CA" dirty="0"/>
+              <a:t> </a:t>
+            </a:r>
+            <a:r>
+              <a:rPr lang="fr-CA" dirty="0" err="1"/>
+              <a:t>it</a:t>
+            </a:r>
+            <a:r>
+              <a:rPr lang="fr-CA" dirty="0"/>
+              <a:t> Diff)</a:t>
+            </a:r>
+          </a:p>
+        </p:txBody>
+      </p:sp>
+      <p:sp>
+        <p:nvSpPr>
+          <p:cNvPr id="3" name="Content Placeholder 2">
+            <a:extLst>
+              <a:ext uri="{FF2B5EF4-FFF2-40B4-BE49-F238E27FC236}">
+                <a16:creationId xmlns:a16="http://schemas.microsoft.com/office/drawing/2014/main" id="{ECB6FC05-85BD-405D-BAF1-78C9F5C4AC73}"/>
+              </a:ext>
+            </a:extLst>
+          </p:cNvPr>
+          <p:cNvSpPr>
+            <a:spLocks noGrp="1"/>
+          </p:cNvSpPr>
+          <p:nvPr>
+            <p:ph idx="1"/>
+          </p:nvPr>
+        </p:nvSpPr>
+        <p:spPr/>
+        <p:txBody>
+          <a:bodyPr/>
+          <a:lstStyle/>
           <a:p>
             <a:pPr marL="0" indent="0">
               <a:buNone/>
@@ -7018,6 +9768,24 @@
               <a:rPr lang="fr-CA" dirty="0"/>
               <a:t> Game »</a:t>
             </a:r>
+          </a:p>
+          <a:p>
+            <a:pPr marL="0" indent="0">
+              <a:buNone/>
+            </a:pPr>
+            <a:endParaRPr lang="fr-CA" dirty="0"/>
+          </a:p>
+          <a:p>
+            <a:r>
+              <a:rPr lang="fr-CA" dirty="0"/>
+              <a:t>Pour chaque component deviner qu’est ce qui change et quel condition de la réconciliation cause le changement.</a:t>
+            </a:r>
+          </a:p>
+          <a:p>
+            <a:pPr marL="0" indent="0">
+              <a:buNone/>
+            </a:pPr>
+            <a:endParaRPr lang="fr-CA" dirty="0"/>
           </a:p>
         </p:txBody>
       </p:sp>
@@ -7064,7 +9832,7 @@
 </p:sld>
 </file>
 
-<file path=ppt/slides/slide19.xml><?xml version="1.0" encoding="utf-8"?>
+<file path=ppt/slides/slide31.xml><?xml version="1.0" encoding="utf-8"?>
 <p:sld xmlns:a="http://schemas.openxmlformats.org/drawingml/2006/main" xmlns:r="http://schemas.openxmlformats.org/officeDocument/2006/relationships" xmlns:p="http://schemas.openxmlformats.org/presentationml/2006/main">
   <p:cSld>
     <p:spTree>
@@ -7103,44 +9871,16 @@
           <a:lstStyle/>
           <a:p>
             <a:r>
-              <a:rPr lang="fr-CA" dirty="0" err="1"/>
-              <a:t>Why</a:t>
-            </a:r>
-            <a:r>
-              <a:rPr lang="fr-CA" dirty="0"/>
-              <a:t> </a:t>
-            </a:r>
-            <a:r>
-              <a:rPr lang="fr-CA" dirty="0" err="1"/>
-              <a:t>bool</a:t>
-            </a:r>
-            <a:r>
-              <a:rPr lang="fr-CA" dirty="0"/>
-              <a:t> </a:t>
-            </a:r>
-            <a:r>
-              <a:rPr lang="fr-CA" dirty="0" err="1"/>
-              <a:t>is</a:t>
-            </a:r>
-            <a:r>
-              <a:rPr lang="fr-CA" dirty="0"/>
-              <a:t> </a:t>
-            </a:r>
-            <a:r>
-              <a:rPr lang="fr-CA" dirty="0" err="1"/>
-              <a:t>valid</a:t>
-            </a:r>
-            <a:r>
-              <a:rPr lang="fr-CA" dirty="0"/>
-              <a:t> type (</a:t>
-            </a:r>
-            <a:r>
-              <a:rPr lang="fr-CA" dirty="0" err="1"/>
-              <a:t>todo</a:t>
-            </a:r>
-            <a:r>
-              <a:rPr lang="fr-CA" dirty="0"/>
-              <a:t>)</a:t>
+              <a:rPr lang="fr-CA" dirty="0"/>
+              <a:t>Fun </a:t>
+            </a:r>
+            <a:r>
+              <a:rPr lang="fr-CA" dirty="0" err="1"/>
+              <a:t>recap</a:t>
+            </a:r>
+            <a:r>
+              <a:rPr lang="fr-CA" dirty="0"/>
+              <a:t> exos</a:t>
             </a:r>
           </a:p>
         </p:txBody>
@@ -7171,41 +9911,76 @@
             </a:pPr>
             <a:r>
               <a:rPr lang="fr-CA" dirty="0"/>
-              <a:t>Exo: </a:t>
-            </a:r>
-            <a:r>
-              <a:rPr lang="fr-CA" dirty="0" err="1"/>
-              <a:t>stateInstanceReconciliationParadox</a:t>
-            </a:r>
-            <a:endParaRPr lang="fr-CA" dirty="0"/>
+              <a:t>Onglet:  </a:t>
+            </a:r>
+            <a:r>
+              <a:rPr lang="fr-CA" dirty="0" err="1"/>
+              <a:t>Element</a:t>
+            </a:r>
+            <a:r>
+              <a:rPr lang="fr-CA" dirty="0"/>
+              <a:t> vs Instance</a:t>
+            </a:r>
           </a:p>
           <a:p>
             <a:pPr marL="0" indent="0">
               <a:buNone/>
             </a:pPr>
-            <a:r>
-              <a:rPr lang="fr-CA" dirty="0"/>
-              <a:t>Exo (</a:t>
-            </a:r>
-            <a:r>
-              <a:rPr lang="fr-CA" dirty="0" err="1"/>
-              <a:t>with</a:t>
-            </a:r>
-            <a:r>
-              <a:rPr lang="fr-CA" dirty="0"/>
-              <a:t> </a:t>
-            </a:r>
-            <a:r>
-              <a:rPr lang="fr-CA" dirty="0" err="1"/>
-              <a:t>bool</a:t>
-            </a:r>
-            <a:r>
-              <a:rPr lang="fr-CA" dirty="0"/>
-              <a:t>): (utiliser ??)</a:t>
-            </a:r>
-          </a:p>
-        </p:txBody>
-      </p:sp>
+            <a:endParaRPr lang="en-CA"/>
+          </a:p>
+          <a:p>
+            <a:r>
+              <a:rPr lang="fr-CA"/>
+              <a:t>En regardant le code, si je toggle entre le counter A et B, est ce que je préserve le state du counter ou non?</a:t>
+            </a:r>
+          </a:p>
+          <a:p>
+            <a:r>
+              <a:rPr lang="fr-CA" dirty="0"/>
+              <a:t>Fixer le code pour que ca fasse l’inverse</a:t>
+            </a:r>
+          </a:p>
+          <a:p>
+            <a:r>
+              <a:rPr lang="fr-CA" dirty="0"/>
+              <a:t>Qu’est ce qui arrive si je remplace ci-dessous et pourquoi? </a:t>
+            </a:r>
+          </a:p>
+          <a:p>
+            <a:endParaRPr lang="fr-CA" dirty="0"/>
+          </a:p>
+        </p:txBody>
+      </p:sp>
+      <p:pic>
+        <p:nvPicPr>
+          <p:cNvPr id="4" name="Picture 3">
+            <a:extLst>
+              <a:ext uri="{FF2B5EF4-FFF2-40B4-BE49-F238E27FC236}">
+                <a16:creationId xmlns:a16="http://schemas.microsoft.com/office/drawing/2014/main" id="{9AB6E67C-CCDD-4645-A54F-7B1C93312502}"/>
+              </a:ext>
+            </a:extLst>
+          </p:cNvPr>
+          <p:cNvPicPr>
+            <a:picLocks noChangeAspect="1"/>
+          </p:cNvPicPr>
+          <p:nvPr/>
+        </p:nvPicPr>
+        <p:blipFill>
+          <a:blip r:embed="rId2"/>
+          <a:stretch>
+            <a:fillRect/>
+          </a:stretch>
+        </p:blipFill>
+        <p:spPr>
+          <a:xfrm>
+            <a:off x="2284682" y="4714876"/>
+            <a:ext cx="4357417" cy="1930400"/>
+          </a:xfrm>
+          <a:prstGeom prst="rect">
+            <a:avLst/>
+          </a:prstGeom>
+        </p:spPr>
+      </p:pic>
     </p:spTree>
     <p:extLst>
       <p:ext uri="{BB962C8B-B14F-4D97-AF65-F5344CB8AC3E}">
@@ -7219,7 +9994,7 @@
 </p:sld>
 </file>
 
-<file path=ppt/slides/slide2.xml><?xml version="1.0" encoding="utf-8"?>
+<file path=ppt/slides/slide32.xml><?xml version="1.0" encoding="utf-8"?>
 <p:sld xmlns:a="http://schemas.openxmlformats.org/drawingml/2006/main" xmlns:r="http://schemas.openxmlformats.org/officeDocument/2006/relationships" xmlns:p="http://schemas.openxmlformats.org/presentationml/2006/main">
   <p:cSld>
     <p:spTree>
@@ -7238,10 +10013,10 @@
       </p:grpSpPr>
       <p:sp>
         <p:nvSpPr>
-          <p:cNvPr id="2" name="Title 1">
-            <a:extLst>
-              <a:ext uri="{FF2B5EF4-FFF2-40B4-BE49-F238E27FC236}">
-                <a16:creationId xmlns:a16="http://schemas.microsoft.com/office/drawing/2014/main" id="{C54D4E42-1EF3-407D-B9FC-96C34FC6F58B}"/>
+          <p:cNvPr id="4" name="Title 3">
+            <a:extLst>
+              <a:ext uri="{FF2B5EF4-FFF2-40B4-BE49-F238E27FC236}">
+                <a16:creationId xmlns:a16="http://schemas.microsoft.com/office/drawing/2014/main" id="{B75295A1-A828-4ADA-BCE1-4C8896295C27}"/>
               </a:ext>
             </a:extLst>
           </p:cNvPr>
@@ -7259,25 +10034,38 @@
           <a:p>
             <a:r>
               <a:rPr lang="fr-CA" dirty="0"/>
-              <a:t>Table des matières</a:t>
-            </a:r>
-          </a:p>
-        </p:txBody>
-      </p:sp>
-      <p:sp>
-        <p:nvSpPr>
-          <p:cNvPr id="3" name="Content Placeholder 2">
-            <a:extLst>
-              <a:ext uri="{FF2B5EF4-FFF2-40B4-BE49-F238E27FC236}">
-                <a16:creationId xmlns:a16="http://schemas.microsoft.com/office/drawing/2014/main" id="{2B6AA249-33B6-461C-9EAF-8199B14CE7A9}"/>
-              </a:ext>
-            </a:extLst>
-          </p:cNvPr>
-          <p:cNvSpPr>
-            <a:spLocks noGrp="1"/>
-          </p:cNvSpPr>
-          <p:nvPr>
-            <p:ph idx="1"/>
+              <a:t>6 – </a:t>
+            </a:r>
+            <a:r>
+              <a:rPr lang="fr-CA" dirty="0" err="1"/>
+              <a:t>React</a:t>
+            </a:r>
+            <a:r>
+              <a:rPr lang="fr-CA" dirty="0"/>
+              <a:t> </a:t>
+            </a:r>
+            <a:r>
+              <a:rPr lang="fr-CA" dirty="0" err="1"/>
+              <a:t>Lifecycle</a:t>
+            </a:r>
+            <a:endParaRPr lang="fr-CA" dirty="0"/>
+          </a:p>
+        </p:txBody>
+      </p:sp>
+      <p:sp>
+        <p:nvSpPr>
+          <p:cNvPr id="5" name="Text Placeholder 4">
+            <a:extLst>
+              <a:ext uri="{FF2B5EF4-FFF2-40B4-BE49-F238E27FC236}">
+                <a16:creationId xmlns:a16="http://schemas.microsoft.com/office/drawing/2014/main" id="{9AB539E5-379D-48F0-A141-68E22F6ED824}"/>
+              </a:ext>
+            </a:extLst>
+          </p:cNvPr>
+          <p:cNvSpPr>
+            <a:spLocks noGrp="1"/>
+          </p:cNvSpPr>
+          <p:nvPr>
+            <p:ph type="body" idx="1"/>
           </p:nvPr>
         </p:nvSpPr>
         <p:spPr/>
@@ -7285,93 +10073,14 @@
           <a:bodyPr/>
           <a:lstStyle/>
           <a:p>
-            <a:pPr marL="514350" indent="-514350">
-              <a:buFont typeface="+mj-lt"/>
-              <a:buAutoNum type="arabicPeriod"/>
-            </a:pPr>
-            <a:r>
-              <a:rPr lang="fr-CA" dirty="0"/>
-              <a:t>DOM &amp; Browser</a:t>
-            </a:r>
-          </a:p>
-          <a:p>
-            <a:pPr marL="514350" indent="-514350">
-              <a:buFont typeface="+mj-lt"/>
-              <a:buAutoNum type="arabicPeriod"/>
-            </a:pPr>
-            <a:r>
-              <a:rPr lang="fr-CA" dirty="0" err="1"/>
-              <a:t>React</a:t>
-            </a:r>
-            <a:r>
-              <a:rPr lang="fr-CA" dirty="0"/>
-              <a:t> Building Block</a:t>
-            </a:r>
-          </a:p>
-          <a:p>
-            <a:pPr marL="514350" indent="-514350">
-              <a:buFont typeface="+mj-lt"/>
-              <a:buAutoNum type="arabicPeriod"/>
-            </a:pPr>
-            <a:r>
-              <a:rPr lang="fr-CA" dirty="0"/>
-              <a:t>Virtual DOM</a:t>
-            </a:r>
-          </a:p>
-          <a:p>
-            <a:pPr marL="514350" indent="-514350">
-              <a:buFont typeface="+mj-lt"/>
-              <a:buAutoNum type="arabicPeriod"/>
-            </a:pPr>
-            <a:r>
-              <a:rPr lang="fr-CA" dirty="0" err="1"/>
-              <a:t>Lifecycle</a:t>
-            </a:r>
-            <a:endParaRPr lang="fr-CA" dirty="0"/>
-          </a:p>
-          <a:p>
-            <a:pPr marL="514350" indent="-514350">
-              <a:buFont typeface="+mj-lt"/>
-              <a:buAutoNum type="arabicPeriod"/>
-            </a:pPr>
-            <a:r>
-              <a:rPr lang="fr-CA" dirty="0" err="1"/>
-              <a:t>Render</a:t>
-            </a:r>
-            <a:r>
-              <a:rPr lang="fr-CA" dirty="0"/>
-              <a:t> &amp; </a:t>
-            </a:r>
-            <a:r>
-              <a:rPr lang="fr-CA" dirty="0" err="1"/>
-              <a:t>Reconciliation</a:t>
-            </a:r>
-            <a:endParaRPr lang="fr-CA" dirty="0"/>
-          </a:p>
-          <a:p>
-            <a:pPr marL="514350" indent="-514350">
-              <a:buFont typeface="+mj-lt"/>
-              <a:buAutoNum type="arabicPeriod"/>
-            </a:pPr>
-            <a:r>
-              <a:rPr lang="fr-CA" dirty="0"/>
-              <a:t>Waste </a:t>
-            </a:r>
-            <a:r>
-              <a:rPr lang="fr-CA" dirty="0" err="1"/>
-              <a:t>Render</a:t>
-            </a:r>
-            <a:endParaRPr lang="fr-CA" dirty="0"/>
-          </a:p>
-          <a:p>
-            <a:endParaRPr lang="fr-CA" dirty="0"/>
+            <a:endParaRPr lang="fr-CA"/>
           </a:p>
         </p:txBody>
       </p:sp>
     </p:spTree>
     <p:extLst>
       <p:ext uri="{BB962C8B-B14F-4D97-AF65-F5344CB8AC3E}">
-        <p14:creationId xmlns:p14="http://schemas.microsoft.com/office/powerpoint/2010/main" val="4115206639"/>
+        <p14:creationId xmlns:p14="http://schemas.microsoft.com/office/powerpoint/2010/main" val="614099496"/>
       </p:ext>
     </p:extLst>
   </p:cSld>
@@ -7381,7 +10090,7 @@
 </p:sld>
 </file>
 
-<file path=ppt/slides/slide20.xml><?xml version="1.0" encoding="utf-8"?>
+<file path=ppt/slides/slide33.xml><?xml version="1.0" encoding="utf-8"?>
 <p:sld xmlns:a="http://schemas.openxmlformats.org/drawingml/2006/main" xmlns:r="http://schemas.openxmlformats.org/officeDocument/2006/relationships" xmlns:p="http://schemas.openxmlformats.org/presentationml/2006/main">
   <p:cSld>
     <p:spTree>
@@ -7403,7 +10112,7 @@
           <p:cNvPr id="2" name="Title 1">
             <a:extLst>
               <a:ext uri="{FF2B5EF4-FFF2-40B4-BE49-F238E27FC236}">
-                <a16:creationId xmlns:a16="http://schemas.microsoft.com/office/drawing/2014/main" id="{6875C8E1-7406-47E7-9A3F-D277C53A21E4}"/>
+                <a16:creationId xmlns:a16="http://schemas.microsoft.com/office/drawing/2014/main" id="{BBA7C400-A4FE-4EBB-924E-57B007DF095C}"/>
               </a:ext>
             </a:extLst>
           </p:cNvPr>
@@ -7420,16 +10129,12 @@
           <a:lstStyle/>
           <a:p>
             <a:r>
-              <a:rPr lang="fr-CA" dirty="0"/>
-              <a:t>Éviter des Waste </a:t>
-            </a:r>
-            <a:r>
-              <a:rPr lang="fr-CA" dirty="0" err="1"/>
-              <a:t>Render</a:t>
-            </a:r>
-            <a:r>
-              <a:rPr lang="fr-CA" dirty="0"/>
-              <a:t> (</a:t>
+              <a:rPr lang="fr-CA" dirty="0" err="1"/>
+              <a:t>React</a:t>
+            </a:r>
+            <a:r>
+              <a:rPr lang="fr-CA" dirty="0"/>
+              <a:t> Profiler (</a:t>
             </a:r>
             <a:r>
               <a:rPr lang="fr-CA" dirty="0" err="1"/>
@@ -7447,7 +10152,7 @@
           <p:cNvPr id="3" name="Content Placeholder 2">
             <a:extLst>
               <a:ext uri="{FF2B5EF4-FFF2-40B4-BE49-F238E27FC236}">
-                <a16:creationId xmlns:a16="http://schemas.microsoft.com/office/drawing/2014/main" id="{D450C24E-07FC-4816-9A13-3E663CFC7B99}"/>
+                <a16:creationId xmlns:a16="http://schemas.microsoft.com/office/drawing/2014/main" id="{283FD2DC-9271-40AA-9767-9A3B47CC7110}"/>
               </a:ext>
             </a:extLst>
           </p:cNvPr>
@@ -7458,9 +10163,16 @@
             <p:ph idx="1"/>
           </p:nvPr>
         </p:nvSpPr>
-        <p:spPr/>
-        <p:txBody>
-          <a:bodyPr/>
+        <p:spPr>
+          <a:xfrm>
+            <a:off x="838200" y="1825625"/>
+            <a:ext cx="10515600" cy="4351338"/>
+          </a:xfrm>
+        </p:spPr>
+        <p:txBody>
+          <a:bodyPr>
+            <a:normAutofit/>
+          </a:bodyPr>
           <a:lstStyle/>
           <a:p>
             <a:pPr marL="0" indent="0">
@@ -7468,109 +10180,120 @@
             </a:pPr>
             <a:r>
               <a:rPr lang="fr-CA" dirty="0"/>
-              <a:t>Waste </a:t>
-            </a:r>
+              <a:t>Rappel 2 étapes importantes de </a:t>
+            </a:r>
+            <a:r>
+              <a:rPr lang="fr-CA" dirty="0" err="1"/>
+              <a:t>React</a:t>
+            </a:r>
+            <a:endParaRPr lang="fr-CA" dirty="0"/>
+          </a:p>
+          <a:p>
             <a:r>
               <a:rPr lang="fr-CA" dirty="0" err="1"/>
               <a:t>Render</a:t>
             </a:r>
             <a:r>
               <a:rPr lang="fr-CA" dirty="0"/>
-              <a:t> = </a:t>
+              <a:t>: </a:t>
+            </a:r>
+            <a:r>
+              <a:rPr lang="fr-CA" dirty="0" err="1"/>
+              <a:t>React</a:t>
+            </a:r>
+            <a:r>
+              <a:rPr lang="fr-CA" dirty="0"/>
+              <a:t> détermine ce qui change par rapport précédent </a:t>
             </a:r>
             <a:r>
               <a:rPr lang="fr-CA" dirty="0" err="1"/>
               <a:t>render</a:t>
             </a:r>
-            <a:r>
-              <a:rPr lang="fr-CA" dirty="0"/>
-              <a:t> qui retourne le même </a:t>
-            </a:r>
-            <a:r>
-              <a:rPr lang="fr-CA" dirty="0" err="1"/>
-              <a:t>reactElement</a:t>
-            </a:r>
-            <a:r>
-              <a:rPr lang="fr-CA" dirty="0"/>
-              <a:t> (ne va pas updater le UI)</a:t>
-            </a:r>
+            <a:endParaRPr lang="fr-CA" dirty="0"/>
+          </a:p>
+          <a:p>
+            <a:r>
+              <a:rPr lang="fr-CA" dirty="0"/>
+              <a:t>Commit: </a:t>
+            </a:r>
+            <a:r>
+              <a:rPr lang="fr-CA" dirty="0" err="1"/>
+              <a:t>React</a:t>
+            </a:r>
+            <a:r>
+              <a:rPr lang="fr-CA" dirty="0"/>
+              <a:t> applique les changements nécessaires au DOM</a:t>
+            </a:r>
+          </a:p>
+          <a:p>
+            <a:endParaRPr lang="fr-CA" dirty="0"/>
           </a:p>
           <a:p>
             <a:pPr marL="0" indent="0">
               <a:buNone/>
             </a:pPr>
+            <a:r>
+              <a:rPr lang="fr-CA" dirty="0"/>
+              <a:t>Le profiling focus à trouver les problèmes au niveau du commit.</a:t>
+            </a:r>
+          </a:p>
+          <a:p>
+            <a:r>
+              <a:rPr lang="fr-CA" dirty="0"/>
+              <a:t>Le temps de </a:t>
+            </a:r>
+            <a:r>
+              <a:rPr lang="fr-CA" dirty="0" err="1"/>
+              <a:t>render</a:t>
+            </a:r>
+            <a:r>
+              <a:rPr lang="fr-CA" dirty="0"/>
+              <a:t> par component</a:t>
+            </a:r>
+          </a:p>
+          <a:p>
+            <a:r>
+              <a:rPr lang="fr-CA" dirty="0"/>
+              <a:t>Le nombre de fois qu’il se fait </a:t>
+            </a:r>
+            <a:r>
+              <a:rPr lang="fr-CA" dirty="0" err="1"/>
+              <a:t>render</a:t>
+            </a:r>
             <a:endParaRPr lang="fr-CA" dirty="0"/>
           </a:p>
-          <a:p>
-            <a:pPr marL="0" indent="0">
-              <a:buNone/>
-            </a:pPr>
-            <a:r>
-              <a:rPr lang="fr-CA" dirty="0" err="1"/>
-              <a:t>ShouldComponentUpdate</a:t>
-            </a:r>
-            <a:r>
-              <a:rPr lang="fr-CA" dirty="0"/>
-              <a:t> retourne </a:t>
-            </a:r>
-            <a:r>
-              <a:rPr lang="fr-CA" dirty="0" err="1"/>
-              <a:t>true</a:t>
-            </a:r>
-            <a:r>
-              <a:rPr lang="fr-CA" dirty="0"/>
-              <a:t> alors que rien ne va changer.</a:t>
-            </a:r>
-          </a:p>
-          <a:p>
-            <a:pPr marL="0" indent="0">
-              <a:buNone/>
-            </a:pPr>
-            <a:endParaRPr lang="fr-CA" dirty="0"/>
-          </a:p>
-          <a:p>
-            <a:pPr marL="0" indent="0">
-              <a:buNone/>
-            </a:pPr>
-            <a:endParaRPr lang="fr-CA" dirty="0"/>
-          </a:p>
-          <a:p>
-            <a:pPr marL="0" indent="0">
-              <a:buNone/>
-            </a:pPr>
-            <a:endParaRPr lang="fr-CA" dirty="0"/>
-          </a:p>
-          <a:p>
-            <a:pPr marL="0" indent="0">
-              <a:buNone/>
-            </a:pPr>
-            <a:r>
-              <a:rPr lang="fr-CA" dirty="0"/>
-              <a:t>(</a:t>
-            </a:r>
-            <a:r>
-              <a:rPr lang="fr-CA" dirty="0" err="1"/>
-              <a:t>Render</a:t>
-            </a:r>
-            <a:r>
-              <a:rPr lang="fr-CA" dirty="0"/>
-              <a:t> </a:t>
-            </a:r>
-            <a:r>
-              <a:rPr lang="fr-CA" dirty="0" err="1"/>
-              <a:t>Function</a:t>
-            </a:r>
-            <a:r>
-              <a:rPr lang="fr-CA" dirty="0"/>
-              <a:t>, Component, </a:t>
-            </a:r>
-            <a:r>
-              <a:rPr lang="fr-CA" dirty="0" err="1"/>
-              <a:t>PureComponent</a:t>
-            </a:r>
-            <a:r>
-              <a:rPr lang="fr-CA" dirty="0"/>
-              <a:t>, Memo)</a:t>
+        </p:txBody>
+      </p:sp>
+      <p:sp>
+        <p:nvSpPr>
+          <p:cNvPr id="5" name="Rectangle 4">
+            <a:extLst>
+              <a:ext uri="{FF2B5EF4-FFF2-40B4-BE49-F238E27FC236}">
+                <a16:creationId xmlns:a16="http://schemas.microsoft.com/office/drawing/2014/main" id="{55181D60-2660-4572-9239-7FF8F5856E9A}"/>
+              </a:ext>
+            </a:extLst>
+          </p:cNvPr>
+          <p:cNvSpPr/>
+          <p:nvPr/>
+        </p:nvSpPr>
+        <p:spPr>
+          <a:xfrm>
+            <a:off x="838200" y="5807631"/>
+            <a:ext cx="5013960" cy="369332"/>
+          </a:xfrm>
+          <a:prstGeom prst="rect">
+            <a:avLst/>
+          </a:prstGeom>
+        </p:spPr>
+        <p:txBody>
+          <a:bodyPr wrap="square">
+            <a:spAutoFit/>
+          </a:bodyPr>
+          <a:lstStyle/>
+          <a:p>
+            <a:r>
+              <a:rPr lang="fr-CA" dirty="0"/>
+              <a:t>Démo: /Profiling Tools</a:t>
             </a:r>
           </a:p>
         </p:txBody>
@@ -7578,7 +10301,7 @@
     </p:spTree>
     <p:extLst>
       <p:ext uri="{BB962C8B-B14F-4D97-AF65-F5344CB8AC3E}">
-        <p14:creationId xmlns:p14="http://schemas.microsoft.com/office/powerpoint/2010/main" val="2120045792"/>
+        <p14:creationId xmlns:p14="http://schemas.microsoft.com/office/powerpoint/2010/main" val="1015803924"/>
       </p:ext>
     </p:extLst>
   </p:cSld>
@@ -7588,7 +10311,7 @@
 </p:sld>
 </file>
 
-<file path=ppt/slides/slide21.xml><?xml version="1.0" encoding="utf-8"?>
+<file path=ppt/slides/slide34.xml><?xml version="1.0" encoding="utf-8"?>
 <p:sld xmlns:a="http://schemas.openxmlformats.org/drawingml/2006/main" xmlns:r="http://schemas.openxmlformats.org/officeDocument/2006/relationships" xmlns:p="http://schemas.openxmlformats.org/presentationml/2006/main">
   <p:cSld>
     <p:spTree>
@@ -7610,7 +10333,7 @@
           <p:cNvPr id="2" name="Title 1">
             <a:extLst>
               <a:ext uri="{FF2B5EF4-FFF2-40B4-BE49-F238E27FC236}">
-                <a16:creationId xmlns:a16="http://schemas.microsoft.com/office/drawing/2014/main" id="{6875C8E1-7406-47E7-9A3F-D277C53A21E4}"/>
+                <a16:creationId xmlns:a16="http://schemas.microsoft.com/office/drawing/2014/main" id="{B9989088-6A08-442A-95D5-B5DF3D54BD05}"/>
               </a:ext>
             </a:extLst>
           </p:cNvPr>
@@ -7627,341 +10350,136 @@
           <a:lstStyle/>
           <a:p>
             <a:r>
-              <a:rPr lang="fr-CA" dirty="0" err="1"/>
-              <a:t>ShouldComponentUpdate</a:t>
-            </a:r>
-            <a:r>
-              <a:rPr lang="fr-CA" dirty="0"/>
-              <a:t> 101 (</a:t>
-            </a:r>
-            <a:r>
-              <a:rPr lang="fr-CA" dirty="0" err="1"/>
-              <a:t>todo</a:t>
-            </a:r>
-            <a:r>
-              <a:rPr lang="fr-CA" dirty="0"/>
-              <a:t>)</a:t>
-            </a:r>
-          </a:p>
-        </p:txBody>
-      </p:sp>
-      <p:graphicFrame>
-        <p:nvGraphicFramePr>
-          <p:cNvPr id="7" name="Content Placeholder 6">
-            <a:extLst>
-              <a:ext uri="{FF2B5EF4-FFF2-40B4-BE49-F238E27FC236}">
-                <a16:creationId xmlns:a16="http://schemas.microsoft.com/office/drawing/2014/main" id="{FC514DB2-77C8-4A14-9F04-D3CC8C087A61}"/>
-              </a:ext>
-            </a:extLst>
-          </p:cNvPr>
-          <p:cNvGraphicFramePr>
-            <a:graphicFrameLocks noGrp="1"/>
-          </p:cNvGraphicFramePr>
+              <a:rPr lang="fr-CA" dirty="0"/>
+              <a:t>Exos 6: Profiling </a:t>
+            </a:r>
+            <a:r>
+              <a:rPr lang="fr-CA"/>
+              <a:t>tool </a:t>
+            </a:r>
+            <a:r>
+              <a:rPr lang="fr-CA" dirty="0" err="1"/>
+              <a:t>playground</a:t>
+            </a:r>
+            <a:endParaRPr lang="fr-CA" dirty="0"/>
+          </a:p>
+        </p:txBody>
+      </p:sp>
+      <p:sp>
+        <p:nvSpPr>
+          <p:cNvPr id="3" name="Content Placeholder 2">
+            <a:extLst>
+              <a:ext uri="{FF2B5EF4-FFF2-40B4-BE49-F238E27FC236}">
+                <a16:creationId xmlns:a16="http://schemas.microsoft.com/office/drawing/2014/main" id="{472DF70D-755C-4860-97C2-08AA5F4B0219}"/>
+              </a:ext>
+            </a:extLst>
+          </p:cNvPr>
+          <p:cNvSpPr>
+            <a:spLocks noGrp="1"/>
+          </p:cNvSpPr>
           <p:nvPr>
             <p:ph idx="1"/>
-            <p:extLst>
-              <p:ext uri="{D42A27DB-BD31-4B8C-83A1-F6EECF244321}">
-                <p14:modId xmlns:p14="http://schemas.microsoft.com/office/powerpoint/2010/main" val="1376043379"/>
-              </p:ext>
-            </p:extLst>
-          </p:nvPr>
-        </p:nvGraphicFramePr>
-        <p:xfrm>
-          <a:off x="838200" y="1825625"/>
-          <a:ext cx="10515600" cy="1854200"/>
-        </p:xfrm>
-        <a:graphic>
-          <a:graphicData uri="http://schemas.openxmlformats.org/drawingml/2006/table">
-            <a:tbl>
-              <a:tblPr firstRow="1" bandRow="1">
-                <a:tableStyleId>{5C22544A-7EE6-4342-B048-85BDC9FD1C3A}</a:tableStyleId>
-              </a:tblPr>
-              <a:tblGrid>
-                <a:gridCol w="5257800">
-                  <a:extLst>
-                    <a:ext uri="{9D8B030D-6E8A-4147-A177-3AD203B41FA5}">
-                      <a16:colId xmlns:a16="http://schemas.microsoft.com/office/drawing/2014/main" val="2558417782"/>
-                    </a:ext>
-                  </a:extLst>
-                </a:gridCol>
-                <a:gridCol w="5257800">
-                  <a:extLst>
-                    <a:ext uri="{9D8B030D-6E8A-4147-A177-3AD203B41FA5}">
-                      <a16:colId xmlns:a16="http://schemas.microsoft.com/office/drawing/2014/main" val="881481147"/>
-                    </a:ext>
-                  </a:extLst>
-                </a:gridCol>
-              </a:tblGrid>
-              <a:tr h="370840">
-                <a:tc>
-                  <a:txBody>
-                    <a:bodyPr/>
-                    <a:lstStyle/>
-                    <a:p>
-                      <a:r>
-                        <a:rPr lang="fr-CA" dirty="0"/>
-                        <a:t>Type</a:t>
-                      </a:r>
-                    </a:p>
-                  </a:txBody>
-                  <a:tcPr/>
-                </a:tc>
-                <a:tc>
-                  <a:txBody>
-                    <a:bodyPr/>
-                    <a:lstStyle/>
-                    <a:p>
-                      <a:r>
-                        <a:rPr lang="fr-CA" dirty="0" err="1"/>
-                        <a:t>Behavior</a:t>
-                      </a:r>
-                      <a:r>
-                        <a:rPr lang="fr-CA" dirty="0"/>
-                        <a:t> of </a:t>
-                      </a:r>
-                      <a:r>
-                        <a:rPr lang="fr-CA" dirty="0" err="1"/>
-                        <a:t>shouldComponentUpdate</a:t>
-                      </a:r>
-                      <a:r>
-                        <a:rPr lang="fr-CA" dirty="0"/>
-                        <a:t> 101</a:t>
-                      </a:r>
-                    </a:p>
-                  </a:txBody>
-                  <a:tcPr/>
-                </a:tc>
-                <a:extLst>
-                  <a:ext uri="{0D108BD9-81ED-4DB2-BD59-A6C34878D82A}">
-                    <a16:rowId xmlns:a16="http://schemas.microsoft.com/office/drawing/2014/main" val="77060820"/>
-                  </a:ext>
-                </a:extLst>
-              </a:tr>
-              <a:tr h="370840">
-                <a:tc>
-                  <a:txBody>
-                    <a:bodyPr/>
-                    <a:lstStyle/>
-                    <a:p>
-                      <a:r>
-                        <a:rPr lang="fr-CA" dirty="0" err="1"/>
-                        <a:t>Render</a:t>
-                      </a:r>
-                      <a:r>
-                        <a:rPr lang="fr-CA" dirty="0"/>
-                        <a:t> </a:t>
-                      </a:r>
-                      <a:r>
-                        <a:rPr lang="fr-CA" dirty="0" err="1"/>
-                        <a:t>Function</a:t>
-                      </a:r>
-                      <a:endParaRPr lang="fr-CA" dirty="0"/>
-                    </a:p>
-                  </a:txBody>
-                  <a:tcPr/>
-                </a:tc>
-                <a:tc>
-                  <a:txBody>
-                    <a:bodyPr/>
-                    <a:lstStyle/>
-                    <a:p>
-                      <a:r>
-                        <a:rPr lang="fr-CA" dirty="0"/>
-                        <a:t>Toujours </a:t>
-                      </a:r>
-                      <a:r>
-                        <a:rPr lang="fr-CA" dirty="0" err="1"/>
-                        <a:t>true</a:t>
-                      </a:r>
-                      <a:endParaRPr lang="fr-CA" dirty="0"/>
-                    </a:p>
-                  </a:txBody>
-                  <a:tcPr/>
-                </a:tc>
-                <a:extLst>
-                  <a:ext uri="{0D108BD9-81ED-4DB2-BD59-A6C34878D82A}">
-                    <a16:rowId xmlns:a16="http://schemas.microsoft.com/office/drawing/2014/main" val="287670347"/>
-                  </a:ext>
-                </a:extLst>
-              </a:tr>
-              <a:tr h="370840">
-                <a:tc>
-                  <a:txBody>
-                    <a:bodyPr/>
-                    <a:lstStyle/>
-                    <a:p>
-                      <a:r>
-                        <a:rPr lang="fr-CA" dirty="0"/>
-                        <a:t>Component</a:t>
-                      </a:r>
-                    </a:p>
-                  </a:txBody>
-                  <a:tcPr/>
-                </a:tc>
-                <a:tc>
-                  <a:txBody>
-                    <a:bodyPr/>
-                    <a:lstStyle/>
-                    <a:p>
-                      <a:r>
-                        <a:rPr lang="fr-CA" dirty="0"/>
-                        <a:t>Toujours </a:t>
-                      </a:r>
-                      <a:r>
-                        <a:rPr lang="fr-CA" dirty="0" err="1"/>
-                        <a:t>true</a:t>
-                      </a:r>
-                      <a:endParaRPr lang="fr-CA" dirty="0"/>
-                    </a:p>
-                  </a:txBody>
-                  <a:tcPr/>
-                </a:tc>
-                <a:extLst>
-                  <a:ext uri="{0D108BD9-81ED-4DB2-BD59-A6C34878D82A}">
-                    <a16:rowId xmlns:a16="http://schemas.microsoft.com/office/drawing/2014/main" val="4127102668"/>
-                  </a:ext>
-                </a:extLst>
-              </a:tr>
-              <a:tr h="370840">
-                <a:tc>
-                  <a:txBody>
-                    <a:bodyPr/>
-                    <a:lstStyle/>
-                    <a:p>
-                      <a:r>
-                        <a:rPr lang="fr-CA" dirty="0" err="1"/>
-                        <a:t>PureComponent</a:t>
-                      </a:r>
-                      <a:endParaRPr lang="fr-CA" dirty="0"/>
-                    </a:p>
-                  </a:txBody>
-                  <a:tcPr/>
-                </a:tc>
-                <a:tc>
-                  <a:txBody>
-                    <a:bodyPr/>
-                    <a:lstStyle/>
-                    <a:p>
-                      <a:r>
-                        <a:rPr lang="fr-CA" dirty="0"/>
-                        <a:t>Fait un </a:t>
-                      </a:r>
-                      <a:r>
-                        <a:rPr lang="fr-CA" dirty="0" err="1"/>
-                        <a:t>shallow</a:t>
-                      </a:r>
-                      <a:r>
-                        <a:rPr lang="fr-CA" dirty="0"/>
-                        <a:t> comparaison sur les </a:t>
-                      </a:r>
-                      <a:r>
-                        <a:rPr lang="fr-CA" dirty="0" err="1"/>
-                        <a:t>props</a:t>
-                      </a:r>
-                      <a:endParaRPr lang="fr-CA" dirty="0"/>
-                    </a:p>
-                  </a:txBody>
-                  <a:tcPr/>
-                </a:tc>
-                <a:extLst>
-                  <a:ext uri="{0D108BD9-81ED-4DB2-BD59-A6C34878D82A}">
-                    <a16:rowId xmlns:a16="http://schemas.microsoft.com/office/drawing/2014/main" val="4052333018"/>
-                  </a:ext>
-                </a:extLst>
-              </a:tr>
-              <a:tr h="370840">
-                <a:tc>
-                  <a:txBody>
-                    <a:bodyPr/>
-                    <a:lstStyle/>
-                    <a:p>
-                      <a:r>
-                        <a:rPr lang="fr-CA"/>
-                        <a:t>Memo</a:t>
-                      </a:r>
-                    </a:p>
-                  </a:txBody>
-                  <a:tcPr/>
-                </a:tc>
-                <a:tc>
-                  <a:txBody>
-                    <a:bodyPr/>
-                    <a:lstStyle/>
-                    <a:p>
-                      <a:r>
-                        <a:rPr lang="fr-CA" dirty="0"/>
-                        <a:t>Fait un </a:t>
-                      </a:r>
-                      <a:r>
-                        <a:rPr lang="fr-CA" dirty="0" err="1"/>
-                        <a:t>shallow</a:t>
-                      </a:r>
-                      <a:r>
-                        <a:rPr lang="fr-CA" dirty="0"/>
-                        <a:t> comparaison sur les </a:t>
-                      </a:r>
-                      <a:r>
-                        <a:rPr lang="fr-CA" dirty="0" err="1"/>
-                        <a:t>props</a:t>
-                      </a:r>
-                      <a:endParaRPr lang="fr-CA" dirty="0"/>
-                    </a:p>
-                  </a:txBody>
-                  <a:tcPr/>
-                </a:tc>
-                <a:extLst>
-                  <a:ext uri="{0D108BD9-81ED-4DB2-BD59-A6C34878D82A}">
-                    <a16:rowId xmlns:a16="http://schemas.microsoft.com/office/drawing/2014/main" val="2704963125"/>
-                  </a:ext>
-                </a:extLst>
-              </a:tr>
-            </a:tbl>
-          </a:graphicData>
-        </a:graphic>
-      </p:graphicFrame>
-      <p:sp>
-        <p:nvSpPr>
-          <p:cNvPr id="3" name="Rectangle 2">
-            <a:extLst>
-              <a:ext uri="{FF2B5EF4-FFF2-40B4-BE49-F238E27FC236}">
-                <a16:creationId xmlns:a16="http://schemas.microsoft.com/office/drawing/2014/main" id="{DEA7FD9A-056D-4722-9E83-158B4F03D357}"/>
-              </a:ext>
-            </a:extLst>
-          </p:cNvPr>
-          <p:cNvSpPr/>
-          <p:nvPr/>
-        </p:nvSpPr>
-        <p:spPr>
-          <a:xfrm>
-            <a:off x="3147060" y="4900344"/>
-            <a:ext cx="5013960" cy="369332"/>
-          </a:xfrm>
-          <a:prstGeom prst="rect">
-            <a:avLst/>
-          </a:prstGeom>
-        </p:spPr>
-        <p:txBody>
-          <a:bodyPr wrap="square">
-            <a:spAutoFit/>
-          </a:bodyPr>
+          </p:nvPr>
+        </p:nvSpPr>
+        <p:spPr/>
+        <p:txBody>
+          <a:bodyPr/>
           <a:lstStyle/>
           <a:p>
-            <a:r>
-              <a:rPr lang="fr-CA" dirty="0"/>
-              <a:t>Démo: « 4-shallow-comparaison.html » </a:t>
-            </a:r>
-            <a:r>
-              <a:rPr lang="fr-CA" dirty="0" err="1"/>
-              <a:t>game</a:t>
-            </a:r>
-            <a:endParaRPr lang="en-CA" dirty="0"/>
+            <a:pPr marL="0" indent="0">
+              <a:buNone/>
+            </a:pPr>
+            <a:r>
+              <a:rPr lang="fr-CA" dirty="0"/>
+              <a:t>Onglet: « </a:t>
+            </a:r>
+            <a:r>
+              <a:rPr lang="fr-CA" dirty="0" err="1"/>
+              <a:t>Reconciliation</a:t>
+            </a:r>
+            <a:r>
+              <a:rPr lang="fr-CA" dirty="0"/>
+              <a:t> Game »</a:t>
+            </a:r>
+          </a:p>
+          <a:p>
+            <a:pPr marL="0" indent="0">
+              <a:buNone/>
+            </a:pPr>
+            <a:endParaRPr lang="fr-CA" dirty="0"/>
+          </a:p>
+          <a:p>
+            <a:r>
+              <a:rPr lang="fr-CA" dirty="0" err="1"/>
+              <a:t>Toggle</a:t>
+            </a:r>
+            <a:r>
+              <a:rPr lang="fr-CA" dirty="0"/>
+              <a:t> le </a:t>
+            </a:r>
+            <a:r>
+              <a:rPr lang="fr-CA" dirty="0" err="1"/>
+              <a:t>expensive</a:t>
+            </a:r>
+            <a:r>
+              <a:rPr lang="fr-CA" dirty="0"/>
+              <a:t> </a:t>
+            </a:r>
+            <a:r>
+              <a:rPr lang="fr-CA" dirty="0" err="1"/>
+              <a:t>render</a:t>
+            </a:r>
+            <a:endParaRPr lang="fr-CA" dirty="0"/>
+          </a:p>
+          <a:p>
+            <a:pPr lvl="1"/>
+            <a:r>
+              <a:rPr lang="fr-CA" dirty="0"/>
+              <a:t>Trouver à l’aide du Profiler l’élément le plus couteux à </a:t>
+            </a:r>
+            <a:r>
+              <a:rPr lang="fr-CA" dirty="0" err="1"/>
+              <a:t>render</a:t>
+            </a:r>
+            <a:endParaRPr lang="fr-CA" dirty="0"/>
+          </a:p>
+          <a:p>
+            <a:r>
+              <a:rPr lang="fr-CA" dirty="0"/>
+              <a:t>Fixer le bug que si je fais un remake, je re-</a:t>
+            </a:r>
+            <a:r>
+              <a:rPr lang="fr-CA" dirty="0" err="1"/>
+              <a:t>render</a:t>
+            </a:r>
+            <a:r>
+              <a:rPr lang="fr-CA" dirty="0"/>
+              <a:t> pas toutes les autres </a:t>
+            </a:r>
+            <a:r>
+              <a:rPr lang="fr-CA"/>
+              <a:t>rows</a:t>
+            </a:r>
+            <a:endParaRPr lang="fr-CA" dirty="0"/>
+          </a:p>
+          <a:p>
+            <a:endParaRPr lang="fr-CA" dirty="0"/>
+          </a:p>
+          <a:p>
+            <a:endParaRPr lang="fr-CA" dirty="0"/>
+          </a:p>
+          <a:p>
+            <a:pPr marL="0" indent="0">
+              <a:buNone/>
+            </a:pPr>
+            <a:endParaRPr lang="fr-CA" dirty="0"/>
           </a:p>
         </p:txBody>
       </p:sp>
     </p:spTree>
     <p:extLst>
       <p:ext uri="{BB962C8B-B14F-4D97-AF65-F5344CB8AC3E}">
-        <p14:creationId xmlns:p14="http://schemas.microsoft.com/office/powerpoint/2010/main" val="1833262637"/>
+        <p14:creationId xmlns:p14="http://schemas.microsoft.com/office/powerpoint/2010/main" val="2296881951"/>
       </p:ext>
     </p:extLst>
   </p:cSld>
@@ -7971,7 +10489,7 @@
 </p:sld>
 </file>
 
-<file path=ppt/slides/slide22.xml><?xml version="1.0" encoding="utf-8"?>
+<file path=ppt/slides/slide35.xml><?xml version="1.0" encoding="utf-8"?>
 <p:sld xmlns:a="http://schemas.openxmlformats.org/drawingml/2006/main" xmlns:r="http://schemas.openxmlformats.org/officeDocument/2006/relationships" xmlns:p="http://schemas.openxmlformats.org/presentationml/2006/main">
   <p:cSld>
     <p:spTree>
@@ -8010,21 +10528,14 @@
           <a:lstStyle/>
           <a:p>
             <a:r>
-              <a:rPr lang="fr-CA" dirty="0" err="1"/>
-              <a:t>React</a:t>
-            </a:r>
-            <a:r>
-              <a:rPr lang="fr-CA" dirty="0"/>
-              <a:t> Profiler (</a:t>
-            </a:r>
-            <a:r>
-              <a:rPr lang="fr-CA" dirty="0" err="1"/>
-              <a:t>todo</a:t>
-            </a:r>
-            <a:r>
-              <a:rPr lang="fr-CA" dirty="0"/>
-              <a:t>)</a:t>
-            </a:r>
+              <a:rPr lang="fr-CA" dirty="0"/>
+              <a:t>DIY </a:t>
+            </a:r>
+            <a:r>
+              <a:rPr lang="fr-CA" dirty="0" err="1"/>
+              <a:t>Tooling</a:t>
+            </a:r>
+            <a:endParaRPr lang="fr-CA" dirty="0"/>
           </a:p>
         </p:txBody>
       </p:sp>
@@ -8044,137 +10555,61 @@
             <p:ph idx="1"/>
           </p:nvPr>
         </p:nvSpPr>
-        <p:spPr>
-          <a:xfrm>
-            <a:off x="838200" y="1825625"/>
-            <a:ext cx="10515600" cy="4351338"/>
-          </a:xfrm>
-        </p:spPr>
-        <p:txBody>
-          <a:bodyPr>
-            <a:normAutofit/>
-          </a:bodyPr>
+        <p:spPr/>
+        <p:txBody>
+          <a:bodyPr/>
           <a:lstStyle/>
           <a:p>
             <a:pPr marL="0" indent="0">
               <a:buNone/>
             </a:pPr>
             <a:r>
-              <a:rPr lang="fr-CA" dirty="0"/>
-              <a:t>Rappel 2 étapes importantes de </a:t>
-            </a:r>
-            <a:r>
-              <a:rPr lang="fr-CA" dirty="0" err="1"/>
-              <a:t>React</a:t>
-            </a:r>
-            <a:endParaRPr lang="fr-CA" dirty="0"/>
-          </a:p>
-          <a:p>
-            <a:r>
-              <a:rPr lang="fr-CA" dirty="0" err="1"/>
-              <a:t>Render</a:t>
-            </a:r>
-            <a:r>
-              <a:rPr lang="fr-CA" dirty="0"/>
-              <a:t>: </a:t>
-            </a:r>
-            <a:r>
-              <a:rPr lang="fr-CA" dirty="0" err="1"/>
-              <a:t>React</a:t>
-            </a:r>
-            <a:r>
-              <a:rPr lang="fr-CA" dirty="0"/>
-              <a:t> détermine ce qui change par rapport précédent </a:t>
-            </a:r>
-            <a:r>
-              <a:rPr lang="fr-CA" dirty="0" err="1"/>
-              <a:t>render</a:t>
-            </a:r>
-            <a:endParaRPr lang="fr-CA" dirty="0"/>
-          </a:p>
-          <a:p>
-            <a:r>
-              <a:rPr lang="fr-CA" dirty="0"/>
-              <a:t>Commit: </a:t>
-            </a:r>
-            <a:r>
-              <a:rPr lang="fr-CA" dirty="0" err="1"/>
-              <a:t>React</a:t>
-            </a:r>
-            <a:r>
-              <a:rPr lang="fr-CA" dirty="0"/>
-              <a:t> applique les changements nécessaires au DOM</a:t>
-            </a:r>
-          </a:p>
-          <a:p>
+              <a:rPr lang="fr-CA" dirty="0">
+                <a:hlinkClick r:id="rId2"/>
+              </a:rPr>
+              <a:t>https://scotch.io/tutorials/use-the-react-profiler-for-performance</a:t>
+            </a:r>
             <a:endParaRPr lang="fr-CA" dirty="0"/>
           </a:p>
           <a:p>
             <a:pPr marL="0" indent="0">
               <a:buNone/>
             </a:pPr>
-            <a:r>
-              <a:rPr lang="fr-CA" dirty="0"/>
-              <a:t>Le profiling focus à trouver les problèmes au niveau du commit.</a:t>
-            </a:r>
-          </a:p>
-          <a:p>
-            <a:r>
-              <a:rPr lang="fr-CA" dirty="0"/>
-              <a:t>Le temps de </a:t>
-            </a:r>
-            <a:r>
-              <a:rPr lang="fr-CA" dirty="0" err="1"/>
-              <a:t>render</a:t>
-            </a:r>
-            <a:r>
-              <a:rPr lang="fr-CA" dirty="0"/>
-              <a:t> par component</a:t>
-            </a:r>
-          </a:p>
-          <a:p>
-            <a:r>
-              <a:rPr lang="fr-CA" dirty="0"/>
-              <a:t>Le nombre de fois qu’il se fait </a:t>
-            </a:r>
-            <a:r>
-              <a:rPr lang="fr-CA" dirty="0" err="1"/>
-              <a:t>render</a:t>
-            </a:r>
             <a:endParaRPr lang="fr-CA" dirty="0"/>
           </a:p>
-        </p:txBody>
-      </p:sp>
-      <p:sp>
-        <p:nvSpPr>
-          <p:cNvPr id="5" name="Rectangle 4">
-            <a:extLst>
-              <a:ext uri="{FF2B5EF4-FFF2-40B4-BE49-F238E27FC236}">
-                <a16:creationId xmlns:a16="http://schemas.microsoft.com/office/drawing/2014/main" id="{55181D60-2660-4572-9239-7FF8F5856E9A}"/>
-              </a:ext>
-            </a:extLst>
-          </p:cNvPr>
-          <p:cNvSpPr/>
-          <p:nvPr/>
-        </p:nvSpPr>
-        <p:spPr>
-          <a:xfrm>
-            <a:off x="838200" y="5807631"/>
-            <a:ext cx="5013960" cy="369332"/>
-          </a:xfrm>
-          <a:prstGeom prst="rect">
-            <a:avLst/>
-          </a:prstGeom>
-        </p:spPr>
-        <p:txBody>
-          <a:bodyPr wrap="square">
-            <a:spAutoFit/>
-          </a:bodyPr>
-          <a:lstStyle/>
-          <a:p>
-            <a:r>
-              <a:rPr lang="fr-CA" dirty="0"/>
-              <a:t>Démo: /Profiling Tools</a:t>
+          <a:p>
+            <a:pPr marL="0" indent="0">
+              <a:buNone/>
+            </a:pPr>
+            <a:r>
+              <a:rPr lang="fr-CA" dirty="0"/>
+              <a:t>Exemple comment profiler à aider à </a:t>
+            </a:r>
+            <a:r>
+              <a:rPr lang="fr-CA" dirty="0" err="1"/>
+              <a:t>debug</a:t>
+            </a:r>
+            <a:r>
+              <a:rPr lang="fr-CA" dirty="0"/>
+              <a:t> un problème chez </a:t>
+            </a:r>
+            <a:r>
+              <a:rPr lang="fr-CA" dirty="0" err="1"/>
+              <a:t>Netlify</a:t>
+            </a:r>
+            <a:r>
+              <a:rPr lang="fr-CA" dirty="0"/>
+              <a:t>: </a:t>
+            </a:r>
+            <a:r>
+              <a:rPr lang="fr-CA" dirty="0">
+                <a:hlinkClick r:id="rId3"/>
+              </a:rPr>
+              <a:t>https://www.netlify.com/blog/2018/08/29/using-the-react-devtools-profiler-to-diagnose-react-app-performance-issues/</a:t>
+            </a:r>
+            <a:r>
+              <a:rPr lang="fr-CA" dirty="0"/>
+              <a:t> </a:t>
             </a:r>
           </a:p>
         </p:txBody>
@@ -8182,7 +10617,7 @@
     </p:spTree>
     <p:extLst>
       <p:ext uri="{BB962C8B-B14F-4D97-AF65-F5344CB8AC3E}">
-        <p14:creationId xmlns:p14="http://schemas.microsoft.com/office/powerpoint/2010/main" val="1015803924"/>
+        <p14:creationId xmlns:p14="http://schemas.microsoft.com/office/powerpoint/2010/main" val="125434973"/>
       </p:ext>
     </p:extLst>
   </p:cSld>
@@ -8192,7 +10627,7 @@
 </p:sld>
 </file>
 
-<file path=ppt/slides/slide23.xml><?xml version="1.0" encoding="utf-8"?>
+<file path=ppt/slides/slide4.xml><?xml version="1.0" encoding="utf-8"?>
 <p:sld xmlns:a="http://schemas.openxmlformats.org/drawingml/2006/main" xmlns:r="http://schemas.openxmlformats.org/officeDocument/2006/relationships" xmlns:p="http://schemas.openxmlformats.org/presentationml/2006/main">
   <p:cSld>
     <p:spTree>
@@ -8214,140 +10649,6 @@
           <p:cNvPr id="2" name="Title 1">
             <a:extLst>
               <a:ext uri="{FF2B5EF4-FFF2-40B4-BE49-F238E27FC236}">
-                <a16:creationId xmlns:a16="http://schemas.microsoft.com/office/drawing/2014/main" id="{BBA7C400-A4FE-4EBB-924E-57B007DF095C}"/>
-              </a:ext>
-            </a:extLst>
-          </p:cNvPr>
-          <p:cNvSpPr>
-            <a:spLocks noGrp="1"/>
-          </p:cNvSpPr>
-          <p:nvPr>
-            <p:ph type="title"/>
-          </p:nvPr>
-        </p:nvSpPr>
-        <p:spPr/>
-        <p:txBody>
-          <a:bodyPr/>
-          <a:lstStyle/>
-          <a:p>
-            <a:r>
-              <a:rPr lang="fr-CA" dirty="0" err="1"/>
-              <a:t>Tooling</a:t>
-            </a:r>
-            <a:endParaRPr lang="fr-CA" dirty="0"/>
-          </a:p>
-        </p:txBody>
-      </p:sp>
-      <p:sp>
-        <p:nvSpPr>
-          <p:cNvPr id="3" name="Content Placeholder 2">
-            <a:extLst>
-              <a:ext uri="{FF2B5EF4-FFF2-40B4-BE49-F238E27FC236}">
-                <a16:creationId xmlns:a16="http://schemas.microsoft.com/office/drawing/2014/main" id="{283FD2DC-9271-40AA-9767-9A3B47CC7110}"/>
-              </a:ext>
-            </a:extLst>
-          </p:cNvPr>
-          <p:cNvSpPr>
-            <a:spLocks noGrp="1"/>
-          </p:cNvSpPr>
-          <p:nvPr>
-            <p:ph idx="1"/>
-          </p:nvPr>
-        </p:nvSpPr>
-        <p:spPr/>
-        <p:txBody>
-          <a:bodyPr/>
-          <a:lstStyle/>
-          <a:p>
-            <a:pPr marL="0" indent="0">
-              <a:buNone/>
-            </a:pPr>
-            <a:r>
-              <a:rPr lang="fr-CA" dirty="0">
-                <a:hlinkClick r:id="rId2"/>
-              </a:rPr>
-              <a:t>https://scotch.io/tutorials/use-the-react-profiler-for-performance</a:t>
-            </a:r>
-            <a:endParaRPr lang="fr-CA" dirty="0"/>
-          </a:p>
-          <a:p>
-            <a:pPr marL="0" indent="0">
-              <a:buNone/>
-            </a:pPr>
-            <a:endParaRPr lang="fr-CA" dirty="0"/>
-          </a:p>
-          <a:p>
-            <a:pPr marL="0" indent="0">
-              <a:buNone/>
-            </a:pPr>
-            <a:r>
-              <a:rPr lang="fr-CA" dirty="0"/>
-              <a:t>Exemple comment profiler à aider à </a:t>
-            </a:r>
-            <a:r>
-              <a:rPr lang="fr-CA" dirty="0" err="1"/>
-              <a:t>debug</a:t>
-            </a:r>
-            <a:r>
-              <a:rPr lang="fr-CA" dirty="0"/>
-              <a:t> un problème chez </a:t>
-            </a:r>
-            <a:r>
-              <a:rPr lang="fr-CA" dirty="0" err="1"/>
-              <a:t>Netlify</a:t>
-            </a:r>
-            <a:r>
-              <a:rPr lang="fr-CA" dirty="0"/>
-              <a:t>: </a:t>
-            </a:r>
-            <a:r>
-              <a:rPr lang="fr-CA" dirty="0">
-                <a:hlinkClick r:id="rId3"/>
-              </a:rPr>
-              <a:t>https://www.netlify.com/blog/2018/08/29/using-the-react-devtools-profiler-to-diagnose-react-app-performance-issues/</a:t>
-            </a:r>
-            <a:r>
-              <a:rPr lang="fr-CA" dirty="0"/>
-              <a:t> </a:t>
-            </a:r>
-          </a:p>
-        </p:txBody>
-      </p:sp>
-    </p:spTree>
-    <p:extLst>
-      <p:ext uri="{BB962C8B-B14F-4D97-AF65-F5344CB8AC3E}">
-        <p14:creationId xmlns:p14="http://schemas.microsoft.com/office/powerpoint/2010/main" val="125434973"/>
-      </p:ext>
-    </p:extLst>
-  </p:cSld>
-  <p:clrMapOvr>
-    <a:masterClrMapping/>
-  </p:clrMapOvr>
-</p:sld>
-</file>
-
-<file path=ppt/slides/slide3.xml><?xml version="1.0" encoding="utf-8"?>
-<p:sld xmlns:a="http://schemas.openxmlformats.org/drawingml/2006/main" xmlns:r="http://schemas.openxmlformats.org/officeDocument/2006/relationships" xmlns:p="http://schemas.openxmlformats.org/presentationml/2006/main">
-  <p:cSld>
-    <p:spTree>
-      <p:nvGrpSpPr>
-        <p:cNvPr id="1" name=""/>
-        <p:cNvGrpSpPr/>
-        <p:nvPr/>
-      </p:nvGrpSpPr>
-      <p:grpSpPr>
-        <a:xfrm>
-          <a:off x="0" y="0"/>
-          <a:ext cx="0" cy="0"/>
-          <a:chOff x="0" y="0"/>
-          <a:chExt cx="0" cy="0"/>
-        </a:xfrm>
-      </p:grpSpPr>
-      <p:sp>
-        <p:nvSpPr>
-          <p:cNvPr id="2" name="Title 1">
-            <a:extLst>
-              <a:ext uri="{FF2B5EF4-FFF2-40B4-BE49-F238E27FC236}">
                 <a16:creationId xmlns:a16="http://schemas.microsoft.com/office/drawing/2014/main" id="{EF435190-7681-4868-88EA-BB715AE4DE7F}"/>
               </a:ext>
             </a:extLst>
@@ -8470,22 +10771,9 @@
             <a:endParaRPr lang="fr-CA" dirty="0"/>
           </a:p>
           <a:p>
-            <a:pPr marL="0" indent="0">
+            <a:pPr marL="457200" lvl="1" indent="0">
               <a:buNone/>
             </a:pPr>
-            <a:endParaRPr lang="fr-CA" dirty="0"/>
-          </a:p>
-          <a:p>
-            <a:pPr marL="0" indent="0">
-              <a:buNone/>
-            </a:pPr>
-            <a:r>
-              <a:rPr lang="fr-CA" dirty="0"/>
-              <a:t>Démo: « 1-classic-dom.html »</a:t>
-            </a:r>
-          </a:p>
-          <a:p>
-            <a:pPr lvl="1"/>
             <a:endParaRPr lang="fr-CA" dirty="0"/>
           </a:p>
           <a:p>
@@ -8560,7 +10848,147 @@
 </p:sld>
 </file>
 
-<file path=ppt/slides/slide4.xml><?xml version="1.0" encoding="utf-8"?>
+<file path=ppt/slides/slide5.xml><?xml version="1.0" encoding="utf-8"?>
+<p:sld xmlns:a="http://schemas.openxmlformats.org/drawingml/2006/main" xmlns:r="http://schemas.openxmlformats.org/officeDocument/2006/relationships" xmlns:p="http://schemas.openxmlformats.org/presentationml/2006/main">
+  <p:cSld>
+    <p:spTree>
+      <p:nvGrpSpPr>
+        <p:cNvPr id="1" name=""/>
+        <p:cNvGrpSpPr/>
+        <p:nvPr/>
+      </p:nvGrpSpPr>
+      <p:grpSpPr>
+        <a:xfrm>
+          <a:off x="0" y="0"/>
+          <a:ext cx="0" cy="0"/>
+          <a:chOff x="0" y="0"/>
+          <a:chExt cx="0" cy="0"/>
+        </a:xfrm>
+      </p:grpSpPr>
+      <p:sp>
+        <p:nvSpPr>
+          <p:cNvPr id="2" name="Title 1">
+            <a:extLst>
+              <a:ext uri="{FF2B5EF4-FFF2-40B4-BE49-F238E27FC236}">
+                <a16:creationId xmlns:a16="http://schemas.microsoft.com/office/drawing/2014/main" id="{B563AAB1-5271-40EE-B47D-8A5B583DFACA}"/>
+              </a:ext>
+            </a:extLst>
+          </p:cNvPr>
+          <p:cNvSpPr>
+            <a:spLocks noGrp="1"/>
+          </p:cNvSpPr>
+          <p:nvPr>
+            <p:ph type="title"/>
+          </p:nvPr>
+        </p:nvSpPr>
+        <p:spPr/>
+        <p:txBody>
+          <a:bodyPr/>
+          <a:lstStyle/>
+          <a:p>
+            <a:r>
+              <a:rPr lang="fr-CA" dirty="0"/>
+              <a:t>Exos #1: « 1-classic-dom.html »</a:t>
+            </a:r>
+          </a:p>
+        </p:txBody>
+      </p:sp>
+      <p:sp>
+        <p:nvSpPr>
+          <p:cNvPr id="3" name="Content Placeholder 2">
+            <a:extLst>
+              <a:ext uri="{FF2B5EF4-FFF2-40B4-BE49-F238E27FC236}">
+                <a16:creationId xmlns:a16="http://schemas.microsoft.com/office/drawing/2014/main" id="{6C51CD11-FD9D-441F-8FC2-75D3724939F9}"/>
+              </a:ext>
+            </a:extLst>
+          </p:cNvPr>
+          <p:cNvSpPr>
+            <a:spLocks noGrp="1"/>
+          </p:cNvSpPr>
+          <p:nvPr>
+            <p:ph idx="1"/>
+          </p:nvPr>
+        </p:nvSpPr>
+        <p:spPr/>
+        <p:txBody>
+          <a:bodyPr/>
+          <a:lstStyle/>
+          <a:p>
+            <a:r>
+              <a:rPr lang="fr-CA" dirty="0"/>
+              <a:t>Comprendre comment les méthodes suivantes fonctionnent:</a:t>
+            </a:r>
+          </a:p>
+          <a:p>
+            <a:pPr lvl="1"/>
+            <a:r>
+              <a:rPr lang="fr-CA" dirty="0" err="1"/>
+              <a:t>querySelector</a:t>
+            </a:r>
+            <a:endParaRPr lang="fr-CA" dirty="0"/>
+          </a:p>
+          <a:p>
+            <a:pPr lvl="1"/>
+            <a:r>
+              <a:rPr lang="fr-CA" dirty="0" err="1"/>
+              <a:t>createElement</a:t>
+            </a:r>
+            <a:endParaRPr lang="fr-CA" dirty="0"/>
+          </a:p>
+          <a:p>
+            <a:pPr lvl="1"/>
+            <a:r>
+              <a:rPr lang="fr-CA" dirty="0" err="1"/>
+              <a:t>setAttribute</a:t>
+            </a:r>
+            <a:endParaRPr lang="fr-CA" dirty="0"/>
+          </a:p>
+          <a:p>
+            <a:pPr lvl="1"/>
+            <a:r>
+              <a:rPr lang="fr-CA" dirty="0" err="1"/>
+              <a:t>createTextNode</a:t>
+            </a:r>
+            <a:endParaRPr lang="fr-CA" dirty="0"/>
+          </a:p>
+          <a:p>
+            <a:r>
+              <a:rPr lang="fr-CA" dirty="0"/>
+              <a:t>Ajouter un paragraphe de </a:t>
+            </a:r>
+            <a:r>
+              <a:rPr lang="fr-CA" dirty="0" err="1"/>
+              <a:t>liquor</a:t>
+            </a:r>
+            <a:r>
+              <a:rPr lang="fr-CA" dirty="0"/>
+              <a:t> </a:t>
+            </a:r>
+            <a:r>
+              <a:rPr lang="fr-CA" dirty="0" err="1"/>
+              <a:t>lipsum</a:t>
+            </a:r>
+            <a:r>
+              <a:rPr lang="fr-CA" dirty="0"/>
+              <a:t> en dessous du header (https://liquoripsum.com/)</a:t>
+            </a:r>
+          </a:p>
+        </p:txBody>
+      </p:sp>
+    </p:spTree>
+    <p:extLst>
+      <p:ext uri="{BB962C8B-B14F-4D97-AF65-F5344CB8AC3E}">
+        <p14:creationId xmlns:p14="http://schemas.microsoft.com/office/powerpoint/2010/main" val="1995152333"/>
+      </p:ext>
+    </p:extLst>
+  </p:cSld>
+  <p:clrMapOvr>
+    <a:masterClrMapping/>
+  </p:clrMapOvr>
+</p:sld>
+</file>
+
+<file path=ppt/slides/slide6.xml><?xml version="1.0" encoding="utf-8"?>
 <p:sld xmlns:a="http://schemas.openxmlformats.org/drawingml/2006/main" xmlns:r="http://schemas.openxmlformats.org/officeDocument/2006/relationships" xmlns:p="http://schemas.openxmlformats.org/presentationml/2006/main">
   <p:cSld>
     <p:spTree>
@@ -8832,7 +11260,98 @@
 </p:sld>
 </file>
 
-<file path=ppt/slides/slide5.xml><?xml version="1.0" encoding="utf-8"?>
+<file path=ppt/slides/slide7.xml><?xml version="1.0" encoding="utf-8"?>
+<p:sld xmlns:a="http://schemas.openxmlformats.org/drawingml/2006/main" xmlns:r="http://schemas.openxmlformats.org/officeDocument/2006/relationships" xmlns:p="http://schemas.openxmlformats.org/presentationml/2006/main">
+  <p:cSld>
+    <p:spTree>
+      <p:nvGrpSpPr>
+        <p:cNvPr id="1" name=""/>
+        <p:cNvGrpSpPr/>
+        <p:nvPr/>
+      </p:nvGrpSpPr>
+      <p:grpSpPr>
+        <a:xfrm>
+          <a:off x="0" y="0"/>
+          <a:ext cx="0" cy="0"/>
+          <a:chOff x="0" y="0"/>
+          <a:chExt cx="0" cy="0"/>
+        </a:xfrm>
+      </p:grpSpPr>
+      <p:sp>
+        <p:nvSpPr>
+          <p:cNvPr id="4" name="Title 3">
+            <a:extLst>
+              <a:ext uri="{FF2B5EF4-FFF2-40B4-BE49-F238E27FC236}">
+                <a16:creationId xmlns:a16="http://schemas.microsoft.com/office/drawing/2014/main" id="{B75295A1-A828-4ADA-BCE1-4C8896295C27}"/>
+              </a:ext>
+            </a:extLst>
+          </p:cNvPr>
+          <p:cNvSpPr>
+            <a:spLocks noGrp="1"/>
+          </p:cNvSpPr>
+          <p:nvPr>
+            <p:ph type="title"/>
+          </p:nvPr>
+        </p:nvSpPr>
+        <p:spPr/>
+        <p:txBody>
+          <a:bodyPr/>
+          <a:lstStyle/>
+          <a:p>
+            <a:r>
+              <a:rPr lang="fr-CA" dirty="0"/>
+              <a:t>2 - </a:t>
+            </a:r>
+            <a:r>
+              <a:rPr lang="fr-CA" dirty="0" err="1"/>
+              <a:t>React</a:t>
+            </a:r>
+            <a:r>
+              <a:rPr lang="fr-CA" dirty="0"/>
+              <a:t> Building Block</a:t>
+            </a:r>
+          </a:p>
+        </p:txBody>
+      </p:sp>
+      <p:sp>
+        <p:nvSpPr>
+          <p:cNvPr id="5" name="Text Placeholder 4">
+            <a:extLst>
+              <a:ext uri="{FF2B5EF4-FFF2-40B4-BE49-F238E27FC236}">
+                <a16:creationId xmlns:a16="http://schemas.microsoft.com/office/drawing/2014/main" id="{9AB539E5-379D-48F0-A141-68E22F6ED824}"/>
+              </a:ext>
+            </a:extLst>
+          </p:cNvPr>
+          <p:cNvSpPr>
+            <a:spLocks noGrp="1"/>
+          </p:cNvSpPr>
+          <p:nvPr>
+            <p:ph type="body" idx="1"/>
+          </p:nvPr>
+        </p:nvSpPr>
+        <p:spPr/>
+        <p:txBody>
+          <a:bodyPr/>
+          <a:lstStyle/>
+          <a:p>
+            <a:endParaRPr lang="fr-CA"/>
+          </a:p>
+        </p:txBody>
+      </p:sp>
+    </p:spTree>
+    <p:extLst>
+      <p:ext uri="{BB962C8B-B14F-4D97-AF65-F5344CB8AC3E}">
+        <p14:creationId xmlns:p14="http://schemas.microsoft.com/office/powerpoint/2010/main" val="745899161"/>
+      </p:ext>
+    </p:extLst>
+  </p:cSld>
+  <p:clrMapOvr>
+    <a:masterClrMapping/>
+  </p:clrMapOvr>
+</p:sld>
+</file>
+
+<file path=ppt/slides/slide8.xml><?xml version="1.0" encoding="utf-8"?>
 <p:sld xmlns:a="http://schemas.openxmlformats.org/drawingml/2006/main" xmlns:r="http://schemas.openxmlformats.org/officeDocument/2006/relationships" xmlns:p="http://schemas.openxmlformats.org/presentationml/2006/main">
   <p:cSld>
     <p:spTree>
@@ -9266,7 +11785,7 @@
 </p:sld>
 </file>
 
-<file path=ppt/slides/slide6.xml><?xml version="1.0" encoding="utf-8"?>
+<file path=ppt/slides/slide9.xml><?xml version="1.0" encoding="utf-8"?>
 <p:sld xmlns:a="http://schemas.openxmlformats.org/drawingml/2006/main" xmlns:r="http://schemas.openxmlformats.org/officeDocument/2006/relationships" xmlns:p="http://schemas.openxmlformats.org/presentationml/2006/main">
   <p:cSld>
     <p:spTree>
@@ -9369,7 +11888,7 @@
           <p:nvPr>
             <p:extLst>
               <p:ext uri="{D42A27DB-BD31-4B8C-83A1-F6EECF244321}">
-                <p14:modId xmlns:p14="http://schemas.microsoft.com/office/powerpoint/2010/main" val="4072590611"/>
+                <p14:modId xmlns:p14="http://schemas.microsoft.com/office/powerpoint/2010/main" val="993084107"/>
               </p:ext>
             </p:extLst>
           </p:nvPr>
@@ -9797,8 +12316,13 @@
                       </a:r>
                       <a:r>
                         <a:rPr lang="fr-CA" dirty="0"/>
-                        <a:t> Fragment</a:t>
-                      </a:r>
+                        <a:t> Fragment (</a:t>
+                      </a:r>
+                      <a:r>
+                        <a:rPr lang="en-CA"/>
+                        <a:t>&lt;&gt;&lt;/&gt;)</a:t>
+                      </a:r>
+                      <a:endParaRPr lang="fr-CA" dirty="0"/>
                     </a:p>
                     <a:p>
                       <a:pPr marL="285750" indent="-285750">
@@ -9806,10 +12330,13 @@
                         <a:buChar char="•"/>
                       </a:pPr>
                       <a:r>
-                        <a:rPr lang="fr-CA" dirty="0" err="1"/>
-                        <a:t>Bool</a:t>
-                      </a:r>
-                      <a:endParaRPr lang="fr-CA" dirty="0"/>
+                        <a:rPr lang="fr-CA"/>
+                        <a:t>Bool (étrange! </a:t>
+                      </a:r>
+                      <a:r>
+                        <a:rPr lang="fr-CA" dirty="0"/>
+                        <a:t>On va voir pourquoi à fin)</a:t>
+                      </a:r>
                     </a:p>
                   </a:txBody>
                   <a:tcPr/>
@@ -9854,856 +12381,10 @@
           </a:prstGeom>
         </p:spPr>
       </p:pic>
-      <p:sp>
-        <p:nvSpPr>
-          <p:cNvPr id="11" name="TextBox 10">
-            <a:extLst>
-              <a:ext uri="{FF2B5EF4-FFF2-40B4-BE49-F238E27FC236}">
-                <a16:creationId xmlns:a16="http://schemas.microsoft.com/office/drawing/2014/main" id="{BF715E05-7E6D-4E54-85C3-F55D129D4C54}"/>
-              </a:ext>
-            </a:extLst>
-          </p:cNvPr>
-          <p:cNvSpPr txBox="1"/>
-          <p:nvPr/>
-        </p:nvSpPr>
-        <p:spPr>
-          <a:xfrm>
-            <a:off x="401424" y="6098231"/>
-            <a:ext cx="4345223" cy="461665"/>
-          </a:xfrm>
-          <a:prstGeom prst="rect">
-            <a:avLst/>
-          </a:prstGeom>
-          <a:noFill/>
-        </p:spPr>
-        <p:txBody>
-          <a:bodyPr wrap="square" rtlCol="0">
-            <a:spAutoFit/>
-          </a:bodyPr>
-          <a:lstStyle/>
-          <a:p>
-            <a:r>
-              <a:rPr lang="fr-CA" sz="2400" dirty="0"/>
-              <a:t>Démo: « 2-react-element.html »</a:t>
-            </a:r>
-          </a:p>
-        </p:txBody>
-      </p:sp>
     </p:spTree>
     <p:extLst>
       <p:ext uri="{BB962C8B-B14F-4D97-AF65-F5344CB8AC3E}">
         <p14:creationId xmlns:p14="http://schemas.microsoft.com/office/powerpoint/2010/main" val="300338475"/>
-      </p:ext>
-    </p:extLst>
-  </p:cSld>
-  <p:clrMapOvr>
-    <a:masterClrMapping/>
-  </p:clrMapOvr>
-</p:sld>
-</file>
-
-<file path=ppt/slides/slide7.xml><?xml version="1.0" encoding="utf-8"?>
-<p:sld xmlns:a="http://schemas.openxmlformats.org/drawingml/2006/main" xmlns:r="http://schemas.openxmlformats.org/officeDocument/2006/relationships" xmlns:p="http://schemas.openxmlformats.org/presentationml/2006/main">
-  <p:cSld>
-    <p:spTree>
-      <p:nvGrpSpPr>
-        <p:cNvPr id="1" name=""/>
-        <p:cNvGrpSpPr/>
-        <p:nvPr/>
-      </p:nvGrpSpPr>
-      <p:grpSpPr>
-        <a:xfrm>
-          <a:off x="0" y="0"/>
-          <a:ext cx="0" cy="0"/>
-          <a:chOff x="0" y="0"/>
-          <a:chExt cx="0" cy="0"/>
-        </a:xfrm>
-      </p:grpSpPr>
-      <p:sp>
-        <p:nvSpPr>
-          <p:cNvPr id="2" name="Title 1">
-            <a:extLst>
-              <a:ext uri="{FF2B5EF4-FFF2-40B4-BE49-F238E27FC236}">
-                <a16:creationId xmlns:a16="http://schemas.microsoft.com/office/drawing/2014/main" id="{D6D490E6-4965-494E-BF76-DFF0E69167B8}"/>
-              </a:ext>
-            </a:extLst>
-          </p:cNvPr>
-          <p:cNvSpPr>
-            <a:spLocks noGrp="1"/>
-          </p:cNvSpPr>
-          <p:nvPr>
-            <p:ph type="title"/>
-          </p:nvPr>
-        </p:nvSpPr>
-        <p:spPr/>
-        <p:txBody>
-          <a:bodyPr/>
-          <a:lstStyle/>
-          <a:p>
-            <a:r>
-              <a:rPr lang="fr-CA" dirty="0" err="1"/>
-              <a:t>Lifecycle</a:t>
-            </a:r>
-            <a:r>
-              <a:rPr lang="fr-CA" dirty="0"/>
-              <a:t> d’un </a:t>
-            </a:r>
-            <a:r>
-              <a:rPr lang="fr-CA" dirty="0" err="1"/>
-              <a:t>ReactElement</a:t>
-            </a:r>
-            <a:endParaRPr lang="fr-CA" dirty="0"/>
-          </a:p>
-        </p:txBody>
-      </p:sp>
-      <p:pic>
-        <p:nvPicPr>
-          <p:cNvPr id="5" name="Picture 4">
-            <a:extLst>
-              <a:ext uri="{FF2B5EF4-FFF2-40B4-BE49-F238E27FC236}">
-                <a16:creationId xmlns:a16="http://schemas.microsoft.com/office/drawing/2014/main" id="{DF891E32-115A-4999-AAFB-8AD0DE454662}"/>
-              </a:ext>
-            </a:extLst>
-          </p:cNvPr>
-          <p:cNvPicPr>
-            <a:picLocks noChangeAspect="1"/>
-          </p:cNvPicPr>
-          <p:nvPr/>
-        </p:nvPicPr>
-        <p:blipFill>
-          <a:blip r:embed="rId2"/>
-          <a:stretch>
-            <a:fillRect/>
-          </a:stretch>
-        </p:blipFill>
-        <p:spPr>
-          <a:xfrm>
-            <a:off x="1040556" y="2544361"/>
-            <a:ext cx="3849493" cy="1602763"/>
-          </a:xfrm>
-          <a:prstGeom prst="rect">
-            <a:avLst/>
-          </a:prstGeom>
-        </p:spPr>
-      </p:pic>
-      <p:pic>
-        <p:nvPicPr>
-          <p:cNvPr id="6" name="Picture 5">
-            <a:extLst>
-              <a:ext uri="{FF2B5EF4-FFF2-40B4-BE49-F238E27FC236}">
-                <a16:creationId xmlns:a16="http://schemas.microsoft.com/office/drawing/2014/main" id="{C6972F70-0B81-42AB-9D11-3AAE20384478}"/>
-              </a:ext>
-            </a:extLst>
-          </p:cNvPr>
-          <p:cNvPicPr>
-            <a:picLocks noChangeAspect="1"/>
-          </p:cNvPicPr>
-          <p:nvPr/>
-        </p:nvPicPr>
-        <p:blipFill>
-          <a:blip r:embed="rId3"/>
-          <a:stretch>
-            <a:fillRect/>
-          </a:stretch>
-        </p:blipFill>
-        <p:spPr>
-          <a:xfrm>
-            <a:off x="6325105" y="2544361"/>
-            <a:ext cx="4441555" cy="1602763"/>
-          </a:xfrm>
-          <a:prstGeom prst="rect">
-            <a:avLst/>
-          </a:prstGeom>
-        </p:spPr>
-      </p:pic>
-      <p:pic>
-        <p:nvPicPr>
-          <p:cNvPr id="7" name="Picture 6">
-            <a:extLst>
-              <a:ext uri="{FF2B5EF4-FFF2-40B4-BE49-F238E27FC236}">
-                <a16:creationId xmlns:a16="http://schemas.microsoft.com/office/drawing/2014/main" id="{520C0207-5746-4DF7-A6FA-D8C308FC33E1}"/>
-              </a:ext>
-            </a:extLst>
-          </p:cNvPr>
-          <p:cNvPicPr>
-            <a:picLocks noChangeAspect="1"/>
-          </p:cNvPicPr>
-          <p:nvPr/>
-        </p:nvPicPr>
-        <p:blipFill>
-          <a:blip r:embed="rId4"/>
-          <a:stretch>
-            <a:fillRect/>
-          </a:stretch>
-        </p:blipFill>
-        <p:spPr>
-          <a:xfrm>
-            <a:off x="6519068" y="4576618"/>
-            <a:ext cx="4072046" cy="1916257"/>
-          </a:xfrm>
-          <a:prstGeom prst="rect">
-            <a:avLst/>
-          </a:prstGeom>
-        </p:spPr>
-      </p:pic>
-      <p:sp>
-        <p:nvSpPr>
-          <p:cNvPr id="8" name="Arrow: Right 7">
-            <a:extLst>
-              <a:ext uri="{FF2B5EF4-FFF2-40B4-BE49-F238E27FC236}">
-                <a16:creationId xmlns:a16="http://schemas.microsoft.com/office/drawing/2014/main" id="{54E5E0F1-2B9D-40AF-8528-D4438701425A}"/>
-              </a:ext>
-            </a:extLst>
-          </p:cNvPr>
-          <p:cNvSpPr/>
-          <p:nvPr/>
-        </p:nvSpPr>
-        <p:spPr>
-          <a:xfrm>
-            <a:off x="5188332" y="3075709"/>
-            <a:ext cx="951345" cy="582015"/>
-          </a:xfrm>
-          <a:prstGeom prst="rightArrow">
-            <a:avLst/>
-          </a:prstGeom>
-        </p:spPr>
-        <p:style>
-          <a:lnRef idx="2">
-            <a:schemeClr val="accent1">
-              <a:shade val="50000"/>
-            </a:schemeClr>
-          </a:lnRef>
-          <a:fillRef idx="1">
-            <a:schemeClr val="accent1"/>
-          </a:fillRef>
-          <a:effectRef idx="0">
-            <a:schemeClr val="accent1"/>
-          </a:effectRef>
-          <a:fontRef idx="minor">
-            <a:schemeClr val="lt1"/>
-          </a:fontRef>
-        </p:style>
-        <p:txBody>
-          <a:bodyPr rtlCol="0" anchor="ctr"/>
-          <a:lstStyle/>
-          <a:p>
-            <a:pPr algn="ctr"/>
-            <a:endParaRPr lang="fr-CA"/>
-          </a:p>
-        </p:txBody>
-      </p:sp>
-      <p:sp>
-        <p:nvSpPr>
-          <p:cNvPr id="9" name="Arrow: Down 8">
-            <a:extLst>
-              <a:ext uri="{FF2B5EF4-FFF2-40B4-BE49-F238E27FC236}">
-                <a16:creationId xmlns:a16="http://schemas.microsoft.com/office/drawing/2014/main" id="{6B5F24F7-B10F-4CC8-8345-E8DE74C00667}"/>
-              </a:ext>
-            </a:extLst>
-          </p:cNvPr>
-          <p:cNvSpPr/>
-          <p:nvPr/>
-        </p:nvSpPr>
-        <p:spPr>
-          <a:xfrm>
-            <a:off x="8156594" y="4247161"/>
-            <a:ext cx="679508" cy="239884"/>
-          </a:xfrm>
-          <a:prstGeom prst="downArrow">
-            <a:avLst/>
-          </a:prstGeom>
-        </p:spPr>
-        <p:style>
-          <a:lnRef idx="2">
-            <a:schemeClr val="accent1">
-              <a:shade val="50000"/>
-            </a:schemeClr>
-          </a:lnRef>
-          <a:fillRef idx="1">
-            <a:schemeClr val="accent1"/>
-          </a:fillRef>
-          <a:effectRef idx="0">
-            <a:schemeClr val="accent1"/>
-          </a:effectRef>
-          <a:fontRef idx="minor">
-            <a:schemeClr val="lt1"/>
-          </a:fontRef>
-        </p:style>
-        <p:txBody>
-          <a:bodyPr rtlCol="0" anchor="ctr"/>
-          <a:lstStyle/>
-          <a:p>
-            <a:pPr algn="ctr"/>
-            <a:endParaRPr lang="fr-CA"/>
-          </a:p>
-        </p:txBody>
-      </p:sp>
-      <p:sp>
-        <p:nvSpPr>
-          <p:cNvPr id="10" name="TextBox 9">
-            <a:extLst>
-              <a:ext uri="{FF2B5EF4-FFF2-40B4-BE49-F238E27FC236}">
-                <a16:creationId xmlns:a16="http://schemas.microsoft.com/office/drawing/2014/main" id="{07F59E78-E509-4746-A9F6-C6FEF4D3885C}"/>
-              </a:ext>
-            </a:extLst>
-          </p:cNvPr>
-          <p:cNvSpPr txBox="1"/>
-          <p:nvPr/>
-        </p:nvSpPr>
-        <p:spPr>
-          <a:xfrm>
-            <a:off x="4873549" y="2579947"/>
-            <a:ext cx="1508426" cy="646331"/>
-          </a:xfrm>
-          <a:prstGeom prst="rect">
-            <a:avLst/>
-          </a:prstGeom>
-          <a:noFill/>
-        </p:spPr>
-        <p:txBody>
-          <a:bodyPr wrap="none" rtlCol="0">
-            <a:spAutoFit/>
-          </a:bodyPr>
-          <a:lstStyle/>
-          <a:p>
-            <a:pPr algn="ctr"/>
-            <a:r>
-              <a:rPr lang="en-CA" dirty="0"/>
-              <a:t>Babel compile</a:t>
-            </a:r>
-          </a:p>
-          <a:p>
-            <a:pPr algn="ctr"/>
-            <a:r>
-              <a:rPr lang="en-CA" dirty="0"/>
-              <a:t>into</a:t>
-            </a:r>
-            <a:endParaRPr lang="fr-CA" dirty="0"/>
-          </a:p>
-        </p:txBody>
-      </p:sp>
-      <p:sp>
-        <p:nvSpPr>
-          <p:cNvPr id="11" name="TextBox 10">
-            <a:extLst>
-              <a:ext uri="{FF2B5EF4-FFF2-40B4-BE49-F238E27FC236}">
-                <a16:creationId xmlns:a16="http://schemas.microsoft.com/office/drawing/2014/main" id="{2CA924B6-49D9-45BA-AE2E-66A6D9D4A9D0}"/>
-              </a:ext>
-            </a:extLst>
-          </p:cNvPr>
-          <p:cNvSpPr txBox="1"/>
-          <p:nvPr/>
-        </p:nvSpPr>
-        <p:spPr>
-          <a:xfrm>
-            <a:off x="8919992" y="4182437"/>
-            <a:ext cx="2433808" cy="369332"/>
-          </a:xfrm>
-          <a:prstGeom prst="rect">
-            <a:avLst/>
-          </a:prstGeom>
-          <a:noFill/>
-        </p:spPr>
-        <p:txBody>
-          <a:bodyPr wrap="none" rtlCol="0">
-            <a:spAutoFit/>
-          </a:bodyPr>
-          <a:lstStyle/>
-          <a:p>
-            <a:r>
-              <a:rPr lang="en-CA" dirty="0"/>
-              <a:t>Create </a:t>
-            </a:r>
-            <a:r>
-              <a:rPr lang="en-CA" dirty="0" err="1"/>
-              <a:t>Javascript</a:t>
-            </a:r>
-            <a:r>
-              <a:rPr lang="en-CA" dirty="0"/>
-              <a:t> Object</a:t>
-            </a:r>
-            <a:endParaRPr lang="fr-CA" dirty="0"/>
-          </a:p>
-        </p:txBody>
-      </p:sp>
-    </p:spTree>
-    <p:extLst>
-      <p:ext uri="{BB962C8B-B14F-4D97-AF65-F5344CB8AC3E}">
-        <p14:creationId xmlns:p14="http://schemas.microsoft.com/office/powerpoint/2010/main" val="1557852361"/>
-      </p:ext>
-    </p:extLst>
-  </p:cSld>
-  <p:clrMapOvr>
-    <a:masterClrMapping/>
-  </p:clrMapOvr>
-</p:sld>
-</file>
-
-<file path=ppt/slides/slide8.xml><?xml version="1.0" encoding="utf-8"?>
-<p:sld xmlns:a="http://schemas.openxmlformats.org/drawingml/2006/main" xmlns:r="http://schemas.openxmlformats.org/officeDocument/2006/relationships" xmlns:p="http://schemas.openxmlformats.org/presentationml/2006/main">
-  <p:cSld>
-    <p:spTree>
-      <p:nvGrpSpPr>
-        <p:cNvPr id="1" name=""/>
-        <p:cNvGrpSpPr/>
-        <p:nvPr/>
-      </p:nvGrpSpPr>
-      <p:grpSpPr>
-        <a:xfrm>
-          <a:off x="0" y="0"/>
-          <a:ext cx="0" cy="0"/>
-          <a:chOff x="0" y="0"/>
-          <a:chExt cx="0" cy="0"/>
-        </a:xfrm>
-      </p:grpSpPr>
-      <p:sp>
-        <p:nvSpPr>
-          <p:cNvPr id="2" name="Title 1">
-            <a:extLst>
-              <a:ext uri="{FF2B5EF4-FFF2-40B4-BE49-F238E27FC236}">
-                <a16:creationId xmlns:a16="http://schemas.microsoft.com/office/drawing/2014/main" id="{F7945AEA-6232-4670-B53E-ADC28E9CE141}"/>
-              </a:ext>
-            </a:extLst>
-          </p:cNvPr>
-          <p:cNvSpPr>
-            <a:spLocks noGrp="1"/>
-          </p:cNvSpPr>
-          <p:nvPr>
-            <p:ph type="title"/>
-          </p:nvPr>
-        </p:nvSpPr>
-        <p:spPr/>
-        <p:txBody>
-          <a:bodyPr/>
-          <a:lstStyle/>
-          <a:p>
-            <a:r>
-              <a:rPr lang="en-CA" dirty="0" err="1"/>
-              <a:t>Pourquoi</a:t>
-            </a:r>
-            <a:r>
-              <a:rPr lang="en-CA" dirty="0"/>
-              <a:t> un Virtual DOM</a:t>
-            </a:r>
-          </a:p>
-        </p:txBody>
-      </p:sp>
-      <p:sp>
-        <p:nvSpPr>
-          <p:cNvPr id="3" name="Content Placeholder 2">
-            <a:extLst>
-              <a:ext uri="{FF2B5EF4-FFF2-40B4-BE49-F238E27FC236}">
-                <a16:creationId xmlns:a16="http://schemas.microsoft.com/office/drawing/2014/main" id="{8FCB3598-4DA2-4E4D-80F2-A3033D71AC47}"/>
-              </a:ext>
-            </a:extLst>
-          </p:cNvPr>
-          <p:cNvSpPr>
-            <a:spLocks noGrp="1"/>
-          </p:cNvSpPr>
-          <p:nvPr>
-            <p:ph idx="1"/>
-          </p:nvPr>
-        </p:nvSpPr>
-        <p:spPr/>
-        <p:txBody>
-          <a:bodyPr/>
-          <a:lstStyle/>
-          <a:p>
-            <a:pPr marL="285750" indent="-285750"/>
-            <a:r>
-              <a:rPr lang="fr-CA" dirty="0"/>
-              <a:t>Virtual DOM est une abstraction du HTML DOM, découplé des détails d’implémentation du browser</a:t>
-            </a:r>
-          </a:p>
-          <a:p>
-            <a:pPr marL="285750" indent="-285750"/>
-            <a:r>
-              <a:rPr lang="fr-CA" dirty="0"/>
-              <a:t>Arbre de </a:t>
-            </a:r>
-            <a:r>
-              <a:rPr lang="fr-CA" dirty="0" err="1"/>
-              <a:t>ReactElement</a:t>
-            </a:r>
-            <a:endParaRPr lang="fr-CA" dirty="0"/>
-          </a:p>
-          <a:p>
-            <a:pPr marL="285750" indent="-285750"/>
-            <a:r>
-              <a:rPr lang="fr-CA" dirty="0"/>
-              <a:t>La méthode </a:t>
-            </a:r>
-            <a:r>
-              <a:rPr lang="fr-CA" dirty="0" err="1"/>
-              <a:t>React.Render</a:t>
-            </a:r>
-            <a:r>
-              <a:rPr lang="fr-CA" dirty="0"/>
-              <a:t>() transforme le </a:t>
-            </a:r>
-            <a:r>
-              <a:rPr lang="fr-CA" dirty="0" err="1"/>
-              <a:t>reactElement</a:t>
-            </a:r>
-            <a:r>
-              <a:rPr lang="fr-CA" dirty="0"/>
-              <a:t> en </a:t>
-            </a:r>
-            <a:r>
-              <a:rPr lang="fr-CA" dirty="0" err="1"/>
-              <a:t>node</a:t>
-            </a:r>
-            <a:r>
-              <a:rPr lang="fr-CA" dirty="0"/>
-              <a:t> propre à la plateforme (web ou native)</a:t>
-            </a:r>
-          </a:p>
-        </p:txBody>
-      </p:sp>
-    </p:spTree>
-    <p:extLst>
-      <p:ext uri="{BB962C8B-B14F-4D97-AF65-F5344CB8AC3E}">
-        <p14:creationId xmlns:p14="http://schemas.microsoft.com/office/powerpoint/2010/main" val="2113963184"/>
-      </p:ext>
-    </p:extLst>
-  </p:cSld>
-  <p:clrMapOvr>
-    <a:masterClrMapping/>
-  </p:clrMapOvr>
-</p:sld>
-</file>
-
-<file path=ppt/slides/slide9.xml><?xml version="1.0" encoding="utf-8"?>
-<p:sld xmlns:a="http://schemas.openxmlformats.org/drawingml/2006/main" xmlns:r="http://schemas.openxmlformats.org/officeDocument/2006/relationships" xmlns:p="http://schemas.openxmlformats.org/presentationml/2006/main">
-  <p:cSld>
-    <p:spTree>
-      <p:nvGrpSpPr>
-        <p:cNvPr id="1" name=""/>
-        <p:cNvGrpSpPr/>
-        <p:nvPr/>
-      </p:nvGrpSpPr>
-      <p:grpSpPr>
-        <a:xfrm>
-          <a:off x="0" y="0"/>
-          <a:ext cx="0" cy="0"/>
-          <a:chOff x="0" y="0"/>
-          <a:chExt cx="0" cy="0"/>
-        </a:xfrm>
-      </p:grpSpPr>
-      <p:sp>
-        <p:nvSpPr>
-          <p:cNvPr id="2" name="Title 1">
-            <a:extLst>
-              <a:ext uri="{FF2B5EF4-FFF2-40B4-BE49-F238E27FC236}">
-                <a16:creationId xmlns:a16="http://schemas.microsoft.com/office/drawing/2014/main" id="{F7945AEA-6232-4670-B53E-ADC28E9CE141}"/>
-              </a:ext>
-            </a:extLst>
-          </p:cNvPr>
-          <p:cNvSpPr>
-            <a:spLocks noGrp="1"/>
-          </p:cNvSpPr>
-          <p:nvPr>
-            <p:ph type="title"/>
-          </p:nvPr>
-        </p:nvSpPr>
-        <p:spPr/>
-        <p:txBody>
-          <a:bodyPr/>
-          <a:lstStyle/>
-          <a:p>
-            <a:r>
-              <a:rPr lang="en-CA" dirty="0" err="1"/>
-              <a:t>Pourquoi</a:t>
-            </a:r>
-            <a:r>
-              <a:rPr lang="en-CA" dirty="0"/>
-              <a:t> un Virtual DOM</a:t>
-            </a:r>
-          </a:p>
-        </p:txBody>
-      </p:sp>
-      <p:sp>
-        <p:nvSpPr>
-          <p:cNvPr id="3" name="Content Placeholder 2">
-            <a:extLst>
-              <a:ext uri="{FF2B5EF4-FFF2-40B4-BE49-F238E27FC236}">
-                <a16:creationId xmlns:a16="http://schemas.microsoft.com/office/drawing/2014/main" id="{8FCB3598-4DA2-4E4D-80F2-A3033D71AC47}"/>
-              </a:ext>
-            </a:extLst>
-          </p:cNvPr>
-          <p:cNvSpPr>
-            <a:spLocks noGrp="1"/>
-          </p:cNvSpPr>
-          <p:nvPr>
-            <p:ph idx="1"/>
-          </p:nvPr>
-        </p:nvSpPr>
-        <p:spPr/>
-        <p:txBody>
-          <a:bodyPr>
-            <a:normAutofit lnSpcReduction="10000"/>
-          </a:bodyPr>
-          <a:lstStyle/>
-          <a:p>
-            <a:r>
-              <a:rPr lang="fr-CA" dirty="0"/>
-              <a:t>Changer le DOM est très couteux et </a:t>
-            </a:r>
-            <a:r>
-              <a:rPr lang="fr-CA" dirty="0" err="1"/>
-              <a:t>innéficace</a:t>
-            </a:r>
-            <a:endParaRPr lang="fr-CA" dirty="0"/>
-          </a:p>
-          <a:p>
-            <a:pPr lvl="1"/>
-            <a:r>
-              <a:rPr lang="fr-CA" dirty="0"/>
-              <a:t>Ajouter des </a:t>
-            </a:r>
-            <a:r>
-              <a:rPr lang="fr-CA" dirty="0" err="1"/>
-              <a:t>nodes</a:t>
-            </a:r>
-            <a:r>
-              <a:rPr lang="fr-CA" dirty="0"/>
-              <a:t> et </a:t>
-            </a:r>
-            <a:r>
-              <a:rPr lang="fr-CA" dirty="0" err="1"/>
-              <a:t>attributes</a:t>
-            </a:r>
-            <a:r>
-              <a:rPr lang="fr-CA" dirty="0"/>
-              <a:t> pas couteux</a:t>
-            </a:r>
-          </a:p>
-          <a:p>
-            <a:pPr lvl="1"/>
-            <a:r>
-              <a:rPr lang="fr-CA" dirty="0"/>
-              <a:t>Recalculer CSS, </a:t>
-            </a:r>
-            <a:r>
-              <a:rPr lang="fr-CA" dirty="0" err="1"/>
-              <a:t>layout</a:t>
-            </a:r>
-            <a:r>
-              <a:rPr lang="fr-CA" dirty="0"/>
-              <a:t> et </a:t>
-            </a:r>
-            <a:r>
-              <a:rPr lang="fr-CA" dirty="0" err="1"/>
-              <a:t>repaint</a:t>
-            </a:r>
-            <a:r>
-              <a:rPr lang="fr-CA" dirty="0"/>
-              <a:t> sont très couteux</a:t>
-            </a:r>
-          </a:p>
-          <a:p>
-            <a:r>
-              <a:rPr lang="fr-CA" dirty="0"/>
-              <a:t>Comment améliore </a:t>
-            </a:r>
-          </a:p>
-          <a:p>
-            <a:pPr lvl="1"/>
-            <a:r>
-              <a:rPr lang="fr-CA" dirty="0"/>
-              <a:t>Efficient diff </a:t>
-            </a:r>
-            <a:r>
-              <a:rPr lang="fr-CA" dirty="0" err="1"/>
-              <a:t>algorithm</a:t>
-            </a:r>
-            <a:endParaRPr lang="fr-CA" dirty="0"/>
-          </a:p>
-          <a:p>
-            <a:pPr lvl="1"/>
-            <a:r>
-              <a:rPr lang="fr-CA" dirty="0" err="1"/>
-              <a:t>Batched</a:t>
-            </a:r>
-            <a:r>
-              <a:rPr lang="fr-CA" dirty="0"/>
-              <a:t> update </a:t>
-            </a:r>
-            <a:r>
-              <a:rPr lang="fr-CA" dirty="0" err="1"/>
-              <a:t>operations</a:t>
-            </a:r>
-            <a:r>
-              <a:rPr lang="fr-CA" dirty="0"/>
-              <a:t> (vs </a:t>
-            </a:r>
-            <a:r>
-              <a:rPr lang="fr-CA" dirty="0" err="1"/>
-              <a:t>many</a:t>
-            </a:r>
-            <a:r>
-              <a:rPr lang="fr-CA" dirty="0"/>
-              <a:t> </a:t>
-            </a:r>
-            <a:r>
-              <a:rPr lang="fr-CA" dirty="0" err="1"/>
-              <a:t>smallers</a:t>
-            </a:r>
-            <a:r>
-              <a:rPr lang="fr-CA" dirty="0"/>
-              <a:t>)</a:t>
-            </a:r>
-          </a:p>
-          <a:p>
-            <a:pPr lvl="2"/>
-            <a:r>
-              <a:rPr lang="fr-CA" dirty="0"/>
-              <a:t>= </a:t>
-            </a:r>
-            <a:r>
-              <a:rPr lang="fr-CA" dirty="0" err="1"/>
-              <a:t>Less</a:t>
-            </a:r>
-            <a:r>
-              <a:rPr lang="fr-CA" dirty="0"/>
-              <a:t> </a:t>
-            </a:r>
-            <a:r>
-              <a:rPr lang="fr-CA" dirty="0" err="1"/>
-              <a:t>layout</a:t>
-            </a:r>
-            <a:r>
-              <a:rPr lang="fr-CA" dirty="0"/>
-              <a:t> + </a:t>
-            </a:r>
-            <a:r>
-              <a:rPr lang="fr-CA" dirty="0" err="1"/>
-              <a:t>repaint</a:t>
-            </a:r>
-            <a:endParaRPr lang="fr-CA" dirty="0"/>
-          </a:p>
-          <a:p>
-            <a:pPr lvl="1"/>
-            <a:r>
-              <a:rPr lang="fr-CA" dirty="0"/>
-              <a:t>Efficient update of </a:t>
-            </a:r>
-            <a:r>
-              <a:rPr lang="fr-CA" dirty="0" err="1"/>
-              <a:t>sub</a:t>
-            </a:r>
-            <a:r>
-              <a:rPr lang="fr-CA" dirty="0"/>
-              <a:t> </a:t>
-            </a:r>
-            <a:r>
-              <a:rPr lang="fr-CA" dirty="0" err="1"/>
-              <a:t>tree</a:t>
-            </a:r>
-            <a:r>
-              <a:rPr lang="fr-CA" dirty="0"/>
-              <a:t> </a:t>
-            </a:r>
-            <a:r>
-              <a:rPr lang="fr-CA" dirty="0" err="1"/>
-              <a:t>only</a:t>
-            </a:r>
-            <a:endParaRPr lang="fr-CA" dirty="0"/>
-          </a:p>
-          <a:p>
-            <a:pPr lvl="1"/>
-            <a:r>
-              <a:rPr lang="fr-CA" dirty="0"/>
-              <a:t>Uses observable </a:t>
-            </a:r>
-            <a:r>
-              <a:rPr lang="fr-CA" dirty="0" err="1"/>
-              <a:t>instead</a:t>
-            </a:r>
-            <a:r>
-              <a:rPr lang="fr-CA" dirty="0"/>
-              <a:t> of </a:t>
-            </a:r>
-            <a:r>
-              <a:rPr lang="fr-CA" dirty="0" err="1"/>
-              <a:t>dirty</a:t>
-            </a:r>
-            <a:r>
-              <a:rPr lang="fr-CA" dirty="0"/>
-              <a:t> checking to </a:t>
-            </a:r>
-            <a:r>
-              <a:rPr lang="fr-CA" dirty="0" err="1"/>
-              <a:t>detect</a:t>
-            </a:r>
-            <a:r>
-              <a:rPr lang="fr-CA" dirty="0"/>
-              <a:t> change</a:t>
-            </a:r>
-          </a:p>
-          <a:p>
-            <a:pPr lvl="2"/>
-            <a:r>
-              <a:rPr lang="fr-CA" dirty="0" err="1"/>
-              <a:t>React</a:t>
-            </a:r>
-            <a:r>
-              <a:rPr lang="fr-CA" dirty="0"/>
-              <a:t>: </a:t>
-            </a:r>
-            <a:r>
-              <a:rPr lang="fr-CA" dirty="0" err="1"/>
-              <a:t>when</a:t>
-            </a:r>
-            <a:r>
-              <a:rPr lang="fr-CA" dirty="0"/>
-              <a:t> </a:t>
-            </a:r>
-            <a:r>
-              <a:rPr lang="fr-CA" dirty="0" err="1"/>
-              <a:t>setState</a:t>
-            </a:r>
-            <a:r>
-              <a:rPr lang="fr-CA" dirty="0"/>
-              <a:t>() =</a:t>
-            </a:r>
-            <a:r>
-              <a:rPr lang="en-CA" dirty="0"/>
-              <a:t>&gt; mark component dirty</a:t>
-            </a:r>
-          </a:p>
-          <a:p>
-            <a:pPr lvl="2"/>
-            <a:r>
-              <a:rPr lang="en-CA" dirty="0"/>
-              <a:t>Angular: Recurring process to detect change (</a:t>
-            </a:r>
-            <a:r>
-              <a:rPr lang="en-CA" dirty="0" err="1"/>
-              <a:t>doesn</a:t>
-            </a:r>
-            <a:r>
-              <a:rPr lang="fr-CA" dirty="0"/>
-              <a:t>’t </a:t>
-            </a:r>
-            <a:r>
-              <a:rPr lang="fr-CA" dirty="0" err="1"/>
-              <a:t>scale</a:t>
-            </a:r>
-            <a:r>
-              <a:rPr lang="fr-CA" dirty="0"/>
-              <a:t>)</a:t>
-            </a:r>
-          </a:p>
-          <a:p>
-            <a:endParaRPr lang="en-CA" dirty="0"/>
-          </a:p>
-        </p:txBody>
-      </p:sp>
-    </p:spTree>
-    <p:extLst>
-      <p:ext uri="{BB962C8B-B14F-4D97-AF65-F5344CB8AC3E}">
-        <p14:creationId xmlns:p14="http://schemas.microsoft.com/office/powerpoint/2010/main" val="4149388084"/>
       </p:ext>
     </p:extLst>
   </p:cSld>

--- a/part-2/React-Perfo.pptx
+++ b/part-2/React-Perfo.pptx
@@ -10354,8 +10354,12 @@
               <a:t>Exos 6: Profiling </a:t>
             </a:r>
             <a:r>
-              <a:rPr lang="fr-CA"/>
-              <a:t>tool </a:t>
+              <a:rPr lang="fr-CA" dirty="0" err="1"/>
+              <a:t>tool</a:t>
+            </a:r>
+            <a:r>
+              <a:rPr lang="fr-CA" dirty="0"/>
+              <a:t> </a:t>
             </a:r>
             <a:r>
               <a:rPr lang="fr-CA" dirty="0" err="1"/>

--- a/part-2/React-Perfo.pptx
+++ b/part-2/React-Perfo.pptx
@@ -5,44 +5,45 @@
     <p:sldMasterId id="2147483648" r:id="rId1"/>
   </p:sldMasterIdLst>
   <p:notesMasterIdLst>
-    <p:notesMasterId r:id="rId37"/>
+    <p:notesMasterId r:id="rId38"/>
   </p:notesMasterIdLst>
   <p:sldIdLst>
     <p:sldId id="256" r:id="rId2"/>
-    <p:sldId id="273" r:id="rId3"/>
-    <p:sldId id="284" r:id="rId4"/>
-    <p:sldId id="258" r:id="rId5"/>
-    <p:sldId id="279" r:id="rId6"/>
-    <p:sldId id="259" r:id="rId7"/>
-    <p:sldId id="285" r:id="rId8"/>
-    <p:sldId id="257" r:id="rId9"/>
-    <p:sldId id="260" r:id="rId10"/>
-    <p:sldId id="263" r:id="rId11"/>
-    <p:sldId id="280" r:id="rId12"/>
-    <p:sldId id="281" r:id="rId13"/>
-    <p:sldId id="286" r:id="rId14"/>
-    <p:sldId id="261" r:id="rId15"/>
-    <p:sldId id="275" r:id="rId16"/>
-    <p:sldId id="276" r:id="rId17"/>
-    <p:sldId id="287" r:id="rId18"/>
-    <p:sldId id="269" r:id="rId19"/>
-    <p:sldId id="270" r:id="rId20"/>
-    <p:sldId id="271" r:id="rId21"/>
-    <p:sldId id="290" r:id="rId22"/>
-    <p:sldId id="288" r:id="rId23"/>
-    <p:sldId id="262" r:id="rId24"/>
-    <p:sldId id="267" r:id="rId25"/>
-    <p:sldId id="268" r:id="rId26"/>
-    <p:sldId id="278" r:id="rId27"/>
-    <p:sldId id="282" r:id="rId28"/>
-    <p:sldId id="264" r:id="rId29"/>
-    <p:sldId id="265" r:id="rId30"/>
-    <p:sldId id="266" r:id="rId31"/>
-    <p:sldId id="274" r:id="rId32"/>
-    <p:sldId id="289" r:id="rId33"/>
-    <p:sldId id="272" r:id="rId34"/>
-    <p:sldId id="283" r:id="rId35"/>
-    <p:sldId id="277" r:id="rId36"/>
+    <p:sldId id="291" r:id="rId3"/>
+    <p:sldId id="273" r:id="rId4"/>
+    <p:sldId id="284" r:id="rId5"/>
+    <p:sldId id="258" r:id="rId6"/>
+    <p:sldId id="279" r:id="rId7"/>
+    <p:sldId id="259" r:id="rId8"/>
+    <p:sldId id="285" r:id="rId9"/>
+    <p:sldId id="257" r:id="rId10"/>
+    <p:sldId id="260" r:id="rId11"/>
+    <p:sldId id="263" r:id="rId12"/>
+    <p:sldId id="280" r:id="rId13"/>
+    <p:sldId id="281" r:id="rId14"/>
+    <p:sldId id="286" r:id="rId15"/>
+    <p:sldId id="261" r:id="rId16"/>
+    <p:sldId id="275" r:id="rId17"/>
+    <p:sldId id="276" r:id="rId18"/>
+    <p:sldId id="287" r:id="rId19"/>
+    <p:sldId id="269" r:id="rId20"/>
+    <p:sldId id="270" r:id="rId21"/>
+    <p:sldId id="271" r:id="rId22"/>
+    <p:sldId id="290" r:id="rId23"/>
+    <p:sldId id="288" r:id="rId24"/>
+    <p:sldId id="262" r:id="rId25"/>
+    <p:sldId id="267" r:id="rId26"/>
+    <p:sldId id="268" r:id="rId27"/>
+    <p:sldId id="278" r:id="rId28"/>
+    <p:sldId id="282" r:id="rId29"/>
+    <p:sldId id="264" r:id="rId30"/>
+    <p:sldId id="265" r:id="rId31"/>
+    <p:sldId id="266" r:id="rId32"/>
+    <p:sldId id="274" r:id="rId33"/>
+    <p:sldId id="289" r:id="rId34"/>
+    <p:sldId id="272" r:id="rId35"/>
+    <p:sldId id="283" r:id="rId36"/>
+    <p:sldId id="277" r:id="rId37"/>
   </p:sldIdLst>
   <p:sldSz cx="12192000" cy="6858000"/>
   <p:notesSz cx="6858000" cy="9144000"/>
@@ -231,7 +232,7 @@
           <a:p>
             <a:fld id="{DAFD8366-78F6-4B3C-B44B-186B48A03637}" type="datetimeFigureOut">
               <a:rPr lang="en-CA" smtClean="0"/>
-              <a:t>06/03/2019</a:t>
+              <a:t>07/03/2019</a:t>
             </a:fld>
             <a:endParaRPr lang="en-CA"/>
           </a:p>
@@ -573,7 +574,7 @@
           <a:p>
             <a:fld id="{4611314A-80A0-4876-B1A5-EEE650CBF79F}" type="slidenum">
               <a:rPr lang="en-CA" smtClean="0"/>
-              <a:t>6</a:t>
+              <a:t>7</a:t>
             </a:fld>
             <a:endParaRPr lang="en-CA"/>
           </a:p>
@@ -688,7 +689,7 @@
           <a:p>
             <a:fld id="{4611314A-80A0-4876-B1A5-EEE650CBF79F}" type="slidenum">
               <a:rPr lang="en-CA" smtClean="0"/>
-              <a:t>14</a:t>
+              <a:t>15</a:t>
             </a:fld>
             <a:endParaRPr lang="en-CA"/>
           </a:p>
@@ -783,7 +784,7 @@
           <a:p>
             <a:fld id="{4611314A-80A0-4876-B1A5-EEE650CBF79F}" type="slidenum">
               <a:rPr lang="en-CA" smtClean="0"/>
-              <a:t>15</a:t>
+              <a:t>16</a:t>
             </a:fld>
             <a:endParaRPr lang="en-CA"/>
           </a:p>
@@ -870,7 +871,7 @@
           <a:p>
             <a:fld id="{4611314A-80A0-4876-B1A5-EEE650CBF79F}" type="slidenum">
               <a:rPr lang="en-CA" smtClean="0"/>
-              <a:t>16</a:t>
+              <a:t>17</a:t>
             </a:fld>
             <a:endParaRPr lang="en-CA"/>
           </a:p>
@@ -957,7 +958,7 @@
           <a:p>
             <a:fld id="{4611314A-80A0-4876-B1A5-EEE650CBF79F}" type="slidenum">
               <a:rPr lang="en-CA" smtClean="0"/>
-              <a:t>19</a:t>
+              <a:t>20</a:t>
             </a:fld>
             <a:endParaRPr lang="en-CA"/>
           </a:p>
@@ -1065,7 +1066,7 @@
           <a:p>
             <a:fld id="{4611314A-80A0-4876-B1A5-EEE650CBF79F}" type="slidenum">
               <a:rPr lang="en-CA" smtClean="0"/>
-              <a:t>23</a:t>
+              <a:t>24</a:t>
             </a:fld>
             <a:endParaRPr lang="en-CA"/>
           </a:p>
@@ -1233,7 +1234,7 @@
           <a:p>
             <a:fld id="{F752A3F4-2F0B-4EDF-BB25-F54BA930C80F}" type="datetimeFigureOut">
               <a:rPr lang="en-CA" smtClean="0"/>
-              <a:t>06/03/2019</a:t>
+              <a:t>07/03/2019</a:t>
             </a:fld>
             <a:endParaRPr lang="en-CA"/>
           </a:p>
@@ -1433,7 +1434,7 @@
           <a:p>
             <a:fld id="{F752A3F4-2F0B-4EDF-BB25-F54BA930C80F}" type="datetimeFigureOut">
               <a:rPr lang="en-CA" smtClean="0"/>
-              <a:t>06/03/2019</a:t>
+              <a:t>07/03/2019</a:t>
             </a:fld>
             <a:endParaRPr lang="en-CA"/>
           </a:p>
@@ -1643,7 +1644,7 @@
           <a:p>
             <a:fld id="{F752A3F4-2F0B-4EDF-BB25-F54BA930C80F}" type="datetimeFigureOut">
               <a:rPr lang="en-CA" smtClean="0"/>
-              <a:t>06/03/2019</a:t>
+              <a:t>07/03/2019</a:t>
             </a:fld>
             <a:endParaRPr lang="en-CA"/>
           </a:p>
@@ -1843,7 +1844,7 @@
           <a:p>
             <a:fld id="{F752A3F4-2F0B-4EDF-BB25-F54BA930C80F}" type="datetimeFigureOut">
               <a:rPr lang="en-CA" smtClean="0"/>
-              <a:t>06/03/2019</a:t>
+              <a:t>07/03/2019</a:t>
             </a:fld>
             <a:endParaRPr lang="en-CA"/>
           </a:p>
@@ -2119,7 +2120,7 @@
           <a:p>
             <a:fld id="{F752A3F4-2F0B-4EDF-BB25-F54BA930C80F}" type="datetimeFigureOut">
               <a:rPr lang="en-CA" smtClean="0"/>
-              <a:t>06/03/2019</a:t>
+              <a:t>07/03/2019</a:t>
             </a:fld>
             <a:endParaRPr lang="en-CA"/>
           </a:p>
@@ -2387,7 +2388,7 @@
           <a:p>
             <a:fld id="{F752A3F4-2F0B-4EDF-BB25-F54BA930C80F}" type="datetimeFigureOut">
               <a:rPr lang="en-CA" smtClean="0"/>
-              <a:t>06/03/2019</a:t>
+              <a:t>07/03/2019</a:t>
             </a:fld>
             <a:endParaRPr lang="en-CA"/>
           </a:p>
@@ -2802,7 +2803,7 @@
           <a:p>
             <a:fld id="{F752A3F4-2F0B-4EDF-BB25-F54BA930C80F}" type="datetimeFigureOut">
               <a:rPr lang="en-CA" smtClean="0"/>
-              <a:t>06/03/2019</a:t>
+              <a:t>07/03/2019</a:t>
             </a:fld>
             <a:endParaRPr lang="en-CA"/>
           </a:p>
@@ -2944,7 +2945,7 @@
           <a:p>
             <a:fld id="{F752A3F4-2F0B-4EDF-BB25-F54BA930C80F}" type="datetimeFigureOut">
               <a:rPr lang="en-CA" smtClean="0"/>
-              <a:t>06/03/2019</a:t>
+              <a:t>07/03/2019</a:t>
             </a:fld>
             <a:endParaRPr lang="en-CA"/>
           </a:p>
@@ -3057,7 +3058,7 @@
           <a:p>
             <a:fld id="{F752A3F4-2F0B-4EDF-BB25-F54BA930C80F}" type="datetimeFigureOut">
               <a:rPr lang="en-CA" smtClean="0"/>
-              <a:t>06/03/2019</a:t>
+              <a:t>07/03/2019</a:t>
             </a:fld>
             <a:endParaRPr lang="en-CA"/>
           </a:p>
@@ -3370,7 +3371,7 @@
           <a:p>
             <a:fld id="{F752A3F4-2F0B-4EDF-BB25-F54BA930C80F}" type="datetimeFigureOut">
               <a:rPr lang="en-CA" smtClean="0"/>
-              <a:t>06/03/2019</a:t>
+              <a:t>07/03/2019</a:t>
             </a:fld>
             <a:endParaRPr lang="en-CA"/>
           </a:p>
@@ -3659,7 +3660,7 @@
           <a:p>
             <a:fld id="{F752A3F4-2F0B-4EDF-BB25-F54BA930C80F}" type="datetimeFigureOut">
               <a:rPr lang="en-CA" smtClean="0"/>
-              <a:t>06/03/2019</a:t>
+              <a:t>07/03/2019</a:t>
             </a:fld>
             <a:endParaRPr lang="en-CA"/>
           </a:p>
@@ -3902,7 +3903,7 @@
           <a:p>
             <a:fld id="{F752A3F4-2F0B-4EDF-BB25-F54BA930C80F}" type="datetimeFigureOut">
               <a:rPr lang="en-CA" smtClean="0"/>
-              <a:t>06/03/2019</a:t>
+              <a:t>07/03/2019</a:t>
             </a:fld>
             <a:endParaRPr lang="en-CA"/>
           </a:p>
@@ -4407,7 +4408,7 @@
           <p:cNvPr id="2" name="Title 1">
             <a:extLst>
               <a:ext uri="{FF2B5EF4-FFF2-40B4-BE49-F238E27FC236}">
-                <a16:creationId xmlns:a16="http://schemas.microsoft.com/office/drawing/2014/main" id="{D6D490E6-4965-494E-BF76-DFF0E69167B8}"/>
+                <a16:creationId xmlns:a16="http://schemas.microsoft.com/office/drawing/2014/main" id="{3EB37C4C-211B-4FDF-A37C-72633CAD4A13}"/>
               </a:ext>
             </a:extLst>
           </p:cNvPr>
@@ -4425,26 +4426,30 @@
           <a:p>
             <a:r>
               <a:rPr lang="fr-CA" dirty="0" err="1"/>
-              <a:t>Lifecycle</a:t>
-            </a:r>
-            <a:r>
-              <a:rPr lang="fr-CA" dirty="0"/>
-              <a:t> d’un </a:t>
-            </a:r>
-            <a:r>
-              <a:rPr lang="fr-CA" dirty="0" err="1"/>
-              <a:t>ReactElement</a:t>
-            </a:r>
-            <a:endParaRPr lang="fr-CA" dirty="0"/>
+              <a:t>React</a:t>
+            </a:r>
+            <a:r>
+              <a:rPr lang="fr-CA" dirty="0"/>
+              <a:t> </a:t>
+            </a:r>
+            <a:r>
+              <a:rPr lang="fr-CA" dirty="0" err="1"/>
+              <a:t>Element</a:t>
+            </a:r>
+            <a:r>
+              <a:rPr lang="fr-CA" dirty="0"/>
+              <a:t> &amp; Virtual DOM</a:t>
+            </a:r>
+            <a:endParaRPr lang="en-CA" dirty="0"/>
           </a:p>
         </p:txBody>
       </p:sp>
       <p:pic>
         <p:nvPicPr>
-          <p:cNvPr id="5" name="Picture 4">
-            <a:extLst>
-              <a:ext uri="{FF2B5EF4-FFF2-40B4-BE49-F238E27FC236}">
-                <a16:creationId xmlns:a16="http://schemas.microsoft.com/office/drawing/2014/main" id="{DF891E32-115A-4999-AAFB-8AD0DE454662}"/>
+          <p:cNvPr id="7" name="Picture 6">
+            <a:extLst>
+              <a:ext uri="{FF2B5EF4-FFF2-40B4-BE49-F238E27FC236}">
+                <a16:creationId xmlns:a16="http://schemas.microsoft.com/office/drawing/2014/main" id="{A01F941D-AE33-4B03-8443-DFDC644BBB6E}"/>
               </a:ext>
             </a:extLst>
           </p:cNvPr>
@@ -4461,20 +4466,498 @@
         </p:blipFill>
         <p:spPr>
           <a:xfrm>
-            <a:off x="1040556" y="2544361"/>
-            <a:ext cx="3849493" cy="1602763"/>
+            <a:off x="838200" y="1637578"/>
+            <a:ext cx="2019300" cy="1123950"/>
           </a:xfrm>
           <a:prstGeom prst="rect">
             <a:avLst/>
           </a:prstGeom>
         </p:spPr>
       </p:pic>
+      <p:graphicFrame>
+        <p:nvGraphicFramePr>
+          <p:cNvPr id="6" name="Table 5">
+            <a:extLst>
+              <a:ext uri="{FF2B5EF4-FFF2-40B4-BE49-F238E27FC236}">
+                <a16:creationId xmlns:a16="http://schemas.microsoft.com/office/drawing/2014/main" id="{F96421FB-6624-4F99-8DB1-F9BD5F280388}"/>
+              </a:ext>
+            </a:extLst>
+          </p:cNvPr>
+          <p:cNvGraphicFramePr>
+            <a:graphicFrameLocks noGrp="1"/>
+          </p:cNvGraphicFramePr>
+          <p:nvPr>
+            <p:extLst>
+              <p:ext uri="{D42A27DB-BD31-4B8C-83A1-F6EECF244321}">
+                <p14:modId xmlns:p14="http://schemas.microsoft.com/office/powerpoint/2010/main" val="993084107"/>
+              </p:ext>
+            </p:extLst>
+          </p:nvPr>
+        </p:nvGraphicFramePr>
+        <p:xfrm>
+          <a:off x="5453743" y="1666240"/>
+          <a:ext cx="6458857" cy="4028440"/>
+        </p:xfrm>
+        <a:graphic>
+          <a:graphicData uri="http://schemas.openxmlformats.org/drawingml/2006/table">
+            <a:tbl>
+              <a:tblPr firstRow="1" bandRow="1">
+                <a:tableStyleId>{5C22544A-7EE6-4342-B048-85BDC9FD1C3A}</a:tableStyleId>
+              </a:tblPr>
+              <a:tblGrid>
+                <a:gridCol w="2155371">
+                  <a:extLst>
+                    <a:ext uri="{9D8B030D-6E8A-4147-A177-3AD203B41FA5}">
+                      <a16:colId xmlns:a16="http://schemas.microsoft.com/office/drawing/2014/main" val="4222515365"/>
+                    </a:ext>
+                  </a:extLst>
+                </a:gridCol>
+                <a:gridCol w="4303486">
+                  <a:extLst>
+                    <a:ext uri="{9D8B030D-6E8A-4147-A177-3AD203B41FA5}">
+                      <a16:colId xmlns:a16="http://schemas.microsoft.com/office/drawing/2014/main" val="3872575451"/>
+                    </a:ext>
+                  </a:extLst>
+                </a:gridCol>
+              </a:tblGrid>
+              <a:tr h="370840">
+                <a:tc>
+                  <a:txBody>
+                    <a:bodyPr/>
+                    <a:lstStyle/>
+                    <a:p>
+                      <a:r>
+                        <a:rPr lang="fr-CA" dirty="0" err="1"/>
+                        <a:t>Property</a:t>
+                      </a:r>
+                      <a:r>
+                        <a:rPr lang="fr-CA" dirty="0"/>
+                        <a:t> Name</a:t>
+                      </a:r>
+                    </a:p>
+                  </a:txBody>
+                  <a:tcPr/>
+                </a:tc>
+                <a:tc>
+                  <a:txBody>
+                    <a:bodyPr/>
+                    <a:lstStyle/>
+                    <a:p>
+                      <a:r>
+                        <a:rPr lang="fr-CA" dirty="0"/>
+                        <a:t>Description</a:t>
+                      </a:r>
+                    </a:p>
+                  </a:txBody>
+                  <a:tcPr/>
+                </a:tc>
+                <a:extLst>
+                  <a:ext uri="{0D108BD9-81ED-4DB2-BD59-A6C34878D82A}">
+                    <a16:rowId xmlns:a16="http://schemas.microsoft.com/office/drawing/2014/main" val="1394859493"/>
+                  </a:ext>
+                </a:extLst>
+              </a:tr>
+              <a:tr h="370840">
+                <a:tc>
+                  <a:txBody>
+                    <a:bodyPr/>
+                    <a:lstStyle/>
+                    <a:p>
+                      <a:r>
+                        <a:rPr lang="fr-CA" dirty="0"/>
+                        <a:t>Key</a:t>
+                      </a:r>
+                    </a:p>
+                  </a:txBody>
+                  <a:tcPr/>
+                </a:tc>
+                <a:tc>
+                  <a:txBody>
+                    <a:bodyPr/>
+                    <a:lstStyle/>
+                    <a:p>
+                      <a:r>
+                        <a:rPr lang="fr-CA" dirty="0" err="1"/>
+                        <a:t>Uniquely</a:t>
+                      </a:r>
+                      <a:r>
+                        <a:rPr lang="fr-CA" dirty="0"/>
+                        <a:t> </a:t>
+                      </a:r>
+                      <a:r>
+                        <a:rPr lang="fr-CA" dirty="0" err="1"/>
+                        <a:t>identity</a:t>
+                      </a:r>
+                      <a:r>
+                        <a:rPr lang="fr-CA" dirty="0"/>
+                        <a:t> a </a:t>
+                      </a:r>
+                      <a:r>
+                        <a:rPr lang="fr-CA" dirty="0" err="1"/>
+                        <a:t>React</a:t>
+                      </a:r>
+                      <a:r>
+                        <a:rPr lang="fr-CA" dirty="0"/>
+                        <a:t> </a:t>
+                      </a:r>
+                      <a:r>
+                        <a:rPr lang="fr-CA" dirty="0" err="1"/>
+                        <a:t>elements</a:t>
+                      </a:r>
+                      <a:r>
+                        <a:rPr lang="fr-CA" dirty="0"/>
+                        <a:t> </a:t>
+                      </a:r>
+                      <a:r>
+                        <a:rPr lang="fr-CA" dirty="0" err="1"/>
+                        <a:t>withing</a:t>
+                      </a:r>
+                      <a:r>
+                        <a:rPr lang="fr-CA" dirty="0"/>
+                        <a:t> an </a:t>
+                      </a:r>
+                      <a:r>
+                        <a:rPr lang="fr-CA" dirty="0" err="1"/>
+                        <a:t>array</a:t>
+                      </a:r>
+                      <a:r>
+                        <a:rPr lang="fr-CA" dirty="0"/>
+                        <a:t> of the </a:t>
+                      </a:r>
+                      <a:r>
+                        <a:rPr lang="fr-CA" dirty="0" err="1"/>
+                        <a:t>same</a:t>
+                      </a:r>
+                      <a:r>
+                        <a:rPr lang="fr-CA" dirty="0"/>
+                        <a:t> type.</a:t>
+                      </a:r>
+                    </a:p>
+                  </a:txBody>
+                  <a:tcPr/>
+                </a:tc>
+                <a:extLst>
+                  <a:ext uri="{0D108BD9-81ED-4DB2-BD59-A6C34878D82A}">
+                    <a16:rowId xmlns:a16="http://schemas.microsoft.com/office/drawing/2014/main" val="2436484844"/>
+                  </a:ext>
+                </a:extLst>
+              </a:tr>
+              <a:tr h="370840">
+                <a:tc>
+                  <a:txBody>
+                    <a:bodyPr/>
+                    <a:lstStyle/>
+                    <a:p>
+                      <a:r>
+                        <a:rPr lang="fr-CA" dirty="0" err="1"/>
+                        <a:t>Props</a:t>
+                      </a:r>
+                      <a:endParaRPr lang="fr-CA" dirty="0"/>
+                    </a:p>
+                  </a:txBody>
+                  <a:tcPr/>
+                </a:tc>
+                <a:tc>
+                  <a:txBody>
+                    <a:bodyPr/>
+                    <a:lstStyle/>
+                    <a:p>
+                      <a:r>
+                        <a:rPr lang="fr-CA" dirty="0"/>
+                        <a:t>Mapping of all the </a:t>
+                      </a:r>
+                      <a:r>
+                        <a:rPr lang="fr-CA" dirty="0" err="1"/>
+                        <a:t>props</a:t>
+                      </a:r>
+                      <a:r>
+                        <a:rPr lang="fr-CA" dirty="0"/>
+                        <a:t> and values (</a:t>
+                      </a:r>
+                      <a:r>
+                        <a:rPr lang="fr-CA" dirty="0" err="1"/>
+                        <a:t>include</a:t>
+                      </a:r>
+                      <a:r>
+                        <a:rPr lang="fr-CA" dirty="0"/>
+                        <a:t> </a:t>
+                      </a:r>
+                      <a:r>
+                        <a:rPr lang="fr-CA" dirty="0" err="1"/>
+                        <a:t>children</a:t>
+                      </a:r>
+                      <a:r>
+                        <a:rPr lang="fr-CA" dirty="0"/>
+                        <a:t>)</a:t>
+                      </a:r>
+                    </a:p>
+                  </a:txBody>
+                  <a:tcPr/>
+                </a:tc>
+                <a:extLst>
+                  <a:ext uri="{0D108BD9-81ED-4DB2-BD59-A6C34878D82A}">
+                    <a16:rowId xmlns:a16="http://schemas.microsoft.com/office/drawing/2014/main" val="3752318723"/>
+                  </a:ext>
+                </a:extLst>
+              </a:tr>
+              <a:tr h="370840">
+                <a:tc>
+                  <a:txBody>
+                    <a:bodyPr/>
+                    <a:lstStyle/>
+                    <a:p>
+                      <a:r>
+                        <a:rPr lang="fr-CA" dirty="0" err="1"/>
+                        <a:t>Ref</a:t>
+                      </a:r>
+                      <a:endParaRPr lang="fr-CA" dirty="0"/>
+                    </a:p>
+                  </a:txBody>
+                  <a:tcPr/>
+                </a:tc>
+                <a:tc>
+                  <a:txBody>
+                    <a:bodyPr/>
+                    <a:lstStyle/>
+                    <a:p>
+                      <a:r>
+                        <a:rPr lang="fr-CA" dirty="0" err="1"/>
+                        <a:t>Property</a:t>
+                      </a:r>
+                      <a:r>
+                        <a:rPr lang="fr-CA" dirty="0"/>
+                        <a:t> </a:t>
+                      </a:r>
+                      <a:r>
+                        <a:rPr lang="fr-CA" dirty="0" err="1"/>
+                        <a:t>used</a:t>
+                      </a:r>
+                      <a:r>
+                        <a:rPr lang="fr-CA" dirty="0"/>
+                        <a:t> to </a:t>
+                      </a:r>
+                      <a:r>
+                        <a:rPr lang="fr-CA" dirty="0" err="1"/>
+                        <a:t>access</a:t>
+                      </a:r>
+                      <a:r>
+                        <a:rPr lang="fr-CA" dirty="0"/>
+                        <a:t> the </a:t>
+                      </a:r>
+                      <a:r>
+                        <a:rPr lang="fr-CA" dirty="0" err="1"/>
+                        <a:t>underlying</a:t>
+                      </a:r>
+                      <a:r>
+                        <a:rPr lang="fr-CA" dirty="0"/>
+                        <a:t> DOM </a:t>
+                      </a:r>
+                      <a:r>
+                        <a:rPr lang="fr-CA" dirty="0" err="1"/>
+                        <a:t>element</a:t>
+                      </a:r>
+                      <a:r>
+                        <a:rPr lang="fr-CA" dirty="0"/>
+                        <a:t>.</a:t>
+                      </a:r>
+                    </a:p>
+                    <a:p>
+                      <a:pPr marL="285750" indent="-285750">
+                        <a:buFont typeface="Arial" panose="020B0604020202020204" pitchFamily="34" charset="0"/>
+                        <a:buChar char="•"/>
+                      </a:pPr>
+                      <a:r>
+                        <a:rPr lang="fr-CA" dirty="0"/>
+                        <a:t>Set </a:t>
+                      </a:r>
+                      <a:r>
+                        <a:rPr lang="fr-CA" dirty="0" err="1"/>
+                        <a:t>when</a:t>
+                      </a:r>
+                      <a:r>
+                        <a:rPr lang="fr-CA" dirty="0"/>
+                        <a:t> </a:t>
+                      </a:r>
+                      <a:r>
+                        <a:rPr lang="fr-CA" dirty="0" err="1"/>
+                        <a:t>this</a:t>
+                      </a:r>
+                      <a:r>
+                        <a:rPr lang="fr-CA" dirty="0"/>
+                        <a:t> </a:t>
+                      </a:r>
+                      <a:r>
+                        <a:rPr lang="fr-CA" dirty="0" err="1"/>
+                        <a:t>ReactElement</a:t>
+                      </a:r>
+                      <a:r>
+                        <a:rPr lang="fr-CA" dirty="0"/>
+                        <a:t> </a:t>
+                      </a:r>
+                      <a:r>
+                        <a:rPr lang="fr-CA" dirty="0" err="1"/>
+                        <a:t>is</a:t>
+                      </a:r>
+                      <a:r>
+                        <a:rPr lang="fr-CA" dirty="0"/>
+                        <a:t> </a:t>
+                      </a:r>
+                      <a:r>
+                        <a:rPr lang="fr-CA" dirty="0" err="1"/>
+                        <a:t>rendered</a:t>
+                      </a:r>
+                      <a:endParaRPr lang="fr-CA" dirty="0"/>
+                    </a:p>
+                  </a:txBody>
+                  <a:tcPr/>
+                </a:tc>
+                <a:extLst>
+                  <a:ext uri="{0D108BD9-81ED-4DB2-BD59-A6C34878D82A}">
+                    <a16:rowId xmlns:a16="http://schemas.microsoft.com/office/drawing/2014/main" val="153830878"/>
+                  </a:ext>
+                </a:extLst>
+              </a:tr>
+              <a:tr h="370840">
+                <a:tc>
+                  <a:txBody>
+                    <a:bodyPr/>
+                    <a:lstStyle/>
+                    <a:p>
+                      <a:r>
+                        <a:rPr lang="fr-CA" dirty="0"/>
+                        <a:t>Type</a:t>
+                      </a:r>
+                    </a:p>
+                  </a:txBody>
+                  <a:tcPr/>
+                </a:tc>
+                <a:tc>
+                  <a:txBody>
+                    <a:bodyPr/>
+                    <a:lstStyle/>
+                    <a:p>
+                      <a:pPr marL="0" indent="0">
+                        <a:buFont typeface="Arial" panose="020B0604020202020204" pitchFamily="34" charset="0"/>
+                        <a:buNone/>
+                      </a:pPr>
+                      <a:r>
+                        <a:rPr lang="fr-CA" dirty="0"/>
+                        <a:t>Type of the </a:t>
+                      </a:r>
+                      <a:r>
+                        <a:rPr lang="fr-CA" dirty="0" err="1"/>
+                        <a:t>element</a:t>
+                      </a:r>
+                      <a:endParaRPr lang="fr-CA" dirty="0"/>
+                    </a:p>
+                    <a:p>
+                      <a:pPr marL="285750" indent="-285750">
+                        <a:buFont typeface="Arial" panose="020B0604020202020204" pitchFamily="34" charset="0"/>
+                        <a:buChar char="•"/>
+                      </a:pPr>
+                      <a:r>
+                        <a:rPr lang="fr-CA" dirty="0"/>
+                        <a:t>Tag </a:t>
+                      </a:r>
+                      <a:r>
+                        <a:rPr lang="fr-CA" dirty="0" err="1"/>
+                        <a:t>name</a:t>
+                      </a:r>
+                      <a:r>
+                        <a:rPr lang="fr-CA" dirty="0"/>
+                        <a:t> string (</a:t>
+                      </a:r>
+                      <a:r>
+                        <a:rPr lang="fr-CA" dirty="0" err="1"/>
+                        <a:t>i.e</a:t>
+                      </a:r>
+                      <a:r>
+                        <a:rPr lang="fr-CA" dirty="0"/>
+                        <a:t>: div, </a:t>
+                      </a:r>
+                      <a:r>
+                        <a:rPr lang="fr-CA" dirty="0" err="1"/>
+                        <a:t>span</a:t>
+                      </a:r>
+                      <a:r>
+                        <a:rPr lang="fr-CA" dirty="0"/>
+                        <a:t>)</a:t>
+                      </a:r>
+                    </a:p>
+                    <a:p>
+                      <a:pPr marL="285750" indent="-285750">
+                        <a:buFont typeface="Arial" panose="020B0604020202020204" pitchFamily="34" charset="0"/>
+                        <a:buChar char="•"/>
+                      </a:pPr>
+                      <a:r>
+                        <a:rPr lang="fr-CA" dirty="0" err="1"/>
+                        <a:t>React</a:t>
+                      </a:r>
+                      <a:r>
+                        <a:rPr lang="fr-CA" dirty="0"/>
+                        <a:t> Component (class or </a:t>
+                      </a:r>
+                      <a:r>
+                        <a:rPr lang="fr-CA" dirty="0" err="1"/>
+                        <a:t>function</a:t>
+                      </a:r>
+                      <a:r>
+                        <a:rPr lang="fr-CA" dirty="0"/>
+                        <a:t>)</a:t>
+                      </a:r>
+                    </a:p>
+                    <a:p>
+                      <a:pPr marL="285750" indent="-285750">
+                        <a:buFont typeface="Arial" panose="020B0604020202020204" pitchFamily="34" charset="0"/>
+                        <a:buChar char="•"/>
+                      </a:pPr>
+                      <a:r>
+                        <a:rPr lang="fr-CA" dirty="0" err="1"/>
+                        <a:t>React</a:t>
+                      </a:r>
+                      <a:r>
+                        <a:rPr lang="fr-CA" dirty="0"/>
+                        <a:t> Fragment (</a:t>
+                      </a:r>
+                      <a:r>
+                        <a:rPr lang="en-CA"/>
+                        <a:t>&lt;&gt;&lt;/&gt;)</a:t>
+                      </a:r>
+                      <a:endParaRPr lang="fr-CA" dirty="0"/>
+                    </a:p>
+                    <a:p>
+                      <a:pPr marL="285750" indent="-285750">
+                        <a:buFont typeface="Arial" panose="020B0604020202020204" pitchFamily="34" charset="0"/>
+                        <a:buChar char="•"/>
+                      </a:pPr>
+                      <a:r>
+                        <a:rPr lang="fr-CA"/>
+                        <a:t>Bool (étrange! </a:t>
+                      </a:r>
+                      <a:r>
+                        <a:rPr lang="fr-CA" dirty="0"/>
+                        <a:t>On va voir pourquoi à fin)</a:t>
+                      </a:r>
+                    </a:p>
+                  </a:txBody>
+                  <a:tcPr/>
+                </a:tc>
+                <a:extLst>
+                  <a:ext uri="{0D108BD9-81ED-4DB2-BD59-A6C34878D82A}">
+                    <a16:rowId xmlns:a16="http://schemas.microsoft.com/office/drawing/2014/main" val="3276912826"/>
+                  </a:ext>
+                </a:extLst>
+              </a:tr>
+            </a:tbl>
+          </a:graphicData>
+        </a:graphic>
+      </p:graphicFrame>
       <p:pic>
         <p:nvPicPr>
-          <p:cNvPr id="6" name="Picture 5">
-            <a:extLst>
-              <a:ext uri="{FF2B5EF4-FFF2-40B4-BE49-F238E27FC236}">
-                <a16:creationId xmlns:a16="http://schemas.microsoft.com/office/drawing/2014/main" id="{C6972F70-0B81-42AB-9D11-3AAE20384478}"/>
+          <p:cNvPr id="10" name="Picture 9">
+            <a:extLst>
+              <a:ext uri="{FF2B5EF4-FFF2-40B4-BE49-F238E27FC236}">
+                <a16:creationId xmlns:a16="http://schemas.microsoft.com/office/drawing/2014/main" id="{F49A9A97-E8AF-4CF9-A0AA-F9F8D2FC92D9}"/>
               </a:ext>
             </a:extLst>
           </p:cNvPr>
@@ -4491,228 +4974,18 @@
         </p:blipFill>
         <p:spPr>
           <a:xfrm>
-            <a:off x="6325105" y="2544361"/>
-            <a:ext cx="4441555" cy="1602763"/>
+            <a:off x="279400" y="3078984"/>
+            <a:ext cx="4931172" cy="2503714"/>
           </a:xfrm>
           <a:prstGeom prst="rect">
             <a:avLst/>
           </a:prstGeom>
         </p:spPr>
       </p:pic>
-      <p:pic>
-        <p:nvPicPr>
-          <p:cNvPr id="7" name="Picture 6">
-            <a:extLst>
-              <a:ext uri="{FF2B5EF4-FFF2-40B4-BE49-F238E27FC236}">
-                <a16:creationId xmlns:a16="http://schemas.microsoft.com/office/drawing/2014/main" id="{520C0207-5746-4DF7-A6FA-D8C308FC33E1}"/>
-              </a:ext>
-            </a:extLst>
-          </p:cNvPr>
-          <p:cNvPicPr>
-            <a:picLocks noChangeAspect="1"/>
-          </p:cNvPicPr>
-          <p:nvPr/>
-        </p:nvPicPr>
-        <p:blipFill>
-          <a:blip r:embed="rId4"/>
-          <a:stretch>
-            <a:fillRect/>
-          </a:stretch>
-        </p:blipFill>
-        <p:spPr>
-          <a:xfrm>
-            <a:off x="6519068" y="4576618"/>
-            <a:ext cx="4072046" cy="1916257"/>
-          </a:xfrm>
-          <a:prstGeom prst="rect">
-            <a:avLst/>
-          </a:prstGeom>
-        </p:spPr>
-      </p:pic>
-      <p:sp>
-        <p:nvSpPr>
-          <p:cNvPr id="8" name="Arrow: Right 7">
-            <a:extLst>
-              <a:ext uri="{FF2B5EF4-FFF2-40B4-BE49-F238E27FC236}">
-                <a16:creationId xmlns:a16="http://schemas.microsoft.com/office/drawing/2014/main" id="{54E5E0F1-2B9D-40AF-8528-D4438701425A}"/>
-              </a:ext>
-            </a:extLst>
-          </p:cNvPr>
-          <p:cNvSpPr/>
-          <p:nvPr/>
-        </p:nvSpPr>
-        <p:spPr>
-          <a:xfrm>
-            <a:off x="5188332" y="3075709"/>
-            <a:ext cx="951345" cy="582015"/>
-          </a:xfrm>
-          <a:prstGeom prst="rightArrow">
-            <a:avLst/>
-          </a:prstGeom>
-        </p:spPr>
-        <p:style>
-          <a:lnRef idx="2">
-            <a:schemeClr val="accent1">
-              <a:shade val="50000"/>
-            </a:schemeClr>
-          </a:lnRef>
-          <a:fillRef idx="1">
-            <a:schemeClr val="accent1"/>
-          </a:fillRef>
-          <a:effectRef idx="0">
-            <a:schemeClr val="accent1"/>
-          </a:effectRef>
-          <a:fontRef idx="minor">
-            <a:schemeClr val="lt1"/>
-          </a:fontRef>
-        </p:style>
-        <p:txBody>
-          <a:bodyPr rtlCol="0" anchor="ctr"/>
-          <a:lstStyle/>
-          <a:p>
-            <a:pPr algn="ctr"/>
-            <a:endParaRPr lang="fr-CA"/>
-          </a:p>
-        </p:txBody>
-      </p:sp>
-      <p:sp>
-        <p:nvSpPr>
-          <p:cNvPr id="9" name="Arrow: Down 8">
-            <a:extLst>
-              <a:ext uri="{FF2B5EF4-FFF2-40B4-BE49-F238E27FC236}">
-                <a16:creationId xmlns:a16="http://schemas.microsoft.com/office/drawing/2014/main" id="{6B5F24F7-B10F-4CC8-8345-E8DE74C00667}"/>
-              </a:ext>
-            </a:extLst>
-          </p:cNvPr>
-          <p:cNvSpPr/>
-          <p:nvPr/>
-        </p:nvSpPr>
-        <p:spPr>
-          <a:xfrm>
-            <a:off x="8156594" y="4247161"/>
-            <a:ext cx="679508" cy="239884"/>
-          </a:xfrm>
-          <a:prstGeom prst="downArrow">
-            <a:avLst/>
-          </a:prstGeom>
-        </p:spPr>
-        <p:style>
-          <a:lnRef idx="2">
-            <a:schemeClr val="accent1">
-              <a:shade val="50000"/>
-            </a:schemeClr>
-          </a:lnRef>
-          <a:fillRef idx="1">
-            <a:schemeClr val="accent1"/>
-          </a:fillRef>
-          <a:effectRef idx="0">
-            <a:schemeClr val="accent1"/>
-          </a:effectRef>
-          <a:fontRef idx="minor">
-            <a:schemeClr val="lt1"/>
-          </a:fontRef>
-        </p:style>
-        <p:txBody>
-          <a:bodyPr rtlCol="0" anchor="ctr"/>
-          <a:lstStyle/>
-          <a:p>
-            <a:pPr algn="ctr"/>
-            <a:endParaRPr lang="fr-CA"/>
-          </a:p>
-        </p:txBody>
-      </p:sp>
-      <p:sp>
-        <p:nvSpPr>
-          <p:cNvPr id="10" name="TextBox 9">
-            <a:extLst>
-              <a:ext uri="{FF2B5EF4-FFF2-40B4-BE49-F238E27FC236}">
-                <a16:creationId xmlns:a16="http://schemas.microsoft.com/office/drawing/2014/main" id="{07F59E78-E509-4746-A9F6-C6FEF4D3885C}"/>
-              </a:ext>
-            </a:extLst>
-          </p:cNvPr>
-          <p:cNvSpPr txBox="1"/>
-          <p:nvPr/>
-        </p:nvSpPr>
-        <p:spPr>
-          <a:xfrm>
-            <a:off x="4873549" y="2579947"/>
-            <a:ext cx="1508426" cy="646331"/>
-          </a:xfrm>
-          <a:prstGeom prst="rect">
-            <a:avLst/>
-          </a:prstGeom>
-          <a:noFill/>
-        </p:spPr>
-        <p:txBody>
-          <a:bodyPr wrap="none" rtlCol="0">
-            <a:spAutoFit/>
-          </a:bodyPr>
-          <a:lstStyle/>
-          <a:p>
-            <a:pPr algn="ctr"/>
-            <a:r>
-              <a:rPr lang="en-CA" dirty="0"/>
-              <a:t>Babel compile</a:t>
-            </a:r>
-          </a:p>
-          <a:p>
-            <a:pPr algn="ctr"/>
-            <a:r>
-              <a:rPr lang="en-CA" dirty="0"/>
-              <a:t>into</a:t>
-            </a:r>
-            <a:endParaRPr lang="fr-CA" dirty="0"/>
-          </a:p>
-        </p:txBody>
-      </p:sp>
-      <p:sp>
-        <p:nvSpPr>
-          <p:cNvPr id="11" name="TextBox 10">
-            <a:extLst>
-              <a:ext uri="{FF2B5EF4-FFF2-40B4-BE49-F238E27FC236}">
-                <a16:creationId xmlns:a16="http://schemas.microsoft.com/office/drawing/2014/main" id="{2CA924B6-49D9-45BA-AE2E-66A6D9D4A9D0}"/>
-              </a:ext>
-            </a:extLst>
-          </p:cNvPr>
-          <p:cNvSpPr txBox="1"/>
-          <p:nvPr/>
-        </p:nvSpPr>
-        <p:spPr>
-          <a:xfrm>
-            <a:off x="8919992" y="4182437"/>
-            <a:ext cx="2433808" cy="369332"/>
-          </a:xfrm>
-          <a:prstGeom prst="rect">
-            <a:avLst/>
-          </a:prstGeom>
-          <a:noFill/>
-        </p:spPr>
-        <p:txBody>
-          <a:bodyPr wrap="none" rtlCol="0">
-            <a:spAutoFit/>
-          </a:bodyPr>
-          <a:lstStyle/>
-          <a:p>
-            <a:r>
-              <a:rPr lang="en-CA" dirty="0"/>
-              <a:t>Create </a:t>
-            </a:r>
-            <a:r>
-              <a:rPr lang="en-CA" dirty="0" err="1"/>
-              <a:t>Javascript</a:t>
-            </a:r>
-            <a:r>
-              <a:rPr lang="en-CA" dirty="0"/>
-              <a:t> Object</a:t>
-            </a:r>
-            <a:endParaRPr lang="fr-CA" dirty="0"/>
-          </a:p>
-        </p:txBody>
-      </p:sp>
     </p:spTree>
     <p:extLst>
       <p:ext uri="{BB962C8B-B14F-4D97-AF65-F5344CB8AC3E}">
-        <p14:creationId xmlns:p14="http://schemas.microsoft.com/office/powerpoint/2010/main" val="1557852361"/>
+        <p14:creationId xmlns:p14="http://schemas.microsoft.com/office/powerpoint/2010/main" val="300338475"/>
       </p:ext>
     </p:extLst>
   </p:cSld>
@@ -4744,7 +5017,7 @@
           <p:cNvPr id="2" name="Title 1">
             <a:extLst>
               <a:ext uri="{FF2B5EF4-FFF2-40B4-BE49-F238E27FC236}">
-                <a16:creationId xmlns:a16="http://schemas.microsoft.com/office/drawing/2014/main" id="{1D6C6600-04FB-4637-AA3C-C2937B604287}"/>
+                <a16:creationId xmlns:a16="http://schemas.microsoft.com/office/drawing/2014/main" id="{D6D490E6-4965-494E-BF76-DFF0E69167B8}"/>
               </a:ext>
             </a:extLst>
           </p:cNvPr>
@@ -4761,111 +5034,295 @@
           <a:lstStyle/>
           <a:p>
             <a:r>
-              <a:rPr lang="fr-CA" dirty="0"/>
-              <a:t>Exos #2.1: « 2-react-element.html »</a:t>
-            </a:r>
-          </a:p>
-        </p:txBody>
-      </p:sp>
-      <p:sp>
-        <p:nvSpPr>
-          <p:cNvPr id="3" name="Content Placeholder 2">
-            <a:extLst>
-              <a:ext uri="{FF2B5EF4-FFF2-40B4-BE49-F238E27FC236}">
-                <a16:creationId xmlns:a16="http://schemas.microsoft.com/office/drawing/2014/main" id="{209DDE88-922C-4C8F-924B-41BF553910DC}"/>
-              </a:ext>
-            </a:extLst>
-          </p:cNvPr>
-          <p:cNvSpPr>
-            <a:spLocks noGrp="1"/>
-          </p:cNvSpPr>
-          <p:nvPr>
-            <p:ph idx="1"/>
-          </p:nvPr>
-        </p:nvSpPr>
-        <p:spPr/>
-        <p:txBody>
-          <a:bodyPr/>
+              <a:rPr lang="fr-CA" dirty="0" err="1"/>
+              <a:t>Lifecycle</a:t>
+            </a:r>
+            <a:r>
+              <a:rPr lang="fr-CA" dirty="0"/>
+              <a:t> d’un </a:t>
+            </a:r>
+            <a:r>
+              <a:rPr lang="fr-CA" dirty="0" err="1"/>
+              <a:t>ReactElement</a:t>
+            </a:r>
+            <a:endParaRPr lang="fr-CA" dirty="0"/>
+          </a:p>
+        </p:txBody>
+      </p:sp>
+      <p:pic>
+        <p:nvPicPr>
+          <p:cNvPr id="5" name="Picture 4">
+            <a:extLst>
+              <a:ext uri="{FF2B5EF4-FFF2-40B4-BE49-F238E27FC236}">
+                <a16:creationId xmlns:a16="http://schemas.microsoft.com/office/drawing/2014/main" id="{DF891E32-115A-4999-AAFB-8AD0DE454662}"/>
+              </a:ext>
+            </a:extLst>
+          </p:cNvPr>
+          <p:cNvPicPr>
+            <a:picLocks noChangeAspect="1"/>
+          </p:cNvPicPr>
+          <p:nvPr/>
+        </p:nvPicPr>
+        <p:blipFill>
+          <a:blip r:embed="rId2"/>
+          <a:stretch>
+            <a:fillRect/>
+          </a:stretch>
+        </p:blipFill>
+        <p:spPr>
+          <a:xfrm>
+            <a:off x="1040556" y="2544361"/>
+            <a:ext cx="3849493" cy="1602763"/>
+          </a:xfrm>
+          <a:prstGeom prst="rect">
+            <a:avLst/>
+          </a:prstGeom>
+        </p:spPr>
+      </p:pic>
+      <p:pic>
+        <p:nvPicPr>
+          <p:cNvPr id="6" name="Picture 5">
+            <a:extLst>
+              <a:ext uri="{FF2B5EF4-FFF2-40B4-BE49-F238E27FC236}">
+                <a16:creationId xmlns:a16="http://schemas.microsoft.com/office/drawing/2014/main" id="{C6972F70-0B81-42AB-9D11-3AAE20384478}"/>
+              </a:ext>
+            </a:extLst>
+          </p:cNvPr>
+          <p:cNvPicPr>
+            <a:picLocks noChangeAspect="1"/>
+          </p:cNvPicPr>
+          <p:nvPr/>
+        </p:nvPicPr>
+        <p:blipFill>
+          <a:blip r:embed="rId3"/>
+          <a:stretch>
+            <a:fillRect/>
+          </a:stretch>
+        </p:blipFill>
+        <p:spPr>
+          <a:xfrm>
+            <a:off x="6325105" y="2544361"/>
+            <a:ext cx="4441555" cy="1602763"/>
+          </a:xfrm>
+          <a:prstGeom prst="rect">
+            <a:avLst/>
+          </a:prstGeom>
+        </p:spPr>
+      </p:pic>
+      <p:pic>
+        <p:nvPicPr>
+          <p:cNvPr id="7" name="Picture 6">
+            <a:extLst>
+              <a:ext uri="{FF2B5EF4-FFF2-40B4-BE49-F238E27FC236}">
+                <a16:creationId xmlns:a16="http://schemas.microsoft.com/office/drawing/2014/main" id="{520C0207-5746-4DF7-A6FA-D8C308FC33E1}"/>
+              </a:ext>
+            </a:extLst>
+          </p:cNvPr>
+          <p:cNvPicPr>
+            <a:picLocks noChangeAspect="1"/>
+          </p:cNvPicPr>
+          <p:nvPr/>
+        </p:nvPicPr>
+        <p:blipFill>
+          <a:blip r:embed="rId4"/>
+          <a:stretch>
+            <a:fillRect/>
+          </a:stretch>
+        </p:blipFill>
+        <p:spPr>
+          <a:xfrm>
+            <a:off x="6519068" y="4576618"/>
+            <a:ext cx="4072046" cy="1916257"/>
+          </a:xfrm>
+          <a:prstGeom prst="rect">
+            <a:avLst/>
+          </a:prstGeom>
+        </p:spPr>
+      </p:pic>
+      <p:sp>
+        <p:nvSpPr>
+          <p:cNvPr id="8" name="Arrow: Right 7">
+            <a:extLst>
+              <a:ext uri="{FF2B5EF4-FFF2-40B4-BE49-F238E27FC236}">
+                <a16:creationId xmlns:a16="http://schemas.microsoft.com/office/drawing/2014/main" id="{54E5E0F1-2B9D-40AF-8528-D4438701425A}"/>
+              </a:ext>
+            </a:extLst>
+          </p:cNvPr>
+          <p:cNvSpPr/>
+          <p:nvPr/>
+        </p:nvSpPr>
+        <p:spPr>
+          <a:xfrm>
+            <a:off x="5188332" y="3075709"/>
+            <a:ext cx="951345" cy="582015"/>
+          </a:xfrm>
+          <a:prstGeom prst="rightArrow">
+            <a:avLst/>
+          </a:prstGeom>
+        </p:spPr>
+        <p:style>
+          <a:lnRef idx="2">
+            <a:schemeClr val="accent1">
+              <a:shade val="50000"/>
+            </a:schemeClr>
+          </a:lnRef>
+          <a:fillRef idx="1">
+            <a:schemeClr val="accent1"/>
+          </a:fillRef>
+          <a:effectRef idx="0">
+            <a:schemeClr val="accent1"/>
+          </a:effectRef>
+          <a:fontRef idx="minor">
+            <a:schemeClr val="lt1"/>
+          </a:fontRef>
+        </p:style>
+        <p:txBody>
+          <a:bodyPr rtlCol="0" anchor="ctr"/>
           <a:lstStyle/>
           <a:p>
-            <a:r>
-              <a:rPr lang="fr-CA" dirty="0"/>
-              <a:t>Comprendre que </a:t>
-            </a:r>
-            <a:r>
-              <a:rPr lang="fr-CA" dirty="0" err="1"/>
-              <a:t>ReactElement</a:t>
-            </a:r>
-            <a:r>
-              <a:rPr lang="fr-CA" dirty="0"/>
-              <a:t> est juste un </a:t>
-            </a:r>
-            <a:r>
-              <a:rPr lang="fr-CA" dirty="0" err="1"/>
-              <a:t>object</a:t>
-            </a:r>
-            <a:r>
-              <a:rPr lang="fr-CA" dirty="0"/>
-              <a:t> Javascript en étudiant les commentaires.</a:t>
-            </a:r>
-          </a:p>
-          <a:p>
+            <a:pPr algn="ctr"/>
+            <a:endParaRPr lang="fr-CA"/>
+          </a:p>
+        </p:txBody>
+      </p:sp>
+      <p:sp>
+        <p:nvSpPr>
+          <p:cNvPr id="9" name="Arrow: Down 8">
+            <a:extLst>
+              <a:ext uri="{FF2B5EF4-FFF2-40B4-BE49-F238E27FC236}">
+                <a16:creationId xmlns:a16="http://schemas.microsoft.com/office/drawing/2014/main" id="{6B5F24F7-B10F-4CC8-8345-E8DE74C00667}"/>
+              </a:ext>
+            </a:extLst>
+          </p:cNvPr>
+          <p:cNvSpPr/>
+          <p:nvPr/>
+        </p:nvSpPr>
+        <p:spPr>
+          <a:xfrm>
+            <a:off x="8156594" y="4247161"/>
+            <a:ext cx="679508" cy="239884"/>
+          </a:xfrm>
+          <a:prstGeom prst="downArrow">
+            <a:avLst/>
+          </a:prstGeom>
+        </p:spPr>
+        <p:style>
+          <a:lnRef idx="2">
+            <a:schemeClr val="accent1">
+              <a:shade val="50000"/>
+            </a:schemeClr>
+          </a:lnRef>
+          <a:fillRef idx="1">
+            <a:schemeClr val="accent1"/>
+          </a:fillRef>
+          <a:effectRef idx="0">
+            <a:schemeClr val="accent1"/>
+          </a:effectRef>
+          <a:fontRef idx="minor">
+            <a:schemeClr val="lt1"/>
+          </a:fontRef>
+        </p:style>
+        <p:txBody>
+          <a:bodyPr rtlCol="0" anchor="ctr"/>
+          <a:lstStyle/>
+          <a:p>
+            <a:pPr algn="ctr"/>
+            <a:endParaRPr lang="fr-CA"/>
+          </a:p>
+        </p:txBody>
+      </p:sp>
+      <p:sp>
+        <p:nvSpPr>
+          <p:cNvPr id="10" name="TextBox 9">
+            <a:extLst>
+              <a:ext uri="{FF2B5EF4-FFF2-40B4-BE49-F238E27FC236}">
+                <a16:creationId xmlns:a16="http://schemas.microsoft.com/office/drawing/2014/main" id="{07F59E78-E509-4746-A9F6-C6FEF4D3885C}"/>
+              </a:ext>
+            </a:extLst>
+          </p:cNvPr>
+          <p:cNvSpPr txBox="1"/>
+          <p:nvPr/>
+        </p:nvSpPr>
+        <p:spPr>
+          <a:xfrm>
+            <a:off x="4873549" y="2579947"/>
+            <a:ext cx="1508426" cy="646331"/>
+          </a:xfrm>
+          <a:prstGeom prst="rect">
+            <a:avLst/>
+          </a:prstGeom>
+          <a:noFill/>
+        </p:spPr>
+        <p:txBody>
+          <a:bodyPr wrap="none" rtlCol="0">
+            <a:spAutoFit/>
+          </a:bodyPr>
+          <a:lstStyle/>
+          <a:p>
+            <a:pPr algn="ctr"/>
             <a:r>
               <a:rPr lang="en-CA" dirty="0"/>
-              <a:t>C</a:t>
-            </a:r>
-            <a:r>
-              <a:rPr lang="fr-CA" dirty="0" err="1"/>
-              <a:t>omprendre</a:t>
-            </a:r>
-            <a:r>
-              <a:rPr lang="fr-CA" dirty="0"/>
-              <a:t> les différentes façon de créer un </a:t>
-            </a:r>
-            <a:r>
-              <a:rPr lang="fr-CA" dirty="0" err="1"/>
-              <a:t>ReactElement</a:t>
+              <a:t>Babel compile</a:t>
+            </a:r>
+          </a:p>
+          <a:p>
+            <a:pPr algn="ctr"/>
+            <a:r>
+              <a:rPr lang="en-CA" dirty="0"/>
+              <a:t>into</a:t>
             </a:r>
             <a:endParaRPr lang="fr-CA" dirty="0"/>
           </a:p>
-          <a:p>
-            <a:r>
-              <a:rPr lang="fr-CA" dirty="0"/>
-              <a:t>Pour la méthode </a:t>
-            </a:r>
-            <a:r>
-              <a:rPr lang="fr-CA" dirty="0" err="1"/>
-              <a:t>ReactDOM.render</a:t>
-            </a:r>
-            <a:r>
-              <a:rPr lang="fr-CA" dirty="0"/>
-              <a:t>:</a:t>
-            </a:r>
-          </a:p>
-          <a:p>
-            <a:pPr lvl="1"/>
-            <a:r>
-              <a:rPr lang="fr-CA" dirty="0" err="1"/>
-              <a:t>Render</a:t>
-            </a:r>
-            <a:r>
-              <a:rPr lang="fr-CA" dirty="0"/>
-              <a:t> les façon #1, #2, #3, #4</a:t>
-            </a:r>
-          </a:p>
-          <a:p>
-            <a:pPr lvl="1"/>
-            <a:r>
-              <a:rPr lang="fr-CA" dirty="0"/>
-              <a:t>Comprendre le type de message affiché lorsqu’on le fait mal</a:t>
-            </a:r>
+        </p:txBody>
+      </p:sp>
+      <p:sp>
+        <p:nvSpPr>
+          <p:cNvPr id="11" name="TextBox 10">
+            <a:extLst>
+              <a:ext uri="{FF2B5EF4-FFF2-40B4-BE49-F238E27FC236}">
+                <a16:creationId xmlns:a16="http://schemas.microsoft.com/office/drawing/2014/main" id="{2CA924B6-49D9-45BA-AE2E-66A6D9D4A9D0}"/>
+              </a:ext>
+            </a:extLst>
+          </p:cNvPr>
+          <p:cNvSpPr txBox="1"/>
+          <p:nvPr/>
+        </p:nvSpPr>
+        <p:spPr>
+          <a:xfrm>
+            <a:off x="8919992" y="4182437"/>
+            <a:ext cx="2433808" cy="369332"/>
+          </a:xfrm>
+          <a:prstGeom prst="rect">
+            <a:avLst/>
+          </a:prstGeom>
+          <a:noFill/>
+        </p:spPr>
+        <p:txBody>
+          <a:bodyPr wrap="none" rtlCol="0">
+            <a:spAutoFit/>
+          </a:bodyPr>
+          <a:lstStyle/>
+          <a:p>
+            <a:r>
+              <a:rPr lang="en-CA" dirty="0"/>
+              <a:t>Create </a:t>
+            </a:r>
+            <a:r>
+              <a:rPr lang="en-CA" dirty="0" err="1"/>
+              <a:t>Javascript</a:t>
+            </a:r>
+            <a:r>
+              <a:rPr lang="en-CA" dirty="0"/>
+              <a:t> Object</a:t>
+            </a:r>
+            <a:endParaRPr lang="fr-CA" dirty="0"/>
           </a:p>
         </p:txBody>
       </p:sp>
     </p:spTree>
     <p:extLst>
       <p:ext uri="{BB962C8B-B14F-4D97-AF65-F5344CB8AC3E}">
-        <p14:creationId xmlns:p14="http://schemas.microsoft.com/office/powerpoint/2010/main" val="2313999836"/>
+        <p14:creationId xmlns:p14="http://schemas.microsoft.com/office/powerpoint/2010/main" val="1557852361"/>
       </p:ext>
     </p:extLst>
   </p:cSld>
@@ -4897,7 +5354,7 @@
           <p:cNvPr id="2" name="Title 1">
             <a:extLst>
               <a:ext uri="{FF2B5EF4-FFF2-40B4-BE49-F238E27FC236}">
-                <a16:creationId xmlns:a16="http://schemas.microsoft.com/office/drawing/2014/main" id="{26ACBA9A-C772-48F1-ADB4-160A6F2B87BB}"/>
+                <a16:creationId xmlns:a16="http://schemas.microsoft.com/office/drawing/2014/main" id="{1D6C6600-04FB-4637-AA3C-C2937B604287}"/>
               </a:ext>
             </a:extLst>
           </p:cNvPr>
@@ -4915,7 +5372,7 @@
           <a:p>
             <a:r>
               <a:rPr lang="fr-CA" dirty="0"/>
-              <a:t>Exos #2.2: « 3-react-instance.html »</a:t>
+              <a:t>Exos #2.1: « 2-react-element.html »</a:t>
             </a:r>
           </a:p>
         </p:txBody>
@@ -4925,7 +5382,7 @@
           <p:cNvPr id="3" name="Content Placeholder 2">
             <a:extLst>
               <a:ext uri="{FF2B5EF4-FFF2-40B4-BE49-F238E27FC236}">
-                <a16:creationId xmlns:a16="http://schemas.microsoft.com/office/drawing/2014/main" id="{3D265ABA-2E39-4ACB-AE32-AE10177C1227}"/>
+                <a16:creationId xmlns:a16="http://schemas.microsoft.com/office/drawing/2014/main" id="{209DDE88-922C-4C8F-924B-41BF553910DC}"/>
               </a:ext>
             </a:extLst>
           </p:cNvPr>
@@ -4943,54 +5400,82 @@
           <a:p>
             <a:r>
               <a:rPr lang="fr-CA" dirty="0"/>
-              <a:t>Comprendre le « Component Instance » en suivant les commentaires</a:t>
-            </a:r>
-          </a:p>
-          <a:p>
-            <a:r>
-              <a:rPr lang="fr-CA" dirty="0"/>
-              <a:t>Pourquoi le </a:t>
-            </a:r>
-            <a:r>
-              <a:rPr lang="fr-CA" dirty="0" err="1"/>
-              <a:t>function</a:t>
-            </a:r>
-            <a:r>
-              <a:rPr lang="fr-CA" dirty="0"/>
-              <a:t> component n’a pas d’instance?</a:t>
-            </a:r>
-          </a:p>
-          <a:p>
-            <a:r>
-              <a:rPr lang="fr-CA" dirty="0"/>
-              <a:t>À partir de la console call </a:t>
-            </a:r>
-            <a:r>
-              <a:rPr lang="fr-CA" dirty="0" err="1"/>
-              <a:t>toggleMoment</a:t>
-            </a:r>
-            <a:r>
-              <a:rPr lang="fr-CA" dirty="0"/>
-              <a:t>() </a:t>
-            </a:r>
-            <a:r>
-              <a:rPr lang="fr-CA"/>
-              <a:t>sur le component</a:t>
+              <a:t>Comprendre que </a:t>
+            </a:r>
+            <a:r>
+              <a:rPr lang="fr-CA" dirty="0" err="1"/>
+              <a:t>ReactElement</a:t>
+            </a:r>
+            <a:r>
+              <a:rPr lang="fr-CA" dirty="0"/>
+              <a:t> est juste un </a:t>
+            </a:r>
+            <a:r>
+              <a:rPr lang="fr-CA" dirty="0" err="1"/>
+              <a:t>object</a:t>
+            </a:r>
+            <a:r>
+              <a:rPr lang="fr-CA" dirty="0"/>
+              <a:t> Javascript en étudiant les commentaires.</a:t>
+            </a:r>
+          </a:p>
+          <a:p>
+            <a:r>
+              <a:rPr lang="en-CA" dirty="0"/>
+              <a:t>C</a:t>
+            </a:r>
+            <a:r>
+              <a:rPr lang="fr-CA" dirty="0" err="1"/>
+              <a:t>omprendre</a:t>
+            </a:r>
+            <a:r>
+              <a:rPr lang="fr-CA" dirty="0"/>
+              <a:t> les différentes façon de créer un </a:t>
+            </a:r>
+            <a:r>
+              <a:rPr lang="fr-CA" dirty="0" err="1"/>
+              <a:t>ReactElement</a:t>
             </a:r>
             <a:endParaRPr lang="fr-CA" dirty="0"/>
           </a:p>
           <a:p>
-            <a:pPr marL="0" indent="0">
-              <a:buNone/>
-            </a:pPr>
-            <a:endParaRPr lang="fr-CA" dirty="0"/>
+            <a:r>
+              <a:rPr lang="fr-CA" dirty="0"/>
+              <a:t>Pour la méthode </a:t>
+            </a:r>
+            <a:r>
+              <a:rPr lang="fr-CA" dirty="0" err="1"/>
+              <a:t>ReactDOM.render</a:t>
+            </a:r>
+            <a:r>
+              <a:rPr lang="fr-CA" dirty="0"/>
+              <a:t>:</a:t>
+            </a:r>
+          </a:p>
+          <a:p>
+            <a:pPr lvl="1"/>
+            <a:r>
+              <a:rPr lang="fr-CA" dirty="0" err="1"/>
+              <a:t>Render</a:t>
+            </a:r>
+            <a:r>
+              <a:rPr lang="fr-CA" dirty="0"/>
+              <a:t> les façon #1, #2, #3, #4</a:t>
+            </a:r>
+          </a:p>
+          <a:p>
+            <a:pPr lvl="1"/>
+            <a:r>
+              <a:rPr lang="fr-CA" dirty="0"/>
+              <a:t>Comprendre le type de message affiché lorsqu’on le fait mal</a:t>
+            </a:r>
           </a:p>
         </p:txBody>
       </p:sp>
     </p:spTree>
     <p:extLst>
       <p:ext uri="{BB962C8B-B14F-4D97-AF65-F5344CB8AC3E}">
-        <p14:creationId xmlns:p14="http://schemas.microsoft.com/office/powerpoint/2010/main" val="3372637935"/>
+        <p14:creationId xmlns:p14="http://schemas.microsoft.com/office/powerpoint/2010/main" val="2313999836"/>
       </p:ext>
     </p:extLst>
   </p:cSld>
@@ -5019,10 +5504,10 @@
       </p:grpSpPr>
       <p:sp>
         <p:nvSpPr>
-          <p:cNvPr id="4" name="Title 3">
-            <a:extLst>
-              <a:ext uri="{FF2B5EF4-FFF2-40B4-BE49-F238E27FC236}">
-                <a16:creationId xmlns:a16="http://schemas.microsoft.com/office/drawing/2014/main" id="{B75295A1-A828-4ADA-BCE1-4C8896295C27}"/>
+          <p:cNvPr id="2" name="Title 1">
+            <a:extLst>
+              <a:ext uri="{FF2B5EF4-FFF2-40B4-BE49-F238E27FC236}">
+                <a16:creationId xmlns:a16="http://schemas.microsoft.com/office/drawing/2014/main" id="{26ACBA9A-C772-48F1-ADB4-160A6F2B87BB}"/>
               </a:ext>
             </a:extLst>
           </p:cNvPr>
@@ -5040,25 +5525,25 @@
           <a:p>
             <a:r>
               <a:rPr lang="fr-CA" dirty="0"/>
-              <a:t>3 – Virtual DOM</a:t>
-            </a:r>
-          </a:p>
-        </p:txBody>
-      </p:sp>
-      <p:sp>
-        <p:nvSpPr>
-          <p:cNvPr id="5" name="Text Placeholder 4">
-            <a:extLst>
-              <a:ext uri="{FF2B5EF4-FFF2-40B4-BE49-F238E27FC236}">
-                <a16:creationId xmlns:a16="http://schemas.microsoft.com/office/drawing/2014/main" id="{9AB539E5-379D-48F0-A141-68E22F6ED824}"/>
-              </a:ext>
-            </a:extLst>
-          </p:cNvPr>
-          <p:cNvSpPr>
-            <a:spLocks noGrp="1"/>
-          </p:cNvSpPr>
-          <p:nvPr>
-            <p:ph type="body" idx="1"/>
+              <a:t>Exos #2.2: « 3-react-instance.html »</a:t>
+            </a:r>
+          </a:p>
+        </p:txBody>
+      </p:sp>
+      <p:sp>
+        <p:nvSpPr>
+          <p:cNvPr id="3" name="Content Placeholder 2">
+            <a:extLst>
+              <a:ext uri="{FF2B5EF4-FFF2-40B4-BE49-F238E27FC236}">
+                <a16:creationId xmlns:a16="http://schemas.microsoft.com/office/drawing/2014/main" id="{3D265ABA-2E39-4ACB-AE32-AE10177C1227}"/>
+              </a:ext>
+            </a:extLst>
+          </p:cNvPr>
+          <p:cNvSpPr>
+            <a:spLocks noGrp="1"/>
+          </p:cNvSpPr>
+          <p:nvPr>
+            <p:ph idx="1"/>
           </p:nvPr>
         </p:nvSpPr>
         <p:spPr/>
@@ -5066,14 +5551,51 @@
           <a:bodyPr/>
           <a:lstStyle/>
           <a:p>
-            <a:endParaRPr lang="fr-CA"/>
+            <a:r>
+              <a:rPr lang="fr-CA" dirty="0"/>
+              <a:t>Comprendre le « Component Instance » en suivant les commentaires</a:t>
+            </a:r>
+          </a:p>
+          <a:p>
+            <a:r>
+              <a:rPr lang="fr-CA" dirty="0"/>
+              <a:t>Pourquoi le </a:t>
+            </a:r>
+            <a:r>
+              <a:rPr lang="fr-CA" dirty="0" err="1"/>
+              <a:t>function</a:t>
+            </a:r>
+            <a:r>
+              <a:rPr lang="fr-CA" dirty="0"/>
+              <a:t> component n’a pas d’instance?</a:t>
+            </a:r>
+          </a:p>
+          <a:p>
+            <a:r>
+              <a:rPr lang="fr-CA" dirty="0"/>
+              <a:t>À partir de la console call </a:t>
+            </a:r>
+            <a:r>
+              <a:rPr lang="fr-CA" dirty="0" err="1"/>
+              <a:t>toggleMoment</a:t>
+            </a:r>
+            <a:r>
+              <a:rPr lang="fr-CA" dirty="0"/>
+              <a:t>() sur le component</a:t>
+            </a:r>
+          </a:p>
+          <a:p>
+            <a:pPr marL="0" indent="0">
+              <a:buNone/>
+            </a:pPr>
+            <a:endParaRPr lang="fr-CA" dirty="0"/>
           </a:p>
         </p:txBody>
       </p:sp>
     </p:spTree>
     <p:extLst>
       <p:ext uri="{BB962C8B-B14F-4D97-AF65-F5344CB8AC3E}">
-        <p14:creationId xmlns:p14="http://schemas.microsoft.com/office/powerpoint/2010/main" val="4093118613"/>
+        <p14:creationId xmlns:p14="http://schemas.microsoft.com/office/powerpoint/2010/main" val="3372637935"/>
       </p:ext>
     </p:extLst>
   </p:cSld>
@@ -5102,10 +5624,10 @@
       </p:grpSpPr>
       <p:sp>
         <p:nvSpPr>
-          <p:cNvPr id="2" name="Title 1">
-            <a:extLst>
-              <a:ext uri="{FF2B5EF4-FFF2-40B4-BE49-F238E27FC236}">
-                <a16:creationId xmlns:a16="http://schemas.microsoft.com/office/drawing/2014/main" id="{F7945AEA-6232-4670-B53E-ADC28E9CE141}"/>
+          <p:cNvPr id="4" name="Title 3">
+            <a:extLst>
+              <a:ext uri="{FF2B5EF4-FFF2-40B4-BE49-F238E27FC236}">
+                <a16:creationId xmlns:a16="http://schemas.microsoft.com/office/drawing/2014/main" id="{B75295A1-A828-4ADA-BCE1-4C8896295C27}"/>
               </a:ext>
             </a:extLst>
           </p:cNvPr>
@@ -5122,30 +5644,26 @@
           <a:lstStyle/>
           <a:p>
             <a:r>
-              <a:rPr lang="en-CA" dirty="0" err="1"/>
-              <a:t>Qu’est</a:t>
-            </a:r>
-            <a:r>
-              <a:rPr lang="en-CA" dirty="0"/>
-              <a:t> que le virtual DOM</a:t>
-            </a:r>
-          </a:p>
-        </p:txBody>
-      </p:sp>
-      <p:sp>
-        <p:nvSpPr>
-          <p:cNvPr id="3" name="Content Placeholder 2">
-            <a:extLst>
-              <a:ext uri="{FF2B5EF4-FFF2-40B4-BE49-F238E27FC236}">
-                <a16:creationId xmlns:a16="http://schemas.microsoft.com/office/drawing/2014/main" id="{8FCB3598-4DA2-4E4D-80F2-A3033D71AC47}"/>
-              </a:ext>
-            </a:extLst>
-          </p:cNvPr>
-          <p:cNvSpPr>
-            <a:spLocks noGrp="1"/>
-          </p:cNvSpPr>
-          <p:nvPr>
-            <p:ph idx="1"/>
+              <a:rPr lang="fr-CA" dirty="0"/>
+              <a:t>3 – Virtual DOM</a:t>
+            </a:r>
+          </a:p>
+        </p:txBody>
+      </p:sp>
+      <p:sp>
+        <p:nvSpPr>
+          <p:cNvPr id="5" name="Text Placeholder 4">
+            <a:extLst>
+              <a:ext uri="{FF2B5EF4-FFF2-40B4-BE49-F238E27FC236}">
+                <a16:creationId xmlns:a16="http://schemas.microsoft.com/office/drawing/2014/main" id="{9AB539E5-379D-48F0-A141-68E22F6ED824}"/>
+              </a:ext>
+            </a:extLst>
+          </p:cNvPr>
+          <p:cNvSpPr>
+            <a:spLocks noGrp="1"/>
+          </p:cNvSpPr>
+          <p:nvPr>
+            <p:ph type="body" idx="1"/>
           </p:nvPr>
         </p:nvSpPr>
         <p:spPr/>
@@ -5153,107 +5671,14 @@
           <a:bodyPr/>
           <a:lstStyle/>
           <a:p>
-            <a:pPr marL="0" indent="0">
-              <a:buNone/>
-            </a:pPr>
-            <a:r>
-              <a:rPr lang="fr-CA" b="1" dirty="0"/>
-              <a:t>Définition</a:t>
-            </a:r>
-            <a:r>
-              <a:rPr lang="fr-CA" dirty="0"/>
-              <a:t>: Le </a:t>
-            </a:r>
-            <a:r>
-              <a:rPr lang="fr-CA" dirty="0" err="1"/>
-              <a:t>virtual</a:t>
-            </a:r>
-            <a:r>
-              <a:rPr lang="fr-CA" dirty="0"/>
-              <a:t> DOM est une abstraction du HTML DOM, découplé des détails d’implémentation du browser</a:t>
-            </a:r>
-          </a:p>
-          <a:p>
-            <a:pPr marL="0" indent="0">
-              <a:buNone/>
-            </a:pPr>
-            <a:endParaRPr lang="fr-CA" dirty="0"/>
-          </a:p>
-          <a:p>
-            <a:pPr marL="0" indent="0">
-              <a:buNone/>
-            </a:pPr>
-            <a:r>
-              <a:rPr lang="fr-CA" b="1" dirty="0"/>
-              <a:t>En concret</a:t>
-            </a:r>
-            <a:r>
-              <a:rPr lang="fr-CA" dirty="0"/>
-              <a:t>: Arbre de </a:t>
-            </a:r>
-            <a:r>
-              <a:rPr lang="fr-CA" dirty="0" err="1"/>
-              <a:t>ReactElement</a:t>
-            </a:r>
-            <a:endParaRPr lang="fr-CA" dirty="0"/>
-          </a:p>
-          <a:p>
-            <a:pPr marL="0" indent="0">
-              <a:buNone/>
-            </a:pPr>
-            <a:endParaRPr lang="fr-CA" dirty="0"/>
-          </a:p>
-          <a:p>
-            <a:pPr marL="0" indent="0">
-              <a:buNone/>
-            </a:pPr>
-            <a:r>
-              <a:rPr lang="fr-CA" b="1" dirty="0"/>
-              <a:t>Comment il passe du </a:t>
-            </a:r>
-            <a:r>
-              <a:rPr lang="fr-CA" b="1" dirty="0" err="1"/>
-              <a:t>virtual</a:t>
-            </a:r>
-            <a:r>
-              <a:rPr lang="fr-CA" b="1" dirty="0"/>
-              <a:t> au real? : </a:t>
-            </a:r>
-            <a:r>
-              <a:rPr lang="fr-CA" dirty="0"/>
-              <a:t>la méthode </a:t>
-            </a:r>
-            <a:r>
-              <a:rPr lang="fr-CA" dirty="0" err="1"/>
-              <a:t>React.Render</a:t>
-            </a:r>
-            <a:r>
-              <a:rPr lang="fr-CA" dirty="0"/>
-              <a:t>() transforme le </a:t>
-            </a:r>
-            <a:r>
-              <a:rPr lang="fr-CA" dirty="0" err="1"/>
-              <a:t>reactElement</a:t>
-            </a:r>
-            <a:r>
-              <a:rPr lang="fr-CA" dirty="0"/>
-              <a:t> en </a:t>
-            </a:r>
-            <a:r>
-              <a:rPr lang="fr-CA" dirty="0" err="1"/>
-              <a:t>node</a:t>
-            </a:r>
-            <a:r>
-              <a:rPr lang="fr-CA" dirty="0"/>
-              <a:t> propre à la plateforme (web ou native)</a:t>
-            </a:r>
+            <a:endParaRPr lang="fr-CA"/>
           </a:p>
         </p:txBody>
       </p:sp>
     </p:spTree>
     <p:extLst>
       <p:ext uri="{BB962C8B-B14F-4D97-AF65-F5344CB8AC3E}">
-        <p14:creationId xmlns:p14="http://schemas.microsoft.com/office/powerpoint/2010/main" val="2113963184"/>
+        <p14:creationId xmlns:p14="http://schemas.microsoft.com/office/powerpoint/2010/main" val="4093118613"/>
       </p:ext>
     </p:extLst>
   </p:cSld>
@@ -5303,11 +5728,11 @@
           <a:p>
             <a:r>
               <a:rPr lang="en-CA" dirty="0" err="1"/>
-              <a:t>Pourquoi</a:t>
+              <a:t>Qu’est</a:t>
             </a:r>
             <a:r>
               <a:rPr lang="en-CA" dirty="0"/>
-              <a:t> un Virtual DOM</a:t>
+              <a:t> que le virtual DOM</a:t>
             </a:r>
           </a:p>
         </p:txBody>
@@ -5330,9 +5755,7 @@
         </p:nvSpPr>
         <p:spPr/>
         <p:txBody>
-          <a:bodyPr>
-            <a:normAutofit fontScale="92500" lnSpcReduction="10000"/>
-          </a:bodyPr>
+          <a:bodyPr/>
           <a:lstStyle/>
           <a:p>
             <a:pPr marL="0" indent="0">
@@ -5340,62 +5763,19 @@
             </a:pPr>
             <a:r>
               <a:rPr lang="fr-CA" b="1" dirty="0"/>
-              <a:t>Le problème</a:t>
-            </a:r>
-            <a:r>
-              <a:rPr lang="fr-CA" dirty="0"/>
-              <a:t>: Changer le DOM est très couteux et </a:t>
-            </a:r>
-            <a:r>
-              <a:rPr lang="fr-CA" dirty="0" err="1"/>
-              <a:t>innéficace</a:t>
-            </a:r>
-            <a:endParaRPr lang="fr-CA" dirty="0"/>
-          </a:p>
-          <a:p>
-            <a:pPr lvl="1"/>
-            <a:r>
-              <a:rPr lang="fr-CA" dirty="0"/>
-              <a:t>Ajouter des </a:t>
-            </a:r>
-            <a:r>
-              <a:rPr lang="fr-CA" dirty="0" err="1"/>
-              <a:t>nodes</a:t>
-            </a:r>
-            <a:r>
-              <a:rPr lang="fr-CA" dirty="0"/>
-              <a:t> et </a:t>
-            </a:r>
-            <a:r>
-              <a:rPr lang="fr-CA" dirty="0" err="1"/>
-              <a:t>attributes</a:t>
-            </a:r>
-            <a:r>
-              <a:rPr lang="fr-CA" dirty="0"/>
-              <a:t> pas couteux</a:t>
-            </a:r>
-          </a:p>
-          <a:p>
-            <a:pPr lvl="1"/>
-            <a:r>
-              <a:rPr lang="fr-CA" dirty="0"/>
-              <a:t>Recalculer CSS, </a:t>
-            </a:r>
-            <a:r>
-              <a:rPr lang="fr-CA" dirty="0" err="1"/>
-              <a:t>layout</a:t>
-            </a:r>
-            <a:r>
-              <a:rPr lang="fr-CA" dirty="0"/>
-              <a:t> et </a:t>
-            </a:r>
-            <a:r>
-              <a:rPr lang="fr-CA" dirty="0" err="1"/>
-              <a:t>repaint</a:t>
-            </a:r>
-            <a:r>
-              <a:rPr lang="fr-CA" dirty="0"/>
-              <a:t> sont très couteux</a:t>
+              <a:t>Définition</a:t>
+            </a:r>
+            <a:r>
+              <a:rPr lang="fr-CA" dirty="0"/>
+              <a:t>: Le </a:t>
+            </a:r>
+            <a:r>
+              <a:rPr lang="fr-CA" dirty="0" err="1"/>
+              <a:t>virtual</a:t>
+            </a:r>
+            <a:r>
+              <a:rPr lang="fr-CA" dirty="0"/>
+              <a:t> DOM est une abstraction du HTML DOM, découplé des détails d’implémentation du browser</a:t>
             </a:r>
           </a:p>
           <a:p>
@@ -5410,210 +5790,75 @@
             </a:pPr>
             <a:r>
               <a:rPr lang="fr-CA" b="1" dirty="0"/>
-              <a:t>La solution apporté</a:t>
-            </a:r>
-            <a:r>
-              <a:rPr lang="fr-CA" dirty="0"/>
-              <a:t>:</a:t>
-            </a:r>
-          </a:p>
-          <a:p>
-            <a:pPr lvl="1"/>
-            <a:r>
-              <a:rPr lang="fr-CA" dirty="0"/>
-              <a:t>Efficient diff </a:t>
-            </a:r>
-            <a:r>
-              <a:rPr lang="fr-CA" dirty="0" err="1"/>
-              <a:t>algorithm</a:t>
+              <a:t>En concret</a:t>
+            </a:r>
+            <a:r>
+              <a:rPr lang="fr-CA" dirty="0"/>
+              <a:t>: Arbre de </a:t>
+            </a:r>
+            <a:r>
+              <a:rPr lang="fr-CA" dirty="0" err="1"/>
+              <a:t>ReactElement</a:t>
             </a:r>
             <a:endParaRPr lang="fr-CA" dirty="0"/>
           </a:p>
           <a:p>
-            <a:pPr lvl="1"/>
-            <a:r>
-              <a:rPr lang="fr-CA" dirty="0" err="1"/>
-              <a:t>Batched</a:t>
-            </a:r>
-            <a:r>
-              <a:rPr lang="fr-CA" dirty="0"/>
-              <a:t> update </a:t>
-            </a:r>
-            <a:r>
-              <a:rPr lang="fr-CA" dirty="0" err="1"/>
-              <a:t>operations</a:t>
-            </a:r>
-            <a:r>
-              <a:rPr lang="fr-CA" dirty="0"/>
-              <a:t> (vs </a:t>
-            </a:r>
-            <a:r>
-              <a:rPr lang="fr-CA" dirty="0" err="1"/>
-              <a:t>many</a:t>
-            </a:r>
-            <a:r>
-              <a:rPr lang="fr-CA" dirty="0"/>
-              <a:t> </a:t>
-            </a:r>
-            <a:r>
-              <a:rPr lang="fr-CA" dirty="0" err="1"/>
-              <a:t>smallers</a:t>
-            </a:r>
-            <a:r>
-              <a:rPr lang="fr-CA" dirty="0"/>
-              <a:t>)</a:t>
-            </a:r>
-          </a:p>
-          <a:p>
-            <a:pPr lvl="2"/>
-            <a:r>
-              <a:rPr lang="fr-CA" dirty="0"/>
-              <a:t>= </a:t>
-            </a:r>
-            <a:r>
-              <a:rPr lang="fr-CA" dirty="0" err="1"/>
-              <a:t>Less</a:t>
-            </a:r>
-            <a:r>
-              <a:rPr lang="fr-CA" dirty="0"/>
-              <a:t> </a:t>
-            </a:r>
-            <a:r>
-              <a:rPr lang="fr-CA" dirty="0" err="1"/>
-              <a:t>layout</a:t>
-            </a:r>
-            <a:r>
-              <a:rPr lang="fr-CA" dirty="0"/>
-              <a:t> + </a:t>
-            </a:r>
-            <a:r>
-              <a:rPr lang="fr-CA" dirty="0" err="1"/>
-              <a:t>repaint</a:t>
-            </a:r>
+            <a:pPr marL="0" indent="0">
+              <a:buNone/>
+            </a:pPr>
             <a:endParaRPr lang="fr-CA" dirty="0"/>
           </a:p>
           <a:p>
-            <a:pPr lvl="1"/>
-            <a:r>
-              <a:rPr lang="fr-CA" dirty="0"/>
-              <a:t>Efficient update of </a:t>
-            </a:r>
-            <a:r>
-              <a:rPr lang="fr-CA" dirty="0" err="1"/>
-              <a:t>sub</a:t>
-            </a:r>
-            <a:r>
-              <a:rPr lang="fr-CA" dirty="0"/>
-              <a:t> </a:t>
-            </a:r>
-            <a:r>
-              <a:rPr lang="fr-CA" dirty="0" err="1"/>
-              <a:t>tree</a:t>
-            </a:r>
-            <a:r>
-              <a:rPr lang="fr-CA" dirty="0"/>
-              <a:t> </a:t>
-            </a:r>
-            <a:r>
-              <a:rPr lang="fr-CA" dirty="0" err="1"/>
-              <a:t>only</a:t>
-            </a:r>
-            <a:endParaRPr lang="fr-CA" dirty="0"/>
-          </a:p>
-          <a:p>
-            <a:pPr lvl="1"/>
-            <a:r>
-              <a:rPr lang="fr-CA" dirty="0"/>
-              <a:t>Uses observable </a:t>
-            </a:r>
-            <a:r>
-              <a:rPr lang="fr-CA" dirty="0" err="1"/>
-              <a:t>instead</a:t>
-            </a:r>
-            <a:r>
-              <a:rPr lang="fr-CA" dirty="0"/>
-              <a:t> of </a:t>
-            </a:r>
-            <a:r>
-              <a:rPr lang="fr-CA" dirty="0" err="1"/>
-              <a:t>dirty</a:t>
-            </a:r>
-            <a:r>
-              <a:rPr lang="fr-CA" dirty="0"/>
-              <a:t> checking to </a:t>
-            </a:r>
-            <a:r>
-              <a:rPr lang="fr-CA" dirty="0" err="1"/>
-              <a:t>detect</a:t>
-            </a:r>
-            <a:r>
-              <a:rPr lang="fr-CA" dirty="0"/>
-              <a:t> change</a:t>
-            </a:r>
-          </a:p>
-          <a:p>
-            <a:pPr lvl="2"/>
-            <a:r>
-              <a:rPr lang="fr-CA" dirty="0" err="1"/>
-              <a:t>React</a:t>
-            </a:r>
-            <a:r>
-              <a:rPr lang="fr-CA" dirty="0"/>
-              <a:t>: </a:t>
-            </a:r>
-            <a:r>
-              <a:rPr lang="fr-CA" dirty="0" err="1"/>
-              <a:t>when</a:t>
-            </a:r>
-            <a:r>
-              <a:rPr lang="fr-CA" dirty="0"/>
-              <a:t> </a:t>
-            </a:r>
-            <a:r>
-              <a:rPr lang="fr-CA" dirty="0" err="1"/>
-              <a:t>setState</a:t>
-            </a:r>
-            <a:r>
-              <a:rPr lang="fr-CA" dirty="0"/>
-              <a:t>() =</a:t>
-            </a:r>
-            <a:r>
-              <a:rPr lang="en-CA" dirty="0"/>
-              <a:t>&gt; mark component dirty</a:t>
-            </a:r>
-          </a:p>
-          <a:p>
-            <a:pPr lvl="2"/>
-            <a:r>
-              <a:rPr lang="en-CA" dirty="0"/>
-              <a:t>Angular: Recurring process to detect change (</a:t>
-            </a:r>
-            <a:r>
-              <a:rPr lang="en-CA" dirty="0" err="1"/>
-              <a:t>doesn</a:t>
-            </a:r>
-            <a:r>
-              <a:rPr lang="fr-CA" dirty="0"/>
-              <a:t>’t </a:t>
-            </a:r>
-            <a:r>
-              <a:rPr lang="fr-CA" dirty="0" err="1"/>
-              <a:t>scale</a:t>
-            </a:r>
-            <a:r>
-              <a:rPr lang="fr-CA" dirty="0"/>
-              <a:t>)</a:t>
-            </a:r>
-          </a:p>
-          <a:p>
-            <a:endParaRPr lang="en-CA" dirty="0"/>
+            <a:pPr marL="0" indent="0">
+              <a:buNone/>
+            </a:pPr>
+            <a:r>
+              <a:rPr lang="fr-CA" b="1" dirty="0"/>
+              <a:t>Comment il passe du </a:t>
+            </a:r>
+            <a:r>
+              <a:rPr lang="fr-CA" b="1" dirty="0" err="1"/>
+              <a:t>virtual</a:t>
+            </a:r>
+            <a:r>
+              <a:rPr lang="fr-CA" b="1" dirty="0"/>
+              <a:t> au real? : </a:t>
+            </a:r>
+            <a:r>
+              <a:rPr lang="fr-CA" dirty="0"/>
+              <a:t>la méthode </a:t>
+            </a:r>
+            <a:r>
+              <a:rPr lang="fr-CA" dirty="0" err="1"/>
+              <a:t>React.Render</a:t>
+            </a:r>
+            <a:r>
+              <a:rPr lang="fr-CA" dirty="0"/>
+              <a:t>() transforme le </a:t>
+            </a:r>
+            <a:r>
+              <a:rPr lang="fr-CA" dirty="0" err="1"/>
+              <a:t>reactElement</a:t>
+            </a:r>
+            <a:r>
+              <a:rPr lang="fr-CA" dirty="0"/>
+              <a:t> en </a:t>
+            </a:r>
+            <a:r>
+              <a:rPr lang="fr-CA" dirty="0" err="1"/>
+              <a:t>node</a:t>
+            </a:r>
+            <a:r>
+              <a:rPr lang="fr-CA" dirty="0"/>
+              <a:t> propre à la plateforme (web ou native)</a:t>
+            </a:r>
           </a:p>
         </p:txBody>
       </p:sp>
     </p:spTree>
     <p:extLst>
       <p:ext uri="{BB962C8B-B14F-4D97-AF65-F5344CB8AC3E}">
-        <p14:creationId xmlns:p14="http://schemas.microsoft.com/office/powerpoint/2010/main" val="4149388084"/>
+        <p14:creationId xmlns:p14="http://schemas.microsoft.com/office/powerpoint/2010/main" val="2113963184"/>
       </p:ext>
     </p:extLst>
   </p:cSld>
@@ -5645,7 +5890,7 @@
           <p:cNvPr id="2" name="Title 1">
             <a:extLst>
               <a:ext uri="{FF2B5EF4-FFF2-40B4-BE49-F238E27FC236}">
-                <a16:creationId xmlns:a16="http://schemas.microsoft.com/office/drawing/2014/main" id="{3DD84B58-110D-4E64-9FDC-F84E33F9BC89}"/>
+                <a16:creationId xmlns:a16="http://schemas.microsoft.com/office/drawing/2014/main" id="{F7945AEA-6232-4670-B53E-ADC28E9CE141}"/>
               </a:ext>
             </a:extLst>
           </p:cNvPr>
@@ -5662,8 +5907,368 @@
           <a:lstStyle/>
           <a:p>
             <a:r>
-              <a:rPr lang="fr-CA" dirty="0"/>
-              <a:t>Virtual DOM vs Shadow DOM</a:t>
+              <a:rPr lang="en-CA" dirty="0" err="1"/>
+              <a:t>Pourquoi</a:t>
+            </a:r>
+            <a:r>
+              <a:rPr lang="en-CA" dirty="0"/>
+              <a:t> un Virtual DOM</a:t>
+            </a:r>
+          </a:p>
+        </p:txBody>
+      </p:sp>
+      <p:sp>
+        <p:nvSpPr>
+          <p:cNvPr id="3" name="Content Placeholder 2">
+            <a:extLst>
+              <a:ext uri="{FF2B5EF4-FFF2-40B4-BE49-F238E27FC236}">
+                <a16:creationId xmlns:a16="http://schemas.microsoft.com/office/drawing/2014/main" id="{8FCB3598-4DA2-4E4D-80F2-A3033D71AC47}"/>
+              </a:ext>
+            </a:extLst>
+          </p:cNvPr>
+          <p:cNvSpPr>
+            <a:spLocks noGrp="1"/>
+          </p:cNvSpPr>
+          <p:nvPr>
+            <p:ph idx="1"/>
+          </p:nvPr>
+        </p:nvSpPr>
+        <p:spPr/>
+        <p:txBody>
+          <a:bodyPr>
+            <a:normAutofit fontScale="92500" lnSpcReduction="10000"/>
+          </a:bodyPr>
+          <a:lstStyle/>
+          <a:p>
+            <a:pPr marL="0" indent="0">
+              <a:buNone/>
+            </a:pPr>
+            <a:r>
+              <a:rPr lang="fr-CA" b="1" dirty="0"/>
+              <a:t>Le problème</a:t>
+            </a:r>
+            <a:r>
+              <a:rPr lang="fr-CA" dirty="0"/>
+              <a:t>: Changer le DOM est très couteux et </a:t>
+            </a:r>
+            <a:r>
+              <a:rPr lang="fr-CA" dirty="0" err="1"/>
+              <a:t>innéficace</a:t>
+            </a:r>
+            <a:endParaRPr lang="fr-CA" dirty="0"/>
+          </a:p>
+          <a:p>
+            <a:pPr lvl="1"/>
+            <a:r>
+              <a:rPr lang="fr-CA" dirty="0"/>
+              <a:t>Ajouter des </a:t>
+            </a:r>
+            <a:r>
+              <a:rPr lang="fr-CA" dirty="0" err="1"/>
+              <a:t>nodes</a:t>
+            </a:r>
+            <a:r>
+              <a:rPr lang="fr-CA" dirty="0"/>
+              <a:t> et </a:t>
+            </a:r>
+            <a:r>
+              <a:rPr lang="fr-CA" dirty="0" err="1"/>
+              <a:t>attributes</a:t>
+            </a:r>
+            <a:r>
+              <a:rPr lang="fr-CA" dirty="0"/>
+              <a:t> pas couteux</a:t>
+            </a:r>
+          </a:p>
+          <a:p>
+            <a:pPr lvl="1"/>
+            <a:r>
+              <a:rPr lang="fr-CA" dirty="0"/>
+              <a:t>Recalculer CSS, </a:t>
+            </a:r>
+            <a:r>
+              <a:rPr lang="fr-CA" dirty="0" err="1"/>
+              <a:t>layout</a:t>
+            </a:r>
+            <a:r>
+              <a:rPr lang="fr-CA" dirty="0"/>
+              <a:t> et </a:t>
+            </a:r>
+            <a:r>
+              <a:rPr lang="fr-CA" dirty="0" err="1"/>
+              <a:t>repaint</a:t>
+            </a:r>
+            <a:r>
+              <a:rPr lang="fr-CA" dirty="0"/>
+              <a:t> sont très couteux</a:t>
+            </a:r>
+          </a:p>
+          <a:p>
+            <a:pPr marL="0" indent="0">
+              <a:buNone/>
+            </a:pPr>
+            <a:endParaRPr lang="fr-CA" dirty="0"/>
+          </a:p>
+          <a:p>
+            <a:pPr marL="0" indent="0">
+              <a:buNone/>
+            </a:pPr>
+            <a:r>
+              <a:rPr lang="fr-CA" b="1" dirty="0"/>
+              <a:t>La solution apporté</a:t>
+            </a:r>
+            <a:r>
+              <a:rPr lang="fr-CA" dirty="0"/>
+              <a:t>:</a:t>
+            </a:r>
+          </a:p>
+          <a:p>
+            <a:pPr lvl="1"/>
+            <a:r>
+              <a:rPr lang="fr-CA" dirty="0"/>
+              <a:t>Efficient diff </a:t>
+            </a:r>
+            <a:r>
+              <a:rPr lang="fr-CA" dirty="0" err="1"/>
+              <a:t>algorithm</a:t>
+            </a:r>
+            <a:endParaRPr lang="fr-CA" dirty="0"/>
+          </a:p>
+          <a:p>
+            <a:pPr lvl="1"/>
+            <a:r>
+              <a:rPr lang="fr-CA" dirty="0" err="1"/>
+              <a:t>Batched</a:t>
+            </a:r>
+            <a:r>
+              <a:rPr lang="fr-CA" dirty="0"/>
+              <a:t> update </a:t>
+            </a:r>
+            <a:r>
+              <a:rPr lang="fr-CA" dirty="0" err="1"/>
+              <a:t>operations</a:t>
+            </a:r>
+            <a:r>
+              <a:rPr lang="fr-CA" dirty="0"/>
+              <a:t> (vs </a:t>
+            </a:r>
+            <a:r>
+              <a:rPr lang="fr-CA" dirty="0" err="1"/>
+              <a:t>many</a:t>
+            </a:r>
+            <a:r>
+              <a:rPr lang="fr-CA" dirty="0"/>
+              <a:t> </a:t>
+            </a:r>
+            <a:r>
+              <a:rPr lang="fr-CA" dirty="0" err="1"/>
+              <a:t>smallers</a:t>
+            </a:r>
+            <a:r>
+              <a:rPr lang="fr-CA" dirty="0"/>
+              <a:t>)</a:t>
+            </a:r>
+          </a:p>
+          <a:p>
+            <a:pPr lvl="2"/>
+            <a:r>
+              <a:rPr lang="fr-CA" dirty="0"/>
+              <a:t>= </a:t>
+            </a:r>
+            <a:r>
+              <a:rPr lang="fr-CA" dirty="0" err="1"/>
+              <a:t>Less</a:t>
+            </a:r>
+            <a:r>
+              <a:rPr lang="fr-CA" dirty="0"/>
+              <a:t> </a:t>
+            </a:r>
+            <a:r>
+              <a:rPr lang="fr-CA" dirty="0" err="1"/>
+              <a:t>layout</a:t>
+            </a:r>
+            <a:r>
+              <a:rPr lang="fr-CA" dirty="0"/>
+              <a:t> + </a:t>
+            </a:r>
+            <a:r>
+              <a:rPr lang="fr-CA" dirty="0" err="1"/>
+              <a:t>repaint</a:t>
+            </a:r>
+            <a:endParaRPr lang="fr-CA" dirty="0"/>
+          </a:p>
+          <a:p>
+            <a:pPr lvl="1"/>
+            <a:r>
+              <a:rPr lang="fr-CA" dirty="0"/>
+              <a:t>Efficient update of </a:t>
+            </a:r>
+            <a:r>
+              <a:rPr lang="fr-CA" dirty="0" err="1"/>
+              <a:t>sub</a:t>
+            </a:r>
+            <a:r>
+              <a:rPr lang="fr-CA" dirty="0"/>
+              <a:t> </a:t>
+            </a:r>
+            <a:r>
+              <a:rPr lang="fr-CA" dirty="0" err="1"/>
+              <a:t>tree</a:t>
+            </a:r>
+            <a:r>
+              <a:rPr lang="fr-CA" dirty="0"/>
+              <a:t> </a:t>
+            </a:r>
+            <a:r>
+              <a:rPr lang="fr-CA" dirty="0" err="1"/>
+              <a:t>only</a:t>
+            </a:r>
+            <a:endParaRPr lang="fr-CA" dirty="0"/>
+          </a:p>
+          <a:p>
+            <a:pPr lvl="1"/>
+            <a:r>
+              <a:rPr lang="fr-CA" dirty="0"/>
+              <a:t>Uses observable </a:t>
+            </a:r>
+            <a:r>
+              <a:rPr lang="fr-CA" dirty="0" err="1"/>
+              <a:t>instead</a:t>
+            </a:r>
+            <a:r>
+              <a:rPr lang="fr-CA" dirty="0"/>
+              <a:t> of </a:t>
+            </a:r>
+            <a:r>
+              <a:rPr lang="fr-CA" dirty="0" err="1"/>
+              <a:t>dirty</a:t>
+            </a:r>
+            <a:r>
+              <a:rPr lang="fr-CA" dirty="0"/>
+              <a:t> checking to </a:t>
+            </a:r>
+            <a:r>
+              <a:rPr lang="fr-CA" dirty="0" err="1"/>
+              <a:t>detect</a:t>
+            </a:r>
+            <a:r>
+              <a:rPr lang="fr-CA" dirty="0"/>
+              <a:t> change</a:t>
+            </a:r>
+          </a:p>
+          <a:p>
+            <a:pPr lvl="2"/>
+            <a:r>
+              <a:rPr lang="fr-CA" dirty="0" err="1"/>
+              <a:t>React</a:t>
+            </a:r>
+            <a:r>
+              <a:rPr lang="fr-CA" dirty="0"/>
+              <a:t>: </a:t>
+            </a:r>
+            <a:r>
+              <a:rPr lang="fr-CA" dirty="0" err="1"/>
+              <a:t>when</a:t>
+            </a:r>
+            <a:r>
+              <a:rPr lang="fr-CA" dirty="0"/>
+              <a:t> </a:t>
+            </a:r>
+            <a:r>
+              <a:rPr lang="fr-CA" dirty="0" err="1"/>
+              <a:t>setState</a:t>
+            </a:r>
+            <a:r>
+              <a:rPr lang="fr-CA" dirty="0"/>
+              <a:t>() =</a:t>
+            </a:r>
+            <a:r>
+              <a:rPr lang="en-CA" dirty="0"/>
+              <a:t>&gt; mark component dirty</a:t>
+            </a:r>
+          </a:p>
+          <a:p>
+            <a:pPr lvl="2"/>
+            <a:r>
+              <a:rPr lang="en-CA" dirty="0"/>
+              <a:t>Angular: Recurring process to detect change (</a:t>
+            </a:r>
+            <a:r>
+              <a:rPr lang="en-CA" dirty="0" err="1"/>
+              <a:t>doesn</a:t>
+            </a:r>
+            <a:r>
+              <a:rPr lang="fr-CA" dirty="0"/>
+              <a:t>’t </a:t>
+            </a:r>
+            <a:r>
+              <a:rPr lang="fr-CA" dirty="0" err="1"/>
+              <a:t>scale</a:t>
+            </a:r>
+            <a:r>
+              <a:rPr lang="fr-CA" dirty="0"/>
+              <a:t>)</a:t>
+            </a:r>
+          </a:p>
+          <a:p>
+            <a:endParaRPr lang="en-CA" dirty="0"/>
+          </a:p>
+        </p:txBody>
+      </p:sp>
+    </p:spTree>
+    <p:extLst>
+      <p:ext uri="{BB962C8B-B14F-4D97-AF65-F5344CB8AC3E}">
+        <p14:creationId xmlns:p14="http://schemas.microsoft.com/office/powerpoint/2010/main" val="4149388084"/>
+      </p:ext>
+    </p:extLst>
+  </p:cSld>
+  <p:clrMapOvr>
+    <a:masterClrMapping/>
+  </p:clrMapOvr>
+</p:sld>
+</file>
+
+<file path=ppt/slides/slide17.xml><?xml version="1.0" encoding="utf-8"?>
+<p:sld xmlns:a="http://schemas.openxmlformats.org/drawingml/2006/main" xmlns:r="http://schemas.openxmlformats.org/officeDocument/2006/relationships" xmlns:p="http://schemas.openxmlformats.org/presentationml/2006/main">
+  <p:cSld>
+    <p:spTree>
+      <p:nvGrpSpPr>
+        <p:cNvPr id="1" name=""/>
+        <p:cNvGrpSpPr/>
+        <p:nvPr/>
+      </p:nvGrpSpPr>
+      <p:grpSpPr>
+        <a:xfrm>
+          <a:off x="0" y="0"/>
+          <a:ext cx="0" cy="0"/>
+          <a:chOff x="0" y="0"/>
+          <a:chExt cx="0" cy="0"/>
+        </a:xfrm>
+      </p:grpSpPr>
+      <p:sp>
+        <p:nvSpPr>
+          <p:cNvPr id="2" name="Title 1">
+            <a:extLst>
+              <a:ext uri="{FF2B5EF4-FFF2-40B4-BE49-F238E27FC236}">
+                <a16:creationId xmlns:a16="http://schemas.microsoft.com/office/drawing/2014/main" id="{3DD84B58-110D-4E64-9FDC-F84E33F9BC89}"/>
+              </a:ext>
+            </a:extLst>
+          </p:cNvPr>
+          <p:cNvSpPr>
+            <a:spLocks noGrp="1"/>
+          </p:cNvSpPr>
+          <p:nvPr>
+            <p:ph type="title"/>
+          </p:nvPr>
+        </p:nvSpPr>
+        <p:spPr/>
+        <p:txBody>
+          <a:bodyPr/>
+          <a:lstStyle/>
+          <a:p>
+            <a:r>
+              <a:rPr lang="fr-CA" dirty="0"/>
+              <a:t>Virtual DOM vs Shadow DOM (skip)</a:t>
             </a:r>
           </a:p>
         </p:txBody>
@@ -6049,102 +6654,6 @@
 </p:sld>
 </file>
 
-<file path=ppt/slides/slide17.xml><?xml version="1.0" encoding="utf-8"?>
-<p:sld xmlns:a="http://schemas.openxmlformats.org/drawingml/2006/main" xmlns:r="http://schemas.openxmlformats.org/officeDocument/2006/relationships" xmlns:p="http://schemas.openxmlformats.org/presentationml/2006/main">
-  <p:cSld>
-    <p:spTree>
-      <p:nvGrpSpPr>
-        <p:cNvPr id="1" name=""/>
-        <p:cNvGrpSpPr/>
-        <p:nvPr/>
-      </p:nvGrpSpPr>
-      <p:grpSpPr>
-        <a:xfrm>
-          <a:off x="0" y="0"/>
-          <a:ext cx="0" cy="0"/>
-          <a:chOff x="0" y="0"/>
-          <a:chExt cx="0" cy="0"/>
-        </a:xfrm>
-      </p:grpSpPr>
-      <p:sp>
-        <p:nvSpPr>
-          <p:cNvPr id="4" name="Title 3">
-            <a:extLst>
-              <a:ext uri="{FF2B5EF4-FFF2-40B4-BE49-F238E27FC236}">
-                <a16:creationId xmlns:a16="http://schemas.microsoft.com/office/drawing/2014/main" id="{B75295A1-A828-4ADA-BCE1-4C8896295C27}"/>
-              </a:ext>
-            </a:extLst>
-          </p:cNvPr>
-          <p:cNvSpPr>
-            <a:spLocks noGrp="1"/>
-          </p:cNvSpPr>
-          <p:nvPr>
-            <p:ph type="title"/>
-          </p:nvPr>
-        </p:nvSpPr>
-        <p:spPr/>
-        <p:txBody>
-          <a:bodyPr/>
-          <a:lstStyle/>
-          <a:p>
-            <a:r>
-              <a:rPr lang="fr-CA" dirty="0"/>
-              <a:t>4 – </a:t>
-            </a:r>
-            <a:r>
-              <a:rPr lang="fr-CA" dirty="0" err="1"/>
-              <a:t>React</a:t>
-            </a:r>
-            <a:r>
-              <a:rPr lang="fr-CA" dirty="0"/>
-              <a:t> </a:t>
-            </a:r>
-            <a:r>
-              <a:rPr lang="fr-CA" dirty="0" err="1"/>
-              <a:t>Lifecycle</a:t>
-            </a:r>
-            <a:endParaRPr lang="fr-CA" dirty="0"/>
-          </a:p>
-        </p:txBody>
-      </p:sp>
-      <p:sp>
-        <p:nvSpPr>
-          <p:cNvPr id="5" name="Text Placeholder 4">
-            <a:extLst>
-              <a:ext uri="{FF2B5EF4-FFF2-40B4-BE49-F238E27FC236}">
-                <a16:creationId xmlns:a16="http://schemas.microsoft.com/office/drawing/2014/main" id="{9AB539E5-379D-48F0-A141-68E22F6ED824}"/>
-              </a:ext>
-            </a:extLst>
-          </p:cNvPr>
-          <p:cNvSpPr>
-            <a:spLocks noGrp="1"/>
-          </p:cNvSpPr>
-          <p:nvPr>
-            <p:ph type="body" idx="1"/>
-          </p:nvPr>
-        </p:nvSpPr>
-        <p:spPr/>
-        <p:txBody>
-          <a:bodyPr/>
-          <a:lstStyle/>
-          <a:p>
-            <a:endParaRPr lang="fr-CA"/>
-          </a:p>
-        </p:txBody>
-      </p:sp>
-    </p:spTree>
-    <p:extLst>
-      <p:ext uri="{BB962C8B-B14F-4D97-AF65-F5344CB8AC3E}">
-        <p14:creationId xmlns:p14="http://schemas.microsoft.com/office/powerpoint/2010/main" val="3504496674"/>
-      </p:ext>
-    </p:extLst>
-  </p:cSld>
-  <p:clrMapOvr>
-    <a:masterClrMapping/>
-  </p:clrMapOvr>
-</p:sld>
-</file>
-
 <file path=ppt/slides/slide18.xml><?xml version="1.0" encoding="utf-8"?>
 <p:sld xmlns:a="http://schemas.openxmlformats.org/drawingml/2006/main" xmlns:r="http://schemas.openxmlformats.org/officeDocument/2006/relationships" xmlns:p="http://schemas.openxmlformats.org/presentationml/2006/main">
   <p:cSld>
@@ -6164,6 +6673,102 @@
       </p:grpSpPr>
       <p:sp>
         <p:nvSpPr>
+          <p:cNvPr id="4" name="Title 3">
+            <a:extLst>
+              <a:ext uri="{FF2B5EF4-FFF2-40B4-BE49-F238E27FC236}">
+                <a16:creationId xmlns:a16="http://schemas.microsoft.com/office/drawing/2014/main" id="{B75295A1-A828-4ADA-BCE1-4C8896295C27}"/>
+              </a:ext>
+            </a:extLst>
+          </p:cNvPr>
+          <p:cNvSpPr>
+            <a:spLocks noGrp="1"/>
+          </p:cNvSpPr>
+          <p:nvPr>
+            <p:ph type="title"/>
+          </p:nvPr>
+        </p:nvSpPr>
+        <p:spPr/>
+        <p:txBody>
+          <a:bodyPr/>
+          <a:lstStyle/>
+          <a:p>
+            <a:r>
+              <a:rPr lang="fr-CA" dirty="0"/>
+              <a:t>4 – </a:t>
+            </a:r>
+            <a:r>
+              <a:rPr lang="fr-CA" dirty="0" err="1"/>
+              <a:t>React</a:t>
+            </a:r>
+            <a:r>
+              <a:rPr lang="fr-CA" dirty="0"/>
+              <a:t> </a:t>
+            </a:r>
+            <a:r>
+              <a:rPr lang="fr-CA" dirty="0" err="1"/>
+              <a:t>Lifecycle</a:t>
+            </a:r>
+            <a:endParaRPr lang="fr-CA" dirty="0"/>
+          </a:p>
+        </p:txBody>
+      </p:sp>
+      <p:sp>
+        <p:nvSpPr>
+          <p:cNvPr id="5" name="Text Placeholder 4">
+            <a:extLst>
+              <a:ext uri="{FF2B5EF4-FFF2-40B4-BE49-F238E27FC236}">
+                <a16:creationId xmlns:a16="http://schemas.microsoft.com/office/drawing/2014/main" id="{9AB539E5-379D-48F0-A141-68E22F6ED824}"/>
+              </a:ext>
+            </a:extLst>
+          </p:cNvPr>
+          <p:cNvSpPr>
+            <a:spLocks noGrp="1"/>
+          </p:cNvSpPr>
+          <p:nvPr>
+            <p:ph type="body" idx="1"/>
+          </p:nvPr>
+        </p:nvSpPr>
+        <p:spPr/>
+        <p:txBody>
+          <a:bodyPr/>
+          <a:lstStyle/>
+          <a:p>
+            <a:endParaRPr lang="fr-CA"/>
+          </a:p>
+        </p:txBody>
+      </p:sp>
+    </p:spTree>
+    <p:extLst>
+      <p:ext uri="{BB962C8B-B14F-4D97-AF65-F5344CB8AC3E}">
+        <p14:creationId xmlns:p14="http://schemas.microsoft.com/office/powerpoint/2010/main" val="3504496674"/>
+      </p:ext>
+    </p:extLst>
+  </p:cSld>
+  <p:clrMapOvr>
+    <a:masterClrMapping/>
+  </p:clrMapOvr>
+</p:sld>
+</file>
+
+<file path=ppt/slides/slide19.xml><?xml version="1.0" encoding="utf-8"?>
+<p:sld xmlns:a="http://schemas.openxmlformats.org/drawingml/2006/main" xmlns:r="http://schemas.openxmlformats.org/officeDocument/2006/relationships" xmlns:p="http://schemas.openxmlformats.org/presentationml/2006/main">
+  <p:cSld>
+    <p:spTree>
+      <p:nvGrpSpPr>
+        <p:cNvPr id="1" name=""/>
+        <p:cNvGrpSpPr/>
+        <p:nvPr/>
+      </p:nvGrpSpPr>
+      <p:grpSpPr>
+        <a:xfrm>
+          <a:off x="0" y="0"/>
+          <a:ext cx="0" cy="0"/>
+          <a:chOff x="0" y="0"/>
+          <a:chExt cx="0" cy="0"/>
+        </a:xfrm>
+      </p:grpSpPr>
+      <p:sp>
+        <p:nvSpPr>
           <p:cNvPr id="2" name="Title 1">
             <a:extLst>
               <a:ext uri="{FF2B5EF4-FFF2-40B4-BE49-F238E27FC236}">
@@ -6224,7 +6829,7 @@
         </p:blipFill>
         <p:spPr bwMode="auto">
           <a:xfrm>
-            <a:off x="1358205" y="1588498"/>
+            <a:off x="1358205" y="1613898"/>
             <a:ext cx="8953081" cy="4904377"/>
           </a:xfrm>
           <a:prstGeom prst="rect">
@@ -6255,7 +6860,148 @@
 </p:sld>
 </file>
 
-<file path=ppt/slides/slide19.xml><?xml version="1.0" encoding="utf-8"?>
+<file path=ppt/slides/slide2.xml><?xml version="1.0" encoding="utf-8"?>
+<p:sld xmlns:a="http://schemas.openxmlformats.org/drawingml/2006/main" xmlns:r="http://schemas.openxmlformats.org/officeDocument/2006/relationships" xmlns:p="http://schemas.openxmlformats.org/presentationml/2006/main">
+  <p:cSld>
+    <p:spTree>
+      <p:nvGrpSpPr>
+        <p:cNvPr id="1" name=""/>
+        <p:cNvGrpSpPr/>
+        <p:nvPr/>
+      </p:nvGrpSpPr>
+      <p:grpSpPr>
+        <a:xfrm>
+          <a:off x="0" y="0"/>
+          <a:ext cx="0" cy="0"/>
+          <a:chOff x="0" y="0"/>
+          <a:chExt cx="0" cy="0"/>
+        </a:xfrm>
+      </p:grpSpPr>
+      <p:sp>
+        <p:nvSpPr>
+          <p:cNvPr id="2" name="Title 1">
+            <a:extLst>
+              <a:ext uri="{FF2B5EF4-FFF2-40B4-BE49-F238E27FC236}">
+                <a16:creationId xmlns:a16="http://schemas.microsoft.com/office/drawing/2014/main" id="{6862E0C2-B64D-4871-936B-05B991BF8A94}"/>
+              </a:ext>
+            </a:extLst>
+          </p:cNvPr>
+          <p:cNvSpPr>
+            <a:spLocks noGrp="1"/>
+          </p:cNvSpPr>
+          <p:nvPr>
+            <p:ph type="title"/>
+          </p:nvPr>
+        </p:nvSpPr>
+        <p:spPr/>
+        <p:txBody>
+          <a:bodyPr/>
+          <a:lstStyle/>
+          <a:p>
+            <a:endParaRPr lang="fr-CA"/>
+          </a:p>
+        </p:txBody>
+      </p:sp>
+      <p:sp>
+        <p:nvSpPr>
+          <p:cNvPr id="3" name="Content Placeholder 2">
+            <a:extLst>
+              <a:ext uri="{FF2B5EF4-FFF2-40B4-BE49-F238E27FC236}">
+                <a16:creationId xmlns:a16="http://schemas.microsoft.com/office/drawing/2014/main" id="{2AE23191-433F-4CBA-8033-92AE83FDECAD}"/>
+              </a:ext>
+            </a:extLst>
+          </p:cNvPr>
+          <p:cNvSpPr>
+            <a:spLocks noGrp="1"/>
+          </p:cNvSpPr>
+          <p:nvPr>
+            <p:ph idx="1"/>
+          </p:nvPr>
+        </p:nvSpPr>
+        <p:spPr/>
+        <p:txBody>
+          <a:bodyPr/>
+          <a:lstStyle/>
+          <a:p>
+            <a:r>
+              <a:rPr lang="fr-CA" dirty="0" err="1"/>
+              <a:t>Todo</a:t>
+            </a:r>
+            <a:endParaRPr lang="fr-CA" dirty="0"/>
+          </a:p>
+          <a:p>
+            <a:pPr lvl="1"/>
+            <a:r>
+              <a:rPr lang="fr-CA" dirty="0"/>
+              <a:t>Comparer arbre DOM et </a:t>
+            </a:r>
+            <a:r>
+              <a:rPr lang="fr-CA" dirty="0" err="1"/>
+              <a:t>virtual</a:t>
+            </a:r>
+            <a:r>
+              <a:rPr lang="fr-CA" dirty="0"/>
+              <a:t> </a:t>
+            </a:r>
+          </a:p>
+          <a:p>
+            <a:pPr lvl="1"/>
+            <a:r>
+              <a:rPr lang="fr-CA" dirty="0"/>
+              <a:t>Mentionner format </a:t>
+            </a:r>
+            <a:r>
+              <a:rPr lang="fr-CA" dirty="0" err="1"/>
+              <a:t>jsx</a:t>
+            </a:r>
+            <a:endParaRPr lang="fr-CA" dirty="0"/>
+          </a:p>
+          <a:p>
+            <a:pPr lvl="1"/>
+            <a:r>
+              <a:rPr lang="fr-CA" dirty="0"/>
+              <a:t>Switch 2 et 3</a:t>
+            </a:r>
+          </a:p>
+          <a:p>
+            <a:pPr lvl="1"/>
+            <a:r>
+              <a:rPr lang="fr-CA" dirty="0"/>
+              <a:t>Switch </a:t>
+            </a:r>
+            <a:r>
+              <a:rPr lang="fr-CA" dirty="0" err="1"/>
+              <a:t>lifecycle</a:t>
+            </a:r>
+            <a:r>
+              <a:rPr lang="fr-CA" dirty="0"/>
+              <a:t> et </a:t>
+            </a:r>
+            <a:r>
+              <a:rPr lang="fr-CA" dirty="0" err="1"/>
+              <a:t>render</a:t>
+            </a:r>
+            <a:r>
+              <a:rPr lang="fr-CA" dirty="0"/>
+              <a:t> (tout suite après Virtual DOM)</a:t>
+            </a:r>
+          </a:p>
+        </p:txBody>
+      </p:sp>
+    </p:spTree>
+    <p:extLst>
+      <p:ext uri="{BB962C8B-B14F-4D97-AF65-F5344CB8AC3E}">
+        <p14:creationId xmlns:p14="http://schemas.microsoft.com/office/powerpoint/2010/main" val="450814685"/>
+      </p:ext>
+    </p:extLst>
+  </p:cSld>
+  <p:clrMapOvr>
+    <a:masterClrMapping/>
+  </p:clrMapOvr>
+</p:sld>
+</file>
+
+<file path=ppt/slides/slide20.xml><?xml version="1.0" encoding="utf-8"?>
 <p:sld xmlns:a="http://schemas.openxmlformats.org/drawingml/2006/main" xmlns:r="http://schemas.openxmlformats.org/officeDocument/2006/relationships" xmlns:p="http://schemas.openxmlformats.org/presentationml/2006/main">
   <p:cSld>
     <p:spTree>
@@ -6813,180 +7559,7 @@
 </p:sld>
 </file>
 
-<file path=ppt/slides/slide2.xml><?xml version="1.0" encoding="utf-8"?>
-<p:sld xmlns:a="http://schemas.openxmlformats.org/drawingml/2006/main" xmlns:r="http://schemas.openxmlformats.org/officeDocument/2006/relationships" xmlns:p="http://schemas.openxmlformats.org/presentationml/2006/main">
-  <p:cSld>
-    <p:spTree>
-      <p:nvGrpSpPr>
-        <p:cNvPr id="1" name=""/>
-        <p:cNvGrpSpPr/>
-        <p:nvPr/>
-      </p:nvGrpSpPr>
-      <p:grpSpPr>
-        <a:xfrm>
-          <a:off x="0" y="0"/>
-          <a:ext cx="0" cy="0"/>
-          <a:chOff x="0" y="0"/>
-          <a:chExt cx="0" cy="0"/>
-        </a:xfrm>
-      </p:grpSpPr>
-      <p:sp>
-        <p:nvSpPr>
-          <p:cNvPr id="2" name="Title 1">
-            <a:extLst>
-              <a:ext uri="{FF2B5EF4-FFF2-40B4-BE49-F238E27FC236}">
-                <a16:creationId xmlns:a16="http://schemas.microsoft.com/office/drawing/2014/main" id="{C54D4E42-1EF3-407D-B9FC-96C34FC6F58B}"/>
-              </a:ext>
-            </a:extLst>
-          </p:cNvPr>
-          <p:cNvSpPr>
-            <a:spLocks noGrp="1"/>
-          </p:cNvSpPr>
-          <p:nvPr>
-            <p:ph type="title"/>
-          </p:nvPr>
-        </p:nvSpPr>
-        <p:spPr/>
-        <p:txBody>
-          <a:bodyPr/>
-          <a:lstStyle/>
-          <a:p>
-            <a:r>
-              <a:rPr lang="fr-CA" dirty="0"/>
-              <a:t>Table des matières</a:t>
-            </a:r>
-          </a:p>
-        </p:txBody>
-      </p:sp>
-      <p:sp>
-        <p:nvSpPr>
-          <p:cNvPr id="3" name="Content Placeholder 2">
-            <a:extLst>
-              <a:ext uri="{FF2B5EF4-FFF2-40B4-BE49-F238E27FC236}">
-                <a16:creationId xmlns:a16="http://schemas.microsoft.com/office/drawing/2014/main" id="{2B6AA249-33B6-461C-9EAF-8199B14CE7A9}"/>
-              </a:ext>
-            </a:extLst>
-          </p:cNvPr>
-          <p:cNvSpPr>
-            <a:spLocks noGrp="1"/>
-          </p:cNvSpPr>
-          <p:nvPr>
-            <p:ph idx="1"/>
-          </p:nvPr>
-        </p:nvSpPr>
-        <p:spPr/>
-        <p:txBody>
-          <a:bodyPr/>
-          <a:lstStyle/>
-          <a:p>
-            <a:pPr marL="514350" indent="-514350">
-              <a:buFont typeface="+mj-lt"/>
-              <a:buAutoNum type="arabicPeriod"/>
-            </a:pPr>
-            <a:r>
-              <a:rPr lang="fr-CA" dirty="0"/>
-              <a:t>DOM &amp; Browser</a:t>
-            </a:r>
-          </a:p>
-          <a:p>
-            <a:pPr marL="514350" indent="-514350">
-              <a:buFont typeface="+mj-lt"/>
-              <a:buAutoNum type="arabicPeriod"/>
-            </a:pPr>
-            <a:r>
-              <a:rPr lang="fr-CA" dirty="0" err="1"/>
-              <a:t>React</a:t>
-            </a:r>
-            <a:r>
-              <a:rPr lang="fr-CA" dirty="0"/>
-              <a:t> Building Block</a:t>
-            </a:r>
-          </a:p>
-          <a:p>
-            <a:pPr marL="514350" indent="-514350">
-              <a:buFont typeface="+mj-lt"/>
-              <a:buAutoNum type="arabicPeriod"/>
-            </a:pPr>
-            <a:r>
-              <a:rPr lang="fr-CA" dirty="0"/>
-              <a:t>Virtual DOM</a:t>
-            </a:r>
-          </a:p>
-          <a:p>
-            <a:pPr marL="514350" indent="-514350">
-              <a:buFont typeface="+mj-lt"/>
-              <a:buAutoNum type="arabicPeriod"/>
-            </a:pPr>
-            <a:r>
-              <a:rPr lang="fr-CA" dirty="0" err="1"/>
-              <a:t>Lifecycle</a:t>
-            </a:r>
-            <a:endParaRPr lang="fr-CA" dirty="0"/>
-          </a:p>
-          <a:p>
-            <a:pPr marL="514350" indent="-514350">
-              <a:buFont typeface="+mj-lt"/>
-              <a:buAutoNum type="arabicPeriod"/>
-            </a:pPr>
-            <a:r>
-              <a:rPr lang="fr-CA" dirty="0" err="1"/>
-              <a:t>Render</a:t>
-            </a:r>
-            <a:r>
-              <a:rPr lang="fr-CA" dirty="0"/>
-              <a:t> (Waste </a:t>
-            </a:r>
-            <a:r>
-              <a:rPr lang="fr-CA" dirty="0" err="1"/>
-              <a:t>Render</a:t>
-            </a:r>
-            <a:r>
-              <a:rPr lang="fr-CA" dirty="0"/>
-              <a:t> &amp; </a:t>
-            </a:r>
-            <a:r>
-              <a:rPr lang="fr-CA" dirty="0" err="1"/>
-              <a:t>Reconciliation</a:t>
-            </a:r>
-            <a:r>
-              <a:rPr lang="fr-CA" dirty="0"/>
-              <a:t>)</a:t>
-            </a:r>
-          </a:p>
-          <a:p>
-            <a:pPr marL="514350" indent="-514350">
-              <a:buFont typeface="+mj-lt"/>
-              <a:buAutoNum type="arabicPeriod"/>
-            </a:pPr>
-            <a:r>
-              <a:rPr lang="fr-CA" dirty="0"/>
-              <a:t>Profiling </a:t>
-            </a:r>
-            <a:r>
-              <a:rPr lang="fr-CA" dirty="0" err="1"/>
-              <a:t>tools</a:t>
-            </a:r>
-            <a:endParaRPr lang="fr-CA" dirty="0"/>
-          </a:p>
-          <a:p>
-            <a:endParaRPr lang="fr-CA" dirty="0"/>
-          </a:p>
-        </p:txBody>
-      </p:sp>
-    </p:spTree>
-    <p:extLst>
-      <p:ext uri="{BB962C8B-B14F-4D97-AF65-F5344CB8AC3E}">
-        <p14:creationId xmlns:p14="http://schemas.microsoft.com/office/powerpoint/2010/main" val="4115206639"/>
-      </p:ext>
-    </p:extLst>
-  </p:cSld>
-  <p:clrMapOvr>
-    <a:masterClrMapping/>
-  </p:clrMapOvr>
-</p:sld>
-</file>
-
-<file path=ppt/slides/slide20.xml><?xml version="1.0" encoding="utf-8"?>
+<file path=ppt/slides/slide21.xml><?xml version="1.0" encoding="utf-8"?>
 <p:sld xmlns:a="http://schemas.openxmlformats.org/drawingml/2006/main" xmlns:r="http://schemas.openxmlformats.org/officeDocument/2006/relationships" xmlns:p="http://schemas.openxmlformats.org/presentationml/2006/main">
   <p:cSld>
     <p:spTree>
@@ -7369,142 +7942,6 @@
 </p:sld>
 </file>
 
-<file path=ppt/slides/slide21.xml><?xml version="1.0" encoding="utf-8"?>
-<p:sld xmlns:a="http://schemas.openxmlformats.org/drawingml/2006/main" xmlns:r="http://schemas.openxmlformats.org/officeDocument/2006/relationships" xmlns:p="http://schemas.openxmlformats.org/presentationml/2006/main">
-  <p:cSld>
-    <p:spTree>
-      <p:nvGrpSpPr>
-        <p:cNvPr id="1" name=""/>
-        <p:cNvGrpSpPr/>
-        <p:nvPr/>
-      </p:nvGrpSpPr>
-      <p:grpSpPr>
-        <a:xfrm>
-          <a:off x="0" y="0"/>
-          <a:ext cx="0" cy="0"/>
-          <a:chOff x="0" y="0"/>
-          <a:chExt cx="0" cy="0"/>
-        </a:xfrm>
-      </p:grpSpPr>
-      <p:sp>
-        <p:nvSpPr>
-          <p:cNvPr id="2" name="Title 1">
-            <a:extLst>
-              <a:ext uri="{FF2B5EF4-FFF2-40B4-BE49-F238E27FC236}">
-                <a16:creationId xmlns:a16="http://schemas.microsoft.com/office/drawing/2014/main" id="{26ACBA9A-C772-48F1-ADB4-160A6F2B87BB}"/>
-              </a:ext>
-            </a:extLst>
-          </p:cNvPr>
-          <p:cNvSpPr>
-            <a:spLocks noGrp="1"/>
-          </p:cNvSpPr>
-          <p:nvPr>
-            <p:ph type="title"/>
-          </p:nvPr>
-        </p:nvSpPr>
-        <p:spPr/>
-        <p:txBody>
-          <a:bodyPr/>
-          <a:lstStyle/>
-          <a:p>
-            <a:r>
-              <a:rPr lang="fr-CA" dirty="0"/>
-              <a:t>Exos #4: Inside a </a:t>
-            </a:r>
-            <a:r>
-              <a:rPr lang="fr-CA" dirty="0" err="1"/>
-              <a:t>React</a:t>
-            </a:r>
-            <a:r>
-              <a:rPr lang="fr-CA" dirty="0"/>
-              <a:t> Component Life (optionnel)</a:t>
-            </a:r>
-          </a:p>
-        </p:txBody>
-      </p:sp>
-      <p:sp>
-        <p:nvSpPr>
-          <p:cNvPr id="3" name="Content Placeholder 2">
-            <a:extLst>
-              <a:ext uri="{FF2B5EF4-FFF2-40B4-BE49-F238E27FC236}">
-                <a16:creationId xmlns:a16="http://schemas.microsoft.com/office/drawing/2014/main" id="{3D265ABA-2E39-4ACB-AE32-AE10177C1227}"/>
-              </a:ext>
-            </a:extLst>
-          </p:cNvPr>
-          <p:cNvSpPr>
-            <a:spLocks noGrp="1"/>
-          </p:cNvSpPr>
-          <p:nvPr>
-            <p:ph idx="1"/>
-          </p:nvPr>
-        </p:nvSpPr>
-        <p:spPr/>
-        <p:txBody>
-          <a:bodyPr/>
-          <a:lstStyle/>
-          <a:p>
-            <a:r>
-              <a:rPr lang="en-CA" dirty="0"/>
-              <a:t>Onglet: “Inside a React Component Life”</a:t>
-            </a:r>
-          </a:p>
-          <a:p>
-            <a:endParaRPr lang="en-CA" dirty="0"/>
-          </a:p>
-          <a:p>
-            <a:pPr marL="0" indent="0">
-              <a:buNone/>
-            </a:pPr>
-            <a:r>
-              <a:rPr lang="fr-CA" dirty="0">
-                <a:hlinkClick r:id="rId2"/>
-              </a:rPr>
-              <a:t>https://medium.com/@sgobinda007/playing-with-component-lifecycle-methods-of-react-16-3-4c946c1e6982</a:t>
-            </a:r>
-            <a:r>
-              <a:rPr lang="fr-CA" dirty="0"/>
-              <a:t> </a:t>
-            </a:r>
-          </a:p>
-          <a:p>
-            <a:pPr marL="0" indent="0">
-              <a:buNone/>
-            </a:pPr>
-            <a:endParaRPr lang="en-CA" dirty="0"/>
-          </a:p>
-          <a:p>
-            <a:pPr marL="0" indent="0">
-              <a:buNone/>
-            </a:pPr>
-            <a:r>
-              <a:rPr lang="fr-CA" dirty="0">
-                <a:hlinkClick r:id="rId3"/>
-              </a:rPr>
-              <a:t>https://blog.bitsrc.io/react-16-lifecycle-methods-how-and-when-to-use-them-f4ad31fb2282</a:t>
-            </a:r>
-            <a:endParaRPr lang="fr-CA" dirty="0"/>
-          </a:p>
-          <a:p>
-            <a:pPr marL="0" indent="0">
-              <a:buNone/>
-            </a:pPr>
-            <a:endParaRPr lang="fr-CA" dirty="0"/>
-          </a:p>
-        </p:txBody>
-      </p:sp>
-    </p:spTree>
-    <p:extLst>
-      <p:ext uri="{BB962C8B-B14F-4D97-AF65-F5344CB8AC3E}">
-        <p14:creationId xmlns:p14="http://schemas.microsoft.com/office/powerpoint/2010/main" val="2994482953"/>
-      </p:ext>
-    </p:extLst>
-  </p:cSld>
-  <p:clrMapOvr>
-    <a:masterClrMapping/>
-  </p:clrMapOvr>
-</p:sld>
-</file>
-
 <file path=ppt/slides/slide22.xml><?xml version="1.0" encoding="utf-8"?>
 <p:sld xmlns:a="http://schemas.openxmlformats.org/drawingml/2006/main" xmlns:r="http://schemas.openxmlformats.org/officeDocument/2006/relationships" xmlns:p="http://schemas.openxmlformats.org/presentationml/2006/main">
   <p:cSld>
@@ -7524,10 +7961,10 @@
       </p:grpSpPr>
       <p:sp>
         <p:nvSpPr>
-          <p:cNvPr id="4" name="Title 3">
-            <a:extLst>
-              <a:ext uri="{FF2B5EF4-FFF2-40B4-BE49-F238E27FC236}">
-                <a16:creationId xmlns:a16="http://schemas.microsoft.com/office/drawing/2014/main" id="{B75295A1-A828-4ADA-BCE1-4C8896295C27}"/>
+          <p:cNvPr id="2" name="Title 1">
+            <a:extLst>
+              <a:ext uri="{FF2B5EF4-FFF2-40B4-BE49-F238E27FC236}">
+                <a16:creationId xmlns:a16="http://schemas.microsoft.com/office/drawing/2014/main" id="{26ACBA9A-C772-48F1-ADB4-160A6F2B87BB}"/>
               </a:ext>
             </a:extLst>
           </p:cNvPr>
@@ -7545,30 +7982,33 @@
           <a:p>
             <a:r>
               <a:rPr lang="fr-CA" dirty="0"/>
-              <a:t>5 – </a:t>
-            </a:r>
-            <a:r>
-              <a:rPr lang="fr-CA" dirty="0" err="1"/>
-              <a:t>Render</a:t>
-            </a:r>
-            <a:endParaRPr lang="fr-CA" dirty="0"/>
-          </a:p>
-        </p:txBody>
-      </p:sp>
-      <p:sp>
-        <p:nvSpPr>
-          <p:cNvPr id="5" name="Text Placeholder 4">
-            <a:extLst>
-              <a:ext uri="{FF2B5EF4-FFF2-40B4-BE49-F238E27FC236}">
-                <a16:creationId xmlns:a16="http://schemas.microsoft.com/office/drawing/2014/main" id="{9AB539E5-379D-48F0-A141-68E22F6ED824}"/>
-              </a:ext>
-            </a:extLst>
-          </p:cNvPr>
-          <p:cNvSpPr>
-            <a:spLocks noGrp="1"/>
-          </p:cNvSpPr>
-          <p:nvPr>
-            <p:ph type="body" idx="1"/>
+              <a:t>Exos #4: Inside a </a:t>
+            </a:r>
+            <a:r>
+              <a:rPr lang="fr-CA" dirty="0" err="1"/>
+              <a:t>React</a:t>
+            </a:r>
+            <a:r>
+              <a:rPr lang="fr-CA" dirty="0"/>
+              <a:t> Component Life (optionnel)</a:t>
+            </a:r>
+          </a:p>
+        </p:txBody>
+      </p:sp>
+      <p:sp>
+        <p:nvSpPr>
+          <p:cNvPr id="3" name="Content Placeholder 2">
+            <a:extLst>
+              <a:ext uri="{FF2B5EF4-FFF2-40B4-BE49-F238E27FC236}">
+                <a16:creationId xmlns:a16="http://schemas.microsoft.com/office/drawing/2014/main" id="{3D265ABA-2E39-4ACB-AE32-AE10177C1227}"/>
+              </a:ext>
+            </a:extLst>
+          </p:cNvPr>
+          <p:cNvSpPr>
+            <a:spLocks noGrp="1"/>
+          </p:cNvSpPr>
+          <p:nvPr>
+            <p:ph idx="1"/>
           </p:nvPr>
         </p:nvSpPr>
         <p:spPr/>
@@ -7576,6 +8016,51 @@
           <a:bodyPr/>
           <a:lstStyle/>
           <a:p>
+            <a:r>
+              <a:rPr lang="en-CA" dirty="0"/>
+              <a:t>Onglet: “Inside a React Component Life”</a:t>
+            </a:r>
+          </a:p>
+          <a:p>
+            <a:endParaRPr lang="en-CA" dirty="0"/>
+          </a:p>
+          <a:p>
+            <a:pPr marL="0" indent="0">
+              <a:buNone/>
+            </a:pPr>
+            <a:r>
+              <a:rPr lang="fr-CA" dirty="0">
+                <a:hlinkClick r:id="rId2"/>
+              </a:rPr>
+              <a:t>https://medium.com/@sgobinda007/playing-with-component-lifecycle-methods-of-react-16-3-4c946c1e6982</a:t>
+            </a:r>
+            <a:r>
+              <a:rPr lang="fr-CA" dirty="0"/>
+              <a:t> </a:t>
+            </a:r>
+          </a:p>
+          <a:p>
+            <a:pPr marL="0" indent="0">
+              <a:buNone/>
+            </a:pPr>
+            <a:endParaRPr lang="en-CA" dirty="0"/>
+          </a:p>
+          <a:p>
+            <a:pPr marL="0" indent="0">
+              <a:buNone/>
+            </a:pPr>
+            <a:r>
+              <a:rPr lang="fr-CA" dirty="0">
+                <a:hlinkClick r:id="rId3"/>
+              </a:rPr>
+              <a:t>https://blog.bitsrc.io/react-16-lifecycle-methods-how-and-when-to-use-them-f4ad31fb2282</a:t>
+            </a:r>
+            <a:endParaRPr lang="fr-CA" dirty="0"/>
+          </a:p>
+          <a:p>
+            <a:pPr marL="0" indent="0">
+              <a:buNone/>
+            </a:pPr>
             <a:endParaRPr lang="fr-CA" dirty="0"/>
           </a:p>
         </p:txBody>
@@ -7583,7 +8068,7 @@
     </p:spTree>
     <p:extLst>
       <p:ext uri="{BB962C8B-B14F-4D97-AF65-F5344CB8AC3E}">
-        <p14:creationId xmlns:p14="http://schemas.microsoft.com/office/powerpoint/2010/main" val="3282056198"/>
+        <p14:creationId xmlns:p14="http://schemas.microsoft.com/office/powerpoint/2010/main" val="2994482953"/>
       </p:ext>
     </p:extLst>
   </p:cSld>
@@ -7610,6 +8095,94 @@
           <a:chExt cx="0" cy="0"/>
         </a:xfrm>
       </p:grpSpPr>
+      <p:sp>
+        <p:nvSpPr>
+          <p:cNvPr id="4" name="Title 3">
+            <a:extLst>
+              <a:ext uri="{FF2B5EF4-FFF2-40B4-BE49-F238E27FC236}">
+                <a16:creationId xmlns:a16="http://schemas.microsoft.com/office/drawing/2014/main" id="{B75295A1-A828-4ADA-BCE1-4C8896295C27}"/>
+              </a:ext>
+            </a:extLst>
+          </p:cNvPr>
+          <p:cNvSpPr>
+            <a:spLocks noGrp="1"/>
+          </p:cNvSpPr>
+          <p:nvPr>
+            <p:ph type="title"/>
+          </p:nvPr>
+        </p:nvSpPr>
+        <p:spPr/>
+        <p:txBody>
+          <a:bodyPr/>
+          <a:lstStyle/>
+          <a:p>
+            <a:r>
+              <a:rPr lang="fr-CA" dirty="0"/>
+              <a:t>5 – </a:t>
+            </a:r>
+            <a:r>
+              <a:rPr lang="fr-CA" dirty="0" err="1"/>
+              <a:t>Render</a:t>
+            </a:r>
+            <a:endParaRPr lang="fr-CA" dirty="0"/>
+          </a:p>
+        </p:txBody>
+      </p:sp>
+      <p:sp>
+        <p:nvSpPr>
+          <p:cNvPr id="5" name="Text Placeholder 4">
+            <a:extLst>
+              <a:ext uri="{FF2B5EF4-FFF2-40B4-BE49-F238E27FC236}">
+                <a16:creationId xmlns:a16="http://schemas.microsoft.com/office/drawing/2014/main" id="{9AB539E5-379D-48F0-A141-68E22F6ED824}"/>
+              </a:ext>
+            </a:extLst>
+          </p:cNvPr>
+          <p:cNvSpPr>
+            <a:spLocks noGrp="1"/>
+          </p:cNvSpPr>
+          <p:nvPr>
+            <p:ph type="body" idx="1"/>
+          </p:nvPr>
+        </p:nvSpPr>
+        <p:spPr/>
+        <p:txBody>
+          <a:bodyPr/>
+          <a:lstStyle/>
+          <a:p>
+            <a:endParaRPr lang="fr-CA" dirty="0"/>
+          </a:p>
+        </p:txBody>
+      </p:sp>
+    </p:spTree>
+    <p:extLst>
+      <p:ext uri="{BB962C8B-B14F-4D97-AF65-F5344CB8AC3E}">
+        <p14:creationId xmlns:p14="http://schemas.microsoft.com/office/powerpoint/2010/main" val="3282056198"/>
+      </p:ext>
+    </p:extLst>
+  </p:cSld>
+  <p:clrMapOvr>
+    <a:masterClrMapping/>
+  </p:clrMapOvr>
+</p:sld>
+</file>
+
+<file path=ppt/slides/slide24.xml><?xml version="1.0" encoding="utf-8"?>
+<p:sld xmlns:a="http://schemas.openxmlformats.org/drawingml/2006/main" xmlns:r="http://schemas.openxmlformats.org/officeDocument/2006/relationships" xmlns:p="http://schemas.openxmlformats.org/presentationml/2006/main">
+  <p:cSld>
+    <p:spTree>
+      <p:nvGrpSpPr>
+        <p:cNvPr id="1" name=""/>
+        <p:cNvGrpSpPr/>
+        <p:nvPr/>
+      </p:nvGrpSpPr>
+      <p:grpSpPr>
+        <a:xfrm>
+          <a:off x="0" y="0"/>
+          <a:ext cx="0" cy="0"/>
+          <a:chOff x="0" y="0"/>
+          <a:chExt cx="0" cy="0"/>
+        </a:xfrm>
+      </p:grpSpPr>
       <p:pic>
         <p:nvPicPr>
           <p:cNvPr id="1026" name="Picture 2" descr="Image result for react virtual dom">
@@ -7900,7 +8473,7 @@
 </p:sld>
 </file>
 
-<file path=ppt/slides/slide24.xml><?xml version="1.0" encoding="utf-8"?>
+<file path=ppt/slides/slide25.xml><?xml version="1.0" encoding="utf-8"?>
 <p:sld xmlns:a="http://schemas.openxmlformats.org/drawingml/2006/main" xmlns:r="http://schemas.openxmlformats.org/officeDocument/2006/relationships" xmlns:p="http://schemas.openxmlformats.org/presentationml/2006/main">
   <p:cSld>
     <p:spTree>
@@ -8007,7 +8580,7 @@
 </p:sld>
 </file>
 
-<file path=ppt/slides/slide25.xml><?xml version="1.0" encoding="utf-8"?>
+<file path=ppt/slides/slide26.xml><?xml version="1.0" encoding="utf-8"?>
 <p:sld xmlns:a="http://schemas.openxmlformats.org/drawingml/2006/main" xmlns:r="http://schemas.openxmlformats.org/officeDocument/2006/relationships" xmlns:p="http://schemas.openxmlformats.org/presentationml/2006/main">
   <p:cSld>
     <p:spTree>
@@ -8257,7 +8830,7 @@
 </p:sld>
 </file>
 
-<file path=ppt/slides/slide26.xml><?xml version="1.0" encoding="utf-8"?>
+<file path=ppt/slides/slide27.xml><?xml version="1.0" encoding="utf-8"?>
 <p:sld xmlns:a="http://schemas.openxmlformats.org/drawingml/2006/main" xmlns:r="http://schemas.openxmlformats.org/officeDocument/2006/relationships" xmlns:p="http://schemas.openxmlformats.org/presentationml/2006/main">
   <p:cSld>
     <p:spTree>
@@ -8704,7 +9277,7 @@
 </p:sld>
 </file>
 
-<file path=ppt/slides/slide27.xml><?xml version="1.0" encoding="utf-8"?>
+<file path=ppt/slides/slide28.xml><?xml version="1.0" encoding="utf-8"?>
 <p:sld xmlns:a="http://schemas.openxmlformats.org/drawingml/2006/main" xmlns:r="http://schemas.openxmlformats.org/officeDocument/2006/relationships" xmlns:p="http://schemas.openxmlformats.org/presentationml/2006/main">
   <p:cSld>
     <p:spTree>
@@ -8961,7 +9534,7 @@
 </p:sld>
 </file>
 
-<file path=ppt/slides/slide28.xml><?xml version="1.0" encoding="utf-8"?>
+<file path=ppt/slides/slide29.xml><?xml version="1.0" encoding="utf-8"?>
 <p:sld xmlns:a="http://schemas.openxmlformats.org/drawingml/2006/main" xmlns:r="http://schemas.openxmlformats.org/officeDocument/2006/relationships" xmlns:p="http://schemas.openxmlformats.org/presentationml/2006/main">
   <p:cSld>
     <p:spTree>
@@ -9222,7 +9795,180 @@
 </p:sld>
 </file>
 
-<file path=ppt/slides/slide29.xml><?xml version="1.0" encoding="utf-8"?>
+<file path=ppt/slides/slide3.xml><?xml version="1.0" encoding="utf-8"?>
+<p:sld xmlns:a="http://schemas.openxmlformats.org/drawingml/2006/main" xmlns:r="http://schemas.openxmlformats.org/officeDocument/2006/relationships" xmlns:p="http://schemas.openxmlformats.org/presentationml/2006/main">
+  <p:cSld>
+    <p:spTree>
+      <p:nvGrpSpPr>
+        <p:cNvPr id="1" name=""/>
+        <p:cNvGrpSpPr/>
+        <p:nvPr/>
+      </p:nvGrpSpPr>
+      <p:grpSpPr>
+        <a:xfrm>
+          <a:off x="0" y="0"/>
+          <a:ext cx="0" cy="0"/>
+          <a:chOff x="0" y="0"/>
+          <a:chExt cx="0" cy="0"/>
+        </a:xfrm>
+      </p:grpSpPr>
+      <p:sp>
+        <p:nvSpPr>
+          <p:cNvPr id="2" name="Title 1">
+            <a:extLst>
+              <a:ext uri="{FF2B5EF4-FFF2-40B4-BE49-F238E27FC236}">
+                <a16:creationId xmlns:a16="http://schemas.microsoft.com/office/drawing/2014/main" id="{C54D4E42-1EF3-407D-B9FC-96C34FC6F58B}"/>
+              </a:ext>
+            </a:extLst>
+          </p:cNvPr>
+          <p:cNvSpPr>
+            <a:spLocks noGrp="1"/>
+          </p:cNvSpPr>
+          <p:nvPr>
+            <p:ph type="title"/>
+          </p:nvPr>
+        </p:nvSpPr>
+        <p:spPr/>
+        <p:txBody>
+          <a:bodyPr/>
+          <a:lstStyle/>
+          <a:p>
+            <a:r>
+              <a:rPr lang="fr-CA" dirty="0"/>
+              <a:t>Table des matières</a:t>
+            </a:r>
+          </a:p>
+        </p:txBody>
+      </p:sp>
+      <p:sp>
+        <p:nvSpPr>
+          <p:cNvPr id="3" name="Content Placeholder 2">
+            <a:extLst>
+              <a:ext uri="{FF2B5EF4-FFF2-40B4-BE49-F238E27FC236}">
+                <a16:creationId xmlns:a16="http://schemas.microsoft.com/office/drawing/2014/main" id="{2B6AA249-33B6-461C-9EAF-8199B14CE7A9}"/>
+              </a:ext>
+            </a:extLst>
+          </p:cNvPr>
+          <p:cNvSpPr>
+            <a:spLocks noGrp="1"/>
+          </p:cNvSpPr>
+          <p:nvPr>
+            <p:ph idx="1"/>
+          </p:nvPr>
+        </p:nvSpPr>
+        <p:spPr/>
+        <p:txBody>
+          <a:bodyPr/>
+          <a:lstStyle/>
+          <a:p>
+            <a:pPr marL="514350" indent="-514350">
+              <a:buFont typeface="+mj-lt"/>
+              <a:buAutoNum type="arabicPeriod"/>
+            </a:pPr>
+            <a:r>
+              <a:rPr lang="fr-CA" dirty="0"/>
+              <a:t>DOM &amp; Browser</a:t>
+            </a:r>
+          </a:p>
+          <a:p>
+            <a:pPr marL="514350" indent="-514350">
+              <a:buFont typeface="+mj-lt"/>
+              <a:buAutoNum type="arabicPeriod"/>
+            </a:pPr>
+            <a:r>
+              <a:rPr lang="fr-CA" dirty="0" err="1"/>
+              <a:t>React</a:t>
+            </a:r>
+            <a:r>
+              <a:rPr lang="fr-CA" dirty="0"/>
+              <a:t> Building Block</a:t>
+            </a:r>
+          </a:p>
+          <a:p>
+            <a:pPr marL="514350" indent="-514350">
+              <a:buFont typeface="+mj-lt"/>
+              <a:buAutoNum type="arabicPeriod"/>
+            </a:pPr>
+            <a:r>
+              <a:rPr lang="fr-CA" dirty="0"/>
+              <a:t>Virtual DOM</a:t>
+            </a:r>
+          </a:p>
+          <a:p>
+            <a:pPr marL="514350" indent="-514350">
+              <a:buFont typeface="+mj-lt"/>
+              <a:buAutoNum type="arabicPeriod"/>
+            </a:pPr>
+            <a:r>
+              <a:rPr lang="fr-CA" dirty="0" err="1"/>
+              <a:t>Lifecycle</a:t>
+            </a:r>
+            <a:endParaRPr lang="fr-CA" dirty="0"/>
+          </a:p>
+          <a:p>
+            <a:pPr marL="514350" indent="-514350">
+              <a:buFont typeface="+mj-lt"/>
+              <a:buAutoNum type="arabicPeriod"/>
+            </a:pPr>
+            <a:r>
+              <a:rPr lang="fr-CA" dirty="0" err="1"/>
+              <a:t>Render</a:t>
+            </a:r>
+            <a:r>
+              <a:rPr lang="fr-CA" dirty="0"/>
+              <a:t> (Waste </a:t>
+            </a:r>
+            <a:r>
+              <a:rPr lang="fr-CA" dirty="0" err="1"/>
+              <a:t>Render</a:t>
+            </a:r>
+            <a:r>
+              <a:rPr lang="fr-CA" dirty="0"/>
+              <a:t> &amp; </a:t>
+            </a:r>
+            <a:r>
+              <a:rPr lang="fr-CA" dirty="0" err="1"/>
+              <a:t>Reconciliation</a:t>
+            </a:r>
+            <a:r>
+              <a:rPr lang="fr-CA" dirty="0"/>
+              <a:t>)</a:t>
+            </a:r>
+          </a:p>
+          <a:p>
+            <a:pPr marL="514350" indent="-514350">
+              <a:buFont typeface="+mj-lt"/>
+              <a:buAutoNum type="arabicPeriod"/>
+            </a:pPr>
+            <a:r>
+              <a:rPr lang="fr-CA" dirty="0"/>
+              <a:t>Profiling </a:t>
+            </a:r>
+            <a:r>
+              <a:rPr lang="fr-CA" dirty="0" err="1"/>
+              <a:t>tools</a:t>
+            </a:r>
+            <a:endParaRPr lang="fr-CA" dirty="0"/>
+          </a:p>
+          <a:p>
+            <a:endParaRPr lang="fr-CA" dirty="0"/>
+          </a:p>
+        </p:txBody>
+      </p:sp>
+    </p:spTree>
+    <p:extLst>
+      <p:ext uri="{BB962C8B-B14F-4D97-AF65-F5344CB8AC3E}">
+        <p14:creationId xmlns:p14="http://schemas.microsoft.com/office/powerpoint/2010/main" val="4115206639"/>
+      </p:ext>
+    </p:extLst>
+  </p:cSld>
+  <p:clrMapOvr>
+    <a:masterClrMapping/>
+  </p:clrMapOvr>
+</p:sld>
+</file>
+
+<file path=ppt/slides/slide30.xml><?xml version="1.0" encoding="utf-8"?>
 <p:sld xmlns:a="http://schemas.openxmlformats.org/drawingml/2006/main" xmlns:r="http://schemas.openxmlformats.org/officeDocument/2006/relationships" xmlns:p="http://schemas.openxmlformats.org/presentationml/2006/main">
   <p:cSld>
     <p:spTree>
@@ -9580,90 +10326,7 @@
 </p:sld>
 </file>
 
-<file path=ppt/slides/slide3.xml><?xml version="1.0" encoding="utf-8"?>
-<p:sld xmlns:a="http://schemas.openxmlformats.org/drawingml/2006/main" xmlns:r="http://schemas.openxmlformats.org/officeDocument/2006/relationships" xmlns:p="http://schemas.openxmlformats.org/presentationml/2006/main">
-  <p:cSld>
-    <p:spTree>
-      <p:nvGrpSpPr>
-        <p:cNvPr id="1" name=""/>
-        <p:cNvGrpSpPr/>
-        <p:nvPr/>
-      </p:nvGrpSpPr>
-      <p:grpSpPr>
-        <a:xfrm>
-          <a:off x="0" y="0"/>
-          <a:ext cx="0" cy="0"/>
-          <a:chOff x="0" y="0"/>
-          <a:chExt cx="0" cy="0"/>
-        </a:xfrm>
-      </p:grpSpPr>
-      <p:sp>
-        <p:nvSpPr>
-          <p:cNvPr id="6" name="Title 5">
-            <a:extLst>
-              <a:ext uri="{FF2B5EF4-FFF2-40B4-BE49-F238E27FC236}">
-                <a16:creationId xmlns:a16="http://schemas.microsoft.com/office/drawing/2014/main" id="{C7E4DBE1-46DA-4F2D-B8D5-FD13DED983C4}"/>
-              </a:ext>
-            </a:extLst>
-          </p:cNvPr>
-          <p:cNvSpPr>
-            <a:spLocks noGrp="1"/>
-          </p:cNvSpPr>
-          <p:nvPr>
-            <p:ph type="title"/>
-          </p:nvPr>
-        </p:nvSpPr>
-        <p:spPr/>
-        <p:txBody>
-          <a:bodyPr/>
-          <a:lstStyle/>
-          <a:p>
-            <a:r>
-              <a:rPr lang="fr-CA" dirty="0"/>
-              <a:t>1 – DOM &amp; Browser</a:t>
-            </a:r>
-          </a:p>
-        </p:txBody>
-      </p:sp>
-      <p:sp>
-        <p:nvSpPr>
-          <p:cNvPr id="7" name="Text Placeholder 6">
-            <a:extLst>
-              <a:ext uri="{FF2B5EF4-FFF2-40B4-BE49-F238E27FC236}">
-                <a16:creationId xmlns:a16="http://schemas.microsoft.com/office/drawing/2014/main" id="{A1F49D8D-9B2F-4280-86E7-D80F0CC1970C}"/>
-              </a:ext>
-            </a:extLst>
-          </p:cNvPr>
-          <p:cNvSpPr>
-            <a:spLocks noGrp="1"/>
-          </p:cNvSpPr>
-          <p:nvPr>
-            <p:ph type="body" idx="1"/>
-          </p:nvPr>
-        </p:nvSpPr>
-        <p:spPr/>
-        <p:txBody>
-          <a:bodyPr/>
-          <a:lstStyle/>
-          <a:p>
-            <a:endParaRPr lang="fr-CA"/>
-          </a:p>
-        </p:txBody>
-      </p:sp>
-    </p:spTree>
-    <p:extLst>
-      <p:ext uri="{BB962C8B-B14F-4D97-AF65-F5344CB8AC3E}">
-        <p14:creationId xmlns:p14="http://schemas.microsoft.com/office/powerpoint/2010/main" val="1642998343"/>
-      </p:ext>
-    </p:extLst>
-  </p:cSld>
-  <p:clrMapOvr>
-    <a:masterClrMapping/>
-  </p:clrMapOvr>
-</p:sld>
-</file>
-
-<file path=ppt/slides/slide30.xml><?xml version="1.0" encoding="utf-8"?>
+<file path=ppt/slides/slide31.xml><?xml version="1.0" encoding="utf-8"?>
 <p:sld xmlns:a="http://schemas.openxmlformats.org/drawingml/2006/main" xmlns:r="http://schemas.openxmlformats.org/officeDocument/2006/relationships" xmlns:p="http://schemas.openxmlformats.org/presentationml/2006/main">
   <p:cSld>
     <p:spTree>
@@ -9832,7 +10495,7 @@
 </p:sld>
 </file>
 
-<file path=ppt/slides/slide31.xml><?xml version="1.0" encoding="utf-8"?>
+<file path=ppt/slides/slide32.xml><?xml version="1.0" encoding="utf-8"?>
 <p:sld xmlns:a="http://schemas.openxmlformats.org/drawingml/2006/main" xmlns:r="http://schemas.openxmlformats.org/officeDocument/2006/relationships" xmlns:p="http://schemas.openxmlformats.org/presentationml/2006/main">
   <p:cSld>
     <p:spTree>
@@ -9994,102 +10657,6 @@
 </p:sld>
 </file>
 
-<file path=ppt/slides/slide32.xml><?xml version="1.0" encoding="utf-8"?>
-<p:sld xmlns:a="http://schemas.openxmlformats.org/drawingml/2006/main" xmlns:r="http://schemas.openxmlformats.org/officeDocument/2006/relationships" xmlns:p="http://schemas.openxmlformats.org/presentationml/2006/main">
-  <p:cSld>
-    <p:spTree>
-      <p:nvGrpSpPr>
-        <p:cNvPr id="1" name=""/>
-        <p:cNvGrpSpPr/>
-        <p:nvPr/>
-      </p:nvGrpSpPr>
-      <p:grpSpPr>
-        <a:xfrm>
-          <a:off x="0" y="0"/>
-          <a:ext cx="0" cy="0"/>
-          <a:chOff x="0" y="0"/>
-          <a:chExt cx="0" cy="0"/>
-        </a:xfrm>
-      </p:grpSpPr>
-      <p:sp>
-        <p:nvSpPr>
-          <p:cNvPr id="4" name="Title 3">
-            <a:extLst>
-              <a:ext uri="{FF2B5EF4-FFF2-40B4-BE49-F238E27FC236}">
-                <a16:creationId xmlns:a16="http://schemas.microsoft.com/office/drawing/2014/main" id="{B75295A1-A828-4ADA-BCE1-4C8896295C27}"/>
-              </a:ext>
-            </a:extLst>
-          </p:cNvPr>
-          <p:cNvSpPr>
-            <a:spLocks noGrp="1"/>
-          </p:cNvSpPr>
-          <p:nvPr>
-            <p:ph type="title"/>
-          </p:nvPr>
-        </p:nvSpPr>
-        <p:spPr/>
-        <p:txBody>
-          <a:bodyPr/>
-          <a:lstStyle/>
-          <a:p>
-            <a:r>
-              <a:rPr lang="fr-CA" dirty="0"/>
-              <a:t>6 – </a:t>
-            </a:r>
-            <a:r>
-              <a:rPr lang="fr-CA" dirty="0" err="1"/>
-              <a:t>React</a:t>
-            </a:r>
-            <a:r>
-              <a:rPr lang="fr-CA" dirty="0"/>
-              <a:t> </a:t>
-            </a:r>
-            <a:r>
-              <a:rPr lang="fr-CA" dirty="0" err="1"/>
-              <a:t>Lifecycle</a:t>
-            </a:r>
-            <a:endParaRPr lang="fr-CA" dirty="0"/>
-          </a:p>
-        </p:txBody>
-      </p:sp>
-      <p:sp>
-        <p:nvSpPr>
-          <p:cNvPr id="5" name="Text Placeholder 4">
-            <a:extLst>
-              <a:ext uri="{FF2B5EF4-FFF2-40B4-BE49-F238E27FC236}">
-                <a16:creationId xmlns:a16="http://schemas.microsoft.com/office/drawing/2014/main" id="{9AB539E5-379D-48F0-A141-68E22F6ED824}"/>
-              </a:ext>
-            </a:extLst>
-          </p:cNvPr>
-          <p:cNvSpPr>
-            <a:spLocks noGrp="1"/>
-          </p:cNvSpPr>
-          <p:nvPr>
-            <p:ph type="body" idx="1"/>
-          </p:nvPr>
-        </p:nvSpPr>
-        <p:spPr/>
-        <p:txBody>
-          <a:bodyPr/>
-          <a:lstStyle/>
-          <a:p>
-            <a:endParaRPr lang="fr-CA"/>
-          </a:p>
-        </p:txBody>
-      </p:sp>
-    </p:spTree>
-    <p:extLst>
-      <p:ext uri="{BB962C8B-B14F-4D97-AF65-F5344CB8AC3E}">
-        <p14:creationId xmlns:p14="http://schemas.microsoft.com/office/powerpoint/2010/main" val="614099496"/>
-      </p:ext>
-    </p:extLst>
-  </p:cSld>
-  <p:clrMapOvr>
-    <a:masterClrMapping/>
-  </p:clrMapOvr>
-</p:sld>
-</file>
-
 <file path=ppt/slides/slide33.xml><?xml version="1.0" encoding="utf-8"?>
 <p:sld xmlns:a="http://schemas.openxmlformats.org/drawingml/2006/main" xmlns:r="http://schemas.openxmlformats.org/officeDocument/2006/relationships" xmlns:p="http://schemas.openxmlformats.org/presentationml/2006/main">
   <p:cSld>
@@ -10109,10 +10676,10 @@
       </p:grpSpPr>
       <p:sp>
         <p:nvSpPr>
-          <p:cNvPr id="2" name="Title 1">
-            <a:extLst>
-              <a:ext uri="{FF2B5EF4-FFF2-40B4-BE49-F238E27FC236}">
-                <a16:creationId xmlns:a16="http://schemas.microsoft.com/office/drawing/2014/main" id="{BBA7C400-A4FE-4EBB-924E-57B007DF095C}"/>
+          <p:cNvPr id="4" name="Title 3">
+            <a:extLst>
+              <a:ext uri="{FF2B5EF4-FFF2-40B4-BE49-F238E27FC236}">
+                <a16:creationId xmlns:a16="http://schemas.microsoft.com/office/drawing/2014/main" id="{B75295A1-A828-4ADA-BCE1-4C8896295C27}"/>
               </a:ext>
             </a:extLst>
           </p:cNvPr>
@@ -10129,179 +10696,54 @@
           <a:lstStyle/>
           <a:p>
             <a:r>
+              <a:rPr lang="fr-CA" dirty="0"/>
+              <a:t>6 – </a:t>
+            </a:r>
+            <a:r>
               <a:rPr lang="fr-CA" dirty="0" err="1"/>
               <a:t>React</a:t>
             </a:r>
             <a:r>
               <a:rPr lang="fr-CA" dirty="0"/>
-              <a:t> Profiler (</a:t>
-            </a:r>
-            <a:r>
-              <a:rPr lang="fr-CA" dirty="0" err="1"/>
-              <a:t>todo</a:t>
-            </a:r>
-            <a:r>
-              <a:rPr lang="fr-CA" dirty="0"/>
-              <a:t>)</a:t>
-            </a:r>
-          </a:p>
-        </p:txBody>
-      </p:sp>
-      <p:sp>
-        <p:nvSpPr>
-          <p:cNvPr id="3" name="Content Placeholder 2">
-            <a:extLst>
-              <a:ext uri="{FF2B5EF4-FFF2-40B4-BE49-F238E27FC236}">
-                <a16:creationId xmlns:a16="http://schemas.microsoft.com/office/drawing/2014/main" id="{283FD2DC-9271-40AA-9767-9A3B47CC7110}"/>
-              </a:ext>
-            </a:extLst>
-          </p:cNvPr>
-          <p:cNvSpPr>
-            <a:spLocks noGrp="1"/>
-          </p:cNvSpPr>
-          <p:nvPr>
-            <p:ph idx="1"/>
-          </p:nvPr>
-        </p:nvSpPr>
-        <p:spPr>
-          <a:xfrm>
-            <a:off x="838200" y="1825625"/>
-            <a:ext cx="10515600" cy="4351338"/>
-          </a:xfrm>
-        </p:spPr>
-        <p:txBody>
-          <a:bodyPr>
-            <a:normAutofit/>
-          </a:bodyPr>
+              <a:t> </a:t>
+            </a:r>
+            <a:r>
+              <a:rPr lang="fr-CA" dirty="0" err="1"/>
+              <a:t>Lifecycle</a:t>
+            </a:r>
+            <a:endParaRPr lang="fr-CA" dirty="0"/>
+          </a:p>
+        </p:txBody>
+      </p:sp>
+      <p:sp>
+        <p:nvSpPr>
+          <p:cNvPr id="5" name="Text Placeholder 4">
+            <a:extLst>
+              <a:ext uri="{FF2B5EF4-FFF2-40B4-BE49-F238E27FC236}">
+                <a16:creationId xmlns:a16="http://schemas.microsoft.com/office/drawing/2014/main" id="{9AB539E5-379D-48F0-A141-68E22F6ED824}"/>
+              </a:ext>
+            </a:extLst>
+          </p:cNvPr>
+          <p:cNvSpPr>
+            <a:spLocks noGrp="1"/>
+          </p:cNvSpPr>
+          <p:nvPr>
+            <p:ph type="body" idx="1"/>
+          </p:nvPr>
+        </p:nvSpPr>
+        <p:spPr/>
+        <p:txBody>
+          <a:bodyPr/>
           <a:lstStyle/>
           <a:p>
-            <a:pPr marL="0" indent="0">
-              <a:buNone/>
-            </a:pPr>
-            <a:r>
-              <a:rPr lang="fr-CA" dirty="0"/>
-              <a:t>Rappel 2 étapes importantes de </a:t>
-            </a:r>
-            <a:r>
-              <a:rPr lang="fr-CA" dirty="0" err="1"/>
-              <a:t>React</a:t>
-            </a:r>
-            <a:endParaRPr lang="fr-CA" dirty="0"/>
-          </a:p>
-          <a:p>
-            <a:r>
-              <a:rPr lang="fr-CA" dirty="0" err="1"/>
-              <a:t>Render</a:t>
-            </a:r>
-            <a:r>
-              <a:rPr lang="fr-CA" dirty="0"/>
-              <a:t>: </a:t>
-            </a:r>
-            <a:r>
-              <a:rPr lang="fr-CA" dirty="0" err="1"/>
-              <a:t>React</a:t>
-            </a:r>
-            <a:r>
-              <a:rPr lang="fr-CA" dirty="0"/>
-              <a:t> détermine ce qui change par rapport précédent </a:t>
-            </a:r>
-            <a:r>
-              <a:rPr lang="fr-CA" dirty="0" err="1"/>
-              <a:t>render</a:t>
-            </a:r>
-            <a:endParaRPr lang="fr-CA" dirty="0"/>
-          </a:p>
-          <a:p>
-            <a:r>
-              <a:rPr lang="fr-CA" dirty="0"/>
-              <a:t>Commit: </a:t>
-            </a:r>
-            <a:r>
-              <a:rPr lang="fr-CA" dirty="0" err="1"/>
-              <a:t>React</a:t>
-            </a:r>
-            <a:r>
-              <a:rPr lang="fr-CA" dirty="0"/>
-              <a:t> applique les changements nécessaires au DOM</a:t>
-            </a:r>
-          </a:p>
-          <a:p>
-            <a:endParaRPr lang="fr-CA" dirty="0"/>
-          </a:p>
-          <a:p>
-            <a:pPr marL="0" indent="0">
-              <a:buNone/>
-            </a:pPr>
-            <a:r>
-              <a:rPr lang="fr-CA" dirty="0"/>
-              <a:t>Le profiling focus à trouver les problèmes au niveau du commit.</a:t>
-            </a:r>
-          </a:p>
-          <a:p>
-            <a:r>
-              <a:rPr lang="fr-CA" dirty="0"/>
-              <a:t>Le temps de </a:t>
-            </a:r>
-            <a:r>
-              <a:rPr lang="fr-CA" dirty="0" err="1"/>
-              <a:t>render</a:t>
-            </a:r>
-            <a:r>
-              <a:rPr lang="fr-CA" dirty="0"/>
-              <a:t> par component</a:t>
-            </a:r>
-          </a:p>
-          <a:p>
-            <a:r>
-              <a:rPr lang="fr-CA" dirty="0"/>
-              <a:t>Le nombre de fois qu’il se fait </a:t>
-            </a:r>
-            <a:r>
-              <a:rPr lang="fr-CA" dirty="0" err="1"/>
-              <a:t>render</a:t>
-            </a:r>
-            <a:endParaRPr lang="fr-CA" dirty="0"/>
-          </a:p>
-        </p:txBody>
-      </p:sp>
-      <p:sp>
-        <p:nvSpPr>
-          <p:cNvPr id="5" name="Rectangle 4">
-            <a:extLst>
-              <a:ext uri="{FF2B5EF4-FFF2-40B4-BE49-F238E27FC236}">
-                <a16:creationId xmlns:a16="http://schemas.microsoft.com/office/drawing/2014/main" id="{55181D60-2660-4572-9239-7FF8F5856E9A}"/>
-              </a:ext>
-            </a:extLst>
-          </p:cNvPr>
-          <p:cNvSpPr/>
-          <p:nvPr/>
-        </p:nvSpPr>
-        <p:spPr>
-          <a:xfrm>
-            <a:off x="838200" y="5807631"/>
-            <a:ext cx="5013960" cy="369332"/>
-          </a:xfrm>
-          <a:prstGeom prst="rect">
-            <a:avLst/>
-          </a:prstGeom>
-        </p:spPr>
-        <p:txBody>
-          <a:bodyPr wrap="square">
-            <a:spAutoFit/>
-          </a:bodyPr>
-          <a:lstStyle/>
-          <a:p>
-            <a:r>
-              <a:rPr lang="fr-CA" dirty="0"/>
-              <a:t>Démo: /Profiling Tools</a:t>
-            </a:r>
+            <a:endParaRPr lang="fr-CA"/>
           </a:p>
         </p:txBody>
       </p:sp>
     </p:spTree>
     <p:extLst>
       <p:ext uri="{BB962C8B-B14F-4D97-AF65-F5344CB8AC3E}">
-        <p14:creationId xmlns:p14="http://schemas.microsoft.com/office/powerpoint/2010/main" val="1015803924"/>
+        <p14:creationId xmlns:p14="http://schemas.microsoft.com/office/powerpoint/2010/main" val="614099496"/>
       </p:ext>
     </p:extLst>
   </p:cSld>
@@ -10333,7 +10775,7 @@
           <p:cNvPr id="2" name="Title 1">
             <a:extLst>
               <a:ext uri="{FF2B5EF4-FFF2-40B4-BE49-F238E27FC236}">
-                <a16:creationId xmlns:a16="http://schemas.microsoft.com/office/drawing/2014/main" id="{B9989088-6A08-442A-95D5-B5DF3D54BD05}"/>
+                <a16:creationId xmlns:a16="http://schemas.microsoft.com/office/drawing/2014/main" id="{BBA7C400-A4FE-4EBB-924E-57B007DF095C}"/>
               </a:ext>
             </a:extLst>
           </p:cNvPr>
@@ -10350,22 +10792,21 @@
           <a:lstStyle/>
           <a:p>
             <a:r>
-              <a:rPr lang="fr-CA" dirty="0"/>
-              <a:t>Exos 6: Profiling </a:t>
-            </a:r>
-            <a:r>
-              <a:rPr lang="fr-CA" dirty="0" err="1"/>
-              <a:t>tool</a:t>
-            </a:r>
-            <a:r>
-              <a:rPr lang="fr-CA" dirty="0"/>
-              <a:t> </a:t>
-            </a:r>
-            <a:r>
-              <a:rPr lang="fr-CA" dirty="0" err="1"/>
-              <a:t>playground</a:t>
-            </a:r>
-            <a:endParaRPr lang="fr-CA" dirty="0"/>
+              <a:rPr lang="fr-CA" dirty="0" err="1"/>
+              <a:t>React</a:t>
+            </a:r>
+            <a:r>
+              <a:rPr lang="fr-CA" dirty="0"/>
+              <a:t> Profiler (</a:t>
+            </a:r>
+            <a:r>
+              <a:rPr lang="fr-CA" dirty="0" err="1"/>
+              <a:t>todo</a:t>
+            </a:r>
+            <a:r>
+              <a:rPr lang="fr-CA" dirty="0"/>
+              <a:t>)</a:t>
+            </a:r>
           </a:p>
         </p:txBody>
       </p:sp>
@@ -10374,7 +10815,7 @@
           <p:cNvPr id="3" name="Content Placeholder 2">
             <a:extLst>
               <a:ext uri="{FF2B5EF4-FFF2-40B4-BE49-F238E27FC236}">
-                <a16:creationId xmlns:a16="http://schemas.microsoft.com/office/drawing/2014/main" id="{472DF70D-755C-4860-97C2-08AA5F4B0219}"/>
+                <a16:creationId xmlns:a16="http://schemas.microsoft.com/office/drawing/2014/main" id="{283FD2DC-9271-40AA-9767-9A3B47CC7110}"/>
               </a:ext>
             </a:extLst>
           </p:cNvPr>
@@ -10385,9 +10826,16 @@
             <p:ph idx="1"/>
           </p:nvPr>
         </p:nvSpPr>
-        <p:spPr/>
-        <p:txBody>
-          <a:bodyPr/>
+        <p:spPr>
+          <a:xfrm>
+            <a:off x="838200" y="1825625"/>
+            <a:ext cx="10515600" cy="4351338"/>
+          </a:xfrm>
+        </p:spPr>
+        <p:txBody>
+          <a:bodyPr>
+            <a:normAutofit/>
+          </a:bodyPr>
           <a:lstStyle/>
           <a:p>
             <a:pPr marL="0" indent="0">
@@ -10395,95 +10843,128 @@
             </a:pPr>
             <a:r>
               <a:rPr lang="fr-CA" dirty="0"/>
-              <a:t>Onglet: « </a:t>
-            </a:r>
-            <a:r>
-              <a:rPr lang="fr-CA" dirty="0" err="1"/>
-              <a:t>Reconciliation</a:t>
-            </a:r>
-            <a:r>
-              <a:rPr lang="fr-CA" dirty="0"/>
-              <a:t> Game »</a:t>
-            </a:r>
+              <a:t>Rappel 2 étapes importantes de </a:t>
+            </a:r>
+            <a:r>
+              <a:rPr lang="fr-CA" dirty="0" err="1"/>
+              <a:t>React</a:t>
+            </a:r>
+            <a:endParaRPr lang="fr-CA" dirty="0"/>
+          </a:p>
+          <a:p>
+            <a:r>
+              <a:rPr lang="fr-CA" dirty="0" err="1"/>
+              <a:t>Render</a:t>
+            </a:r>
+            <a:r>
+              <a:rPr lang="fr-CA" dirty="0"/>
+              <a:t>: </a:t>
+            </a:r>
+            <a:r>
+              <a:rPr lang="fr-CA" dirty="0" err="1"/>
+              <a:t>React</a:t>
+            </a:r>
+            <a:r>
+              <a:rPr lang="fr-CA" dirty="0"/>
+              <a:t> détermine ce qui change par rapport précédent </a:t>
+            </a:r>
+            <a:r>
+              <a:rPr lang="fr-CA" dirty="0" err="1"/>
+              <a:t>render</a:t>
+            </a:r>
+            <a:endParaRPr lang="fr-CA" dirty="0"/>
+          </a:p>
+          <a:p>
+            <a:r>
+              <a:rPr lang="fr-CA" dirty="0"/>
+              <a:t>Commit: </a:t>
+            </a:r>
+            <a:r>
+              <a:rPr lang="fr-CA" dirty="0" err="1"/>
+              <a:t>React</a:t>
+            </a:r>
+            <a:r>
+              <a:rPr lang="fr-CA" dirty="0"/>
+              <a:t> applique les changements nécessaires au DOM</a:t>
+            </a:r>
+          </a:p>
+          <a:p>
+            <a:endParaRPr lang="fr-CA" dirty="0"/>
           </a:p>
           <a:p>
             <a:pPr marL="0" indent="0">
               <a:buNone/>
             </a:pPr>
+            <a:r>
+              <a:rPr lang="fr-CA" dirty="0"/>
+              <a:t>Le profiling focus à trouver les problèmes au niveau du commit.</a:t>
+            </a:r>
+          </a:p>
+          <a:p>
+            <a:r>
+              <a:rPr lang="fr-CA" dirty="0"/>
+              <a:t>Le temps de </a:t>
+            </a:r>
+            <a:r>
+              <a:rPr lang="fr-CA" dirty="0" err="1"/>
+              <a:t>render</a:t>
+            </a:r>
+            <a:r>
+              <a:rPr lang="fr-CA" dirty="0"/>
+              <a:t> par component</a:t>
+            </a:r>
+          </a:p>
+          <a:p>
+            <a:r>
+              <a:rPr lang="fr-CA" dirty="0"/>
+              <a:t>Le nombre de fois qu’il se fait </a:t>
+            </a:r>
+            <a:r>
+              <a:rPr lang="fr-CA" dirty="0" err="1"/>
+              <a:t>render</a:t>
+            </a:r>
             <a:endParaRPr lang="fr-CA" dirty="0"/>
           </a:p>
-          <a:p>
-            <a:r>
-              <a:rPr lang="fr-CA" dirty="0" err="1"/>
-              <a:t>Toggle</a:t>
-            </a:r>
-            <a:r>
-              <a:rPr lang="fr-CA" dirty="0"/>
-              <a:t> le </a:t>
-            </a:r>
-            <a:r>
-              <a:rPr lang="fr-CA" dirty="0" err="1"/>
-              <a:t>expensive</a:t>
-            </a:r>
-            <a:r>
-              <a:rPr lang="fr-CA" dirty="0"/>
-              <a:t> </a:t>
-            </a:r>
-            <a:r>
-              <a:rPr lang="fr-CA" dirty="0" err="1"/>
-              <a:t>render</a:t>
-            </a:r>
-            <a:endParaRPr lang="fr-CA" dirty="0"/>
-          </a:p>
-          <a:p>
-            <a:pPr lvl="1"/>
-            <a:r>
-              <a:rPr lang="fr-CA" dirty="0"/>
-              <a:t>Trouver à l’aide du Profiler l’élément le plus couteux à </a:t>
-            </a:r>
-            <a:r>
-              <a:rPr lang="fr-CA" dirty="0" err="1"/>
-              <a:t>render</a:t>
-            </a:r>
-            <a:endParaRPr lang="fr-CA" dirty="0"/>
-          </a:p>
-          <a:p>
-            <a:r>
-              <a:rPr lang="fr-CA" dirty="0"/>
-              <a:t>Fixer le bug que si je fais un remake, je re-</a:t>
-            </a:r>
-            <a:r>
-              <a:rPr lang="fr-CA" dirty="0" err="1"/>
-              <a:t>render</a:t>
-            </a:r>
-            <a:r>
-              <a:rPr lang="fr-CA" dirty="0"/>
-              <a:t> pas toutes les autres </a:t>
-            </a:r>
-            <a:r>
-              <a:rPr lang="fr-CA"/>
-              <a:t>rows</a:t>
-            </a:r>
-            <a:endParaRPr lang="fr-CA" dirty="0"/>
-          </a:p>
-          <a:p>
-            <a:endParaRPr lang="fr-CA" dirty="0"/>
-          </a:p>
-          <a:p>
-            <a:endParaRPr lang="fr-CA" dirty="0"/>
-          </a:p>
-          <a:p>
-            <a:pPr marL="0" indent="0">
-              <a:buNone/>
-            </a:pPr>
-            <a:endParaRPr lang="fr-CA" dirty="0"/>
+        </p:txBody>
+      </p:sp>
+      <p:sp>
+        <p:nvSpPr>
+          <p:cNvPr id="5" name="Rectangle 4">
+            <a:extLst>
+              <a:ext uri="{FF2B5EF4-FFF2-40B4-BE49-F238E27FC236}">
+                <a16:creationId xmlns:a16="http://schemas.microsoft.com/office/drawing/2014/main" id="{55181D60-2660-4572-9239-7FF8F5856E9A}"/>
+              </a:ext>
+            </a:extLst>
+          </p:cNvPr>
+          <p:cNvSpPr/>
+          <p:nvPr/>
+        </p:nvSpPr>
+        <p:spPr>
+          <a:xfrm>
+            <a:off x="838200" y="5807631"/>
+            <a:ext cx="5013960" cy="369332"/>
+          </a:xfrm>
+          <a:prstGeom prst="rect">
+            <a:avLst/>
+          </a:prstGeom>
+        </p:spPr>
+        <p:txBody>
+          <a:bodyPr wrap="square">
+            <a:spAutoFit/>
+          </a:bodyPr>
+          <a:lstStyle/>
+          <a:p>
+            <a:r>
+              <a:rPr lang="fr-CA" dirty="0"/>
+              <a:t>Démo: /Profiling Tools</a:t>
+            </a:r>
           </a:p>
         </p:txBody>
       </p:sp>
     </p:spTree>
     <p:extLst>
       <p:ext uri="{BB962C8B-B14F-4D97-AF65-F5344CB8AC3E}">
-        <p14:creationId xmlns:p14="http://schemas.microsoft.com/office/powerpoint/2010/main" val="2296881951"/>
+        <p14:creationId xmlns:p14="http://schemas.microsoft.com/office/powerpoint/2010/main" val="1015803924"/>
       </p:ext>
     </p:extLst>
   </p:cSld>
@@ -10515,6 +10996,188 @@
           <p:cNvPr id="2" name="Title 1">
             <a:extLst>
               <a:ext uri="{FF2B5EF4-FFF2-40B4-BE49-F238E27FC236}">
+                <a16:creationId xmlns:a16="http://schemas.microsoft.com/office/drawing/2014/main" id="{B9989088-6A08-442A-95D5-B5DF3D54BD05}"/>
+              </a:ext>
+            </a:extLst>
+          </p:cNvPr>
+          <p:cNvSpPr>
+            <a:spLocks noGrp="1"/>
+          </p:cNvSpPr>
+          <p:nvPr>
+            <p:ph type="title"/>
+          </p:nvPr>
+        </p:nvSpPr>
+        <p:spPr/>
+        <p:txBody>
+          <a:bodyPr/>
+          <a:lstStyle/>
+          <a:p>
+            <a:r>
+              <a:rPr lang="fr-CA" dirty="0"/>
+              <a:t>Exos 6: Profiling </a:t>
+            </a:r>
+            <a:r>
+              <a:rPr lang="fr-CA" dirty="0" err="1"/>
+              <a:t>tool</a:t>
+            </a:r>
+            <a:r>
+              <a:rPr lang="fr-CA" dirty="0"/>
+              <a:t> </a:t>
+            </a:r>
+            <a:r>
+              <a:rPr lang="fr-CA" dirty="0" err="1"/>
+              <a:t>playground</a:t>
+            </a:r>
+            <a:endParaRPr lang="fr-CA" dirty="0"/>
+          </a:p>
+        </p:txBody>
+      </p:sp>
+      <p:sp>
+        <p:nvSpPr>
+          <p:cNvPr id="3" name="Content Placeholder 2">
+            <a:extLst>
+              <a:ext uri="{FF2B5EF4-FFF2-40B4-BE49-F238E27FC236}">
+                <a16:creationId xmlns:a16="http://schemas.microsoft.com/office/drawing/2014/main" id="{472DF70D-755C-4860-97C2-08AA5F4B0219}"/>
+              </a:ext>
+            </a:extLst>
+          </p:cNvPr>
+          <p:cNvSpPr>
+            <a:spLocks noGrp="1"/>
+          </p:cNvSpPr>
+          <p:nvPr>
+            <p:ph idx="1"/>
+          </p:nvPr>
+        </p:nvSpPr>
+        <p:spPr/>
+        <p:txBody>
+          <a:bodyPr/>
+          <a:lstStyle/>
+          <a:p>
+            <a:pPr marL="0" indent="0">
+              <a:buNone/>
+            </a:pPr>
+            <a:r>
+              <a:rPr lang="fr-CA" dirty="0"/>
+              <a:t>Onglet: « </a:t>
+            </a:r>
+            <a:r>
+              <a:rPr lang="fr-CA" dirty="0" err="1"/>
+              <a:t>Reconciliation</a:t>
+            </a:r>
+            <a:r>
+              <a:rPr lang="fr-CA" dirty="0"/>
+              <a:t> Game »</a:t>
+            </a:r>
+          </a:p>
+          <a:p>
+            <a:pPr marL="0" indent="0">
+              <a:buNone/>
+            </a:pPr>
+            <a:endParaRPr lang="fr-CA" dirty="0"/>
+          </a:p>
+          <a:p>
+            <a:r>
+              <a:rPr lang="fr-CA" dirty="0" err="1"/>
+              <a:t>Toggle</a:t>
+            </a:r>
+            <a:r>
+              <a:rPr lang="fr-CA" dirty="0"/>
+              <a:t> le </a:t>
+            </a:r>
+            <a:r>
+              <a:rPr lang="fr-CA" dirty="0" err="1"/>
+              <a:t>expensive</a:t>
+            </a:r>
+            <a:r>
+              <a:rPr lang="fr-CA" dirty="0"/>
+              <a:t> </a:t>
+            </a:r>
+            <a:r>
+              <a:rPr lang="fr-CA" dirty="0" err="1"/>
+              <a:t>render</a:t>
+            </a:r>
+            <a:endParaRPr lang="fr-CA" dirty="0"/>
+          </a:p>
+          <a:p>
+            <a:pPr lvl="1"/>
+            <a:r>
+              <a:rPr lang="fr-CA" dirty="0"/>
+              <a:t>Trouver à l’aide du Profiler l’élément le plus couteux à </a:t>
+            </a:r>
+            <a:r>
+              <a:rPr lang="fr-CA" dirty="0" err="1"/>
+              <a:t>render</a:t>
+            </a:r>
+            <a:endParaRPr lang="fr-CA" dirty="0"/>
+          </a:p>
+          <a:p>
+            <a:r>
+              <a:rPr lang="fr-CA" dirty="0"/>
+              <a:t>Fixer le bug que si je fais un remake, je re-</a:t>
+            </a:r>
+            <a:r>
+              <a:rPr lang="fr-CA" dirty="0" err="1"/>
+              <a:t>render</a:t>
+            </a:r>
+            <a:r>
+              <a:rPr lang="fr-CA" dirty="0"/>
+              <a:t> pas toutes les autres </a:t>
+            </a:r>
+            <a:r>
+              <a:rPr lang="fr-CA"/>
+              <a:t>rows</a:t>
+            </a:r>
+            <a:endParaRPr lang="fr-CA" dirty="0"/>
+          </a:p>
+          <a:p>
+            <a:endParaRPr lang="fr-CA" dirty="0"/>
+          </a:p>
+          <a:p>
+            <a:endParaRPr lang="fr-CA" dirty="0"/>
+          </a:p>
+          <a:p>
+            <a:pPr marL="0" indent="0">
+              <a:buNone/>
+            </a:pPr>
+            <a:endParaRPr lang="fr-CA" dirty="0"/>
+          </a:p>
+        </p:txBody>
+      </p:sp>
+    </p:spTree>
+    <p:extLst>
+      <p:ext uri="{BB962C8B-B14F-4D97-AF65-F5344CB8AC3E}">
+        <p14:creationId xmlns:p14="http://schemas.microsoft.com/office/powerpoint/2010/main" val="2296881951"/>
+      </p:ext>
+    </p:extLst>
+  </p:cSld>
+  <p:clrMapOvr>
+    <a:masterClrMapping/>
+  </p:clrMapOvr>
+</p:sld>
+</file>
+
+<file path=ppt/slides/slide36.xml><?xml version="1.0" encoding="utf-8"?>
+<p:sld xmlns:a="http://schemas.openxmlformats.org/drawingml/2006/main" xmlns:r="http://schemas.openxmlformats.org/officeDocument/2006/relationships" xmlns:p="http://schemas.openxmlformats.org/presentationml/2006/main">
+  <p:cSld>
+    <p:spTree>
+      <p:nvGrpSpPr>
+        <p:cNvPr id="1" name=""/>
+        <p:cNvGrpSpPr/>
+        <p:nvPr/>
+      </p:nvGrpSpPr>
+      <p:grpSpPr>
+        <a:xfrm>
+          <a:off x="0" y="0"/>
+          <a:ext cx="0" cy="0"/>
+          <a:chOff x="0" y="0"/>
+          <a:chExt cx="0" cy="0"/>
+        </a:xfrm>
+      </p:grpSpPr>
+      <p:sp>
+        <p:nvSpPr>
+          <p:cNvPr id="2" name="Title 1">
+            <a:extLst>
+              <a:ext uri="{FF2B5EF4-FFF2-40B4-BE49-F238E27FC236}">
                 <a16:creationId xmlns:a16="http://schemas.microsoft.com/office/drawing/2014/main" id="{BBA7C400-A4FE-4EBB-924E-57B007DF095C}"/>
               </a:ext>
             </a:extLst>
@@ -10632,6 +11295,89 @@
 </file>
 
 <file path=ppt/slides/slide4.xml><?xml version="1.0" encoding="utf-8"?>
+<p:sld xmlns:a="http://schemas.openxmlformats.org/drawingml/2006/main" xmlns:r="http://schemas.openxmlformats.org/officeDocument/2006/relationships" xmlns:p="http://schemas.openxmlformats.org/presentationml/2006/main">
+  <p:cSld>
+    <p:spTree>
+      <p:nvGrpSpPr>
+        <p:cNvPr id="1" name=""/>
+        <p:cNvGrpSpPr/>
+        <p:nvPr/>
+      </p:nvGrpSpPr>
+      <p:grpSpPr>
+        <a:xfrm>
+          <a:off x="0" y="0"/>
+          <a:ext cx="0" cy="0"/>
+          <a:chOff x="0" y="0"/>
+          <a:chExt cx="0" cy="0"/>
+        </a:xfrm>
+      </p:grpSpPr>
+      <p:sp>
+        <p:nvSpPr>
+          <p:cNvPr id="6" name="Title 5">
+            <a:extLst>
+              <a:ext uri="{FF2B5EF4-FFF2-40B4-BE49-F238E27FC236}">
+                <a16:creationId xmlns:a16="http://schemas.microsoft.com/office/drawing/2014/main" id="{C7E4DBE1-46DA-4F2D-B8D5-FD13DED983C4}"/>
+              </a:ext>
+            </a:extLst>
+          </p:cNvPr>
+          <p:cNvSpPr>
+            <a:spLocks noGrp="1"/>
+          </p:cNvSpPr>
+          <p:nvPr>
+            <p:ph type="title"/>
+          </p:nvPr>
+        </p:nvSpPr>
+        <p:spPr/>
+        <p:txBody>
+          <a:bodyPr/>
+          <a:lstStyle/>
+          <a:p>
+            <a:r>
+              <a:rPr lang="fr-CA" dirty="0"/>
+              <a:t>1 – DOM &amp; Browser</a:t>
+            </a:r>
+          </a:p>
+        </p:txBody>
+      </p:sp>
+      <p:sp>
+        <p:nvSpPr>
+          <p:cNvPr id="7" name="Text Placeholder 6">
+            <a:extLst>
+              <a:ext uri="{FF2B5EF4-FFF2-40B4-BE49-F238E27FC236}">
+                <a16:creationId xmlns:a16="http://schemas.microsoft.com/office/drawing/2014/main" id="{A1F49D8D-9B2F-4280-86E7-D80F0CC1970C}"/>
+              </a:ext>
+            </a:extLst>
+          </p:cNvPr>
+          <p:cNvSpPr>
+            <a:spLocks noGrp="1"/>
+          </p:cNvSpPr>
+          <p:nvPr>
+            <p:ph type="body" idx="1"/>
+          </p:nvPr>
+        </p:nvSpPr>
+        <p:spPr/>
+        <p:txBody>
+          <a:bodyPr/>
+          <a:lstStyle/>
+          <a:p>
+            <a:endParaRPr lang="fr-CA"/>
+          </a:p>
+        </p:txBody>
+      </p:sp>
+    </p:spTree>
+    <p:extLst>
+      <p:ext uri="{BB962C8B-B14F-4D97-AF65-F5344CB8AC3E}">
+        <p14:creationId xmlns:p14="http://schemas.microsoft.com/office/powerpoint/2010/main" val="1642998343"/>
+      </p:ext>
+    </p:extLst>
+  </p:cSld>
+  <p:clrMapOvr>
+    <a:masterClrMapping/>
+  </p:clrMapOvr>
+</p:sld>
+</file>
+
+<file path=ppt/slides/slide5.xml><?xml version="1.0" encoding="utf-8"?>
 <p:sld xmlns:a="http://schemas.openxmlformats.org/drawingml/2006/main" xmlns:r="http://schemas.openxmlformats.org/officeDocument/2006/relationships" xmlns:p="http://schemas.openxmlformats.org/presentationml/2006/main">
   <p:cSld>
     <p:spTree>
@@ -10852,7 +11598,7 @@
 </p:sld>
 </file>
 
-<file path=ppt/slides/slide5.xml><?xml version="1.0" encoding="utf-8"?>
+<file path=ppt/slides/slide6.xml><?xml version="1.0" encoding="utf-8"?>
 <p:sld xmlns:a="http://schemas.openxmlformats.org/drawingml/2006/main" xmlns:r="http://schemas.openxmlformats.org/officeDocument/2006/relationships" xmlns:p="http://schemas.openxmlformats.org/presentationml/2006/main">
   <p:cSld>
     <p:spTree>
@@ -10992,7 +11738,7 @@
 </p:sld>
 </file>
 
-<file path=ppt/slides/slide6.xml><?xml version="1.0" encoding="utf-8"?>
+<file path=ppt/slides/slide7.xml><?xml version="1.0" encoding="utf-8"?>
 <p:sld xmlns:a="http://schemas.openxmlformats.org/drawingml/2006/main" xmlns:r="http://schemas.openxmlformats.org/officeDocument/2006/relationships" xmlns:p="http://schemas.openxmlformats.org/presentationml/2006/main">
   <p:cSld>
     <p:spTree>
@@ -11264,7 +12010,7 @@
 </p:sld>
 </file>
 
-<file path=ppt/slides/slide7.xml><?xml version="1.0" encoding="utf-8"?>
+<file path=ppt/slides/slide8.xml><?xml version="1.0" encoding="utf-8"?>
 <p:sld xmlns:a="http://schemas.openxmlformats.org/drawingml/2006/main" xmlns:r="http://schemas.openxmlformats.org/officeDocument/2006/relationships" xmlns:p="http://schemas.openxmlformats.org/presentationml/2006/main">
   <p:cSld>
     <p:spTree>
@@ -11355,7 +12101,7 @@
 </p:sld>
 </file>
 
-<file path=ppt/slides/slide8.xml><?xml version="1.0" encoding="utf-8"?>
+<file path=ppt/slides/slide9.xml><?xml version="1.0" encoding="utf-8"?>
 <p:sld xmlns:a="http://schemas.openxmlformats.org/drawingml/2006/main" xmlns:r="http://schemas.openxmlformats.org/officeDocument/2006/relationships" xmlns:p="http://schemas.openxmlformats.org/presentationml/2006/main">
   <p:cSld>
     <p:spTree>
@@ -11780,615 +12526,6 @@
     <p:extLst>
       <p:ext uri="{BB962C8B-B14F-4D97-AF65-F5344CB8AC3E}">
         <p14:creationId xmlns:p14="http://schemas.microsoft.com/office/powerpoint/2010/main" val="173315485"/>
-      </p:ext>
-    </p:extLst>
-  </p:cSld>
-  <p:clrMapOvr>
-    <a:masterClrMapping/>
-  </p:clrMapOvr>
-</p:sld>
-</file>
-
-<file path=ppt/slides/slide9.xml><?xml version="1.0" encoding="utf-8"?>
-<p:sld xmlns:a="http://schemas.openxmlformats.org/drawingml/2006/main" xmlns:r="http://schemas.openxmlformats.org/officeDocument/2006/relationships" xmlns:p="http://schemas.openxmlformats.org/presentationml/2006/main">
-  <p:cSld>
-    <p:spTree>
-      <p:nvGrpSpPr>
-        <p:cNvPr id="1" name=""/>
-        <p:cNvGrpSpPr/>
-        <p:nvPr/>
-      </p:nvGrpSpPr>
-      <p:grpSpPr>
-        <a:xfrm>
-          <a:off x="0" y="0"/>
-          <a:ext cx="0" cy="0"/>
-          <a:chOff x="0" y="0"/>
-          <a:chExt cx="0" cy="0"/>
-        </a:xfrm>
-      </p:grpSpPr>
-      <p:sp>
-        <p:nvSpPr>
-          <p:cNvPr id="2" name="Title 1">
-            <a:extLst>
-              <a:ext uri="{FF2B5EF4-FFF2-40B4-BE49-F238E27FC236}">
-                <a16:creationId xmlns:a16="http://schemas.microsoft.com/office/drawing/2014/main" id="{3EB37C4C-211B-4FDF-A37C-72633CAD4A13}"/>
-              </a:ext>
-            </a:extLst>
-          </p:cNvPr>
-          <p:cNvSpPr>
-            <a:spLocks noGrp="1"/>
-          </p:cNvSpPr>
-          <p:nvPr>
-            <p:ph type="title"/>
-          </p:nvPr>
-        </p:nvSpPr>
-        <p:spPr/>
-        <p:txBody>
-          <a:bodyPr/>
-          <a:lstStyle/>
-          <a:p>
-            <a:r>
-              <a:rPr lang="fr-CA" dirty="0" err="1"/>
-              <a:t>React</a:t>
-            </a:r>
-            <a:r>
-              <a:rPr lang="fr-CA" dirty="0"/>
-              <a:t> </a:t>
-            </a:r>
-            <a:r>
-              <a:rPr lang="fr-CA" dirty="0" err="1"/>
-              <a:t>Element</a:t>
-            </a:r>
-            <a:r>
-              <a:rPr lang="fr-CA" dirty="0"/>
-              <a:t> &amp; Virtual DOM</a:t>
-            </a:r>
-            <a:endParaRPr lang="en-CA" dirty="0"/>
-          </a:p>
-        </p:txBody>
-      </p:sp>
-      <p:pic>
-        <p:nvPicPr>
-          <p:cNvPr id="7" name="Picture 6">
-            <a:extLst>
-              <a:ext uri="{FF2B5EF4-FFF2-40B4-BE49-F238E27FC236}">
-                <a16:creationId xmlns:a16="http://schemas.microsoft.com/office/drawing/2014/main" id="{A01F941D-AE33-4B03-8443-DFDC644BBB6E}"/>
-              </a:ext>
-            </a:extLst>
-          </p:cNvPr>
-          <p:cNvPicPr>
-            <a:picLocks noChangeAspect="1"/>
-          </p:cNvPicPr>
-          <p:nvPr/>
-        </p:nvPicPr>
-        <p:blipFill>
-          <a:blip r:embed="rId2"/>
-          <a:stretch>
-            <a:fillRect/>
-          </a:stretch>
-        </p:blipFill>
-        <p:spPr>
-          <a:xfrm>
-            <a:off x="838200" y="1637578"/>
-            <a:ext cx="2019300" cy="1123950"/>
-          </a:xfrm>
-          <a:prstGeom prst="rect">
-            <a:avLst/>
-          </a:prstGeom>
-        </p:spPr>
-      </p:pic>
-      <p:graphicFrame>
-        <p:nvGraphicFramePr>
-          <p:cNvPr id="6" name="Table 5">
-            <a:extLst>
-              <a:ext uri="{FF2B5EF4-FFF2-40B4-BE49-F238E27FC236}">
-                <a16:creationId xmlns:a16="http://schemas.microsoft.com/office/drawing/2014/main" id="{F96421FB-6624-4F99-8DB1-F9BD5F280388}"/>
-              </a:ext>
-            </a:extLst>
-          </p:cNvPr>
-          <p:cNvGraphicFramePr>
-            <a:graphicFrameLocks noGrp="1"/>
-          </p:cNvGraphicFramePr>
-          <p:nvPr>
-            <p:extLst>
-              <p:ext uri="{D42A27DB-BD31-4B8C-83A1-F6EECF244321}">
-                <p14:modId xmlns:p14="http://schemas.microsoft.com/office/powerpoint/2010/main" val="993084107"/>
-              </p:ext>
-            </p:extLst>
-          </p:nvPr>
-        </p:nvGraphicFramePr>
-        <p:xfrm>
-          <a:off x="5453743" y="1666240"/>
-          <a:ext cx="6458857" cy="4028440"/>
-        </p:xfrm>
-        <a:graphic>
-          <a:graphicData uri="http://schemas.openxmlformats.org/drawingml/2006/table">
-            <a:tbl>
-              <a:tblPr firstRow="1" bandRow="1">
-                <a:tableStyleId>{5C22544A-7EE6-4342-B048-85BDC9FD1C3A}</a:tableStyleId>
-              </a:tblPr>
-              <a:tblGrid>
-                <a:gridCol w="2155371">
-                  <a:extLst>
-                    <a:ext uri="{9D8B030D-6E8A-4147-A177-3AD203B41FA5}">
-                      <a16:colId xmlns:a16="http://schemas.microsoft.com/office/drawing/2014/main" val="4222515365"/>
-                    </a:ext>
-                  </a:extLst>
-                </a:gridCol>
-                <a:gridCol w="4303486">
-                  <a:extLst>
-                    <a:ext uri="{9D8B030D-6E8A-4147-A177-3AD203B41FA5}">
-                      <a16:colId xmlns:a16="http://schemas.microsoft.com/office/drawing/2014/main" val="3872575451"/>
-                    </a:ext>
-                  </a:extLst>
-                </a:gridCol>
-              </a:tblGrid>
-              <a:tr h="370840">
-                <a:tc>
-                  <a:txBody>
-                    <a:bodyPr/>
-                    <a:lstStyle/>
-                    <a:p>
-                      <a:r>
-                        <a:rPr lang="fr-CA" dirty="0" err="1"/>
-                        <a:t>Property</a:t>
-                      </a:r>
-                      <a:r>
-                        <a:rPr lang="fr-CA" dirty="0"/>
-                        <a:t> Name</a:t>
-                      </a:r>
-                    </a:p>
-                  </a:txBody>
-                  <a:tcPr/>
-                </a:tc>
-                <a:tc>
-                  <a:txBody>
-                    <a:bodyPr/>
-                    <a:lstStyle/>
-                    <a:p>
-                      <a:r>
-                        <a:rPr lang="fr-CA" dirty="0"/>
-                        <a:t>Description</a:t>
-                      </a:r>
-                    </a:p>
-                  </a:txBody>
-                  <a:tcPr/>
-                </a:tc>
-                <a:extLst>
-                  <a:ext uri="{0D108BD9-81ED-4DB2-BD59-A6C34878D82A}">
-                    <a16:rowId xmlns:a16="http://schemas.microsoft.com/office/drawing/2014/main" val="1394859493"/>
-                  </a:ext>
-                </a:extLst>
-              </a:tr>
-              <a:tr h="370840">
-                <a:tc>
-                  <a:txBody>
-                    <a:bodyPr/>
-                    <a:lstStyle/>
-                    <a:p>
-                      <a:r>
-                        <a:rPr lang="fr-CA" dirty="0"/>
-                        <a:t>Key</a:t>
-                      </a:r>
-                    </a:p>
-                  </a:txBody>
-                  <a:tcPr/>
-                </a:tc>
-                <a:tc>
-                  <a:txBody>
-                    <a:bodyPr/>
-                    <a:lstStyle/>
-                    <a:p>
-                      <a:r>
-                        <a:rPr lang="fr-CA" dirty="0" err="1"/>
-                        <a:t>Uniquely</a:t>
-                      </a:r>
-                      <a:r>
-                        <a:rPr lang="fr-CA" dirty="0"/>
-                        <a:t> </a:t>
-                      </a:r>
-                      <a:r>
-                        <a:rPr lang="fr-CA" dirty="0" err="1"/>
-                        <a:t>identity</a:t>
-                      </a:r>
-                      <a:r>
-                        <a:rPr lang="fr-CA" dirty="0"/>
-                        <a:t> a </a:t>
-                      </a:r>
-                      <a:r>
-                        <a:rPr lang="fr-CA" dirty="0" err="1"/>
-                        <a:t>React</a:t>
-                      </a:r>
-                      <a:r>
-                        <a:rPr lang="fr-CA" dirty="0"/>
-                        <a:t> </a:t>
-                      </a:r>
-                      <a:r>
-                        <a:rPr lang="fr-CA" dirty="0" err="1"/>
-                        <a:t>elements</a:t>
-                      </a:r>
-                      <a:r>
-                        <a:rPr lang="fr-CA" dirty="0"/>
-                        <a:t> </a:t>
-                      </a:r>
-                      <a:r>
-                        <a:rPr lang="fr-CA" dirty="0" err="1"/>
-                        <a:t>withing</a:t>
-                      </a:r>
-                      <a:r>
-                        <a:rPr lang="fr-CA" dirty="0"/>
-                        <a:t> an </a:t>
-                      </a:r>
-                      <a:r>
-                        <a:rPr lang="fr-CA" dirty="0" err="1"/>
-                        <a:t>array</a:t>
-                      </a:r>
-                      <a:r>
-                        <a:rPr lang="fr-CA" dirty="0"/>
-                        <a:t> of the </a:t>
-                      </a:r>
-                      <a:r>
-                        <a:rPr lang="fr-CA" dirty="0" err="1"/>
-                        <a:t>same</a:t>
-                      </a:r>
-                      <a:r>
-                        <a:rPr lang="fr-CA" dirty="0"/>
-                        <a:t> type.</a:t>
-                      </a:r>
-                    </a:p>
-                  </a:txBody>
-                  <a:tcPr/>
-                </a:tc>
-                <a:extLst>
-                  <a:ext uri="{0D108BD9-81ED-4DB2-BD59-A6C34878D82A}">
-                    <a16:rowId xmlns:a16="http://schemas.microsoft.com/office/drawing/2014/main" val="2436484844"/>
-                  </a:ext>
-                </a:extLst>
-              </a:tr>
-              <a:tr h="370840">
-                <a:tc>
-                  <a:txBody>
-                    <a:bodyPr/>
-                    <a:lstStyle/>
-                    <a:p>
-                      <a:r>
-                        <a:rPr lang="fr-CA" dirty="0" err="1"/>
-                        <a:t>Props</a:t>
-                      </a:r>
-                      <a:endParaRPr lang="fr-CA" dirty="0"/>
-                    </a:p>
-                  </a:txBody>
-                  <a:tcPr/>
-                </a:tc>
-                <a:tc>
-                  <a:txBody>
-                    <a:bodyPr/>
-                    <a:lstStyle/>
-                    <a:p>
-                      <a:r>
-                        <a:rPr lang="fr-CA" dirty="0"/>
-                        <a:t>Mapping of all the </a:t>
-                      </a:r>
-                      <a:r>
-                        <a:rPr lang="fr-CA" dirty="0" err="1"/>
-                        <a:t>props</a:t>
-                      </a:r>
-                      <a:r>
-                        <a:rPr lang="fr-CA" dirty="0"/>
-                        <a:t> and values (</a:t>
-                      </a:r>
-                      <a:r>
-                        <a:rPr lang="fr-CA" dirty="0" err="1"/>
-                        <a:t>include</a:t>
-                      </a:r>
-                      <a:r>
-                        <a:rPr lang="fr-CA" dirty="0"/>
-                        <a:t> </a:t>
-                      </a:r>
-                      <a:r>
-                        <a:rPr lang="fr-CA" dirty="0" err="1"/>
-                        <a:t>children</a:t>
-                      </a:r>
-                      <a:r>
-                        <a:rPr lang="fr-CA" dirty="0"/>
-                        <a:t>)</a:t>
-                      </a:r>
-                    </a:p>
-                  </a:txBody>
-                  <a:tcPr/>
-                </a:tc>
-                <a:extLst>
-                  <a:ext uri="{0D108BD9-81ED-4DB2-BD59-A6C34878D82A}">
-                    <a16:rowId xmlns:a16="http://schemas.microsoft.com/office/drawing/2014/main" val="3752318723"/>
-                  </a:ext>
-                </a:extLst>
-              </a:tr>
-              <a:tr h="370840">
-                <a:tc>
-                  <a:txBody>
-                    <a:bodyPr/>
-                    <a:lstStyle/>
-                    <a:p>
-                      <a:r>
-                        <a:rPr lang="fr-CA" dirty="0" err="1"/>
-                        <a:t>Ref</a:t>
-                      </a:r>
-                      <a:endParaRPr lang="fr-CA" dirty="0"/>
-                    </a:p>
-                  </a:txBody>
-                  <a:tcPr/>
-                </a:tc>
-                <a:tc>
-                  <a:txBody>
-                    <a:bodyPr/>
-                    <a:lstStyle/>
-                    <a:p>
-                      <a:r>
-                        <a:rPr lang="fr-CA" dirty="0" err="1"/>
-                        <a:t>Property</a:t>
-                      </a:r>
-                      <a:r>
-                        <a:rPr lang="fr-CA" dirty="0"/>
-                        <a:t> </a:t>
-                      </a:r>
-                      <a:r>
-                        <a:rPr lang="fr-CA" dirty="0" err="1"/>
-                        <a:t>used</a:t>
-                      </a:r>
-                      <a:r>
-                        <a:rPr lang="fr-CA" dirty="0"/>
-                        <a:t> to </a:t>
-                      </a:r>
-                      <a:r>
-                        <a:rPr lang="fr-CA" dirty="0" err="1"/>
-                        <a:t>access</a:t>
-                      </a:r>
-                      <a:r>
-                        <a:rPr lang="fr-CA" dirty="0"/>
-                        <a:t> the </a:t>
-                      </a:r>
-                      <a:r>
-                        <a:rPr lang="fr-CA" dirty="0" err="1"/>
-                        <a:t>underlying</a:t>
-                      </a:r>
-                      <a:r>
-                        <a:rPr lang="fr-CA" dirty="0"/>
-                        <a:t> DOM </a:t>
-                      </a:r>
-                      <a:r>
-                        <a:rPr lang="fr-CA" dirty="0" err="1"/>
-                        <a:t>element</a:t>
-                      </a:r>
-                      <a:r>
-                        <a:rPr lang="fr-CA" dirty="0"/>
-                        <a:t>.</a:t>
-                      </a:r>
-                    </a:p>
-                    <a:p>
-                      <a:pPr marL="285750" indent="-285750">
-                        <a:buFont typeface="Arial" panose="020B0604020202020204" pitchFamily="34" charset="0"/>
-                        <a:buChar char="•"/>
-                      </a:pPr>
-                      <a:r>
-                        <a:rPr lang="fr-CA" dirty="0"/>
-                        <a:t>Set </a:t>
-                      </a:r>
-                      <a:r>
-                        <a:rPr lang="fr-CA" dirty="0" err="1"/>
-                        <a:t>when</a:t>
-                      </a:r>
-                      <a:r>
-                        <a:rPr lang="fr-CA" dirty="0"/>
-                        <a:t> </a:t>
-                      </a:r>
-                      <a:r>
-                        <a:rPr lang="fr-CA" dirty="0" err="1"/>
-                        <a:t>this</a:t>
-                      </a:r>
-                      <a:r>
-                        <a:rPr lang="fr-CA" dirty="0"/>
-                        <a:t> </a:t>
-                      </a:r>
-                      <a:r>
-                        <a:rPr lang="fr-CA" dirty="0" err="1"/>
-                        <a:t>ReactElement</a:t>
-                      </a:r>
-                      <a:r>
-                        <a:rPr lang="fr-CA" dirty="0"/>
-                        <a:t> </a:t>
-                      </a:r>
-                      <a:r>
-                        <a:rPr lang="fr-CA" dirty="0" err="1"/>
-                        <a:t>is</a:t>
-                      </a:r>
-                      <a:r>
-                        <a:rPr lang="fr-CA" dirty="0"/>
-                        <a:t> </a:t>
-                      </a:r>
-                      <a:r>
-                        <a:rPr lang="fr-CA" dirty="0" err="1"/>
-                        <a:t>rendered</a:t>
-                      </a:r>
-                      <a:endParaRPr lang="fr-CA" dirty="0"/>
-                    </a:p>
-                  </a:txBody>
-                  <a:tcPr/>
-                </a:tc>
-                <a:extLst>
-                  <a:ext uri="{0D108BD9-81ED-4DB2-BD59-A6C34878D82A}">
-                    <a16:rowId xmlns:a16="http://schemas.microsoft.com/office/drawing/2014/main" val="153830878"/>
-                  </a:ext>
-                </a:extLst>
-              </a:tr>
-              <a:tr h="370840">
-                <a:tc>
-                  <a:txBody>
-                    <a:bodyPr/>
-                    <a:lstStyle/>
-                    <a:p>
-                      <a:r>
-                        <a:rPr lang="fr-CA" dirty="0"/>
-                        <a:t>Type</a:t>
-                      </a:r>
-                    </a:p>
-                  </a:txBody>
-                  <a:tcPr/>
-                </a:tc>
-                <a:tc>
-                  <a:txBody>
-                    <a:bodyPr/>
-                    <a:lstStyle/>
-                    <a:p>
-                      <a:pPr marL="0" indent="0">
-                        <a:buFont typeface="Arial" panose="020B0604020202020204" pitchFamily="34" charset="0"/>
-                        <a:buNone/>
-                      </a:pPr>
-                      <a:r>
-                        <a:rPr lang="fr-CA" dirty="0"/>
-                        <a:t>Type of the </a:t>
-                      </a:r>
-                      <a:r>
-                        <a:rPr lang="fr-CA" dirty="0" err="1"/>
-                        <a:t>element</a:t>
-                      </a:r>
-                      <a:endParaRPr lang="fr-CA" dirty="0"/>
-                    </a:p>
-                    <a:p>
-                      <a:pPr marL="285750" indent="-285750">
-                        <a:buFont typeface="Arial" panose="020B0604020202020204" pitchFamily="34" charset="0"/>
-                        <a:buChar char="•"/>
-                      </a:pPr>
-                      <a:r>
-                        <a:rPr lang="fr-CA" dirty="0"/>
-                        <a:t>Tag </a:t>
-                      </a:r>
-                      <a:r>
-                        <a:rPr lang="fr-CA" dirty="0" err="1"/>
-                        <a:t>name</a:t>
-                      </a:r>
-                      <a:r>
-                        <a:rPr lang="fr-CA" dirty="0"/>
-                        <a:t> string (</a:t>
-                      </a:r>
-                      <a:r>
-                        <a:rPr lang="fr-CA" dirty="0" err="1"/>
-                        <a:t>i.e</a:t>
-                      </a:r>
-                      <a:r>
-                        <a:rPr lang="fr-CA" dirty="0"/>
-                        <a:t>: div, </a:t>
-                      </a:r>
-                      <a:r>
-                        <a:rPr lang="fr-CA" dirty="0" err="1"/>
-                        <a:t>span</a:t>
-                      </a:r>
-                      <a:r>
-                        <a:rPr lang="fr-CA" dirty="0"/>
-                        <a:t>)</a:t>
-                      </a:r>
-                    </a:p>
-                    <a:p>
-                      <a:pPr marL="285750" indent="-285750">
-                        <a:buFont typeface="Arial" panose="020B0604020202020204" pitchFamily="34" charset="0"/>
-                        <a:buChar char="•"/>
-                      </a:pPr>
-                      <a:r>
-                        <a:rPr lang="fr-CA" dirty="0" err="1"/>
-                        <a:t>React</a:t>
-                      </a:r>
-                      <a:r>
-                        <a:rPr lang="fr-CA" dirty="0"/>
-                        <a:t> Component (class or </a:t>
-                      </a:r>
-                      <a:r>
-                        <a:rPr lang="fr-CA" dirty="0" err="1"/>
-                        <a:t>function</a:t>
-                      </a:r>
-                      <a:r>
-                        <a:rPr lang="fr-CA" dirty="0"/>
-                        <a:t>)</a:t>
-                      </a:r>
-                    </a:p>
-                    <a:p>
-                      <a:pPr marL="285750" indent="-285750">
-                        <a:buFont typeface="Arial" panose="020B0604020202020204" pitchFamily="34" charset="0"/>
-                        <a:buChar char="•"/>
-                      </a:pPr>
-                      <a:r>
-                        <a:rPr lang="fr-CA" dirty="0" err="1"/>
-                        <a:t>React</a:t>
-                      </a:r>
-                      <a:r>
-                        <a:rPr lang="fr-CA" dirty="0"/>
-                        <a:t> Fragment (</a:t>
-                      </a:r>
-                      <a:r>
-                        <a:rPr lang="en-CA"/>
-                        <a:t>&lt;&gt;&lt;/&gt;)</a:t>
-                      </a:r>
-                      <a:endParaRPr lang="fr-CA" dirty="0"/>
-                    </a:p>
-                    <a:p>
-                      <a:pPr marL="285750" indent="-285750">
-                        <a:buFont typeface="Arial" panose="020B0604020202020204" pitchFamily="34" charset="0"/>
-                        <a:buChar char="•"/>
-                      </a:pPr>
-                      <a:r>
-                        <a:rPr lang="fr-CA"/>
-                        <a:t>Bool (étrange! </a:t>
-                      </a:r>
-                      <a:r>
-                        <a:rPr lang="fr-CA" dirty="0"/>
-                        <a:t>On va voir pourquoi à fin)</a:t>
-                      </a:r>
-                    </a:p>
-                  </a:txBody>
-                  <a:tcPr/>
-                </a:tc>
-                <a:extLst>
-                  <a:ext uri="{0D108BD9-81ED-4DB2-BD59-A6C34878D82A}">
-                    <a16:rowId xmlns:a16="http://schemas.microsoft.com/office/drawing/2014/main" val="3276912826"/>
-                  </a:ext>
-                </a:extLst>
-              </a:tr>
-            </a:tbl>
-          </a:graphicData>
-        </a:graphic>
-      </p:graphicFrame>
-      <p:pic>
-        <p:nvPicPr>
-          <p:cNvPr id="10" name="Picture 9">
-            <a:extLst>
-              <a:ext uri="{FF2B5EF4-FFF2-40B4-BE49-F238E27FC236}">
-                <a16:creationId xmlns:a16="http://schemas.microsoft.com/office/drawing/2014/main" id="{F49A9A97-E8AF-4CF9-A0AA-F9F8D2FC92D9}"/>
-              </a:ext>
-            </a:extLst>
-          </p:cNvPr>
-          <p:cNvPicPr>
-            <a:picLocks noChangeAspect="1"/>
-          </p:cNvPicPr>
-          <p:nvPr/>
-        </p:nvPicPr>
-        <p:blipFill>
-          <a:blip r:embed="rId3"/>
-          <a:stretch>
-            <a:fillRect/>
-          </a:stretch>
-        </p:blipFill>
-        <p:spPr>
-          <a:xfrm>
-            <a:off x="279400" y="3078984"/>
-            <a:ext cx="4931172" cy="2503714"/>
-          </a:xfrm>
-          <a:prstGeom prst="rect">
-            <a:avLst/>
-          </a:prstGeom>
-        </p:spPr>
-      </p:pic>
-    </p:spTree>
-    <p:extLst>
-      <p:ext uri="{BB962C8B-B14F-4D97-AF65-F5344CB8AC3E}">
-        <p14:creationId xmlns:p14="http://schemas.microsoft.com/office/powerpoint/2010/main" val="300338475"/>
       </p:ext>
     </p:extLst>
   </p:cSld>

--- a/part-2/React-Perfo.pptx
+++ b/part-2/React-Perfo.pptx
@@ -5,7 +5,7 @@
     <p:sldMasterId id="2147483648" r:id="rId1"/>
   </p:sldMasterIdLst>
   <p:notesMasterIdLst>
-    <p:notesMasterId r:id="rId38"/>
+    <p:notesMasterId r:id="rId41"/>
   </p:notesMasterIdLst>
   <p:sldIdLst>
     <p:sldId id="256" r:id="rId2"/>
@@ -15,35 +15,38 @@
     <p:sldId id="258" r:id="rId6"/>
     <p:sldId id="279" r:id="rId7"/>
     <p:sldId id="259" r:id="rId8"/>
-    <p:sldId id="285" r:id="rId9"/>
-    <p:sldId id="257" r:id="rId10"/>
-    <p:sldId id="260" r:id="rId11"/>
-    <p:sldId id="263" r:id="rId12"/>
-    <p:sldId id="280" r:id="rId13"/>
-    <p:sldId id="281" r:id="rId14"/>
-    <p:sldId id="286" r:id="rId15"/>
-    <p:sldId id="261" r:id="rId16"/>
-    <p:sldId id="275" r:id="rId17"/>
-    <p:sldId id="276" r:id="rId18"/>
-    <p:sldId id="287" r:id="rId19"/>
-    <p:sldId id="269" r:id="rId20"/>
-    <p:sldId id="270" r:id="rId21"/>
-    <p:sldId id="271" r:id="rId22"/>
-    <p:sldId id="290" r:id="rId23"/>
-    <p:sldId id="288" r:id="rId24"/>
-    <p:sldId id="262" r:id="rId25"/>
-    <p:sldId id="267" r:id="rId26"/>
-    <p:sldId id="268" r:id="rId27"/>
-    <p:sldId id="278" r:id="rId28"/>
-    <p:sldId id="282" r:id="rId29"/>
-    <p:sldId id="264" r:id="rId30"/>
-    <p:sldId id="265" r:id="rId31"/>
-    <p:sldId id="266" r:id="rId32"/>
-    <p:sldId id="274" r:id="rId33"/>
-    <p:sldId id="289" r:id="rId34"/>
-    <p:sldId id="272" r:id="rId35"/>
-    <p:sldId id="283" r:id="rId36"/>
-    <p:sldId id="277" r:id="rId37"/>
+    <p:sldId id="292" r:id="rId9"/>
+    <p:sldId id="286" r:id="rId10"/>
+    <p:sldId id="261" r:id="rId11"/>
+    <p:sldId id="275" r:id="rId12"/>
+    <p:sldId id="294" r:id="rId13"/>
+    <p:sldId id="276" r:id="rId14"/>
+    <p:sldId id="285" r:id="rId15"/>
+    <p:sldId id="257" r:id="rId16"/>
+    <p:sldId id="260" r:id="rId17"/>
+    <p:sldId id="263" r:id="rId18"/>
+    <p:sldId id="280" r:id="rId19"/>
+    <p:sldId id="281" r:id="rId20"/>
+    <p:sldId id="288" r:id="rId21"/>
+    <p:sldId id="293" r:id="rId22"/>
+    <p:sldId id="262" r:id="rId23"/>
+    <p:sldId id="267" r:id="rId24"/>
+    <p:sldId id="268" r:id="rId25"/>
+    <p:sldId id="278" r:id="rId26"/>
+    <p:sldId id="282" r:id="rId27"/>
+    <p:sldId id="264" r:id="rId28"/>
+    <p:sldId id="265" r:id="rId29"/>
+    <p:sldId id="266" r:id="rId30"/>
+    <p:sldId id="274" r:id="rId31"/>
+    <p:sldId id="287" r:id="rId32"/>
+    <p:sldId id="269" r:id="rId33"/>
+    <p:sldId id="270" r:id="rId34"/>
+    <p:sldId id="271" r:id="rId35"/>
+    <p:sldId id="290" r:id="rId36"/>
+    <p:sldId id="289" r:id="rId37"/>
+    <p:sldId id="272" r:id="rId38"/>
+    <p:sldId id="283" r:id="rId39"/>
+    <p:sldId id="277" r:id="rId40"/>
   </p:sldIdLst>
   <p:sldSz cx="12192000" cy="6858000"/>
   <p:notesSz cx="6858000" cy="9144000"/>
@@ -143,6 +146,77 @@
     </a:lvl9pPr>
   </p:defaultTextStyle>
   <p:extLst>
+    <p:ext uri="{521415D9-36F7-43E2-AB2F-B90AF26B5E84}">
+      <p14:sectionLst xmlns:p14="http://schemas.microsoft.com/office/powerpoint/2010/main">
+        <p14:section name="Introduction" id="{3CDB3CB4-3FFD-46CC-B82A-3D4C8DF2EAE0}">
+          <p14:sldIdLst>
+            <p14:sldId id="256"/>
+            <p14:sldId id="291"/>
+            <p14:sldId id="273"/>
+          </p14:sldIdLst>
+        </p14:section>
+        <p14:section name="Dom and Browser" id="{26C1EE53-F96D-42F4-86B4-B803DA1C4B16}">
+          <p14:sldIdLst>
+            <p14:sldId id="284"/>
+            <p14:sldId id="258"/>
+            <p14:sldId id="279"/>
+            <p14:sldId id="259"/>
+            <p14:sldId id="292"/>
+          </p14:sldIdLst>
+        </p14:section>
+        <p14:section name="Virtual DOM" id="{FD49F94B-9B7D-4097-896A-21C3D3A47390}">
+          <p14:sldIdLst>
+            <p14:sldId id="286"/>
+            <p14:sldId id="261"/>
+            <p14:sldId id="275"/>
+            <p14:sldId id="294"/>
+            <p14:sldId id="276"/>
+          </p14:sldIdLst>
+        </p14:section>
+        <p14:section name="React Building Block" id="{2FFBB298-775D-45E7-94B0-1C9A48D925A9}">
+          <p14:sldIdLst>
+            <p14:sldId id="285"/>
+            <p14:sldId id="257"/>
+            <p14:sldId id="260"/>
+            <p14:sldId id="263"/>
+            <p14:sldId id="280"/>
+            <p14:sldId id="281"/>
+          </p14:sldIdLst>
+        </p14:section>
+        <p14:section name="Render" id="{D7FBC085-E7D7-441A-BD29-C9A9B73EA2F0}">
+          <p14:sldIdLst>
+            <p14:sldId id="288"/>
+            <p14:sldId id="293"/>
+            <p14:sldId id="262"/>
+            <p14:sldId id="267"/>
+            <p14:sldId id="268"/>
+            <p14:sldId id="278"/>
+            <p14:sldId id="282"/>
+            <p14:sldId id="264"/>
+            <p14:sldId id="265"/>
+            <p14:sldId id="266"/>
+            <p14:sldId id="274"/>
+          </p14:sldIdLst>
+        </p14:section>
+        <p14:section name="React LifeCycle" id="{3FA1CF1A-DF48-42B4-9CFE-0395F17CD0D6}">
+          <p14:sldIdLst>
+            <p14:sldId id="287"/>
+            <p14:sldId id="269"/>
+            <p14:sldId id="270"/>
+            <p14:sldId id="271"/>
+            <p14:sldId id="290"/>
+          </p14:sldIdLst>
+        </p14:section>
+        <p14:section name="React Profiler" id="{51D2D76E-A4DA-40F9-B53F-48F58A1AF2E6}">
+          <p14:sldIdLst>
+            <p14:sldId id="289"/>
+            <p14:sldId id="272"/>
+            <p14:sldId id="283"/>
+            <p14:sldId id="277"/>
+          </p14:sldIdLst>
+        </p14:section>
+      </p14:sectionLst>
+    </p:ext>
     <p:ext uri="{EFAFB233-063F-42B5-8137-9DF3F51BA10A}">
       <p15:sldGuideLst xmlns:p15="http://schemas.microsoft.com/office/powerpoint/2012/main"/>
     </p:ext>
@@ -232,7 +306,7 @@
           <a:p>
             <a:fld id="{DAFD8366-78F6-4B3C-B44B-186B48A03637}" type="datetimeFigureOut">
               <a:rPr lang="en-CA" smtClean="0"/>
-              <a:t>07/03/2019</a:t>
+              <a:t>03/05/2019</a:t>
             </a:fld>
             <a:endParaRPr lang="en-CA"/>
           </a:p>
@@ -545,16 +619,23 @@
           <a:lstStyle/>
           <a:p>
             <a:r>
-              <a:rPr lang="en-CA" dirty="0"/>
-              <a:t>https://stackoverflow.com/questions/27637184/what-is-dom-reflow</a:t>
-            </a:r>
-          </a:p>
-          <a:p>
+              <a:rPr lang="fr-CA" dirty="0"/>
+              <a:t>« </a:t>
+            </a:r>
+            <a:r>
+              <a:rPr lang="en-US" sz="1200" b="0" i="1" kern="1200" dirty="0">
+                <a:solidFill>
+                  <a:schemeClr val="tx1"/>
+                </a:solidFill>
+                <a:effectLst/>
+                <a:latin typeface="+mn-lt"/>
+                <a:ea typeface="+mn-ea"/>
+                <a:cs typeface="+mn-cs"/>
+              </a:rPr>
+              <a:t>Compare it to a process being an instance of a program. You can have multiple processes of the same one program, just like you can have multiple DOMs of the same HTML (e.g. the same page loaded on many tabs).”</a:t>
+            </a:r>
             <a:endParaRPr lang="fr-CA" dirty="0"/>
           </a:p>
-          <a:p>
-            <a:endParaRPr lang="en-CA" dirty="0"/>
-          </a:p>
         </p:txBody>
       </p:sp>
       <p:sp>
@@ -564,7 +645,7 @@
             <a:spLocks noGrp="1"/>
           </p:cNvSpPr>
           <p:nvPr>
-            <p:ph type="sldNum" sz="quarter" idx="10"/>
+            <p:ph type="sldNum" sz="quarter" idx="5"/>
           </p:nvPr>
         </p:nvSpPr>
         <p:spPr/>
@@ -574,7 +655,7 @@
           <a:p>
             <a:fld id="{4611314A-80A0-4876-B1A5-EEE650CBF79F}" type="slidenum">
               <a:rPr lang="en-CA" smtClean="0"/>
-              <a:t>7</a:t>
+              <a:t>5</a:t>
             </a:fld>
             <a:endParaRPr lang="en-CA"/>
           </a:p>
@@ -583,7 +664,7 @@
     </p:spTree>
     <p:extLst>
       <p:ext uri="{BB962C8B-B14F-4D97-AF65-F5344CB8AC3E}">
-        <p14:creationId xmlns:p14="http://schemas.microsoft.com/office/powerpoint/2010/main" val="1827799081"/>
+        <p14:creationId xmlns:p14="http://schemas.microsoft.com/office/powerpoint/2010/main" val="382454962"/>
       </p:ext>
     </p:extLst>
   </p:cSld>
@@ -637,39 +718,17 @@
           <a:bodyPr/>
           <a:lstStyle/>
           <a:p>
-            <a:pPr marL="0" marR="0" lvl="0" indent="0" algn="l" defTabSz="914400" rtl="0" eaLnBrk="1" fontAlgn="auto" latinLnBrk="0" hangingPunct="1">
-              <a:lnSpc>
-                <a:spcPct val="100000"/>
-              </a:lnSpc>
-              <a:spcBef>
-                <a:spcPts val="0"/>
-              </a:spcBef>
-              <a:spcAft>
-                <a:spcPts val="0"/>
-              </a:spcAft>
-              <a:buClrTx/>
-              <a:buSzTx/>
-              <a:buFontTx/>
-              <a:buNone/>
-              <a:tabLst/>
-              <a:defRPr/>
-            </a:pPr>
-            <a:r>
-              <a:rPr lang="fr-CA" dirty="0"/>
-              <a:t>https://hackernoon.com/virtual-dom-in-reactjs-43a3fdb1d130 (</a:t>
-            </a:r>
-            <a:r>
-              <a:rPr lang="fr-CA" dirty="0" err="1"/>
-              <a:t>vrm</a:t>
-            </a:r>
-            <a:r>
-              <a:rPr lang="fr-CA" dirty="0"/>
-              <a:t> bon!)</a:t>
+            <a:r>
+              <a:rPr lang="en-CA" dirty="0"/>
+              <a:t>https://stackoverflow.com/questions/27637184/what-is-dom-reflow</a:t>
             </a:r>
           </a:p>
           <a:p>
             <a:endParaRPr lang="fr-CA" dirty="0"/>
           </a:p>
+          <a:p>
+            <a:endParaRPr lang="en-CA" dirty="0"/>
+          </a:p>
         </p:txBody>
       </p:sp>
       <p:sp>
@@ -679,7 +738,7 @@
             <a:spLocks noGrp="1"/>
           </p:cNvSpPr>
           <p:nvPr>
-            <p:ph type="sldNum" sz="quarter" idx="5"/>
+            <p:ph type="sldNum" sz="quarter" idx="10"/>
           </p:nvPr>
         </p:nvSpPr>
         <p:spPr/>
@@ -689,7 +748,7 @@
           <a:p>
             <a:fld id="{4611314A-80A0-4876-B1A5-EEE650CBF79F}" type="slidenum">
               <a:rPr lang="en-CA" smtClean="0"/>
-              <a:t>15</a:t>
+              <a:t>7</a:t>
             </a:fld>
             <a:endParaRPr lang="en-CA"/>
           </a:p>
@@ -698,7 +757,7 @@
     </p:spTree>
     <p:extLst>
       <p:ext uri="{BB962C8B-B14F-4D97-AF65-F5344CB8AC3E}">
-        <p14:creationId xmlns:p14="http://schemas.microsoft.com/office/powerpoint/2010/main" val="1803902072"/>
+        <p14:creationId xmlns:p14="http://schemas.microsoft.com/office/powerpoint/2010/main" val="1827799081"/>
       </p:ext>
     </p:extLst>
   </p:cSld>
@@ -752,6 +811,23 @@
           <a:bodyPr/>
           <a:lstStyle/>
           <a:p>
+            <a:pPr marL="0" marR="0" lvl="0" indent="0" algn="l" defTabSz="914400" rtl="0" eaLnBrk="1" fontAlgn="auto" latinLnBrk="0" hangingPunct="1">
+              <a:lnSpc>
+                <a:spcPct val="100000"/>
+              </a:lnSpc>
+              <a:spcBef>
+                <a:spcPts val="0"/>
+              </a:spcBef>
+              <a:spcAft>
+                <a:spcPts val="0"/>
+              </a:spcAft>
+              <a:buClrTx/>
+              <a:buSzTx/>
+              <a:buFontTx/>
+              <a:buNone/>
+              <a:tabLst/>
+              <a:defRPr/>
+            </a:pPr>
             <a:r>
               <a:rPr lang="fr-CA" dirty="0"/>
               <a:t>https://hackernoon.com/virtual-dom-in-reactjs-43a3fdb1d130 (</a:t>
@@ -764,6 +840,9 @@
               <a:rPr lang="fr-CA" dirty="0"/>
               <a:t> bon!)</a:t>
             </a:r>
+          </a:p>
+          <a:p>
+            <a:endParaRPr lang="fr-CA" dirty="0"/>
           </a:p>
         </p:txBody>
       </p:sp>
@@ -784,7 +863,7 @@
           <a:p>
             <a:fld id="{4611314A-80A0-4876-B1A5-EEE650CBF79F}" type="slidenum">
               <a:rPr lang="en-CA" smtClean="0"/>
-              <a:t>16</a:t>
+              <a:t>10</a:t>
             </a:fld>
             <a:endParaRPr lang="en-CA"/>
           </a:p>
@@ -793,7 +872,7 @@
     </p:spTree>
     <p:extLst>
       <p:ext uri="{BB962C8B-B14F-4D97-AF65-F5344CB8AC3E}">
-        <p14:creationId xmlns:p14="http://schemas.microsoft.com/office/powerpoint/2010/main" val="3005792947"/>
+        <p14:creationId xmlns:p14="http://schemas.microsoft.com/office/powerpoint/2010/main" val="1803902072"/>
       </p:ext>
     </p:extLst>
   </p:cSld>
@@ -849,7 +928,15 @@
           <a:p>
             <a:r>
               <a:rPr lang="fr-CA" dirty="0"/>
-              <a:t>https://develoger.com/shadow-dom-virtual-dom-889bf78ce701</a:t>
+              <a:t>https://hackernoon.com/virtual-dom-in-reactjs-43a3fdb1d130 (</a:t>
+            </a:r>
+            <a:r>
+              <a:rPr lang="fr-CA" dirty="0" err="1"/>
+              <a:t>vrm</a:t>
+            </a:r>
+            <a:r>
+              <a:rPr lang="fr-CA" dirty="0"/>
+              <a:t> bon!)</a:t>
             </a:r>
           </a:p>
         </p:txBody>
@@ -871,7 +958,7 @@
           <a:p>
             <a:fld id="{4611314A-80A0-4876-B1A5-EEE650CBF79F}" type="slidenum">
               <a:rPr lang="en-CA" smtClean="0"/>
-              <a:t>17</a:t>
+              <a:t>11</a:t>
             </a:fld>
             <a:endParaRPr lang="en-CA"/>
           </a:p>
@@ -880,7 +967,7 @@
     </p:spTree>
     <p:extLst>
       <p:ext uri="{BB962C8B-B14F-4D97-AF65-F5344CB8AC3E}">
-        <p14:creationId xmlns:p14="http://schemas.microsoft.com/office/powerpoint/2010/main" val="3857077570"/>
+        <p14:creationId xmlns:p14="http://schemas.microsoft.com/office/powerpoint/2010/main" val="3005792947"/>
       </p:ext>
     </p:extLst>
   </p:cSld>
@@ -936,7 +1023,32 @@
           <a:p>
             <a:r>
               <a:rPr lang="fr-CA" dirty="0"/>
-              <a:t>https://medium.com/@elinahovakimyan/react-16-lifecycles-explained-ea3b2f7ffd2a</a:t>
+              <a:t>https://hackernoon.com/virtual-dom-in-reactjs-43a3fdb1d130 (</a:t>
+            </a:r>
+            <a:r>
+              <a:rPr lang="fr-CA" dirty="0" err="1"/>
+              <a:t>vrm</a:t>
+            </a:r>
+            <a:r>
+              <a:rPr lang="fr-CA" dirty="0"/>
+              <a:t> bon!)</a:t>
+            </a:r>
+          </a:p>
+          <a:p>
+            <a:endParaRPr lang="fr-CA" dirty="0"/>
+          </a:p>
+          <a:p>
+            <a:r>
+              <a:rPr lang="fr-CA" dirty="0"/>
+              <a:t>=</a:t>
+            </a:r>
+            <a:r>
+              <a:rPr lang="en-CA" dirty="0"/>
+              <a:t>&gt; Faire dessin</a:t>
+            </a:r>
+            <a:r>
+              <a:rPr lang="fr-CA" dirty="0"/>
+              <a:t> à l’écran!</a:t>
             </a:r>
           </a:p>
         </p:txBody>
@@ -958,7 +1070,7 @@
           <a:p>
             <a:fld id="{4611314A-80A0-4876-B1A5-EEE650CBF79F}" type="slidenum">
               <a:rPr lang="en-CA" smtClean="0"/>
-              <a:t>20</a:t>
+              <a:t>12</a:t>
             </a:fld>
             <a:endParaRPr lang="en-CA"/>
           </a:p>
@@ -967,7 +1079,7 @@
     </p:spTree>
     <p:extLst>
       <p:ext uri="{BB962C8B-B14F-4D97-AF65-F5344CB8AC3E}">
-        <p14:creationId xmlns:p14="http://schemas.microsoft.com/office/powerpoint/2010/main" val="4247930852"/>
+        <p14:creationId xmlns:p14="http://schemas.microsoft.com/office/powerpoint/2010/main" val="1189420668"/>
       </p:ext>
     </p:extLst>
   </p:cSld>
@@ -1022,6 +1134,93 @@
           <a:lstStyle/>
           <a:p>
             <a:r>
+              <a:rPr lang="fr-CA" dirty="0"/>
+              <a:t>https://develoger.com/shadow-dom-virtual-dom-889bf78ce701</a:t>
+            </a:r>
+          </a:p>
+        </p:txBody>
+      </p:sp>
+      <p:sp>
+        <p:nvSpPr>
+          <p:cNvPr id="4" name="Slide Number Placeholder 3"/>
+          <p:cNvSpPr>
+            <a:spLocks noGrp="1"/>
+          </p:cNvSpPr>
+          <p:nvPr>
+            <p:ph type="sldNum" sz="quarter" idx="5"/>
+          </p:nvPr>
+        </p:nvSpPr>
+        <p:spPr/>
+        <p:txBody>
+          <a:bodyPr/>
+          <a:lstStyle/>
+          <a:p>
+            <a:fld id="{4611314A-80A0-4876-B1A5-EEE650CBF79F}" type="slidenum">
+              <a:rPr lang="en-CA" smtClean="0"/>
+              <a:t>13</a:t>
+            </a:fld>
+            <a:endParaRPr lang="en-CA"/>
+          </a:p>
+        </p:txBody>
+      </p:sp>
+    </p:spTree>
+    <p:extLst>
+      <p:ext uri="{BB962C8B-B14F-4D97-AF65-F5344CB8AC3E}">
+        <p14:creationId xmlns:p14="http://schemas.microsoft.com/office/powerpoint/2010/main" val="3857077570"/>
+      </p:ext>
+    </p:extLst>
+  </p:cSld>
+  <p:clrMapOvr>
+    <a:masterClrMapping/>
+  </p:clrMapOvr>
+</p:notes>
+</file>
+
+<file path=ppt/notesSlides/notesSlide7.xml><?xml version="1.0" encoding="utf-8"?>
+<p:notes xmlns:a="http://schemas.openxmlformats.org/drawingml/2006/main" xmlns:r="http://schemas.openxmlformats.org/officeDocument/2006/relationships" xmlns:p="http://schemas.openxmlformats.org/presentationml/2006/main">
+  <p:cSld>
+    <p:spTree>
+      <p:nvGrpSpPr>
+        <p:cNvPr id="1" name=""/>
+        <p:cNvGrpSpPr/>
+        <p:nvPr/>
+      </p:nvGrpSpPr>
+      <p:grpSpPr>
+        <a:xfrm>
+          <a:off x="0" y="0"/>
+          <a:ext cx="0" cy="0"/>
+          <a:chOff x="0" y="0"/>
+          <a:chExt cx="0" cy="0"/>
+        </a:xfrm>
+      </p:grpSpPr>
+      <p:sp>
+        <p:nvSpPr>
+          <p:cNvPr id="2" name="Slide Image Placeholder 1"/>
+          <p:cNvSpPr>
+            <a:spLocks noGrp="1" noRot="1" noChangeAspect="1"/>
+          </p:cNvSpPr>
+          <p:nvPr>
+            <p:ph type="sldImg"/>
+          </p:nvPr>
+        </p:nvSpPr>
+        <p:spPr/>
+      </p:sp>
+      <p:sp>
+        <p:nvSpPr>
+          <p:cNvPr id="3" name="Notes Placeholder 2"/>
+          <p:cNvSpPr>
+            <a:spLocks noGrp="1"/>
+          </p:cNvSpPr>
+          <p:nvPr>
+            <p:ph type="body" idx="1"/>
+          </p:nvPr>
+        </p:nvSpPr>
+        <p:spPr/>
+        <p:txBody>
+          <a:bodyPr/>
+          <a:lstStyle/>
+          <a:p>
+            <a:r>
               <a:rPr lang="en-CA" dirty="0"/>
               <a:t>https://medium.com/@fay_jai/react-elements-vs-react-components-vs-component-backing-instances-14d42729f62</a:t>
             </a:r>
@@ -1066,7 +1265,7 @@
           <a:p>
             <a:fld id="{4611314A-80A0-4876-B1A5-EEE650CBF79F}" type="slidenum">
               <a:rPr lang="en-CA" smtClean="0"/>
-              <a:t>24</a:t>
+              <a:t>22</a:t>
             </a:fld>
             <a:endParaRPr lang="en-CA"/>
           </a:p>
@@ -1076,6 +1275,93 @@
     <p:extLst>
       <p:ext uri="{BB962C8B-B14F-4D97-AF65-F5344CB8AC3E}">
         <p14:creationId xmlns:p14="http://schemas.microsoft.com/office/powerpoint/2010/main" val="865417593"/>
+      </p:ext>
+    </p:extLst>
+  </p:cSld>
+  <p:clrMapOvr>
+    <a:masterClrMapping/>
+  </p:clrMapOvr>
+</p:notes>
+</file>
+
+<file path=ppt/notesSlides/notesSlide8.xml><?xml version="1.0" encoding="utf-8"?>
+<p:notes xmlns:a="http://schemas.openxmlformats.org/drawingml/2006/main" xmlns:r="http://schemas.openxmlformats.org/officeDocument/2006/relationships" xmlns:p="http://schemas.openxmlformats.org/presentationml/2006/main">
+  <p:cSld>
+    <p:spTree>
+      <p:nvGrpSpPr>
+        <p:cNvPr id="1" name=""/>
+        <p:cNvGrpSpPr/>
+        <p:nvPr/>
+      </p:nvGrpSpPr>
+      <p:grpSpPr>
+        <a:xfrm>
+          <a:off x="0" y="0"/>
+          <a:ext cx="0" cy="0"/>
+          <a:chOff x="0" y="0"/>
+          <a:chExt cx="0" cy="0"/>
+        </a:xfrm>
+      </p:grpSpPr>
+      <p:sp>
+        <p:nvSpPr>
+          <p:cNvPr id="2" name="Slide Image Placeholder 1"/>
+          <p:cNvSpPr>
+            <a:spLocks noGrp="1" noRot="1" noChangeAspect="1"/>
+          </p:cNvSpPr>
+          <p:nvPr>
+            <p:ph type="sldImg"/>
+          </p:nvPr>
+        </p:nvSpPr>
+        <p:spPr/>
+      </p:sp>
+      <p:sp>
+        <p:nvSpPr>
+          <p:cNvPr id="3" name="Notes Placeholder 2"/>
+          <p:cNvSpPr>
+            <a:spLocks noGrp="1"/>
+          </p:cNvSpPr>
+          <p:nvPr>
+            <p:ph type="body" idx="1"/>
+          </p:nvPr>
+        </p:nvSpPr>
+        <p:spPr/>
+        <p:txBody>
+          <a:bodyPr/>
+          <a:lstStyle/>
+          <a:p>
+            <a:r>
+              <a:rPr lang="fr-CA" dirty="0"/>
+              <a:t>https://medium.com/@elinahovakimyan/react-16-lifecycles-explained-ea3b2f7ffd2a</a:t>
+            </a:r>
+          </a:p>
+        </p:txBody>
+      </p:sp>
+      <p:sp>
+        <p:nvSpPr>
+          <p:cNvPr id="4" name="Slide Number Placeholder 3"/>
+          <p:cNvSpPr>
+            <a:spLocks noGrp="1"/>
+          </p:cNvSpPr>
+          <p:nvPr>
+            <p:ph type="sldNum" sz="quarter" idx="5"/>
+          </p:nvPr>
+        </p:nvSpPr>
+        <p:spPr/>
+        <p:txBody>
+          <a:bodyPr/>
+          <a:lstStyle/>
+          <a:p>
+            <a:fld id="{4611314A-80A0-4876-B1A5-EEE650CBF79F}" type="slidenum">
+              <a:rPr lang="en-CA" smtClean="0"/>
+              <a:t>33</a:t>
+            </a:fld>
+            <a:endParaRPr lang="en-CA"/>
+          </a:p>
+        </p:txBody>
+      </p:sp>
+    </p:spTree>
+    <p:extLst>
+      <p:ext uri="{BB962C8B-B14F-4D97-AF65-F5344CB8AC3E}">
+        <p14:creationId xmlns:p14="http://schemas.microsoft.com/office/powerpoint/2010/main" val="4247930852"/>
       </p:ext>
     </p:extLst>
   </p:cSld>
@@ -1234,7 +1520,7 @@
           <a:p>
             <a:fld id="{F752A3F4-2F0B-4EDF-BB25-F54BA930C80F}" type="datetimeFigureOut">
               <a:rPr lang="en-CA" smtClean="0"/>
-              <a:t>07/03/2019</a:t>
+              <a:t>03/05/2019</a:t>
             </a:fld>
             <a:endParaRPr lang="en-CA"/>
           </a:p>
@@ -1434,7 +1720,7 @@
           <a:p>
             <a:fld id="{F752A3F4-2F0B-4EDF-BB25-F54BA930C80F}" type="datetimeFigureOut">
               <a:rPr lang="en-CA" smtClean="0"/>
-              <a:t>07/03/2019</a:t>
+              <a:t>03/05/2019</a:t>
             </a:fld>
             <a:endParaRPr lang="en-CA"/>
           </a:p>
@@ -1644,7 +1930,7 @@
           <a:p>
             <a:fld id="{F752A3F4-2F0B-4EDF-BB25-F54BA930C80F}" type="datetimeFigureOut">
               <a:rPr lang="en-CA" smtClean="0"/>
-              <a:t>07/03/2019</a:t>
+              <a:t>03/05/2019</a:t>
             </a:fld>
             <a:endParaRPr lang="en-CA"/>
           </a:p>
@@ -1844,7 +2130,7 @@
           <a:p>
             <a:fld id="{F752A3F4-2F0B-4EDF-BB25-F54BA930C80F}" type="datetimeFigureOut">
               <a:rPr lang="en-CA" smtClean="0"/>
-              <a:t>07/03/2019</a:t>
+              <a:t>03/05/2019</a:t>
             </a:fld>
             <a:endParaRPr lang="en-CA"/>
           </a:p>
@@ -2120,7 +2406,7 @@
           <a:p>
             <a:fld id="{F752A3F4-2F0B-4EDF-BB25-F54BA930C80F}" type="datetimeFigureOut">
               <a:rPr lang="en-CA" smtClean="0"/>
-              <a:t>07/03/2019</a:t>
+              <a:t>03/05/2019</a:t>
             </a:fld>
             <a:endParaRPr lang="en-CA"/>
           </a:p>
@@ -2388,7 +2674,7 @@
           <a:p>
             <a:fld id="{F752A3F4-2F0B-4EDF-BB25-F54BA930C80F}" type="datetimeFigureOut">
               <a:rPr lang="en-CA" smtClean="0"/>
-              <a:t>07/03/2019</a:t>
+              <a:t>03/05/2019</a:t>
             </a:fld>
             <a:endParaRPr lang="en-CA"/>
           </a:p>
@@ -2803,7 +3089,7 @@
           <a:p>
             <a:fld id="{F752A3F4-2F0B-4EDF-BB25-F54BA930C80F}" type="datetimeFigureOut">
               <a:rPr lang="en-CA" smtClean="0"/>
-              <a:t>07/03/2019</a:t>
+              <a:t>03/05/2019</a:t>
             </a:fld>
             <a:endParaRPr lang="en-CA"/>
           </a:p>
@@ -2945,7 +3231,7 @@
           <a:p>
             <a:fld id="{F752A3F4-2F0B-4EDF-BB25-F54BA930C80F}" type="datetimeFigureOut">
               <a:rPr lang="en-CA" smtClean="0"/>
-              <a:t>07/03/2019</a:t>
+              <a:t>03/05/2019</a:t>
             </a:fld>
             <a:endParaRPr lang="en-CA"/>
           </a:p>
@@ -3058,7 +3344,7 @@
           <a:p>
             <a:fld id="{F752A3F4-2F0B-4EDF-BB25-F54BA930C80F}" type="datetimeFigureOut">
               <a:rPr lang="en-CA" smtClean="0"/>
-              <a:t>07/03/2019</a:t>
+              <a:t>03/05/2019</a:t>
             </a:fld>
             <a:endParaRPr lang="en-CA"/>
           </a:p>
@@ -3371,7 +3657,7 @@
           <a:p>
             <a:fld id="{F752A3F4-2F0B-4EDF-BB25-F54BA930C80F}" type="datetimeFigureOut">
               <a:rPr lang="en-CA" smtClean="0"/>
-              <a:t>07/03/2019</a:t>
+              <a:t>03/05/2019</a:t>
             </a:fld>
             <a:endParaRPr lang="en-CA"/>
           </a:p>
@@ -3660,7 +3946,7 @@
           <a:p>
             <a:fld id="{F752A3F4-2F0B-4EDF-BB25-F54BA930C80F}" type="datetimeFigureOut">
               <a:rPr lang="en-CA" smtClean="0"/>
-              <a:t>07/03/2019</a:t>
+              <a:t>03/05/2019</a:t>
             </a:fld>
             <a:endParaRPr lang="en-CA"/>
           </a:p>
@@ -3903,7 +4189,7 @@
           <a:p>
             <a:fld id="{F752A3F4-2F0B-4EDF-BB25-F54BA930C80F}" type="datetimeFigureOut">
               <a:rPr lang="en-CA" smtClean="0"/>
-              <a:t>07/03/2019</a:t>
+              <a:t>03/05/2019</a:t>
             </a:fld>
             <a:endParaRPr lang="en-CA"/>
           </a:p>
@@ -4408,7 +4694,7 @@
           <p:cNvPr id="2" name="Title 1">
             <a:extLst>
               <a:ext uri="{FF2B5EF4-FFF2-40B4-BE49-F238E27FC236}">
-                <a16:creationId xmlns:a16="http://schemas.microsoft.com/office/drawing/2014/main" id="{3EB37C4C-211B-4FDF-A37C-72633CAD4A13}"/>
+                <a16:creationId xmlns:a16="http://schemas.microsoft.com/office/drawing/2014/main" id="{F7945AEA-6232-4670-B53E-ADC28E9CE141}"/>
               </a:ext>
             </a:extLst>
           </p:cNvPr>
@@ -4425,567 +4711,151 @@
           <a:lstStyle/>
           <a:p>
             <a:r>
-              <a:rPr lang="fr-CA" dirty="0" err="1"/>
-              <a:t>React</a:t>
-            </a:r>
-            <a:r>
-              <a:rPr lang="fr-CA" dirty="0"/>
-              <a:t> </a:t>
-            </a:r>
-            <a:r>
-              <a:rPr lang="fr-CA" dirty="0" err="1"/>
-              <a:t>Element</a:t>
-            </a:r>
-            <a:r>
-              <a:rPr lang="fr-CA" dirty="0"/>
-              <a:t> &amp; Virtual DOM</a:t>
-            </a:r>
-            <a:endParaRPr lang="en-CA" dirty="0"/>
+              <a:rPr lang="en-CA" dirty="0" err="1"/>
+              <a:t>Qu’est</a:t>
+            </a:r>
+            <a:r>
+              <a:rPr lang="en-CA" dirty="0"/>
+              <a:t> que le virtual DOM</a:t>
+            </a:r>
+          </a:p>
+        </p:txBody>
+      </p:sp>
+      <p:sp>
+        <p:nvSpPr>
+          <p:cNvPr id="3" name="Content Placeholder 2">
+            <a:extLst>
+              <a:ext uri="{FF2B5EF4-FFF2-40B4-BE49-F238E27FC236}">
+                <a16:creationId xmlns:a16="http://schemas.microsoft.com/office/drawing/2014/main" id="{8FCB3598-4DA2-4E4D-80F2-A3033D71AC47}"/>
+              </a:ext>
+            </a:extLst>
+          </p:cNvPr>
+          <p:cNvSpPr>
+            <a:spLocks noGrp="1"/>
+          </p:cNvSpPr>
+          <p:nvPr>
+            <p:ph idx="1"/>
+          </p:nvPr>
+        </p:nvSpPr>
+        <p:spPr/>
+        <p:txBody>
+          <a:bodyPr/>
+          <a:lstStyle/>
+          <a:p>
+            <a:pPr marL="0" indent="0">
+              <a:buNone/>
+            </a:pPr>
+            <a:r>
+              <a:rPr lang="fr-CA" b="1" dirty="0"/>
+              <a:t>Définition</a:t>
+            </a:r>
+            <a:r>
+              <a:rPr lang="fr-CA" dirty="0"/>
+              <a:t>: Le </a:t>
+            </a:r>
+            <a:r>
+              <a:rPr lang="fr-CA" dirty="0" err="1"/>
+              <a:t>virtual</a:t>
+            </a:r>
+            <a:r>
+              <a:rPr lang="fr-CA" dirty="0"/>
+              <a:t> DOM est une abstraction du HTML DOM, découplé des détails d’implémentation du browser.</a:t>
+            </a:r>
+          </a:p>
+          <a:p>
+            <a:pPr marL="0" indent="0">
+              <a:buNone/>
+            </a:pPr>
+            <a:endParaRPr lang="fr-CA" dirty="0"/>
+          </a:p>
+          <a:p>
+            <a:pPr marL="0" indent="0">
+              <a:buNone/>
+            </a:pPr>
+            <a:r>
+              <a:rPr lang="fr-CA" b="1" dirty="0"/>
+              <a:t>En concret</a:t>
+            </a:r>
+            <a:r>
+              <a:rPr lang="fr-CA" dirty="0"/>
+              <a:t>: Arbre </a:t>
+            </a:r>
+            <a:r>
+              <a:rPr lang="fr-CA" dirty="0" err="1"/>
+              <a:t>d’object</a:t>
+            </a:r>
+            <a:r>
+              <a:rPr lang="fr-CA" dirty="0"/>
+              <a:t> JSON (appelé </a:t>
+            </a:r>
+            <a:r>
+              <a:rPr lang="fr-CA" dirty="0" err="1"/>
+              <a:t>reactElement</a:t>
+            </a:r>
+            <a:r>
+              <a:rPr lang="fr-CA" dirty="0"/>
+              <a:t>)</a:t>
+            </a:r>
+          </a:p>
+          <a:p>
+            <a:pPr marL="0" indent="0">
+              <a:buNone/>
+            </a:pPr>
+            <a:endParaRPr lang="fr-CA" dirty="0"/>
           </a:p>
         </p:txBody>
       </p:sp>
       <p:pic>
         <p:nvPicPr>
-          <p:cNvPr id="7" name="Picture 6">
-            <a:extLst>
-              <a:ext uri="{FF2B5EF4-FFF2-40B4-BE49-F238E27FC236}">
-                <a16:creationId xmlns:a16="http://schemas.microsoft.com/office/drawing/2014/main" id="{A01F941D-AE33-4B03-8443-DFDC644BBB6E}"/>
+          <p:cNvPr id="1026" name="Picture 2" descr="https://reactkungfu.com/assets/images/the-difference-between-virtual-dom-and-dom/meme.jpg">
+            <a:extLst>
+              <a:ext uri="{FF2B5EF4-FFF2-40B4-BE49-F238E27FC236}">
+                <a16:creationId xmlns:a16="http://schemas.microsoft.com/office/drawing/2014/main" id="{5DD56DAE-4A99-47A5-A325-E29F03C8BA24}"/>
               </a:ext>
             </a:extLst>
           </p:cNvPr>
           <p:cNvPicPr>
-            <a:picLocks noChangeAspect="1"/>
+            <a:picLocks noChangeAspect="1" noChangeArrowheads="1"/>
           </p:cNvPicPr>
           <p:nvPr/>
         </p:nvPicPr>
         <p:blipFill>
-          <a:blip r:embed="rId2"/>
+          <a:blip r:embed="rId3">
+            <a:extLst>
+              <a:ext uri="{28A0092B-C50C-407E-A947-70E740481C1C}">
+                <a14:useLocalDpi xmlns:a14="http://schemas.microsoft.com/office/drawing/2010/main" val="0"/>
+              </a:ext>
+            </a:extLst>
+          </a:blip>
+          <a:srcRect/>
           <a:stretch>
             <a:fillRect/>
           </a:stretch>
         </p:blipFill>
-        <p:spPr>
+        <p:spPr bwMode="auto">
           <a:xfrm>
-            <a:off x="838200" y="1637578"/>
-            <a:ext cx="2019300" cy="1123950"/>
+            <a:off x="3657600" y="4001294"/>
+            <a:ext cx="4876800" cy="2657475"/>
           </a:xfrm>
           <a:prstGeom prst="rect">
             <a:avLst/>
           </a:prstGeom>
-        </p:spPr>
-      </p:pic>
-      <p:graphicFrame>
-        <p:nvGraphicFramePr>
-          <p:cNvPr id="6" name="Table 5">
-            <a:extLst>
-              <a:ext uri="{FF2B5EF4-FFF2-40B4-BE49-F238E27FC236}">
-                <a16:creationId xmlns:a16="http://schemas.microsoft.com/office/drawing/2014/main" id="{F96421FB-6624-4F99-8DB1-F9BD5F280388}"/>
-              </a:ext>
-            </a:extLst>
-          </p:cNvPr>
-          <p:cNvGraphicFramePr>
-            <a:graphicFrameLocks noGrp="1"/>
-          </p:cNvGraphicFramePr>
-          <p:nvPr>
-            <p:extLst>
-              <p:ext uri="{D42A27DB-BD31-4B8C-83A1-F6EECF244321}">
-                <p14:modId xmlns:p14="http://schemas.microsoft.com/office/powerpoint/2010/main" val="993084107"/>
-              </p:ext>
-            </p:extLst>
-          </p:nvPr>
-        </p:nvGraphicFramePr>
-        <p:xfrm>
-          <a:off x="5453743" y="1666240"/>
-          <a:ext cx="6458857" cy="4028440"/>
-        </p:xfrm>
-        <a:graphic>
-          <a:graphicData uri="http://schemas.openxmlformats.org/drawingml/2006/table">
-            <a:tbl>
-              <a:tblPr firstRow="1" bandRow="1">
-                <a:tableStyleId>{5C22544A-7EE6-4342-B048-85BDC9FD1C3A}</a:tableStyleId>
-              </a:tblPr>
-              <a:tblGrid>
-                <a:gridCol w="2155371">
-                  <a:extLst>
-                    <a:ext uri="{9D8B030D-6E8A-4147-A177-3AD203B41FA5}">
-                      <a16:colId xmlns:a16="http://schemas.microsoft.com/office/drawing/2014/main" val="4222515365"/>
-                    </a:ext>
-                  </a:extLst>
-                </a:gridCol>
-                <a:gridCol w="4303486">
-                  <a:extLst>
-                    <a:ext uri="{9D8B030D-6E8A-4147-A177-3AD203B41FA5}">
-                      <a16:colId xmlns:a16="http://schemas.microsoft.com/office/drawing/2014/main" val="3872575451"/>
-                    </a:ext>
-                  </a:extLst>
-                </a:gridCol>
-              </a:tblGrid>
-              <a:tr h="370840">
-                <a:tc>
-                  <a:txBody>
-                    <a:bodyPr/>
-                    <a:lstStyle/>
-                    <a:p>
-                      <a:r>
-                        <a:rPr lang="fr-CA" dirty="0" err="1"/>
-                        <a:t>Property</a:t>
-                      </a:r>
-                      <a:r>
-                        <a:rPr lang="fr-CA" dirty="0"/>
-                        <a:t> Name</a:t>
-                      </a:r>
-                    </a:p>
-                  </a:txBody>
-                  <a:tcPr/>
-                </a:tc>
-                <a:tc>
-                  <a:txBody>
-                    <a:bodyPr/>
-                    <a:lstStyle/>
-                    <a:p>
-                      <a:r>
-                        <a:rPr lang="fr-CA" dirty="0"/>
-                        <a:t>Description</a:t>
-                      </a:r>
-                    </a:p>
-                  </a:txBody>
-                  <a:tcPr/>
-                </a:tc>
-                <a:extLst>
-                  <a:ext uri="{0D108BD9-81ED-4DB2-BD59-A6C34878D82A}">
-                    <a16:rowId xmlns:a16="http://schemas.microsoft.com/office/drawing/2014/main" val="1394859493"/>
-                  </a:ext>
-                </a:extLst>
-              </a:tr>
-              <a:tr h="370840">
-                <a:tc>
-                  <a:txBody>
-                    <a:bodyPr/>
-                    <a:lstStyle/>
-                    <a:p>
-                      <a:r>
-                        <a:rPr lang="fr-CA" dirty="0"/>
-                        <a:t>Key</a:t>
-                      </a:r>
-                    </a:p>
-                  </a:txBody>
-                  <a:tcPr/>
-                </a:tc>
-                <a:tc>
-                  <a:txBody>
-                    <a:bodyPr/>
-                    <a:lstStyle/>
-                    <a:p>
-                      <a:r>
-                        <a:rPr lang="fr-CA" dirty="0" err="1"/>
-                        <a:t>Uniquely</a:t>
-                      </a:r>
-                      <a:r>
-                        <a:rPr lang="fr-CA" dirty="0"/>
-                        <a:t> </a:t>
-                      </a:r>
-                      <a:r>
-                        <a:rPr lang="fr-CA" dirty="0" err="1"/>
-                        <a:t>identity</a:t>
-                      </a:r>
-                      <a:r>
-                        <a:rPr lang="fr-CA" dirty="0"/>
-                        <a:t> a </a:t>
-                      </a:r>
-                      <a:r>
-                        <a:rPr lang="fr-CA" dirty="0" err="1"/>
-                        <a:t>React</a:t>
-                      </a:r>
-                      <a:r>
-                        <a:rPr lang="fr-CA" dirty="0"/>
-                        <a:t> </a:t>
-                      </a:r>
-                      <a:r>
-                        <a:rPr lang="fr-CA" dirty="0" err="1"/>
-                        <a:t>elements</a:t>
-                      </a:r>
-                      <a:r>
-                        <a:rPr lang="fr-CA" dirty="0"/>
-                        <a:t> </a:t>
-                      </a:r>
-                      <a:r>
-                        <a:rPr lang="fr-CA" dirty="0" err="1"/>
-                        <a:t>withing</a:t>
-                      </a:r>
-                      <a:r>
-                        <a:rPr lang="fr-CA" dirty="0"/>
-                        <a:t> an </a:t>
-                      </a:r>
-                      <a:r>
-                        <a:rPr lang="fr-CA" dirty="0" err="1"/>
-                        <a:t>array</a:t>
-                      </a:r>
-                      <a:r>
-                        <a:rPr lang="fr-CA" dirty="0"/>
-                        <a:t> of the </a:t>
-                      </a:r>
-                      <a:r>
-                        <a:rPr lang="fr-CA" dirty="0" err="1"/>
-                        <a:t>same</a:t>
-                      </a:r>
-                      <a:r>
-                        <a:rPr lang="fr-CA" dirty="0"/>
-                        <a:t> type.</a:t>
-                      </a:r>
-                    </a:p>
-                  </a:txBody>
-                  <a:tcPr/>
-                </a:tc>
-                <a:extLst>
-                  <a:ext uri="{0D108BD9-81ED-4DB2-BD59-A6C34878D82A}">
-                    <a16:rowId xmlns:a16="http://schemas.microsoft.com/office/drawing/2014/main" val="2436484844"/>
-                  </a:ext>
-                </a:extLst>
-              </a:tr>
-              <a:tr h="370840">
-                <a:tc>
-                  <a:txBody>
-                    <a:bodyPr/>
-                    <a:lstStyle/>
-                    <a:p>
-                      <a:r>
-                        <a:rPr lang="fr-CA" dirty="0" err="1"/>
-                        <a:t>Props</a:t>
-                      </a:r>
-                      <a:endParaRPr lang="fr-CA" dirty="0"/>
-                    </a:p>
-                  </a:txBody>
-                  <a:tcPr/>
-                </a:tc>
-                <a:tc>
-                  <a:txBody>
-                    <a:bodyPr/>
-                    <a:lstStyle/>
-                    <a:p>
-                      <a:r>
-                        <a:rPr lang="fr-CA" dirty="0"/>
-                        <a:t>Mapping of all the </a:t>
-                      </a:r>
-                      <a:r>
-                        <a:rPr lang="fr-CA" dirty="0" err="1"/>
-                        <a:t>props</a:t>
-                      </a:r>
-                      <a:r>
-                        <a:rPr lang="fr-CA" dirty="0"/>
-                        <a:t> and values (</a:t>
-                      </a:r>
-                      <a:r>
-                        <a:rPr lang="fr-CA" dirty="0" err="1"/>
-                        <a:t>include</a:t>
-                      </a:r>
-                      <a:r>
-                        <a:rPr lang="fr-CA" dirty="0"/>
-                        <a:t> </a:t>
-                      </a:r>
-                      <a:r>
-                        <a:rPr lang="fr-CA" dirty="0" err="1"/>
-                        <a:t>children</a:t>
-                      </a:r>
-                      <a:r>
-                        <a:rPr lang="fr-CA" dirty="0"/>
-                        <a:t>)</a:t>
-                      </a:r>
-                    </a:p>
-                  </a:txBody>
-                  <a:tcPr/>
-                </a:tc>
-                <a:extLst>
-                  <a:ext uri="{0D108BD9-81ED-4DB2-BD59-A6C34878D82A}">
-                    <a16:rowId xmlns:a16="http://schemas.microsoft.com/office/drawing/2014/main" val="3752318723"/>
-                  </a:ext>
-                </a:extLst>
-              </a:tr>
-              <a:tr h="370840">
-                <a:tc>
-                  <a:txBody>
-                    <a:bodyPr/>
-                    <a:lstStyle/>
-                    <a:p>
-                      <a:r>
-                        <a:rPr lang="fr-CA" dirty="0" err="1"/>
-                        <a:t>Ref</a:t>
-                      </a:r>
-                      <a:endParaRPr lang="fr-CA" dirty="0"/>
-                    </a:p>
-                  </a:txBody>
-                  <a:tcPr/>
-                </a:tc>
-                <a:tc>
-                  <a:txBody>
-                    <a:bodyPr/>
-                    <a:lstStyle/>
-                    <a:p>
-                      <a:r>
-                        <a:rPr lang="fr-CA" dirty="0" err="1"/>
-                        <a:t>Property</a:t>
-                      </a:r>
-                      <a:r>
-                        <a:rPr lang="fr-CA" dirty="0"/>
-                        <a:t> </a:t>
-                      </a:r>
-                      <a:r>
-                        <a:rPr lang="fr-CA" dirty="0" err="1"/>
-                        <a:t>used</a:t>
-                      </a:r>
-                      <a:r>
-                        <a:rPr lang="fr-CA" dirty="0"/>
-                        <a:t> to </a:t>
-                      </a:r>
-                      <a:r>
-                        <a:rPr lang="fr-CA" dirty="0" err="1"/>
-                        <a:t>access</a:t>
-                      </a:r>
-                      <a:r>
-                        <a:rPr lang="fr-CA" dirty="0"/>
-                        <a:t> the </a:t>
-                      </a:r>
-                      <a:r>
-                        <a:rPr lang="fr-CA" dirty="0" err="1"/>
-                        <a:t>underlying</a:t>
-                      </a:r>
-                      <a:r>
-                        <a:rPr lang="fr-CA" dirty="0"/>
-                        <a:t> DOM </a:t>
-                      </a:r>
-                      <a:r>
-                        <a:rPr lang="fr-CA" dirty="0" err="1"/>
-                        <a:t>element</a:t>
-                      </a:r>
-                      <a:r>
-                        <a:rPr lang="fr-CA" dirty="0"/>
-                        <a:t>.</a:t>
-                      </a:r>
-                    </a:p>
-                    <a:p>
-                      <a:pPr marL="285750" indent="-285750">
-                        <a:buFont typeface="Arial" panose="020B0604020202020204" pitchFamily="34" charset="0"/>
-                        <a:buChar char="•"/>
-                      </a:pPr>
-                      <a:r>
-                        <a:rPr lang="fr-CA" dirty="0"/>
-                        <a:t>Set </a:t>
-                      </a:r>
-                      <a:r>
-                        <a:rPr lang="fr-CA" dirty="0" err="1"/>
-                        <a:t>when</a:t>
-                      </a:r>
-                      <a:r>
-                        <a:rPr lang="fr-CA" dirty="0"/>
-                        <a:t> </a:t>
-                      </a:r>
-                      <a:r>
-                        <a:rPr lang="fr-CA" dirty="0" err="1"/>
-                        <a:t>this</a:t>
-                      </a:r>
-                      <a:r>
-                        <a:rPr lang="fr-CA" dirty="0"/>
-                        <a:t> </a:t>
-                      </a:r>
-                      <a:r>
-                        <a:rPr lang="fr-CA" dirty="0" err="1"/>
-                        <a:t>ReactElement</a:t>
-                      </a:r>
-                      <a:r>
-                        <a:rPr lang="fr-CA" dirty="0"/>
-                        <a:t> </a:t>
-                      </a:r>
-                      <a:r>
-                        <a:rPr lang="fr-CA" dirty="0" err="1"/>
-                        <a:t>is</a:t>
-                      </a:r>
-                      <a:r>
-                        <a:rPr lang="fr-CA" dirty="0"/>
-                        <a:t> </a:t>
-                      </a:r>
-                      <a:r>
-                        <a:rPr lang="fr-CA" dirty="0" err="1"/>
-                        <a:t>rendered</a:t>
-                      </a:r>
-                      <a:endParaRPr lang="fr-CA" dirty="0"/>
-                    </a:p>
-                  </a:txBody>
-                  <a:tcPr/>
-                </a:tc>
-                <a:extLst>
-                  <a:ext uri="{0D108BD9-81ED-4DB2-BD59-A6C34878D82A}">
-                    <a16:rowId xmlns:a16="http://schemas.microsoft.com/office/drawing/2014/main" val="153830878"/>
-                  </a:ext>
-                </a:extLst>
-              </a:tr>
-              <a:tr h="370840">
-                <a:tc>
-                  <a:txBody>
-                    <a:bodyPr/>
-                    <a:lstStyle/>
-                    <a:p>
-                      <a:r>
-                        <a:rPr lang="fr-CA" dirty="0"/>
-                        <a:t>Type</a:t>
-                      </a:r>
-                    </a:p>
-                  </a:txBody>
-                  <a:tcPr/>
-                </a:tc>
-                <a:tc>
-                  <a:txBody>
-                    <a:bodyPr/>
-                    <a:lstStyle/>
-                    <a:p>
-                      <a:pPr marL="0" indent="0">
-                        <a:buFont typeface="Arial" panose="020B0604020202020204" pitchFamily="34" charset="0"/>
-                        <a:buNone/>
-                      </a:pPr>
-                      <a:r>
-                        <a:rPr lang="fr-CA" dirty="0"/>
-                        <a:t>Type of the </a:t>
-                      </a:r>
-                      <a:r>
-                        <a:rPr lang="fr-CA" dirty="0" err="1"/>
-                        <a:t>element</a:t>
-                      </a:r>
-                      <a:endParaRPr lang="fr-CA" dirty="0"/>
-                    </a:p>
-                    <a:p>
-                      <a:pPr marL="285750" indent="-285750">
-                        <a:buFont typeface="Arial" panose="020B0604020202020204" pitchFamily="34" charset="0"/>
-                        <a:buChar char="•"/>
-                      </a:pPr>
-                      <a:r>
-                        <a:rPr lang="fr-CA" dirty="0"/>
-                        <a:t>Tag </a:t>
-                      </a:r>
-                      <a:r>
-                        <a:rPr lang="fr-CA" dirty="0" err="1"/>
-                        <a:t>name</a:t>
-                      </a:r>
-                      <a:r>
-                        <a:rPr lang="fr-CA" dirty="0"/>
-                        <a:t> string (</a:t>
-                      </a:r>
-                      <a:r>
-                        <a:rPr lang="fr-CA" dirty="0" err="1"/>
-                        <a:t>i.e</a:t>
-                      </a:r>
-                      <a:r>
-                        <a:rPr lang="fr-CA" dirty="0"/>
-                        <a:t>: div, </a:t>
-                      </a:r>
-                      <a:r>
-                        <a:rPr lang="fr-CA" dirty="0" err="1"/>
-                        <a:t>span</a:t>
-                      </a:r>
-                      <a:r>
-                        <a:rPr lang="fr-CA" dirty="0"/>
-                        <a:t>)</a:t>
-                      </a:r>
-                    </a:p>
-                    <a:p>
-                      <a:pPr marL="285750" indent="-285750">
-                        <a:buFont typeface="Arial" panose="020B0604020202020204" pitchFamily="34" charset="0"/>
-                        <a:buChar char="•"/>
-                      </a:pPr>
-                      <a:r>
-                        <a:rPr lang="fr-CA" dirty="0" err="1"/>
-                        <a:t>React</a:t>
-                      </a:r>
-                      <a:r>
-                        <a:rPr lang="fr-CA" dirty="0"/>
-                        <a:t> Component (class or </a:t>
-                      </a:r>
-                      <a:r>
-                        <a:rPr lang="fr-CA" dirty="0" err="1"/>
-                        <a:t>function</a:t>
-                      </a:r>
-                      <a:r>
-                        <a:rPr lang="fr-CA" dirty="0"/>
-                        <a:t>)</a:t>
-                      </a:r>
-                    </a:p>
-                    <a:p>
-                      <a:pPr marL="285750" indent="-285750">
-                        <a:buFont typeface="Arial" panose="020B0604020202020204" pitchFamily="34" charset="0"/>
-                        <a:buChar char="•"/>
-                      </a:pPr>
-                      <a:r>
-                        <a:rPr lang="fr-CA" dirty="0" err="1"/>
-                        <a:t>React</a:t>
-                      </a:r>
-                      <a:r>
-                        <a:rPr lang="fr-CA" dirty="0"/>
-                        <a:t> Fragment (</a:t>
-                      </a:r>
-                      <a:r>
-                        <a:rPr lang="en-CA"/>
-                        <a:t>&lt;&gt;&lt;/&gt;)</a:t>
-                      </a:r>
-                      <a:endParaRPr lang="fr-CA" dirty="0"/>
-                    </a:p>
-                    <a:p>
-                      <a:pPr marL="285750" indent="-285750">
-                        <a:buFont typeface="Arial" panose="020B0604020202020204" pitchFamily="34" charset="0"/>
-                        <a:buChar char="•"/>
-                      </a:pPr>
-                      <a:r>
-                        <a:rPr lang="fr-CA"/>
-                        <a:t>Bool (étrange! </a:t>
-                      </a:r>
-                      <a:r>
-                        <a:rPr lang="fr-CA" dirty="0"/>
-                        <a:t>On va voir pourquoi à fin)</a:t>
-                      </a:r>
-                    </a:p>
-                  </a:txBody>
-                  <a:tcPr/>
-                </a:tc>
-                <a:extLst>
-                  <a:ext uri="{0D108BD9-81ED-4DB2-BD59-A6C34878D82A}">
-                    <a16:rowId xmlns:a16="http://schemas.microsoft.com/office/drawing/2014/main" val="3276912826"/>
-                  </a:ext>
-                </a:extLst>
-              </a:tr>
-            </a:tbl>
-          </a:graphicData>
-        </a:graphic>
-      </p:graphicFrame>
-      <p:pic>
-        <p:nvPicPr>
-          <p:cNvPr id="10" name="Picture 9">
-            <a:extLst>
-              <a:ext uri="{FF2B5EF4-FFF2-40B4-BE49-F238E27FC236}">
-                <a16:creationId xmlns:a16="http://schemas.microsoft.com/office/drawing/2014/main" id="{F49A9A97-E8AF-4CF9-A0AA-F9F8D2FC92D9}"/>
-              </a:ext>
-            </a:extLst>
-          </p:cNvPr>
-          <p:cNvPicPr>
-            <a:picLocks noChangeAspect="1"/>
-          </p:cNvPicPr>
-          <p:nvPr/>
-        </p:nvPicPr>
-        <p:blipFill>
-          <a:blip r:embed="rId3"/>
-          <a:stretch>
-            <a:fillRect/>
-          </a:stretch>
-        </p:blipFill>
-        <p:spPr>
-          <a:xfrm>
-            <a:off x="279400" y="3078984"/>
-            <a:ext cx="4931172" cy="2503714"/>
-          </a:xfrm>
-          <a:prstGeom prst="rect">
-            <a:avLst/>
-          </a:prstGeom>
+          <a:noFill/>
+          <a:extLst>
+            <a:ext uri="{909E8E84-426E-40DD-AFC4-6F175D3DCCD1}">
+              <a14:hiddenFill xmlns:a14="http://schemas.microsoft.com/office/drawing/2010/main">
+                <a:solidFill>
+                  <a:srgbClr val="FFFFFF"/>
+                </a:solidFill>
+              </a14:hiddenFill>
+            </a:ext>
+          </a:extLst>
         </p:spPr>
       </p:pic>
     </p:spTree>
     <p:extLst>
       <p:ext uri="{BB962C8B-B14F-4D97-AF65-F5344CB8AC3E}">
-        <p14:creationId xmlns:p14="http://schemas.microsoft.com/office/powerpoint/2010/main" val="300338475"/>
+        <p14:creationId xmlns:p14="http://schemas.microsoft.com/office/powerpoint/2010/main" val="2113963184"/>
       </p:ext>
     </p:extLst>
   </p:cSld>
@@ -5017,7 +4887,7 @@
           <p:cNvPr id="2" name="Title 1">
             <a:extLst>
               <a:ext uri="{FF2B5EF4-FFF2-40B4-BE49-F238E27FC236}">
-                <a16:creationId xmlns:a16="http://schemas.microsoft.com/office/drawing/2014/main" id="{D6D490E6-4965-494E-BF76-DFF0E69167B8}"/>
+                <a16:creationId xmlns:a16="http://schemas.microsoft.com/office/drawing/2014/main" id="{F7945AEA-6232-4670-B53E-ADC28E9CE141}"/>
               </a:ext>
             </a:extLst>
           </p:cNvPr>
@@ -5034,295 +4904,149 @@
           <a:lstStyle/>
           <a:p>
             <a:r>
-              <a:rPr lang="fr-CA" dirty="0" err="1"/>
-              <a:t>Lifecycle</a:t>
-            </a:r>
-            <a:r>
-              <a:rPr lang="fr-CA" dirty="0"/>
-              <a:t> d’un </a:t>
-            </a:r>
-            <a:r>
-              <a:rPr lang="fr-CA" dirty="0" err="1"/>
-              <a:t>ReactElement</a:t>
-            </a:r>
-            <a:endParaRPr lang="fr-CA" dirty="0"/>
-          </a:p>
-        </p:txBody>
-      </p:sp>
-      <p:pic>
-        <p:nvPicPr>
-          <p:cNvPr id="5" name="Picture 4">
-            <a:extLst>
-              <a:ext uri="{FF2B5EF4-FFF2-40B4-BE49-F238E27FC236}">
-                <a16:creationId xmlns:a16="http://schemas.microsoft.com/office/drawing/2014/main" id="{DF891E32-115A-4999-AAFB-8AD0DE454662}"/>
-              </a:ext>
-            </a:extLst>
-          </p:cNvPr>
-          <p:cNvPicPr>
-            <a:picLocks noChangeAspect="1"/>
-          </p:cNvPicPr>
-          <p:nvPr/>
-        </p:nvPicPr>
-        <p:blipFill>
-          <a:blip r:embed="rId2"/>
-          <a:stretch>
-            <a:fillRect/>
-          </a:stretch>
-        </p:blipFill>
-        <p:spPr>
-          <a:xfrm>
-            <a:off x="1040556" y="2544361"/>
-            <a:ext cx="3849493" cy="1602763"/>
-          </a:xfrm>
-          <a:prstGeom prst="rect">
-            <a:avLst/>
-          </a:prstGeom>
-        </p:spPr>
-      </p:pic>
-      <p:pic>
-        <p:nvPicPr>
-          <p:cNvPr id="6" name="Picture 5">
-            <a:extLst>
-              <a:ext uri="{FF2B5EF4-FFF2-40B4-BE49-F238E27FC236}">
-                <a16:creationId xmlns:a16="http://schemas.microsoft.com/office/drawing/2014/main" id="{C6972F70-0B81-42AB-9D11-3AAE20384478}"/>
-              </a:ext>
-            </a:extLst>
-          </p:cNvPr>
-          <p:cNvPicPr>
-            <a:picLocks noChangeAspect="1"/>
-          </p:cNvPicPr>
-          <p:nvPr/>
-        </p:nvPicPr>
-        <p:blipFill>
-          <a:blip r:embed="rId3"/>
-          <a:stretch>
-            <a:fillRect/>
-          </a:stretch>
-        </p:blipFill>
-        <p:spPr>
-          <a:xfrm>
-            <a:off x="6325105" y="2544361"/>
-            <a:ext cx="4441555" cy="1602763"/>
-          </a:xfrm>
-          <a:prstGeom prst="rect">
-            <a:avLst/>
-          </a:prstGeom>
-        </p:spPr>
-      </p:pic>
-      <p:pic>
-        <p:nvPicPr>
-          <p:cNvPr id="7" name="Picture 6">
-            <a:extLst>
-              <a:ext uri="{FF2B5EF4-FFF2-40B4-BE49-F238E27FC236}">
-                <a16:creationId xmlns:a16="http://schemas.microsoft.com/office/drawing/2014/main" id="{520C0207-5746-4DF7-A6FA-D8C308FC33E1}"/>
-              </a:ext>
-            </a:extLst>
-          </p:cNvPr>
-          <p:cNvPicPr>
-            <a:picLocks noChangeAspect="1"/>
-          </p:cNvPicPr>
-          <p:nvPr/>
-        </p:nvPicPr>
-        <p:blipFill>
-          <a:blip r:embed="rId4"/>
-          <a:stretch>
-            <a:fillRect/>
-          </a:stretch>
-        </p:blipFill>
-        <p:spPr>
-          <a:xfrm>
-            <a:off x="6519068" y="4576618"/>
-            <a:ext cx="4072046" cy="1916257"/>
-          </a:xfrm>
-          <a:prstGeom prst="rect">
-            <a:avLst/>
-          </a:prstGeom>
-        </p:spPr>
-      </p:pic>
-      <p:sp>
-        <p:nvSpPr>
-          <p:cNvPr id="8" name="Arrow: Right 7">
-            <a:extLst>
-              <a:ext uri="{FF2B5EF4-FFF2-40B4-BE49-F238E27FC236}">
-                <a16:creationId xmlns:a16="http://schemas.microsoft.com/office/drawing/2014/main" id="{54E5E0F1-2B9D-40AF-8528-D4438701425A}"/>
-              </a:ext>
-            </a:extLst>
-          </p:cNvPr>
-          <p:cNvSpPr/>
-          <p:nvPr/>
-        </p:nvSpPr>
-        <p:spPr>
-          <a:xfrm>
-            <a:off x="5188332" y="3075709"/>
-            <a:ext cx="951345" cy="582015"/>
-          </a:xfrm>
-          <a:prstGeom prst="rightArrow">
-            <a:avLst/>
-          </a:prstGeom>
-        </p:spPr>
-        <p:style>
-          <a:lnRef idx="2">
-            <a:schemeClr val="accent1">
-              <a:shade val="50000"/>
-            </a:schemeClr>
-          </a:lnRef>
-          <a:fillRef idx="1">
-            <a:schemeClr val="accent1"/>
-          </a:fillRef>
-          <a:effectRef idx="0">
-            <a:schemeClr val="accent1"/>
-          </a:effectRef>
-          <a:fontRef idx="minor">
-            <a:schemeClr val="lt1"/>
-          </a:fontRef>
-        </p:style>
-        <p:txBody>
-          <a:bodyPr rtlCol="0" anchor="ctr"/>
-          <a:lstStyle/>
-          <a:p>
-            <a:pPr algn="ctr"/>
-            <a:endParaRPr lang="fr-CA"/>
-          </a:p>
-        </p:txBody>
-      </p:sp>
-      <p:sp>
-        <p:nvSpPr>
-          <p:cNvPr id="9" name="Arrow: Down 8">
-            <a:extLst>
-              <a:ext uri="{FF2B5EF4-FFF2-40B4-BE49-F238E27FC236}">
-                <a16:creationId xmlns:a16="http://schemas.microsoft.com/office/drawing/2014/main" id="{6B5F24F7-B10F-4CC8-8345-E8DE74C00667}"/>
-              </a:ext>
-            </a:extLst>
-          </p:cNvPr>
-          <p:cNvSpPr/>
-          <p:nvPr/>
-        </p:nvSpPr>
-        <p:spPr>
-          <a:xfrm>
-            <a:off x="8156594" y="4247161"/>
-            <a:ext cx="679508" cy="239884"/>
-          </a:xfrm>
-          <a:prstGeom prst="downArrow">
-            <a:avLst/>
-          </a:prstGeom>
-        </p:spPr>
-        <p:style>
-          <a:lnRef idx="2">
-            <a:schemeClr val="accent1">
-              <a:shade val="50000"/>
-            </a:schemeClr>
-          </a:lnRef>
-          <a:fillRef idx="1">
-            <a:schemeClr val="accent1"/>
-          </a:fillRef>
-          <a:effectRef idx="0">
-            <a:schemeClr val="accent1"/>
-          </a:effectRef>
-          <a:fontRef idx="minor">
-            <a:schemeClr val="lt1"/>
-          </a:fontRef>
-        </p:style>
-        <p:txBody>
-          <a:bodyPr rtlCol="0" anchor="ctr"/>
-          <a:lstStyle/>
-          <a:p>
-            <a:pPr algn="ctr"/>
-            <a:endParaRPr lang="fr-CA"/>
-          </a:p>
-        </p:txBody>
-      </p:sp>
-      <p:sp>
-        <p:nvSpPr>
-          <p:cNvPr id="10" name="TextBox 9">
-            <a:extLst>
-              <a:ext uri="{FF2B5EF4-FFF2-40B4-BE49-F238E27FC236}">
-                <a16:creationId xmlns:a16="http://schemas.microsoft.com/office/drawing/2014/main" id="{07F59E78-E509-4746-A9F6-C6FEF4D3885C}"/>
-              </a:ext>
-            </a:extLst>
-          </p:cNvPr>
-          <p:cNvSpPr txBox="1"/>
-          <p:nvPr/>
-        </p:nvSpPr>
-        <p:spPr>
-          <a:xfrm>
-            <a:off x="4873549" y="2579947"/>
-            <a:ext cx="1508426" cy="646331"/>
-          </a:xfrm>
-          <a:prstGeom prst="rect">
-            <a:avLst/>
-          </a:prstGeom>
-          <a:noFill/>
-        </p:spPr>
-        <p:txBody>
-          <a:bodyPr wrap="none" rtlCol="0">
-            <a:spAutoFit/>
+              <a:rPr lang="en-CA" dirty="0"/>
+              <a:t>Comment un Virtual DOM </a:t>
+            </a:r>
+            <a:r>
+              <a:rPr lang="en-CA" dirty="0" err="1"/>
+              <a:t>règle</a:t>
+            </a:r>
+            <a:r>
+              <a:rPr lang="en-CA" dirty="0"/>
+              <a:t> le </a:t>
+            </a:r>
+            <a:r>
+              <a:rPr lang="en-CA" dirty="0" err="1"/>
+              <a:t>problème</a:t>
+            </a:r>
+            <a:endParaRPr lang="en-CA" dirty="0"/>
+          </a:p>
+        </p:txBody>
+      </p:sp>
+      <p:sp>
+        <p:nvSpPr>
+          <p:cNvPr id="3" name="Content Placeholder 2">
+            <a:extLst>
+              <a:ext uri="{FF2B5EF4-FFF2-40B4-BE49-F238E27FC236}">
+                <a16:creationId xmlns:a16="http://schemas.microsoft.com/office/drawing/2014/main" id="{8FCB3598-4DA2-4E4D-80F2-A3033D71AC47}"/>
+              </a:ext>
+            </a:extLst>
+          </p:cNvPr>
+          <p:cNvSpPr>
+            <a:spLocks noGrp="1"/>
+          </p:cNvSpPr>
+          <p:nvPr>
+            <p:ph idx="1"/>
+          </p:nvPr>
+        </p:nvSpPr>
+        <p:spPr/>
+        <p:txBody>
+          <a:bodyPr>
+            <a:normAutofit/>
           </a:bodyPr>
           <a:lstStyle/>
           <a:p>
-            <a:pPr algn="ctr"/>
-            <a:r>
-              <a:rPr lang="en-CA" dirty="0"/>
-              <a:t>Babel compile</a:t>
-            </a:r>
-          </a:p>
-          <a:p>
-            <a:pPr algn="ctr"/>
-            <a:r>
-              <a:rPr lang="en-CA" dirty="0"/>
-              <a:t>into</a:t>
+            <a:pPr marL="514350" indent="-514350">
+              <a:buAutoNum type="arabicPeriod"/>
+            </a:pPr>
+            <a:r>
+              <a:rPr lang="fr-CA" dirty="0"/>
+              <a:t>Calcule le nouveau </a:t>
+            </a:r>
+            <a:r>
+              <a:rPr lang="fr-CA" dirty="0" err="1"/>
+              <a:t>virtual</a:t>
+            </a:r>
+            <a:r>
+              <a:rPr lang="fr-CA" dirty="0"/>
+              <a:t> DOM (rapide puisque juste manipulation de JSON) – Phase de </a:t>
+            </a:r>
+            <a:r>
+              <a:rPr lang="fr-CA" i="1" dirty="0" err="1"/>
+              <a:t>render</a:t>
+            </a:r>
+            <a:r>
+              <a:rPr lang="fr-CA" dirty="0"/>
+              <a:t> ou </a:t>
+            </a:r>
+            <a:r>
+              <a:rPr lang="fr-CA" i="1" dirty="0"/>
+              <a:t>update</a:t>
+            </a:r>
+          </a:p>
+          <a:p>
+            <a:pPr marL="514350" indent="-514350">
+              <a:buAutoNum type="arabicPeriod"/>
+            </a:pPr>
+            <a:r>
+              <a:rPr lang="fr-CA" dirty="0"/>
+              <a:t>Compare le nouveau </a:t>
+            </a:r>
+            <a:r>
+              <a:rPr lang="fr-CA" dirty="0" err="1"/>
+              <a:t>virtual</a:t>
+            </a:r>
+            <a:r>
+              <a:rPr lang="fr-CA" dirty="0"/>
+              <a:t> DOM à la version antérieur (</a:t>
+            </a:r>
+            <a:r>
+              <a:rPr lang="fr-CA" dirty="0" err="1"/>
+              <a:t>React</a:t>
+            </a:r>
+            <a:r>
+              <a:rPr lang="fr-CA" dirty="0"/>
+              <a:t> prend un snapshot) pour trouver exactement quel </a:t>
+            </a:r>
+            <a:r>
+              <a:rPr lang="fr-CA" dirty="0" err="1"/>
+              <a:t>reactElement</a:t>
+            </a:r>
+            <a:r>
+              <a:rPr lang="fr-CA" dirty="0"/>
+              <a:t> à changé – Phase de </a:t>
+            </a:r>
+            <a:r>
+              <a:rPr lang="fr-CA" dirty="0" err="1"/>
+              <a:t>diffing</a:t>
             </a:r>
             <a:endParaRPr lang="fr-CA" dirty="0"/>
           </a:p>
-        </p:txBody>
-      </p:sp>
-      <p:sp>
-        <p:nvSpPr>
-          <p:cNvPr id="11" name="TextBox 10">
-            <a:extLst>
-              <a:ext uri="{FF2B5EF4-FFF2-40B4-BE49-F238E27FC236}">
-                <a16:creationId xmlns:a16="http://schemas.microsoft.com/office/drawing/2014/main" id="{2CA924B6-49D9-45BA-AE2E-66A6D9D4A9D0}"/>
-              </a:ext>
-            </a:extLst>
-          </p:cNvPr>
-          <p:cNvSpPr txBox="1"/>
-          <p:nvPr/>
-        </p:nvSpPr>
-        <p:spPr>
-          <a:xfrm>
-            <a:off x="8919992" y="4182437"/>
-            <a:ext cx="2433808" cy="369332"/>
-          </a:xfrm>
-          <a:prstGeom prst="rect">
-            <a:avLst/>
-          </a:prstGeom>
-          <a:noFill/>
-        </p:spPr>
-        <p:txBody>
-          <a:bodyPr wrap="none" rtlCol="0">
-            <a:spAutoFit/>
-          </a:bodyPr>
-          <a:lstStyle/>
-          <a:p>
-            <a:r>
-              <a:rPr lang="en-CA" dirty="0"/>
-              <a:t>Create </a:t>
-            </a:r>
-            <a:r>
-              <a:rPr lang="en-CA" dirty="0" err="1"/>
-              <a:t>Javascript</a:t>
-            </a:r>
-            <a:r>
-              <a:rPr lang="en-CA" dirty="0"/>
-              <a:t> Object</a:t>
-            </a:r>
-            <a:endParaRPr lang="fr-CA" dirty="0"/>
+          <a:p>
+            <a:pPr marL="514350" indent="-514350">
+              <a:buAutoNum type="arabicPeriod"/>
+            </a:pPr>
+            <a:r>
+              <a:rPr lang="fr-CA" b="1" dirty="0"/>
+              <a:t>Seulement les </a:t>
+            </a:r>
+            <a:r>
+              <a:rPr lang="fr-CA" b="1" dirty="0" err="1"/>
+              <a:t>objects</a:t>
+            </a:r>
+            <a:r>
+              <a:rPr lang="fr-CA" b="1" dirty="0"/>
+              <a:t> qui ont changés sont updaté sur le DOM</a:t>
+            </a:r>
+          </a:p>
+          <a:p>
+            <a:pPr marL="514350" indent="-514350">
+              <a:buAutoNum type="arabicPeriod"/>
+            </a:pPr>
+            <a:r>
+              <a:rPr lang="fr-CA" dirty="0"/>
+              <a:t>Les changements du DOM cause des changements à l’écran</a:t>
+            </a:r>
+          </a:p>
+          <a:p>
+            <a:endParaRPr lang="en-CA" dirty="0"/>
           </a:p>
         </p:txBody>
       </p:sp>
     </p:spTree>
     <p:extLst>
       <p:ext uri="{BB962C8B-B14F-4D97-AF65-F5344CB8AC3E}">
-        <p14:creationId xmlns:p14="http://schemas.microsoft.com/office/powerpoint/2010/main" val="1557852361"/>
+        <p14:creationId xmlns:p14="http://schemas.microsoft.com/office/powerpoint/2010/main" val="4149388084"/>
       </p:ext>
     </p:extLst>
   </p:cSld>
@@ -5354,7 +5078,7 @@
           <p:cNvPr id="2" name="Title 1">
             <a:extLst>
               <a:ext uri="{FF2B5EF4-FFF2-40B4-BE49-F238E27FC236}">
-                <a16:creationId xmlns:a16="http://schemas.microsoft.com/office/drawing/2014/main" id="{1D6C6600-04FB-4637-AA3C-C2937B604287}"/>
+                <a16:creationId xmlns:a16="http://schemas.microsoft.com/office/drawing/2014/main" id="{F7945AEA-6232-4670-B53E-ADC28E9CE141}"/>
               </a:ext>
             </a:extLst>
           </p:cNvPr>
@@ -5371,9 +5095,22 @@
           <a:lstStyle/>
           <a:p>
             <a:r>
-              <a:rPr lang="fr-CA" dirty="0"/>
-              <a:t>Exos #2.1: « 2-react-element.html »</a:t>
-            </a:r>
+              <a:rPr lang="en-CA" dirty="0"/>
+              <a:t>Comment un Virtual DOM </a:t>
+            </a:r>
+            <a:r>
+              <a:rPr lang="en-CA" dirty="0" err="1"/>
+              <a:t>règle</a:t>
+            </a:r>
+            <a:r>
+              <a:rPr lang="en-CA" dirty="0"/>
+              <a:t> le </a:t>
+            </a:r>
+            <a:r>
+              <a:rPr lang="en-CA" dirty="0" err="1"/>
+              <a:t>problème</a:t>
+            </a:r>
+            <a:endParaRPr lang="en-CA" dirty="0"/>
           </a:p>
         </p:txBody>
       </p:sp>
@@ -5382,7 +5119,7 @@
           <p:cNvPr id="3" name="Content Placeholder 2">
             <a:extLst>
               <a:ext uri="{FF2B5EF4-FFF2-40B4-BE49-F238E27FC236}">
-                <a16:creationId xmlns:a16="http://schemas.microsoft.com/office/drawing/2014/main" id="{209DDE88-922C-4C8F-924B-41BF553910DC}"/>
+                <a16:creationId xmlns:a16="http://schemas.microsoft.com/office/drawing/2014/main" id="{8FCB3598-4DA2-4E4D-80F2-A3033D71AC47}"/>
               </a:ext>
             </a:extLst>
           </p:cNvPr>
@@ -5393,81 +5130,282 @@
             <p:ph idx="1"/>
           </p:nvPr>
         </p:nvSpPr>
-        <p:spPr/>
-        <p:txBody>
-          <a:bodyPr/>
+        <p:spPr>
+          <a:xfrm>
+            <a:off x="330200" y="1825625"/>
+            <a:ext cx="11493500" cy="4351338"/>
+          </a:xfrm>
+        </p:spPr>
+        <p:txBody>
+          <a:bodyPr>
+            <a:normAutofit lnSpcReduction="10000"/>
+          </a:bodyPr>
           <a:lstStyle/>
           <a:p>
-            <a:r>
-              <a:rPr lang="fr-CA" dirty="0"/>
-              <a:t>Comprendre que </a:t>
-            </a:r>
-            <a:r>
-              <a:rPr lang="fr-CA" dirty="0" err="1"/>
-              <a:t>ReactElement</a:t>
-            </a:r>
-            <a:r>
-              <a:rPr lang="fr-CA" dirty="0"/>
-              <a:t> est juste un </a:t>
-            </a:r>
-            <a:r>
-              <a:rPr lang="fr-CA" dirty="0" err="1"/>
-              <a:t>object</a:t>
-            </a:r>
-            <a:r>
-              <a:rPr lang="fr-CA" dirty="0"/>
-              <a:t> Javascript en étudiant les commentaires.</a:t>
-            </a:r>
-          </a:p>
-          <a:p>
+            <a:pPr marL="0" indent="0">
+              <a:buNone/>
+            </a:pPr>
+            <a:r>
+              <a:rPr lang="fr-CA" b="1" dirty="0"/>
+              <a:t>La solution apporté</a:t>
+            </a:r>
+            <a:r>
+              <a:rPr lang="fr-CA" dirty="0"/>
+              <a:t>:</a:t>
+            </a:r>
+          </a:p>
+          <a:p>
+            <a:pPr lvl="1"/>
+            <a:r>
+              <a:rPr lang="fr-CA" dirty="0"/>
+              <a:t>Optimisations fait à l’étape de </a:t>
+            </a:r>
+            <a:r>
+              <a:rPr lang="fr-CA" dirty="0" err="1"/>
+              <a:t>render</a:t>
+            </a:r>
+            <a:r>
+              <a:rPr lang="fr-CA" dirty="0"/>
+              <a:t>/update</a:t>
+            </a:r>
+          </a:p>
+          <a:p>
+            <a:pPr lvl="2"/>
+            <a:r>
+              <a:rPr lang="fr-CA" dirty="0"/>
+              <a:t>Uses observable </a:t>
+            </a:r>
+            <a:r>
+              <a:rPr lang="fr-CA" dirty="0" err="1"/>
+              <a:t>instead</a:t>
+            </a:r>
+            <a:r>
+              <a:rPr lang="fr-CA" dirty="0"/>
+              <a:t> of </a:t>
+            </a:r>
+            <a:r>
+              <a:rPr lang="fr-CA" dirty="0" err="1"/>
+              <a:t>dirty</a:t>
+            </a:r>
+            <a:r>
+              <a:rPr lang="fr-CA" dirty="0"/>
+              <a:t> checking to </a:t>
+            </a:r>
+            <a:r>
+              <a:rPr lang="fr-CA" dirty="0" err="1"/>
+              <a:t>detect</a:t>
+            </a:r>
+            <a:r>
+              <a:rPr lang="fr-CA" dirty="0"/>
+              <a:t> change</a:t>
+            </a:r>
+          </a:p>
+          <a:p>
+            <a:pPr lvl="3"/>
+            <a:r>
+              <a:rPr lang="fr-CA" dirty="0" err="1"/>
+              <a:t>React</a:t>
+            </a:r>
+            <a:r>
+              <a:rPr lang="fr-CA" dirty="0"/>
+              <a:t>: </a:t>
+            </a:r>
+            <a:r>
+              <a:rPr lang="fr-CA" dirty="0" err="1"/>
+              <a:t>when</a:t>
+            </a:r>
+            <a:r>
+              <a:rPr lang="fr-CA" dirty="0"/>
+              <a:t> </a:t>
+            </a:r>
+            <a:r>
+              <a:rPr lang="fr-CA" dirty="0" err="1"/>
+              <a:t>setState</a:t>
+            </a:r>
+            <a:r>
+              <a:rPr lang="fr-CA" dirty="0"/>
+              <a:t>() =</a:t>
+            </a:r>
             <a:r>
               <a:rPr lang="en-CA" dirty="0"/>
-              <a:t>C</a:t>
-            </a:r>
-            <a:r>
-              <a:rPr lang="fr-CA" dirty="0" err="1"/>
-              <a:t>omprendre</a:t>
-            </a:r>
-            <a:r>
-              <a:rPr lang="fr-CA" dirty="0"/>
-              <a:t> les différentes façon de créer un </a:t>
-            </a:r>
-            <a:r>
-              <a:rPr lang="fr-CA" dirty="0" err="1"/>
-              <a:t>ReactElement</a:t>
+              <a:t>&gt; mark component dirty</a:t>
+            </a:r>
+          </a:p>
+          <a:p>
+            <a:pPr lvl="3"/>
+            <a:r>
+              <a:rPr lang="en-CA" dirty="0"/>
+              <a:t>Angular V1?: Recurring process to detect change (</a:t>
+            </a:r>
+            <a:r>
+              <a:rPr lang="en-CA" dirty="0" err="1"/>
+              <a:t>doesn</a:t>
+            </a:r>
+            <a:r>
+              <a:rPr lang="fr-CA" dirty="0"/>
+              <a:t>’t </a:t>
+            </a:r>
+            <a:r>
+              <a:rPr lang="fr-CA" dirty="0" err="1"/>
+              <a:t>scale</a:t>
+            </a:r>
+            <a:r>
+              <a:rPr lang="fr-CA" dirty="0"/>
+              <a:t>)</a:t>
+            </a:r>
+          </a:p>
+          <a:p>
+            <a:pPr lvl="2"/>
+            <a:r>
+              <a:rPr lang="fr-CA" dirty="0" err="1"/>
+              <a:t>Batched</a:t>
+            </a:r>
+            <a:r>
+              <a:rPr lang="fr-CA" dirty="0"/>
+              <a:t> update </a:t>
+            </a:r>
+            <a:r>
+              <a:rPr lang="fr-CA" dirty="0" err="1"/>
+              <a:t>operations</a:t>
+            </a:r>
+            <a:r>
+              <a:rPr lang="fr-CA" dirty="0"/>
+              <a:t> (vs </a:t>
+            </a:r>
+            <a:r>
+              <a:rPr lang="fr-CA" dirty="0" err="1"/>
+              <a:t>many</a:t>
+            </a:r>
+            <a:r>
+              <a:rPr lang="fr-CA" dirty="0"/>
+              <a:t> </a:t>
+            </a:r>
+            <a:r>
+              <a:rPr lang="fr-CA" dirty="0" err="1"/>
+              <a:t>smallers</a:t>
+            </a:r>
+            <a:r>
+              <a:rPr lang="fr-CA" dirty="0"/>
+              <a:t>)</a:t>
+            </a:r>
+          </a:p>
+          <a:p>
+            <a:pPr lvl="3"/>
+            <a:r>
+              <a:rPr lang="fr-CA" dirty="0"/>
+              <a:t>= </a:t>
+            </a:r>
+            <a:r>
+              <a:rPr lang="fr-CA" dirty="0" err="1"/>
+              <a:t>Less</a:t>
+            </a:r>
+            <a:r>
+              <a:rPr lang="fr-CA" dirty="0"/>
+              <a:t> </a:t>
+            </a:r>
+            <a:r>
+              <a:rPr lang="fr-CA" dirty="0" err="1"/>
+              <a:t>layout</a:t>
+            </a:r>
+            <a:r>
+              <a:rPr lang="fr-CA" dirty="0"/>
+              <a:t> + </a:t>
+            </a:r>
+            <a:r>
+              <a:rPr lang="fr-CA" dirty="0" err="1"/>
+              <a:t>repaint</a:t>
             </a:r>
             <a:endParaRPr lang="fr-CA" dirty="0"/>
           </a:p>
           <a:p>
-            <a:r>
-              <a:rPr lang="fr-CA" dirty="0"/>
-              <a:t>Pour la méthode </a:t>
-            </a:r>
-            <a:r>
-              <a:rPr lang="fr-CA" dirty="0" err="1"/>
-              <a:t>ReactDOM.render</a:t>
-            </a:r>
-            <a:r>
-              <a:rPr lang="fr-CA" dirty="0"/>
-              <a:t>:</a:t>
-            </a:r>
+            <a:pPr lvl="2"/>
+            <a:r>
+              <a:rPr lang="fr-CA" dirty="0"/>
+              <a:t>Efficient update of </a:t>
+            </a:r>
+            <a:r>
+              <a:rPr lang="fr-CA" dirty="0" err="1"/>
+              <a:t>sub</a:t>
+            </a:r>
+            <a:r>
+              <a:rPr lang="fr-CA" dirty="0"/>
+              <a:t> </a:t>
+            </a:r>
+            <a:r>
+              <a:rPr lang="fr-CA" dirty="0" err="1"/>
+              <a:t>tree</a:t>
+            </a:r>
+            <a:r>
+              <a:rPr lang="fr-CA" dirty="0"/>
+              <a:t> </a:t>
+            </a:r>
+            <a:r>
+              <a:rPr lang="fr-CA" dirty="0" err="1"/>
+              <a:t>only</a:t>
+            </a:r>
+            <a:endParaRPr lang="fr-CA" dirty="0"/>
           </a:p>
           <a:p>
             <a:pPr lvl="1"/>
             <a:r>
-              <a:rPr lang="fr-CA" dirty="0" err="1"/>
-              <a:t>Render</a:t>
-            </a:r>
-            <a:r>
-              <a:rPr lang="fr-CA" dirty="0"/>
-              <a:t> les façon #1, #2, #3, #4</a:t>
-            </a:r>
-          </a:p>
-          <a:p>
-            <a:pPr lvl="1"/>
-            <a:r>
-              <a:rPr lang="fr-CA" dirty="0"/>
-              <a:t>Comprendre le type de message affiché lorsqu’on le fait mal</a:t>
+              <a:rPr lang="fr-CA" dirty="0"/>
+              <a:t>Optimisation fait à l’étape de </a:t>
+            </a:r>
+            <a:r>
+              <a:rPr lang="fr-CA" dirty="0" err="1"/>
+              <a:t>diffing</a:t>
+            </a:r>
+            <a:endParaRPr lang="fr-CA" dirty="0"/>
+          </a:p>
+          <a:p>
+            <a:pPr lvl="2"/>
+            <a:r>
+              <a:rPr lang="fr-CA" dirty="0"/>
+              <a:t>Efficient diff </a:t>
+            </a:r>
+            <a:r>
+              <a:rPr lang="fr-CA" dirty="0" err="1"/>
+              <a:t>algorithm</a:t>
+            </a:r>
+            <a:endParaRPr lang="fr-CA" dirty="0"/>
+          </a:p>
+          <a:p>
+            <a:pPr marL="0" indent="0">
+              <a:buNone/>
+            </a:pPr>
+            <a:endParaRPr lang="en-CA" dirty="0"/>
+          </a:p>
+          <a:p>
+            <a:pPr marL="0" indent="0">
+              <a:buNone/>
+            </a:pPr>
+            <a:r>
+              <a:rPr lang="en-CA" dirty="0"/>
+              <a:t>TLDR: </a:t>
+            </a:r>
+            <a:r>
+              <a:rPr lang="en-CA" dirty="0" err="1"/>
+              <a:t>Réduit</a:t>
+            </a:r>
+            <a:r>
+              <a:rPr lang="en-CA" dirty="0"/>
+              <a:t> au minimum le </a:t>
+            </a:r>
+            <a:r>
+              <a:rPr lang="en-CA" dirty="0" err="1"/>
+              <a:t>nombre</a:t>
+            </a:r>
+            <a:r>
+              <a:rPr lang="en-CA" dirty="0"/>
+              <a:t> </a:t>
+            </a:r>
+            <a:r>
+              <a:rPr lang="en-CA" dirty="0" err="1"/>
+              <a:t>d’operations</a:t>
+            </a:r>
+            <a:r>
+              <a:rPr lang="en-CA" dirty="0"/>
+              <a:t> au DOM.</a:t>
             </a:r>
           </a:p>
         </p:txBody>
@@ -5475,7 +5413,7 @@
     </p:spTree>
     <p:extLst>
       <p:ext uri="{BB962C8B-B14F-4D97-AF65-F5344CB8AC3E}">
-        <p14:creationId xmlns:p14="http://schemas.microsoft.com/office/powerpoint/2010/main" val="2313999836"/>
+        <p14:creationId xmlns:p14="http://schemas.microsoft.com/office/powerpoint/2010/main" val="929260576"/>
       </p:ext>
     </p:extLst>
   </p:cSld>
@@ -5507,7 +5445,7 @@
           <p:cNvPr id="2" name="Title 1">
             <a:extLst>
               <a:ext uri="{FF2B5EF4-FFF2-40B4-BE49-F238E27FC236}">
-                <a16:creationId xmlns:a16="http://schemas.microsoft.com/office/drawing/2014/main" id="{26ACBA9A-C772-48F1-ADB4-160A6F2B87BB}"/>
+                <a16:creationId xmlns:a16="http://schemas.microsoft.com/office/drawing/2014/main" id="{3DD84B58-110D-4E64-9FDC-F84E33F9BC89}"/>
               </a:ext>
             </a:extLst>
           </p:cNvPr>
@@ -5525,750 +5463,7 @@
           <a:p>
             <a:r>
               <a:rPr lang="fr-CA" dirty="0"/>
-              <a:t>Exos #2.2: « 3-react-instance.html »</a:t>
-            </a:r>
-          </a:p>
-        </p:txBody>
-      </p:sp>
-      <p:sp>
-        <p:nvSpPr>
-          <p:cNvPr id="3" name="Content Placeholder 2">
-            <a:extLst>
-              <a:ext uri="{FF2B5EF4-FFF2-40B4-BE49-F238E27FC236}">
-                <a16:creationId xmlns:a16="http://schemas.microsoft.com/office/drawing/2014/main" id="{3D265ABA-2E39-4ACB-AE32-AE10177C1227}"/>
-              </a:ext>
-            </a:extLst>
-          </p:cNvPr>
-          <p:cNvSpPr>
-            <a:spLocks noGrp="1"/>
-          </p:cNvSpPr>
-          <p:nvPr>
-            <p:ph idx="1"/>
-          </p:nvPr>
-        </p:nvSpPr>
-        <p:spPr/>
-        <p:txBody>
-          <a:bodyPr/>
-          <a:lstStyle/>
-          <a:p>
-            <a:r>
-              <a:rPr lang="fr-CA" dirty="0"/>
-              <a:t>Comprendre le « Component Instance » en suivant les commentaires</a:t>
-            </a:r>
-          </a:p>
-          <a:p>
-            <a:r>
-              <a:rPr lang="fr-CA" dirty="0"/>
-              <a:t>Pourquoi le </a:t>
-            </a:r>
-            <a:r>
-              <a:rPr lang="fr-CA" dirty="0" err="1"/>
-              <a:t>function</a:t>
-            </a:r>
-            <a:r>
-              <a:rPr lang="fr-CA" dirty="0"/>
-              <a:t> component n’a pas d’instance?</a:t>
-            </a:r>
-          </a:p>
-          <a:p>
-            <a:r>
-              <a:rPr lang="fr-CA" dirty="0"/>
-              <a:t>À partir de la console call </a:t>
-            </a:r>
-            <a:r>
-              <a:rPr lang="fr-CA" dirty="0" err="1"/>
-              <a:t>toggleMoment</a:t>
-            </a:r>
-            <a:r>
-              <a:rPr lang="fr-CA" dirty="0"/>
-              <a:t>() sur le component</a:t>
-            </a:r>
-          </a:p>
-          <a:p>
-            <a:pPr marL="0" indent="0">
-              <a:buNone/>
-            </a:pPr>
-            <a:endParaRPr lang="fr-CA" dirty="0"/>
-          </a:p>
-        </p:txBody>
-      </p:sp>
-    </p:spTree>
-    <p:extLst>
-      <p:ext uri="{BB962C8B-B14F-4D97-AF65-F5344CB8AC3E}">
-        <p14:creationId xmlns:p14="http://schemas.microsoft.com/office/powerpoint/2010/main" val="3372637935"/>
-      </p:ext>
-    </p:extLst>
-  </p:cSld>
-  <p:clrMapOvr>
-    <a:masterClrMapping/>
-  </p:clrMapOvr>
-</p:sld>
-</file>
-
-<file path=ppt/slides/slide14.xml><?xml version="1.0" encoding="utf-8"?>
-<p:sld xmlns:a="http://schemas.openxmlformats.org/drawingml/2006/main" xmlns:r="http://schemas.openxmlformats.org/officeDocument/2006/relationships" xmlns:p="http://schemas.openxmlformats.org/presentationml/2006/main">
-  <p:cSld>
-    <p:spTree>
-      <p:nvGrpSpPr>
-        <p:cNvPr id="1" name=""/>
-        <p:cNvGrpSpPr/>
-        <p:nvPr/>
-      </p:nvGrpSpPr>
-      <p:grpSpPr>
-        <a:xfrm>
-          <a:off x="0" y="0"/>
-          <a:ext cx="0" cy="0"/>
-          <a:chOff x="0" y="0"/>
-          <a:chExt cx="0" cy="0"/>
-        </a:xfrm>
-      </p:grpSpPr>
-      <p:sp>
-        <p:nvSpPr>
-          <p:cNvPr id="4" name="Title 3">
-            <a:extLst>
-              <a:ext uri="{FF2B5EF4-FFF2-40B4-BE49-F238E27FC236}">
-                <a16:creationId xmlns:a16="http://schemas.microsoft.com/office/drawing/2014/main" id="{B75295A1-A828-4ADA-BCE1-4C8896295C27}"/>
-              </a:ext>
-            </a:extLst>
-          </p:cNvPr>
-          <p:cNvSpPr>
-            <a:spLocks noGrp="1"/>
-          </p:cNvSpPr>
-          <p:nvPr>
-            <p:ph type="title"/>
-          </p:nvPr>
-        </p:nvSpPr>
-        <p:spPr/>
-        <p:txBody>
-          <a:bodyPr/>
-          <a:lstStyle/>
-          <a:p>
-            <a:r>
-              <a:rPr lang="fr-CA" dirty="0"/>
-              <a:t>3 – Virtual DOM</a:t>
-            </a:r>
-          </a:p>
-        </p:txBody>
-      </p:sp>
-      <p:sp>
-        <p:nvSpPr>
-          <p:cNvPr id="5" name="Text Placeholder 4">
-            <a:extLst>
-              <a:ext uri="{FF2B5EF4-FFF2-40B4-BE49-F238E27FC236}">
-                <a16:creationId xmlns:a16="http://schemas.microsoft.com/office/drawing/2014/main" id="{9AB539E5-379D-48F0-A141-68E22F6ED824}"/>
-              </a:ext>
-            </a:extLst>
-          </p:cNvPr>
-          <p:cNvSpPr>
-            <a:spLocks noGrp="1"/>
-          </p:cNvSpPr>
-          <p:nvPr>
-            <p:ph type="body" idx="1"/>
-          </p:nvPr>
-        </p:nvSpPr>
-        <p:spPr/>
-        <p:txBody>
-          <a:bodyPr/>
-          <a:lstStyle/>
-          <a:p>
-            <a:endParaRPr lang="fr-CA"/>
-          </a:p>
-        </p:txBody>
-      </p:sp>
-    </p:spTree>
-    <p:extLst>
-      <p:ext uri="{BB962C8B-B14F-4D97-AF65-F5344CB8AC3E}">
-        <p14:creationId xmlns:p14="http://schemas.microsoft.com/office/powerpoint/2010/main" val="4093118613"/>
-      </p:ext>
-    </p:extLst>
-  </p:cSld>
-  <p:clrMapOvr>
-    <a:masterClrMapping/>
-  </p:clrMapOvr>
-</p:sld>
-</file>
-
-<file path=ppt/slides/slide15.xml><?xml version="1.0" encoding="utf-8"?>
-<p:sld xmlns:a="http://schemas.openxmlformats.org/drawingml/2006/main" xmlns:r="http://schemas.openxmlformats.org/officeDocument/2006/relationships" xmlns:p="http://schemas.openxmlformats.org/presentationml/2006/main">
-  <p:cSld>
-    <p:spTree>
-      <p:nvGrpSpPr>
-        <p:cNvPr id="1" name=""/>
-        <p:cNvGrpSpPr/>
-        <p:nvPr/>
-      </p:nvGrpSpPr>
-      <p:grpSpPr>
-        <a:xfrm>
-          <a:off x="0" y="0"/>
-          <a:ext cx="0" cy="0"/>
-          <a:chOff x="0" y="0"/>
-          <a:chExt cx="0" cy="0"/>
-        </a:xfrm>
-      </p:grpSpPr>
-      <p:sp>
-        <p:nvSpPr>
-          <p:cNvPr id="2" name="Title 1">
-            <a:extLst>
-              <a:ext uri="{FF2B5EF4-FFF2-40B4-BE49-F238E27FC236}">
-                <a16:creationId xmlns:a16="http://schemas.microsoft.com/office/drawing/2014/main" id="{F7945AEA-6232-4670-B53E-ADC28E9CE141}"/>
-              </a:ext>
-            </a:extLst>
-          </p:cNvPr>
-          <p:cNvSpPr>
-            <a:spLocks noGrp="1"/>
-          </p:cNvSpPr>
-          <p:nvPr>
-            <p:ph type="title"/>
-          </p:nvPr>
-        </p:nvSpPr>
-        <p:spPr/>
-        <p:txBody>
-          <a:bodyPr/>
-          <a:lstStyle/>
-          <a:p>
-            <a:r>
-              <a:rPr lang="en-CA" dirty="0" err="1"/>
-              <a:t>Qu’est</a:t>
-            </a:r>
-            <a:r>
-              <a:rPr lang="en-CA" dirty="0"/>
-              <a:t> que le virtual DOM</a:t>
-            </a:r>
-          </a:p>
-        </p:txBody>
-      </p:sp>
-      <p:sp>
-        <p:nvSpPr>
-          <p:cNvPr id="3" name="Content Placeholder 2">
-            <a:extLst>
-              <a:ext uri="{FF2B5EF4-FFF2-40B4-BE49-F238E27FC236}">
-                <a16:creationId xmlns:a16="http://schemas.microsoft.com/office/drawing/2014/main" id="{8FCB3598-4DA2-4E4D-80F2-A3033D71AC47}"/>
-              </a:ext>
-            </a:extLst>
-          </p:cNvPr>
-          <p:cNvSpPr>
-            <a:spLocks noGrp="1"/>
-          </p:cNvSpPr>
-          <p:nvPr>
-            <p:ph idx="1"/>
-          </p:nvPr>
-        </p:nvSpPr>
-        <p:spPr/>
-        <p:txBody>
-          <a:bodyPr/>
-          <a:lstStyle/>
-          <a:p>
-            <a:pPr marL="0" indent="0">
-              <a:buNone/>
-            </a:pPr>
-            <a:r>
-              <a:rPr lang="fr-CA" b="1" dirty="0"/>
-              <a:t>Définition</a:t>
-            </a:r>
-            <a:r>
-              <a:rPr lang="fr-CA" dirty="0"/>
-              <a:t>: Le </a:t>
-            </a:r>
-            <a:r>
-              <a:rPr lang="fr-CA" dirty="0" err="1"/>
-              <a:t>virtual</a:t>
-            </a:r>
-            <a:r>
-              <a:rPr lang="fr-CA" dirty="0"/>
-              <a:t> DOM est une abstraction du HTML DOM, découplé des détails d’implémentation du browser</a:t>
-            </a:r>
-          </a:p>
-          <a:p>
-            <a:pPr marL="0" indent="0">
-              <a:buNone/>
-            </a:pPr>
-            <a:endParaRPr lang="fr-CA" dirty="0"/>
-          </a:p>
-          <a:p>
-            <a:pPr marL="0" indent="0">
-              <a:buNone/>
-            </a:pPr>
-            <a:r>
-              <a:rPr lang="fr-CA" b="1" dirty="0"/>
-              <a:t>En concret</a:t>
-            </a:r>
-            <a:r>
-              <a:rPr lang="fr-CA" dirty="0"/>
-              <a:t>: Arbre de </a:t>
-            </a:r>
-            <a:r>
-              <a:rPr lang="fr-CA" dirty="0" err="1"/>
-              <a:t>ReactElement</a:t>
-            </a:r>
-            <a:endParaRPr lang="fr-CA" dirty="0"/>
-          </a:p>
-          <a:p>
-            <a:pPr marL="0" indent="0">
-              <a:buNone/>
-            </a:pPr>
-            <a:endParaRPr lang="fr-CA" dirty="0"/>
-          </a:p>
-          <a:p>
-            <a:pPr marL="0" indent="0">
-              <a:buNone/>
-            </a:pPr>
-            <a:r>
-              <a:rPr lang="fr-CA" b="1" dirty="0"/>
-              <a:t>Comment il passe du </a:t>
-            </a:r>
-            <a:r>
-              <a:rPr lang="fr-CA" b="1" dirty="0" err="1"/>
-              <a:t>virtual</a:t>
-            </a:r>
-            <a:r>
-              <a:rPr lang="fr-CA" b="1" dirty="0"/>
-              <a:t> au real? : </a:t>
-            </a:r>
-            <a:r>
-              <a:rPr lang="fr-CA" dirty="0"/>
-              <a:t>la méthode </a:t>
-            </a:r>
-            <a:r>
-              <a:rPr lang="fr-CA" dirty="0" err="1"/>
-              <a:t>React.Render</a:t>
-            </a:r>
-            <a:r>
-              <a:rPr lang="fr-CA" dirty="0"/>
-              <a:t>() transforme le </a:t>
-            </a:r>
-            <a:r>
-              <a:rPr lang="fr-CA" dirty="0" err="1"/>
-              <a:t>reactElement</a:t>
-            </a:r>
-            <a:r>
-              <a:rPr lang="fr-CA" dirty="0"/>
-              <a:t> en </a:t>
-            </a:r>
-            <a:r>
-              <a:rPr lang="fr-CA" dirty="0" err="1"/>
-              <a:t>node</a:t>
-            </a:r>
-            <a:r>
-              <a:rPr lang="fr-CA" dirty="0"/>
-              <a:t> propre à la plateforme (web ou native)</a:t>
-            </a:r>
-          </a:p>
-        </p:txBody>
-      </p:sp>
-    </p:spTree>
-    <p:extLst>
-      <p:ext uri="{BB962C8B-B14F-4D97-AF65-F5344CB8AC3E}">
-        <p14:creationId xmlns:p14="http://schemas.microsoft.com/office/powerpoint/2010/main" val="2113963184"/>
-      </p:ext>
-    </p:extLst>
-  </p:cSld>
-  <p:clrMapOvr>
-    <a:masterClrMapping/>
-  </p:clrMapOvr>
-</p:sld>
-</file>
-
-<file path=ppt/slides/slide16.xml><?xml version="1.0" encoding="utf-8"?>
-<p:sld xmlns:a="http://schemas.openxmlformats.org/drawingml/2006/main" xmlns:r="http://schemas.openxmlformats.org/officeDocument/2006/relationships" xmlns:p="http://schemas.openxmlformats.org/presentationml/2006/main">
-  <p:cSld>
-    <p:spTree>
-      <p:nvGrpSpPr>
-        <p:cNvPr id="1" name=""/>
-        <p:cNvGrpSpPr/>
-        <p:nvPr/>
-      </p:nvGrpSpPr>
-      <p:grpSpPr>
-        <a:xfrm>
-          <a:off x="0" y="0"/>
-          <a:ext cx="0" cy="0"/>
-          <a:chOff x="0" y="0"/>
-          <a:chExt cx="0" cy="0"/>
-        </a:xfrm>
-      </p:grpSpPr>
-      <p:sp>
-        <p:nvSpPr>
-          <p:cNvPr id="2" name="Title 1">
-            <a:extLst>
-              <a:ext uri="{FF2B5EF4-FFF2-40B4-BE49-F238E27FC236}">
-                <a16:creationId xmlns:a16="http://schemas.microsoft.com/office/drawing/2014/main" id="{F7945AEA-6232-4670-B53E-ADC28E9CE141}"/>
-              </a:ext>
-            </a:extLst>
-          </p:cNvPr>
-          <p:cNvSpPr>
-            <a:spLocks noGrp="1"/>
-          </p:cNvSpPr>
-          <p:nvPr>
-            <p:ph type="title"/>
-          </p:nvPr>
-        </p:nvSpPr>
-        <p:spPr/>
-        <p:txBody>
-          <a:bodyPr/>
-          <a:lstStyle/>
-          <a:p>
-            <a:r>
-              <a:rPr lang="en-CA" dirty="0" err="1"/>
-              <a:t>Pourquoi</a:t>
-            </a:r>
-            <a:r>
-              <a:rPr lang="en-CA" dirty="0"/>
-              <a:t> un Virtual DOM</a:t>
-            </a:r>
-          </a:p>
-        </p:txBody>
-      </p:sp>
-      <p:sp>
-        <p:nvSpPr>
-          <p:cNvPr id="3" name="Content Placeholder 2">
-            <a:extLst>
-              <a:ext uri="{FF2B5EF4-FFF2-40B4-BE49-F238E27FC236}">
-                <a16:creationId xmlns:a16="http://schemas.microsoft.com/office/drawing/2014/main" id="{8FCB3598-4DA2-4E4D-80F2-A3033D71AC47}"/>
-              </a:ext>
-            </a:extLst>
-          </p:cNvPr>
-          <p:cNvSpPr>
-            <a:spLocks noGrp="1"/>
-          </p:cNvSpPr>
-          <p:nvPr>
-            <p:ph idx="1"/>
-          </p:nvPr>
-        </p:nvSpPr>
-        <p:spPr/>
-        <p:txBody>
-          <a:bodyPr>
-            <a:normAutofit fontScale="92500" lnSpcReduction="10000"/>
-          </a:bodyPr>
-          <a:lstStyle/>
-          <a:p>
-            <a:pPr marL="0" indent="0">
-              <a:buNone/>
-            </a:pPr>
-            <a:r>
-              <a:rPr lang="fr-CA" b="1" dirty="0"/>
-              <a:t>Le problème</a:t>
-            </a:r>
-            <a:r>
-              <a:rPr lang="fr-CA" dirty="0"/>
-              <a:t>: Changer le DOM est très couteux et </a:t>
-            </a:r>
-            <a:r>
-              <a:rPr lang="fr-CA" dirty="0" err="1"/>
-              <a:t>innéficace</a:t>
-            </a:r>
-            <a:endParaRPr lang="fr-CA" dirty="0"/>
-          </a:p>
-          <a:p>
-            <a:pPr lvl="1"/>
-            <a:r>
-              <a:rPr lang="fr-CA" dirty="0"/>
-              <a:t>Ajouter des </a:t>
-            </a:r>
-            <a:r>
-              <a:rPr lang="fr-CA" dirty="0" err="1"/>
-              <a:t>nodes</a:t>
-            </a:r>
-            <a:r>
-              <a:rPr lang="fr-CA" dirty="0"/>
-              <a:t> et </a:t>
-            </a:r>
-            <a:r>
-              <a:rPr lang="fr-CA" dirty="0" err="1"/>
-              <a:t>attributes</a:t>
-            </a:r>
-            <a:r>
-              <a:rPr lang="fr-CA" dirty="0"/>
-              <a:t> pas couteux</a:t>
-            </a:r>
-          </a:p>
-          <a:p>
-            <a:pPr lvl="1"/>
-            <a:r>
-              <a:rPr lang="fr-CA" dirty="0"/>
-              <a:t>Recalculer CSS, </a:t>
-            </a:r>
-            <a:r>
-              <a:rPr lang="fr-CA" dirty="0" err="1"/>
-              <a:t>layout</a:t>
-            </a:r>
-            <a:r>
-              <a:rPr lang="fr-CA" dirty="0"/>
-              <a:t> et </a:t>
-            </a:r>
-            <a:r>
-              <a:rPr lang="fr-CA" dirty="0" err="1"/>
-              <a:t>repaint</a:t>
-            </a:r>
-            <a:r>
-              <a:rPr lang="fr-CA" dirty="0"/>
-              <a:t> sont très couteux</a:t>
-            </a:r>
-          </a:p>
-          <a:p>
-            <a:pPr marL="0" indent="0">
-              <a:buNone/>
-            </a:pPr>
-            <a:endParaRPr lang="fr-CA" dirty="0"/>
-          </a:p>
-          <a:p>
-            <a:pPr marL="0" indent="0">
-              <a:buNone/>
-            </a:pPr>
-            <a:r>
-              <a:rPr lang="fr-CA" b="1" dirty="0"/>
-              <a:t>La solution apporté</a:t>
-            </a:r>
-            <a:r>
-              <a:rPr lang="fr-CA" dirty="0"/>
-              <a:t>:</a:t>
-            </a:r>
-          </a:p>
-          <a:p>
-            <a:pPr lvl="1"/>
-            <a:r>
-              <a:rPr lang="fr-CA" dirty="0"/>
-              <a:t>Efficient diff </a:t>
-            </a:r>
-            <a:r>
-              <a:rPr lang="fr-CA" dirty="0" err="1"/>
-              <a:t>algorithm</a:t>
-            </a:r>
-            <a:endParaRPr lang="fr-CA" dirty="0"/>
-          </a:p>
-          <a:p>
-            <a:pPr lvl="1"/>
-            <a:r>
-              <a:rPr lang="fr-CA" dirty="0" err="1"/>
-              <a:t>Batched</a:t>
-            </a:r>
-            <a:r>
-              <a:rPr lang="fr-CA" dirty="0"/>
-              <a:t> update </a:t>
-            </a:r>
-            <a:r>
-              <a:rPr lang="fr-CA" dirty="0" err="1"/>
-              <a:t>operations</a:t>
-            </a:r>
-            <a:r>
-              <a:rPr lang="fr-CA" dirty="0"/>
-              <a:t> (vs </a:t>
-            </a:r>
-            <a:r>
-              <a:rPr lang="fr-CA" dirty="0" err="1"/>
-              <a:t>many</a:t>
-            </a:r>
-            <a:r>
-              <a:rPr lang="fr-CA" dirty="0"/>
-              <a:t> </a:t>
-            </a:r>
-            <a:r>
-              <a:rPr lang="fr-CA" dirty="0" err="1"/>
-              <a:t>smallers</a:t>
-            </a:r>
-            <a:r>
-              <a:rPr lang="fr-CA" dirty="0"/>
-              <a:t>)</a:t>
-            </a:r>
-          </a:p>
-          <a:p>
-            <a:pPr lvl="2"/>
-            <a:r>
-              <a:rPr lang="fr-CA" dirty="0"/>
-              <a:t>= </a:t>
-            </a:r>
-            <a:r>
-              <a:rPr lang="fr-CA" dirty="0" err="1"/>
-              <a:t>Less</a:t>
-            </a:r>
-            <a:r>
-              <a:rPr lang="fr-CA" dirty="0"/>
-              <a:t> </a:t>
-            </a:r>
-            <a:r>
-              <a:rPr lang="fr-CA" dirty="0" err="1"/>
-              <a:t>layout</a:t>
-            </a:r>
-            <a:r>
-              <a:rPr lang="fr-CA" dirty="0"/>
-              <a:t> + </a:t>
-            </a:r>
-            <a:r>
-              <a:rPr lang="fr-CA" dirty="0" err="1"/>
-              <a:t>repaint</a:t>
-            </a:r>
-            <a:endParaRPr lang="fr-CA" dirty="0"/>
-          </a:p>
-          <a:p>
-            <a:pPr lvl="1"/>
-            <a:r>
-              <a:rPr lang="fr-CA" dirty="0"/>
-              <a:t>Efficient update of </a:t>
-            </a:r>
-            <a:r>
-              <a:rPr lang="fr-CA" dirty="0" err="1"/>
-              <a:t>sub</a:t>
-            </a:r>
-            <a:r>
-              <a:rPr lang="fr-CA" dirty="0"/>
-              <a:t> </a:t>
-            </a:r>
-            <a:r>
-              <a:rPr lang="fr-CA" dirty="0" err="1"/>
-              <a:t>tree</a:t>
-            </a:r>
-            <a:r>
-              <a:rPr lang="fr-CA" dirty="0"/>
-              <a:t> </a:t>
-            </a:r>
-            <a:r>
-              <a:rPr lang="fr-CA" dirty="0" err="1"/>
-              <a:t>only</a:t>
-            </a:r>
-            <a:endParaRPr lang="fr-CA" dirty="0"/>
-          </a:p>
-          <a:p>
-            <a:pPr lvl="1"/>
-            <a:r>
-              <a:rPr lang="fr-CA" dirty="0"/>
-              <a:t>Uses observable </a:t>
-            </a:r>
-            <a:r>
-              <a:rPr lang="fr-CA" dirty="0" err="1"/>
-              <a:t>instead</a:t>
-            </a:r>
-            <a:r>
-              <a:rPr lang="fr-CA" dirty="0"/>
-              <a:t> of </a:t>
-            </a:r>
-            <a:r>
-              <a:rPr lang="fr-CA" dirty="0" err="1"/>
-              <a:t>dirty</a:t>
-            </a:r>
-            <a:r>
-              <a:rPr lang="fr-CA" dirty="0"/>
-              <a:t> checking to </a:t>
-            </a:r>
-            <a:r>
-              <a:rPr lang="fr-CA" dirty="0" err="1"/>
-              <a:t>detect</a:t>
-            </a:r>
-            <a:r>
-              <a:rPr lang="fr-CA" dirty="0"/>
-              <a:t> change</a:t>
-            </a:r>
-          </a:p>
-          <a:p>
-            <a:pPr lvl="2"/>
-            <a:r>
-              <a:rPr lang="fr-CA" dirty="0" err="1"/>
-              <a:t>React</a:t>
-            </a:r>
-            <a:r>
-              <a:rPr lang="fr-CA" dirty="0"/>
-              <a:t>: </a:t>
-            </a:r>
-            <a:r>
-              <a:rPr lang="fr-CA" dirty="0" err="1"/>
-              <a:t>when</a:t>
-            </a:r>
-            <a:r>
-              <a:rPr lang="fr-CA" dirty="0"/>
-              <a:t> </a:t>
-            </a:r>
-            <a:r>
-              <a:rPr lang="fr-CA" dirty="0" err="1"/>
-              <a:t>setState</a:t>
-            </a:r>
-            <a:r>
-              <a:rPr lang="fr-CA" dirty="0"/>
-              <a:t>() =</a:t>
-            </a:r>
-            <a:r>
-              <a:rPr lang="en-CA" dirty="0"/>
-              <a:t>&gt; mark component dirty</a:t>
-            </a:r>
-          </a:p>
-          <a:p>
-            <a:pPr lvl="2"/>
-            <a:r>
-              <a:rPr lang="en-CA" dirty="0"/>
-              <a:t>Angular: Recurring process to detect change (</a:t>
-            </a:r>
-            <a:r>
-              <a:rPr lang="en-CA" dirty="0" err="1"/>
-              <a:t>doesn</a:t>
-            </a:r>
-            <a:r>
-              <a:rPr lang="fr-CA" dirty="0"/>
-              <a:t>’t </a:t>
-            </a:r>
-            <a:r>
-              <a:rPr lang="fr-CA" dirty="0" err="1"/>
-              <a:t>scale</a:t>
-            </a:r>
-            <a:r>
-              <a:rPr lang="fr-CA" dirty="0"/>
-              <a:t>)</a:t>
-            </a:r>
-          </a:p>
-          <a:p>
-            <a:endParaRPr lang="en-CA" dirty="0"/>
-          </a:p>
-        </p:txBody>
-      </p:sp>
-    </p:spTree>
-    <p:extLst>
-      <p:ext uri="{BB962C8B-B14F-4D97-AF65-F5344CB8AC3E}">
-        <p14:creationId xmlns:p14="http://schemas.microsoft.com/office/powerpoint/2010/main" val="4149388084"/>
-      </p:ext>
-    </p:extLst>
-  </p:cSld>
-  <p:clrMapOvr>
-    <a:masterClrMapping/>
-  </p:clrMapOvr>
-</p:sld>
-</file>
-
-<file path=ppt/slides/slide17.xml><?xml version="1.0" encoding="utf-8"?>
-<p:sld xmlns:a="http://schemas.openxmlformats.org/drawingml/2006/main" xmlns:r="http://schemas.openxmlformats.org/officeDocument/2006/relationships" xmlns:p="http://schemas.openxmlformats.org/presentationml/2006/main">
-  <p:cSld>
-    <p:spTree>
-      <p:nvGrpSpPr>
-        <p:cNvPr id="1" name=""/>
-        <p:cNvGrpSpPr/>
-        <p:nvPr/>
-      </p:nvGrpSpPr>
-      <p:grpSpPr>
-        <a:xfrm>
-          <a:off x="0" y="0"/>
-          <a:ext cx="0" cy="0"/>
-          <a:chOff x="0" y="0"/>
-          <a:chExt cx="0" cy="0"/>
-        </a:xfrm>
-      </p:grpSpPr>
-      <p:sp>
-        <p:nvSpPr>
-          <p:cNvPr id="2" name="Title 1">
-            <a:extLst>
-              <a:ext uri="{FF2B5EF4-FFF2-40B4-BE49-F238E27FC236}">
-                <a16:creationId xmlns:a16="http://schemas.microsoft.com/office/drawing/2014/main" id="{3DD84B58-110D-4E64-9FDC-F84E33F9BC89}"/>
-              </a:ext>
-            </a:extLst>
-          </p:cNvPr>
-          <p:cNvSpPr>
-            <a:spLocks noGrp="1"/>
-          </p:cNvSpPr>
-          <p:nvPr>
-            <p:ph type="title"/>
-          </p:nvPr>
-        </p:nvSpPr>
-        <p:spPr/>
-        <p:txBody>
-          <a:bodyPr/>
-          <a:lstStyle/>
-          <a:p>
-            <a:r>
-              <a:rPr lang="fr-CA" dirty="0"/>
-              <a:t>Virtual DOM vs Shadow DOM (skip)</a:t>
+              <a:t>Virtual DOM vs Shadow DOM</a:t>
             </a:r>
           </a:p>
         </p:txBody>
@@ -6654,6 +5849,1526 @@
 </p:sld>
 </file>
 
+<file path=ppt/slides/slide14.xml><?xml version="1.0" encoding="utf-8"?>
+<p:sld xmlns:a="http://schemas.openxmlformats.org/drawingml/2006/main" xmlns:r="http://schemas.openxmlformats.org/officeDocument/2006/relationships" xmlns:p="http://schemas.openxmlformats.org/presentationml/2006/main">
+  <p:cSld>
+    <p:spTree>
+      <p:nvGrpSpPr>
+        <p:cNvPr id="1" name=""/>
+        <p:cNvGrpSpPr/>
+        <p:nvPr/>
+      </p:nvGrpSpPr>
+      <p:grpSpPr>
+        <a:xfrm>
+          <a:off x="0" y="0"/>
+          <a:ext cx="0" cy="0"/>
+          <a:chOff x="0" y="0"/>
+          <a:chExt cx="0" cy="0"/>
+        </a:xfrm>
+      </p:grpSpPr>
+      <p:sp>
+        <p:nvSpPr>
+          <p:cNvPr id="4" name="Title 3">
+            <a:extLst>
+              <a:ext uri="{FF2B5EF4-FFF2-40B4-BE49-F238E27FC236}">
+                <a16:creationId xmlns:a16="http://schemas.microsoft.com/office/drawing/2014/main" id="{B75295A1-A828-4ADA-BCE1-4C8896295C27}"/>
+              </a:ext>
+            </a:extLst>
+          </p:cNvPr>
+          <p:cNvSpPr>
+            <a:spLocks noGrp="1"/>
+          </p:cNvSpPr>
+          <p:nvPr>
+            <p:ph type="title"/>
+          </p:nvPr>
+        </p:nvSpPr>
+        <p:spPr/>
+        <p:txBody>
+          <a:bodyPr/>
+          <a:lstStyle/>
+          <a:p>
+            <a:r>
+              <a:rPr lang="fr-CA" dirty="0"/>
+              <a:t>3 – </a:t>
+            </a:r>
+            <a:r>
+              <a:rPr lang="fr-CA" dirty="0" err="1"/>
+              <a:t>React</a:t>
+            </a:r>
+            <a:r>
+              <a:rPr lang="fr-CA" dirty="0"/>
+              <a:t> Building Block</a:t>
+            </a:r>
+          </a:p>
+        </p:txBody>
+      </p:sp>
+      <p:sp>
+        <p:nvSpPr>
+          <p:cNvPr id="5" name="Text Placeholder 4">
+            <a:extLst>
+              <a:ext uri="{FF2B5EF4-FFF2-40B4-BE49-F238E27FC236}">
+                <a16:creationId xmlns:a16="http://schemas.microsoft.com/office/drawing/2014/main" id="{9AB539E5-379D-48F0-A141-68E22F6ED824}"/>
+              </a:ext>
+            </a:extLst>
+          </p:cNvPr>
+          <p:cNvSpPr>
+            <a:spLocks noGrp="1"/>
+          </p:cNvSpPr>
+          <p:nvPr>
+            <p:ph type="body" idx="1"/>
+          </p:nvPr>
+        </p:nvSpPr>
+        <p:spPr/>
+        <p:txBody>
+          <a:bodyPr/>
+          <a:lstStyle/>
+          <a:p>
+            <a:r>
+              <a:rPr lang="fr-CA" dirty="0" err="1"/>
+              <a:t>Looking</a:t>
+            </a:r>
+            <a:r>
+              <a:rPr lang="fr-CA" dirty="0"/>
+              <a:t> </a:t>
+            </a:r>
+            <a:r>
+              <a:rPr lang="fr-CA" dirty="0" err="1"/>
+              <a:t>under</a:t>
+            </a:r>
+            <a:r>
+              <a:rPr lang="fr-CA" dirty="0"/>
+              <a:t> the </a:t>
+            </a:r>
+            <a:r>
+              <a:rPr lang="fr-CA" dirty="0" err="1"/>
+              <a:t>hood</a:t>
+            </a:r>
+            <a:r>
+              <a:rPr lang="fr-CA" dirty="0"/>
+              <a:t>.</a:t>
+            </a:r>
+          </a:p>
+        </p:txBody>
+      </p:sp>
+    </p:spTree>
+    <p:extLst>
+      <p:ext uri="{BB962C8B-B14F-4D97-AF65-F5344CB8AC3E}">
+        <p14:creationId xmlns:p14="http://schemas.microsoft.com/office/powerpoint/2010/main" val="745899161"/>
+      </p:ext>
+    </p:extLst>
+  </p:cSld>
+  <p:clrMapOvr>
+    <a:masterClrMapping/>
+  </p:clrMapOvr>
+</p:sld>
+</file>
+
+<file path=ppt/slides/slide15.xml><?xml version="1.0" encoding="utf-8"?>
+<p:sld xmlns:a="http://schemas.openxmlformats.org/drawingml/2006/main" xmlns:r="http://schemas.openxmlformats.org/officeDocument/2006/relationships" xmlns:p="http://schemas.openxmlformats.org/presentationml/2006/main">
+  <p:cSld>
+    <p:spTree>
+      <p:nvGrpSpPr>
+        <p:cNvPr id="1" name=""/>
+        <p:cNvGrpSpPr/>
+        <p:nvPr/>
+      </p:nvGrpSpPr>
+      <p:grpSpPr>
+        <a:xfrm>
+          <a:off x="0" y="0"/>
+          <a:ext cx="0" cy="0"/>
+          <a:chOff x="0" y="0"/>
+          <a:chExt cx="0" cy="0"/>
+        </a:xfrm>
+      </p:grpSpPr>
+      <p:sp>
+        <p:nvSpPr>
+          <p:cNvPr id="2" name="Title 1">
+            <a:extLst>
+              <a:ext uri="{FF2B5EF4-FFF2-40B4-BE49-F238E27FC236}">
+                <a16:creationId xmlns:a16="http://schemas.microsoft.com/office/drawing/2014/main" id="{AAA3AA28-3EEA-46A4-A6A9-386816C14C2B}"/>
+              </a:ext>
+            </a:extLst>
+          </p:cNvPr>
+          <p:cNvSpPr>
+            <a:spLocks noGrp="1"/>
+          </p:cNvSpPr>
+          <p:nvPr>
+            <p:ph type="title"/>
+          </p:nvPr>
+        </p:nvSpPr>
+        <p:spPr/>
+        <p:txBody>
+          <a:bodyPr/>
+          <a:lstStyle/>
+          <a:p>
+            <a:r>
+              <a:rPr lang="fr-CA" dirty="0" err="1"/>
+              <a:t>React</a:t>
+            </a:r>
+            <a:r>
+              <a:rPr lang="fr-CA" dirty="0"/>
+              <a:t> Building Block</a:t>
+            </a:r>
+            <a:endParaRPr lang="en-CA" dirty="0"/>
+          </a:p>
+        </p:txBody>
+      </p:sp>
+      <p:graphicFrame>
+        <p:nvGraphicFramePr>
+          <p:cNvPr id="4" name="Content Placeholder 3">
+            <a:extLst>
+              <a:ext uri="{FF2B5EF4-FFF2-40B4-BE49-F238E27FC236}">
+                <a16:creationId xmlns:a16="http://schemas.microsoft.com/office/drawing/2014/main" id="{F7C6E9C4-784F-4F65-AACC-12B3C607BF8C}"/>
+              </a:ext>
+            </a:extLst>
+          </p:cNvPr>
+          <p:cNvGraphicFramePr>
+            <a:graphicFrameLocks noGrp="1"/>
+          </p:cNvGraphicFramePr>
+          <p:nvPr>
+            <p:ph idx="1"/>
+            <p:extLst>
+              <p:ext uri="{D42A27DB-BD31-4B8C-83A1-F6EECF244321}">
+                <p14:modId xmlns:p14="http://schemas.microsoft.com/office/powerpoint/2010/main" val="3437504794"/>
+              </p:ext>
+            </p:extLst>
+          </p:nvPr>
+        </p:nvGraphicFramePr>
+        <p:xfrm>
+          <a:off x="457200" y="1825623"/>
+          <a:ext cx="11480800" cy="4354288"/>
+        </p:xfrm>
+        <a:graphic>
+          <a:graphicData uri="http://schemas.openxmlformats.org/drawingml/2006/table">
+            <a:tbl>
+              <a:tblPr firstRow="1" bandRow="1">
+                <a:tableStyleId>{5C22544A-7EE6-4342-B048-85BDC9FD1C3A}</a:tableStyleId>
+              </a:tblPr>
+              <a:tblGrid>
+                <a:gridCol w="3822700">
+                  <a:extLst>
+                    <a:ext uri="{9D8B030D-6E8A-4147-A177-3AD203B41FA5}">
+                      <a16:colId xmlns:a16="http://schemas.microsoft.com/office/drawing/2014/main" val="59715496"/>
+                    </a:ext>
+                  </a:extLst>
+                </a:gridCol>
+                <a:gridCol w="7658100">
+                  <a:extLst>
+                    <a:ext uri="{9D8B030D-6E8A-4147-A177-3AD203B41FA5}">
+                      <a16:colId xmlns:a16="http://schemas.microsoft.com/office/drawing/2014/main" val="2795418203"/>
+                    </a:ext>
+                  </a:extLst>
+                </a:gridCol>
+              </a:tblGrid>
+              <a:tr h="496661">
+                <a:tc>
+                  <a:txBody>
+                    <a:bodyPr/>
+                    <a:lstStyle/>
+                    <a:p>
+                      <a:r>
+                        <a:rPr lang="fr-CA" dirty="0"/>
+                        <a:t>Nom</a:t>
+                      </a:r>
+                      <a:endParaRPr lang="en-CA" dirty="0"/>
+                    </a:p>
+                  </a:txBody>
+                  <a:tcPr/>
+                </a:tc>
+                <a:tc>
+                  <a:txBody>
+                    <a:bodyPr/>
+                    <a:lstStyle/>
+                    <a:p>
+                      <a:r>
+                        <a:rPr lang="fr-CA" dirty="0"/>
+                        <a:t>Description</a:t>
+                      </a:r>
+                      <a:endParaRPr lang="en-CA" dirty="0"/>
+                    </a:p>
+                  </a:txBody>
+                  <a:tcPr/>
+                </a:tc>
+                <a:extLst>
+                  <a:ext uri="{0D108BD9-81ED-4DB2-BD59-A6C34878D82A}">
+                    <a16:rowId xmlns:a16="http://schemas.microsoft.com/office/drawing/2014/main" val="3222690779"/>
+                  </a:ext>
+                </a:extLst>
+              </a:tr>
+              <a:tr h="1224642">
+                <a:tc>
+                  <a:txBody>
+                    <a:bodyPr/>
+                    <a:lstStyle/>
+                    <a:p>
+                      <a:r>
+                        <a:rPr lang="fr-CA" sz="2000" dirty="0" err="1"/>
+                        <a:t>ReactElement</a:t>
+                      </a:r>
+                      <a:endParaRPr lang="en-CA" sz="2000" dirty="0"/>
+                    </a:p>
+                  </a:txBody>
+                  <a:tcPr/>
+                </a:tc>
+                <a:tc>
+                  <a:txBody>
+                    <a:bodyPr/>
+                    <a:lstStyle/>
+                    <a:p>
+                      <a:pPr marL="285750" indent="-285750">
+                        <a:buFont typeface="Arial" panose="020B0604020202020204" pitchFamily="34" charset="0"/>
+                        <a:buChar char="•"/>
+                      </a:pPr>
+                      <a:r>
+                        <a:rPr lang="fr-CA" sz="2000" dirty="0"/>
+                        <a:t>« Light, </a:t>
+                      </a:r>
+                      <a:r>
+                        <a:rPr lang="fr-CA" sz="2000" dirty="0" err="1"/>
+                        <a:t>stateless</a:t>
+                      </a:r>
+                      <a:r>
+                        <a:rPr lang="fr-CA" sz="2000" dirty="0"/>
+                        <a:t>, immutable, </a:t>
+                      </a:r>
+                      <a:r>
+                        <a:rPr lang="fr-CA" sz="2000" dirty="0" err="1"/>
+                        <a:t>virtual</a:t>
+                      </a:r>
+                      <a:r>
+                        <a:rPr lang="fr-CA" sz="2000" dirty="0"/>
+                        <a:t> </a:t>
+                      </a:r>
+                      <a:r>
+                        <a:rPr lang="fr-CA" sz="2000" dirty="0" err="1"/>
+                        <a:t>representation</a:t>
+                      </a:r>
+                      <a:r>
+                        <a:rPr lang="fr-CA" sz="2000" dirty="0"/>
+                        <a:t> of a DOM </a:t>
+                      </a:r>
+                      <a:r>
+                        <a:rPr lang="fr-CA" sz="2000" dirty="0" err="1"/>
+                        <a:t>Element</a:t>
+                      </a:r>
+                      <a:r>
+                        <a:rPr lang="fr-CA" sz="2000" dirty="0"/>
+                        <a:t> » (</a:t>
+                      </a:r>
+                      <a:r>
+                        <a:rPr lang="fr-CA" sz="2000" dirty="0" err="1"/>
+                        <a:t>read</a:t>
+                      </a:r>
+                      <a:r>
+                        <a:rPr lang="fr-CA" sz="2000" dirty="0"/>
+                        <a:t> JSON </a:t>
+                      </a:r>
+                      <a:r>
+                        <a:rPr lang="fr-CA" sz="2000" dirty="0" err="1"/>
+                        <a:t>object</a:t>
+                      </a:r>
+                      <a:r>
+                        <a:rPr lang="fr-CA" sz="2000" dirty="0"/>
+                        <a:t>)</a:t>
+                      </a:r>
+                    </a:p>
+                    <a:p>
+                      <a:pPr marL="285750" indent="-285750">
+                        <a:buFont typeface="Arial" panose="020B0604020202020204" pitchFamily="34" charset="0"/>
+                        <a:buChar char="•"/>
+                      </a:pPr>
+                      <a:r>
+                        <a:rPr lang="fr-CA" sz="2000" dirty="0"/>
+                        <a:t>Live in the Virtual DOM</a:t>
+                      </a:r>
+                      <a:endParaRPr lang="en-CA" sz="2000" dirty="0"/>
+                    </a:p>
+                  </a:txBody>
+                  <a:tcPr/>
+                </a:tc>
+                <a:extLst>
+                  <a:ext uri="{0D108BD9-81ED-4DB2-BD59-A6C34878D82A}">
+                    <a16:rowId xmlns:a16="http://schemas.microsoft.com/office/drawing/2014/main" val="438316769"/>
+                  </a:ext>
+                </a:extLst>
+              </a:tr>
+              <a:tr h="1279074">
+                <a:tc>
+                  <a:txBody>
+                    <a:bodyPr/>
+                    <a:lstStyle/>
+                    <a:p>
+                      <a:r>
+                        <a:rPr lang="fr-CA" sz="2000" dirty="0" err="1"/>
+                        <a:t>ReactComponent</a:t>
+                      </a:r>
+                      <a:endParaRPr lang="en-CA" sz="2000" dirty="0"/>
+                    </a:p>
+                  </a:txBody>
+                  <a:tcPr/>
+                </a:tc>
+                <a:tc>
+                  <a:txBody>
+                    <a:bodyPr/>
+                    <a:lstStyle/>
+                    <a:p>
+                      <a:pPr marL="285750" marR="0" lvl="0" indent="-285750" algn="l" defTabSz="914400" rtl="0" eaLnBrk="1" fontAlgn="auto" latinLnBrk="0" hangingPunct="1">
+                        <a:lnSpc>
+                          <a:spcPct val="100000"/>
+                        </a:lnSpc>
+                        <a:spcBef>
+                          <a:spcPts val="0"/>
+                        </a:spcBef>
+                        <a:spcAft>
+                          <a:spcPts val="0"/>
+                        </a:spcAft>
+                        <a:buClrTx/>
+                        <a:buSzTx/>
+                        <a:buFont typeface="Arial" panose="020B0604020202020204" pitchFamily="34" charset="0"/>
+                        <a:buChar char="•"/>
+                        <a:tabLst/>
+                        <a:defRPr/>
+                      </a:pPr>
+                      <a:r>
+                        <a:rPr lang="fr-CA" sz="2000" dirty="0" err="1"/>
+                        <a:t>Blueprint</a:t>
+                      </a:r>
+                      <a:r>
+                        <a:rPr lang="fr-CA" sz="2000" dirty="0"/>
+                        <a:t> (</a:t>
+                      </a:r>
+                      <a:r>
+                        <a:rPr lang="fr-CA" sz="2000" dirty="0" err="1"/>
+                        <a:t>litérallement</a:t>
+                      </a:r>
+                      <a:r>
+                        <a:rPr lang="fr-CA" sz="2000" dirty="0"/>
+                        <a:t> une classe (</a:t>
+                      </a:r>
+                      <a:r>
+                        <a:rPr lang="fr-CA" sz="2000" dirty="0" err="1"/>
+                        <a:t>i.e</a:t>
+                      </a:r>
+                      <a:r>
+                        <a:rPr lang="fr-CA" sz="2000" dirty="0"/>
+                        <a:t>: </a:t>
+                      </a:r>
+                      <a:r>
+                        <a:rPr lang="en-CA" sz="2000" b="0" kern="1200" dirty="0" err="1">
+                          <a:solidFill>
+                            <a:schemeClr val="dk1"/>
+                          </a:solidFill>
+                          <a:effectLst/>
+                          <a:latin typeface="+mn-lt"/>
+                          <a:ea typeface="+mn-ea"/>
+                          <a:cs typeface="+mn-cs"/>
+                        </a:rPr>
+                        <a:t>React.Component</a:t>
+                      </a:r>
+                      <a:r>
+                        <a:rPr lang="fr-CA" sz="2000" dirty="0"/>
+                        <a:t>))</a:t>
+                      </a:r>
+                    </a:p>
+                    <a:p>
+                      <a:pPr marL="285750" indent="-285750">
+                        <a:buFont typeface="Arial" panose="020B0604020202020204" pitchFamily="34" charset="0"/>
+                        <a:buChar char="•"/>
+                      </a:pPr>
+                      <a:r>
+                        <a:rPr lang="fr-CA" sz="2000" dirty="0" err="1"/>
+                        <a:t>Stateful</a:t>
+                      </a:r>
+                      <a:endParaRPr lang="fr-CA" sz="2000" dirty="0"/>
+                    </a:p>
+                    <a:p>
+                      <a:pPr marL="285750" indent="-285750">
+                        <a:buFont typeface="Arial" panose="020B0604020202020204" pitchFamily="34" charset="0"/>
+                        <a:buChar char="•"/>
+                      </a:pPr>
+                      <a:r>
+                        <a:rPr lang="fr-CA" sz="2000" dirty="0"/>
+                        <a:t>La méthode </a:t>
+                      </a:r>
+                      <a:r>
+                        <a:rPr lang="fr-CA" sz="2000" dirty="0" err="1"/>
+                        <a:t>render</a:t>
+                      </a:r>
+                      <a:r>
+                        <a:rPr lang="fr-CA" sz="2000" dirty="0"/>
+                        <a:t> retourne un </a:t>
+                      </a:r>
+                      <a:r>
+                        <a:rPr lang="fr-CA" sz="2000" dirty="0" err="1"/>
+                        <a:t>ReactElement</a:t>
+                      </a:r>
+                      <a:endParaRPr lang="en-CA" sz="2000" dirty="0"/>
+                    </a:p>
+                  </a:txBody>
+                  <a:tcPr/>
+                </a:tc>
+                <a:extLst>
+                  <a:ext uri="{0D108BD9-81ED-4DB2-BD59-A6C34878D82A}">
+                    <a16:rowId xmlns:a16="http://schemas.microsoft.com/office/drawing/2014/main" val="287501697"/>
+                  </a:ext>
+                </a:extLst>
+              </a:tr>
+              <a:tr h="857250">
+                <a:tc>
+                  <a:txBody>
+                    <a:bodyPr/>
+                    <a:lstStyle/>
+                    <a:p>
+                      <a:r>
+                        <a:rPr lang="fr-CA" sz="2000" dirty="0"/>
+                        <a:t>Component Instance</a:t>
+                      </a:r>
+                      <a:endParaRPr lang="en-CA" sz="2000" dirty="0"/>
+                    </a:p>
+                  </a:txBody>
+                  <a:tcPr/>
+                </a:tc>
+                <a:tc>
+                  <a:txBody>
+                    <a:bodyPr/>
+                    <a:lstStyle/>
+                    <a:p>
+                      <a:pPr marL="285750" indent="-285750">
+                        <a:buFont typeface="Arial" panose="020B0604020202020204" pitchFamily="34" charset="0"/>
+                        <a:buChar char="•"/>
+                      </a:pPr>
+                      <a:r>
+                        <a:rPr lang="fr-CA" sz="2000" dirty="0"/>
+                        <a:t>Instance d’un </a:t>
+                      </a:r>
+                      <a:r>
+                        <a:rPr lang="fr-CA" sz="2000" dirty="0" err="1"/>
+                        <a:t>ReactComponent</a:t>
+                      </a:r>
+                      <a:endParaRPr lang="fr-CA" sz="2000" dirty="0"/>
+                    </a:p>
+                    <a:p>
+                      <a:pPr marL="285750" indent="-285750">
+                        <a:buFont typeface="Arial" panose="020B0604020202020204" pitchFamily="34" charset="0"/>
+                        <a:buChar char="•"/>
+                      </a:pPr>
+                      <a:r>
+                        <a:rPr lang="fr-CA" sz="2000" dirty="0"/>
+                        <a:t>Équivalent à l’instance d’une classe</a:t>
+                      </a:r>
+                      <a:endParaRPr lang="en-CA" sz="2000" dirty="0"/>
+                    </a:p>
+                  </a:txBody>
+                  <a:tcPr/>
+                </a:tc>
+                <a:extLst>
+                  <a:ext uri="{0D108BD9-81ED-4DB2-BD59-A6C34878D82A}">
+                    <a16:rowId xmlns:a16="http://schemas.microsoft.com/office/drawing/2014/main" val="2575304264"/>
+                  </a:ext>
+                </a:extLst>
+              </a:tr>
+              <a:tr h="496661">
+                <a:tc>
+                  <a:txBody>
+                    <a:bodyPr/>
+                    <a:lstStyle/>
+                    <a:p>
+                      <a:r>
+                        <a:rPr lang="fr-CA" sz="2000" dirty="0"/>
+                        <a:t>Dom Instance (DOM Node)</a:t>
+                      </a:r>
+                      <a:endParaRPr lang="en-CA" sz="2000" dirty="0"/>
+                    </a:p>
+                  </a:txBody>
+                  <a:tcPr/>
+                </a:tc>
+                <a:tc>
+                  <a:txBody>
+                    <a:bodyPr/>
+                    <a:lstStyle/>
+                    <a:p>
+                      <a:pPr marL="285750" indent="-285750">
+                        <a:buFont typeface="Arial" panose="020B0604020202020204" pitchFamily="34" charset="0"/>
+                        <a:buChar char="•"/>
+                      </a:pPr>
+                      <a:r>
+                        <a:rPr lang="fr-CA" sz="2000" dirty="0"/>
+                        <a:t>Node dans le DOM du browser.</a:t>
+                      </a:r>
+                      <a:endParaRPr lang="en-CA" sz="2000" dirty="0"/>
+                    </a:p>
+                  </a:txBody>
+                  <a:tcPr/>
+                </a:tc>
+                <a:extLst>
+                  <a:ext uri="{0D108BD9-81ED-4DB2-BD59-A6C34878D82A}">
+                    <a16:rowId xmlns:a16="http://schemas.microsoft.com/office/drawing/2014/main" val="423049726"/>
+                  </a:ext>
+                </a:extLst>
+              </a:tr>
+            </a:tbl>
+          </a:graphicData>
+        </a:graphic>
+      </p:graphicFrame>
+    </p:spTree>
+    <p:extLst>
+      <p:ext uri="{BB962C8B-B14F-4D97-AF65-F5344CB8AC3E}">
+        <p14:creationId xmlns:p14="http://schemas.microsoft.com/office/powerpoint/2010/main" val="173315485"/>
+      </p:ext>
+    </p:extLst>
+  </p:cSld>
+  <p:clrMapOvr>
+    <a:masterClrMapping/>
+  </p:clrMapOvr>
+</p:sld>
+</file>
+
+<file path=ppt/slides/slide16.xml><?xml version="1.0" encoding="utf-8"?>
+<p:sld xmlns:a="http://schemas.openxmlformats.org/drawingml/2006/main" xmlns:r="http://schemas.openxmlformats.org/officeDocument/2006/relationships" xmlns:p="http://schemas.openxmlformats.org/presentationml/2006/main">
+  <p:cSld>
+    <p:spTree>
+      <p:nvGrpSpPr>
+        <p:cNvPr id="1" name=""/>
+        <p:cNvGrpSpPr/>
+        <p:nvPr/>
+      </p:nvGrpSpPr>
+      <p:grpSpPr>
+        <a:xfrm>
+          <a:off x="0" y="0"/>
+          <a:ext cx="0" cy="0"/>
+          <a:chOff x="0" y="0"/>
+          <a:chExt cx="0" cy="0"/>
+        </a:xfrm>
+      </p:grpSpPr>
+      <p:sp>
+        <p:nvSpPr>
+          <p:cNvPr id="2" name="Title 1">
+            <a:extLst>
+              <a:ext uri="{FF2B5EF4-FFF2-40B4-BE49-F238E27FC236}">
+                <a16:creationId xmlns:a16="http://schemas.microsoft.com/office/drawing/2014/main" id="{3EB37C4C-211B-4FDF-A37C-72633CAD4A13}"/>
+              </a:ext>
+            </a:extLst>
+          </p:cNvPr>
+          <p:cNvSpPr>
+            <a:spLocks noGrp="1"/>
+          </p:cNvSpPr>
+          <p:nvPr>
+            <p:ph type="title"/>
+          </p:nvPr>
+        </p:nvSpPr>
+        <p:spPr/>
+        <p:txBody>
+          <a:bodyPr/>
+          <a:lstStyle/>
+          <a:p>
+            <a:r>
+              <a:rPr lang="fr-CA" dirty="0" err="1"/>
+              <a:t>React</a:t>
+            </a:r>
+            <a:r>
+              <a:rPr lang="fr-CA" dirty="0"/>
+              <a:t> </a:t>
+            </a:r>
+            <a:r>
+              <a:rPr lang="fr-CA" dirty="0" err="1"/>
+              <a:t>Element</a:t>
+            </a:r>
+            <a:r>
+              <a:rPr lang="fr-CA" dirty="0"/>
+              <a:t> &amp; Virtual DOM</a:t>
+            </a:r>
+            <a:endParaRPr lang="en-CA" dirty="0"/>
+          </a:p>
+        </p:txBody>
+      </p:sp>
+      <p:pic>
+        <p:nvPicPr>
+          <p:cNvPr id="7" name="Picture 6">
+            <a:extLst>
+              <a:ext uri="{FF2B5EF4-FFF2-40B4-BE49-F238E27FC236}">
+                <a16:creationId xmlns:a16="http://schemas.microsoft.com/office/drawing/2014/main" id="{A01F941D-AE33-4B03-8443-DFDC644BBB6E}"/>
+              </a:ext>
+            </a:extLst>
+          </p:cNvPr>
+          <p:cNvPicPr>
+            <a:picLocks noChangeAspect="1"/>
+          </p:cNvPicPr>
+          <p:nvPr/>
+        </p:nvPicPr>
+        <p:blipFill>
+          <a:blip r:embed="rId2"/>
+          <a:stretch>
+            <a:fillRect/>
+          </a:stretch>
+        </p:blipFill>
+        <p:spPr>
+          <a:xfrm>
+            <a:off x="838200" y="1637578"/>
+            <a:ext cx="2019300" cy="1123950"/>
+          </a:xfrm>
+          <a:prstGeom prst="rect">
+            <a:avLst/>
+          </a:prstGeom>
+        </p:spPr>
+      </p:pic>
+      <p:graphicFrame>
+        <p:nvGraphicFramePr>
+          <p:cNvPr id="6" name="Table 5">
+            <a:extLst>
+              <a:ext uri="{FF2B5EF4-FFF2-40B4-BE49-F238E27FC236}">
+                <a16:creationId xmlns:a16="http://schemas.microsoft.com/office/drawing/2014/main" id="{F96421FB-6624-4F99-8DB1-F9BD5F280388}"/>
+              </a:ext>
+            </a:extLst>
+          </p:cNvPr>
+          <p:cNvGraphicFramePr>
+            <a:graphicFrameLocks noGrp="1"/>
+          </p:cNvGraphicFramePr>
+          <p:nvPr>
+            <p:extLst>
+              <p:ext uri="{D42A27DB-BD31-4B8C-83A1-F6EECF244321}">
+                <p14:modId xmlns:p14="http://schemas.microsoft.com/office/powerpoint/2010/main" val="993084107"/>
+              </p:ext>
+            </p:extLst>
+          </p:nvPr>
+        </p:nvGraphicFramePr>
+        <p:xfrm>
+          <a:off x="5453743" y="1666240"/>
+          <a:ext cx="6458857" cy="4028440"/>
+        </p:xfrm>
+        <a:graphic>
+          <a:graphicData uri="http://schemas.openxmlformats.org/drawingml/2006/table">
+            <a:tbl>
+              <a:tblPr firstRow="1" bandRow="1">
+                <a:tableStyleId>{5C22544A-7EE6-4342-B048-85BDC9FD1C3A}</a:tableStyleId>
+              </a:tblPr>
+              <a:tblGrid>
+                <a:gridCol w="2155371">
+                  <a:extLst>
+                    <a:ext uri="{9D8B030D-6E8A-4147-A177-3AD203B41FA5}">
+                      <a16:colId xmlns:a16="http://schemas.microsoft.com/office/drawing/2014/main" val="4222515365"/>
+                    </a:ext>
+                  </a:extLst>
+                </a:gridCol>
+                <a:gridCol w="4303486">
+                  <a:extLst>
+                    <a:ext uri="{9D8B030D-6E8A-4147-A177-3AD203B41FA5}">
+                      <a16:colId xmlns:a16="http://schemas.microsoft.com/office/drawing/2014/main" val="3872575451"/>
+                    </a:ext>
+                  </a:extLst>
+                </a:gridCol>
+              </a:tblGrid>
+              <a:tr h="370840">
+                <a:tc>
+                  <a:txBody>
+                    <a:bodyPr/>
+                    <a:lstStyle/>
+                    <a:p>
+                      <a:r>
+                        <a:rPr lang="fr-CA" dirty="0" err="1"/>
+                        <a:t>Property</a:t>
+                      </a:r>
+                      <a:r>
+                        <a:rPr lang="fr-CA" dirty="0"/>
+                        <a:t> Name</a:t>
+                      </a:r>
+                    </a:p>
+                  </a:txBody>
+                  <a:tcPr/>
+                </a:tc>
+                <a:tc>
+                  <a:txBody>
+                    <a:bodyPr/>
+                    <a:lstStyle/>
+                    <a:p>
+                      <a:r>
+                        <a:rPr lang="fr-CA" dirty="0"/>
+                        <a:t>Description</a:t>
+                      </a:r>
+                    </a:p>
+                  </a:txBody>
+                  <a:tcPr/>
+                </a:tc>
+                <a:extLst>
+                  <a:ext uri="{0D108BD9-81ED-4DB2-BD59-A6C34878D82A}">
+                    <a16:rowId xmlns:a16="http://schemas.microsoft.com/office/drawing/2014/main" val="1394859493"/>
+                  </a:ext>
+                </a:extLst>
+              </a:tr>
+              <a:tr h="370840">
+                <a:tc>
+                  <a:txBody>
+                    <a:bodyPr/>
+                    <a:lstStyle/>
+                    <a:p>
+                      <a:r>
+                        <a:rPr lang="fr-CA" dirty="0"/>
+                        <a:t>Key</a:t>
+                      </a:r>
+                    </a:p>
+                  </a:txBody>
+                  <a:tcPr/>
+                </a:tc>
+                <a:tc>
+                  <a:txBody>
+                    <a:bodyPr/>
+                    <a:lstStyle/>
+                    <a:p>
+                      <a:r>
+                        <a:rPr lang="fr-CA" dirty="0" err="1"/>
+                        <a:t>Uniquely</a:t>
+                      </a:r>
+                      <a:r>
+                        <a:rPr lang="fr-CA" dirty="0"/>
+                        <a:t> </a:t>
+                      </a:r>
+                      <a:r>
+                        <a:rPr lang="fr-CA" dirty="0" err="1"/>
+                        <a:t>identity</a:t>
+                      </a:r>
+                      <a:r>
+                        <a:rPr lang="fr-CA" dirty="0"/>
+                        <a:t> a </a:t>
+                      </a:r>
+                      <a:r>
+                        <a:rPr lang="fr-CA" dirty="0" err="1"/>
+                        <a:t>React</a:t>
+                      </a:r>
+                      <a:r>
+                        <a:rPr lang="fr-CA" dirty="0"/>
+                        <a:t> </a:t>
+                      </a:r>
+                      <a:r>
+                        <a:rPr lang="fr-CA" dirty="0" err="1"/>
+                        <a:t>elements</a:t>
+                      </a:r>
+                      <a:r>
+                        <a:rPr lang="fr-CA" dirty="0"/>
+                        <a:t> </a:t>
+                      </a:r>
+                      <a:r>
+                        <a:rPr lang="fr-CA" dirty="0" err="1"/>
+                        <a:t>withing</a:t>
+                      </a:r>
+                      <a:r>
+                        <a:rPr lang="fr-CA" dirty="0"/>
+                        <a:t> an </a:t>
+                      </a:r>
+                      <a:r>
+                        <a:rPr lang="fr-CA" dirty="0" err="1"/>
+                        <a:t>array</a:t>
+                      </a:r>
+                      <a:r>
+                        <a:rPr lang="fr-CA" dirty="0"/>
+                        <a:t> of the </a:t>
+                      </a:r>
+                      <a:r>
+                        <a:rPr lang="fr-CA" dirty="0" err="1"/>
+                        <a:t>same</a:t>
+                      </a:r>
+                      <a:r>
+                        <a:rPr lang="fr-CA" dirty="0"/>
+                        <a:t> type.</a:t>
+                      </a:r>
+                    </a:p>
+                  </a:txBody>
+                  <a:tcPr/>
+                </a:tc>
+                <a:extLst>
+                  <a:ext uri="{0D108BD9-81ED-4DB2-BD59-A6C34878D82A}">
+                    <a16:rowId xmlns:a16="http://schemas.microsoft.com/office/drawing/2014/main" val="2436484844"/>
+                  </a:ext>
+                </a:extLst>
+              </a:tr>
+              <a:tr h="370840">
+                <a:tc>
+                  <a:txBody>
+                    <a:bodyPr/>
+                    <a:lstStyle/>
+                    <a:p>
+                      <a:r>
+                        <a:rPr lang="fr-CA" dirty="0" err="1"/>
+                        <a:t>Props</a:t>
+                      </a:r>
+                      <a:endParaRPr lang="fr-CA" dirty="0"/>
+                    </a:p>
+                  </a:txBody>
+                  <a:tcPr/>
+                </a:tc>
+                <a:tc>
+                  <a:txBody>
+                    <a:bodyPr/>
+                    <a:lstStyle/>
+                    <a:p>
+                      <a:r>
+                        <a:rPr lang="fr-CA" dirty="0"/>
+                        <a:t>Mapping of all the </a:t>
+                      </a:r>
+                      <a:r>
+                        <a:rPr lang="fr-CA" dirty="0" err="1"/>
+                        <a:t>props</a:t>
+                      </a:r>
+                      <a:r>
+                        <a:rPr lang="fr-CA" dirty="0"/>
+                        <a:t> and values (</a:t>
+                      </a:r>
+                      <a:r>
+                        <a:rPr lang="fr-CA" dirty="0" err="1"/>
+                        <a:t>include</a:t>
+                      </a:r>
+                      <a:r>
+                        <a:rPr lang="fr-CA" dirty="0"/>
+                        <a:t> </a:t>
+                      </a:r>
+                      <a:r>
+                        <a:rPr lang="fr-CA" dirty="0" err="1"/>
+                        <a:t>children</a:t>
+                      </a:r>
+                      <a:r>
+                        <a:rPr lang="fr-CA" dirty="0"/>
+                        <a:t>)</a:t>
+                      </a:r>
+                    </a:p>
+                  </a:txBody>
+                  <a:tcPr/>
+                </a:tc>
+                <a:extLst>
+                  <a:ext uri="{0D108BD9-81ED-4DB2-BD59-A6C34878D82A}">
+                    <a16:rowId xmlns:a16="http://schemas.microsoft.com/office/drawing/2014/main" val="3752318723"/>
+                  </a:ext>
+                </a:extLst>
+              </a:tr>
+              <a:tr h="370840">
+                <a:tc>
+                  <a:txBody>
+                    <a:bodyPr/>
+                    <a:lstStyle/>
+                    <a:p>
+                      <a:r>
+                        <a:rPr lang="fr-CA" dirty="0" err="1"/>
+                        <a:t>Ref</a:t>
+                      </a:r>
+                      <a:endParaRPr lang="fr-CA" dirty="0"/>
+                    </a:p>
+                  </a:txBody>
+                  <a:tcPr/>
+                </a:tc>
+                <a:tc>
+                  <a:txBody>
+                    <a:bodyPr/>
+                    <a:lstStyle/>
+                    <a:p>
+                      <a:r>
+                        <a:rPr lang="fr-CA" dirty="0" err="1"/>
+                        <a:t>Property</a:t>
+                      </a:r>
+                      <a:r>
+                        <a:rPr lang="fr-CA" dirty="0"/>
+                        <a:t> </a:t>
+                      </a:r>
+                      <a:r>
+                        <a:rPr lang="fr-CA" dirty="0" err="1"/>
+                        <a:t>used</a:t>
+                      </a:r>
+                      <a:r>
+                        <a:rPr lang="fr-CA" dirty="0"/>
+                        <a:t> to </a:t>
+                      </a:r>
+                      <a:r>
+                        <a:rPr lang="fr-CA" dirty="0" err="1"/>
+                        <a:t>access</a:t>
+                      </a:r>
+                      <a:r>
+                        <a:rPr lang="fr-CA" dirty="0"/>
+                        <a:t> the </a:t>
+                      </a:r>
+                      <a:r>
+                        <a:rPr lang="fr-CA" dirty="0" err="1"/>
+                        <a:t>underlying</a:t>
+                      </a:r>
+                      <a:r>
+                        <a:rPr lang="fr-CA" dirty="0"/>
+                        <a:t> DOM </a:t>
+                      </a:r>
+                      <a:r>
+                        <a:rPr lang="fr-CA" dirty="0" err="1"/>
+                        <a:t>element</a:t>
+                      </a:r>
+                      <a:r>
+                        <a:rPr lang="fr-CA" dirty="0"/>
+                        <a:t>.</a:t>
+                      </a:r>
+                    </a:p>
+                    <a:p>
+                      <a:pPr marL="285750" indent="-285750">
+                        <a:buFont typeface="Arial" panose="020B0604020202020204" pitchFamily="34" charset="0"/>
+                        <a:buChar char="•"/>
+                      </a:pPr>
+                      <a:r>
+                        <a:rPr lang="fr-CA" dirty="0"/>
+                        <a:t>Set </a:t>
+                      </a:r>
+                      <a:r>
+                        <a:rPr lang="fr-CA" dirty="0" err="1"/>
+                        <a:t>when</a:t>
+                      </a:r>
+                      <a:r>
+                        <a:rPr lang="fr-CA" dirty="0"/>
+                        <a:t> </a:t>
+                      </a:r>
+                      <a:r>
+                        <a:rPr lang="fr-CA" dirty="0" err="1"/>
+                        <a:t>this</a:t>
+                      </a:r>
+                      <a:r>
+                        <a:rPr lang="fr-CA" dirty="0"/>
+                        <a:t> </a:t>
+                      </a:r>
+                      <a:r>
+                        <a:rPr lang="fr-CA" dirty="0" err="1"/>
+                        <a:t>ReactElement</a:t>
+                      </a:r>
+                      <a:r>
+                        <a:rPr lang="fr-CA" dirty="0"/>
+                        <a:t> </a:t>
+                      </a:r>
+                      <a:r>
+                        <a:rPr lang="fr-CA" dirty="0" err="1"/>
+                        <a:t>is</a:t>
+                      </a:r>
+                      <a:r>
+                        <a:rPr lang="fr-CA" dirty="0"/>
+                        <a:t> </a:t>
+                      </a:r>
+                      <a:r>
+                        <a:rPr lang="fr-CA" dirty="0" err="1"/>
+                        <a:t>rendered</a:t>
+                      </a:r>
+                      <a:endParaRPr lang="fr-CA" dirty="0"/>
+                    </a:p>
+                  </a:txBody>
+                  <a:tcPr/>
+                </a:tc>
+                <a:extLst>
+                  <a:ext uri="{0D108BD9-81ED-4DB2-BD59-A6C34878D82A}">
+                    <a16:rowId xmlns:a16="http://schemas.microsoft.com/office/drawing/2014/main" val="153830878"/>
+                  </a:ext>
+                </a:extLst>
+              </a:tr>
+              <a:tr h="370840">
+                <a:tc>
+                  <a:txBody>
+                    <a:bodyPr/>
+                    <a:lstStyle/>
+                    <a:p>
+                      <a:r>
+                        <a:rPr lang="fr-CA" dirty="0"/>
+                        <a:t>Type</a:t>
+                      </a:r>
+                    </a:p>
+                  </a:txBody>
+                  <a:tcPr/>
+                </a:tc>
+                <a:tc>
+                  <a:txBody>
+                    <a:bodyPr/>
+                    <a:lstStyle/>
+                    <a:p>
+                      <a:pPr marL="0" indent="0">
+                        <a:buFont typeface="Arial" panose="020B0604020202020204" pitchFamily="34" charset="0"/>
+                        <a:buNone/>
+                      </a:pPr>
+                      <a:r>
+                        <a:rPr lang="fr-CA" dirty="0"/>
+                        <a:t>Type of the </a:t>
+                      </a:r>
+                      <a:r>
+                        <a:rPr lang="fr-CA" dirty="0" err="1"/>
+                        <a:t>element</a:t>
+                      </a:r>
+                      <a:endParaRPr lang="fr-CA" dirty="0"/>
+                    </a:p>
+                    <a:p>
+                      <a:pPr marL="285750" indent="-285750">
+                        <a:buFont typeface="Arial" panose="020B0604020202020204" pitchFamily="34" charset="0"/>
+                        <a:buChar char="•"/>
+                      </a:pPr>
+                      <a:r>
+                        <a:rPr lang="fr-CA" dirty="0"/>
+                        <a:t>Tag </a:t>
+                      </a:r>
+                      <a:r>
+                        <a:rPr lang="fr-CA" dirty="0" err="1"/>
+                        <a:t>name</a:t>
+                      </a:r>
+                      <a:r>
+                        <a:rPr lang="fr-CA" dirty="0"/>
+                        <a:t> string (</a:t>
+                      </a:r>
+                      <a:r>
+                        <a:rPr lang="fr-CA" dirty="0" err="1"/>
+                        <a:t>i.e</a:t>
+                      </a:r>
+                      <a:r>
+                        <a:rPr lang="fr-CA" dirty="0"/>
+                        <a:t>: div, </a:t>
+                      </a:r>
+                      <a:r>
+                        <a:rPr lang="fr-CA" dirty="0" err="1"/>
+                        <a:t>span</a:t>
+                      </a:r>
+                      <a:r>
+                        <a:rPr lang="fr-CA" dirty="0"/>
+                        <a:t>)</a:t>
+                      </a:r>
+                    </a:p>
+                    <a:p>
+                      <a:pPr marL="285750" indent="-285750">
+                        <a:buFont typeface="Arial" panose="020B0604020202020204" pitchFamily="34" charset="0"/>
+                        <a:buChar char="•"/>
+                      </a:pPr>
+                      <a:r>
+                        <a:rPr lang="fr-CA" dirty="0" err="1"/>
+                        <a:t>React</a:t>
+                      </a:r>
+                      <a:r>
+                        <a:rPr lang="fr-CA" dirty="0"/>
+                        <a:t> Component (class or </a:t>
+                      </a:r>
+                      <a:r>
+                        <a:rPr lang="fr-CA" dirty="0" err="1"/>
+                        <a:t>function</a:t>
+                      </a:r>
+                      <a:r>
+                        <a:rPr lang="fr-CA" dirty="0"/>
+                        <a:t>)</a:t>
+                      </a:r>
+                    </a:p>
+                    <a:p>
+                      <a:pPr marL="285750" indent="-285750">
+                        <a:buFont typeface="Arial" panose="020B0604020202020204" pitchFamily="34" charset="0"/>
+                        <a:buChar char="•"/>
+                      </a:pPr>
+                      <a:r>
+                        <a:rPr lang="fr-CA" dirty="0" err="1"/>
+                        <a:t>React</a:t>
+                      </a:r>
+                      <a:r>
+                        <a:rPr lang="fr-CA" dirty="0"/>
+                        <a:t> Fragment (</a:t>
+                      </a:r>
+                      <a:r>
+                        <a:rPr lang="en-CA"/>
+                        <a:t>&lt;&gt;&lt;/&gt;)</a:t>
+                      </a:r>
+                      <a:endParaRPr lang="fr-CA" dirty="0"/>
+                    </a:p>
+                    <a:p>
+                      <a:pPr marL="285750" indent="-285750">
+                        <a:buFont typeface="Arial" panose="020B0604020202020204" pitchFamily="34" charset="0"/>
+                        <a:buChar char="•"/>
+                      </a:pPr>
+                      <a:r>
+                        <a:rPr lang="fr-CA"/>
+                        <a:t>Bool (étrange! </a:t>
+                      </a:r>
+                      <a:r>
+                        <a:rPr lang="fr-CA" dirty="0"/>
+                        <a:t>On va voir pourquoi à fin)</a:t>
+                      </a:r>
+                    </a:p>
+                  </a:txBody>
+                  <a:tcPr/>
+                </a:tc>
+                <a:extLst>
+                  <a:ext uri="{0D108BD9-81ED-4DB2-BD59-A6C34878D82A}">
+                    <a16:rowId xmlns:a16="http://schemas.microsoft.com/office/drawing/2014/main" val="3276912826"/>
+                  </a:ext>
+                </a:extLst>
+              </a:tr>
+            </a:tbl>
+          </a:graphicData>
+        </a:graphic>
+      </p:graphicFrame>
+      <p:pic>
+        <p:nvPicPr>
+          <p:cNvPr id="10" name="Picture 9">
+            <a:extLst>
+              <a:ext uri="{FF2B5EF4-FFF2-40B4-BE49-F238E27FC236}">
+                <a16:creationId xmlns:a16="http://schemas.microsoft.com/office/drawing/2014/main" id="{F49A9A97-E8AF-4CF9-A0AA-F9F8D2FC92D9}"/>
+              </a:ext>
+            </a:extLst>
+          </p:cNvPr>
+          <p:cNvPicPr>
+            <a:picLocks noChangeAspect="1"/>
+          </p:cNvPicPr>
+          <p:nvPr/>
+        </p:nvPicPr>
+        <p:blipFill>
+          <a:blip r:embed="rId3"/>
+          <a:stretch>
+            <a:fillRect/>
+          </a:stretch>
+        </p:blipFill>
+        <p:spPr>
+          <a:xfrm>
+            <a:off x="279400" y="3078984"/>
+            <a:ext cx="4931172" cy="2503714"/>
+          </a:xfrm>
+          <a:prstGeom prst="rect">
+            <a:avLst/>
+          </a:prstGeom>
+        </p:spPr>
+      </p:pic>
+    </p:spTree>
+    <p:extLst>
+      <p:ext uri="{BB962C8B-B14F-4D97-AF65-F5344CB8AC3E}">
+        <p14:creationId xmlns:p14="http://schemas.microsoft.com/office/powerpoint/2010/main" val="300338475"/>
+      </p:ext>
+    </p:extLst>
+  </p:cSld>
+  <p:clrMapOvr>
+    <a:masterClrMapping/>
+  </p:clrMapOvr>
+</p:sld>
+</file>
+
+<file path=ppt/slides/slide17.xml><?xml version="1.0" encoding="utf-8"?>
+<p:sld xmlns:a="http://schemas.openxmlformats.org/drawingml/2006/main" xmlns:r="http://schemas.openxmlformats.org/officeDocument/2006/relationships" xmlns:p="http://schemas.openxmlformats.org/presentationml/2006/main">
+  <p:cSld>
+    <p:spTree>
+      <p:nvGrpSpPr>
+        <p:cNvPr id="1" name=""/>
+        <p:cNvGrpSpPr/>
+        <p:nvPr/>
+      </p:nvGrpSpPr>
+      <p:grpSpPr>
+        <a:xfrm>
+          <a:off x="0" y="0"/>
+          <a:ext cx="0" cy="0"/>
+          <a:chOff x="0" y="0"/>
+          <a:chExt cx="0" cy="0"/>
+        </a:xfrm>
+      </p:grpSpPr>
+      <p:sp>
+        <p:nvSpPr>
+          <p:cNvPr id="2" name="Title 1">
+            <a:extLst>
+              <a:ext uri="{FF2B5EF4-FFF2-40B4-BE49-F238E27FC236}">
+                <a16:creationId xmlns:a16="http://schemas.microsoft.com/office/drawing/2014/main" id="{D6D490E6-4965-494E-BF76-DFF0E69167B8}"/>
+              </a:ext>
+            </a:extLst>
+          </p:cNvPr>
+          <p:cNvSpPr>
+            <a:spLocks noGrp="1"/>
+          </p:cNvSpPr>
+          <p:nvPr>
+            <p:ph type="title"/>
+          </p:nvPr>
+        </p:nvSpPr>
+        <p:spPr/>
+        <p:txBody>
+          <a:bodyPr/>
+          <a:lstStyle/>
+          <a:p>
+            <a:r>
+              <a:rPr lang="fr-CA" dirty="0" err="1"/>
+              <a:t>Lifecycle</a:t>
+            </a:r>
+            <a:r>
+              <a:rPr lang="fr-CA" dirty="0"/>
+              <a:t> d’un </a:t>
+            </a:r>
+            <a:r>
+              <a:rPr lang="fr-CA" dirty="0" err="1"/>
+              <a:t>ReactElement</a:t>
+            </a:r>
+            <a:endParaRPr lang="fr-CA" dirty="0"/>
+          </a:p>
+        </p:txBody>
+      </p:sp>
+      <p:pic>
+        <p:nvPicPr>
+          <p:cNvPr id="5" name="Picture 4">
+            <a:extLst>
+              <a:ext uri="{FF2B5EF4-FFF2-40B4-BE49-F238E27FC236}">
+                <a16:creationId xmlns:a16="http://schemas.microsoft.com/office/drawing/2014/main" id="{DF891E32-115A-4999-AAFB-8AD0DE454662}"/>
+              </a:ext>
+            </a:extLst>
+          </p:cNvPr>
+          <p:cNvPicPr>
+            <a:picLocks noChangeAspect="1"/>
+          </p:cNvPicPr>
+          <p:nvPr/>
+        </p:nvPicPr>
+        <p:blipFill>
+          <a:blip r:embed="rId2"/>
+          <a:stretch>
+            <a:fillRect/>
+          </a:stretch>
+        </p:blipFill>
+        <p:spPr>
+          <a:xfrm>
+            <a:off x="1040556" y="2544361"/>
+            <a:ext cx="3849493" cy="1602763"/>
+          </a:xfrm>
+          <a:prstGeom prst="rect">
+            <a:avLst/>
+          </a:prstGeom>
+        </p:spPr>
+      </p:pic>
+      <p:pic>
+        <p:nvPicPr>
+          <p:cNvPr id="6" name="Picture 5">
+            <a:extLst>
+              <a:ext uri="{FF2B5EF4-FFF2-40B4-BE49-F238E27FC236}">
+                <a16:creationId xmlns:a16="http://schemas.microsoft.com/office/drawing/2014/main" id="{C6972F70-0B81-42AB-9D11-3AAE20384478}"/>
+              </a:ext>
+            </a:extLst>
+          </p:cNvPr>
+          <p:cNvPicPr>
+            <a:picLocks noChangeAspect="1"/>
+          </p:cNvPicPr>
+          <p:nvPr/>
+        </p:nvPicPr>
+        <p:blipFill>
+          <a:blip r:embed="rId3"/>
+          <a:stretch>
+            <a:fillRect/>
+          </a:stretch>
+        </p:blipFill>
+        <p:spPr>
+          <a:xfrm>
+            <a:off x="6325105" y="2544361"/>
+            <a:ext cx="4441555" cy="1602763"/>
+          </a:xfrm>
+          <a:prstGeom prst="rect">
+            <a:avLst/>
+          </a:prstGeom>
+        </p:spPr>
+      </p:pic>
+      <p:pic>
+        <p:nvPicPr>
+          <p:cNvPr id="7" name="Picture 6">
+            <a:extLst>
+              <a:ext uri="{FF2B5EF4-FFF2-40B4-BE49-F238E27FC236}">
+                <a16:creationId xmlns:a16="http://schemas.microsoft.com/office/drawing/2014/main" id="{520C0207-5746-4DF7-A6FA-D8C308FC33E1}"/>
+              </a:ext>
+            </a:extLst>
+          </p:cNvPr>
+          <p:cNvPicPr>
+            <a:picLocks noChangeAspect="1"/>
+          </p:cNvPicPr>
+          <p:nvPr/>
+        </p:nvPicPr>
+        <p:blipFill>
+          <a:blip r:embed="rId4"/>
+          <a:stretch>
+            <a:fillRect/>
+          </a:stretch>
+        </p:blipFill>
+        <p:spPr>
+          <a:xfrm>
+            <a:off x="6519068" y="4576618"/>
+            <a:ext cx="4072046" cy="1916257"/>
+          </a:xfrm>
+          <a:prstGeom prst="rect">
+            <a:avLst/>
+          </a:prstGeom>
+        </p:spPr>
+      </p:pic>
+      <p:sp>
+        <p:nvSpPr>
+          <p:cNvPr id="8" name="Arrow: Right 7">
+            <a:extLst>
+              <a:ext uri="{FF2B5EF4-FFF2-40B4-BE49-F238E27FC236}">
+                <a16:creationId xmlns:a16="http://schemas.microsoft.com/office/drawing/2014/main" id="{54E5E0F1-2B9D-40AF-8528-D4438701425A}"/>
+              </a:ext>
+            </a:extLst>
+          </p:cNvPr>
+          <p:cNvSpPr/>
+          <p:nvPr/>
+        </p:nvSpPr>
+        <p:spPr>
+          <a:xfrm>
+            <a:off x="5188332" y="3075709"/>
+            <a:ext cx="951345" cy="582015"/>
+          </a:xfrm>
+          <a:prstGeom prst="rightArrow">
+            <a:avLst/>
+          </a:prstGeom>
+        </p:spPr>
+        <p:style>
+          <a:lnRef idx="2">
+            <a:schemeClr val="accent1">
+              <a:shade val="50000"/>
+            </a:schemeClr>
+          </a:lnRef>
+          <a:fillRef idx="1">
+            <a:schemeClr val="accent1"/>
+          </a:fillRef>
+          <a:effectRef idx="0">
+            <a:schemeClr val="accent1"/>
+          </a:effectRef>
+          <a:fontRef idx="minor">
+            <a:schemeClr val="lt1"/>
+          </a:fontRef>
+        </p:style>
+        <p:txBody>
+          <a:bodyPr rtlCol="0" anchor="ctr"/>
+          <a:lstStyle/>
+          <a:p>
+            <a:pPr algn="ctr"/>
+            <a:endParaRPr lang="fr-CA"/>
+          </a:p>
+        </p:txBody>
+      </p:sp>
+      <p:sp>
+        <p:nvSpPr>
+          <p:cNvPr id="9" name="Arrow: Down 8">
+            <a:extLst>
+              <a:ext uri="{FF2B5EF4-FFF2-40B4-BE49-F238E27FC236}">
+                <a16:creationId xmlns:a16="http://schemas.microsoft.com/office/drawing/2014/main" id="{6B5F24F7-B10F-4CC8-8345-E8DE74C00667}"/>
+              </a:ext>
+            </a:extLst>
+          </p:cNvPr>
+          <p:cNvSpPr/>
+          <p:nvPr/>
+        </p:nvSpPr>
+        <p:spPr>
+          <a:xfrm>
+            <a:off x="8156594" y="4247161"/>
+            <a:ext cx="679508" cy="239884"/>
+          </a:xfrm>
+          <a:prstGeom prst="downArrow">
+            <a:avLst/>
+          </a:prstGeom>
+        </p:spPr>
+        <p:style>
+          <a:lnRef idx="2">
+            <a:schemeClr val="accent1">
+              <a:shade val="50000"/>
+            </a:schemeClr>
+          </a:lnRef>
+          <a:fillRef idx="1">
+            <a:schemeClr val="accent1"/>
+          </a:fillRef>
+          <a:effectRef idx="0">
+            <a:schemeClr val="accent1"/>
+          </a:effectRef>
+          <a:fontRef idx="minor">
+            <a:schemeClr val="lt1"/>
+          </a:fontRef>
+        </p:style>
+        <p:txBody>
+          <a:bodyPr rtlCol="0" anchor="ctr"/>
+          <a:lstStyle/>
+          <a:p>
+            <a:pPr algn="ctr"/>
+            <a:endParaRPr lang="fr-CA"/>
+          </a:p>
+        </p:txBody>
+      </p:sp>
+      <p:sp>
+        <p:nvSpPr>
+          <p:cNvPr id="10" name="TextBox 9">
+            <a:extLst>
+              <a:ext uri="{FF2B5EF4-FFF2-40B4-BE49-F238E27FC236}">
+                <a16:creationId xmlns:a16="http://schemas.microsoft.com/office/drawing/2014/main" id="{07F59E78-E509-4746-A9F6-C6FEF4D3885C}"/>
+              </a:ext>
+            </a:extLst>
+          </p:cNvPr>
+          <p:cNvSpPr txBox="1"/>
+          <p:nvPr/>
+        </p:nvSpPr>
+        <p:spPr>
+          <a:xfrm>
+            <a:off x="4873549" y="2579947"/>
+            <a:ext cx="1508426" cy="646331"/>
+          </a:xfrm>
+          <a:prstGeom prst="rect">
+            <a:avLst/>
+          </a:prstGeom>
+          <a:noFill/>
+        </p:spPr>
+        <p:txBody>
+          <a:bodyPr wrap="none" rtlCol="0">
+            <a:spAutoFit/>
+          </a:bodyPr>
+          <a:lstStyle/>
+          <a:p>
+            <a:pPr algn="ctr"/>
+            <a:r>
+              <a:rPr lang="en-CA" dirty="0"/>
+              <a:t>Babel compile</a:t>
+            </a:r>
+          </a:p>
+          <a:p>
+            <a:pPr algn="ctr"/>
+            <a:r>
+              <a:rPr lang="en-CA" dirty="0"/>
+              <a:t>into</a:t>
+            </a:r>
+            <a:endParaRPr lang="fr-CA" dirty="0"/>
+          </a:p>
+        </p:txBody>
+      </p:sp>
+      <p:sp>
+        <p:nvSpPr>
+          <p:cNvPr id="11" name="TextBox 10">
+            <a:extLst>
+              <a:ext uri="{FF2B5EF4-FFF2-40B4-BE49-F238E27FC236}">
+                <a16:creationId xmlns:a16="http://schemas.microsoft.com/office/drawing/2014/main" id="{2CA924B6-49D9-45BA-AE2E-66A6D9D4A9D0}"/>
+              </a:ext>
+            </a:extLst>
+          </p:cNvPr>
+          <p:cNvSpPr txBox="1"/>
+          <p:nvPr/>
+        </p:nvSpPr>
+        <p:spPr>
+          <a:xfrm>
+            <a:off x="8919992" y="4182437"/>
+            <a:ext cx="2433808" cy="369332"/>
+          </a:xfrm>
+          <a:prstGeom prst="rect">
+            <a:avLst/>
+          </a:prstGeom>
+          <a:noFill/>
+        </p:spPr>
+        <p:txBody>
+          <a:bodyPr wrap="none" rtlCol="0">
+            <a:spAutoFit/>
+          </a:bodyPr>
+          <a:lstStyle/>
+          <a:p>
+            <a:r>
+              <a:rPr lang="en-CA" dirty="0"/>
+              <a:t>Create </a:t>
+            </a:r>
+            <a:r>
+              <a:rPr lang="en-CA" dirty="0" err="1"/>
+              <a:t>Javascript</a:t>
+            </a:r>
+            <a:r>
+              <a:rPr lang="en-CA" dirty="0"/>
+              <a:t> Object</a:t>
+            </a:r>
+            <a:endParaRPr lang="fr-CA" dirty="0"/>
+          </a:p>
+        </p:txBody>
+      </p:sp>
+    </p:spTree>
+    <p:extLst>
+      <p:ext uri="{BB962C8B-B14F-4D97-AF65-F5344CB8AC3E}">
+        <p14:creationId xmlns:p14="http://schemas.microsoft.com/office/powerpoint/2010/main" val="1557852361"/>
+      </p:ext>
+    </p:extLst>
+  </p:cSld>
+  <p:clrMapOvr>
+    <a:masterClrMapping/>
+  </p:clrMapOvr>
+</p:sld>
+</file>
+
 <file path=ppt/slides/slide18.xml><?xml version="1.0" encoding="utf-8"?>
 <p:sld xmlns:a="http://schemas.openxmlformats.org/drawingml/2006/main" xmlns:r="http://schemas.openxmlformats.org/officeDocument/2006/relationships" xmlns:p="http://schemas.openxmlformats.org/presentationml/2006/main">
   <p:cSld>
@@ -6673,10 +7388,10 @@
       </p:grpSpPr>
       <p:sp>
         <p:nvSpPr>
-          <p:cNvPr id="4" name="Title 3">
-            <a:extLst>
-              <a:ext uri="{FF2B5EF4-FFF2-40B4-BE49-F238E27FC236}">
-                <a16:creationId xmlns:a16="http://schemas.microsoft.com/office/drawing/2014/main" id="{B75295A1-A828-4ADA-BCE1-4C8896295C27}"/>
+          <p:cNvPr id="2" name="Title 1">
+            <a:extLst>
+              <a:ext uri="{FF2B5EF4-FFF2-40B4-BE49-F238E27FC236}">
+                <a16:creationId xmlns:a16="http://schemas.microsoft.com/office/drawing/2014/main" id="{1D6C6600-04FB-4637-AA3C-C2937B604287}"/>
               </a:ext>
             </a:extLst>
           </p:cNvPr>
@@ -6694,38 +7409,25 @@
           <a:p>
             <a:r>
               <a:rPr lang="fr-CA" dirty="0"/>
-              <a:t>4 – </a:t>
-            </a:r>
-            <a:r>
-              <a:rPr lang="fr-CA" dirty="0" err="1"/>
-              <a:t>React</a:t>
-            </a:r>
-            <a:r>
-              <a:rPr lang="fr-CA" dirty="0"/>
-              <a:t> </a:t>
-            </a:r>
-            <a:r>
-              <a:rPr lang="fr-CA" dirty="0" err="1"/>
-              <a:t>Lifecycle</a:t>
-            </a:r>
-            <a:endParaRPr lang="fr-CA" dirty="0"/>
-          </a:p>
-        </p:txBody>
-      </p:sp>
-      <p:sp>
-        <p:nvSpPr>
-          <p:cNvPr id="5" name="Text Placeholder 4">
-            <a:extLst>
-              <a:ext uri="{FF2B5EF4-FFF2-40B4-BE49-F238E27FC236}">
-                <a16:creationId xmlns:a16="http://schemas.microsoft.com/office/drawing/2014/main" id="{9AB539E5-379D-48F0-A141-68E22F6ED824}"/>
-              </a:ext>
-            </a:extLst>
-          </p:cNvPr>
-          <p:cNvSpPr>
-            <a:spLocks noGrp="1"/>
-          </p:cNvSpPr>
-          <p:nvPr>
-            <p:ph type="body" idx="1"/>
+              <a:t>Exos #2.1: « 2-react-element.html »</a:t>
+            </a:r>
+          </a:p>
+        </p:txBody>
+      </p:sp>
+      <p:sp>
+        <p:nvSpPr>
+          <p:cNvPr id="3" name="Content Placeholder 2">
+            <a:extLst>
+              <a:ext uri="{FF2B5EF4-FFF2-40B4-BE49-F238E27FC236}">
+                <a16:creationId xmlns:a16="http://schemas.microsoft.com/office/drawing/2014/main" id="{209DDE88-922C-4C8F-924B-41BF553910DC}"/>
+              </a:ext>
+            </a:extLst>
+          </p:cNvPr>
+          <p:cNvSpPr>
+            <a:spLocks noGrp="1"/>
+          </p:cNvSpPr>
+          <p:nvPr>
+            <p:ph idx="1"/>
           </p:nvPr>
         </p:nvSpPr>
         <p:spPr/>
@@ -6733,14 +7435,84 @@
           <a:bodyPr/>
           <a:lstStyle/>
           <a:p>
-            <a:endParaRPr lang="fr-CA"/>
+            <a:r>
+              <a:rPr lang="fr-CA" dirty="0"/>
+              <a:t>Comprendre que </a:t>
+            </a:r>
+            <a:r>
+              <a:rPr lang="fr-CA" dirty="0" err="1"/>
+              <a:t>ReactElement</a:t>
+            </a:r>
+            <a:r>
+              <a:rPr lang="fr-CA" dirty="0"/>
+              <a:t> est juste un </a:t>
+            </a:r>
+            <a:r>
+              <a:rPr lang="fr-CA" dirty="0" err="1"/>
+              <a:t>object</a:t>
+            </a:r>
+            <a:r>
+              <a:rPr lang="fr-CA" dirty="0"/>
+              <a:t> Javascript en étudiant les commentaires.</a:t>
+            </a:r>
+          </a:p>
+          <a:p>
+            <a:r>
+              <a:rPr lang="en-CA" dirty="0"/>
+              <a:t>C</a:t>
+            </a:r>
+            <a:r>
+              <a:rPr lang="fr-CA" dirty="0" err="1"/>
+              <a:t>omprendre</a:t>
+            </a:r>
+            <a:r>
+              <a:rPr lang="fr-CA" dirty="0"/>
+              <a:t> les différentes façon de créer un </a:t>
+            </a:r>
+            <a:r>
+              <a:rPr lang="fr-CA" dirty="0" err="1"/>
+              <a:t>ReactElement</a:t>
+            </a:r>
+            <a:endParaRPr lang="fr-CA" dirty="0"/>
+          </a:p>
+          <a:p>
+            <a:r>
+              <a:rPr lang="fr-CA" dirty="0"/>
+              <a:t>Pour la méthode </a:t>
+            </a:r>
+            <a:r>
+              <a:rPr lang="fr-CA" dirty="0" err="1"/>
+              <a:t>ReactDOM.render</a:t>
+            </a:r>
+            <a:r>
+              <a:rPr lang="fr-CA" dirty="0"/>
+              <a:t>:</a:t>
+            </a:r>
+          </a:p>
+          <a:p>
+            <a:pPr lvl="1"/>
+            <a:r>
+              <a:rPr lang="fr-CA" dirty="0" err="1"/>
+              <a:t>Render</a:t>
+            </a:r>
+            <a:r>
+              <a:rPr lang="fr-CA" dirty="0"/>
+              <a:t> les façon #1, #2, #3, #4</a:t>
+            </a:r>
+          </a:p>
+          <a:p>
+            <a:pPr lvl="1"/>
+            <a:r>
+              <a:rPr lang="fr-CA" dirty="0"/>
+              <a:t>Comprendre le type de message affiché lorsqu’on le fait mal</a:t>
+            </a:r>
           </a:p>
         </p:txBody>
       </p:sp>
     </p:spTree>
     <p:extLst>
       <p:ext uri="{BB962C8B-B14F-4D97-AF65-F5344CB8AC3E}">
-        <p14:creationId xmlns:p14="http://schemas.microsoft.com/office/powerpoint/2010/main" val="3504496674"/>
+        <p14:creationId xmlns:p14="http://schemas.microsoft.com/office/powerpoint/2010/main" val="2313999836"/>
       </p:ext>
     </p:extLst>
   </p:cSld>
@@ -6772,7 +7544,7 @@
           <p:cNvPr id="2" name="Title 1">
             <a:extLst>
               <a:ext uri="{FF2B5EF4-FFF2-40B4-BE49-F238E27FC236}">
-                <a16:creationId xmlns:a16="http://schemas.microsoft.com/office/drawing/2014/main" id="{57E6E8D8-113B-472E-BBEC-EE4A47A63F6E}"/>
+                <a16:creationId xmlns:a16="http://schemas.microsoft.com/office/drawing/2014/main" id="{26ACBA9A-C772-48F1-ADB4-160A6F2B87BB}"/>
               </a:ext>
             </a:extLst>
           </p:cNvPr>
@@ -6790,67 +7562,77 @@
           <a:p>
             <a:r>
               <a:rPr lang="fr-CA" dirty="0"/>
-              <a:t>Component </a:t>
-            </a:r>
-            <a:r>
-              <a:rPr lang="fr-CA" dirty="0" err="1"/>
-              <a:t>LifeCycle</a:t>
-            </a:r>
+              <a:t>Exos #2.2: « 3-react-instance.html »</a:t>
+            </a:r>
+          </a:p>
+        </p:txBody>
+      </p:sp>
+      <p:sp>
+        <p:nvSpPr>
+          <p:cNvPr id="3" name="Content Placeholder 2">
+            <a:extLst>
+              <a:ext uri="{FF2B5EF4-FFF2-40B4-BE49-F238E27FC236}">
+                <a16:creationId xmlns:a16="http://schemas.microsoft.com/office/drawing/2014/main" id="{3D265ABA-2E39-4ACB-AE32-AE10177C1227}"/>
+              </a:ext>
+            </a:extLst>
+          </p:cNvPr>
+          <p:cNvSpPr>
+            <a:spLocks noGrp="1"/>
+          </p:cNvSpPr>
+          <p:nvPr>
+            <p:ph idx="1"/>
+          </p:nvPr>
+        </p:nvSpPr>
+        <p:spPr/>
+        <p:txBody>
+          <a:bodyPr/>
+          <a:lstStyle/>
+          <a:p>
+            <a:r>
+              <a:rPr lang="fr-CA" dirty="0"/>
+              <a:t>Comprendre le « Component Instance » en suivant les commentaires</a:t>
+            </a:r>
+          </a:p>
+          <a:p>
+            <a:r>
+              <a:rPr lang="fr-CA" dirty="0"/>
+              <a:t>Pourquoi le </a:t>
+            </a:r>
+            <a:r>
+              <a:rPr lang="fr-CA" dirty="0" err="1"/>
+              <a:t>function</a:t>
+            </a:r>
+            <a:r>
+              <a:rPr lang="fr-CA" dirty="0"/>
+              <a:t>-component n’a pas d’instance?</a:t>
+            </a:r>
+          </a:p>
+          <a:p>
+            <a:r>
+              <a:rPr lang="fr-CA" dirty="0"/>
+              <a:t>À partir de la console call </a:t>
+            </a:r>
+            <a:r>
+              <a:rPr lang="fr-CA" dirty="0" err="1"/>
+              <a:t>toggleMoment</a:t>
+            </a:r>
+            <a:r>
+              <a:rPr lang="fr-CA" dirty="0"/>
+              <a:t>() sur le component</a:t>
+            </a:r>
+          </a:p>
+          <a:p>
+            <a:pPr marL="0" indent="0">
+              <a:buNone/>
+            </a:pPr>
             <a:endParaRPr lang="fr-CA" dirty="0"/>
           </a:p>
         </p:txBody>
       </p:sp>
-      <p:pic>
-        <p:nvPicPr>
-          <p:cNvPr id="2050" name="Picture 2" descr="Image result for react component lifecycle">
-            <a:extLst>
-              <a:ext uri="{FF2B5EF4-FFF2-40B4-BE49-F238E27FC236}">
-                <a16:creationId xmlns:a16="http://schemas.microsoft.com/office/drawing/2014/main" id="{8998ED41-0C91-47F3-858A-CA196907AB57}"/>
-              </a:ext>
-            </a:extLst>
-          </p:cNvPr>
-          <p:cNvPicPr>
-            <a:picLocks noChangeAspect="1" noChangeArrowheads="1"/>
-          </p:cNvPicPr>
-          <p:nvPr/>
-        </p:nvPicPr>
-        <p:blipFill>
-          <a:blip r:embed="rId2">
-            <a:extLst>
-              <a:ext uri="{28A0092B-C50C-407E-A947-70E740481C1C}">
-                <a14:useLocalDpi xmlns:a14="http://schemas.microsoft.com/office/drawing/2010/main" val="0"/>
-              </a:ext>
-            </a:extLst>
-          </a:blip>
-          <a:srcRect/>
-          <a:stretch>
-            <a:fillRect/>
-          </a:stretch>
-        </p:blipFill>
-        <p:spPr bwMode="auto">
-          <a:xfrm>
-            <a:off x="1358205" y="1613898"/>
-            <a:ext cx="8953081" cy="4904377"/>
-          </a:xfrm>
-          <a:prstGeom prst="rect">
-            <a:avLst/>
-          </a:prstGeom>
-          <a:noFill/>
-          <a:extLst>
-            <a:ext uri="{909E8E84-426E-40DD-AFC4-6F175D3DCCD1}">
-              <a14:hiddenFill xmlns:a14="http://schemas.microsoft.com/office/drawing/2010/main">
-                <a:solidFill>
-                  <a:srgbClr val="FFFFFF"/>
-                </a:solidFill>
-              </a14:hiddenFill>
-            </a:ext>
-          </a:extLst>
-        </p:spPr>
-      </p:pic>
     </p:spTree>
     <p:extLst>
       <p:ext uri="{BB962C8B-B14F-4D97-AF65-F5344CB8AC3E}">
-        <p14:creationId xmlns:p14="http://schemas.microsoft.com/office/powerpoint/2010/main" val="1561951365"/>
+        <p14:creationId xmlns:p14="http://schemas.microsoft.com/office/powerpoint/2010/main" val="3372637935"/>
       </p:ext>
     </p:extLst>
   </p:cSld>
@@ -6932,59 +7714,22 @@
           <a:p>
             <a:pPr lvl="1"/>
             <a:r>
-              <a:rPr lang="fr-CA" dirty="0"/>
-              <a:t>Comparer arbre DOM et </a:t>
-            </a:r>
-            <a:r>
-              <a:rPr lang="fr-CA" dirty="0" err="1"/>
-              <a:t>virtual</a:t>
-            </a:r>
-            <a:r>
-              <a:rPr lang="fr-CA" dirty="0"/>
-              <a:t> </a:t>
-            </a:r>
+              <a:rPr lang="fr-CA" dirty="0">
+                <a:hlinkClick r:id="rId2"/>
+              </a:rPr>
+              <a:t>https://reactkungfu.com/2015/10/the-difference-between-virtual-dom-and-dom/</a:t>
+            </a:r>
+            <a:endParaRPr lang="fr-CA" dirty="0"/>
           </a:p>
           <a:p>
             <a:pPr lvl="1"/>
             <a:r>
-              <a:rPr lang="fr-CA" dirty="0"/>
-              <a:t>Mentionner format </a:t>
-            </a:r>
-            <a:r>
-              <a:rPr lang="fr-CA" dirty="0" err="1"/>
-              <a:t>jsx</a:t>
+              <a:rPr lang="fr-CA" dirty="0">
+                <a:hlinkClick r:id="rId3"/>
+              </a:rPr>
+              <a:t>https://www.codecademy.com/articles/react-virtual-dom</a:t>
             </a:r>
             <a:endParaRPr lang="fr-CA" dirty="0"/>
-          </a:p>
-          <a:p>
-            <a:pPr lvl="1"/>
-            <a:r>
-              <a:rPr lang="fr-CA" dirty="0"/>
-              <a:t>Switch 2 et 3</a:t>
-            </a:r>
-          </a:p>
-          <a:p>
-            <a:pPr lvl="1"/>
-            <a:r>
-              <a:rPr lang="fr-CA" dirty="0"/>
-              <a:t>Switch </a:t>
-            </a:r>
-            <a:r>
-              <a:rPr lang="fr-CA" dirty="0" err="1"/>
-              <a:t>lifecycle</a:t>
-            </a:r>
-            <a:r>
-              <a:rPr lang="fr-CA" dirty="0"/>
-              <a:t> et </a:t>
-            </a:r>
-            <a:r>
-              <a:rPr lang="fr-CA" dirty="0" err="1"/>
-              <a:t>render</a:t>
-            </a:r>
-            <a:r>
-              <a:rPr lang="fr-CA" dirty="0"/>
-              <a:t> (tout suite après Virtual DOM)</a:t>
-            </a:r>
           </a:p>
         </p:txBody>
       </p:sp>
@@ -7020,10 +7765,10 @@
       </p:grpSpPr>
       <p:sp>
         <p:nvSpPr>
-          <p:cNvPr id="2" name="Title 1">
-            <a:extLst>
-              <a:ext uri="{FF2B5EF4-FFF2-40B4-BE49-F238E27FC236}">
-                <a16:creationId xmlns:a16="http://schemas.microsoft.com/office/drawing/2014/main" id="{AA65C3F0-8428-48AE-8FBA-78CC105C44CA}"/>
+          <p:cNvPr id="4" name="Title 3">
+            <a:extLst>
+              <a:ext uri="{FF2B5EF4-FFF2-40B4-BE49-F238E27FC236}">
+                <a16:creationId xmlns:a16="http://schemas.microsoft.com/office/drawing/2014/main" id="{B75295A1-A828-4ADA-BCE1-4C8896295C27}"/>
               </a:ext>
             </a:extLst>
           </p:cNvPr>
@@ -7041,515 +7786,63 @@
           <a:p>
             <a:r>
               <a:rPr lang="fr-CA" dirty="0"/>
-              <a:t>How and </a:t>
-            </a:r>
-            <a:r>
-              <a:rPr lang="fr-CA" dirty="0" err="1"/>
-              <a:t>When</a:t>
-            </a:r>
-            <a:r>
-              <a:rPr lang="fr-CA" dirty="0"/>
-              <a:t> use </a:t>
-            </a:r>
-            <a:r>
-              <a:rPr lang="fr-CA" dirty="0" err="1"/>
-              <a:t>lifecycle</a:t>
-            </a:r>
-            <a:r>
-              <a:rPr lang="fr-CA" dirty="0"/>
-              <a:t> </a:t>
-            </a:r>
-            <a:r>
-              <a:rPr lang="fr-CA" dirty="0" err="1"/>
-              <a:t>method</a:t>
-            </a:r>
-            <a:endParaRPr lang="fr-CA" dirty="0"/>
-          </a:p>
-        </p:txBody>
-      </p:sp>
-      <p:graphicFrame>
-        <p:nvGraphicFramePr>
-          <p:cNvPr id="4" name="Content Placeholder 3">
-            <a:extLst>
-              <a:ext uri="{FF2B5EF4-FFF2-40B4-BE49-F238E27FC236}">
-                <a16:creationId xmlns:a16="http://schemas.microsoft.com/office/drawing/2014/main" id="{205428AB-9D70-4678-A192-863BBE998C77}"/>
-              </a:ext>
-            </a:extLst>
-          </p:cNvPr>
-          <p:cNvGraphicFramePr>
-            <a:graphicFrameLocks noGrp="1"/>
-          </p:cNvGraphicFramePr>
-          <p:nvPr>
-            <p:ph idx="1"/>
-            <p:extLst>
-              <p:ext uri="{D42A27DB-BD31-4B8C-83A1-F6EECF244321}">
-                <p14:modId xmlns:p14="http://schemas.microsoft.com/office/powerpoint/2010/main" val="2103627486"/>
-              </p:ext>
-            </p:extLst>
-          </p:nvPr>
-        </p:nvGraphicFramePr>
-        <p:xfrm>
-          <a:off x="117230" y="1453528"/>
-          <a:ext cx="11957539" cy="5038234"/>
-        </p:xfrm>
-        <a:graphic>
-          <a:graphicData uri="http://schemas.openxmlformats.org/drawingml/2006/table">
-            <a:tbl>
-              <a:tblPr firstRow="1" bandRow="1">
-                <a:tableStyleId>{5C22544A-7EE6-4342-B048-85BDC9FD1C3A}</a:tableStyleId>
-              </a:tblPr>
-              <a:tblGrid>
-                <a:gridCol w="4245793">
-                  <a:extLst>
-                    <a:ext uri="{9D8B030D-6E8A-4147-A177-3AD203B41FA5}">
-                      <a16:colId xmlns:a16="http://schemas.microsoft.com/office/drawing/2014/main" val="181093278"/>
-                    </a:ext>
-                  </a:extLst>
-                </a:gridCol>
-                <a:gridCol w="7711746">
-                  <a:extLst>
-                    <a:ext uri="{9D8B030D-6E8A-4147-A177-3AD203B41FA5}">
-                      <a16:colId xmlns:a16="http://schemas.microsoft.com/office/drawing/2014/main" val="209439746"/>
-                    </a:ext>
-                  </a:extLst>
-                </a:gridCol>
-              </a:tblGrid>
-              <a:tr h="694940">
-                <a:tc>
-                  <a:txBody>
-                    <a:bodyPr/>
-                    <a:lstStyle/>
-                    <a:p>
-                      <a:r>
-                        <a:rPr lang="fr-CA" dirty="0"/>
-                        <a:t>Méthode du </a:t>
-                      </a:r>
-                      <a:r>
-                        <a:rPr lang="fr-CA" dirty="0" err="1"/>
-                        <a:t>lifecyle</a:t>
-                      </a:r>
-                      <a:endParaRPr lang="fr-CA" dirty="0"/>
-                    </a:p>
-                  </a:txBody>
-                  <a:tcPr/>
-                </a:tc>
-                <a:tc>
-                  <a:txBody>
-                    <a:bodyPr/>
-                    <a:lstStyle/>
-                    <a:p>
-                      <a:r>
-                        <a:rPr lang="fr-CA" dirty="0"/>
-                        <a:t>Détails</a:t>
-                      </a:r>
-                    </a:p>
-                  </a:txBody>
-                  <a:tcPr/>
-                </a:tc>
-                <a:extLst>
-                  <a:ext uri="{0D108BD9-81ED-4DB2-BD59-A6C34878D82A}">
-                    <a16:rowId xmlns:a16="http://schemas.microsoft.com/office/drawing/2014/main" val="3691666161"/>
-                  </a:ext>
-                </a:extLst>
-              </a:tr>
-              <a:tr h="549012">
-                <a:tc>
-                  <a:txBody>
-                    <a:bodyPr/>
-                    <a:lstStyle/>
-                    <a:p>
-                      <a:r>
-                        <a:rPr lang="fr-CA" dirty="0" err="1"/>
-                        <a:t>render</a:t>
-                      </a:r>
-                      <a:r>
-                        <a:rPr lang="fr-CA" dirty="0"/>
-                        <a:t>()</a:t>
-                      </a:r>
-                    </a:p>
-                  </a:txBody>
-                  <a:tcPr/>
-                </a:tc>
-                <a:tc>
-                  <a:txBody>
-                    <a:bodyPr/>
-                    <a:lstStyle/>
-                    <a:p>
-                      <a:pPr marL="285750" indent="-285750">
-                        <a:buFont typeface="Arial" panose="020B0604020202020204" pitchFamily="34" charset="0"/>
-                        <a:buChar char="•"/>
-                      </a:pPr>
-                      <a:r>
-                        <a:rPr lang="fr-CA" dirty="0"/>
-                        <a:t>Retourne un </a:t>
-                      </a:r>
-                      <a:r>
-                        <a:rPr lang="fr-CA" dirty="0" err="1"/>
-                        <a:t>reactElement</a:t>
-                      </a:r>
-                      <a:endParaRPr lang="fr-CA" dirty="0"/>
-                    </a:p>
-                  </a:txBody>
-                  <a:tcPr/>
-                </a:tc>
-                <a:extLst>
-                  <a:ext uri="{0D108BD9-81ED-4DB2-BD59-A6C34878D82A}">
-                    <a16:rowId xmlns:a16="http://schemas.microsoft.com/office/drawing/2014/main" val="3049361081"/>
-                  </a:ext>
-                </a:extLst>
-              </a:tr>
-              <a:tr h="925528">
-                <a:tc>
-                  <a:txBody>
-                    <a:bodyPr/>
-                    <a:lstStyle/>
-                    <a:p>
-                      <a:r>
-                        <a:rPr lang="fr-CA" dirty="0" err="1"/>
-                        <a:t>componentDidMount</a:t>
-                      </a:r>
-                      <a:r>
-                        <a:rPr lang="fr-CA" dirty="0"/>
-                        <a:t>()</a:t>
-                      </a:r>
-                    </a:p>
-                  </a:txBody>
-                  <a:tcPr/>
-                </a:tc>
-                <a:tc>
-                  <a:txBody>
-                    <a:bodyPr/>
-                    <a:lstStyle/>
-                    <a:p>
-                      <a:pPr marL="285750" indent="-285750">
-                        <a:buFont typeface="Arial" panose="020B0604020202020204" pitchFamily="34" charset="0"/>
-                        <a:buChar char="•"/>
-                      </a:pPr>
-                      <a:r>
-                        <a:rPr lang="fr-CA" dirty="0"/>
-                        <a:t>Appelé 1 seul fois une fois que le component à été monter sur le DOM du browser</a:t>
-                      </a:r>
-                    </a:p>
-                    <a:p>
-                      <a:pPr marL="285750" indent="-285750">
-                        <a:buFont typeface="Arial" panose="020B0604020202020204" pitchFamily="34" charset="0"/>
-                        <a:buChar char="•"/>
-                      </a:pPr>
-                      <a:r>
-                        <a:rPr lang="fr-CA" dirty="0"/>
-                        <a:t>Endroit idéal pour faire </a:t>
-                      </a:r>
-                      <a:r>
-                        <a:rPr lang="fr-CA" dirty="0" err="1"/>
-                        <a:t>fetch</a:t>
-                      </a:r>
-                      <a:r>
-                        <a:rPr lang="fr-CA" dirty="0"/>
-                        <a:t> de data</a:t>
-                      </a:r>
-                    </a:p>
-                  </a:txBody>
-                  <a:tcPr/>
-                </a:tc>
-                <a:extLst>
-                  <a:ext uri="{0D108BD9-81ED-4DB2-BD59-A6C34878D82A}">
-                    <a16:rowId xmlns:a16="http://schemas.microsoft.com/office/drawing/2014/main" val="2293805067"/>
-                  </a:ext>
-                </a:extLst>
-              </a:tr>
-              <a:tr h="869534">
-                <a:tc>
-                  <a:txBody>
-                    <a:bodyPr/>
-                    <a:lstStyle/>
-                    <a:p>
-                      <a:r>
-                        <a:rPr lang="fr-CA" dirty="0" err="1"/>
-                        <a:t>shouldComponentUpdate</a:t>
-                      </a:r>
-                      <a:r>
-                        <a:rPr lang="fr-CA" dirty="0"/>
-                        <a:t>(</a:t>
-                      </a:r>
-                      <a:r>
-                        <a:rPr lang="fr-CA" dirty="0" err="1"/>
-                        <a:t>nextProps</a:t>
-                      </a:r>
-                      <a:r>
-                        <a:rPr lang="fr-CA" dirty="0"/>
-                        <a:t>, </a:t>
-                      </a:r>
-                      <a:r>
-                        <a:rPr lang="fr-CA" dirty="0" err="1"/>
-                        <a:t>nextState</a:t>
-                      </a:r>
-                      <a:r>
-                        <a:rPr lang="fr-CA" dirty="0"/>
-                        <a:t>)</a:t>
-                      </a:r>
-                    </a:p>
-                  </a:txBody>
-                  <a:tcPr/>
-                </a:tc>
-                <a:tc>
-                  <a:txBody>
-                    <a:bodyPr/>
-                    <a:lstStyle/>
-                    <a:p>
-                      <a:pPr marL="285750" indent="-285750">
-                        <a:buFont typeface="Arial" panose="020B0604020202020204" pitchFamily="34" charset="0"/>
-                        <a:buChar char="•"/>
-                      </a:pPr>
-                      <a:r>
-                        <a:rPr lang="fr-CA" dirty="0"/>
-                        <a:t>Indique s’il est nécessaire d’effectuer un nouveau </a:t>
-                      </a:r>
-                      <a:r>
-                        <a:rPr lang="fr-CA" dirty="0" err="1"/>
-                        <a:t>render</a:t>
-                      </a:r>
-                      <a:r>
-                        <a:rPr lang="fr-CA" dirty="0"/>
-                        <a:t> </a:t>
-                      </a:r>
-                    </a:p>
-                    <a:p>
-                      <a:pPr marL="285750" indent="-285750">
-                        <a:buFont typeface="Arial" panose="020B0604020202020204" pitchFamily="34" charset="0"/>
-                        <a:buChar char="•"/>
-                      </a:pPr>
-                      <a:r>
-                        <a:rPr lang="fr-CA" dirty="0"/>
-                        <a:t>Retourne un </a:t>
-                      </a:r>
-                      <a:r>
-                        <a:rPr lang="fr-CA" dirty="0" err="1"/>
-                        <a:t>bool</a:t>
-                      </a:r>
-                      <a:endParaRPr lang="fr-CA" dirty="0"/>
-                    </a:p>
-                    <a:p>
-                      <a:pPr marL="285750" indent="-285750">
-                        <a:buFont typeface="Arial" panose="020B0604020202020204" pitchFamily="34" charset="0"/>
-                        <a:buChar char="•"/>
-                      </a:pPr>
-                      <a:r>
-                        <a:rPr lang="fr-CA" dirty="0" err="1"/>
-                        <a:t>React.Component</a:t>
-                      </a:r>
-                      <a:r>
-                        <a:rPr lang="fr-CA" dirty="0"/>
-                        <a:t> retourne </a:t>
-                      </a:r>
-                      <a:r>
-                        <a:rPr lang="fr-CA" dirty="0" err="1"/>
-                        <a:t>true</a:t>
-                      </a:r>
-                      <a:r>
-                        <a:rPr lang="fr-CA" dirty="0"/>
-                        <a:t> par défaut</a:t>
-                      </a:r>
-                    </a:p>
-                  </a:txBody>
-                  <a:tcPr/>
-                </a:tc>
-                <a:extLst>
-                  <a:ext uri="{0D108BD9-81ED-4DB2-BD59-A6C34878D82A}">
-                    <a16:rowId xmlns:a16="http://schemas.microsoft.com/office/drawing/2014/main" val="738618961"/>
-                  </a:ext>
-                </a:extLst>
-              </a:tr>
-              <a:tr h="754870">
-                <a:tc>
-                  <a:txBody>
-                    <a:bodyPr/>
-                    <a:lstStyle/>
-                    <a:p>
-                      <a:r>
-                        <a:rPr lang="fr-CA" dirty="0" err="1"/>
-                        <a:t>componentDidUpdate</a:t>
-                      </a:r>
-                      <a:r>
-                        <a:rPr lang="fr-CA" dirty="0"/>
-                        <a:t>(</a:t>
-                      </a:r>
-                      <a:r>
-                        <a:rPr lang="fr-CA" dirty="0" err="1"/>
-                        <a:t>prevProps</a:t>
-                      </a:r>
-                      <a:r>
-                        <a:rPr lang="fr-CA" dirty="0"/>
-                        <a:t>, </a:t>
-                      </a:r>
-                      <a:r>
-                        <a:rPr lang="fr-CA" dirty="0" err="1"/>
-                        <a:t>prevState</a:t>
-                      </a:r>
-                      <a:r>
-                        <a:rPr lang="fr-CA" dirty="0"/>
-                        <a:t>, snapshot)</a:t>
-                      </a:r>
-                    </a:p>
-                  </a:txBody>
-                  <a:tcPr/>
-                </a:tc>
-                <a:tc>
-                  <a:txBody>
-                    <a:bodyPr/>
-                    <a:lstStyle/>
-                    <a:p>
-                      <a:pPr marL="285750" indent="-285750">
-                        <a:buFont typeface="Arial" panose="020B0604020202020204" pitchFamily="34" charset="0"/>
-                        <a:buChar char="•"/>
-                      </a:pPr>
-                      <a:r>
-                        <a:rPr lang="fr-CA" dirty="0"/>
-                        <a:t>À utiliser de façon similaire à </a:t>
-                      </a:r>
-                      <a:r>
-                        <a:rPr lang="fr-CA" dirty="0" err="1"/>
-                        <a:t>componentDidMount</a:t>
-                      </a:r>
-                      <a:r>
-                        <a:rPr lang="fr-CA" dirty="0"/>
-                        <a:t>()</a:t>
-                      </a:r>
-                    </a:p>
-                    <a:p>
-                      <a:pPr marL="285750" indent="-285750">
-                        <a:buFont typeface="Arial" panose="020B0604020202020204" pitchFamily="34" charset="0"/>
-                        <a:buChar char="•"/>
-                      </a:pPr>
-                      <a:r>
-                        <a:rPr lang="fr-CA" dirty="0"/>
-                        <a:t>Si on utilise </a:t>
-                      </a:r>
-                      <a:r>
-                        <a:rPr lang="fr-CA" dirty="0" err="1"/>
-                        <a:t>setState</a:t>
-                      </a:r>
-                      <a:r>
-                        <a:rPr lang="fr-CA" dirty="0"/>
-                        <a:t>, mettre une condition sinon boucle </a:t>
-                      </a:r>
-                      <a:r>
-                        <a:rPr lang="fr-CA" dirty="0" err="1"/>
-                        <a:t>infinit</a:t>
-                      </a:r>
-                      <a:endParaRPr lang="fr-CA" dirty="0"/>
-                    </a:p>
-                  </a:txBody>
-                  <a:tcPr/>
-                </a:tc>
-                <a:extLst>
-                  <a:ext uri="{0D108BD9-81ED-4DB2-BD59-A6C34878D82A}">
-                    <a16:rowId xmlns:a16="http://schemas.microsoft.com/office/drawing/2014/main" val="7677006"/>
-                  </a:ext>
-                </a:extLst>
-              </a:tr>
-              <a:tr h="1199484">
-                <a:tc>
-                  <a:txBody>
-                    <a:bodyPr/>
-                    <a:lstStyle/>
-                    <a:p>
-                      <a:r>
-                        <a:rPr lang="fr-CA" dirty="0" err="1"/>
-                        <a:t>componentWillUnmount</a:t>
-                      </a:r>
-                      <a:r>
-                        <a:rPr lang="fr-CA" dirty="0"/>
-                        <a:t>()</a:t>
-                      </a:r>
-                    </a:p>
-                  </a:txBody>
-                  <a:tcPr/>
-                </a:tc>
-                <a:tc>
-                  <a:txBody>
-                    <a:bodyPr/>
-                    <a:lstStyle/>
-                    <a:p>
-                      <a:pPr marL="285750" indent="-285750">
-                        <a:buFont typeface="Arial" panose="020B0604020202020204" pitchFamily="34" charset="0"/>
-                        <a:buChar char="•"/>
-                      </a:pPr>
-                      <a:r>
-                        <a:rPr lang="fr-CA" dirty="0"/>
-                        <a:t>Avant qu’il soit </a:t>
-                      </a:r>
-                      <a:r>
-                        <a:rPr lang="fr-CA" dirty="0" err="1"/>
-                        <a:t>unmount</a:t>
-                      </a:r>
-                      <a:r>
-                        <a:rPr lang="fr-CA" dirty="0"/>
-                        <a:t> du DOM </a:t>
-                      </a:r>
-                    </a:p>
-                    <a:p>
-                      <a:pPr marL="285750" indent="-285750">
-                        <a:buFont typeface="Arial" panose="020B0604020202020204" pitchFamily="34" charset="0"/>
-                        <a:buChar char="•"/>
-                      </a:pPr>
-                      <a:r>
-                        <a:rPr lang="fr-CA" dirty="0"/>
-                        <a:t>Ne pas utiliser </a:t>
-                      </a:r>
-                      <a:r>
-                        <a:rPr lang="fr-CA" dirty="0" err="1"/>
-                        <a:t>setState</a:t>
-                      </a:r>
-                      <a:endParaRPr lang="fr-CA" dirty="0"/>
-                    </a:p>
-                    <a:p>
-                      <a:pPr marL="285750" indent="-285750">
-                        <a:buFont typeface="Arial" panose="020B0604020202020204" pitchFamily="34" charset="0"/>
-                        <a:buChar char="•"/>
-                      </a:pPr>
-                      <a:r>
-                        <a:rPr lang="fr-CA" dirty="0"/>
-                        <a:t>Endroit pour nettoyer les </a:t>
-                      </a:r>
-                      <a:r>
-                        <a:rPr lang="fr-CA" dirty="0" err="1"/>
-                        <a:t>timers</a:t>
-                      </a:r>
-                      <a:r>
-                        <a:rPr lang="fr-CA" dirty="0"/>
-                        <a:t>, process et </a:t>
-                      </a:r>
-                      <a:r>
-                        <a:rPr lang="fr-CA" dirty="0" err="1"/>
-                        <a:t>event</a:t>
-                      </a:r>
-                      <a:r>
-                        <a:rPr lang="fr-CA" dirty="0"/>
-                        <a:t> </a:t>
-                      </a:r>
-                      <a:r>
-                        <a:rPr lang="fr-CA" dirty="0" err="1"/>
-                        <a:t>listeners</a:t>
-                      </a:r>
-                      <a:endParaRPr lang="fr-CA" dirty="0"/>
-                    </a:p>
-                  </a:txBody>
-                  <a:tcPr/>
-                </a:tc>
-                <a:extLst>
-                  <a:ext uri="{0D108BD9-81ED-4DB2-BD59-A6C34878D82A}">
-                    <a16:rowId xmlns:a16="http://schemas.microsoft.com/office/drawing/2014/main" val="3437331998"/>
-                  </a:ext>
-                </a:extLst>
-              </a:tr>
-            </a:tbl>
-          </a:graphicData>
-        </a:graphic>
-      </p:graphicFrame>
+              <a:t>4 – </a:t>
+            </a:r>
+            <a:r>
+              <a:rPr lang="fr-CA" dirty="0" err="1"/>
+              <a:t>Render</a:t>
+            </a:r>
+            <a:r>
+              <a:rPr lang="fr-CA" dirty="0"/>
+              <a:t> &amp; Réconciliation</a:t>
+            </a:r>
+          </a:p>
+        </p:txBody>
+      </p:sp>
+      <p:sp>
+        <p:nvSpPr>
+          <p:cNvPr id="5" name="Text Placeholder 4">
+            <a:extLst>
+              <a:ext uri="{FF2B5EF4-FFF2-40B4-BE49-F238E27FC236}">
+                <a16:creationId xmlns:a16="http://schemas.microsoft.com/office/drawing/2014/main" id="{9AB539E5-379D-48F0-A141-68E22F6ED824}"/>
+              </a:ext>
+            </a:extLst>
+          </p:cNvPr>
+          <p:cNvSpPr>
+            <a:spLocks noGrp="1"/>
+          </p:cNvSpPr>
+          <p:nvPr>
+            <p:ph type="body" idx="1"/>
+          </p:nvPr>
+        </p:nvSpPr>
+        <p:spPr/>
+        <p:txBody>
+          <a:bodyPr/>
+          <a:lstStyle/>
+          <a:p>
+            <a:pPr marL="342900" indent="-342900">
+              <a:buFontTx/>
+              <a:buChar char="-"/>
+            </a:pPr>
+            <a:r>
+              <a:rPr lang="fr-CA" dirty="0"/>
+              <a:t>2 phases où des optimisations sont possibles (</a:t>
+            </a:r>
+            <a:r>
+              <a:rPr lang="fr-CA" dirty="0" err="1"/>
+              <a:t>hype</a:t>
+            </a:r>
+            <a:r>
+              <a:rPr lang="fr-CA" dirty="0"/>
+              <a:t>!)</a:t>
+            </a:r>
+          </a:p>
+        </p:txBody>
+      </p:sp>
     </p:spTree>
     <p:extLst>
       <p:ext uri="{BB962C8B-B14F-4D97-AF65-F5344CB8AC3E}">
-        <p14:creationId xmlns:p14="http://schemas.microsoft.com/office/powerpoint/2010/main" val="1204436758"/>
+        <p14:creationId xmlns:p14="http://schemas.microsoft.com/office/powerpoint/2010/main" val="3282056198"/>
       </p:ext>
     </p:extLst>
   </p:cSld>
@@ -7578,10 +7871,10 @@
       </p:grpSpPr>
       <p:sp>
         <p:nvSpPr>
-          <p:cNvPr id="2" name="Title 1">
-            <a:extLst>
-              <a:ext uri="{FF2B5EF4-FFF2-40B4-BE49-F238E27FC236}">
-                <a16:creationId xmlns:a16="http://schemas.microsoft.com/office/drawing/2014/main" id="{AA65C3F0-8428-48AE-8FBA-78CC105C44CA}"/>
+          <p:cNvPr id="4" name="Title 3">
+            <a:extLst>
+              <a:ext uri="{FF2B5EF4-FFF2-40B4-BE49-F238E27FC236}">
+                <a16:creationId xmlns:a16="http://schemas.microsoft.com/office/drawing/2014/main" id="{AF7BED35-368A-418E-B43C-5F1F49702A60}"/>
               </a:ext>
             </a:extLst>
           </p:cNvPr>
@@ -7592,347 +7885,100 @@
             <p:ph type="title"/>
           </p:nvPr>
         </p:nvSpPr>
-        <p:spPr>
-          <a:xfrm>
-            <a:off x="838200" y="365125"/>
-            <a:ext cx="10975848" cy="1325563"/>
-          </a:xfrm>
-        </p:spPr>
+        <p:spPr/>
         <p:txBody>
           <a:bodyPr/>
           <a:lstStyle/>
           <a:p>
             <a:r>
               <a:rPr lang="fr-CA" dirty="0"/>
-              <a:t>How and </a:t>
-            </a:r>
-            <a:r>
-              <a:rPr lang="fr-CA" dirty="0" err="1"/>
-              <a:t>When</a:t>
-            </a:r>
-            <a:r>
-              <a:rPr lang="fr-CA" dirty="0"/>
-              <a:t> use </a:t>
-            </a:r>
-            <a:r>
-              <a:rPr lang="fr-CA" dirty="0" err="1"/>
-              <a:t>lifecycle</a:t>
-            </a:r>
-            <a:r>
-              <a:rPr lang="fr-CA" dirty="0"/>
-              <a:t> </a:t>
-            </a:r>
-            <a:r>
-              <a:rPr lang="fr-CA" dirty="0" err="1"/>
-              <a:t>method</a:t>
-            </a:r>
-            <a:r>
-              <a:rPr lang="fr-CA" dirty="0"/>
-              <a:t> (</a:t>
-            </a:r>
-            <a:r>
-              <a:rPr lang="fr-CA" dirty="0" err="1"/>
-              <a:t>React</a:t>
-            </a:r>
-            <a:r>
-              <a:rPr lang="fr-CA" dirty="0"/>
-              <a:t> 16)</a:t>
-            </a:r>
-          </a:p>
-        </p:txBody>
-      </p:sp>
-      <p:graphicFrame>
-        <p:nvGraphicFramePr>
-          <p:cNvPr id="4" name="Content Placeholder 3">
-            <a:extLst>
-              <a:ext uri="{FF2B5EF4-FFF2-40B4-BE49-F238E27FC236}">
-                <a16:creationId xmlns:a16="http://schemas.microsoft.com/office/drawing/2014/main" id="{205428AB-9D70-4678-A192-863BBE998C77}"/>
-              </a:ext>
-            </a:extLst>
-          </p:cNvPr>
-          <p:cNvGraphicFramePr>
-            <a:graphicFrameLocks noGrp="1"/>
-          </p:cNvGraphicFramePr>
+              <a:t>Du </a:t>
+            </a:r>
+            <a:r>
+              <a:rPr lang="fr-CA" dirty="0" err="1"/>
+              <a:t>virtual</a:t>
+            </a:r>
+            <a:r>
+              <a:rPr lang="fr-CA" dirty="0"/>
+              <a:t> DOM au vrai DOM</a:t>
+            </a:r>
+          </a:p>
+        </p:txBody>
+      </p:sp>
+      <p:sp>
+        <p:nvSpPr>
+          <p:cNvPr id="5" name="Content Placeholder 4">
+            <a:extLst>
+              <a:ext uri="{FF2B5EF4-FFF2-40B4-BE49-F238E27FC236}">
+                <a16:creationId xmlns:a16="http://schemas.microsoft.com/office/drawing/2014/main" id="{41064AAF-7132-4373-9F9C-D23B34966D0B}"/>
+              </a:ext>
+            </a:extLst>
+          </p:cNvPr>
+          <p:cNvSpPr>
+            <a:spLocks noGrp="1"/>
+          </p:cNvSpPr>
           <p:nvPr>
             <p:ph idx="1"/>
-            <p:extLst>
-              <p:ext uri="{D42A27DB-BD31-4B8C-83A1-F6EECF244321}">
-                <p14:modId xmlns:p14="http://schemas.microsoft.com/office/powerpoint/2010/main" val="394508774"/>
-              </p:ext>
-            </p:extLst>
-          </p:nvPr>
-        </p:nvGraphicFramePr>
-        <p:xfrm>
-          <a:off x="117230" y="1453528"/>
-          <a:ext cx="11957539" cy="2779760"/>
-        </p:xfrm>
-        <a:graphic>
-          <a:graphicData uri="http://schemas.openxmlformats.org/drawingml/2006/table">
-            <a:tbl>
-              <a:tblPr firstRow="1" bandRow="1">
-                <a:tableStyleId>{5C22544A-7EE6-4342-B048-85BDC9FD1C3A}</a:tableStyleId>
-              </a:tblPr>
-              <a:tblGrid>
-                <a:gridCol w="4245793">
-                  <a:extLst>
-                    <a:ext uri="{9D8B030D-6E8A-4147-A177-3AD203B41FA5}">
-                      <a16:colId xmlns:a16="http://schemas.microsoft.com/office/drawing/2014/main" val="181093278"/>
-                    </a:ext>
-                  </a:extLst>
-                </a:gridCol>
-                <a:gridCol w="7711746">
-                  <a:extLst>
-                    <a:ext uri="{9D8B030D-6E8A-4147-A177-3AD203B41FA5}">
-                      <a16:colId xmlns:a16="http://schemas.microsoft.com/office/drawing/2014/main" val="209439746"/>
-                    </a:ext>
-                  </a:extLst>
-                </a:gridCol>
-              </a:tblGrid>
-              <a:tr h="694940">
-                <a:tc>
-                  <a:txBody>
-                    <a:bodyPr/>
-                    <a:lstStyle/>
-                    <a:p>
-                      <a:r>
-                        <a:rPr lang="fr-CA" dirty="0"/>
-                        <a:t>Méthode du </a:t>
-                      </a:r>
-                      <a:r>
-                        <a:rPr lang="fr-CA" dirty="0" err="1"/>
-                        <a:t>lifecyle</a:t>
-                      </a:r>
-                      <a:endParaRPr lang="fr-CA" dirty="0"/>
-                    </a:p>
-                  </a:txBody>
-                  <a:tcPr/>
-                </a:tc>
-                <a:tc>
-                  <a:txBody>
-                    <a:bodyPr/>
-                    <a:lstStyle/>
-                    <a:p>
-                      <a:r>
-                        <a:rPr lang="fr-CA" dirty="0"/>
-                        <a:t>Détails</a:t>
-                      </a:r>
-                    </a:p>
-                  </a:txBody>
-                  <a:tcPr/>
-                </a:tc>
-                <a:extLst>
-                  <a:ext uri="{0D108BD9-81ED-4DB2-BD59-A6C34878D82A}">
-                    <a16:rowId xmlns:a16="http://schemas.microsoft.com/office/drawing/2014/main" val="3691666161"/>
-                  </a:ext>
-                </a:extLst>
-              </a:tr>
-              <a:tr h="694940">
-                <a:tc>
-                  <a:txBody>
-                    <a:bodyPr/>
-                    <a:lstStyle/>
-                    <a:p>
-                      <a:r>
-                        <a:rPr lang="fr-CA" dirty="0" err="1"/>
-                        <a:t>getDerivedStateFromProps</a:t>
-                      </a:r>
-                      <a:r>
-                        <a:rPr lang="fr-CA" dirty="0"/>
-                        <a:t>(</a:t>
-                      </a:r>
-                      <a:r>
-                        <a:rPr lang="fr-CA" dirty="0" err="1"/>
-                        <a:t>props</a:t>
-                      </a:r>
-                      <a:r>
-                        <a:rPr lang="fr-CA" dirty="0"/>
-                        <a:t>, state)</a:t>
-                      </a:r>
-                    </a:p>
-                  </a:txBody>
-                  <a:tcPr/>
-                </a:tc>
-                <a:tc>
-                  <a:txBody>
-                    <a:bodyPr/>
-                    <a:lstStyle/>
-                    <a:p>
-                      <a:pPr marL="285750" indent="-285750">
-                        <a:buFont typeface="Arial" panose="020B0604020202020204" pitchFamily="34" charset="0"/>
-                        <a:buChar char="•"/>
-                      </a:pPr>
-                      <a:r>
-                        <a:rPr lang="fr-CA" dirty="0"/>
-                        <a:t>Appelé avant chaque </a:t>
-                      </a:r>
-                      <a:r>
-                        <a:rPr lang="fr-CA" dirty="0" err="1"/>
-                        <a:t>render</a:t>
-                      </a:r>
-                      <a:endParaRPr lang="fr-CA" dirty="0"/>
-                    </a:p>
-                    <a:p>
-                      <a:pPr marL="285750" indent="-285750">
-                        <a:buFont typeface="Arial" panose="020B0604020202020204" pitchFamily="34" charset="0"/>
-                        <a:buChar char="•"/>
-                      </a:pPr>
-                      <a:r>
-                        <a:rPr lang="fr-CA" dirty="0"/>
-                        <a:t>Permet de retourner des modifications au state</a:t>
-                      </a:r>
-                    </a:p>
-                  </a:txBody>
-                  <a:tcPr/>
-                </a:tc>
-                <a:extLst>
-                  <a:ext uri="{0D108BD9-81ED-4DB2-BD59-A6C34878D82A}">
-                    <a16:rowId xmlns:a16="http://schemas.microsoft.com/office/drawing/2014/main" val="1175331947"/>
-                  </a:ext>
-                </a:extLst>
-              </a:tr>
-              <a:tr h="694940">
-                <a:tc>
-                  <a:txBody>
-                    <a:bodyPr/>
-                    <a:lstStyle/>
-                    <a:p>
-                      <a:r>
-                        <a:rPr lang="fr-CA" dirty="0" err="1"/>
-                        <a:t>getSnapshotBeforeUpdate</a:t>
-                      </a:r>
-                      <a:r>
-                        <a:rPr lang="fr-CA" dirty="0"/>
-                        <a:t>(</a:t>
-                      </a:r>
-                      <a:r>
-                        <a:rPr lang="fr-CA" dirty="0" err="1"/>
-                        <a:t>prevProps</a:t>
-                      </a:r>
-                      <a:r>
-                        <a:rPr lang="fr-CA" dirty="0"/>
-                        <a:t>, </a:t>
-                      </a:r>
-                      <a:r>
-                        <a:rPr lang="fr-CA" dirty="0" err="1"/>
-                        <a:t>prevState</a:t>
-                      </a:r>
-                      <a:r>
-                        <a:rPr lang="fr-CA" dirty="0"/>
-                        <a:t>)</a:t>
-                      </a:r>
-                    </a:p>
-                  </a:txBody>
-                  <a:tcPr/>
-                </a:tc>
-                <a:tc>
-                  <a:txBody>
-                    <a:bodyPr/>
-                    <a:lstStyle/>
-                    <a:p>
-                      <a:pPr marL="285750" indent="-285750">
-                        <a:buFont typeface="Arial" panose="020B0604020202020204" pitchFamily="34" charset="0"/>
-                        <a:buChar char="•"/>
-                      </a:pPr>
-                      <a:r>
-                        <a:rPr lang="fr-CA" dirty="0"/>
-                        <a:t>Permet de </a:t>
-                      </a:r>
-                      <a:r>
-                        <a:rPr lang="fr-CA" dirty="0" err="1"/>
-                        <a:t>compute</a:t>
-                      </a:r>
-                      <a:r>
-                        <a:rPr lang="fr-CA" dirty="0"/>
-                        <a:t> du data qui va être accessible dans le </a:t>
-                      </a:r>
-                      <a:r>
-                        <a:rPr lang="fr-CA" dirty="0" err="1"/>
-                        <a:t>componentDidUpdate</a:t>
-                      </a:r>
-                      <a:endParaRPr lang="fr-CA" dirty="0"/>
-                    </a:p>
-                  </a:txBody>
-                  <a:tcPr/>
-                </a:tc>
-                <a:extLst>
-                  <a:ext uri="{0D108BD9-81ED-4DB2-BD59-A6C34878D82A}">
-                    <a16:rowId xmlns:a16="http://schemas.microsoft.com/office/drawing/2014/main" val="1110155706"/>
-                  </a:ext>
-                </a:extLst>
-              </a:tr>
-              <a:tr h="694940">
-                <a:tc>
-                  <a:txBody>
-                    <a:bodyPr/>
-                    <a:lstStyle/>
-                    <a:p>
-                      <a:r>
-                        <a:rPr lang="fr-CA" dirty="0" err="1"/>
-                        <a:t>componentDidCatch</a:t>
-                      </a:r>
-                      <a:r>
-                        <a:rPr lang="fr-CA" dirty="0"/>
-                        <a:t>(</a:t>
-                      </a:r>
-                      <a:r>
-                        <a:rPr lang="fr-CA" dirty="0" err="1"/>
-                        <a:t>errorString</a:t>
-                      </a:r>
-                      <a:r>
-                        <a:rPr lang="fr-CA" dirty="0"/>
-                        <a:t>, </a:t>
-                      </a:r>
-                      <a:r>
-                        <a:rPr lang="fr-CA" dirty="0" err="1"/>
-                        <a:t>errorInfo</a:t>
-                      </a:r>
-                      <a:r>
-                        <a:rPr lang="fr-CA" dirty="0"/>
-                        <a:t>)</a:t>
-                      </a:r>
-                    </a:p>
-                  </a:txBody>
-                  <a:tcPr/>
-                </a:tc>
-                <a:tc>
-                  <a:txBody>
-                    <a:bodyPr/>
-                    <a:lstStyle/>
-                    <a:p>
-                      <a:pPr marL="285750" indent="-285750">
-                        <a:buFont typeface="Arial" panose="020B0604020202020204" pitchFamily="34" charset="0"/>
-                        <a:buChar char="•"/>
-                      </a:pPr>
-                      <a:r>
-                        <a:rPr lang="fr-CA" dirty="0"/>
-                        <a:t>Attrape toutes les erreurs non attrapé par les </a:t>
-                      </a:r>
-                      <a:r>
-                        <a:rPr lang="fr-CA" dirty="0" err="1"/>
-                        <a:t>childs</a:t>
-                      </a:r>
-                      <a:r>
-                        <a:rPr lang="fr-CA" dirty="0"/>
-                        <a:t> components</a:t>
-                      </a:r>
-                    </a:p>
-                  </a:txBody>
-                  <a:tcPr/>
-                </a:tc>
-                <a:extLst>
-                  <a:ext uri="{0D108BD9-81ED-4DB2-BD59-A6C34878D82A}">
-                    <a16:rowId xmlns:a16="http://schemas.microsoft.com/office/drawing/2014/main" val="702503530"/>
-                  </a:ext>
-                </a:extLst>
-              </a:tr>
-            </a:tbl>
-          </a:graphicData>
-        </a:graphic>
-      </p:graphicFrame>
+          </p:nvPr>
+        </p:nvSpPr>
+        <p:spPr/>
+        <p:txBody>
+          <a:bodyPr/>
+          <a:lstStyle/>
+          <a:p>
+            <a:r>
+              <a:rPr lang="fr-CA" b="1" dirty="0"/>
+              <a:t>Comment il passe du </a:t>
+            </a:r>
+            <a:r>
+              <a:rPr lang="fr-CA" b="1" dirty="0" err="1"/>
+              <a:t>virtual</a:t>
+            </a:r>
+            <a:r>
+              <a:rPr lang="fr-CA" b="1" dirty="0"/>
+              <a:t> au real? : </a:t>
+            </a:r>
+            <a:r>
+              <a:rPr lang="fr-CA" dirty="0"/>
+              <a:t>la méthode </a:t>
+            </a:r>
+            <a:r>
+              <a:rPr lang="fr-CA" dirty="0" err="1"/>
+              <a:t>React.Render</a:t>
+            </a:r>
+            <a:r>
+              <a:rPr lang="fr-CA" dirty="0"/>
+              <a:t>() transforme le </a:t>
+            </a:r>
+            <a:r>
+              <a:rPr lang="fr-CA" dirty="0" err="1"/>
+              <a:t>reactElement</a:t>
+            </a:r>
+            <a:r>
+              <a:rPr lang="fr-CA" dirty="0"/>
+              <a:t> en </a:t>
+            </a:r>
+            <a:r>
+              <a:rPr lang="fr-CA" dirty="0" err="1"/>
+              <a:t>node</a:t>
+            </a:r>
+            <a:r>
+              <a:rPr lang="fr-CA" dirty="0"/>
+              <a:t> propre à la plateforme (web ou native)</a:t>
+            </a:r>
+          </a:p>
+          <a:p>
+            <a:endParaRPr lang="fr-CA" dirty="0"/>
+          </a:p>
+          <a:p>
+            <a:endParaRPr lang="fr-CA" dirty="0"/>
+          </a:p>
+        </p:txBody>
+      </p:sp>
     </p:spTree>
     <p:extLst>
       <p:ext uri="{BB962C8B-B14F-4D97-AF65-F5344CB8AC3E}">
-        <p14:creationId xmlns:p14="http://schemas.microsoft.com/office/powerpoint/2010/main" val="4143327455"/>
+        <p14:creationId xmlns:p14="http://schemas.microsoft.com/office/powerpoint/2010/main" val="2708021119"/>
       </p:ext>
     </p:extLst>
   </p:cSld>
@@ -7959,230 +8005,6 @@
           <a:chExt cx="0" cy="0"/>
         </a:xfrm>
       </p:grpSpPr>
-      <p:sp>
-        <p:nvSpPr>
-          <p:cNvPr id="2" name="Title 1">
-            <a:extLst>
-              <a:ext uri="{FF2B5EF4-FFF2-40B4-BE49-F238E27FC236}">
-                <a16:creationId xmlns:a16="http://schemas.microsoft.com/office/drawing/2014/main" id="{26ACBA9A-C772-48F1-ADB4-160A6F2B87BB}"/>
-              </a:ext>
-            </a:extLst>
-          </p:cNvPr>
-          <p:cNvSpPr>
-            <a:spLocks noGrp="1"/>
-          </p:cNvSpPr>
-          <p:nvPr>
-            <p:ph type="title"/>
-          </p:nvPr>
-        </p:nvSpPr>
-        <p:spPr/>
-        <p:txBody>
-          <a:bodyPr/>
-          <a:lstStyle/>
-          <a:p>
-            <a:r>
-              <a:rPr lang="fr-CA" dirty="0"/>
-              <a:t>Exos #4: Inside a </a:t>
-            </a:r>
-            <a:r>
-              <a:rPr lang="fr-CA" dirty="0" err="1"/>
-              <a:t>React</a:t>
-            </a:r>
-            <a:r>
-              <a:rPr lang="fr-CA" dirty="0"/>
-              <a:t> Component Life (optionnel)</a:t>
-            </a:r>
-          </a:p>
-        </p:txBody>
-      </p:sp>
-      <p:sp>
-        <p:nvSpPr>
-          <p:cNvPr id="3" name="Content Placeholder 2">
-            <a:extLst>
-              <a:ext uri="{FF2B5EF4-FFF2-40B4-BE49-F238E27FC236}">
-                <a16:creationId xmlns:a16="http://schemas.microsoft.com/office/drawing/2014/main" id="{3D265ABA-2E39-4ACB-AE32-AE10177C1227}"/>
-              </a:ext>
-            </a:extLst>
-          </p:cNvPr>
-          <p:cNvSpPr>
-            <a:spLocks noGrp="1"/>
-          </p:cNvSpPr>
-          <p:nvPr>
-            <p:ph idx="1"/>
-          </p:nvPr>
-        </p:nvSpPr>
-        <p:spPr/>
-        <p:txBody>
-          <a:bodyPr/>
-          <a:lstStyle/>
-          <a:p>
-            <a:r>
-              <a:rPr lang="en-CA" dirty="0"/>
-              <a:t>Onglet: “Inside a React Component Life”</a:t>
-            </a:r>
-          </a:p>
-          <a:p>
-            <a:endParaRPr lang="en-CA" dirty="0"/>
-          </a:p>
-          <a:p>
-            <a:pPr marL="0" indent="0">
-              <a:buNone/>
-            </a:pPr>
-            <a:r>
-              <a:rPr lang="fr-CA" dirty="0">
-                <a:hlinkClick r:id="rId2"/>
-              </a:rPr>
-              <a:t>https://medium.com/@sgobinda007/playing-with-component-lifecycle-methods-of-react-16-3-4c946c1e6982</a:t>
-            </a:r>
-            <a:r>
-              <a:rPr lang="fr-CA" dirty="0"/>
-              <a:t> </a:t>
-            </a:r>
-          </a:p>
-          <a:p>
-            <a:pPr marL="0" indent="0">
-              <a:buNone/>
-            </a:pPr>
-            <a:endParaRPr lang="en-CA" dirty="0"/>
-          </a:p>
-          <a:p>
-            <a:pPr marL="0" indent="0">
-              <a:buNone/>
-            </a:pPr>
-            <a:r>
-              <a:rPr lang="fr-CA" dirty="0">
-                <a:hlinkClick r:id="rId3"/>
-              </a:rPr>
-              <a:t>https://blog.bitsrc.io/react-16-lifecycle-methods-how-and-when-to-use-them-f4ad31fb2282</a:t>
-            </a:r>
-            <a:endParaRPr lang="fr-CA" dirty="0"/>
-          </a:p>
-          <a:p>
-            <a:pPr marL="0" indent="0">
-              <a:buNone/>
-            </a:pPr>
-            <a:endParaRPr lang="fr-CA" dirty="0"/>
-          </a:p>
-        </p:txBody>
-      </p:sp>
-    </p:spTree>
-    <p:extLst>
-      <p:ext uri="{BB962C8B-B14F-4D97-AF65-F5344CB8AC3E}">
-        <p14:creationId xmlns:p14="http://schemas.microsoft.com/office/powerpoint/2010/main" val="2994482953"/>
-      </p:ext>
-    </p:extLst>
-  </p:cSld>
-  <p:clrMapOvr>
-    <a:masterClrMapping/>
-  </p:clrMapOvr>
-</p:sld>
-</file>
-
-<file path=ppt/slides/slide23.xml><?xml version="1.0" encoding="utf-8"?>
-<p:sld xmlns:a="http://schemas.openxmlformats.org/drawingml/2006/main" xmlns:r="http://schemas.openxmlformats.org/officeDocument/2006/relationships" xmlns:p="http://schemas.openxmlformats.org/presentationml/2006/main">
-  <p:cSld>
-    <p:spTree>
-      <p:nvGrpSpPr>
-        <p:cNvPr id="1" name=""/>
-        <p:cNvGrpSpPr/>
-        <p:nvPr/>
-      </p:nvGrpSpPr>
-      <p:grpSpPr>
-        <a:xfrm>
-          <a:off x="0" y="0"/>
-          <a:ext cx="0" cy="0"/>
-          <a:chOff x="0" y="0"/>
-          <a:chExt cx="0" cy="0"/>
-        </a:xfrm>
-      </p:grpSpPr>
-      <p:sp>
-        <p:nvSpPr>
-          <p:cNvPr id="4" name="Title 3">
-            <a:extLst>
-              <a:ext uri="{FF2B5EF4-FFF2-40B4-BE49-F238E27FC236}">
-                <a16:creationId xmlns:a16="http://schemas.microsoft.com/office/drawing/2014/main" id="{B75295A1-A828-4ADA-BCE1-4C8896295C27}"/>
-              </a:ext>
-            </a:extLst>
-          </p:cNvPr>
-          <p:cNvSpPr>
-            <a:spLocks noGrp="1"/>
-          </p:cNvSpPr>
-          <p:nvPr>
-            <p:ph type="title"/>
-          </p:nvPr>
-        </p:nvSpPr>
-        <p:spPr/>
-        <p:txBody>
-          <a:bodyPr/>
-          <a:lstStyle/>
-          <a:p>
-            <a:r>
-              <a:rPr lang="fr-CA" dirty="0"/>
-              <a:t>5 – </a:t>
-            </a:r>
-            <a:r>
-              <a:rPr lang="fr-CA" dirty="0" err="1"/>
-              <a:t>Render</a:t>
-            </a:r>
-            <a:endParaRPr lang="fr-CA" dirty="0"/>
-          </a:p>
-        </p:txBody>
-      </p:sp>
-      <p:sp>
-        <p:nvSpPr>
-          <p:cNvPr id="5" name="Text Placeholder 4">
-            <a:extLst>
-              <a:ext uri="{FF2B5EF4-FFF2-40B4-BE49-F238E27FC236}">
-                <a16:creationId xmlns:a16="http://schemas.microsoft.com/office/drawing/2014/main" id="{9AB539E5-379D-48F0-A141-68E22F6ED824}"/>
-              </a:ext>
-            </a:extLst>
-          </p:cNvPr>
-          <p:cNvSpPr>
-            <a:spLocks noGrp="1"/>
-          </p:cNvSpPr>
-          <p:nvPr>
-            <p:ph type="body" idx="1"/>
-          </p:nvPr>
-        </p:nvSpPr>
-        <p:spPr/>
-        <p:txBody>
-          <a:bodyPr/>
-          <a:lstStyle/>
-          <a:p>
-            <a:endParaRPr lang="fr-CA" dirty="0"/>
-          </a:p>
-        </p:txBody>
-      </p:sp>
-    </p:spTree>
-    <p:extLst>
-      <p:ext uri="{BB962C8B-B14F-4D97-AF65-F5344CB8AC3E}">
-        <p14:creationId xmlns:p14="http://schemas.microsoft.com/office/powerpoint/2010/main" val="3282056198"/>
-      </p:ext>
-    </p:extLst>
-  </p:cSld>
-  <p:clrMapOvr>
-    <a:masterClrMapping/>
-  </p:clrMapOvr>
-</p:sld>
-</file>
-
-<file path=ppt/slides/slide24.xml><?xml version="1.0" encoding="utf-8"?>
-<p:sld xmlns:a="http://schemas.openxmlformats.org/drawingml/2006/main" xmlns:r="http://schemas.openxmlformats.org/officeDocument/2006/relationships" xmlns:p="http://schemas.openxmlformats.org/presentationml/2006/main">
-  <p:cSld>
-    <p:spTree>
-      <p:nvGrpSpPr>
-        <p:cNvPr id="1" name=""/>
-        <p:cNvGrpSpPr/>
-        <p:nvPr/>
-      </p:nvGrpSpPr>
-      <p:grpSpPr>
-        <a:xfrm>
-          <a:off x="0" y="0"/>
-          <a:ext cx="0" cy="0"/>
-          <a:chOff x="0" y="0"/>
-          <a:chExt cx="0" cy="0"/>
-        </a:xfrm>
-      </p:grpSpPr>
       <p:pic>
         <p:nvPicPr>
           <p:cNvPr id="1026" name="Picture 2" descr="Image result for react virtual dom">
@@ -8473,7 +8295,7 @@
 </p:sld>
 </file>
 
-<file path=ppt/slides/slide25.xml><?xml version="1.0" encoding="utf-8"?>
+<file path=ppt/slides/slide23.xml><?xml version="1.0" encoding="utf-8"?>
 <p:sld xmlns:a="http://schemas.openxmlformats.org/drawingml/2006/main" xmlns:r="http://schemas.openxmlformats.org/officeDocument/2006/relationships" xmlns:p="http://schemas.openxmlformats.org/presentationml/2006/main">
   <p:cSld>
     <p:spTree>
@@ -8580,7 +8402,7 @@
 </p:sld>
 </file>
 
-<file path=ppt/slides/slide26.xml><?xml version="1.0" encoding="utf-8"?>
+<file path=ppt/slides/slide24.xml><?xml version="1.0" encoding="utf-8"?>
 <p:sld xmlns:a="http://schemas.openxmlformats.org/drawingml/2006/main" xmlns:r="http://schemas.openxmlformats.org/officeDocument/2006/relationships" xmlns:p="http://schemas.openxmlformats.org/presentationml/2006/main">
   <p:cSld>
     <p:spTree>
@@ -8830,7 +8652,7 @@
 </p:sld>
 </file>
 
-<file path=ppt/slides/slide27.xml><?xml version="1.0" encoding="utf-8"?>
+<file path=ppt/slides/slide25.xml><?xml version="1.0" encoding="utf-8"?>
 <p:sld xmlns:a="http://schemas.openxmlformats.org/drawingml/2006/main" xmlns:r="http://schemas.openxmlformats.org/officeDocument/2006/relationships" xmlns:p="http://schemas.openxmlformats.org/presentationml/2006/main">
   <p:cSld>
     <p:spTree>
@@ -9277,7 +9099,7 @@
 </p:sld>
 </file>
 
-<file path=ppt/slides/slide28.xml><?xml version="1.0" encoding="utf-8"?>
+<file path=ppt/slides/slide26.xml><?xml version="1.0" encoding="utf-8"?>
 <p:sld xmlns:a="http://schemas.openxmlformats.org/drawingml/2006/main" xmlns:r="http://schemas.openxmlformats.org/officeDocument/2006/relationships" xmlns:p="http://schemas.openxmlformats.org/presentationml/2006/main">
   <p:cSld>
     <p:spTree>
@@ -9534,7 +9356,7 @@
 </p:sld>
 </file>
 
-<file path=ppt/slides/slide29.xml><?xml version="1.0" encoding="utf-8"?>
+<file path=ppt/slides/slide27.xml><?xml version="1.0" encoding="utf-8"?>
 <p:sld xmlns:a="http://schemas.openxmlformats.org/drawingml/2006/main" xmlns:r="http://schemas.openxmlformats.org/officeDocument/2006/relationships" xmlns:p="http://schemas.openxmlformats.org/presentationml/2006/main">
   <p:cSld>
     <p:spTree>
@@ -9795,180 +9617,7 @@
 </p:sld>
 </file>
 
-<file path=ppt/slides/slide3.xml><?xml version="1.0" encoding="utf-8"?>
-<p:sld xmlns:a="http://schemas.openxmlformats.org/drawingml/2006/main" xmlns:r="http://schemas.openxmlformats.org/officeDocument/2006/relationships" xmlns:p="http://schemas.openxmlformats.org/presentationml/2006/main">
-  <p:cSld>
-    <p:spTree>
-      <p:nvGrpSpPr>
-        <p:cNvPr id="1" name=""/>
-        <p:cNvGrpSpPr/>
-        <p:nvPr/>
-      </p:nvGrpSpPr>
-      <p:grpSpPr>
-        <a:xfrm>
-          <a:off x="0" y="0"/>
-          <a:ext cx="0" cy="0"/>
-          <a:chOff x="0" y="0"/>
-          <a:chExt cx="0" cy="0"/>
-        </a:xfrm>
-      </p:grpSpPr>
-      <p:sp>
-        <p:nvSpPr>
-          <p:cNvPr id="2" name="Title 1">
-            <a:extLst>
-              <a:ext uri="{FF2B5EF4-FFF2-40B4-BE49-F238E27FC236}">
-                <a16:creationId xmlns:a16="http://schemas.microsoft.com/office/drawing/2014/main" id="{C54D4E42-1EF3-407D-B9FC-96C34FC6F58B}"/>
-              </a:ext>
-            </a:extLst>
-          </p:cNvPr>
-          <p:cNvSpPr>
-            <a:spLocks noGrp="1"/>
-          </p:cNvSpPr>
-          <p:nvPr>
-            <p:ph type="title"/>
-          </p:nvPr>
-        </p:nvSpPr>
-        <p:spPr/>
-        <p:txBody>
-          <a:bodyPr/>
-          <a:lstStyle/>
-          <a:p>
-            <a:r>
-              <a:rPr lang="fr-CA" dirty="0"/>
-              <a:t>Table des matières</a:t>
-            </a:r>
-          </a:p>
-        </p:txBody>
-      </p:sp>
-      <p:sp>
-        <p:nvSpPr>
-          <p:cNvPr id="3" name="Content Placeholder 2">
-            <a:extLst>
-              <a:ext uri="{FF2B5EF4-FFF2-40B4-BE49-F238E27FC236}">
-                <a16:creationId xmlns:a16="http://schemas.microsoft.com/office/drawing/2014/main" id="{2B6AA249-33B6-461C-9EAF-8199B14CE7A9}"/>
-              </a:ext>
-            </a:extLst>
-          </p:cNvPr>
-          <p:cNvSpPr>
-            <a:spLocks noGrp="1"/>
-          </p:cNvSpPr>
-          <p:nvPr>
-            <p:ph idx="1"/>
-          </p:nvPr>
-        </p:nvSpPr>
-        <p:spPr/>
-        <p:txBody>
-          <a:bodyPr/>
-          <a:lstStyle/>
-          <a:p>
-            <a:pPr marL="514350" indent="-514350">
-              <a:buFont typeface="+mj-lt"/>
-              <a:buAutoNum type="arabicPeriod"/>
-            </a:pPr>
-            <a:r>
-              <a:rPr lang="fr-CA" dirty="0"/>
-              <a:t>DOM &amp; Browser</a:t>
-            </a:r>
-          </a:p>
-          <a:p>
-            <a:pPr marL="514350" indent="-514350">
-              <a:buFont typeface="+mj-lt"/>
-              <a:buAutoNum type="arabicPeriod"/>
-            </a:pPr>
-            <a:r>
-              <a:rPr lang="fr-CA" dirty="0" err="1"/>
-              <a:t>React</a:t>
-            </a:r>
-            <a:r>
-              <a:rPr lang="fr-CA" dirty="0"/>
-              <a:t> Building Block</a:t>
-            </a:r>
-          </a:p>
-          <a:p>
-            <a:pPr marL="514350" indent="-514350">
-              <a:buFont typeface="+mj-lt"/>
-              <a:buAutoNum type="arabicPeriod"/>
-            </a:pPr>
-            <a:r>
-              <a:rPr lang="fr-CA" dirty="0"/>
-              <a:t>Virtual DOM</a:t>
-            </a:r>
-          </a:p>
-          <a:p>
-            <a:pPr marL="514350" indent="-514350">
-              <a:buFont typeface="+mj-lt"/>
-              <a:buAutoNum type="arabicPeriod"/>
-            </a:pPr>
-            <a:r>
-              <a:rPr lang="fr-CA" dirty="0" err="1"/>
-              <a:t>Lifecycle</a:t>
-            </a:r>
-            <a:endParaRPr lang="fr-CA" dirty="0"/>
-          </a:p>
-          <a:p>
-            <a:pPr marL="514350" indent="-514350">
-              <a:buFont typeface="+mj-lt"/>
-              <a:buAutoNum type="arabicPeriod"/>
-            </a:pPr>
-            <a:r>
-              <a:rPr lang="fr-CA" dirty="0" err="1"/>
-              <a:t>Render</a:t>
-            </a:r>
-            <a:r>
-              <a:rPr lang="fr-CA" dirty="0"/>
-              <a:t> (Waste </a:t>
-            </a:r>
-            <a:r>
-              <a:rPr lang="fr-CA" dirty="0" err="1"/>
-              <a:t>Render</a:t>
-            </a:r>
-            <a:r>
-              <a:rPr lang="fr-CA" dirty="0"/>
-              <a:t> &amp; </a:t>
-            </a:r>
-            <a:r>
-              <a:rPr lang="fr-CA" dirty="0" err="1"/>
-              <a:t>Reconciliation</a:t>
-            </a:r>
-            <a:r>
-              <a:rPr lang="fr-CA" dirty="0"/>
-              <a:t>)</a:t>
-            </a:r>
-          </a:p>
-          <a:p>
-            <a:pPr marL="514350" indent="-514350">
-              <a:buFont typeface="+mj-lt"/>
-              <a:buAutoNum type="arabicPeriod"/>
-            </a:pPr>
-            <a:r>
-              <a:rPr lang="fr-CA" dirty="0"/>
-              <a:t>Profiling </a:t>
-            </a:r>
-            <a:r>
-              <a:rPr lang="fr-CA" dirty="0" err="1"/>
-              <a:t>tools</a:t>
-            </a:r>
-            <a:endParaRPr lang="fr-CA" dirty="0"/>
-          </a:p>
-          <a:p>
-            <a:endParaRPr lang="fr-CA" dirty="0"/>
-          </a:p>
-        </p:txBody>
-      </p:sp>
-    </p:spTree>
-    <p:extLst>
-      <p:ext uri="{BB962C8B-B14F-4D97-AF65-F5344CB8AC3E}">
-        <p14:creationId xmlns:p14="http://schemas.microsoft.com/office/powerpoint/2010/main" val="4115206639"/>
-      </p:ext>
-    </p:extLst>
-  </p:cSld>
-  <p:clrMapOvr>
-    <a:masterClrMapping/>
-  </p:clrMapOvr>
-</p:sld>
-</file>
-
-<file path=ppt/slides/slide30.xml><?xml version="1.0" encoding="utf-8"?>
+<file path=ppt/slides/slide28.xml><?xml version="1.0" encoding="utf-8"?>
 <p:sld xmlns:a="http://schemas.openxmlformats.org/drawingml/2006/main" xmlns:r="http://schemas.openxmlformats.org/officeDocument/2006/relationships" xmlns:p="http://schemas.openxmlformats.org/presentationml/2006/main">
   <p:cSld>
     <p:spTree>
@@ -10326,7 +9975,7 @@
 </p:sld>
 </file>
 
-<file path=ppt/slides/slide31.xml><?xml version="1.0" encoding="utf-8"?>
+<file path=ppt/slides/slide29.xml><?xml version="1.0" encoding="utf-8"?>
 <p:sld xmlns:a="http://schemas.openxmlformats.org/drawingml/2006/main" xmlns:r="http://schemas.openxmlformats.org/officeDocument/2006/relationships" xmlns:p="http://schemas.openxmlformats.org/presentationml/2006/main">
   <p:cSld>
     <p:spTree>
@@ -10474,7 +10123,7 @@
         </p:blipFill>
         <p:spPr>
           <a:xfrm>
-            <a:off x="6458785" y="3177143"/>
+            <a:off x="6560385" y="4001294"/>
             <a:ext cx="4457700" cy="1095375"/>
           </a:xfrm>
           <a:prstGeom prst="rect">
@@ -10495,7 +10144,180 @@
 </p:sld>
 </file>
 
-<file path=ppt/slides/slide32.xml><?xml version="1.0" encoding="utf-8"?>
+<file path=ppt/slides/slide3.xml><?xml version="1.0" encoding="utf-8"?>
+<p:sld xmlns:a="http://schemas.openxmlformats.org/drawingml/2006/main" xmlns:r="http://schemas.openxmlformats.org/officeDocument/2006/relationships" xmlns:p="http://schemas.openxmlformats.org/presentationml/2006/main">
+  <p:cSld>
+    <p:spTree>
+      <p:nvGrpSpPr>
+        <p:cNvPr id="1" name=""/>
+        <p:cNvGrpSpPr/>
+        <p:nvPr/>
+      </p:nvGrpSpPr>
+      <p:grpSpPr>
+        <a:xfrm>
+          <a:off x="0" y="0"/>
+          <a:ext cx="0" cy="0"/>
+          <a:chOff x="0" y="0"/>
+          <a:chExt cx="0" cy="0"/>
+        </a:xfrm>
+      </p:grpSpPr>
+      <p:sp>
+        <p:nvSpPr>
+          <p:cNvPr id="2" name="Title 1">
+            <a:extLst>
+              <a:ext uri="{FF2B5EF4-FFF2-40B4-BE49-F238E27FC236}">
+                <a16:creationId xmlns:a16="http://schemas.microsoft.com/office/drawing/2014/main" id="{C54D4E42-1EF3-407D-B9FC-96C34FC6F58B}"/>
+              </a:ext>
+            </a:extLst>
+          </p:cNvPr>
+          <p:cNvSpPr>
+            <a:spLocks noGrp="1"/>
+          </p:cNvSpPr>
+          <p:nvPr>
+            <p:ph type="title"/>
+          </p:nvPr>
+        </p:nvSpPr>
+        <p:spPr/>
+        <p:txBody>
+          <a:bodyPr/>
+          <a:lstStyle/>
+          <a:p>
+            <a:r>
+              <a:rPr lang="fr-CA" dirty="0"/>
+              <a:t>Table des matières</a:t>
+            </a:r>
+          </a:p>
+        </p:txBody>
+      </p:sp>
+      <p:sp>
+        <p:nvSpPr>
+          <p:cNvPr id="3" name="Content Placeholder 2">
+            <a:extLst>
+              <a:ext uri="{FF2B5EF4-FFF2-40B4-BE49-F238E27FC236}">
+                <a16:creationId xmlns:a16="http://schemas.microsoft.com/office/drawing/2014/main" id="{2B6AA249-33B6-461C-9EAF-8199B14CE7A9}"/>
+              </a:ext>
+            </a:extLst>
+          </p:cNvPr>
+          <p:cNvSpPr>
+            <a:spLocks noGrp="1"/>
+          </p:cNvSpPr>
+          <p:nvPr>
+            <p:ph idx="1"/>
+          </p:nvPr>
+        </p:nvSpPr>
+        <p:spPr/>
+        <p:txBody>
+          <a:bodyPr/>
+          <a:lstStyle/>
+          <a:p>
+            <a:pPr marL="514350" indent="-514350">
+              <a:buFont typeface="+mj-lt"/>
+              <a:buAutoNum type="arabicPeriod"/>
+            </a:pPr>
+            <a:r>
+              <a:rPr lang="fr-CA" dirty="0"/>
+              <a:t>DOM &amp; Browser</a:t>
+            </a:r>
+          </a:p>
+          <a:p>
+            <a:pPr marL="514350" indent="-514350">
+              <a:buFont typeface="+mj-lt"/>
+              <a:buAutoNum type="arabicPeriod"/>
+            </a:pPr>
+            <a:r>
+              <a:rPr lang="fr-CA" dirty="0"/>
+              <a:t>Virtual DOM</a:t>
+            </a:r>
+          </a:p>
+          <a:p>
+            <a:pPr marL="514350" indent="-514350">
+              <a:buFont typeface="+mj-lt"/>
+              <a:buAutoNum type="arabicPeriod"/>
+            </a:pPr>
+            <a:r>
+              <a:rPr lang="fr-CA" dirty="0" err="1"/>
+              <a:t>React</a:t>
+            </a:r>
+            <a:r>
+              <a:rPr lang="fr-CA" dirty="0"/>
+              <a:t> Building Block</a:t>
+            </a:r>
+          </a:p>
+          <a:p>
+            <a:pPr marL="514350" indent="-514350">
+              <a:buFont typeface="+mj-lt"/>
+              <a:buAutoNum type="arabicPeriod"/>
+            </a:pPr>
+            <a:r>
+              <a:rPr lang="fr-CA" dirty="0" err="1"/>
+              <a:t>Lifecycle</a:t>
+            </a:r>
+            <a:endParaRPr lang="fr-CA" dirty="0"/>
+          </a:p>
+          <a:p>
+            <a:pPr marL="514350" indent="-514350">
+              <a:buFont typeface="+mj-lt"/>
+              <a:buAutoNum type="arabicPeriod"/>
+            </a:pPr>
+            <a:r>
+              <a:rPr lang="fr-CA" dirty="0" err="1"/>
+              <a:t>Render</a:t>
+            </a:r>
+            <a:r>
+              <a:rPr lang="fr-CA" dirty="0"/>
+              <a:t> (Waste </a:t>
+            </a:r>
+            <a:r>
+              <a:rPr lang="fr-CA" dirty="0" err="1"/>
+              <a:t>Render</a:t>
+            </a:r>
+            <a:r>
+              <a:rPr lang="fr-CA" dirty="0"/>
+              <a:t> &amp; </a:t>
+            </a:r>
+            <a:r>
+              <a:rPr lang="fr-CA" dirty="0" err="1"/>
+              <a:t>Reconciliation</a:t>
+            </a:r>
+            <a:r>
+              <a:rPr lang="fr-CA" dirty="0"/>
+              <a:t>)</a:t>
+            </a:r>
+          </a:p>
+          <a:p>
+            <a:pPr marL="514350" indent="-514350">
+              <a:buFont typeface="+mj-lt"/>
+              <a:buAutoNum type="arabicPeriod"/>
+            </a:pPr>
+            <a:r>
+              <a:rPr lang="fr-CA" dirty="0"/>
+              <a:t>Profiling </a:t>
+            </a:r>
+            <a:r>
+              <a:rPr lang="fr-CA" dirty="0" err="1"/>
+              <a:t>tools</a:t>
+            </a:r>
+            <a:endParaRPr lang="fr-CA" dirty="0"/>
+          </a:p>
+          <a:p>
+            <a:endParaRPr lang="fr-CA" dirty="0"/>
+          </a:p>
+        </p:txBody>
+      </p:sp>
+    </p:spTree>
+    <p:extLst>
+      <p:ext uri="{BB962C8B-B14F-4D97-AF65-F5344CB8AC3E}">
+        <p14:creationId xmlns:p14="http://schemas.microsoft.com/office/powerpoint/2010/main" val="4115206639"/>
+      </p:ext>
+    </p:extLst>
+  </p:cSld>
+  <p:clrMapOvr>
+    <a:masterClrMapping/>
+  </p:clrMapOvr>
+</p:sld>
+</file>
+
+<file path=ppt/slides/slide30.xml><?xml version="1.0" encoding="utf-8"?>
 <p:sld xmlns:a="http://schemas.openxmlformats.org/drawingml/2006/main" xmlns:r="http://schemas.openxmlformats.org/officeDocument/2006/relationships" xmlns:p="http://schemas.openxmlformats.org/presentationml/2006/main">
   <p:cSld>
     <p:spTree>
@@ -10657,6 +10479,212 @@
 </p:sld>
 </file>
 
+<file path=ppt/slides/slide31.xml><?xml version="1.0" encoding="utf-8"?>
+<p:sld xmlns:a="http://schemas.openxmlformats.org/drawingml/2006/main" xmlns:r="http://schemas.openxmlformats.org/officeDocument/2006/relationships" xmlns:p="http://schemas.openxmlformats.org/presentationml/2006/main">
+  <p:cSld>
+    <p:spTree>
+      <p:nvGrpSpPr>
+        <p:cNvPr id="1" name=""/>
+        <p:cNvGrpSpPr/>
+        <p:nvPr/>
+      </p:nvGrpSpPr>
+      <p:grpSpPr>
+        <a:xfrm>
+          <a:off x="0" y="0"/>
+          <a:ext cx="0" cy="0"/>
+          <a:chOff x="0" y="0"/>
+          <a:chExt cx="0" cy="0"/>
+        </a:xfrm>
+      </p:grpSpPr>
+      <p:sp>
+        <p:nvSpPr>
+          <p:cNvPr id="4" name="Title 3">
+            <a:extLst>
+              <a:ext uri="{FF2B5EF4-FFF2-40B4-BE49-F238E27FC236}">
+                <a16:creationId xmlns:a16="http://schemas.microsoft.com/office/drawing/2014/main" id="{B75295A1-A828-4ADA-BCE1-4C8896295C27}"/>
+              </a:ext>
+            </a:extLst>
+          </p:cNvPr>
+          <p:cNvSpPr>
+            <a:spLocks noGrp="1"/>
+          </p:cNvSpPr>
+          <p:nvPr>
+            <p:ph type="title"/>
+          </p:nvPr>
+        </p:nvSpPr>
+        <p:spPr/>
+        <p:txBody>
+          <a:bodyPr/>
+          <a:lstStyle/>
+          <a:p>
+            <a:r>
+              <a:rPr lang="fr-CA" dirty="0"/>
+              <a:t>5 – </a:t>
+            </a:r>
+            <a:r>
+              <a:rPr lang="fr-CA" dirty="0" err="1"/>
+              <a:t>React</a:t>
+            </a:r>
+            <a:r>
+              <a:rPr lang="fr-CA" dirty="0"/>
+              <a:t> </a:t>
+            </a:r>
+            <a:r>
+              <a:rPr lang="fr-CA" dirty="0" err="1"/>
+              <a:t>Lifecycle</a:t>
+            </a:r>
+            <a:endParaRPr lang="fr-CA" dirty="0"/>
+          </a:p>
+        </p:txBody>
+      </p:sp>
+      <p:sp>
+        <p:nvSpPr>
+          <p:cNvPr id="5" name="Text Placeholder 4">
+            <a:extLst>
+              <a:ext uri="{FF2B5EF4-FFF2-40B4-BE49-F238E27FC236}">
+                <a16:creationId xmlns:a16="http://schemas.microsoft.com/office/drawing/2014/main" id="{9AB539E5-379D-48F0-A141-68E22F6ED824}"/>
+              </a:ext>
+            </a:extLst>
+          </p:cNvPr>
+          <p:cNvSpPr>
+            <a:spLocks noGrp="1"/>
+          </p:cNvSpPr>
+          <p:nvPr>
+            <p:ph type="body" idx="1"/>
+          </p:nvPr>
+        </p:nvSpPr>
+        <p:spPr/>
+        <p:txBody>
+          <a:bodyPr/>
+          <a:lstStyle/>
+          <a:p>
+            <a:endParaRPr lang="fr-CA"/>
+          </a:p>
+        </p:txBody>
+      </p:sp>
+    </p:spTree>
+    <p:extLst>
+      <p:ext uri="{BB962C8B-B14F-4D97-AF65-F5344CB8AC3E}">
+        <p14:creationId xmlns:p14="http://schemas.microsoft.com/office/powerpoint/2010/main" val="3504496674"/>
+      </p:ext>
+    </p:extLst>
+  </p:cSld>
+  <p:clrMapOvr>
+    <a:masterClrMapping/>
+  </p:clrMapOvr>
+</p:sld>
+</file>
+
+<file path=ppt/slides/slide32.xml><?xml version="1.0" encoding="utf-8"?>
+<p:sld xmlns:a="http://schemas.openxmlformats.org/drawingml/2006/main" xmlns:r="http://schemas.openxmlformats.org/officeDocument/2006/relationships" xmlns:p="http://schemas.openxmlformats.org/presentationml/2006/main">
+  <p:cSld>
+    <p:spTree>
+      <p:nvGrpSpPr>
+        <p:cNvPr id="1" name=""/>
+        <p:cNvGrpSpPr/>
+        <p:nvPr/>
+      </p:nvGrpSpPr>
+      <p:grpSpPr>
+        <a:xfrm>
+          <a:off x="0" y="0"/>
+          <a:ext cx="0" cy="0"/>
+          <a:chOff x="0" y="0"/>
+          <a:chExt cx="0" cy="0"/>
+        </a:xfrm>
+      </p:grpSpPr>
+      <p:sp>
+        <p:nvSpPr>
+          <p:cNvPr id="2" name="Title 1">
+            <a:extLst>
+              <a:ext uri="{FF2B5EF4-FFF2-40B4-BE49-F238E27FC236}">
+                <a16:creationId xmlns:a16="http://schemas.microsoft.com/office/drawing/2014/main" id="{57E6E8D8-113B-472E-BBEC-EE4A47A63F6E}"/>
+              </a:ext>
+            </a:extLst>
+          </p:cNvPr>
+          <p:cNvSpPr>
+            <a:spLocks noGrp="1"/>
+          </p:cNvSpPr>
+          <p:nvPr>
+            <p:ph type="title"/>
+          </p:nvPr>
+        </p:nvSpPr>
+        <p:spPr/>
+        <p:txBody>
+          <a:bodyPr/>
+          <a:lstStyle/>
+          <a:p>
+            <a:r>
+              <a:rPr lang="fr-CA" dirty="0"/>
+              <a:t>Component </a:t>
+            </a:r>
+            <a:r>
+              <a:rPr lang="fr-CA" dirty="0" err="1"/>
+              <a:t>LifeCycle</a:t>
+            </a:r>
+            <a:endParaRPr lang="fr-CA" dirty="0"/>
+          </a:p>
+        </p:txBody>
+      </p:sp>
+      <p:pic>
+        <p:nvPicPr>
+          <p:cNvPr id="2050" name="Picture 2" descr="Image result for react component lifecycle">
+            <a:extLst>
+              <a:ext uri="{FF2B5EF4-FFF2-40B4-BE49-F238E27FC236}">
+                <a16:creationId xmlns:a16="http://schemas.microsoft.com/office/drawing/2014/main" id="{8998ED41-0C91-47F3-858A-CA196907AB57}"/>
+              </a:ext>
+            </a:extLst>
+          </p:cNvPr>
+          <p:cNvPicPr>
+            <a:picLocks noChangeAspect="1" noChangeArrowheads="1"/>
+          </p:cNvPicPr>
+          <p:nvPr/>
+        </p:nvPicPr>
+        <p:blipFill>
+          <a:blip r:embed="rId2">
+            <a:extLst>
+              <a:ext uri="{28A0092B-C50C-407E-A947-70E740481C1C}">
+                <a14:useLocalDpi xmlns:a14="http://schemas.microsoft.com/office/drawing/2010/main" val="0"/>
+              </a:ext>
+            </a:extLst>
+          </a:blip>
+          <a:srcRect/>
+          <a:stretch>
+            <a:fillRect/>
+          </a:stretch>
+        </p:blipFill>
+        <p:spPr bwMode="auto">
+          <a:xfrm>
+            <a:off x="1358205" y="1613898"/>
+            <a:ext cx="8953081" cy="4904377"/>
+          </a:xfrm>
+          <a:prstGeom prst="rect">
+            <a:avLst/>
+          </a:prstGeom>
+          <a:noFill/>
+          <a:extLst>
+            <a:ext uri="{909E8E84-426E-40DD-AFC4-6F175D3DCCD1}">
+              <a14:hiddenFill xmlns:a14="http://schemas.microsoft.com/office/drawing/2010/main">
+                <a:solidFill>
+                  <a:srgbClr val="FFFFFF"/>
+                </a:solidFill>
+              </a14:hiddenFill>
+            </a:ext>
+          </a:extLst>
+        </p:spPr>
+      </p:pic>
+    </p:spTree>
+    <p:extLst>
+      <p:ext uri="{BB962C8B-B14F-4D97-AF65-F5344CB8AC3E}">
+        <p14:creationId xmlns:p14="http://schemas.microsoft.com/office/powerpoint/2010/main" val="1561951365"/>
+      </p:ext>
+    </p:extLst>
+  </p:cSld>
+  <p:clrMapOvr>
+    <a:masterClrMapping/>
+  </p:clrMapOvr>
+</p:sld>
+</file>
+
 <file path=ppt/slides/slide33.xml><?xml version="1.0" encoding="utf-8"?>
 <p:sld xmlns:a="http://schemas.openxmlformats.org/drawingml/2006/main" xmlns:r="http://schemas.openxmlformats.org/officeDocument/2006/relationships" xmlns:p="http://schemas.openxmlformats.org/presentationml/2006/main">
   <p:cSld>
@@ -10676,10 +10704,10 @@
       </p:grpSpPr>
       <p:sp>
         <p:nvSpPr>
-          <p:cNvPr id="4" name="Title 3">
-            <a:extLst>
-              <a:ext uri="{FF2B5EF4-FFF2-40B4-BE49-F238E27FC236}">
-                <a16:creationId xmlns:a16="http://schemas.microsoft.com/office/drawing/2014/main" id="{B75295A1-A828-4ADA-BCE1-4C8896295C27}"/>
+          <p:cNvPr id="2" name="Title 1">
+            <a:extLst>
+              <a:ext uri="{FF2B5EF4-FFF2-40B4-BE49-F238E27FC236}">
+                <a16:creationId xmlns:a16="http://schemas.microsoft.com/office/drawing/2014/main" id="{AA65C3F0-8428-48AE-8FBA-78CC105C44CA}"/>
               </a:ext>
             </a:extLst>
           </p:cNvPr>
@@ -10697,11 +10725,19 @@
           <a:p>
             <a:r>
               <a:rPr lang="fr-CA" dirty="0"/>
-              <a:t>6 – </a:t>
-            </a:r>
-            <a:r>
-              <a:rPr lang="fr-CA" dirty="0" err="1"/>
-              <a:t>React</a:t>
+              <a:t>How and </a:t>
+            </a:r>
+            <a:r>
+              <a:rPr lang="fr-CA" dirty="0" err="1"/>
+              <a:t>When</a:t>
+            </a:r>
+            <a:r>
+              <a:rPr lang="fr-CA" dirty="0"/>
+              <a:t> use </a:t>
+            </a:r>
+            <a:r>
+              <a:rPr lang="fr-CA" dirty="0" err="1"/>
+              <a:t>lifecycle</a:t>
             </a:r>
             <a:r>
               <a:rPr lang="fr-CA" dirty="0"/>
@@ -10709,41 +10745,495 @@
             </a:r>
             <a:r>
               <a:rPr lang="fr-CA" dirty="0" err="1"/>
-              <a:t>Lifecycle</a:t>
+              <a:t>method</a:t>
             </a:r>
             <a:endParaRPr lang="fr-CA" dirty="0"/>
           </a:p>
         </p:txBody>
       </p:sp>
-      <p:sp>
-        <p:nvSpPr>
-          <p:cNvPr id="5" name="Text Placeholder 4">
-            <a:extLst>
-              <a:ext uri="{FF2B5EF4-FFF2-40B4-BE49-F238E27FC236}">
-                <a16:creationId xmlns:a16="http://schemas.microsoft.com/office/drawing/2014/main" id="{9AB539E5-379D-48F0-A141-68E22F6ED824}"/>
-              </a:ext>
-            </a:extLst>
-          </p:cNvPr>
-          <p:cNvSpPr>
-            <a:spLocks noGrp="1"/>
-          </p:cNvSpPr>
-          <p:nvPr>
-            <p:ph type="body" idx="1"/>
-          </p:nvPr>
-        </p:nvSpPr>
-        <p:spPr/>
-        <p:txBody>
-          <a:bodyPr/>
-          <a:lstStyle/>
-          <a:p>
-            <a:endParaRPr lang="fr-CA"/>
-          </a:p>
-        </p:txBody>
-      </p:sp>
+      <p:graphicFrame>
+        <p:nvGraphicFramePr>
+          <p:cNvPr id="4" name="Content Placeholder 3">
+            <a:extLst>
+              <a:ext uri="{FF2B5EF4-FFF2-40B4-BE49-F238E27FC236}">
+                <a16:creationId xmlns:a16="http://schemas.microsoft.com/office/drawing/2014/main" id="{205428AB-9D70-4678-A192-863BBE998C77}"/>
+              </a:ext>
+            </a:extLst>
+          </p:cNvPr>
+          <p:cNvGraphicFramePr>
+            <a:graphicFrameLocks noGrp="1"/>
+          </p:cNvGraphicFramePr>
+          <p:nvPr>
+            <p:ph idx="1"/>
+            <p:extLst>
+              <p:ext uri="{D42A27DB-BD31-4B8C-83A1-F6EECF244321}">
+                <p14:modId xmlns:p14="http://schemas.microsoft.com/office/powerpoint/2010/main" val="2103627486"/>
+              </p:ext>
+            </p:extLst>
+          </p:nvPr>
+        </p:nvGraphicFramePr>
+        <p:xfrm>
+          <a:off x="117230" y="1453528"/>
+          <a:ext cx="11957539" cy="5038234"/>
+        </p:xfrm>
+        <a:graphic>
+          <a:graphicData uri="http://schemas.openxmlformats.org/drawingml/2006/table">
+            <a:tbl>
+              <a:tblPr firstRow="1" bandRow="1">
+                <a:tableStyleId>{5C22544A-7EE6-4342-B048-85BDC9FD1C3A}</a:tableStyleId>
+              </a:tblPr>
+              <a:tblGrid>
+                <a:gridCol w="4245793">
+                  <a:extLst>
+                    <a:ext uri="{9D8B030D-6E8A-4147-A177-3AD203B41FA5}">
+                      <a16:colId xmlns:a16="http://schemas.microsoft.com/office/drawing/2014/main" val="181093278"/>
+                    </a:ext>
+                  </a:extLst>
+                </a:gridCol>
+                <a:gridCol w="7711746">
+                  <a:extLst>
+                    <a:ext uri="{9D8B030D-6E8A-4147-A177-3AD203B41FA5}">
+                      <a16:colId xmlns:a16="http://schemas.microsoft.com/office/drawing/2014/main" val="209439746"/>
+                    </a:ext>
+                  </a:extLst>
+                </a:gridCol>
+              </a:tblGrid>
+              <a:tr h="694940">
+                <a:tc>
+                  <a:txBody>
+                    <a:bodyPr/>
+                    <a:lstStyle/>
+                    <a:p>
+                      <a:r>
+                        <a:rPr lang="fr-CA" dirty="0"/>
+                        <a:t>Méthode du </a:t>
+                      </a:r>
+                      <a:r>
+                        <a:rPr lang="fr-CA" dirty="0" err="1"/>
+                        <a:t>lifecyle</a:t>
+                      </a:r>
+                      <a:endParaRPr lang="fr-CA" dirty="0"/>
+                    </a:p>
+                  </a:txBody>
+                  <a:tcPr/>
+                </a:tc>
+                <a:tc>
+                  <a:txBody>
+                    <a:bodyPr/>
+                    <a:lstStyle/>
+                    <a:p>
+                      <a:r>
+                        <a:rPr lang="fr-CA" dirty="0"/>
+                        <a:t>Détails</a:t>
+                      </a:r>
+                    </a:p>
+                  </a:txBody>
+                  <a:tcPr/>
+                </a:tc>
+                <a:extLst>
+                  <a:ext uri="{0D108BD9-81ED-4DB2-BD59-A6C34878D82A}">
+                    <a16:rowId xmlns:a16="http://schemas.microsoft.com/office/drawing/2014/main" val="3691666161"/>
+                  </a:ext>
+                </a:extLst>
+              </a:tr>
+              <a:tr h="549012">
+                <a:tc>
+                  <a:txBody>
+                    <a:bodyPr/>
+                    <a:lstStyle/>
+                    <a:p>
+                      <a:r>
+                        <a:rPr lang="fr-CA" dirty="0" err="1"/>
+                        <a:t>render</a:t>
+                      </a:r>
+                      <a:r>
+                        <a:rPr lang="fr-CA" dirty="0"/>
+                        <a:t>()</a:t>
+                      </a:r>
+                    </a:p>
+                  </a:txBody>
+                  <a:tcPr/>
+                </a:tc>
+                <a:tc>
+                  <a:txBody>
+                    <a:bodyPr/>
+                    <a:lstStyle/>
+                    <a:p>
+                      <a:pPr marL="285750" indent="-285750">
+                        <a:buFont typeface="Arial" panose="020B0604020202020204" pitchFamily="34" charset="0"/>
+                        <a:buChar char="•"/>
+                      </a:pPr>
+                      <a:r>
+                        <a:rPr lang="fr-CA" dirty="0"/>
+                        <a:t>Retourne un </a:t>
+                      </a:r>
+                      <a:r>
+                        <a:rPr lang="fr-CA" dirty="0" err="1"/>
+                        <a:t>reactElement</a:t>
+                      </a:r>
+                      <a:endParaRPr lang="fr-CA" dirty="0"/>
+                    </a:p>
+                  </a:txBody>
+                  <a:tcPr/>
+                </a:tc>
+                <a:extLst>
+                  <a:ext uri="{0D108BD9-81ED-4DB2-BD59-A6C34878D82A}">
+                    <a16:rowId xmlns:a16="http://schemas.microsoft.com/office/drawing/2014/main" val="3049361081"/>
+                  </a:ext>
+                </a:extLst>
+              </a:tr>
+              <a:tr h="925528">
+                <a:tc>
+                  <a:txBody>
+                    <a:bodyPr/>
+                    <a:lstStyle/>
+                    <a:p>
+                      <a:r>
+                        <a:rPr lang="fr-CA" dirty="0" err="1"/>
+                        <a:t>componentDidMount</a:t>
+                      </a:r>
+                      <a:r>
+                        <a:rPr lang="fr-CA" dirty="0"/>
+                        <a:t>()</a:t>
+                      </a:r>
+                    </a:p>
+                  </a:txBody>
+                  <a:tcPr/>
+                </a:tc>
+                <a:tc>
+                  <a:txBody>
+                    <a:bodyPr/>
+                    <a:lstStyle/>
+                    <a:p>
+                      <a:pPr marL="285750" indent="-285750">
+                        <a:buFont typeface="Arial" panose="020B0604020202020204" pitchFamily="34" charset="0"/>
+                        <a:buChar char="•"/>
+                      </a:pPr>
+                      <a:r>
+                        <a:rPr lang="fr-CA" dirty="0"/>
+                        <a:t>Appelé 1 seul fois une fois que le component à été monter sur le DOM du browser</a:t>
+                      </a:r>
+                    </a:p>
+                    <a:p>
+                      <a:pPr marL="285750" indent="-285750">
+                        <a:buFont typeface="Arial" panose="020B0604020202020204" pitchFamily="34" charset="0"/>
+                        <a:buChar char="•"/>
+                      </a:pPr>
+                      <a:r>
+                        <a:rPr lang="fr-CA" dirty="0"/>
+                        <a:t>Endroit idéal pour faire </a:t>
+                      </a:r>
+                      <a:r>
+                        <a:rPr lang="fr-CA" dirty="0" err="1"/>
+                        <a:t>fetch</a:t>
+                      </a:r>
+                      <a:r>
+                        <a:rPr lang="fr-CA" dirty="0"/>
+                        <a:t> de data</a:t>
+                      </a:r>
+                    </a:p>
+                  </a:txBody>
+                  <a:tcPr/>
+                </a:tc>
+                <a:extLst>
+                  <a:ext uri="{0D108BD9-81ED-4DB2-BD59-A6C34878D82A}">
+                    <a16:rowId xmlns:a16="http://schemas.microsoft.com/office/drawing/2014/main" val="2293805067"/>
+                  </a:ext>
+                </a:extLst>
+              </a:tr>
+              <a:tr h="869534">
+                <a:tc>
+                  <a:txBody>
+                    <a:bodyPr/>
+                    <a:lstStyle/>
+                    <a:p>
+                      <a:r>
+                        <a:rPr lang="fr-CA" dirty="0" err="1"/>
+                        <a:t>shouldComponentUpdate</a:t>
+                      </a:r>
+                      <a:r>
+                        <a:rPr lang="fr-CA" dirty="0"/>
+                        <a:t>(</a:t>
+                      </a:r>
+                      <a:r>
+                        <a:rPr lang="fr-CA" dirty="0" err="1"/>
+                        <a:t>nextProps</a:t>
+                      </a:r>
+                      <a:r>
+                        <a:rPr lang="fr-CA" dirty="0"/>
+                        <a:t>, </a:t>
+                      </a:r>
+                      <a:r>
+                        <a:rPr lang="fr-CA" dirty="0" err="1"/>
+                        <a:t>nextState</a:t>
+                      </a:r>
+                      <a:r>
+                        <a:rPr lang="fr-CA" dirty="0"/>
+                        <a:t>)</a:t>
+                      </a:r>
+                    </a:p>
+                  </a:txBody>
+                  <a:tcPr/>
+                </a:tc>
+                <a:tc>
+                  <a:txBody>
+                    <a:bodyPr/>
+                    <a:lstStyle/>
+                    <a:p>
+                      <a:pPr marL="285750" indent="-285750">
+                        <a:buFont typeface="Arial" panose="020B0604020202020204" pitchFamily="34" charset="0"/>
+                        <a:buChar char="•"/>
+                      </a:pPr>
+                      <a:r>
+                        <a:rPr lang="fr-CA" dirty="0"/>
+                        <a:t>Indique s’il est nécessaire d’effectuer un nouveau </a:t>
+                      </a:r>
+                      <a:r>
+                        <a:rPr lang="fr-CA" dirty="0" err="1"/>
+                        <a:t>render</a:t>
+                      </a:r>
+                      <a:r>
+                        <a:rPr lang="fr-CA" dirty="0"/>
+                        <a:t> </a:t>
+                      </a:r>
+                    </a:p>
+                    <a:p>
+                      <a:pPr marL="285750" indent="-285750">
+                        <a:buFont typeface="Arial" panose="020B0604020202020204" pitchFamily="34" charset="0"/>
+                        <a:buChar char="•"/>
+                      </a:pPr>
+                      <a:r>
+                        <a:rPr lang="fr-CA" dirty="0"/>
+                        <a:t>Retourne un </a:t>
+                      </a:r>
+                      <a:r>
+                        <a:rPr lang="fr-CA" dirty="0" err="1"/>
+                        <a:t>bool</a:t>
+                      </a:r>
+                      <a:endParaRPr lang="fr-CA" dirty="0"/>
+                    </a:p>
+                    <a:p>
+                      <a:pPr marL="285750" indent="-285750">
+                        <a:buFont typeface="Arial" panose="020B0604020202020204" pitchFamily="34" charset="0"/>
+                        <a:buChar char="•"/>
+                      </a:pPr>
+                      <a:r>
+                        <a:rPr lang="fr-CA" dirty="0" err="1"/>
+                        <a:t>React.Component</a:t>
+                      </a:r>
+                      <a:r>
+                        <a:rPr lang="fr-CA" dirty="0"/>
+                        <a:t> retourne </a:t>
+                      </a:r>
+                      <a:r>
+                        <a:rPr lang="fr-CA" dirty="0" err="1"/>
+                        <a:t>true</a:t>
+                      </a:r>
+                      <a:r>
+                        <a:rPr lang="fr-CA" dirty="0"/>
+                        <a:t> par défaut</a:t>
+                      </a:r>
+                    </a:p>
+                  </a:txBody>
+                  <a:tcPr/>
+                </a:tc>
+                <a:extLst>
+                  <a:ext uri="{0D108BD9-81ED-4DB2-BD59-A6C34878D82A}">
+                    <a16:rowId xmlns:a16="http://schemas.microsoft.com/office/drawing/2014/main" val="738618961"/>
+                  </a:ext>
+                </a:extLst>
+              </a:tr>
+              <a:tr h="754870">
+                <a:tc>
+                  <a:txBody>
+                    <a:bodyPr/>
+                    <a:lstStyle/>
+                    <a:p>
+                      <a:r>
+                        <a:rPr lang="fr-CA" dirty="0" err="1"/>
+                        <a:t>componentDidUpdate</a:t>
+                      </a:r>
+                      <a:r>
+                        <a:rPr lang="fr-CA" dirty="0"/>
+                        <a:t>(</a:t>
+                      </a:r>
+                      <a:r>
+                        <a:rPr lang="fr-CA" dirty="0" err="1"/>
+                        <a:t>prevProps</a:t>
+                      </a:r>
+                      <a:r>
+                        <a:rPr lang="fr-CA" dirty="0"/>
+                        <a:t>, </a:t>
+                      </a:r>
+                      <a:r>
+                        <a:rPr lang="fr-CA" dirty="0" err="1"/>
+                        <a:t>prevState</a:t>
+                      </a:r>
+                      <a:r>
+                        <a:rPr lang="fr-CA" dirty="0"/>
+                        <a:t>, snapshot)</a:t>
+                      </a:r>
+                    </a:p>
+                  </a:txBody>
+                  <a:tcPr/>
+                </a:tc>
+                <a:tc>
+                  <a:txBody>
+                    <a:bodyPr/>
+                    <a:lstStyle/>
+                    <a:p>
+                      <a:pPr marL="285750" indent="-285750">
+                        <a:buFont typeface="Arial" panose="020B0604020202020204" pitchFamily="34" charset="0"/>
+                        <a:buChar char="•"/>
+                      </a:pPr>
+                      <a:r>
+                        <a:rPr lang="fr-CA" dirty="0"/>
+                        <a:t>À utiliser de façon similaire à </a:t>
+                      </a:r>
+                      <a:r>
+                        <a:rPr lang="fr-CA" dirty="0" err="1"/>
+                        <a:t>componentDidMount</a:t>
+                      </a:r>
+                      <a:r>
+                        <a:rPr lang="fr-CA" dirty="0"/>
+                        <a:t>()</a:t>
+                      </a:r>
+                    </a:p>
+                    <a:p>
+                      <a:pPr marL="285750" indent="-285750">
+                        <a:buFont typeface="Arial" panose="020B0604020202020204" pitchFamily="34" charset="0"/>
+                        <a:buChar char="•"/>
+                      </a:pPr>
+                      <a:r>
+                        <a:rPr lang="fr-CA" dirty="0"/>
+                        <a:t>Si on utilise </a:t>
+                      </a:r>
+                      <a:r>
+                        <a:rPr lang="fr-CA" dirty="0" err="1"/>
+                        <a:t>setState</a:t>
+                      </a:r>
+                      <a:r>
+                        <a:rPr lang="fr-CA" dirty="0"/>
+                        <a:t>, mettre une condition sinon boucle </a:t>
+                      </a:r>
+                      <a:r>
+                        <a:rPr lang="fr-CA" dirty="0" err="1"/>
+                        <a:t>infinit</a:t>
+                      </a:r>
+                      <a:endParaRPr lang="fr-CA" dirty="0"/>
+                    </a:p>
+                  </a:txBody>
+                  <a:tcPr/>
+                </a:tc>
+                <a:extLst>
+                  <a:ext uri="{0D108BD9-81ED-4DB2-BD59-A6C34878D82A}">
+                    <a16:rowId xmlns:a16="http://schemas.microsoft.com/office/drawing/2014/main" val="7677006"/>
+                  </a:ext>
+                </a:extLst>
+              </a:tr>
+              <a:tr h="1199484">
+                <a:tc>
+                  <a:txBody>
+                    <a:bodyPr/>
+                    <a:lstStyle/>
+                    <a:p>
+                      <a:r>
+                        <a:rPr lang="fr-CA" dirty="0" err="1"/>
+                        <a:t>componentWillUnmount</a:t>
+                      </a:r>
+                      <a:r>
+                        <a:rPr lang="fr-CA" dirty="0"/>
+                        <a:t>()</a:t>
+                      </a:r>
+                    </a:p>
+                  </a:txBody>
+                  <a:tcPr/>
+                </a:tc>
+                <a:tc>
+                  <a:txBody>
+                    <a:bodyPr/>
+                    <a:lstStyle/>
+                    <a:p>
+                      <a:pPr marL="285750" indent="-285750">
+                        <a:buFont typeface="Arial" panose="020B0604020202020204" pitchFamily="34" charset="0"/>
+                        <a:buChar char="•"/>
+                      </a:pPr>
+                      <a:r>
+                        <a:rPr lang="fr-CA" dirty="0"/>
+                        <a:t>Avant qu’il soit </a:t>
+                      </a:r>
+                      <a:r>
+                        <a:rPr lang="fr-CA" dirty="0" err="1"/>
+                        <a:t>unmount</a:t>
+                      </a:r>
+                      <a:r>
+                        <a:rPr lang="fr-CA" dirty="0"/>
+                        <a:t> du DOM </a:t>
+                      </a:r>
+                    </a:p>
+                    <a:p>
+                      <a:pPr marL="285750" indent="-285750">
+                        <a:buFont typeface="Arial" panose="020B0604020202020204" pitchFamily="34" charset="0"/>
+                        <a:buChar char="•"/>
+                      </a:pPr>
+                      <a:r>
+                        <a:rPr lang="fr-CA" dirty="0"/>
+                        <a:t>Ne pas utiliser </a:t>
+                      </a:r>
+                      <a:r>
+                        <a:rPr lang="fr-CA" dirty="0" err="1"/>
+                        <a:t>setState</a:t>
+                      </a:r>
+                      <a:endParaRPr lang="fr-CA" dirty="0"/>
+                    </a:p>
+                    <a:p>
+                      <a:pPr marL="285750" indent="-285750">
+                        <a:buFont typeface="Arial" panose="020B0604020202020204" pitchFamily="34" charset="0"/>
+                        <a:buChar char="•"/>
+                      </a:pPr>
+                      <a:r>
+                        <a:rPr lang="fr-CA" dirty="0"/>
+                        <a:t>Endroit pour nettoyer les </a:t>
+                      </a:r>
+                      <a:r>
+                        <a:rPr lang="fr-CA" dirty="0" err="1"/>
+                        <a:t>timers</a:t>
+                      </a:r>
+                      <a:r>
+                        <a:rPr lang="fr-CA" dirty="0"/>
+                        <a:t>, process et </a:t>
+                      </a:r>
+                      <a:r>
+                        <a:rPr lang="fr-CA" dirty="0" err="1"/>
+                        <a:t>event</a:t>
+                      </a:r>
+                      <a:r>
+                        <a:rPr lang="fr-CA" dirty="0"/>
+                        <a:t> </a:t>
+                      </a:r>
+                      <a:r>
+                        <a:rPr lang="fr-CA" dirty="0" err="1"/>
+                        <a:t>listeners</a:t>
+                      </a:r>
+                      <a:endParaRPr lang="fr-CA" dirty="0"/>
+                    </a:p>
+                  </a:txBody>
+                  <a:tcPr/>
+                </a:tc>
+                <a:extLst>
+                  <a:ext uri="{0D108BD9-81ED-4DB2-BD59-A6C34878D82A}">
+                    <a16:rowId xmlns:a16="http://schemas.microsoft.com/office/drawing/2014/main" val="3437331998"/>
+                  </a:ext>
+                </a:extLst>
+              </a:tr>
+            </a:tbl>
+          </a:graphicData>
+        </a:graphic>
+      </p:graphicFrame>
     </p:spTree>
     <p:extLst>
       <p:ext uri="{BB962C8B-B14F-4D97-AF65-F5344CB8AC3E}">
-        <p14:creationId xmlns:p14="http://schemas.microsoft.com/office/powerpoint/2010/main" val="614099496"/>
+        <p14:creationId xmlns:p14="http://schemas.microsoft.com/office/powerpoint/2010/main" val="1204436758"/>
       </p:ext>
     </p:extLst>
   </p:cSld>
@@ -10775,7 +11265,7 @@
           <p:cNvPr id="2" name="Title 1">
             <a:extLst>
               <a:ext uri="{FF2B5EF4-FFF2-40B4-BE49-F238E27FC236}">
-                <a16:creationId xmlns:a16="http://schemas.microsoft.com/office/drawing/2014/main" id="{BBA7C400-A4FE-4EBB-924E-57B007DF095C}"/>
+                <a16:creationId xmlns:a16="http://schemas.microsoft.com/office/drawing/2014/main" id="{AA65C3F0-8428-48AE-8FBA-78CC105C44CA}"/>
               </a:ext>
             </a:extLst>
           </p:cNvPr>
@@ -10786,185 +11276,347 @@
             <p:ph type="title"/>
           </p:nvPr>
         </p:nvSpPr>
-        <p:spPr/>
+        <p:spPr>
+          <a:xfrm>
+            <a:off x="838200" y="365125"/>
+            <a:ext cx="10975848" cy="1325563"/>
+          </a:xfrm>
+        </p:spPr>
         <p:txBody>
           <a:bodyPr/>
           <a:lstStyle/>
           <a:p>
             <a:r>
+              <a:rPr lang="fr-CA" dirty="0"/>
+              <a:t>How and </a:t>
+            </a:r>
+            <a:r>
+              <a:rPr lang="fr-CA" dirty="0" err="1"/>
+              <a:t>When</a:t>
+            </a:r>
+            <a:r>
+              <a:rPr lang="fr-CA" dirty="0"/>
+              <a:t> use </a:t>
+            </a:r>
+            <a:r>
+              <a:rPr lang="fr-CA" dirty="0" err="1"/>
+              <a:t>lifecycle</a:t>
+            </a:r>
+            <a:r>
+              <a:rPr lang="fr-CA" dirty="0"/>
+              <a:t> </a:t>
+            </a:r>
+            <a:r>
+              <a:rPr lang="fr-CA" dirty="0" err="1"/>
+              <a:t>method</a:t>
+            </a:r>
+            <a:r>
+              <a:rPr lang="fr-CA" dirty="0"/>
+              <a:t> (</a:t>
+            </a:r>
+            <a:r>
               <a:rPr lang="fr-CA" dirty="0" err="1"/>
               <a:t>React</a:t>
             </a:r>
             <a:r>
               <a:rPr lang="fr-CA" dirty="0"/>
-              <a:t> Profiler (</a:t>
-            </a:r>
-            <a:r>
-              <a:rPr lang="fr-CA" dirty="0" err="1"/>
-              <a:t>todo</a:t>
-            </a:r>
-            <a:r>
-              <a:rPr lang="fr-CA" dirty="0"/>
-              <a:t>)</a:t>
-            </a:r>
-          </a:p>
-        </p:txBody>
-      </p:sp>
-      <p:sp>
-        <p:nvSpPr>
-          <p:cNvPr id="3" name="Content Placeholder 2">
-            <a:extLst>
-              <a:ext uri="{FF2B5EF4-FFF2-40B4-BE49-F238E27FC236}">
-                <a16:creationId xmlns:a16="http://schemas.microsoft.com/office/drawing/2014/main" id="{283FD2DC-9271-40AA-9767-9A3B47CC7110}"/>
-              </a:ext>
-            </a:extLst>
-          </p:cNvPr>
-          <p:cNvSpPr>
-            <a:spLocks noGrp="1"/>
-          </p:cNvSpPr>
+              <a:t> 16)</a:t>
+            </a:r>
+          </a:p>
+        </p:txBody>
+      </p:sp>
+      <p:graphicFrame>
+        <p:nvGraphicFramePr>
+          <p:cNvPr id="4" name="Content Placeholder 3">
+            <a:extLst>
+              <a:ext uri="{FF2B5EF4-FFF2-40B4-BE49-F238E27FC236}">
+                <a16:creationId xmlns:a16="http://schemas.microsoft.com/office/drawing/2014/main" id="{205428AB-9D70-4678-A192-863BBE998C77}"/>
+              </a:ext>
+            </a:extLst>
+          </p:cNvPr>
+          <p:cNvGraphicFramePr>
+            <a:graphicFrameLocks noGrp="1"/>
+          </p:cNvGraphicFramePr>
           <p:nvPr>
             <p:ph idx="1"/>
-          </p:nvPr>
-        </p:nvSpPr>
-        <p:spPr>
-          <a:xfrm>
-            <a:off x="838200" y="1825625"/>
-            <a:ext cx="10515600" cy="4351338"/>
-          </a:xfrm>
-        </p:spPr>
-        <p:txBody>
-          <a:bodyPr>
-            <a:normAutofit/>
-          </a:bodyPr>
-          <a:lstStyle/>
-          <a:p>
-            <a:pPr marL="0" indent="0">
-              <a:buNone/>
-            </a:pPr>
-            <a:r>
-              <a:rPr lang="fr-CA" dirty="0"/>
-              <a:t>Rappel 2 étapes importantes de </a:t>
-            </a:r>
-            <a:r>
-              <a:rPr lang="fr-CA" dirty="0" err="1"/>
-              <a:t>React</a:t>
-            </a:r>
-            <a:endParaRPr lang="fr-CA" dirty="0"/>
-          </a:p>
-          <a:p>
-            <a:r>
-              <a:rPr lang="fr-CA" dirty="0" err="1"/>
-              <a:t>Render</a:t>
-            </a:r>
-            <a:r>
-              <a:rPr lang="fr-CA" dirty="0"/>
-              <a:t>: </a:t>
-            </a:r>
-            <a:r>
-              <a:rPr lang="fr-CA" dirty="0" err="1"/>
-              <a:t>React</a:t>
-            </a:r>
-            <a:r>
-              <a:rPr lang="fr-CA" dirty="0"/>
-              <a:t> détermine ce qui change par rapport précédent </a:t>
-            </a:r>
-            <a:r>
-              <a:rPr lang="fr-CA" dirty="0" err="1"/>
-              <a:t>render</a:t>
-            </a:r>
-            <a:endParaRPr lang="fr-CA" dirty="0"/>
-          </a:p>
-          <a:p>
-            <a:r>
-              <a:rPr lang="fr-CA" dirty="0"/>
-              <a:t>Commit: </a:t>
-            </a:r>
-            <a:r>
-              <a:rPr lang="fr-CA" dirty="0" err="1"/>
-              <a:t>React</a:t>
-            </a:r>
-            <a:r>
-              <a:rPr lang="fr-CA" dirty="0"/>
-              <a:t> applique les changements nécessaires au DOM</a:t>
-            </a:r>
-          </a:p>
-          <a:p>
-            <a:endParaRPr lang="fr-CA" dirty="0"/>
-          </a:p>
-          <a:p>
-            <a:pPr marL="0" indent="0">
-              <a:buNone/>
-            </a:pPr>
-            <a:r>
-              <a:rPr lang="fr-CA" dirty="0"/>
-              <a:t>Le profiling focus à trouver les problèmes au niveau du commit.</a:t>
-            </a:r>
-          </a:p>
-          <a:p>
-            <a:r>
-              <a:rPr lang="fr-CA" dirty="0"/>
-              <a:t>Le temps de </a:t>
-            </a:r>
-            <a:r>
-              <a:rPr lang="fr-CA" dirty="0" err="1"/>
-              <a:t>render</a:t>
-            </a:r>
-            <a:r>
-              <a:rPr lang="fr-CA" dirty="0"/>
-              <a:t> par component</a:t>
-            </a:r>
-          </a:p>
-          <a:p>
-            <a:r>
-              <a:rPr lang="fr-CA" dirty="0"/>
-              <a:t>Le nombre de fois qu’il se fait </a:t>
-            </a:r>
-            <a:r>
-              <a:rPr lang="fr-CA" dirty="0" err="1"/>
-              <a:t>render</a:t>
-            </a:r>
-            <a:endParaRPr lang="fr-CA" dirty="0"/>
-          </a:p>
-        </p:txBody>
-      </p:sp>
-      <p:sp>
-        <p:nvSpPr>
-          <p:cNvPr id="5" name="Rectangle 4">
-            <a:extLst>
-              <a:ext uri="{FF2B5EF4-FFF2-40B4-BE49-F238E27FC236}">
-                <a16:creationId xmlns:a16="http://schemas.microsoft.com/office/drawing/2014/main" id="{55181D60-2660-4572-9239-7FF8F5856E9A}"/>
-              </a:ext>
-            </a:extLst>
-          </p:cNvPr>
-          <p:cNvSpPr/>
-          <p:nvPr/>
-        </p:nvSpPr>
-        <p:spPr>
-          <a:xfrm>
-            <a:off x="838200" y="5807631"/>
-            <a:ext cx="5013960" cy="369332"/>
-          </a:xfrm>
-          <a:prstGeom prst="rect">
-            <a:avLst/>
-          </a:prstGeom>
-        </p:spPr>
-        <p:txBody>
-          <a:bodyPr wrap="square">
-            <a:spAutoFit/>
-          </a:bodyPr>
-          <a:lstStyle/>
-          <a:p>
-            <a:r>
-              <a:rPr lang="fr-CA" dirty="0"/>
-              <a:t>Démo: /Profiling Tools</a:t>
-            </a:r>
-          </a:p>
-        </p:txBody>
-      </p:sp>
+            <p:extLst>
+              <p:ext uri="{D42A27DB-BD31-4B8C-83A1-F6EECF244321}">
+                <p14:modId xmlns:p14="http://schemas.microsoft.com/office/powerpoint/2010/main" val="394508774"/>
+              </p:ext>
+            </p:extLst>
+          </p:nvPr>
+        </p:nvGraphicFramePr>
+        <p:xfrm>
+          <a:off x="117230" y="1453528"/>
+          <a:ext cx="11957539" cy="2779760"/>
+        </p:xfrm>
+        <a:graphic>
+          <a:graphicData uri="http://schemas.openxmlformats.org/drawingml/2006/table">
+            <a:tbl>
+              <a:tblPr firstRow="1" bandRow="1">
+                <a:tableStyleId>{5C22544A-7EE6-4342-B048-85BDC9FD1C3A}</a:tableStyleId>
+              </a:tblPr>
+              <a:tblGrid>
+                <a:gridCol w="4245793">
+                  <a:extLst>
+                    <a:ext uri="{9D8B030D-6E8A-4147-A177-3AD203B41FA5}">
+                      <a16:colId xmlns:a16="http://schemas.microsoft.com/office/drawing/2014/main" val="181093278"/>
+                    </a:ext>
+                  </a:extLst>
+                </a:gridCol>
+                <a:gridCol w="7711746">
+                  <a:extLst>
+                    <a:ext uri="{9D8B030D-6E8A-4147-A177-3AD203B41FA5}">
+                      <a16:colId xmlns:a16="http://schemas.microsoft.com/office/drawing/2014/main" val="209439746"/>
+                    </a:ext>
+                  </a:extLst>
+                </a:gridCol>
+              </a:tblGrid>
+              <a:tr h="694940">
+                <a:tc>
+                  <a:txBody>
+                    <a:bodyPr/>
+                    <a:lstStyle/>
+                    <a:p>
+                      <a:r>
+                        <a:rPr lang="fr-CA" dirty="0"/>
+                        <a:t>Méthode du </a:t>
+                      </a:r>
+                      <a:r>
+                        <a:rPr lang="fr-CA" dirty="0" err="1"/>
+                        <a:t>lifecyle</a:t>
+                      </a:r>
+                      <a:endParaRPr lang="fr-CA" dirty="0"/>
+                    </a:p>
+                  </a:txBody>
+                  <a:tcPr/>
+                </a:tc>
+                <a:tc>
+                  <a:txBody>
+                    <a:bodyPr/>
+                    <a:lstStyle/>
+                    <a:p>
+                      <a:r>
+                        <a:rPr lang="fr-CA" dirty="0"/>
+                        <a:t>Détails</a:t>
+                      </a:r>
+                    </a:p>
+                  </a:txBody>
+                  <a:tcPr/>
+                </a:tc>
+                <a:extLst>
+                  <a:ext uri="{0D108BD9-81ED-4DB2-BD59-A6C34878D82A}">
+                    <a16:rowId xmlns:a16="http://schemas.microsoft.com/office/drawing/2014/main" val="3691666161"/>
+                  </a:ext>
+                </a:extLst>
+              </a:tr>
+              <a:tr h="694940">
+                <a:tc>
+                  <a:txBody>
+                    <a:bodyPr/>
+                    <a:lstStyle/>
+                    <a:p>
+                      <a:r>
+                        <a:rPr lang="fr-CA" dirty="0" err="1"/>
+                        <a:t>getDerivedStateFromProps</a:t>
+                      </a:r>
+                      <a:r>
+                        <a:rPr lang="fr-CA" dirty="0"/>
+                        <a:t>(</a:t>
+                      </a:r>
+                      <a:r>
+                        <a:rPr lang="fr-CA" dirty="0" err="1"/>
+                        <a:t>props</a:t>
+                      </a:r>
+                      <a:r>
+                        <a:rPr lang="fr-CA" dirty="0"/>
+                        <a:t>, state)</a:t>
+                      </a:r>
+                    </a:p>
+                  </a:txBody>
+                  <a:tcPr/>
+                </a:tc>
+                <a:tc>
+                  <a:txBody>
+                    <a:bodyPr/>
+                    <a:lstStyle/>
+                    <a:p>
+                      <a:pPr marL="285750" indent="-285750">
+                        <a:buFont typeface="Arial" panose="020B0604020202020204" pitchFamily="34" charset="0"/>
+                        <a:buChar char="•"/>
+                      </a:pPr>
+                      <a:r>
+                        <a:rPr lang="fr-CA" dirty="0"/>
+                        <a:t>Appelé avant chaque </a:t>
+                      </a:r>
+                      <a:r>
+                        <a:rPr lang="fr-CA" dirty="0" err="1"/>
+                        <a:t>render</a:t>
+                      </a:r>
+                      <a:endParaRPr lang="fr-CA" dirty="0"/>
+                    </a:p>
+                    <a:p>
+                      <a:pPr marL="285750" indent="-285750">
+                        <a:buFont typeface="Arial" panose="020B0604020202020204" pitchFamily="34" charset="0"/>
+                        <a:buChar char="•"/>
+                      </a:pPr>
+                      <a:r>
+                        <a:rPr lang="fr-CA" dirty="0"/>
+                        <a:t>Permet de retourner des modifications au state</a:t>
+                      </a:r>
+                    </a:p>
+                  </a:txBody>
+                  <a:tcPr/>
+                </a:tc>
+                <a:extLst>
+                  <a:ext uri="{0D108BD9-81ED-4DB2-BD59-A6C34878D82A}">
+                    <a16:rowId xmlns:a16="http://schemas.microsoft.com/office/drawing/2014/main" val="1175331947"/>
+                  </a:ext>
+                </a:extLst>
+              </a:tr>
+              <a:tr h="694940">
+                <a:tc>
+                  <a:txBody>
+                    <a:bodyPr/>
+                    <a:lstStyle/>
+                    <a:p>
+                      <a:r>
+                        <a:rPr lang="fr-CA" dirty="0" err="1"/>
+                        <a:t>getSnapshotBeforeUpdate</a:t>
+                      </a:r>
+                      <a:r>
+                        <a:rPr lang="fr-CA" dirty="0"/>
+                        <a:t>(</a:t>
+                      </a:r>
+                      <a:r>
+                        <a:rPr lang="fr-CA" dirty="0" err="1"/>
+                        <a:t>prevProps</a:t>
+                      </a:r>
+                      <a:r>
+                        <a:rPr lang="fr-CA" dirty="0"/>
+                        <a:t>, </a:t>
+                      </a:r>
+                      <a:r>
+                        <a:rPr lang="fr-CA" dirty="0" err="1"/>
+                        <a:t>prevState</a:t>
+                      </a:r>
+                      <a:r>
+                        <a:rPr lang="fr-CA" dirty="0"/>
+                        <a:t>)</a:t>
+                      </a:r>
+                    </a:p>
+                  </a:txBody>
+                  <a:tcPr/>
+                </a:tc>
+                <a:tc>
+                  <a:txBody>
+                    <a:bodyPr/>
+                    <a:lstStyle/>
+                    <a:p>
+                      <a:pPr marL="285750" indent="-285750">
+                        <a:buFont typeface="Arial" panose="020B0604020202020204" pitchFamily="34" charset="0"/>
+                        <a:buChar char="•"/>
+                      </a:pPr>
+                      <a:r>
+                        <a:rPr lang="fr-CA" dirty="0"/>
+                        <a:t>Permet de </a:t>
+                      </a:r>
+                      <a:r>
+                        <a:rPr lang="fr-CA" dirty="0" err="1"/>
+                        <a:t>compute</a:t>
+                      </a:r>
+                      <a:r>
+                        <a:rPr lang="fr-CA" dirty="0"/>
+                        <a:t> du data qui va être accessible dans le </a:t>
+                      </a:r>
+                      <a:r>
+                        <a:rPr lang="fr-CA" dirty="0" err="1"/>
+                        <a:t>componentDidUpdate</a:t>
+                      </a:r>
+                      <a:endParaRPr lang="fr-CA" dirty="0"/>
+                    </a:p>
+                  </a:txBody>
+                  <a:tcPr/>
+                </a:tc>
+                <a:extLst>
+                  <a:ext uri="{0D108BD9-81ED-4DB2-BD59-A6C34878D82A}">
+                    <a16:rowId xmlns:a16="http://schemas.microsoft.com/office/drawing/2014/main" val="1110155706"/>
+                  </a:ext>
+                </a:extLst>
+              </a:tr>
+              <a:tr h="694940">
+                <a:tc>
+                  <a:txBody>
+                    <a:bodyPr/>
+                    <a:lstStyle/>
+                    <a:p>
+                      <a:r>
+                        <a:rPr lang="fr-CA" dirty="0" err="1"/>
+                        <a:t>componentDidCatch</a:t>
+                      </a:r>
+                      <a:r>
+                        <a:rPr lang="fr-CA" dirty="0"/>
+                        <a:t>(</a:t>
+                      </a:r>
+                      <a:r>
+                        <a:rPr lang="fr-CA" dirty="0" err="1"/>
+                        <a:t>errorString</a:t>
+                      </a:r>
+                      <a:r>
+                        <a:rPr lang="fr-CA" dirty="0"/>
+                        <a:t>, </a:t>
+                      </a:r>
+                      <a:r>
+                        <a:rPr lang="fr-CA" dirty="0" err="1"/>
+                        <a:t>errorInfo</a:t>
+                      </a:r>
+                      <a:r>
+                        <a:rPr lang="fr-CA" dirty="0"/>
+                        <a:t>)</a:t>
+                      </a:r>
+                    </a:p>
+                  </a:txBody>
+                  <a:tcPr/>
+                </a:tc>
+                <a:tc>
+                  <a:txBody>
+                    <a:bodyPr/>
+                    <a:lstStyle/>
+                    <a:p>
+                      <a:pPr marL="285750" indent="-285750">
+                        <a:buFont typeface="Arial" panose="020B0604020202020204" pitchFamily="34" charset="0"/>
+                        <a:buChar char="•"/>
+                      </a:pPr>
+                      <a:r>
+                        <a:rPr lang="fr-CA" dirty="0"/>
+                        <a:t>Attrape toutes les erreurs non attrapé par les </a:t>
+                      </a:r>
+                      <a:r>
+                        <a:rPr lang="fr-CA" dirty="0" err="1"/>
+                        <a:t>childs</a:t>
+                      </a:r>
+                      <a:r>
+                        <a:rPr lang="fr-CA" dirty="0"/>
+                        <a:t> components</a:t>
+                      </a:r>
+                    </a:p>
+                  </a:txBody>
+                  <a:tcPr/>
+                </a:tc>
+                <a:extLst>
+                  <a:ext uri="{0D108BD9-81ED-4DB2-BD59-A6C34878D82A}">
+                    <a16:rowId xmlns:a16="http://schemas.microsoft.com/office/drawing/2014/main" val="702503530"/>
+                  </a:ext>
+                </a:extLst>
+              </a:tr>
+            </a:tbl>
+          </a:graphicData>
+        </a:graphic>
+      </p:graphicFrame>
     </p:spTree>
     <p:extLst>
       <p:ext uri="{BB962C8B-B14F-4D97-AF65-F5344CB8AC3E}">
-        <p14:creationId xmlns:p14="http://schemas.microsoft.com/office/powerpoint/2010/main" val="1015803924"/>
+        <p14:creationId xmlns:p14="http://schemas.microsoft.com/office/powerpoint/2010/main" val="4143327455"/>
       </p:ext>
     </p:extLst>
   </p:cSld>
@@ -10996,6 +11648,454 @@
           <p:cNvPr id="2" name="Title 1">
             <a:extLst>
               <a:ext uri="{FF2B5EF4-FFF2-40B4-BE49-F238E27FC236}">
+                <a16:creationId xmlns:a16="http://schemas.microsoft.com/office/drawing/2014/main" id="{26ACBA9A-C772-48F1-ADB4-160A6F2B87BB}"/>
+              </a:ext>
+            </a:extLst>
+          </p:cNvPr>
+          <p:cNvSpPr>
+            <a:spLocks noGrp="1"/>
+          </p:cNvSpPr>
+          <p:nvPr>
+            <p:ph type="title"/>
+          </p:nvPr>
+        </p:nvSpPr>
+        <p:spPr/>
+        <p:txBody>
+          <a:bodyPr/>
+          <a:lstStyle/>
+          <a:p>
+            <a:r>
+              <a:rPr lang="fr-CA" dirty="0"/>
+              <a:t>Exos #4: Inside a </a:t>
+            </a:r>
+            <a:r>
+              <a:rPr lang="fr-CA" dirty="0" err="1"/>
+              <a:t>React</a:t>
+            </a:r>
+            <a:r>
+              <a:rPr lang="fr-CA" dirty="0"/>
+              <a:t> Component Life (optionnel)</a:t>
+            </a:r>
+          </a:p>
+        </p:txBody>
+      </p:sp>
+      <p:sp>
+        <p:nvSpPr>
+          <p:cNvPr id="3" name="Content Placeholder 2">
+            <a:extLst>
+              <a:ext uri="{FF2B5EF4-FFF2-40B4-BE49-F238E27FC236}">
+                <a16:creationId xmlns:a16="http://schemas.microsoft.com/office/drawing/2014/main" id="{3D265ABA-2E39-4ACB-AE32-AE10177C1227}"/>
+              </a:ext>
+            </a:extLst>
+          </p:cNvPr>
+          <p:cNvSpPr>
+            <a:spLocks noGrp="1"/>
+          </p:cNvSpPr>
+          <p:nvPr>
+            <p:ph idx="1"/>
+          </p:nvPr>
+        </p:nvSpPr>
+        <p:spPr/>
+        <p:txBody>
+          <a:bodyPr/>
+          <a:lstStyle/>
+          <a:p>
+            <a:r>
+              <a:rPr lang="en-CA" dirty="0"/>
+              <a:t>Onglet: “Inside a React Component Life”</a:t>
+            </a:r>
+          </a:p>
+          <a:p>
+            <a:endParaRPr lang="en-CA" dirty="0"/>
+          </a:p>
+          <a:p>
+            <a:pPr marL="0" indent="0">
+              <a:buNone/>
+            </a:pPr>
+            <a:r>
+              <a:rPr lang="fr-CA" dirty="0">
+                <a:hlinkClick r:id="rId2"/>
+              </a:rPr>
+              <a:t>https://medium.com/@sgobinda007/playing-with-component-lifecycle-methods-of-react-16-3-4c946c1e6982</a:t>
+            </a:r>
+            <a:r>
+              <a:rPr lang="fr-CA" dirty="0"/>
+              <a:t> </a:t>
+            </a:r>
+          </a:p>
+          <a:p>
+            <a:pPr marL="0" indent="0">
+              <a:buNone/>
+            </a:pPr>
+            <a:endParaRPr lang="en-CA" dirty="0"/>
+          </a:p>
+          <a:p>
+            <a:pPr marL="0" indent="0">
+              <a:buNone/>
+            </a:pPr>
+            <a:r>
+              <a:rPr lang="fr-CA" dirty="0">
+                <a:hlinkClick r:id="rId3"/>
+              </a:rPr>
+              <a:t>https://blog.bitsrc.io/react-16-lifecycle-methods-how-and-when-to-use-them-f4ad31fb2282</a:t>
+            </a:r>
+            <a:endParaRPr lang="fr-CA" dirty="0"/>
+          </a:p>
+          <a:p>
+            <a:pPr marL="0" indent="0">
+              <a:buNone/>
+            </a:pPr>
+            <a:endParaRPr lang="fr-CA" dirty="0"/>
+          </a:p>
+        </p:txBody>
+      </p:sp>
+    </p:spTree>
+    <p:extLst>
+      <p:ext uri="{BB962C8B-B14F-4D97-AF65-F5344CB8AC3E}">
+        <p14:creationId xmlns:p14="http://schemas.microsoft.com/office/powerpoint/2010/main" val="2994482953"/>
+      </p:ext>
+    </p:extLst>
+  </p:cSld>
+  <p:clrMapOvr>
+    <a:masterClrMapping/>
+  </p:clrMapOvr>
+</p:sld>
+</file>
+
+<file path=ppt/slides/slide36.xml><?xml version="1.0" encoding="utf-8"?>
+<p:sld xmlns:a="http://schemas.openxmlformats.org/drawingml/2006/main" xmlns:r="http://schemas.openxmlformats.org/officeDocument/2006/relationships" xmlns:p="http://schemas.openxmlformats.org/presentationml/2006/main">
+  <p:cSld>
+    <p:spTree>
+      <p:nvGrpSpPr>
+        <p:cNvPr id="1" name=""/>
+        <p:cNvGrpSpPr/>
+        <p:nvPr/>
+      </p:nvGrpSpPr>
+      <p:grpSpPr>
+        <a:xfrm>
+          <a:off x="0" y="0"/>
+          <a:ext cx="0" cy="0"/>
+          <a:chOff x="0" y="0"/>
+          <a:chExt cx="0" cy="0"/>
+        </a:xfrm>
+      </p:grpSpPr>
+      <p:sp>
+        <p:nvSpPr>
+          <p:cNvPr id="4" name="Title 3">
+            <a:extLst>
+              <a:ext uri="{FF2B5EF4-FFF2-40B4-BE49-F238E27FC236}">
+                <a16:creationId xmlns:a16="http://schemas.microsoft.com/office/drawing/2014/main" id="{B75295A1-A828-4ADA-BCE1-4C8896295C27}"/>
+              </a:ext>
+            </a:extLst>
+          </p:cNvPr>
+          <p:cNvSpPr>
+            <a:spLocks noGrp="1"/>
+          </p:cNvSpPr>
+          <p:nvPr>
+            <p:ph type="title"/>
+          </p:nvPr>
+        </p:nvSpPr>
+        <p:spPr/>
+        <p:txBody>
+          <a:bodyPr/>
+          <a:lstStyle/>
+          <a:p>
+            <a:r>
+              <a:rPr lang="fr-CA" dirty="0"/>
+              <a:t>6 – </a:t>
+            </a:r>
+            <a:r>
+              <a:rPr lang="fr-CA" dirty="0" err="1"/>
+              <a:t>React</a:t>
+            </a:r>
+            <a:r>
+              <a:rPr lang="fr-CA" dirty="0"/>
+              <a:t> Profiler</a:t>
+            </a:r>
+          </a:p>
+        </p:txBody>
+      </p:sp>
+      <p:sp>
+        <p:nvSpPr>
+          <p:cNvPr id="5" name="Text Placeholder 4">
+            <a:extLst>
+              <a:ext uri="{FF2B5EF4-FFF2-40B4-BE49-F238E27FC236}">
+                <a16:creationId xmlns:a16="http://schemas.microsoft.com/office/drawing/2014/main" id="{9AB539E5-379D-48F0-A141-68E22F6ED824}"/>
+              </a:ext>
+            </a:extLst>
+          </p:cNvPr>
+          <p:cNvSpPr>
+            <a:spLocks noGrp="1"/>
+          </p:cNvSpPr>
+          <p:nvPr>
+            <p:ph type="body" idx="1"/>
+          </p:nvPr>
+        </p:nvSpPr>
+        <p:spPr/>
+        <p:txBody>
+          <a:bodyPr/>
+          <a:lstStyle/>
+          <a:p>
+            <a:endParaRPr lang="fr-CA"/>
+          </a:p>
+        </p:txBody>
+      </p:sp>
+    </p:spTree>
+    <p:extLst>
+      <p:ext uri="{BB962C8B-B14F-4D97-AF65-F5344CB8AC3E}">
+        <p14:creationId xmlns:p14="http://schemas.microsoft.com/office/powerpoint/2010/main" val="614099496"/>
+      </p:ext>
+    </p:extLst>
+  </p:cSld>
+  <p:clrMapOvr>
+    <a:masterClrMapping/>
+  </p:clrMapOvr>
+</p:sld>
+</file>
+
+<file path=ppt/slides/slide37.xml><?xml version="1.0" encoding="utf-8"?>
+<p:sld xmlns:a="http://schemas.openxmlformats.org/drawingml/2006/main" xmlns:r="http://schemas.openxmlformats.org/officeDocument/2006/relationships" xmlns:p="http://schemas.openxmlformats.org/presentationml/2006/main">
+  <p:cSld>
+    <p:spTree>
+      <p:nvGrpSpPr>
+        <p:cNvPr id="1" name=""/>
+        <p:cNvGrpSpPr/>
+        <p:nvPr/>
+      </p:nvGrpSpPr>
+      <p:grpSpPr>
+        <a:xfrm>
+          <a:off x="0" y="0"/>
+          <a:ext cx="0" cy="0"/>
+          <a:chOff x="0" y="0"/>
+          <a:chExt cx="0" cy="0"/>
+        </a:xfrm>
+      </p:grpSpPr>
+      <p:sp>
+        <p:nvSpPr>
+          <p:cNvPr id="2" name="Title 1">
+            <a:extLst>
+              <a:ext uri="{FF2B5EF4-FFF2-40B4-BE49-F238E27FC236}">
+                <a16:creationId xmlns:a16="http://schemas.microsoft.com/office/drawing/2014/main" id="{BBA7C400-A4FE-4EBB-924E-57B007DF095C}"/>
+              </a:ext>
+            </a:extLst>
+          </p:cNvPr>
+          <p:cNvSpPr>
+            <a:spLocks noGrp="1"/>
+          </p:cNvSpPr>
+          <p:nvPr>
+            <p:ph type="title"/>
+          </p:nvPr>
+        </p:nvSpPr>
+        <p:spPr/>
+        <p:txBody>
+          <a:bodyPr/>
+          <a:lstStyle/>
+          <a:p>
+            <a:r>
+              <a:rPr lang="fr-CA" dirty="0" err="1"/>
+              <a:t>React</a:t>
+            </a:r>
+            <a:r>
+              <a:rPr lang="fr-CA" dirty="0"/>
+              <a:t> Profiler (</a:t>
+            </a:r>
+            <a:r>
+              <a:rPr lang="fr-CA" dirty="0" err="1"/>
+              <a:t>todo</a:t>
+            </a:r>
+            <a:r>
+              <a:rPr lang="fr-CA" dirty="0"/>
+              <a:t>)</a:t>
+            </a:r>
+          </a:p>
+        </p:txBody>
+      </p:sp>
+      <p:sp>
+        <p:nvSpPr>
+          <p:cNvPr id="3" name="Content Placeholder 2">
+            <a:extLst>
+              <a:ext uri="{FF2B5EF4-FFF2-40B4-BE49-F238E27FC236}">
+                <a16:creationId xmlns:a16="http://schemas.microsoft.com/office/drawing/2014/main" id="{283FD2DC-9271-40AA-9767-9A3B47CC7110}"/>
+              </a:ext>
+            </a:extLst>
+          </p:cNvPr>
+          <p:cNvSpPr>
+            <a:spLocks noGrp="1"/>
+          </p:cNvSpPr>
+          <p:nvPr>
+            <p:ph idx="1"/>
+          </p:nvPr>
+        </p:nvSpPr>
+        <p:spPr>
+          <a:xfrm>
+            <a:off x="838200" y="1825625"/>
+            <a:ext cx="10515600" cy="4351338"/>
+          </a:xfrm>
+        </p:spPr>
+        <p:txBody>
+          <a:bodyPr>
+            <a:normAutofit/>
+          </a:bodyPr>
+          <a:lstStyle/>
+          <a:p>
+            <a:pPr marL="0" indent="0">
+              <a:buNone/>
+            </a:pPr>
+            <a:r>
+              <a:rPr lang="fr-CA" dirty="0"/>
+              <a:t>Rappel 2 étapes importantes de </a:t>
+            </a:r>
+            <a:r>
+              <a:rPr lang="fr-CA" dirty="0" err="1"/>
+              <a:t>React</a:t>
+            </a:r>
+            <a:endParaRPr lang="fr-CA" dirty="0"/>
+          </a:p>
+          <a:p>
+            <a:r>
+              <a:rPr lang="fr-CA" dirty="0" err="1"/>
+              <a:t>Render</a:t>
+            </a:r>
+            <a:r>
+              <a:rPr lang="fr-CA" dirty="0"/>
+              <a:t>: </a:t>
+            </a:r>
+            <a:r>
+              <a:rPr lang="fr-CA" dirty="0" err="1"/>
+              <a:t>React</a:t>
+            </a:r>
+            <a:r>
+              <a:rPr lang="fr-CA" dirty="0"/>
+              <a:t> détermine ce qui change par rapport précédent </a:t>
+            </a:r>
+            <a:r>
+              <a:rPr lang="fr-CA" dirty="0" err="1"/>
+              <a:t>render</a:t>
+            </a:r>
+            <a:endParaRPr lang="fr-CA" dirty="0"/>
+          </a:p>
+          <a:p>
+            <a:r>
+              <a:rPr lang="fr-CA" dirty="0"/>
+              <a:t>Commit: </a:t>
+            </a:r>
+            <a:r>
+              <a:rPr lang="fr-CA" dirty="0" err="1"/>
+              <a:t>React</a:t>
+            </a:r>
+            <a:r>
+              <a:rPr lang="fr-CA" dirty="0"/>
+              <a:t> applique les changements nécessaires au DOM</a:t>
+            </a:r>
+          </a:p>
+          <a:p>
+            <a:endParaRPr lang="fr-CA" dirty="0"/>
+          </a:p>
+          <a:p>
+            <a:pPr marL="0" indent="0">
+              <a:buNone/>
+            </a:pPr>
+            <a:r>
+              <a:rPr lang="fr-CA" dirty="0"/>
+              <a:t>Le profiling focus à trouver les problèmes au niveau du commit.</a:t>
+            </a:r>
+          </a:p>
+          <a:p>
+            <a:r>
+              <a:rPr lang="fr-CA" dirty="0"/>
+              <a:t>Le temps de </a:t>
+            </a:r>
+            <a:r>
+              <a:rPr lang="fr-CA" dirty="0" err="1"/>
+              <a:t>render</a:t>
+            </a:r>
+            <a:r>
+              <a:rPr lang="fr-CA" dirty="0"/>
+              <a:t> par component</a:t>
+            </a:r>
+          </a:p>
+          <a:p>
+            <a:r>
+              <a:rPr lang="fr-CA" dirty="0"/>
+              <a:t>Le nombre de fois qu’il se fait </a:t>
+            </a:r>
+            <a:r>
+              <a:rPr lang="fr-CA" dirty="0" err="1"/>
+              <a:t>render</a:t>
+            </a:r>
+            <a:endParaRPr lang="fr-CA" dirty="0"/>
+          </a:p>
+        </p:txBody>
+      </p:sp>
+      <p:sp>
+        <p:nvSpPr>
+          <p:cNvPr id="5" name="Rectangle 4">
+            <a:extLst>
+              <a:ext uri="{FF2B5EF4-FFF2-40B4-BE49-F238E27FC236}">
+                <a16:creationId xmlns:a16="http://schemas.microsoft.com/office/drawing/2014/main" id="{55181D60-2660-4572-9239-7FF8F5856E9A}"/>
+              </a:ext>
+            </a:extLst>
+          </p:cNvPr>
+          <p:cNvSpPr/>
+          <p:nvPr/>
+        </p:nvSpPr>
+        <p:spPr>
+          <a:xfrm>
+            <a:off x="838200" y="5807631"/>
+            <a:ext cx="5013960" cy="369332"/>
+          </a:xfrm>
+          <a:prstGeom prst="rect">
+            <a:avLst/>
+          </a:prstGeom>
+        </p:spPr>
+        <p:txBody>
+          <a:bodyPr wrap="square">
+            <a:spAutoFit/>
+          </a:bodyPr>
+          <a:lstStyle/>
+          <a:p>
+            <a:r>
+              <a:rPr lang="fr-CA" dirty="0"/>
+              <a:t>Démo: /Profiling Tools</a:t>
+            </a:r>
+          </a:p>
+        </p:txBody>
+      </p:sp>
+    </p:spTree>
+    <p:extLst>
+      <p:ext uri="{BB962C8B-B14F-4D97-AF65-F5344CB8AC3E}">
+        <p14:creationId xmlns:p14="http://schemas.microsoft.com/office/powerpoint/2010/main" val="1015803924"/>
+      </p:ext>
+    </p:extLst>
+  </p:cSld>
+  <p:clrMapOvr>
+    <a:masterClrMapping/>
+  </p:clrMapOvr>
+</p:sld>
+</file>
+
+<file path=ppt/slides/slide38.xml><?xml version="1.0" encoding="utf-8"?>
+<p:sld xmlns:a="http://schemas.openxmlformats.org/drawingml/2006/main" xmlns:r="http://schemas.openxmlformats.org/officeDocument/2006/relationships" xmlns:p="http://schemas.openxmlformats.org/presentationml/2006/main">
+  <p:cSld>
+    <p:spTree>
+      <p:nvGrpSpPr>
+        <p:cNvPr id="1" name=""/>
+        <p:cNvGrpSpPr/>
+        <p:nvPr/>
+      </p:nvGrpSpPr>
+      <p:grpSpPr>
+        <a:xfrm>
+          <a:off x="0" y="0"/>
+          <a:ext cx="0" cy="0"/>
+          <a:chOff x="0" y="0"/>
+          <a:chExt cx="0" cy="0"/>
+        </a:xfrm>
+      </p:grpSpPr>
+      <p:sp>
+        <p:nvSpPr>
+          <p:cNvPr id="2" name="Title 1">
+            <a:extLst>
+              <a:ext uri="{FF2B5EF4-FFF2-40B4-BE49-F238E27FC236}">
                 <a16:creationId xmlns:a16="http://schemas.microsoft.com/office/drawing/2014/main" id="{B9989088-6A08-442A-95D5-B5DF3D54BD05}"/>
               </a:ext>
             </a:extLst>
@@ -11156,7 +12256,7 @@
 </p:sld>
 </file>
 
-<file path=ppt/slides/slide36.xml><?xml version="1.0" encoding="utf-8"?>
+<file path=ppt/slides/slide39.xml><?xml version="1.0" encoding="utf-8"?>
 <p:sld xmlns:a="http://schemas.openxmlformats.org/drawingml/2006/main" xmlns:r="http://schemas.openxmlformats.org/officeDocument/2006/relationships" xmlns:p="http://schemas.openxmlformats.org/presentationml/2006/main">
   <p:cSld>
     <p:spTree>
@@ -11442,7 +12542,7 @@
         <p:spPr>
           <a:xfrm>
             <a:off x="650757" y="1688981"/>
-            <a:ext cx="10515600" cy="4803894"/>
+            <a:ext cx="8531343" cy="4803894"/>
           </a:xfrm>
         </p:spPr>
         <p:txBody>
@@ -11460,11 +12560,67 @@
             </a:r>
             <a:r>
               <a:rPr lang="fr-CA" dirty="0" err="1"/>
-              <a:t>Programming</a:t>
-            </a:r>
-            <a:r>
-              <a:rPr lang="fr-CA" dirty="0"/>
-              <a:t> Interface for HTML »</a:t>
+              <a:t>While</a:t>
+            </a:r>
+            <a:r>
+              <a:rPr lang="fr-CA" dirty="0"/>
+              <a:t> HTML </a:t>
+            </a:r>
+            <a:r>
+              <a:rPr lang="fr-CA" dirty="0" err="1"/>
+              <a:t>is</a:t>
+            </a:r>
+            <a:r>
+              <a:rPr lang="fr-CA" dirty="0"/>
+              <a:t> a </a:t>
+            </a:r>
+            <a:r>
+              <a:rPr lang="fr-CA" dirty="0" err="1"/>
+              <a:t>text</a:t>
+            </a:r>
+            <a:r>
+              <a:rPr lang="fr-CA" dirty="0"/>
+              <a:t>, the DOM </a:t>
+            </a:r>
+            <a:r>
+              <a:rPr lang="fr-CA" dirty="0" err="1"/>
+              <a:t>is</a:t>
+            </a:r>
+            <a:r>
+              <a:rPr lang="fr-CA" dirty="0"/>
+              <a:t> an in-memory </a:t>
+            </a:r>
+            <a:r>
+              <a:rPr lang="fr-CA" dirty="0" err="1"/>
+              <a:t>representation</a:t>
+            </a:r>
+            <a:r>
+              <a:rPr lang="fr-CA" dirty="0"/>
+              <a:t> of </a:t>
+            </a:r>
+            <a:r>
+              <a:rPr lang="fr-CA" dirty="0" err="1"/>
+              <a:t>this</a:t>
+            </a:r>
+            <a:r>
+              <a:rPr lang="fr-CA" dirty="0"/>
+              <a:t> </a:t>
+            </a:r>
+            <a:r>
+              <a:rPr lang="fr-CA" dirty="0" err="1"/>
+              <a:t>structured</a:t>
+            </a:r>
+            <a:r>
+              <a:rPr lang="fr-CA" dirty="0"/>
+              <a:t> </a:t>
+            </a:r>
+            <a:r>
+              <a:rPr lang="fr-CA" dirty="0" err="1"/>
+              <a:t>text</a:t>
+            </a:r>
+            <a:r>
+              <a:rPr lang="fr-CA" dirty="0"/>
+              <a:t> »</a:t>
             </a:r>
           </a:p>
           <a:p>
@@ -11476,24 +12632,21 @@
           <a:p>
             <a:r>
               <a:rPr lang="fr-CA" dirty="0"/>
-              <a:t>Représente ce qui est afficher dans le browser</a:t>
-            </a:r>
-          </a:p>
-          <a:p>
-            <a:r>
-              <a:rPr lang="fr-CA" dirty="0"/>
-              <a:t>La représentation est un arbre de </a:t>
-            </a:r>
-            <a:r>
-              <a:rPr lang="fr-CA" dirty="0" err="1"/>
-              <a:t>node</a:t>
-            </a:r>
-            <a:endParaRPr lang="fr-CA" dirty="0"/>
-          </a:p>
-          <a:p>
-            <a:r>
-              <a:rPr lang="fr-CA" dirty="0"/>
-              <a:t>Offre méthode pour manipuler cette arbre</a:t>
+              <a:t>Les éléments du HTML devient des </a:t>
+            </a:r>
+            <a:r>
+              <a:rPr lang="fr-CA" dirty="0" err="1"/>
+              <a:t>nodes</a:t>
+            </a:r>
+            <a:r>
+              <a:rPr lang="fr-CA" dirty="0"/>
+              <a:t> dans le DOM</a:t>
+            </a:r>
+          </a:p>
+          <a:p>
+            <a:r>
+              <a:rPr lang="fr-CA" dirty="0"/>
+              <a:t>HTML DOM offre interface pour traverser et modifier cet arbre</a:t>
             </a:r>
           </a:p>
           <a:p>
@@ -11553,7 +12706,7 @@
           <p:nvPr/>
         </p:nvPicPr>
         <p:blipFill>
-          <a:blip r:embed="rId2">
+          <a:blip r:embed="rId3">
             <a:extLst>
               <a:ext uri="{28A0092B-C50C-407E-A947-70E740481C1C}">
                 <a14:useLocalDpi xmlns:a14="http://schemas.microsoft.com/office/drawing/2010/main" val="0"/>
@@ -11567,7 +12720,7 @@
         </p:blipFill>
         <p:spPr bwMode="auto">
           <a:xfrm>
-            <a:off x="6516197" y="2616200"/>
+            <a:off x="6481762" y="2857500"/>
             <a:ext cx="5400675" cy="3876675"/>
           </a:xfrm>
           <a:prstGeom prst="rect">
@@ -11822,7 +12975,7 @@
         <p:spPr bwMode="auto">
           <a:xfrm>
             <a:off x="334939" y="2332526"/>
-            <a:ext cx="6584607" cy="2911918"/>
+            <a:ext cx="6315136" cy="3191974"/>
           </a:xfrm>
           <a:prstGeom prst="rect">
             <a:avLst/>
@@ -11853,8 +13006,8 @@
         </p:nvSpPr>
         <p:spPr>
           <a:xfrm>
-            <a:off x="6702114" y="1386896"/>
-            <a:ext cx="4783667" cy="2585323"/>
+            <a:off x="6207320" y="1480160"/>
+            <a:ext cx="5761061" cy="2308324"/>
           </a:xfrm>
           <a:prstGeom prst="rect">
             <a:avLst/>
@@ -11989,8 +13142,8 @@
         </p:blipFill>
         <p:spPr>
           <a:xfrm>
-            <a:off x="6720043" y="4614057"/>
-            <a:ext cx="4457700" cy="1095375"/>
+            <a:off x="6343032" y="4398157"/>
+            <a:ext cx="5514029" cy="1354943"/>
           </a:xfrm>
           <a:prstGeom prst="rect">
             <a:avLst/>
@@ -12029,10 +13182,10 @@
       </p:grpSpPr>
       <p:sp>
         <p:nvSpPr>
-          <p:cNvPr id="4" name="Title 3">
-            <a:extLst>
-              <a:ext uri="{FF2B5EF4-FFF2-40B4-BE49-F238E27FC236}">
-                <a16:creationId xmlns:a16="http://schemas.microsoft.com/office/drawing/2014/main" id="{B75295A1-A828-4ADA-BCE1-4C8896295C27}"/>
+          <p:cNvPr id="2" name="Title 1">
+            <a:extLst>
+              <a:ext uri="{FF2B5EF4-FFF2-40B4-BE49-F238E27FC236}">
+                <a16:creationId xmlns:a16="http://schemas.microsoft.com/office/drawing/2014/main" id="{94C5DD8F-1E6F-46C7-8662-4054EFE8C6AF}"/>
               </a:ext>
             </a:extLst>
           </p:cNvPr>
@@ -12050,48 +13203,92 @@
           <a:p>
             <a:r>
               <a:rPr lang="fr-CA" dirty="0"/>
-              <a:t>2 - </a:t>
-            </a:r>
-            <a:r>
-              <a:rPr lang="fr-CA" dirty="0" err="1"/>
-              <a:t>React</a:t>
-            </a:r>
-            <a:r>
-              <a:rPr lang="fr-CA" dirty="0"/>
-              <a:t> Building Block</a:t>
-            </a:r>
-          </a:p>
-        </p:txBody>
-      </p:sp>
-      <p:sp>
-        <p:nvSpPr>
-          <p:cNvPr id="5" name="Text Placeholder 4">
-            <a:extLst>
-              <a:ext uri="{FF2B5EF4-FFF2-40B4-BE49-F238E27FC236}">
-                <a16:creationId xmlns:a16="http://schemas.microsoft.com/office/drawing/2014/main" id="{9AB539E5-379D-48F0-A141-68E22F6ED824}"/>
-              </a:ext>
-            </a:extLst>
-          </p:cNvPr>
-          <p:cNvSpPr>
-            <a:spLocks noGrp="1"/>
-          </p:cNvSpPr>
-          <p:nvPr>
-            <p:ph type="body" idx="1"/>
-          </p:nvPr>
-        </p:nvSpPr>
-        <p:spPr/>
-        <p:txBody>
-          <a:bodyPr/>
+              <a:t>Le problème avec les </a:t>
+            </a:r>
+            <a:r>
+              <a:rPr lang="fr-CA" dirty="0" err="1"/>
+              <a:t>SPAs</a:t>
+            </a:r>
+            <a:r>
+              <a:rPr lang="fr-CA" dirty="0"/>
+              <a:t> et le DOM</a:t>
+            </a:r>
+          </a:p>
+        </p:txBody>
+      </p:sp>
+      <p:sp>
+        <p:nvSpPr>
+          <p:cNvPr id="3" name="Content Placeholder 2">
+            <a:extLst>
+              <a:ext uri="{FF2B5EF4-FFF2-40B4-BE49-F238E27FC236}">
+                <a16:creationId xmlns:a16="http://schemas.microsoft.com/office/drawing/2014/main" id="{46CD1C3A-5463-4B0A-83D8-9322E7DA9BE9}"/>
+              </a:ext>
+            </a:extLst>
+          </p:cNvPr>
+          <p:cNvSpPr>
+            <a:spLocks noGrp="1"/>
+          </p:cNvSpPr>
+          <p:nvPr>
+            <p:ph idx="1"/>
+          </p:nvPr>
+        </p:nvSpPr>
+        <p:spPr>
+          <a:xfrm>
+            <a:off x="838200" y="3047999"/>
+            <a:ext cx="10515600" cy="2374901"/>
+          </a:xfrm>
+        </p:spPr>
+        <p:txBody>
+          <a:bodyPr>
+            <a:normAutofit/>
+          </a:bodyPr>
           <a:lstStyle/>
           <a:p>
-            <a:endParaRPr lang="fr-CA"/>
+            <a:pPr marL="0" indent="0" algn="ctr">
+              <a:buNone/>
+            </a:pPr>
+            <a:r>
+              <a:rPr lang="fr-CA" sz="4000" dirty="0"/>
+              <a:t>Les sites </a:t>
+            </a:r>
+            <a:r>
+              <a:rPr lang="fr-CA" sz="4000" dirty="0" err="1"/>
+              <a:t>webs</a:t>
+            </a:r>
+            <a:r>
+              <a:rPr lang="fr-CA" sz="4000" dirty="0"/>
+              <a:t> dynamique demande de sans cesse modifier le DOM </a:t>
+            </a:r>
+            <a:r>
+              <a:rPr lang="fr-CA" sz="4000" dirty="0" err="1"/>
+              <a:t>Tree</a:t>
+            </a:r>
+            <a:r>
+              <a:rPr lang="fr-CA" sz="4000" dirty="0"/>
+              <a:t>… faudrait que ca soit fait de façon efficace.</a:t>
+            </a:r>
+          </a:p>
+          <a:p>
+            <a:pPr marL="0" indent="0" algn="ctr">
+              <a:buNone/>
+            </a:pPr>
+            <a:endParaRPr lang="fr-CA" sz="4000" dirty="0"/>
+          </a:p>
+          <a:p>
+            <a:pPr marL="0" indent="0" algn="ctr">
+              <a:buNone/>
+            </a:pPr>
+            <a:endParaRPr lang="fr-CA" sz="4000" dirty="0"/>
+          </a:p>
+          <a:p>
+            <a:endParaRPr lang="fr-CA" dirty="0"/>
           </a:p>
         </p:txBody>
       </p:sp>
     </p:spTree>
     <p:extLst>
       <p:ext uri="{BB962C8B-B14F-4D97-AF65-F5344CB8AC3E}">
-        <p14:creationId xmlns:p14="http://schemas.microsoft.com/office/powerpoint/2010/main" val="745899161"/>
+        <p14:creationId xmlns:p14="http://schemas.microsoft.com/office/powerpoint/2010/main" val="1419167254"/>
       </p:ext>
     </p:extLst>
   </p:cSld>
@@ -12120,10 +13317,10 @@
       </p:grpSpPr>
       <p:sp>
         <p:nvSpPr>
-          <p:cNvPr id="2" name="Title 1">
-            <a:extLst>
-              <a:ext uri="{FF2B5EF4-FFF2-40B4-BE49-F238E27FC236}">
-                <a16:creationId xmlns:a16="http://schemas.microsoft.com/office/drawing/2014/main" id="{AAA3AA28-3EEA-46A4-A6A9-386816C14C2B}"/>
+          <p:cNvPr id="4" name="Title 3">
+            <a:extLst>
+              <a:ext uri="{FF2B5EF4-FFF2-40B4-BE49-F238E27FC236}">
+                <a16:creationId xmlns:a16="http://schemas.microsoft.com/office/drawing/2014/main" id="{B75295A1-A828-4ADA-BCE1-4C8896295C27}"/>
               </a:ext>
             </a:extLst>
           </p:cNvPr>
@@ -12140,392 +13337,41 @@
           <a:lstStyle/>
           <a:p>
             <a:r>
-              <a:rPr lang="fr-CA" dirty="0" err="1"/>
-              <a:t>React</a:t>
-            </a:r>
-            <a:r>
-              <a:rPr lang="fr-CA" dirty="0"/>
-              <a:t> Building Block</a:t>
-            </a:r>
-            <a:endParaRPr lang="en-CA" dirty="0"/>
-          </a:p>
-        </p:txBody>
-      </p:sp>
-      <p:graphicFrame>
-        <p:nvGraphicFramePr>
-          <p:cNvPr id="4" name="Content Placeholder 3">
-            <a:extLst>
-              <a:ext uri="{FF2B5EF4-FFF2-40B4-BE49-F238E27FC236}">
-                <a16:creationId xmlns:a16="http://schemas.microsoft.com/office/drawing/2014/main" id="{F7C6E9C4-784F-4F65-AACC-12B3C607BF8C}"/>
-              </a:ext>
-            </a:extLst>
-          </p:cNvPr>
-          <p:cNvGraphicFramePr>
-            <a:graphicFrameLocks noGrp="1"/>
-          </p:cNvGraphicFramePr>
-          <p:nvPr>
-            <p:ph idx="1"/>
-            <p:extLst>
-              <p:ext uri="{D42A27DB-BD31-4B8C-83A1-F6EECF244321}">
-                <p14:modId xmlns:p14="http://schemas.microsoft.com/office/powerpoint/2010/main" val="2784638117"/>
-              </p:ext>
-            </p:extLst>
-          </p:nvPr>
-        </p:nvGraphicFramePr>
-        <p:xfrm>
-          <a:off x="838200" y="1825625"/>
-          <a:ext cx="10251141" cy="3210560"/>
-        </p:xfrm>
-        <a:graphic>
-          <a:graphicData uri="http://schemas.openxmlformats.org/drawingml/2006/table">
-            <a:tbl>
-              <a:tblPr firstRow="1" bandRow="1">
-                <a:tableStyleId>{5C22544A-7EE6-4342-B048-85BDC9FD1C3A}</a:tableStyleId>
-              </a:tblPr>
-              <a:tblGrid>
-                <a:gridCol w="5023691">
-                  <a:extLst>
-                    <a:ext uri="{9D8B030D-6E8A-4147-A177-3AD203B41FA5}">
-                      <a16:colId xmlns:a16="http://schemas.microsoft.com/office/drawing/2014/main" val="59715496"/>
-                    </a:ext>
-                  </a:extLst>
-                </a:gridCol>
-                <a:gridCol w="5227450">
-                  <a:extLst>
-                    <a:ext uri="{9D8B030D-6E8A-4147-A177-3AD203B41FA5}">
-                      <a16:colId xmlns:a16="http://schemas.microsoft.com/office/drawing/2014/main" val="2795418203"/>
-                    </a:ext>
-                  </a:extLst>
-                </a:gridCol>
-              </a:tblGrid>
-              <a:tr h="370840">
-                <a:tc>
-                  <a:txBody>
-                    <a:bodyPr/>
-                    <a:lstStyle/>
-                    <a:p>
-                      <a:r>
-                        <a:rPr lang="fr-CA" dirty="0"/>
-                        <a:t>Nom</a:t>
-                      </a:r>
-                      <a:endParaRPr lang="en-CA" dirty="0"/>
-                    </a:p>
-                  </a:txBody>
-                  <a:tcPr/>
-                </a:tc>
-                <a:tc>
-                  <a:txBody>
-                    <a:bodyPr/>
-                    <a:lstStyle/>
-                    <a:p>
-                      <a:r>
-                        <a:rPr lang="fr-CA" dirty="0"/>
-                        <a:t>Description</a:t>
-                      </a:r>
-                      <a:endParaRPr lang="en-CA" dirty="0"/>
-                    </a:p>
-                  </a:txBody>
-                  <a:tcPr/>
-                </a:tc>
-                <a:extLst>
-                  <a:ext uri="{0D108BD9-81ED-4DB2-BD59-A6C34878D82A}">
-                    <a16:rowId xmlns:a16="http://schemas.microsoft.com/office/drawing/2014/main" val="3222690779"/>
-                  </a:ext>
-                </a:extLst>
-              </a:tr>
-              <a:tr h="370840">
-                <a:tc>
-                  <a:txBody>
-                    <a:bodyPr/>
-                    <a:lstStyle/>
-                    <a:p>
-                      <a:r>
-                        <a:rPr lang="fr-CA" dirty="0" err="1"/>
-                        <a:t>ReactElement</a:t>
-                      </a:r>
-                      <a:endParaRPr lang="en-CA" dirty="0"/>
-                    </a:p>
-                  </a:txBody>
-                  <a:tcPr/>
-                </a:tc>
-                <a:tc>
-                  <a:txBody>
-                    <a:bodyPr/>
-                    <a:lstStyle/>
-                    <a:p>
-                      <a:pPr marL="285750" indent="-285750">
-                        <a:buFont typeface="Arial" panose="020B0604020202020204" pitchFamily="34" charset="0"/>
-                        <a:buChar char="•"/>
-                      </a:pPr>
-                      <a:r>
-                        <a:rPr lang="fr-CA" dirty="0"/>
-                        <a:t>« Light, </a:t>
-                      </a:r>
-                      <a:r>
-                        <a:rPr lang="fr-CA" dirty="0" err="1"/>
-                        <a:t>stateless</a:t>
-                      </a:r>
-                      <a:r>
-                        <a:rPr lang="fr-CA" dirty="0"/>
-                        <a:t>, immutable, </a:t>
-                      </a:r>
-                      <a:r>
-                        <a:rPr lang="fr-CA" dirty="0" err="1"/>
-                        <a:t>virtual</a:t>
-                      </a:r>
-                      <a:r>
-                        <a:rPr lang="fr-CA" dirty="0"/>
-                        <a:t> </a:t>
-                      </a:r>
-                      <a:r>
-                        <a:rPr lang="fr-CA" dirty="0" err="1"/>
-                        <a:t>representation</a:t>
-                      </a:r>
-                      <a:r>
-                        <a:rPr lang="fr-CA" dirty="0"/>
-                        <a:t> of a DOM </a:t>
-                      </a:r>
-                      <a:r>
-                        <a:rPr lang="fr-CA" dirty="0" err="1"/>
-                        <a:t>Element</a:t>
-                      </a:r>
-                      <a:r>
-                        <a:rPr lang="fr-CA" dirty="0"/>
-                        <a:t> »</a:t>
-                      </a:r>
-                      <a:endParaRPr lang="en-CA" dirty="0"/>
-                    </a:p>
-                  </a:txBody>
-                  <a:tcPr/>
-                </a:tc>
-                <a:extLst>
-                  <a:ext uri="{0D108BD9-81ED-4DB2-BD59-A6C34878D82A}">
-                    <a16:rowId xmlns:a16="http://schemas.microsoft.com/office/drawing/2014/main" val="438316769"/>
-                  </a:ext>
-                </a:extLst>
-              </a:tr>
-              <a:tr h="370840">
-                <a:tc>
-                  <a:txBody>
-                    <a:bodyPr/>
-                    <a:lstStyle/>
-                    <a:p>
-                      <a:r>
-                        <a:rPr lang="fr-CA" dirty="0" err="1"/>
-                        <a:t>ReactComponent</a:t>
-                      </a:r>
-                      <a:endParaRPr lang="en-CA" dirty="0"/>
-                    </a:p>
-                  </a:txBody>
-                  <a:tcPr/>
-                </a:tc>
-                <a:tc>
-                  <a:txBody>
-                    <a:bodyPr/>
-                    <a:lstStyle/>
-                    <a:p>
-                      <a:pPr marL="285750" marR="0" lvl="0" indent="-285750" algn="l" defTabSz="914400" rtl="0" eaLnBrk="1" fontAlgn="auto" latinLnBrk="0" hangingPunct="1">
-                        <a:lnSpc>
-                          <a:spcPct val="100000"/>
-                        </a:lnSpc>
-                        <a:spcBef>
-                          <a:spcPts val="0"/>
-                        </a:spcBef>
-                        <a:spcAft>
-                          <a:spcPts val="0"/>
-                        </a:spcAft>
-                        <a:buClrTx/>
-                        <a:buSzTx/>
-                        <a:buFont typeface="Arial" panose="020B0604020202020204" pitchFamily="34" charset="0"/>
-                        <a:buChar char="•"/>
-                        <a:tabLst/>
-                        <a:defRPr/>
-                      </a:pPr>
-                      <a:r>
-                        <a:rPr lang="fr-CA" dirty="0" err="1"/>
-                        <a:t>Blueprint</a:t>
-                      </a:r>
-                      <a:r>
-                        <a:rPr lang="fr-CA" dirty="0"/>
-                        <a:t> (</a:t>
-                      </a:r>
-                      <a:r>
-                        <a:rPr lang="fr-CA" dirty="0" err="1"/>
-                        <a:t>litérallement</a:t>
-                      </a:r>
-                      <a:r>
-                        <a:rPr lang="fr-CA" dirty="0"/>
-                        <a:t> une classe (</a:t>
-                      </a:r>
-                      <a:r>
-                        <a:rPr lang="fr-CA" dirty="0" err="1"/>
-                        <a:t>i.e</a:t>
-                      </a:r>
-                      <a:r>
-                        <a:rPr lang="fr-CA" dirty="0"/>
-                        <a:t>: </a:t>
-                      </a:r>
-                      <a:r>
-                        <a:rPr lang="en-CA" sz="1800" b="0" kern="1200" dirty="0" err="1">
-                          <a:solidFill>
-                            <a:schemeClr val="dk1"/>
-                          </a:solidFill>
-                          <a:effectLst/>
-                          <a:latin typeface="+mn-lt"/>
-                          <a:ea typeface="+mn-ea"/>
-                          <a:cs typeface="+mn-cs"/>
-                        </a:rPr>
-                        <a:t>React.Component</a:t>
-                      </a:r>
-                      <a:r>
-                        <a:rPr lang="fr-CA" dirty="0"/>
-                        <a:t>))</a:t>
-                      </a:r>
-                    </a:p>
-                    <a:p>
-                      <a:pPr marL="285750" indent="-285750">
-                        <a:buFont typeface="Arial" panose="020B0604020202020204" pitchFamily="34" charset="0"/>
-                        <a:buChar char="•"/>
-                      </a:pPr>
-                      <a:r>
-                        <a:rPr lang="fr-CA" dirty="0" err="1"/>
-                        <a:t>Stateful</a:t>
-                      </a:r>
-                      <a:endParaRPr lang="fr-CA" dirty="0"/>
-                    </a:p>
-                    <a:p>
-                      <a:pPr marL="285750" indent="-285750">
-                        <a:buFont typeface="Arial" panose="020B0604020202020204" pitchFamily="34" charset="0"/>
-                        <a:buChar char="•"/>
-                      </a:pPr>
-                      <a:r>
-                        <a:rPr lang="fr-CA" dirty="0"/>
-                        <a:t>La méthode </a:t>
-                      </a:r>
-                      <a:r>
-                        <a:rPr lang="fr-CA" dirty="0" err="1"/>
-                        <a:t>render</a:t>
-                      </a:r>
-                      <a:r>
-                        <a:rPr lang="fr-CA" dirty="0"/>
-                        <a:t> retourne un </a:t>
-                      </a:r>
-                      <a:r>
-                        <a:rPr lang="fr-CA" dirty="0" err="1"/>
-                        <a:t>ReactElement</a:t>
-                      </a:r>
-                      <a:endParaRPr lang="en-CA" dirty="0"/>
-                    </a:p>
-                  </a:txBody>
-                  <a:tcPr/>
-                </a:tc>
-                <a:extLst>
-                  <a:ext uri="{0D108BD9-81ED-4DB2-BD59-A6C34878D82A}">
-                    <a16:rowId xmlns:a16="http://schemas.microsoft.com/office/drawing/2014/main" val="287501697"/>
-                  </a:ext>
-                </a:extLst>
-              </a:tr>
-              <a:tr h="370840">
-                <a:tc>
-                  <a:txBody>
-                    <a:bodyPr/>
-                    <a:lstStyle/>
-                    <a:p>
-                      <a:r>
-                        <a:rPr lang="fr-CA" dirty="0"/>
-                        <a:t>Component Instance</a:t>
-                      </a:r>
-                      <a:endParaRPr lang="en-CA" dirty="0"/>
-                    </a:p>
-                  </a:txBody>
-                  <a:tcPr/>
-                </a:tc>
-                <a:tc>
-                  <a:txBody>
-                    <a:bodyPr/>
-                    <a:lstStyle/>
-                    <a:p>
-                      <a:pPr marL="285750" indent="-285750">
-                        <a:buFont typeface="Arial" panose="020B0604020202020204" pitchFamily="34" charset="0"/>
-                        <a:buChar char="•"/>
-                      </a:pPr>
-                      <a:r>
-                        <a:rPr lang="fr-CA" dirty="0"/>
-                        <a:t>Instance d’un </a:t>
-                      </a:r>
-                      <a:r>
-                        <a:rPr lang="fr-CA" dirty="0" err="1"/>
-                        <a:t>ReactComponent</a:t>
-                      </a:r>
-                      <a:endParaRPr lang="fr-CA" dirty="0"/>
-                    </a:p>
-                    <a:p>
-                      <a:pPr marL="285750" indent="-285750">
-                        <a:buFont typeface="Arial" panose="020B0604020202020204" pitchFamily="34" charset="0"/>
-                        <a:buChar char="•"/>
-                      </a:pPr>
-                      <a:r>
-                        <a:rPr lang="fr-CA" dirty="0"/>
-                        <a:t>Équivalent à l’instance d’une classe</a:t>
-                      </a:r>
-                      <a:endParaRPr lang="en-CA" dirty="0"/>
-                    </a:p>
-                  </a:txBody>
-                  <a:tcPr/>
-                </a:tc>
-                <a:extLst>
-                  <a:ext uri="{0D108BD9-81ED-4DB2-BD59-A6C34878D82A}">
-                    <a16:rowId xmlns:a16="http://schemas.microsoft.com/office/drawing/2014/main" val="2575304264"/>
-                  </a:ext>
-                </a:extLst>
-              </a:tr>
-              <a:tr h="370840">
-                <a:tc>
-                  <a:txBody>
-                    <a:bodyPr/>
-                    <a:lstStyle/>
-                    <a:p>
-                      <a:r>
-                        <a:rPr lang="fr-CA" dirty="0"/>
-                        <a:t>Dom Instance (DOM Node)</a:t>
-                      </a:r>
-                      <a:endParaRPr lang="en-CA" dirty="0"/>
-                    </a:p>
-                  </a:txBody>
-                  <a:tcPr/>
-                </a:tc>
-                <a:tc>
-                  <a:txBody>
-                    <a:bodyPr/>
-                    <a:lstStyle/>
-                    <a:p>
-                      <a:pPr marL="285750" indent="-285750">
-                        <a:buFont typeface="Arial" panose="020B0604020202020204" pitchFamily="34" charset="0"/>
-                        <a:buChar char="•"/>
-                      </a:pPr>
-                      <a:r>
-                        <a:rPr lang="fr-CA" dirty="0"/>
-                        <a:t>Node dans le DOM du browser.</a:t>
-                      </a:r>
-                      <a:endParaRPr lang="en-CA" dirty="0"/>
-                    </a:p>
-                  </a:txBody>
-                  <a:tcPr/>
-                </a:tc>
-                <a:extLst>
-                  <a:ext uri="{0D108BD9-81ED-4DB2-BD59-A6C34878D82A}">
-                    <a16:rowId xmlns:a16="http://schemas.microsoft.com/office/drawing/2014/main" val="423049726"/>
-                  </a:ext>
-                </a:extLst>
-              </a:tr>
-            </a:tbl>
-          </a:graphicData>
-        </a:graphic>
-      </p:graphicFrame>
+              <a:rPr lang="fr-CA" dirty="0"/>
+              <a:t>2 – Virtual DOM</a:t>
+            </a:r>
+          </a:p>
+        </p:txBody>
+      </p:sp>
+      <p:sp>
+        <p:nvSpPr>
+          <p:cNvPr id="5" name="Text Placeholder 4">
+            <a:extLst>
+              <a:ext uri="{FF2B5EF4-FFF2-40B4-BE49-F238E27FC236}">
+                <a16:creationId xmlns:a16="http://schemas.microsoft.com/office/drawing/2014/main" id="{9AB539E5-379D-48F0-A141-68E22F6ED824}"/>
+              </a:ext>
+            </a:extLst>
+          </p:cNvPr>
+          <p:cNvSpPr>
+            <a:spLocks noGrp="1"/>
+          </p:cNvSpPr>
+          <p:nvPr>
+            <p:ph type="body" idx="1"/>
+          </p:nvPr>
+        </p:nvSpPr>
+        <p:spPr/>
+        <p:txBody>
+          <a:bodyPr/>
+          <a:lstStyle/>
+          <a:p>
+            <a:endParaRPr lang="fr-CA"/>
+          </a:p>
+        </p:txBody>
+      </p:sp>
     </p:spTree>
     <p:extLst>
       <p:ext uri="{BB962C8B-B14F-4D97-AF65-F5344CB8AC3E}">
-        <p14:creationId xmlns:p14="http://schemas.microsoft.com/office/powerpoint/2010/main" val="173315485"/>
+        <p14:creationId xmlns:p14="http://schemas.microsoft.com/office/powerpoint/2010/main" val="4093118613"/>
       </p:ext>
     </p:extLst>
   </p:cSld>
